--- a/107_SE_Team12_AR RPG結合區域行銷.pptx
+++ b/107_SE_Team12_AR RPG結合區域行銷.pptx
@@ -6,21 +6,21 @@
   </p:sldMasterIdLst>
   <p:sldIdLst>
     <p:sldId id="260" r:id="rId2"/>
-    <p:sldId id="257" r:id="rId3"/>
-    <p:sldId id="261" r:id="rId4"/>
-    <p:sldId id="262" r:id="rId5"/>
-    <p:sldId id="264" r:id="rId6"/>
-    <p:sldId id="266" r:id="rId7"/>
-    <p:sldId id="263" r:id="rId8"/>
-    <p:sldId id="268" r:id="rId9"/>
-    <p:sldId id="269" r:id="rId10"/>
-    <p:sldId id="272" r:id="rId11"/>
-    <p:sldId id="281" r:id="rId12"/>
-    <p:sldId id="280" r:id="rId13"/>
-    <p:sldId id="271" r:id="rId14"/>
-    <p:sldId id="274" r:id="rId15"/>
-    <p:sldId id="275" r:id="rId16"/>
-    <p:sldId id="276" r:id="rId17"/>
+    <p:sldId id="261" r:id="rId3"/>
+    <p:sldId id="262" r:id="rId4"/>
+    <p:sldId id="264" r:id="rId5"/>
+    <p:sldId id="266" r:id="rId6"/>
+    <p:sldId id="263" r:id="rId7"/>
+    <p:sldId id="268" r:id="rId8"/>
+    <p:sldId id="269" r:id="rId9"/>
+    <p:sldId id="272" r:id="rId10"/>
+    <p:sldId id="281" r:id="rId11"/>
+    <p:sldId id="280" r:id="rId12"/>
+    <p:sldId id="271" r:id="rId13"/>
+    <p:sldId id="274" r:id="rId14"/>
+    <p:sldId id="275" r:id="rId15"/>
+    <p:sldId id="276" r:id="rId16"/>
+    <p:sldId id="282" r:id="rId17"/>
     <p:sldId id="278" r:id="rId18"/>
     <p:sldId id="279" r:id="rId19"/>
   </p:sldIdLst>
@@ -123,7 +123,7 @@
   </p:defaultTextStyle>
   <p:extLst>
     <p:ext uri="{EFAFB233-063F-42B5-8137-9DF3F51BA10A}">
-      <p15:sldGuideLst xmlns:p15="http://schemas.microsoft.com/office/powerpoint/2012/main" xmlns="">
+      <p15:sldGuideLst xmlns:p15="http://schemas.microsoft.com/office/powerpoint/2012/main">
         <p15:guide id="1" orient="horz" pos="2160">
           <p15:clr>
             <a:srgbClr val="A4A3A4"/>
@@ -260,7 +260,7 @@
             <a:fld id="{8FFCEC07-D64F-4E5D-81E0-661D88DA05AE}" type="datetimeFigureOut">
               <a:rPr lang="zh-TW" altLang="en-US" smtClean="0"/>
               <a:pPr/>
-              <a:t>2018/11/14</a:t>
+              <a:t>2018/11/15</a:t>
             </a:fld>
             <a:endParaRPr lang="zh-TW" altLang="en-US"/>
           </a:p>
@@ -439,7 +439,7 @@
             <a:fld id="{8FFCEC07-D64F-4E5D-81E0-661D88DA05AE}" type="datetimeFigureOut">
               <a:rPr lang="zh-TW" altLang="en-US" smtClean="0"/>
               <a:pPr/>
-              <a:t>2018/11/14</a:t>
+              <a:t>2018/11/15</a:t>
             </a:fld>
             <a:endParaRPr lang="zh-TW" altLang="en-US"/>
           </a:p>
@@ -628,7 +628,7 @@
             <a:fld id="{8FFCEC07-D64F-4E5D-81E0-661D88DA05AE}" type="datetimeFigureOut">
               <a:rPr lang="zh-TW" altLang="en-US" smtClean="0"/>
               <a:pPr/>
-              <a:t>2018/11/14</a:t>
+              <a:t>2018/11/15</a:t>
             </a:fld>
             <a:endParaRPr lang="zh-TW" altLang="en-US"/>
           </a:p>
@@ -807,7 +807,7 @@
             <a:fld id="{8FFCEC07-D64F-4E5D-81E0-661D88DA05AE}" type="datetimeFigureOut">
               <a:rPr lang="zh-TW" altLang="en-US" smtClean="0"/>
               <a:pPr/>
-              <a:t>2018/11/14</a:t>
+              <a:t>2018/11/15</a:t>
             </a:fld>
             <a:endParaRPr lang="zh-TW" altLang="en-US"/>
           </a:p>
@@ -1008,7 +1008,7 @@
             <a:fld id="{8FFCEC07-D64F-4E5D-81E0-661D88DA05AE}" type="datetimeFigureOut">
               <a:rPr lang="zh-TW" altLang="en-US" smtClean="0"/>
               <a:pPr/>
-              <a:t>2018/11/14</a:t>
+              <a:t>2018/11/15</a:t>
             </a:fld>
             <a:endParaRPr lang="zh-TW" altLang="en-US"/>
           </a:p>
@@ -1305,7 +1305,7 @@
             <a:fld id="{8FFCEC07-D64F-4E5D-81E0-661D88DA05AE}" type="datetimeFigureOut">
               <a:rPr lang="zh-TW" altLang="en-US" smtClean="0"/>
               <a:pPr/>
-              <a:t>2018/11/14</a:t>
+              <a:t>2018/11/15</a:t>
             </a:fld>
             <a:endParaRPr lang="zh-TW" altLang="en-US"/>
           </a:p>
@@ -1741,7 +1741,7 @@
             <a:fld id="{8FFCEC07-D64F-4E5D-81E0-661D88DA05AE}" type="datetimeFigureOut">
               <a:rPr lang="zh-TW" altLang="en-US" smtClean="0"/>
               <a:pPr/>
-              <a:t>2018/11/14</a:t>
+              <a:t>2018/11/15</a:t>
             </a:fld>
             <a:endParaRPr lang="zh-TW" altLang="en-US"/>
           </a:p>
@@ -1868,7 +1868,7 @@
             <a:fld id="{8FFCEC07-D64F-4E5D-81E0-661D88DA05AE}" type="datetimeFigureOut">
               <a:rPr lang="zh-TW" altLang="en-US" smtClean="0"/>
               <a:pPr/>
-              <a:t>2018/11/14</a:t>
+              <a:t>2018/11/15</a:t>
             </a:fld>
             <a:endParaRPr lang="zh-TW" altLang="en-US"/>
           </a:p>
@@ -1972,7 +1972,7 @@
             <a:fld id="{8FFCEC07-D64F-4E5D-81E0-661D88DA05AE}" type="datetimeFigureOut">
               <a:rPr lang="zh-TW" altLang="en-US" smtClean="0"/>
               <a:pPr/>
-              <a:t>2018/11/14</a:t>
+              <a:t>2018/11/15</a:t>
             </a:fld>
             <a:endParaRPr lang="zh-TW" altLang="en-US"/>
           </a:p>
@@ -2258,7 +2258,7 @@
             <a:fld id="{8FFCEC07-D64F-4E5D-81E0-661D88DA05AE}" type="datetimeFigureOut">
               <a:rPr lang="zh-TW" altLang="en-US" smtClean="0"/>
               <a:pPr/>
-              <a:t>2018/11/14</a:t>
+              <a:t>2018/11/15</a:t>
             </a:fld>
             <a:endParaRPr lang="zh-TW" altLang="en-US"/>
           </a:p>
@@ -2524,7 +2524,7 @@
             <a:fld id="{8FFCEC07-D64F-4E5D-81E0-661D88DA05AE}" type="datetimeFigureOut">
               <a:rPr lang="zh-TW" altLang="en-US" smtClean="0"/>
               <a:pPr/>
-              <a:t>2018/11/14</a:t>
+              <a:t>2018/11/15</a:t>
             </a:fld>
             <a:endParaRPr lang="zh-TW" altLang="en-US"/>
           </a:p>
@@ -2779,7 +2779,7 @@
             <a:fld id="{8FFCEC07-D64F-4E5D-81E0-661D88DA05AE}" type="datetimeFigureOut">
               <a:rPr lang="zh-TW" altLang="en-US" smtClean="0"/>
               <a:pPr/>
-              <a:t>2018/11/14</a:t>
+              <a:t>2018/11/15</a:t>
             </a:fld>
             <a:endParaRPr lang="zh-TW" altLang="en-US"/>
           </a:p>
@@ -3515,32 +3515,45 @@
           <a:p>
             <a:r>
               <a:rPr lang="zh-TW" altLang="en-US" dirty="0" smtClean="0"/>
-              <a:t>功能結構圖</a:t>
+              <a:t>系統架構圖之一</a:t>
             </a:r>
             <a:endParaRPr lang="zh-TW" altLang="en-US" dirty="0"/>
           </a:p>
         </p:txBody>
       </p:sp>
-      <p:graphicFrame>
-        <p:nvGraphicFramePr>
-          <p:cNvPr id="21508" name="Object 4"/>
-          <p:cNvGraphicFramePr>
-            <a:graphicFrameLocks noChangeAspect="1"/>
-          </p:cNvGraphicFramePr>
+      <p:pic>
+        <p:nvPicPr>
+          <p:cNvPr id="51203" name="Picture 3"/>
+          <p:cNvPicPr>
+            <a:picLocks noChangeAspect="1" noChangeArrowheads="1"/>
+          </p:cNvPicPr>
           <p:nvPr/>
-        </p:nvGraphicFramePr>
-        <p:xfrm>
-          <a:off x="1571603" y="1571612"/>
-          <a:ext cx="6786611" cy="4980303"/>
-        </p:xfrm>
-        <a:graphic>
-          <a:graphicData uri="http://schemas.openxmlformats.org/presentationml/2006/ole">
-            <p:oleObj spid="_x0000_s21514" name="Visio" r:id="rId3" imgW="5821153" imgH="4370556" progId="Visio.Drawing.11">
-              <p:embed/>
-            </p:oleObj>
-          </a:graphicData>
-        </a:graphic>
-      </p:graphicFrame>
+        </p:nvPicPr>
+        <p:blipFill>
+          <a:blip r:embed="rId2"/>
+          <a:srcRect/>
+          <a:stretch>
+            <a:fillRect/>
+          </a:stretch>
+        </p:blipFill>
+        <p:spPr bwMode="auto">
+          <a:xfrm>
+            <a:off x="1857356" y="1643050"/>
+            <a:ext cx="5749512" cy="4786346"/>
+          </a:xfrm>
+          <a:prstGeom prst="rect">
+            <a:avLst/>
+          </a:prstGeom>
+          <a:noFill/>
+          <a:ln w="9525">
+            <a:noFill/>
+            <a:miter lim="800000"/>
+            <a:headEnd/>
+            <a:tailEnd/>
+          </a:ln>
+          <a:effectLst/>
+        </p:spPr>
+      </p:pic>
     </p:spTree>
   </p:cSld>
   <p:clrMapOvr>
@@ -3590,11 +3603,7 @@
           <a:p>
             <a:r>
               <a:rPr lang="zh-TW" altLang="en-US" dirty="0" smtClean="0"/>
-              <a:t>系統架構圖</a:t>
-            </a:r>
-            <a:r>
-              <a:rPr lang="zh-TW" altLang="en-US" dirty="0" smtClean="0"/>
-              <a:t>之一</a:t>
+              <a:t>系統架構圖之二</a:t>
             </a:r>
             <a:endParaRPr lang="zh-TW" altLang="en-US" dirty="0"/>
           </a:p>
@@ -3602,7 +3611,7 @@
       </p:sp>
       <p:pic>
         <p:nvPicPr>
-          <p:cNvPr id="51203" name="Picture 3"/>
+          <p:cNvPr id="50180" name="Picture 4"/>
           <p:cNvPicPr>
             <a:picLocks noChangeAspect="1" noChangeArrowheads="1"/>
           </p:cNvPicPr>
@@ -3617,8 +3626,8 @@
         </p:blipFill>
         <p:spPr bwMode="auto">
           <a:xfrm>
-            <a:off x="1857356" y="1643050"/>
-            <a:ext cx="5749512" cy="4786346"/>
+            <a:off x="285720" y="1714488"/>
+            <a:ext cx="8591550" cy="4495800"/>
           </a:xfrm>
           <a:prstGeom prst="rect">
             <a:avLst/>
@@ -3682,45 +3691,117 @@
           <a:p>
             <a:r>
               <a:rPr lang="zh-TW" altLang="en-US" dirty="0" smtClean="0"/>
-              <a:t>系統架構圖之二</a:t>
+              <a:t>程式啟動</a:t>
+            </a:r>
+            <a:r>
+              <a:rPr lang="en-US" altLang="zh-TW" dirty="0" smtClean="0"/>
+              <a:t>(</a:t>
+            </a:r>
+            <a:r>
+              <a:rPr lang="zh-TW" altLang="en-US" dirty="0" smtClean="0"/>
+              <a:t>資料庫</a:t>
+            </a:r>
+            <a:r>
+              <a:rPr lang="en-US" altLang="zh-TW" dirty="0" smtClean="0"/>
+              <a:t>)</a:t>
             </a:r>
             <a:endParaRPr lang="zh-TW" altLang="en-US" dirty="0"/>
           </a:p>
         </p:txBody>
       </p:sp>
-      <p:pic>
-        <p:nvPicPr>
-          <p:cNvPr id="50180" name="Picture 4"/>
-          <p:cNvPicPr>
-            <a:picLocks noChangeAspect="1" noChangeArrowheads="1"/>
-          </p:cNvPicPr>
+      <p:graphicFrame>
+        <p:nvGraphicFramePr>
+          <p:cNvPr id="47112" name="Object 8"/>
+          <p:cNvGraphicFramePr>
+            <a:graphicFrameLocks noChangeAspect="1"/>
+          </p:cNvGraphicFramePr>
           <p:nvPr/>
-        </p:nvPicPr>
-        <p:blipFill>
-          <a:blip r:embed="rId2"/>
-          <a:srcRect/>
-          <a:stretch>
-            <a:fillRect/>
-          </a:stretch>
-        </p:blipFill>
-        <p:spPr bwMode="auto">
-          <a:xfrm>
-            <a:off x="285720" y="1714488"/>
-            <a:ext cx="8591550" cy="4495800"/>
-          </a:xfrm>
-          <a:prstGeom prst="rect">
-            <a:avLst/>
-          </a:prstGeom>
-          <a:noFill/>
-          <a:ln w="9525">
-            <a:noFill/>
-            <a:miter lim="800000"/>
-            <a:headEnd/>
-            <a:tailEnd/>
-          </a:ln>
-          <a:effectLst/>
-        </p:spPr>
-      </p:pic>
+        </p:nvGraphicFramePr>
+        <p:xfrm>
+          <a:off x="1857356" y="1714487"/>
+          <a:ext cx="6858048" cy="4908295"/>
+        </p:xfrm>
+        <a:graphic>
+          <a:graphicData uri="http://schemas.openxmlformats.org/presentationml/2006/ole">
+            <mc:AlternateContent xmlns:mc="http://schemas.openxmlformats.org/markup-compatibility/2006">
+              <mc:Choice xmlns:v="urn:schemas-microsoft-com:vml" Requires="v">
+                <p:oleObj spid="_x0000_s47123" name="Visio" r:id="rId3" imgW="5578235" imgH="4463378" progId="Visio.Drawing.11">
+                  <p:embed/>
+                </p:oleObj>
+              </mc:Choice>
+              <mc:Fallback>
+                <p:oleObj name="Visio" r:id="rId3" imgW="5578235" imgH="4463378" progId="Visio.Drawing.11">
+                  <p:embed/>
+                  <p:pic>
+                    <p:nvPicPr>
+                      <p:cNvPr id="0" name="Picture 14"/>
+                      <p:cNvPicPr>
+                        <a:picLocks noChangeAspect="1" noChangeArrowheads="1"/>
+                      </p:cNvPicPr>
+                      <p:nvPr/>
+                    </p:nvPicPr>
+                    <p:blipFill>
+                      <a:blip r:embed="rId4">
+                        <a:extLst>
+                          <a:ext uri="{28A0092B-C50C-407E-A947-70E740481C1C}">
+                            <a14:useLocalDpi xmlns:a14="http://schemas.microsoft.com/office/drawing/2010/main" val="0"/>
+                          </a:ext>
+                        </a:extLst>
+                      </a:blip>
+                      <a:srcRect/>
+                      <a:stretch>
+                        <a:fillRect/>
+                      </a:stretch>
+                    </p:blipFill>
+                    <p:spPr bwMode="auto">
+                      <a:xfrm>
+                        <a:off x="1857356" y="1714487"/>
+                        <a:ext cx="6858048" cy="4908295"/>
+                      </a:xfrm>
+                      <a:prstGeom prst="rect">
+                        <a:avLst/>
+                      </a:prstGeom>
+                      <a:noFill/>
+                      <a:ln>
+                        <a:noFill/>
+                      </a:ln>
+                      <a:effectLst/>
+                      <a:extLst>
+                        <a:ext uri="{909E8E84-426E-40DD-AFC4-6F175D3DCCD1}">
+                          <a14:hiddenFill xmlns:a14="http://schemas.microsoft.com/office/drawing/2010/main">
+                            <a:solidFill>
+                              <a:schemeClr val="accent1"/>
+                            </a:solidFill>
+                          </a14:hiddenFill>
+                        </a:ext>
+                        <a:ext uri="{91240B29-F687-4F45-9708-019B960494DF}">
+                          <a14:hiddenLine xmlns:a14="http://schemas.microsoft.com/office/drawing/2010/main" w="9525">
+                            <a:solidFill>
+                              <a:schemeClr val="tx1"/>
+                            </a:solidFill>
+                            <a:miter lim="800000"/>
+                            <a:headEnd/>
+                            <a:tailEnd/>
+                          </a14:hiddenLine>
+                        </a:ext>
+                        <a:ext uri="{AF507438-7753-43E0-B8FC-AC1667EBCBE1}">
+                          <a14:hiddenEffects xmlns:a14="http://schemas.microsoft.com/office/drawing/2010/main">
+                            <a:effectLst>
+                              <a:outerShdw dist="35921" dir="2700000" algn="ctr" rotWithShape="0">
+                                <a:schemeClr val="bg2"/>
+                              </a:outerShdw>
+                            </a:effectLst>
+                          </a14:hiddenEffects>
+                        </a:ext>
+                      </a:extLst>
+                    </p:spPr>
+                  </p:pic>
+                </p:oleObj>
+              </mc:Fallback>
+            </mc:AlternateContent>
+          </a:graphicData>
+        </a:graphic>
+      </p:graphicFrame>
     </p:spTree>
   </p:cSld>
   <p:clrMapOvr>
@@ -3770,19 +3851,7 @@
           <a:p>
             <a:r>
               <a:rPr lang="zh-TW" altLang="en-US" dirty="0" smtClean="0"/>
-              <a:t>程式啟動</a:t>
-            </a:r>
-            <a:r>
-              <a:rPr lang="en-US" altLang="zh-TW" dirty="0" smtClean="0"/>
-              <a:t>(</a:t>
-            </a:r>
-            <a:r>
-              <a:rPr lang="zh-TW" altLang="en-US" dirty="0" smtClean="0"/>
-              <a:t>資料庫</a:t>
-            </a:r>
-            <a:r>
-              <a:rPr lang="en-US" altLang="zh-TW" dirty="0" smtClean="0"/>
-              <a:t>)</a:t>
+              <a:t>類別圖</a:t>
             </a:r>
             <a:endParaRPr lang="zh-TW" altLang="en-US" dirty="0"/>
           </a:p>
@@ -3790,21 +3859,94 @@
       </p:sp>
       <p:graphicFrame>
         <p:nvGraphicFramePr>
-          <p:cNvPr id="47112" name="Object 8"/>
+          <p:cNvPr id="28677" name="Object 5"/>
           <p:cNvGraphicFramePr>
             <a:graphicFrameLocks noChangeAspect="1"/>
           </p:cNvGraphicFramePr>
           <p:nvPr/>
         </p:nvGraphicFramePr>
         <p:xfrm>
-          <a:off x="1857356" y="1714487"/>
-          <a:ext cx="6858048" cy="4908295"/>
+          <a:off x="1500166" y="-357213"/>
+          <a:ext cx="7000924" cy="7051068"/>
         </p:xfrm>
         <a:graphic>
           <a:graphicData uri="http://schemas.openxmlformats.org/presentationml/2006/ole">
-            <p:oleObj spid="_x0000_s47118" name="Visio" r:id="rId3" imgW="5578235" imgH="4463378" progId="Visio.Drawing.11">
-              <p:embed/>
-            </p:oleObj>
+            <mc:AlternateContent xmlns:mc="http://schemas.openxmlformats.org/markup-compatibility/2006">
+              <mc:Choice xmlns:v="urn:schemas-microsoft-com:vml" Requires="v">
+                <p:oleObj spid="_x0000_s28688" name="Visio" r:id="rId3" imgW="8157514" imgH="7528494" progId="Visio.Drawing.11">
+                  <p:embed/>
+                </p:oleObj>
+              </mc:Choice>
+              <mc:Fallback>
+                <p:oleObj name="Visio" r:id="rId3" imgW="8157514" imgH="7528494" progId="Visio.Drawing.11">
+                  <p:embed/>
+                  <p:pic>
+                    <p:nvPicPr>
+                      <p:cNvPr id="0" name="Picture 11"/>
+                      <p:cNvPicPr>
+                        <a:picLocks noChangeAspect="1" noChangeArrowheads="1"/>
+                      </p:cNvPicPr>
+                      <p:nvPr/>
+                    </p:nvPicPr>
+                    <p:blipFill>
+                      <a:blip r:embed="rId4">
+                        <a:extLst>
+                          <a:ext uri="{28A0092B-C50C-407E-A947-70E740481C1C}">
+                            <a14:useLocalDpi xmlns:a14="http://schemas.microsoft.com/office/drawing/2010/main" val="0"/>
+                          </a:ext>
+                        </a:extLst>
+                      </a:blip>
+                      <a:srcRect/>
+                      <a:stretch>
+                        <a:fillRect/>
+                      </a:stretch>
+                    </p:blipFill>
+                    <p:spPr bwMode="auto">
+                      <a:xfrm>
+                        <a:off x="1500166" y="-357213"/>
+                        <a:ext cx="7000924" cy="7051068"/>
+                      </a:xfrm>
+                      <a:prstGeom prst="rect">
+                        <a:avLst/>
+                      </a:prstGeom>
+                      <a:noFill/>
+                      <a:ln>
+                        <a:noFill/>
+                      </a:ln>
+                      <a:effectLst/>
+                      <a:extLst>
+                        <a:ext uri="{909E8E84-426E-40DD-AFC4-6F175D3DCCD1}">
+                          <a14:hiddenFill xmlns:a14="http://schemas.microsoft.com/office/drawing/2010/main">
+                            <a:solidFill>
+                              <a:schemeClr val="accent1"/>
+                            </a:solidFill>
+                          </a14:hiddenFill>
+                        </a:ext>
+                        <a:ext uri="{91240B29-F687-4F45-9708-019B960494DF}">
+                          <a14:hiddenLine xmlns:a14="http://schemas.microsoft.com/office/drawing/2010/main" w="9525">
+                            <a:solidFill>
+                              <a:schemeClr val="tx1"/>
+                            </a:solidFill>
+                            <a:miter lim="800000"/>
+                            <a:headEnd/>
+                            <a:tailEnd/>
+                          </a14:hiddenLine>
+                        </a:ext>
+                        <a:ext uri="{AF507438-7753-43E0-B8FC-AC1667EBCBE1}">
+                          <a14:hiddenEffects xmlns:a14="http://schemas.microsoft.com/office/drawing/2010/main">
+                            <a:effectLst>
+                              <a:outerShdw dist="35921" dir="2700000" algn="ctr" rotWithShape="0">
+                                <a:schemeClr val="bg2"/>
+                              </a:outerShdw>
+                            </a:effectLst>
+                          </a14:hiddenEffects>
+                        </a:ext>
+                      </a:extLst>
+                    </p:spPr>
+                  </p:pic>
+                </p:oleObj>
+              </mc:Fallback>
+            </mc:AlternateContent>
           </a:graphicData>
         </a:graphic>
       </p:graphicFrame>
@@ -3857,7 +3999,7 @@
           <a:p>
             <a:r>
               <a:rPr lang="zh-TW" altLang="en-US" dirty="0" smtClean="0"/>
-              <a:t>類別圖</a:t>
+              <a:t>互動流程</a:t>
             </a:r>
             <a:endParaRPr lang="zh-TW" altLang="en-US" dirty="0"/>
           </a:p>
@@ -3865,21 +4007,94 @@
       </p:sp>
       <p:graphicFrame>
         <p:nvGraphicFramePr>
-          <p:cNvPr id="28677" name="Object 5"/>
+          <p:cNvPr id="48134" name="Object 6"/>
           <p:cNvGraphicFramePr>
             <a:graphicFrameLocks noChangeAspect="1"/>
           </p:cNvGraphicFramePr>
           <p:nvPr/>
         </p:nvGraphicFramePr>
         <p:xfrm>
-          <a:off x="1500166" y="-357213"/>
-          <a:ext cx="7000924" cy="7051068"/>
+          <a:off x="1714480" y="142852"/>
+          <a:ext cx="5940425" cy="6515100"/>
         </p:xfrm>
         <a:graphic>
           <a:graphicData uri="http://schemas.openxmlformats.org/presentationml/2006/ole">
-            <p:oleObj spid="_x0000_s28683" name="Visio" r:id="rId3" imgW="8157514" imgH="7528494" progId="Visio.Drawing.11">
-              <p:embed/>
-            </p:oleObj>
+            <mc:AlternateContent xmlns:mc="http://schemas.openxmlformats.org/markup-compatibility/2006">
+              <mc:Choice xmlns:v="urn:schemas-microsoft-com:vml" Requires="v">
+                <p:oleObj spid="_x0000_s48145" name="Visio" r:id="rId3" imgW="5941344" imgH="6514521" progId="Visio.Drawing.11">
+                  <p:embed/>
+                </p:oleObj>
+              </mc:Choice>
+              <mc:Fallback>
+                <p:oleObj name="Visio" r:id="rId3" imgW="5941344" imgH="6514521" progId="Visio.Drawing.11">
+                  <p:embed/>
+                  <p:pic>
+                    <p:nvPicPr>
+                      <p:cNvPr id="0" name="Picture 12"/>
+                      <p:cNvPicPr>
+                        <a:picLocks noChangeAspect="1" noChangeArrowheads="1"/>
+                      </p:cNvPicPr>
+                      <p:nvPr/>
+                    </p:nvPicPr>
+                    <p:blipFill>
+                      <a:blip r:embed="rId4">
+                        <a:extLst>
+                          <a:ext uri="{28A0092B-C50C-407E-A947-70E740481C1C}">
+                            <a14:useLocalDpi xmlns:a14="http://schemas.microsoft.com/office/drawing/2010/main" val="0"/>
+                          </a:ext>
+                        </a:extLst>
+                      </a:blip>
+                      <a:srcRect/>
+                      <a:stretch>
+                        <a:fillRect/>
+                      </a:stretch>
+                    </p:blipFill>
+                    <p:spPr bwMode="auto">
+                      <a:xfrm>
+                        <a:off x="1714480" y="142852"/>
+                        <a:ext cx="5940425" cy="6515100"/>
+                      </a:xfrm>
+                      <a:prstGeom prst="rect">
+                        <a:avLst/>
+                      </a:prstGeom>
+                      <a:noFill/>
+                      <a:ln>
+                        <a:noFill/>
+                      </a:ln>
+                      <a:effectLst/>
+                      <a:extLst>
+                        <a:ext uri="{909E8E84-426E-40DD-AFC4-6F175D3DCCD1}">
+                          <a14:hiddenFill xmlns:a14="http://schemas.microsoft.com/office/drawing/2010/main">
+                            <a:solidFill>
+                              <a:schemeClr val="accent1"/>
+                            </a:solidFill>
+                          </a14:hiddenFill>
+                        </a:ext>
+                        <a:ext uri="{91240B29-F687-4F45-9708-019B960494DF}">
+                          <a14:hiddenLine xmlns:a14="http://schemas.microsoft.com/office/drawing/2010/main" w="9525">
+                            <a:solidFill>
+                              <a:schemeClr val="tx1"/>
+                            </a:solidFill>
+                            <a:miter lim="800000"/>
+                            <a:headEnd/>
+                            <a:tailEnd/>
+                          </a14:hiddenLine>
+                        </a:ext>
+                        <a:ext uri="{AF507438-7753-43E0-B8FC-AC1667EBCBE1}">
+                          <a14:hiddenEffects xmlns:a14="http://schemas.microsoft.com/office/drawing/2010/main">
+                            <a:effectLst>
+                              <a:outerShdw dist="35921" dir="2700000" algn="ctr" rotWithShape="0">
+                                <a:schemeClr val="bg2"/>
+                              </a:outerShdw>
+                            </a:effectLst>
+                          </a14:hiddenEffects>
+                        </a:ext>
+                      </a:extLst>
+                    </p:spPr>
+                  </p:pic>
+                </p:oleObj>
+              </mc:Fallback>
+            </mc:AlternateContent>
           </a:graphicData>
         </a:graphic>
       </p:graphicFrame>
@@ -3932,44 +4147,292 @@
           <a:p>
             <a:r>
               <a:rPr lang="zh-TW" altLang="en-US" dirty="0" smtClean="0"/>
-              <a:t>互動流程</a:t>
+              <a:t>資源需求</a:t>
             </a:r>
             <a:endParaRPr lang="zh-TW" altLang="en-US" dirty="0"/>
           </a:p>
         </p:txBody>
       </p:sp>
-      <p:graphicFrame>
-        <p:nvGraphicFramePr>
-          <p:cNvPr id="48134" name="Object 6"/>
-          <p:cNvGraphicFramePr>
-            <a:graphicFrameLocks noChangeAspect="1"/>
-          </p:cNvGraphicFramePr>
-          <p:nvPr/>
-        </p:nvGraphicFramePr>
-        <p:xfrm>
-          <a:off x="1714480" y="142852"/>
-          <a:ext cx="5940425" cy="6515100"/>
-        </p:xfrm>
-        <a:graphic>
-          <a:graphicData uri="http://schemas.openxmlformats.org/presentationml/2006/ole">
-            <p:oleObj spid="_x0000_s48140" name="Visio" r:id="rId3" imgW="5941344" imgH="6514521" progId="Visio.Drawing.11">
-              <p:embed/>
-            </p:oleObj>
-          </a:graphicData>
-        </a:graphic>
-      </p:graphicFrame>
+      <p:sp>
+        <p:nvSpPr>
+          <p:cNvPr id="4" name="內容版面配置區 2"/>
+          <p:cNvSpPr>
+            <a:spLocks noGrp="1"/>
+          </p:cNvSpPr>
+          <p:nvPr>
+            <p:ph idx="1"/>
+          </p:nvPr>
+        </p:nvSpPr>
+        <p:spPr>
+          <a:xfrm>
+            <a:off x="1088684" y="2015733"/>
+            <a:ext cx="7555281" cy="4013593"/>
+          </a:xfrm>
+        </p:spPr>
+        <p:txBody>
+          <a:bodyPr>
+            <a:normAutofit fontScale="62500" lnSpcReduction="20000"/>
+          </a:bodyPr>
+          <a:lstStyle/>
+          <a:p>
+            <a:r>
+              <a:rPr lang="zh-TW" altLang="en-US" sz="3900" dirty="0" smtClean="0"/>
+              <a:t>工具</a:t>
+            </a:r>
+            <a:endParaRPr lang="en-US" altLang="zh-TW" sz="3900" dirty="0" smtClean="0"/>
+          </a:p>
+          <a:p>
+            <a:r>
+              <a:rPr lang="zh-TW" altLang="en-US" sz="2800" dirty="0" smtClean="0">
+                <a:latin typeface="標楷體" panose="03000509000000000000" pitchFamily="65" charset="-120"/>
+                <a:ea typeface="標楷體" panose="03000509000000000000" pitchFamily="65" charset="-120"/>
+              </a:rPr>
+              <a:t>硬體</a:t>
+            </a:r>
+            <a:r>
+              <a:rPr lang="en-US" altLang="zh-TW" sz="2800" dirty="0" smtClean="0">
+                <a:latin typeface="標楷體" panose="03000509000000000000" pitchFamily="65" charset="-120"/>
+                <a:ea typeface="標楷體" panose="03000509000000000000" pitchFamily="65" charset="-120"/>
+              </a:rPr>
+              <a:t>:IOS12</a:t>
+            </a:r>
+            <a:r>
+              <a:rPr lang="zh-TW" altLang="en-US" sz="2800" dirty="0" smtClean="0">
+                <a:latin typeface="標楷體" panose="03000509000000000000" pitchFamily="65" charset="-120"/>
+                <a:ea typeface="標楷體" panose="03000509000000000000" pitchFamily="65" charset="-120"/>
+              </a:rPr>
+              <a:t>以上的蘋果手機</a:t>
+            </a:r>
+            <a:endParaRPr lang="en-US" altLang="zh-TW" sz="2800" dirty="0" smtClean="0">
+              <a:latin typeface="標楷體" panose="03000509000000000000" pitchFamily="65" charset="-120"/>
+              <a:ea typeface="標楷體" panose="03000509000000000000" pitchFamily="65" charset="-120"/>
+            </a:endParaRPr>
+          </a:p>
+          <a:p>
+            <a:r>
+              <a:rPr lang="zh-TW" altLang="en-US" sz="2800" dirty="0" smtClean="0">
+                <a:latin typeface="標楷體" panose="03000509000000000000" pitchFamily="65" charset="-120"/>
+                <a:ea typeface="標楷體" panose="03000509000000000000" pitchFamily="65" charset="-120"/>
+              </a:rPr>
+              <a:t>軟體</a:t>
+            </a:r>
+            <a:r>
+              <a:rPr lang="en-US" altLang="zh-TW" sz="2800" dirty="0" smtClean="0">
+                <a:latin typeface="標楷體" panose="03000509000000000000" pitchFamily="65" charset="-120"/>
+                <a:ea typeface="標楷體" panose="03000509000000000000" pitchFamily="65" charset="-120"/>
+              </a:rPr>
+              <a:t>:</a:t>
+            </a:r>
+            <a:r>
+              <a:rPr lang="en-US" altLang="zh-TW" sz="2800" dirty="0" err="1" smtClean="0">
+                <a:latin typeface="標楷體" panose="03000509000000000000" pitchFamily="65" charset="-120"/>
+                <a:ea typeface="標楷體" panose="03000509000000000000" pitchFamily="65" charset="-120"/>
+              </a:rPr>
+              <a:t>Xcode_Arkit</a:t>
+            </a:r>
+            <a:r>
+              <a:rPr lang="zh-TW" altLang="en-US" sz="2800" dirty="0" smtClean="0">
+                <a:latin typeface="標楷體" panose="03000509000000000000" pitchFamily="65" charset="-120"/>
+                <a:ea typeface="標楷體" panose="03000509000000000000" pitchFamily="65" charset="-120"/>
+              </a:rPr>
+              <a:t>，</a:t>
+            </a:r>
+            <a:r>
+              <a:rPr lang="en-US" altLang="zh-TW" sz="2800" dirty="0" smtClean="0">
+                <a:latin typeface="標楷體" panose="03000509000000000000" pitchFamily="65" charset="-120"/>
+                <a:ea typeface="標楷體" panose="03000509000000000000" pitchFamily="65" charset="-120"/>
+              </a:rPr>
+              <a:t>Blender(</a:t>
+            </a:r>
+            <a:r>
+              <a:rPr lang="zh-TW" altLang="en-US" sz="2800" dirty="0" smtClean="0">
+                <a:latin typeface="標楷體" panose="03000509000000000000" pitchFamily="65" charset="-120"/>
+                <a:ea typeface="標楷體" panose="03000509000000000000" pitchFamily="65" charset="-120"/>
+              </a:rPr>
+              <a:t>建模軟體</a:t>
+            </a:r>
+            <a:r>
+              <a:rPr lang="en-US" altLang="zh-TW" sz="2800" dirty="0" smtClean="0">
+                <a:latin typeface="標楷體" panose="03000509000000000000" pitchFamily="65" charset="-120"/>
+                <a:ea typeface="標楷體" panose="03000509000000000000" pitchFamily="65" charset="-120"/>
+              </a:rPr>
+              <a:t>)</a:t>
+            </a:r>
+            <a:r>
+              <a:rPr lang="zh-TW" altLang="en-US" sz="2800" dirty="0" smtClean="0">
+                <a:latin typeface="標楷體" panose="03000509000000000000" pitchFamily="65" charset="-120"/>
+                <a:ea typeface="標楷體" panose="03000509000000000000" pitchFamily="65" charset="-120"/>
+              </a:rPr>
+              <a:t>，</a:t>
+            </a:r>
+            <a:r>
+              <a:rPr lang="en-US" altLang="zh-TW" sz="2800" dirty="0" err="1" smtClean="0">
+                <a:latin typeface="標楷體" panose="03000509000000000000" pitchFamily="65" charset="-120"/>
+                <a:ea typeface="標楷體" panose="03000509000000000000" pitchFamily="65" charset="-120"/>
+              </a:rPr>
+              <a:t>Mixamo</a:t>
+            </a:r>
+            <a:r>
+              <a:rPr lang="en-US" altLang="zh-TW" sz="2800" dirty="0" smtClean="0">
+                <a:latin typeface="標楷體" panose="03000509000000000000" pitchFamily="65" charset="-120"/>
+                <a:ea typeface="標楷體" panose="03000509000000000000" pitchFamily="65" charset="-120"/>
+              </a:rPr>
+              <a:t>(</a:t>
+            </a:r>
+            <a:r>
+              <a:rPr lang="zh-TW" altLang="en-US" sz="2800" dirty="0" smtClean="0">
+                <a:latin typeface="標楷體" panose="03000509000000000000" pitchFamily="65" charset="-120"/>
+                <a:ea typeface="標楷體" panose="03000509000000000000" pitchFamily="65" charset="-120"/>
+              </a:rPr>
+              <a:t>動作模組網站</a:t>
+            </a:r>
+            <a:r>
+              <a:rPr lang="en-US" altLang="zh-TW" sz="2800" dirty="0" smtClean="0">
+                <a:latin typeface="標楷體" panose="03000509000000000000" pitchFamily="65" charset="-120"/>
+                <a:ea typeface="標楷體" panose="03000509000000000000" pitchFamily="65" charset="-120"/>
+              </a:rPr>
+              <a:t>)</a:t>
+            </a:r>
+          </a:p>
+          <a:p>
+            <a:endParaRPr lang="en-US" altLang="zh-TW" sz="2800" dirty="0"/>
+          </a:p>
+          <a:p>
+            <a:r>
+              <a:rPr lang="zh-TW" altLang="en-US" sz="3800" dirty="0" smtClean="0"/>
+              <a:t>人員分配</a:t>
+            </a:r>
+            <a:endParaRPr lang="en-US" altLang="zh-TW" sz="3800" dirty="0" smtClean="0"/>
+          </a:p>
+          <a:p>
+            <a:r>
+              <a:rPr lang="zh-TW" altLang="en-US" sz="2800" dirty="0" smtClean="0"/>
+              <a:t>楊景程</a:t>
+            </a:r>
+            <a:r>
+              <a:rPr lang="en-US" altLang="zh-TW" sz="2800" dirty="0" smtClean="0"/>
+              <a:t>:</a:t>
+            </a:r>
+            <a:r>
+              <a:rPr lang="zh-TW" altLang="en-US" sz="2600" dirty="0" smtClean="0">
+                <a:latin typeface="標楷體" panose="03000509000000000000" pitchFamily="65" charset="-120"/>
+                <a:ea typeface="標楷體" panose="03000509000000000000" pitchFamily="65" charset="-120"/>
+              </a:rPr>
+              <a:t>統整簡報資料，</a:t>
+            </a:r>
+            <a:r>
+              <a:rPr lang="en-US" altLang="zh-TW" sz="2600" dirty="0" smtClean="0">
+                <a:latin typeface="標楷體" panose="03000509000000000000" pitchFamily="65" charset="-120"/>
+                <a:ea typeface="標楷體" panose="03000509000000000000" pitchFamily="65" charset="-120"/>
+              </a:rPr>
+              <a:t>UI</a:t>
+            </a:r>
+            <a:r>
+              <a:rPr lang="zh-TW" altLang="en-US" sz="2600" dirty="0" smtClean="0">
+                <a:latin typeface="標楷體" panose="03000509000000000000" pitchFamily="65" charset="-120"/>
+                <a:ea typeface="標楷體" panose="03000509000000000000" pitchFamily="65" charset="-120"/>
+              </a:rPr>
+              <a:t>元件設計，資料蒐集，</a:t>
+            </a:r>
+            <a:r>
+              <a:rPr lang="en-US" altLang="zh-TW" sz="2600" dirty="0" smtClean="0">
+                <a:latin typeface="標楷體" panose="03000509000000000000" pitchFamily="65" charset="-120"/>
+                <a:ea typeface="標楷體" panose="03000509000000000000" pitchFamily="65" charset="-120"/>
+              </a:rPr>
+              <a:t>Word</a:t>
+            </a:r>
+            <a:r>
+              <a:rPr lang="zh-TW" altLang="en-US" sz="2600" dirty="0" smtClean="0">
+                <a:latin typeface="標楷體" panose="03000509000000000000" pitchFamily="65" charset="-120"/>
+                <a:ea typeface="標楷體" panose="03000509000000000000" pitchFamily="65" charset="-120"/>
+              </a:rPr>
+              <a:t>檔製作</a:t>
+            </a:r>
+            <a:endParaRPr lang="en-US" altLang="zh-TW" sz="2600" dirty="0" smtClean="0">
+              <a:latin typeface="標楷體" panose="03000509000000000000" pitchFamily="65" charset="-120"/>
+              <a:ea typeface="標楷體" panose="03000509000000000000" pitchFamily="65" charset="-120"/>
+            </a:endParaRPr>
+          </a:p>
+          <a:p>
+            <a:r>
+              <a:rPr lang="zh-TW" altLang="en-US" sz="2800" dirty="0" smtClean="0"/>
+              <a:t>洪嘉桓</a:t>
+            </a:r>
+            <a:r>
+              <a:rPr lang="en-US" altLang="zh-TW" sz="2800" dirty="0" smtClean="0"/>
+              <a:t>:</a:t>
+            </a:r>
+            <a:r>
+              <a:rPr lang="zh-TW" altLang="en-US" sz="2600" dirty="0" smtClean="0">
+                <a:latin typeface="標楷體" panose="03000509000000000000" pitchFamily="65" charset="-120"/>
+                <a:ea typeface="標楷體" panose="03000509000000000000" pitchFamily="65" charset="-120"/>
+              </a:rPr>
+              <a:t>景點環境取景，角色建模設計，任務劇情規劃，簡報協助製作</a:t>
+            </a:r>
+            <a:endParaRPr lang="en-US" altLang="zh-TW" sz="2600" dirty="0" smtClean="0">
+              <a:latin typeface="標楷體" panose="03000509000000000000" pitchFamily="65" charset="-120"/>
+              <a:ea typeface="標楷體" panose="03000509000000000000" pitchFamily="65" charset="-120"/>
+            </a:endParaRPr>
+          </a:p>
+          <a:p>
+            <a:r>
+              <a:rPr lang="zh-TW" altLang="en-US" sz="2800" dirty="0" smtClean="0"/>
+              <a:t>李勝發</a:t>
+            </a:r>
+            <a:r>
+              <a:rPr lang="en-US" altLang="zh-TW" sz="2800" dirty="0" smtClean="0"/>
+              <a:t>:</a:t>
+            </a:r>
+            <a:r>
+              <a:rPr lang="zh-TW" altLang="en-US" sz="2600" dirty="0" smtClean="0">
+                <a:latin typeface="標楷體" panose="03000509000000000000" pitchFamily="65" charset="-120"/>
+                <a:ea typeface="標楷體" panose="03000509000000000000" pitchFamily="65" charset="-120"/>
+              </a:rPr>
+              <a:t>程式流程規劃，</a:t>
+            </a:r>
+            <a:r>
+              <a:rPr lang="en-US" altLang="zh-TW" sz="2600" dirty="0" smtClean="0">
+                <a:latin typeface="標楷體" panose="03000509000000000000" pitchFamily="65" charset="-120"/>
+                <a:ea typeface="標楷體" panose="03000509000000000000" pitchFamily="65" charset="-120"/>
+              </a:rPr>
+              <a:t>Debug</a:t>
+            </a:r>
+            <a:r>
+              <a:rPr lang="zh-TW" altLang="en-US" sz="2600" dirty="0" smtClean="0">
+                <a:latin typeface="標楷體" panose="03000509000000000000" pitchFamily="65" charset="-120"/>
+                <a:ea typeface="標楷體" panose="03000509000000000000" pitchFamily="65" charset="-120"/>
+              </a:rPr>
+              <a:t>與優化，簡報協助製作，系統架構圖繪製，</a:t>
+            </a:r>
+            <a:r>
+              <a:rPr lang="en-US" altLang="zh-TW" sz="2600" dirty="0" smtClean="0">
+                <a:latin typeface="標楷體" panose="03000509000000000000" pitchFamily="65" charset="-120"/>
+                <a:ea typeface="標楷體" panose="03000509000000000000" pitchFamily="65" charset="-120"/>
+              </a:rPr>
+              <a:t>UML		</a:t>
+            </a:r>
+            <a:r>
+              <a:rPr lang="zh-TW" altLang="en-US" sz="2600" dirty="0" smtClean="0">
+                <a:latin typeface="標楷體" panose="03000509000000000000" pitchFamily="65" charset="-120"/>
+                <a:ea typeface="標楷體" panose="03000509000000000000" pitchFamily="65" charset="-120"/>
+              </a:rPr>
+              <a:t>  圖繪製，報告</a:t>
+            </a:r>
+            <a:endParaRPr lang="en-US" altLang="zh-TW" sz="2600" dirty="0" smtClean="0">
+              <a:latin typeface="標楷體" panose="03000509000000000000" pitchFamily="65" charset="-120"/>
+              <a:ea typeface="標楷體" panose="03000509000000000000" pitchFamily="65" charset="-120"/>
+            </a:endParaRPr>
+          </a:p>
+          <a:p>
+            <a:endParaRPr lang="zh-TW" altLang="en-US" sz="2800" dirty="0"/>
+          </a:p>
+        </p:txBody>
+      </p:sp>
     </p:spTree>
   </p:cSld>
   <p:clrMapOvr>
     <a:masterClrMapping/>
   </p:clrMapOvr>
-  <p:timing>
-    <p:tnLst>
-      <p:par>
-        <p:cTn id="1" dur="indefinite" restart="never" nodeType="tmRoot"/>
-      </p:par>
-    </p:tnLst>
-  </p:timing>
 </p:sld>
 </file>
 
@@ -4000,295 +4463,698 @@
             <p:ph type="title"/>
           </p:nvPr>
         </p:nvSpPr>
-        <p:spPr/>
+        <p:spPr>
+          <a:xfrm>
+            <a:off x="971600" y="116632"/>
+            <a:ext cx="7848600" cy="566464"/>
+          </a:xfrm>
+        </p:spPr>
         <p:txBody>
           <a:bodyPr/>
           <a:lstStyle/>
           <a:p>
             <a:r>
-              <a:rPr lang="zh-TW" altLang="en-US" dirty="0" smtClean="0"/>
-              <a:t>資源需求</a:t>
-            </a:r>
-            <a:endParaRPr lang="zh-TW" altLang="en-US" dirty="0"/>
+              <a:rPr lang="zh-TW" altLang="en-US" sz="3600" dirty="0" smtClean="0"/>
+              <a:t>本次人員工作分配</a:t>
+            </a:r>
+            <a:endParaRPr lang="zh-TW" altLang="en-US" sz="3600" dirty="0"/>
           </a:p>
         </p:txBody>
       </p:sp>
-      <p:sp>
-        <p:nvSpPr>
-          <p:cNvPr id="4" name="內容版面配置區 2"/>
-          <p:cNvSpPr>
-            <a:spLocks noGrp="1"/>
-          </p:cNvSpPr>
+      <p:graphicFrame>
+        <p:nvGraphicFramePr>
+          <p:cNvPr id="4" name="內容版面配置區 3"/>
+          <p:cNvGraphicFramePr>
+            <a:graphicFrameLocks noGrp="1"/>
+          </p:cNvGraphicFramePr>
           <p:nvPr>
             <p:ph idx="1"/>
+            <p:extLst>
+              <p:ext uri="{D42A27DB-BD31-4B8C-83A1-F6EECF244321}">
+                <p14:modId xmlns:p14="http://schemas.microsoft.com/office/powerpoint/2010/main" val="2229923020"/>
+              </p:ext>
+            </p:extLst>
           </p:nvPr>
-        </p:nvSpPr>
-        <p:spPr>
-          <a:xfrm>
-            <a:off x="1088684" y="2015733"/>
-            <a:ext cx="7555281" cy="4013593"/>
-          </a:xfrm>
-        </p:spPr>
-        <p:txBody>
-          <a:bodyPr>
-            <a:normAutofit fontScale="62500" lnSpcReduction="20000"/>
-          </a:bodyPr>
-          <a:lstStyle/>
-          <a:p>
-            <a:r>
-              <a:rPr lang="zh-TW" altLang="en-US" sz="3900" dirty="0" smtClean="0"/>
-              <a:t>工具</a:t>
-            </a:r>
-            <a:endParaRPr lang="en-US" altLang="zh-TW" sz="3900" dirty="0" smtClean="0"/>
-          </a:p>
-          <a:p>
-            <a:r>
-              <a:rPr lang="zh-TW" altLang="en-US" sz="2800" dirty="0" smtClean="0">
-                <a:latin typeface="標楷體" panose="03000509000000000000" pitchFamily="65" charset="-120"/>
-                <a:ea typeface="標楷體" panose="03000509000000000000" pitchFamily="65" charset="-120"/>
-              </a:rPr>
-              <a:t>硬體</a:t>
-            </a:r>
-            <a:r>
-              <a:rPr lang="en-US" altLang="zh-TW" sz="2800" dirty="0" smtClean="0">
-                <a:latin typeface="標楷體" panose="03000509000000000000" pitchFamily="65" charset="-120"/>
-                <a:ea typeface="標楷體" panose="03000509000000000000" pitchFamily="65" charset="-120"/>
-              </a:rPr>
-              <a:t>:IOS12</a:t>
-            </a:r>
-            <a:r>
-              <a:rPr lang="zh-TW" altLang="en-US" sz="2800" dirty="0" smtClean="0">
-                <a:latin typeface="標楷體" panose="03000509000000000000" pitchFamily="65" charset="-120"/>
-                <a:ea typeface="標楷體" panose="03000509000000000000" pitchFamily="65" charset="-120"/>
-              </a:rPr>
-              <a:t>以上的蘋果手機</a:t>
-            </a:r>
-            <a:endParaRPr lang="en-US" altLang="zh-TW" sz="2800" dirty="0" smtClean="0">
-              <a:latin typeface="標楷體" panose="03000509000000000000" pitchFamily="65" charset="-120"/>
-              <a:ea typeface="標楷體" panose="03000509000000000000" pitchFamily="65" charset="-120"/>
-            </a:endParaRPr>
-          </a:p>
-          <a:p>
-            <a:r>
-              <a:rPr lang="zh-TW" altLang="en-US" sz="2800" dirty="0" smtClean="0">
-                <a:latin typeface="標楷體" panose="03000509000000000000" pitchFamily="65" charset="-120"/>
-                <a:ea typeface="標楷體" panose="03000509000000000000" pitchFamily="65" charset="-120"/>
-              </a:rPr>
-              <a:t>軟體</a:t>
-            </a:r>
-            <a:r>
-              <a:rPr lang="en-US" altLang="zh-TW" sz="2800" dirty="0" smtClean="0">
-                <a:latin typeface="標楷體" panose="03000509000000000000" pitchFamily="65" charset="-120"/>
-                <a:ea typeface="標楷體" panose="03000509000000000000" pitchFamily="65" charset="-120"/>
-              </a:rPr>
-              <a:t>:</a:t>
-            </a:r>
-            <a:r>
-              <a:rPr lang="en-US" altLang="zh-TW" sz="2800" dirty="0" err="1" smtClean="0">
-                <a:latin typeface="標楷體" panose="03000509000000000000" pitchFamily="65" charset="-120"/>
-                <a:ea typeface="標楷體" panose="03000509000000000000" pitchFamily="65" charset="-120"/>
-              </a:rPr>
-              <a:t>Xcode_Arkit</a:t>
-            </a:r>
-            <a:r>
-              <a:rPr lang="zh-TW" altLang="en-US" sz="2800" dirty="0" smtClean="0">
-                <a:latin typeface="標楷體" panose="03000509000000000000" pitchFamily="65" charset="-120"/>
-                <a:ea typeface="標楷體" panose="03000509000000000000" pitchFamily="65" charset="-120"/>
-              </a:rPr>
-              <a:t>，</a:t>
-            </a:r>
-            <a:r>
-              <a:rPr lang="en-US" altLang="zh-TW" sz="2800" dirty="0" smtClean="0">
-                <a:latin typeface="標楷體" panose="03000509000000000000" pitchFamily="65" charset="-120"/>
-                <a:ea typeface="標楷體" panose="03000509000000000000" pitchFamily="65" charset="-120"/>
-              </a:rPr>
-              <a:t>Blender(</a:t>
-            </a:r>
-            <a:r>
-              <a:rPr lang="zh-TW" altLang="en-US" sz="2800" dirty="0" smtClean="0">
-                <a:latin typeface="標楷體" panose="03000509000000000000" pitchFamily="65" charset="-120"/>
-                <a:ea typeface="標楷體" panose="03000509000000000000" pitchFamily="65" charset="-120"/>
-              </a:rPr>
-              <a:t>建模軟體</a:t>
-            </a:r>
-            <a:r>
-              <a:rPr lang="en-US" altLang="zh-TW" sz="2800" dirty="0" smtClean="0">
-                <a:latin typeface="標楷體" panose="03000509000000000000" pitchFamily="65" charset="-120"/>
-                <a:ea typeface="標楷體" panose="03000509000000000000" pitchFamily="65" charset="-120"/>
-              </a:rPr>
-              <a:t>)</a:t>
-            </a:r>
-            <a:r>
-              <a:rPr lang="zh-TW" altLang="en-US" sz="2800" dirty="0" smtClean="0">
-                <a:latin typeface="標楷體" panose="03000509000000000000" pitchFamily="65" charset="-120"/>
-                <a:ea typeface="標楷體" panose="03000509000000000000" pitchFamily="65" charset="-120"/>
-              </a:rPr>
-              <a:t>，</a:t>
-            </a:r>
-            <a:r>
-              <a:rPr lang="en-US" altLang="zh-TW" sz="2800" dirty="0" err="1" smtClean="0">
-                <a:latin typeface="標楷體" panose="03000509000000000000" pitchFamily="65" charset="-120"/>
-                <a:ea typeface="標楷體" panose="03000509000000000000" pitchFamily="65" charset="-120"/>
-              </a:rPr>
-              <a:t>Mixamo</a:t>
-            </a:r>
-            <a:r>
-              <a:rPr lang="en-US" altLang="zh-TW" sz="2800" dirty="0" smtClean="0">
-                <a:latin typeface="標楷體" panose="03000509000000000000" pitchFamily="65" charset="-120"/>
-                <a:ea typeface="標楷體" panose="03000509000000000000" pitchFamily="65" charset="-120"/>
-              </a:rPr>
-              <a:t>(</a:t>
-            </a:r>
-            <a:r>
-              <a:rPr lang="zh-TW" altLang="en-US" sz="2800" dirty="0" smtClean="0">
-                <a:latin typeface="標楷體" panose="03000509000000000000" pitchFamily="65" charset="-120"/>
-                <a:ea typeface="標楷體" panose="03000509000000000000" pitchFamily="65" charset="-120"/>
-              </a:rPr>
-              <a:t>動作模組網站</a:t>
-            </a:r>
-            <a:r>
-              <a:rPr lang="en-US" altLang="zh-TW" sz="2800" dirty="0" smtClean="0">
-                <a:latin typeface="標楷體" panose="03000509000000000000" pitchFamily="65" charset="-120"/>
-                <a:ea typeface="標楷體" panose="03000509000000000000" pitchFamily="65" charset="-120"/>
-              </a:rPr>
-              <a:t>)</a:t>
-            </a:r>
-          </a:p>
-          <a:p>
-            <a:endParaRPr lang="en-US" altLang="zh-TW" sz="2800" dirty="0"/>
-          </a:p>
-          <a:p>
-            <a:r>
-              <a:rPr lang="zh-TW" altLang="en-US" sz="3800" dirty="0" smtClean="0"/>
-              <a:t>人員分配</a:t>
-            </a:r>
-            <a:endParaRPr lang="en-US" altLang="zh-TW" sz="3800" dirty="0" smtClean="0"/>
-          </a:p>
-          <a:p>
-            <a:r>
-              <a:rPr lang="zh-TW" altLang="en-US" sz="2800" dirty="0" smtClean="0"/>
-              <a:t>楊景程</a:t>
-            </a:r>
-            <a:r>
-              <a:rPr lang="en-US" altLang="zh-TW" sz="2800" dirty="0" smtClean="0"/>
-              <a:t>:</a:t>
-            </a:r>
-            <a:r>
-              <a:rPr lang="zh-TW" altLang="en-US" sz="2600" dirty="0" smtClean="0">
-                <a:latin typeface="標楷體" panose="03000509000000000000" pitchFamily="65" charset="-120"/>
-                <a:ea typeface="標楷體" panose="03000509000000000000" pitchFamily="65" charset="-120"/>
-              </a:rPr>
-              <a:t>統整簡報資料，</a:t>
-            </a:r>
-            <a:r>
-              <a:rPr lang="en-US" altLang="zh-TW" sz="2600" dirty="0" smtClean="0">
-                <a:latin typeface="標楷體" panose="03000509000000000000" pitchFamily="65" charset="-120"/>
-                <a:ea typeface="標楷體" panose="03000509000000000000" pitchFamily="65" charset="-120"/>
-              </a:rPr>
-              <a:t>UI</a:t>
-            </a:r>
-            <a:r>
-              <a:rPr lang="zh-TW" altLang="en-US" sz="2600" dirty="0" smtClean="0">
-                <a:latin typeface="標楷體" panose="03000509000000000000" pitchFamily="65" charset="-120"/>
-                <a:ea typeface="標楷體" panose="03000509000000000000" pitchFamily="65" charset="-120"/>
-              </a:rPr>
-              <a:t>元件設計，資料蒐集，</a:t>
-            </a:r>
-            <a:r>
-              <a:rPr lang="en-US" altLang="zh-TW" sz="2600" dirty="0" smtClean="0">
-                <a:latin typeface="標楷體" panose="03000509000000000000" pitchFamily="65" charset="-120"/>
-                <a:ea typeface="標楷體" panose="03000509000000000000" pitchFamily="65" charset="-120"/>
-              </a:rPr>
-              <a:t>Word</a:t>
-            </a:r>
-            <a:r>
-              <a:rPr lang="zh-TW" altLang="en-US" sz="2600" dirty="0" smtClean="0">
-                <a:latin typeface="標楷體" panose="03000509000000000000" pitchFamily="65" charset="-120"/>
-                <a:ea typeface="標楷體" panose="03000509000000000000" pitchFamily="65" charset="-120"/>
-              </a:rPr>
-              <a:t>檔製作</a:t>
-            </a:r>
-            <a:endParaRPr lang="en-US" altLang="zh-TW" sz="2600" dirty="0" smtClean="0">
-              <a:latin typeface="標楷體" panose="03000509000000000000" pitchFamily="65" charset="-120"/>
-              <a:ea typeface="標楷體" panose="03000509000000000000" pitchFamily="65" charset="-120"/>
-            </a:endParaRPr>
-          </a:p>
-          <a:p>
-            <a:r>
-              <a:rPr lang="zh-TW" altLang="en-US" sz="2800" dirty="0" smtClean="0"/>
-              <a:t>洪嘉桓</a:t>
-            </a:r>
-            <a:r>
-              <a:rPr lang="en-US" altLang="zh-TW" sz="2800" dirty="0" smtClean="0"/>
-              <a:t>:</a:t>
-            </a:r>
-            <a:r>
-              <a:rPr lang="zh-TW" altLang="en-US" sz="2600" dirty="0" smtClean="0">
-                <a:latin typeface="標楷體" panose="03000509000000000000" pitchFamily="65" charset="-120"/>
-                <a:ea typeface="標楷體" panose="03000509000000000000" pitchFamily="65" charset="-120"/>
-              </a:rPr>
-              <a:t>景點環境取景，角色建模設計，任務劇情規劃，簡報協助製作</a:t>
-            </a:r>
-            <a:endParaRPr lang="en-US" altLang="zh-TW" sz="2600" dirty="0" smtClean="0">
-              <a:latin typeface="標楷體" panose="03000509000000000000" pitchFamily="65" charset="-120"/>
-              <a:ea typeface="標楷體" panose="03000509000000000000" pitchFamily="65" charset="-120"/>
-            </a:endParaRPr>
-          </a:p>
-          <a:p>
-            <a:r>
-              <a:rPr lang="zh-TW" altLang="en-US" sz="2800" dirty="0" smtClean="0"/>
-              <a:t>李勝發</a:t>
-            </a:r>
-            <a:r>
-              <a:rPr lang="en-US" altLang="zh-TW" sz="2800" dirty="0" smtClean="0"/>
-              <a:t>:</a:t>
-            </a:r>
-            <a:r>
-              <a:rPr lang="zh-TW" altLang="en-US" sz="2600" dirty="0" smtClean="0">
-                <a:latin typeface="標楷體" panose="03000509000000000000" pitchFamily="65" charset="-120"/>
-                <a:ea typeface="標楷體" panose="03000509000000000000" pitchFamily="65" charset="-120"/>
-              </a:rPr>
-              <a:t>程式流程規劃，</a:t>
-            </a:r>
-            <a:r>
-              <a:rPr lang="en-US" altLang="zh-TW" sz="2600" dirty="0" smtClean="0">
-                <a:latin typeface="標楷體" panose="03000509000000000000" pitchFamily="65" charset="-120"/>
-                <a:ea typeface="標楷體" panose="03000509000000000000" pitchFamily="65" charset="-120"/>
-              </a:rPr>
-              <a:t>Debug</a:t>
-            </a:r>
-            <a:r>
-              <a:rPr lang="zh-TW" altLang="en-US" sz="2600" dirty="0" smtClean="0">
-                <a:latin typeface="標楷體" panose="03000509000000000000" pitchFamily="65" charset="-120"/>
-                <a:ea typeface="標楷體" panose="03000509000000000000" pitchFamily="65" charset="-120"/>
-              </a:rPr>
-              <a:t>與優化，簡報協助製作，系統架構圖繪製，</a:t>
-            </a:r>
-            <a:r>
-              <a:rPr lang="en-US" altLang="zh-TW" sz="2600" dirty="0" smtClean="0">
-                <a:latin typeface="標楷體" panose="03000509000000000000" pitchFamily="65" charset="-120"/>
-                <a:ea typeface="標楷體" panose="03000509000000000000" pitchFamily="65" charset="-120"/>
-              </a:rPr>
-              <a:t>UML		</a:t>
-            </a:r>
-            <a:r>
-              <a:rPr lang="zh-TW" altLang="en-US" sz="2600" dirty="0" smtClean="0">
-                <a:latin typeface="標楷體" panose="03000509000000000000" pitchFamily="65" charset="-120"/>
-                <a:ea typeface="標楷體" panose="03000509000000000000" pitchFamily="65" charset="-120"/>
-              </a:rPr>
-              <a:t>  圖繪製，報告</a:t>
-            </a:r>
-            <a:endParaRPr lang="en-US" altLang="zh-TW" sz="2600" dirty="0" smtClean="0">
-              <a:latin typeface="標楷體" panose="03000509000000000000" pitchFamily="65" charset="-120"/>
-              <a:ea typeface="標楷體" panose="03000509000000000000" pitchFamily="65" charset="-120"/>
-            </a:endParaRPr>
-          </a:p>
-          <a:p>
-            <a:endParaRPr lang="zh-TW" altLang="en-US" sz="2800" dirty="0"/>
-          </a:p>
-        </p:txBody>
-      </p:sp>
+        </p:nvGraphicFramePr>
+        <p:xfrm>
+          <a:off x="971600" y="808275"/>
+          <a:ext cx="7315200" cy="5557520"/>
+        </p:xfrm>
+        <a:graphic>
+          <a:graphicData uri="http://schemas.openxmlformats.org/drawingml/2006/table">
+            <a:tbl>
+              <a:tblPr firstRow="1" bandRow="1">
+                <a:tableStyleId>{5C22544A-7EE6-4342-B048-85BDC9FD1C3A}</a:tableStyleId>
+              </a:tblPr>
+              <a:tblGrid>
+                <a:gridCol w="3657600">
+                  <a:extLst>
+                    <a:ext uri="{9D8B030D-6E8A-4147-A177-3AD203B41FA5}">
+                      <a16:colId xmlns:a16="http://schemas.microsoft.com/office/drawing/2014/main" val="977850935"/>
+                    </a:ext>
+                  </a:extLst>
+                </a:gridCol>
+                <a:gridCol w="3657600">
+                  <a:extLst>
+                    <a:ext uri="{9D8B030D-6E8A-4147-A177-3AD203B41FA5}">
+                      <a16:colId xmlns:a16="http://schemas.microsoft.com/office/drawing/2014/main" val="2994935296"/>
+                    </a:ext>
+                  </a:extLst>
+                </a:gridCol>
+              </a:tblGrid>
+              <a:tr h="370840">
+                <a:tc>
+                  <a:txBody>
+                    <a:bodyPr/>
+                    <a:lstStyle/>
+                    <a:p>
+                      <a:pPr algn="ctr"/>
+                      <a:r>
+                        <a:rPr lang="zh-TW" altLang="en-US" dirty="0" smtClean="0"/>
+                        <a:t>項目</a:t>
+                      </a:r>
+                      <a:endParaRPr lang="zh-TW" altLang="en-US" dirty="0"/>
+                    </a:p>
+                  </a:txBody>
+                  <a:tcPr/>
+                </a:tc>
+                <a:tc>
+                  <a:txBody>
+                    <a:bodyPr/>
+                    <a:lstStyle/>
+                    <a:p>
+                      <a:pPr algn="ctr"/>
+                      <a:r>
+                        <a:rPr lang="zh-TW" altLang="en-US" dirty="0" smtClean="0"/>
+                        <a:t>主要負責人</a:t>
+                      </a:r>
+                      <a:endParaRPr lang="zh-TW" altLang="en-US" dirty="0"/>
+                    </a:p>
+                  </a:txBody>
+                  <a:tcPr/>
+                </a:tc>
+                <a:extLst>
+                  <a:ext uri="{0D108BD9-81ED-4DB2-BD59-A6C34878D82A}">
+                    <a16:rowId xmlns:a16="http://schemas.microsoft.com/office/drawing/2014/main" val="2637711500"/>
+                  </a:ext>
+                </a:extLst>
+              </a:tr>
+              <a:tr h="370840">
+                <a:tc>
+                  <a:txBody>
+                    <a:bodyPr/>
+                    <a:lstStyle/>
+                    <a:p>
+                      <a:pPr algn="ctr"/>
+                      <a:r>
+                        <a:rPr lang="zh-TW" altLang="en-US" dirty="0" smtClean="0">
+                          <a:solidFill>
+                            <a:srgbClr val="002060"/>
+                          </a:solidFill>
+                        </a:rPr>
+                        <a:t>內容討論</a:t>
+                      </a:r>
+                      <a:endParaRPr lang="zh-TW" altLang="en-US" dirty="0">
+                        <a:solidFill>
+                          <a:srgbClr val="002060"/>
+                        </a:solidFill>
+                      </a:endParaRPr>
+                    </a:p>
+                  </a:txBody>
+                  <a:tcPr/>
+                </a:tc>
+                <a:tc>
+                  <a:txBody>
+                    <a:bodyPr/>
+                    <a:lstStyle/>
+                    <a:p>
+                      <a:pPr algn="ctr"/>
+                      <a:r>
+                        <a:rPr lang="zh-TW" altLang="en-US" dirty="0" smtClean="0"/>
+                        <a:t>楊景程、洪嘉桓、李勝發</a:t>
+                      </a:r>
+                      <a:endParaRPr lang="zh-TW" altLang="en-US" dirty="0"/>
+                    </a:p>
+                  </a:txBody>
+                  <a:tcPr/>
+                </a:tc>
+                <a:extLst>
+                  <a:ext uri="{0D108BD9-81ED-4DB2-BD59-A6C34878D82A}">
+                    <a16:rowId xmlns:a16="http://schemas.microsoft.com/office/drawing/2014/main" val="2793559008"/>
+                  </a:ext>
+                </a:extLst>
+              </a:tr>
+              <a:tr h="370840">
+                <a:tc>
+                  <a:txBody>
+                    <a:bodyPr/>
+                    <a:lstStyle/>
+                    <a:p>
+                      <a:pPr algn="ctr"/>
+                      <a:r>
+                        <a:rPr lang="zh-TW" altLang="en-US" dirty="0" smtClean="0"/>
+                        <a:t>簡報製作</a:t>
+                      </a:r>
+                      <a:r>
+                        <a:rPr lang="en-US" altLang="zh-TW" dirty="0" smtClean="0"/>
+                        <a:t>(</a:t>
+                      </a:r>
+                      <a:r>
+                        <a:rPr lang="zh-TW" altLang="en-US" dirty="0" smtClean="0"/>
+                        <a:t>初版</a:t>
+                      </a:r>
+                      <a:r>
+                        <a:rPr lang="en-US" altLang="zh-TW" dirty="0" smtClean="0"/>
+                        <a:t>)</a:t>
+                      </a:r>
+                      <a:endParaRPr lang="zh-TW" altLang="en-US" dirty="0"/>
+                    </a:p>
+                  </a:txBody>
+                  <a:tcPr/>
+                </a:tc>
+                <a:tc>
+                  <a:txBody>
+                    <a:bodyPr/>
+                    <a:lstStyle/>
+                    <a:p>
+                      <a:pPr algn="ctr"/>
+                      <a:r>
+                        <a:rPr lang="zh-TW" altLang="en-US" dirty="0" smtClean="0"/>
+                        <a:t>楊景程</a:t>
+                      </a:r>
+                      <a:endParaRPr lang="zh-TW" altLang="en-US" dirty="0"/>
+                    </a:p>
+                  </a:txBody>
+                  <a:tcPr/>
+                </a:tc>
+                <a:extLst>
+                  <a:ext uri="{0D108BD9-81ED-4DB2-BD59-A6C34878D82A}">
+                    <a16:rowId xmlns:a16="http://schemas.microsoft.com/office/drawing/2014/main" val="1384330511"/>
+                  </a:ext>
+                </a:extLst>
+              </a:tr>
+              <a:tr h="370840">
+                <a:tc>
+                  <a:txBody>
+                    <a:bodyPr/>
+                    <a:lstStyle/>
+                    <a:p>
+                      <a:pPr algn="ctr"/>
+                      <a:r>
+                        <a:rPr lang="zh-TW" altLang="en-US" dirty="0" smtClean="0"/>
+                        <a:t>簡報製作</a:t>
+                      </a:r>
+                      <a:r>
+                        <a:rPr lang="en-US" altLang="zh-TW" dirty="0" smtClean="0"/>
+                        <a:t>(</a:t>
+                      </a:r>
+                      <a:r>
+                        <a:rPr lang="zh-TW" altLang="en-US" dirty="0" smtClean="0"/>
+                        <a:t>第二版</a:t>
+                      </a:r>
+                      <a:r>
+                        <a:rPr lang="en-US" altLang="zh-TW" dirty="0" smtClean="0"/>
+                        <a:t>)</a:t>
+                      </a:r>
+                      <a:endParaRPr lang="zh-TW" altLang="en-US" dirty="0"/>
+                    </a:p>
+                  </a:txBody>
+                  <a:tcPr/>
+                </a:tc>
+                <a:tc>
+                  <a:txBody>
+                    <a:bodyPr/>
+                    <a:lstStyle/>
+                    <a:p>
+                      <a:pPr algn="ctr"/>
+                      <a:r>
+                        <a:rPr lang="zh-TW" altLang="en-US" dirty="0" smtClean="0"/>
+                        <a:t>李勝發</a:t>
+                      </a:r>
+                      <a:endParaRPr lang="zh-TW" altLang="en-US" dirty="0"/>
+                    </a:p>
+                  </a:txBody>
+                  <a:tcPr/>
+                </a:tc>
+                <a:extLst>
+                  <a:ext uri="{0D108BD9-81ED-4DB2-BD59-A6C34878D82A}">
+                    <a16:rowId xmlns:a16="http://schemas.microsoft.com/office/drawing/2014/main" val="2841187828"/>
+                  </a:ext>
+                </a:extLst>
+              </a:tr>
+              <a:tr h="370840">
+                <a:tc>
+                  <a:txBody>
+                    <a:bodyPr/>
+                    <a:lstStyle/>
+                    <a:p>
+                      <a:pPr algn="ctr"/>
+                      <a:r>
+                        <a:rPr lang="zh-TW" altLang="en-US" dirty="0" smtClean="0"/>
+                        <a:t>資料蒐集</a:t>
+                      </a:r>
+                      <a:endParaRPr lang="zh-TW" altLang="en-US" dirty="0"/>
+                    </a:p>
+                  </a:txBody>
+                  <a:tcPr/>
+                </a:tc>
+                <a:tc>
+                  <a:txBody>
+                    <a:bodyPr/>
+                    <a:lstStyle/>
+                    <a:p>
+                      <a:pPr algn="ctr"/>
+                      <a:r>
+                        <a:rPr lang="zh-TW" altLang="en-US" dirty="0" smtClean="0"/>
+                        <a:t>楊景程、洪嘉桓、李勝發</a:t>
+                      </a:r>
+                      <a:endParaRPr lang="zh-TW" altLang="en-US" dirty="0"/>
+                    </a:p>
+                  </a:txBody>
+                  <a:tcPr/>
+                </a:tc>
+                <a:extLst>
+                  <a:ext uri="{0D108BD9-81ED-4DB2-BD59-A6C34878D82A}">
+                    <a16:rowId xmlns:a16="http://schemas.microsoft.com/office/drawing/2014/main" val="1407740663"/>
+                  </a:ext>
+                </a:extLst>
+              </a:tr>
+              <a:tr h="370840">
+                <a:tc>
+                  <a:txBody>
+                    <a:bodyPr/>
+                    <a:lstStyle/>
+                    <a:p>
+                      <a:pPr algn="ctr"/>
+                      <a:r>
+                        <a:rPr lang="en-US" altLang="zh-TW" dirty="0" smtClean="0"/>
+                        <a:t>UML</a:t>
+                      </a:r>
+                      <a:r>
+                        <a:rPr lang="zh-TW" altLang="en-US" dirty="0" smtClean="0"/>
+                        <a:t>繪製</a:t>
+                      </a:r>
+                      <a:r>
+                        <a:rPr lang="en-US" altLang="zh-TW" dirty="0" smtClean="0"/>
+                        <a:t>(</a:t>
+                      </a:r>
+                      <a:r>
+                        <a:rPr lang="zh-TW" altLang="en-US" dirty="0" smtClean="0"/>
+                        <a:t>第一版</a:t>
+                      </a:r>
+                      <a:r>
+                        <a:rPr lang="en-US" altLang="zh-TW" dirty="0" smtClean="0"/>
+                        <a:t>)</a:t>
+                      </a:r>
+                      <a:endParaRPr lang="zh-TW" altLang="en-US" dirty="0"/>
+                    </a:p>
+                  </a:txBody>
+                  <a:tcPr/>
+                </a:tc>
+                <a:tc>
+                  <a:txBody>
+                    <a:bodyPr/>
+                    <a:lstStyle/>
+                    <a:p>
+                      <a:pPr algn="ctr"/>
+                      <a:r>
+                        <a:rPr lang="zh-TW" altLang="en-US" dirty="0" smtClean="0"/>
+                        <a:t>楊景程</a:t>
+                      </a:r>
+                      <a:endParaRPr lang="zh-TW" altLang="en-US" dirty="0"/>
+                    </a:p>
+                  </a:txBody>
+                  <a:tcPr/>
+                </a:tc>
+                <a:extLst>
+                  <a:ext uri="{0D108BD9-81ED-4DB2-BD59-A6C34878D82A}">
+                    <a16:rowId xmlns:a16="http://schemas.microsoft.com/office/drawing/2014/main" val="1535879117"/>
+                  </a:ext>
+                </a:extLst>
+              </a:tr>
+              <a:tr h="370840">
+                <a:tc>
+                  <a:txBody>
+                    <a:bodyPr/>
+                    <a:lstStyle/>
+                    <a:p>
+                      <a:pPr algn="ctr"/>
+                      <a:r>
+                        <a:rPr lang="en-US" altLang="zh-TW" dirty="0" smtClean="0"/>
+                        <a:t>UML</a:t>
+                      </a:r>
+                      <a:r>
+                        <a:rPr lang="zh-TW" altLang="en-US" dirty="0" smtClean="0"/>
+                        <a:t>繪製</a:t>
+                      </a:r>
+                      <a:r>
+                        <a:rPr lang="en-US" altLang="zh-TW" dirty="0" smtClean="0"/>
+                        <a:t>(</a:t>
+                      </a:r>
+                      <a:r>
+                        <a:rPr lang="zh-TW" altLang="en-US" dirty="0" smtClean="0"/>
+                        <a:t>第二版</a:t>
+                      </a:r>
+                      <a:r>
+                        <a:rPr lang="en-US" altLang="zh-TW" dirty="0" smtClean="0"/>
+                        <a:t>)</a:t>
+                      </a:r>
+                      <a:endParaRPr lang="zh-TW" altLang="en-US" dirty="0"/>
+                    </a:p>
+                  </a:txBody>
+                  <a:tcPr/>
+                </a:tc>
+                <a:tc>
+                  <a:txBody>
+                    <a:bodyPr/>
+                    <a:lstStyle/>
+                    <a:p>
+                      <a:pPr algn="ctr"/>
+                      <a:r>
+                        <a:rPr lang="zh-TW" altLang="en-US" dirty="0" smtClean="0"/>
+                        <a:t>李勝發</a:t>
+                      </a:r>
+                      <a:endParaRPr lang="zh-TW" altLang="en-US" dirty="0"/>
+                    </a:p>
+                  </a:txBody>
+                  <a:tcPr/>
+                </a:tc>
+                <a:extLst>
+                  <a:ext uri="{0D108BD9-81ED-4DB2-BD59-A6C34878D82A}">
+                    <a16:rowId xmlns:a16="http://schemas.microsoft.com/office/drawing/2014/main" val="981812571"/>
+                  </a:ext>
+                </a:extLst>
+              </a:tr>
+              <a:tr h="313040">
+                <a:tc>
+                  <a:txBody>
+                    <a:bodyPr/>
+                    <a:lstStyle/>
+                    <a:p>
+                      <a:pPr algn="ctr"/>
+                      <a:r>
+                        <a:rPr lang="zh-TW" altLang="en-US" dirty="0" smtClean="0"/>
+                        <a:t>構想說明</a:t>
+                      </a:r>
+                      <a:endParaRPr lang="zh-TW" altLang="en-US" dirty="0"/>
+                    </a:p>
+                  </a:txBody>
+                  <a:tcPr/>
+                </a:tc>
+                <a:tc>
+                  <a:txBody>
+                    <a:bodyPr/>
+                    <a:lstStyle/>
+                    <a:p>
+                      <a:pPr algn="ctr"/>
+                      <a:r>
+                        <a:rPr lang="zh-TW" altLang="en-US" dirty="0" smtClean="0"/>
+                        <a:t>洪嘉桓</a:t>
+                      </a:r>
+                      <a:endParaRPr lang="zh-TW" altLang="en-US" dirty="0"/>
+                    </a:p>
+                  </a:txBody>
+                  <a:tcPr/>
+                </a:tc>
+                <a:extLst>
+                  <a:ext uri="{0D108BD9-81ED-4DB2-BD59-A6C34878D82A}">
+                    <a16:rowId xmlns:a16="http://schemas.microsoft.com/office/drawing/2014/main" val="2896357129"/>
+                  </a:ext>
+                </a:extLst>
+              </a:tr>
+              <a:tr h="370840">
+                <a:tc>
+                  <a:txBody>
+                    <a:bodyPr/>
+                    <a:lstStyle/>
+                    <a:p>
+                      <a:pPr algn="ctr"/>
+                      <a:r>
+                        <a:rPr lang="zh-TW" altLang="en-US" dirty="0" smtClean="0"/>
+                        <a:t>功能、系統架構圖</a:t>
+                      </a:r>
+                      <a:endParaRPr lang="zh-TW" altLang="en-US" dirty="0"/>
+                    </a:p>
+                  </a:txBody>
+                  <a:tcPr/>
+                </a:tc>
+                <a:tc>
+                  <a:txBody>
+                    <a:bodyPr/>
+                    <a:lstStyle/>
+                    <a:p>
+                      <a:pPr algn="ctr"/>
+                      <a:r>
+                        <a:rPr lang="zh-TW" altLang="en-US" dirty="0" smtClean="0"/>
+                        <a:t>李勝發</a:t>
+                      </a:r>
+                      <a:endParaRPr lang="zh-TW" altLang="en-US" dirty="0"/>
+                    </a:p>
+                  </a:txBody>
+                  <a:tcPr/>
+                </a:tc>
+                <a:extLst>
+                  <a:ext uri="{0D108BD9-81ED-4DB2-BD59-A6C34878D82A}">
+                    <a16:rowId xmlns:a16="http://schemas.microsoft.com/office/drawing/2014/main" val="257814553"/>
+                  </a:ext>
+                </a:extLst>
+              </a:tr>
+              <a:tr h="370840">
+                <a:tc>
+                  <a:txBody>
+                    <a:bodyPr/>
+                    <a:lstStyle/>
+                    <a:p>
+                      <a:pPr algn="ctr"/>
+                      <a:r>
+                        <a:rPr lang="zh-TW" altLang="en-US" dirty="0" smtClean="0"/>
+                        <a:t>資料庫圖與互動流程圖</a:t>
+                      </a:r>
+                      <a:endParaRPr lang="zh-TW" altLang="en-US" dirty="0"/>
+                    </a:p>
+                  </a:txBody>
+                  <a:tcPr/>
+                </a:tc>
+                <a:tc>
+                  <a:txBody>
+                    <a:bodyPr/>
+                    <a:lstStyle/>
+                    <a:p>
+                      <a:pPr algn="ctr"/>
+                      <a:r>
+                        <a:rPr lang="zh-TW" altLang="en-US" dirty="0" smtClean="0"/>
+                        <a:t>李勝發</a:t>
+                      </a:r>
+                      <a:endParaRPr lang="zh-TW" altLang="en-US" dirty="0"/>
+                    </a:p>
+                  </a:txBody>
+                  <a:tcPr/>
+                </a:tc>
+                <a:extLst>
+                  <a:ext uri="{0D108BD9-81ED-4DB2-BD59-A6C34878D82A}">
+                    <a16:rowId xmlns:a16="http://schemas.microsoft.com/office/drawing/2014/main" val="904648846"/>
+                  </a:ext>
+                </a:extLst>
+              </a:tr>
+              <a:tr h="370840">
+                <a:tc>
+                  <a:txBody>
+                    <a:bodyPr/>
+                    <a:lstStyle/>
+                    <a:p>
+                      <a:pPr algn="ctr"/>
+                      <a:r>
+                        <a:rPr lang="zh-TW" altLang="en-US" dirty="0" smtClean="0"/>
+                        <a:t>時程安排</a:t>
+                      </a:r>
+                      <a:endParaRPr lang="zh-TW" altLang="en-US" dirty="0"/>
+                    </a:p>
+                  </a:txBody>
+                  <a:tcPr/>
+                </a:tc>
+                <a:tc>
+                  <a:txBody>
+                    <a:bodyPr/>
+                    <a:lstStyle/>
+                    <a:p>
+                      <a:pPr algn="ctr"/>
+                      <a:r>
+                        <a:rPr lang="zh-TW" altLang="en-US" dirty="0" smtClean="0"/>
+                        <a:t>楊景程</a:t>
+                      </a:r>
+                      <a:endParaRPr lang="zh-TW" altLang="en-US" dirty="0"/>
+                    </a:p>
+                  </a:txBody>
+                  <a:tcPr/>
+                </a:tc>
+                <a:extLst>
+                  <a:ext uri="{0D108BD9-81ED-4DB2-BD59-A6C34878D82A}">
+                    <a16:rowId xmlns:a16="http://schemas.microsoft.com/office/drawing/2014/main" val="1823087474"/>
+                  </a:ext>
+                </a:extLst>
+              </a:tr>
+              <a:tr h="370840">
+                <a:tc>
+                  <a:txBody>
+                    <a:bodyPr/>
+                    <a:lstStyle/>
+                    <a:p>
+                      <a:pPr algn="ctr"/>
+                      <a:r>
+                        <a:rPr lang="zh-TW" altLang="en-US" dirty="0" smtClean="0"/>
+                        <a:t>需求分析</a:t>
+                      </a:r>
+                      <a:endParaRPr lang="zh-TW" altLang="en-US" dirty="0"/>
+                    </a:p>
+                  </a:txBody>
+                  <a:tcPr/>
+                </a:tc>
+                <a:tc>
+                  <a:txBody>
+                    <a:bodyPr/>
+                    <a:lstStyle/>
+                    <a:p>
+                      <a:pPr algn="ctr"/>
+                      <a:r>
+                        <a:rPr lang="zh-TW" altLang="en-US" dirty="0" smtClean="0"/>
+                        <a:t>洪嘉桓、李勝發</a:t>
+                      </a:r>
+                      <a:endParaRPr lang="zh-TW" altLang="en-US" dirty="0"/>
+                    </a:p>
+                  </a:txBody>
+                  <a:tcPr/>
+                </a:tc>
+                <a:extLst>
+                  <a:ext uri="{0D108BD9-81ED-4DB2-BD59-A6C34878D82A}">
+                    <a16:rowId xmlns:a16="http://schemas.microsoft.com/office/drawing/2014/main" val="548574199"/>
+                  </a:ext>
+                </a:extLst>
+              </a:tr>
+              <a:tr h="370840">
+                <a:tc>
+                  <a:txBody>
+                    <a:bodyPr/>
+                    <a:lstStyle/>
+                    <a:p>
+                      <a:pPr algn="ctr"/>
+                      <a:r>
+                        <a:rPr lang="en-US" altLang="zh-TW" dirty="0" smtClean="0"/>
+                        <a:t>WORD</a:t>
+                      </a:r>
+                      <a:r>
+                        <a:rPr lang="zh-TW" altLang="en-US" dirty="0" smtClean="0"/>
+                        <a:t>檔製作</a:t>
+                      </a:r>
+                      <a:endParaRPr lang="zh-TW" altLang="en-US" dirty="0"/>
+                    </a:p>
+                  </a:txBody>
+                  <a:tcPr/>
+                </a:tc>
+                <a:tc>
+                  <a:txBody>
+                    <a:bodyPr/>
+                    <a:lstStyle/>
+                    <a:p>
+                      <a:pPr algn="ctr"/>
+                      <a:r>
+                        <a:rPr lang="zh-TW" altLang="en-US" dirty="0" smtClean="0"/>
+                        <a:t>楊景程</a:t>
+                      </a:r>
+                      <a:endParaRPr lang="zh-TW" altLang="en-US" dirty="0"/>
+                    </a:p>
+                  </a:txBody>
+                  <a:tcPr/>
+                </a:tc>
+                <a:extLst>
+                  <a:ext uri="{0D108BD9-81ED-4DB2-BD59-A6C34878D82A}">
+                    <a16:rowId xmlns:a16="http://schemas.microsoft.com/office/drawing/2014/main" val="2577324770"/>
+                  </a:ext>
+                </a:extLst>
+              </a:tr>
+              <a:tr h="370840">
+                <a:tc>
+                  <a:txBody>
+                    <a:bodyPr/>
+                    <a:lstStyle/>
+                    <a:p>
+                      <a:pPr algn="ctr"/>
+                      <a:r>
+                        <a:rPr lang="zh-TW" altLang="en-US" dirty="0" smtClean="0"/>
+                        <a:t>審查與修正</a:t>
+                      </a:r>
+                      <a:endParaRPr lang="zh-TW" altLang="en-US" dirty="0"/>
+                    </a:p>
+                  </a:txBody>
+                  <a:tcPr/>
+                </a:tc>
+                <a:tc>
+                  <a:txBody>
+                    <a:bodyPr/>
+                    <a:lstStyle/>
+                    <a:p>
+                      <a:pPr algn="ctr"/>
+                      <a:r>
+                        <a:rPr lang="zh-TW" altLang="en-US" dirty="0" smtClean="0"/>
+                        <a:t>楊景程、洪嘉桓、李勝發</a:t>
+                      </a:r>
+                      <a:endParaRPr lang="zh-TW" altLang="en-US" dirty="0"/>
+                    </a:p>
+                  </a:txBody>
+                  <a:tcPr/>
+                </a:tc>
+                <a:extLst>
+                  <a:ext uri="{0D108BD9-81ED-4DB2-BD59-A6C34878D82A}">
+                    <a16:rowId xmlns:a16="http://schemas.microsoft.com/office/drawing/2014/main" val="1031043363"/>
+                  </a:ext>
+                </a:extLst>
+              </a:tr>
+              <a:tr h="370840">
+                <a:tc>
+                  <a:txBody>
+                    <a:bodyPr/>
+                    <a:lstStyle/>
+                    <a:p>
+                      <a:pPr algn="ctr"/>
+                      <a:r>
+                        <a:rPr lang="zh-TW" altLang="en-US" dirty="0" smtClean="0"/>
+                        <a:t>報告</a:t>
+                      </a:r>
+                      <a:endParaRPr lang="zh-TW" altLang="en-US" dirty="0"/>
+                    </a:p>
+                  </a:txBody>
+                  <a:tcPr/>
+                </a:tc>
+                <a:tc>
+                  <a:txBody>
+                    <a:bodyPr/>
+                    <a:lstStyle/>
+                    <a:p>
+                      <a:pPr algn="ctr"/>
+                      <a:r>
+                        <a:rPr lang="zh-TW" altLang="en-US" dirty="0" smtClean="0"/>
+                        <a:t>李勝發</a:t>
+                      </a:r>
+                      <a:endParaRPr lang="zh-TW" altLang="en-US" dirty="0"/>
+                    </a:p>
+                  </a:txBody>
+                  <a:tcPr/>
+                </a:tc>
+                <a:extLst>
+                  <a:ext uri="{0D108BD9-81ED-4DB2-BD59-A6C34878D82A}">
+                    <a16:rowId xmlns:a16="http://schemas.microsoft.com/office/drawing/2014/main" val="3196597421"/>
+                  </a:ext>
+                </a:extLst>
+              </a:tr>
+            </a:tbl>
+          </a:graphicData>
+        </a:graphic>
+      </p:graphicFrame>
     </p:spTree>
+    <p:extLst>
+      <p:ext uri="{BB962C8B-B14F-4D97-AF65-F5344CB8AC3E}">
+        <p14:creationId xmlns:p14="http://schemas.microsoft.com/office/powerpoint/2010/main" val="2058138696"/>
+      </p:ext>
+    </p:extLst>
   </p:cSld>
   <p:clrMapOvr>
     <a:masterClrMapping/>
@@ -4401,7 +5267,7 @@
             <p:ph idx="1"/>
             <p:extLst>
               <p:ext uri="{D42A27DB-BD31-4B8C-83A1-F6EECF244321}">
-                <p14:modId xmlns:p14="http://schemas.microsoft.com/office/powerpoint/2010/main" xmlns="" val="3381255814"/>
+                <p14:modId xmlns:p14="http://schemas.microsoft.com/office/powerpoint/2010/main" val="3381255814"/>
               </p:ext>
             </p:extLst>
           </p:nvPr>
@@ -4420,70 +5286,70 @@
                 <a:gridCol w="2180274">
                   <a:extLst>
                     <a:ext uri="{9D8B030D-6E8A-4147-A177-3AD203B41FA5}">
-                      <a16:colId xmlns:a16="http://schemas.microsoft.com/office/drawing/2014/main" xmlns="" val="2658102564"/>
+                      <a16:colId xmlns:a16="http://schemas.microsoft.com/office/drawing/2014/main" val="2658102564"/>
                     </a:ext>
                   </a:extLst>
                 </a:gridCol>
                 <a:gridCol w="652482">
                   <a:extLst>
                     <a:ext uri="{9D8B030D-6E8A-4147-A177-3AD203B41FA5}">
-                      <a16:colId xmlns:a16="http://schemas.microsoft.com/office/drawing/2014/main" xmlns="" val="4035710884"/>
+                      <a16:colId xmlns:a16="http://schemas.microsoft.com/office/drawing/2014/main" val="4035710884"/>
                     </a:ext>
                   </a:extLst>
                 </a:gridCol>
                 <a:gridCol w="652483">
                   <a:extLst>
                     <a:ext uri="{9D8B030D-6E8A-4147-A177-3AD203B41FA5}">
-                      <a16:colId xmlns:a16="http://schemas.microsoft.com/office/drawing/2014/main" xmlns="" val="1869935520"/>
+                      <a16:colId xmlns:a16="http://schemas.microsoft.com/office/drawing/2014/main" val="1869935520"/>
                     </a:ext>
                   </a:extLst>
                 </a:gridCol>
                 <a:gridCol w="652482">
                   <a:extLst>
                     <a:ext uri="{9D8B030D-6E8A-4147-A177-3AD203B41FA5}">
-                      <a16:colId xmlns:a16="http://schemas.microsoft.com/office/drawing/2014/main" xmlns="" val="2762801947"/>
+                      <a16:colId xmlns:a16="http://schemas.microsoft.com/office/drawing/2014/main" val="2762801947"/>
                     </a:ext>
                   </a:extLst>
                 </a:gridCol>
                 <a:gridCol w="652483">
                   <a:extLst>
                     <a:ext uri="{9D8B030D-6E8A-4147-A177-3AD203B41FA5}">
-                      <a16:colId xmlns:a16="http://schemas.microsoft.com/office/drawing/2014/main" xmlns="" val="2483937860"/>
+                      <a16:colId xmlns:a16="http://schemas.microsoft.com/office/drawing/2014/main" val="2483937860"/>
                     </a:ext>
                   </a:extLst>
                 </a:gridCol>
                 <a:gridCol w="652482">
                   <a:extLst>
                     <a:ext uri="{9D8B030D-6E8A-4147-A177-3AD203B41FA5}">
-                      <a16:colId xmlns:a16="http://schemas.microsoft.com/office/drawing/2014/main" xmlns="" val="3142725457"/>
+                      <a16:colId xmlns:a16="http://schemas.microsoft.com/office/drawing/2014/main" val="3142725457"/>
                     </a:ext>
                   </a:extLst>
                 </a:gridCol>
                 <a:gridCol w="652482">
                   <a:extLst>
                     <a:ext uri="{9D8B030D-6E8A-4147-A177-3AD203B41FA5}">
-                      <a16:colId xmlns:a16="http://schemas.microsoft.com/office/drawing/2014/main" xmlns="" val="2120672418"/>
+                      <a16:colId xmlns:a16="http://schemas.microsoft.com/office/drawing/2014/main" val="2120672418"/>
                     </a:ext>
                   </a:extLst>
                 </a:gridCol>
                 <a:gridCol w="652482">
                   <a:extLst>
                     <a:ext uri="{9D8B030D-6E8A-4147-A177-3AD203B41FA5}">
-                      <a16:colId xmlns:a16="http://schemas.microsoft.com/office/drawing/2014/main" xmlns="" val="2546602912"/>
+                      <a16:colId xmlns:a16="http://schemas.microsoft.com/office/drawing/2014/main" val="2546602912"/>
                     </a:ext>
                   </a:extLst>
                 </a:gridCol>
                 <a:gridCol w="652482">
                   <a:extLst>
                     <a:ext uri="{9D8B030D-6E8A-4147-A177-3AD203B41FA5}">
-                      <a16:colId xmlns:a16="http://schemas.microsoft.com/office/drawing/2014/main" xmlns="" val="1417368171"/>
+                      <a16:colId xmlns:a16="http://schemas.microsoft.com/office/drawing/2014/main" val="1417368171"/>
                     </a:ext>
                   </a:extLst>
                 </a:gridCol>
                 <a:gridCol w="652482">
                   <a:extLst>
                     <a:ext uri="{9D8B030D-6E8A-4147-A177-3AD203B41FA5}">
-                      <a16:colId xmlns:a16="http://schemas.microsoft.com/office/drawing/2014/main" xmlns="" val="2230023914"/>
+                      <a16:colId xmlns:a16="http://schemas.microsoft.com/office/drawing/2014/main" val="2230023914"/>
                     </a:ext>
                   </a:extLst>
                 </a:gridCol>
@@ -4617,7 +5483,7 @@
                 </a:tc>
                 <a:extLst>
                   <a:ext uri="{0D108BD9-81ED-4DB2-BD59-A6C34878D82A}">
-                    <a16:rowId xmlns:a16="http://schemas.microsoft.com/office/drawing/2014/main" xmlns="" val="762573768"/>
+                    <a16:rowId xmlns:a16="http://schemas.microsoft.com/office/drawing/2014/main" val="762573768"/>
                   </a:ext>
                 </a:extLst>
               </a:tr>
@@ -4810,7 +5676,7 @@
                 </a:tc>
                 <a:extLst>
                   <a:ext uri="{0D108BD9-81ED-4DB2-BD59-A6C34878D82A}">
-                    <a16:rowId xmlns:a16="http://schemas.microsoft.com/office/drawing/2014/main" xmlns="" val="2039672839"/>
+                    <a16:rowId xmlns:a16="http://schemas.microsoft.com/office/drawing/2014/main" val="2039672839"/>
                   </a:ext>
                 </a:extLst>
               </a:tr>
@@ -4948,7 +5814,7 @@
                 </a:tc>
                 <a:extLst>
                   <a:ext uri="{0D108BD9-81ED-4DB2-BD59-A6C34878D82A}">
-                    <a16:rowId xmlns:a16="http://schemas.microsoft.com/office/drawing/2014/main" xmlns="" val="4151464531"/>
+                    <a16:rowId xmlns:a16="http://schemas.microsoft.com/office/drawing/2014/main" val="4151464531"/>
                   </a:ext>
                 </a:extLst>
               </a:tr>
@@ -5075,7 +5941,7 @@
                 </a:tc>
                 <a:extLst>
                   <a:ext uri="{0D108BD9-81ED-4DB2-BD59-A6C34878D82A}">
-                    <a16:rowId xmlns:a16="http://schemas.microsoft.com/office/drawing/2014/main" xmlns="" val="4060535878"/>
+                    <a16:rowId xmlns:a16="http://schemas.microsoft.com/office/drawing/2014/main" val="4060535878"/>
                   </a:ext>
                 </a:extLst>
               </a:tr>
@@ -5214,7 +6080,7 @@
                 </a:tc>
                 <a:extLst>
                   <a:ext uri="{0D108BD9-81ED-4DB2-BD59-A6C34878D82A}">
-                    <a16:rowId xmlns:a16="http://schemas.microsoft.com/office/drawing/2014/main" xmlns="" val="1973415475"/>
+                    <a16:rowId xmlns:a16="http://schemas.microsoft.com/office/drawing/2014/main" val="1973415475"/>
                   </a:ext>
                 </a:extLst>
               </a:tr>
@@ -5351,7 +6217,7 @@
                 </a:tc>
                 <a:extLst>
                   <a:ext uri="{0D108BD9-81ED-4DB2-BD59-A6C34878D82A}">
-                    <a16:rowId xmlns:a16="http://schemas.microsoft.com/office/drawing/2014/main" xmlns="" val="196397097"/>
+                    <a16:rowId xmlns:a16="http://schemas.microsoft.com/office/drawing/2014/main" val="196397097"/>
                   </a:ext>
                 </a:extLst>
               </a:tr>
@@ -5478,7 +6344,7 @@
                 </a:tc>
                 <a:extLst>
                   <a:ext uri="{0D108BD9-81ED-4DB2-BD59-A6C34878D82A}">
-                    <a16:rowId xmlns:a16="http://schemas.microsoft.com/office/drawing/2014/main" xmlns="" val="3257198121"/>
+                    <a16:rowId xmlns:a16="http://schemas.microsoft.com/office/drawing/2014/main" val="3257198121"/>
                   </a:ext>
                 </a:extLst>
               </a:tr>
@@ -5617,7 +6483,7 @@
                 </a:tc>
                 <a:extLst>
                   <a:ext uri="{0D108BD9-81ED-4DB2-BD59-A6C34878D82A}">
-                    <a16:rowId xmlns:a16="http://schemas.microsoft.com/office/drawing/2014/main" xmlns="" val="2585049494"/>
+                    <a16:rowId xmlns:a16="http://schemas.microsoft.com/office/drawing/2014/main" val="2585049494"/>
                   </a:ext>
                 </a:extLst>
               </a:tr>
@@ -5760,7 +6626,7 @@
                 </a:tc>
                 <a:extLst>
                   <a:ext uri="{0D108BD9-81ED-4DB2-BD59-A6C34878D82A}">
-                    <a16:rowId xmlns:a16="http://schemas.microsoft.com/office/drawing/2014/main" xmlns="" val="3753877482"/>
+                    <a16:rowId xmlns:a16="http://schemas.microsoft.com/office/drawing/2014/main" val="3753877482"/>
                   </a:ext>
                 </a:extLst>
               </a:tr>
@@ -5897,7 +6763,7 @@
                 </a:tc>
                 <a:extLst>
                   <a:ext uri="{0D108BD9-81ED-4DB2-BD59-A6C34878D82A}">
-                    <a16:rowId xmlns:a16="http://schemas.microsoft.com/office/drawing/2014/main" xmlns="" val="2739449384"/>
+                    <a16:rowId xmlns:a16="http://schemas.microsoft.com/office/drawing/2014/main" val="2739449384"/>
                   </a:ext>
                 </a:extLst>
               </a:tr>
@@ -6024,7 +6890,7 @@
                 </a:tc>
                 <a:extLst>
                   <a:ext uri="{0D108BD9-81ED-4DB2-BD59-A6C34878D82A}">
-                    <a16:rowId xmlns:a16="http://schemas.microsoft.com/office/drawing/2014/main" xmlns="" val="2559369107"/>
+                    <a16:rowId xmlns:a16="http://schemas.microsoft.com/office/drawing/2014/main" val="2559369107"/>
                   </a:ext>
                 </a:extLst>
               </a:tr>
@@ -6163,7 +7029,7 @@
                 </a:tc>
                 <a:extLst>
                   <a:ext uri="{0D108BD9-81ED-4DB2-BD59-A6C34878D82A}">
-                    <a16:rowId xmlns:a16="http://schemas.microsoft.com/office/drawing/2014/main" xmlns="" val="1105703240"/>
+                    <a16:rowId xmlns:a16="http://schemas.microsoft.com/office/drawing/2014/main" val="1105703240"/>
                   </a:ext>
                 </a:extLst>
               </a:tr>
@@ -6296,7 +7162,7 @@
                 </a:tc>
                 <a:extLst>
                   <a:ext uri="{0D108BD9-81ED-4DB2-BD59-A6C34878D82A}">
-                    <a16:rowId xmlns:a16="http://schemas.microsoft.com/office/drawing/2014/main" xmlns="" val="2020632879"/>
+                    <a16:rowId xmlns:a16="http://schemas.microsoft.com/office/drawing/2014/main" val="2020632879"/>
                   </a:ext>
                 </a:extLst>
               </a:tr>
@@ -6423,7 +7289,7 @@
                 </a:tc>
                 <a:extLst>
                   <a:ext uri="{0D108BD9-81ED-4DB2-BD59-A6C34878D82A}">
-                    <a16:rowId xmlns:a16="http://schemas.microsoft.com/office/drawing/2014/main" xmlns="" val="2353891602"/>
+                    <a16:rowId xmlns:a16="http://schemas.microsoft.com/office/drawing/2014/main" val="2353891602"/>
                   </a:ext>
                 </a:extLst>
               </a:tr>
@@ -6550,7 +7416,7 @@
                 </a:tc>
                 <a:extLst>
                   <a:ext uri="{0D108BD9-81ED-4DB2-BD59-A6C34878D82A}">
-                    <a16:rowId xmlns:a16="http://schemas.microsoft.com/office/drawing/2014/main" xmlns="" val="2999576341"/>
+                    <a16:rowId xmlns:a16="http://schemas.microsoft.com/office/drawing/2014/main" val="2999576341"/>
                   </a:ext>
                 </a:extLst>
               </a:tr>
@@ -6561,7 +7427,7 @@
     </p:spTree>
     <p:extLst>
       <p:ext uri="{BB962C8B-B14F-4D97-AF65-F5344CB8AC3E}">
-        <p14:creationId xmlns:p14="http://schemas.microsoft.com/office/powerpoint/2010/main" xmlns="" val="4248515165"/>
+        <p14:creationId xmlns:p14="http://schemas.microsoft.com/office/powerpoint/2010/main" val="4248515165"/>
       </p:ext>
     </p:extLst>
   </p:cSld>
@@ -6680,9 +7546,10 @@
           <a:lstStyle/>
           <a:p>
             <a:r>
-              <a:rPr lang="zh-TW" altLang="en-US" dirty="0"/>
-              <a:t>摘要</a:t>
-            </a:r>
+              <a:rPr lang="zh-TW" altLang="en-US" dirty="0" smtClean="0"/>
+              <a:t>簡介</a:t>
+            </a:r>
+            <a:endParaRPr lang="zh-TW" altLang="en-US" dirty="0"/>
           </a:p>
         </p:txBody>
       </p:sp>
@@ -6706,79 +7573,69 @@
           <a:bodyPr/>
           <a:lstStyle/>
           <a:p>
-            <a:pPr marL="0">
-              <a:buNone/>
-            </a:pPr>
-            <a:r>
-              <a:rPr lang="zh-TW" altLang="zh-TW" dirty="0" smtClean="0">
-                <a:latin typeface="標楷體" panose="03000509000000000000" pitchFamily="65" charset="-120"/>
-                <a:ea typeface="標楷體" panose="03000509000000000000" pitchFamily="65" charset="-120"/>
-              </a:rPr>
-              <a:t>運用</a:t>
-            </a:r>
-            <a:r>
-              <a:rPr lang="en-US" altLang="zh-TW" dirty="0" smtClean="0">
-                <a:latin typeface="標楷體" panose="03000509000000000000" pitchFamily="65" charset="-120"/>
-                <a:ea typeface="標楷體" panose="03000509000000000000" pitchFamily="65" charset="-120"/>
-              </a:rPr>
-              <a:t>AR</a:t>
-            </a:r>
-            <a:r>
-              <a:rPr lang="zh-TW" altLang="zh-TW" dirty="0" smtClean="0">
-                <a:latin typeface="標楷體" panose="03000509000000000000" pitchFamily="65" charset="-120"/>
-                <a:ea typeface="標楷體" panose="03000509000000000000" pitchFamily="65" charset="-120"/>
-              </a:rPr>
-              <a:t>技術完成一款角色扮演遊戲</a:t>
-            </a:r>
-            <a:r>
-              <a:rPr lang="en-US" altLang="zh-TW" dirty="0" smtClean="0">
-                <a:latin typeface="標楷體" panose="03000509000000000000" pitchFamily="65" charset="-120"/>
-                <a:ea typeface="標楷體" panose="03000509000000000000" pitchFamily="65" charset="-120"/>
-              </a:rPr>
-              <a:t>(RPG)</a:t>
-            </a:r>
             <a:r>
               <a:rPr lang="zh-TW" altLang="en-US" dirty="0" smtClean="0">
                 <a:latin typeface="標楷體" panose="03000509000000000000" pitchFamily="65" charset="-120"/>
                 <a:ea typeface="標楷體" panose="03000509000000000000" pitchFamily="65" charset="-120"/>
               </a:rPr>
-              <a:t>，</a:t>
-            </a:r>
-            <a:r>
-              <a:rPr lang="zh-TW" altLang="zh-TW" dirty="0" smtClean="0">
-                <a:latin typeface="標楷體" panose="03000509000000000000" pitchFamily="65" charset="-120"/>
-                <a:ea typeface="標楷體" panose="03000509000000000000" pitchFamily="65" charset="-120"/>
-              </a:rPr>
-              <a:t>讓玩家</a:t>
-            </a:r>
+              <a:t>背景</a:t>
+            </a:r>
+            <a:endParaRPr lang="en-US" altLang="zh-TW" dirty="0" smtClean="0">
+              <a:latin typeface="標楷體" panose="03000509000000000000" pitchFamily="65" charset="-120"/>
+              <a:ea typeface="標楷體" panose="03000509000000000000" pitchFamily="65" charset="-120"/>
+            </a:endParaRPr>
+          </a:p>
+          <a:p>
             <a:r>
               <a:rPr lang="zh-TW" altLang="en-US" dirty="0" smtClean="0">
                 <a:latin typeface="標楷體" panose="03000509000000000000" pitchFamily="65" charset="-120"/>
                 <a:ea typeface="標楷體" panose="03000509000000000000" pitchFamily="65" charset="-120"/>
               </a:rPr>
-              <a:t>可以在現實中體驗</a:t>
-            </a:r>
-            <a:r>
-              <a:rPr lang="en-US" altLang="zh-TW" dirty="0" smtClean="0">
-                <a:latin typeface="標楷體" panose="03000509000000000000" pitchFamily="65" charset="-120"/>
-                <a:ea typeface="標楷體" panose="03000509000000000000" pitchFamily="65" charset="-120"/>
-              </a:rPr>
-              <a:t>RPG</a:t>
-            </a:r>
+              <a:t>動機</a:t>
+            </a:r>
+            <a:endParaRPr lang="en-US" altLang="zh-TW" dirty="0" smtClean="0">
+              <a:latin typeface="標楷體" panose="03000509000000000000" pitchFamily="65" charset="-120"/>
+              <a:ea typeface="標楷體" panose="03000509000000000000" pitchFamily="65" charset="-120"/>
+            </a:endParaRPr>
+          </a:p>
+          <a:p>
             <a:r>
               <a:rPr lang="zh-TW" altLang="en-US" dirty="0" smtClean="0">
                 <a:latin typeface="標楷體" panose="03000509000000000000" pitchFamily="65" charset="-120"/>
                 <a:ea typeface="標楷體" panose="03000509000000000000" pitchFamily="65" charset="-120"/>
               </a:rPr>
-              <a:t>遊戲，並結合地方觀光資源進行區域行銷</a:t>
-            </a:r>
-            <a:r>
-              <a:rPr lang="zh-TW" altLang="zh-TW" dirty="0" smtClean="0">
+              <a:t>目的</a:t>
+            </a:r>
+            <a:endParaRPr lang="en-US" altLang="zh-TW" dirty="0" smtClean="0">
+              <a:latin typeface="標楷體" panose="03000509000000000000" pitchFamily="65" charset="-120"/>
+              <a:ea typeface="標楷體" panose="03000509000000000000" pitchFamily="65" charset="-120"/>
+            </a:endParaRPr>
+          </a:p>
+          <a:p>
+            <a:r>
+              <a:rPr lang="zh-TW" altLang="en-US" dirty="0" smtClean="0">
                 <a:latin typeface="標楷體" panose="03000509000000000000" pitchFamily="65" charset="-120"/>
                 <a:ea typeface="標楷體" panose="03000509000000000000" pitchFamily="65" charset="-120"/>
               </a:rPr>
-              <a:t>。</a:t>
-            </a:r>
+              <a:t>需求分析</a:t>
+            </a:r>
+            <a:endParaRPr lang="en-US" altLang="zh-TW" dirty="0" smtClean="0">
+              <a:latin typeface="標楷體" panose="03000509000000000000" pitchFamily="65" charset="-120"/>
+              <a:ea typeface="標楷體" panose="03000509000000000000" pitchFamily="65" charset="-120"/>
+            </a:endParaRPr>
+          </a:p>
+          <a:p>
+            <a:r>
+              <a:rPr lang="zh-TW" altLang="en-US" dirty="0" smtClean="0">
+                <a:latin typeface="標楷體" panose="03000509000000000000" pitchFamily="65" charset="-120"/>
+                <a:ea typeface="標楷體" panose="03000509000000000000" pitchFamily="65" charset="-120"/>
+              </a:rPr>
+              <a:t>構想</a:t>
+            </a:r>
+            <a:endParaRPr lang="en-US" altLang="zh-TW" dirty="0" smtClean="0">
+              <a:latin typeface="標楷體" panose="03000509000000000000" pitchFamily="65" charset="-120"/>
+              <a:ea typeface="標楷體" panose="03000509000000000000" pitchFamily="65" charset="-120"/>
+            </a:endParaRPr>
           </a:p>
           <a:p>
             <a:endParaRPr lang="zh-TW" altLang="en-US" dirty="0"/>
@@ -6834,7 +7691,7 @@
           <a:p>
             <a:r>
               <a:rPr lang="zh-TW" altLang="en-US" dirty="0" smtClean="0"/>
-              <a:t>簡介</a:t>
+              <a:t>背景</a:t>
             </a:r>
             <a:endParaRPr lang="zh-TW" altLang="en-US" dirty="0"/>
           </a:p>
@@ -6860,72 +7717,44 @@
           <a:bodyPr/>
           <a:lstStyle/>
           <a:p>
-            <a:r>
-              <a:rPr lang="zh-TW" altLang="en-US" dirty="0" smtClean="0">
-                <a:latin typeface="標楷體" panose="03000509000000000000" pitchFamily="65" charset="-120"/>
-                <a:ea typeface="標楷體" panose="03000509000000000000" pitchFamily="65" charset="-120"/>
-              </a:rPr>
-              <a:t>背景</a:t>
-            </a:r>
-            <a:endParaRPr lang="en-US" altLang="zh-TW" dirty="0" smtClean="0">
-              <a:latin typeface="標楷體" panose="03000509000000000000" pitchFamily="65" charset="-120"/>
-              <a:ea typeface="標楷體" panose="03000509000000000000" pitchFamily="65" charset="-120"/>
-            </a:endParaRPr>
-          </a:p>
-          <a:p>
-            <a:r>
-              <a:rPr lang="zh-TW" altLang="en-US" dirty="0" smtClean="0">
-                <a:latin typeface="標楷體" panose="03000509000000000000" pitchFamily="65" charset="-120"/>
-                <a:ea typeface="標楷體" panose="03000509000000000000" pitchFamily="65" charset="-120"/>
-              </a:rPr>
-              <a:t>動機</a:t>
-            </a:r>
-            <a:endParaRPr lang="en-US" altLang="zh-TW" dirty="0" smtClean="0">
-              <a:latin typeface="標楷體" panose="03000509000000000000" pitchFamily="65" charset="-120"/>
-              <a:ea typeface="標楷體" panose="03000509000000000000" pitchFamily="65" charset="-120"/>
-            </a:endParaRPr>
-          </a:p>
-          <a:p>
-            <a:r>
-              <a:rPr lang="zh-TW" altLang="en-US" dirty="0" smtClean="0">
-                <a:latin typeface="標楷體" panose="03000509000000000000" pitchFamily="65" charset="-120"/>
-                <a:ea typeface="標楷體" panose="03000509000000000000" pitchFamily="65" charset="-120"/>
-              </a:rPr>
-              <a:t>目的</a:t>
-            </a:r>
-            <a:endParaRPr lang="en-US" altLang="zh-TW" dirty="0" smtClean="0">
-              <a:latin typeface="標楷體" panose="03000509000000000000" pitchFamily="65" charset="-120"/>
-              <a:ea typeface="標楷體" panose="03000509000000000000" pitchFamily="65" charset="-120"/>
-            </a:endParaRPr>
-          </a:p>
-          <a:p>
-            <a:r>
-              <a:rPr lang="zh-TW" altLang="en-US" dirty="0" smtClean="0">
-                <a:latin typeface="標楷體" panose="03000509000000000000" pitchFamily="65" charset="-120"/>
-                <a:ea typeface="標楷體" panose="03000509000000000000" pitchFamily="65" charset="-120"/>
-              </a:rPr>
-              <a:t>需求分析</a:t>
-            </a:r>
-            <a:endParaRPr lang="en-US" altLang="zh-TW" dirty="0" smtClean="0">
-              <a:latin typeface="標楷體" panose="03000509000000000000" pitchFamily="65" charset="-120"/>
-              <a:ea typeface="標楷體" panose="03000509000000000000" pitchFamily="65" charset="-120"/>
-            </a:endParaRPr>
-          </a:p>
-          <a:p>
-            <a:r>
-              <a:rPr lang="zh-TW" altLang="en-US" dirty="0" smtClean="0">
-                <a:latin typeface="標楷體" panose="03000509000000000000" pitchFamily="65" charset="-120"/>
-                <a:ea typeface="標楷體" panose="03000509000000000000" pitchFamily="65" charset="-120"/>
-              </a:rPr>
-              <a:t>構想</a:t>
-            </a:r>
-            <a:endParaRPr lang="en-US" altLang="zh-TW" dirty="0" smtClean="0">
-              <a:latin typeface="標楷體" panose="03000509000000000000" pitchFamily="65" charset="-120"/>
-              <a:ea typeface="標楷體" panose="03000509000000000000" pitchFamily="65" charset="-120"/>
-            </a:endParaRPr>
-          </a:p>
-          <a:p>
-            <a:endParaRPr lang="zh-TW" altLang="en-US" dirty="0"/>
+            <a:pPr marL="0">
+              <a:buNone/>
+            </a:pPr>
+            <a:r>
+              <a:rPr lang="zh-TW" altLang="en-US" dirty="0" smtClean="0"/>
+              <a:t>現在科技日新月異，人們已經不滿足於在螢幕中建構一個幻想世界，</a:t>
+            </a:r>
+            <a:r>
+              <a:rPr lang="zh-TW" altLang="en-US" dirty="0"/>
+              <a:t>這</a:t>
+            </a:r>
+            <a:r>
+              <a:rPr lang="zh-TW" altLang="en-US" dirty="0" smtClean="0"/>
+              <a:t>是</a:t>
+            </a:r>
+            <a:r>
+              <a:rPr lang="en-US" altLang="zh-TW" dirty="0" smtClean="0"/>
+              <a:t>VR</a:t>
+            </a:r>
+            <a:r>
+              <a:rPr lang="zh-TW" altLang="en-US" dirty="0" smtClean="0"/>
+              <a:t>、</a:t>
+            </a:r>
+            <a:r>
+              <a:rPr lang="en-US" altLang="zh-TW" dirty="0" smtClean="0"/>
+              <a:t>AR</a:t>
+            </a:r>
+            <a:r>
+              <a:rPr lang="zh-TW" altLang="en-US" dirty="0" smtClean="0"/>
+              <a:t>等技術相應出現，使我們能親身進入幻想世界，甚至使之與現實融合。</a:t>
+            </a:r>
+            <a:endParaRPr lang="en-US" altLang="zh-TW" dirty="0" smtClean="0"/>
+          </a:p>
+          <a:p>
+            <a:pPr>
+              <a:buNone/>
+            </a:pPr>
+            <a:endParaRPr lang="en-US" altLang="zh-TW" dirty="0" smtClean="0"/>
           </a:p>
         </p:txBody>
       </p:sp>
@@ -6945,122 +7774,6 @@
 </file>
 
 <file path=ppt/slides/slide4.xml><?xml version="1.0" encoding="utf-8"?>
-<p:sld xmlns:a="http://schemas.openxmlformats.org/drawingml/2006/main" xmlns:r="http://schemas.openxmlformats.org/officeDocument/2006/relationships" xmlns:p="http://schemas.openxmlformats.org/presentationml/2006/main">
-  <p:cSld>
-    <p:spTree>
-      <p:nvGrpSpPr>
-        <p:cNvPr id="1" name=""/>
-        <p:cNvGrpSpPr/>
-        <p:nvPr/>
-      </p:nvGrpSpPr>
-      <p:grpSpPr>
-        <a:xfrm>
-          <a:off x="0" y="0"/>
-          <a:ext cx="0" cy="0"/>
-          <a:chOff x="0" y="0"/>
-          <a:chExt cx="0" cy="0"/>
-        </a:xfrm>
-      </p:grpSpPr>
-      <p:sp>
-        <p:nvSpPr>
-          <p:cNvPr id="2" name="標題 1"/>
-          <p:cNvSpPr>
-            <a:spLocks noGrp="1"/>
-          </p:cNvSpPr>
-          <p:nvPr>
-            <p:ph type="title"/>
-          </p:nvPr>
-        </p:nvSpPr>
-        <p:spPr/>
-        <p:txBody>
-          <a:bodyPr/>
-          <a:lstStyle/>
-          <a:p>
-            <a:r>
-              <a:rPr lang="zh-TW" altLang="en-US" dirty="0" smtClean="0"/>
-              <a:t>背景</a:t>
-            </a:r>
-            <a:endParaRPr lang="zh-TW" altLang="en-US" dirty="0"/>
-          </a:p>
-        </p:txBody>
-      </p:sp>
-      <p:sp>
-        <p:nvSpPr>
-          <p:cNvPr id="3" name="內容版面配置區 2"/>
-          <p:cNvSpPr>
-            <a:spLocks noGrp="1"/>
-          </p:cNvSpPr>
-          <p:nvPr>
-            <p:ph idx="1"/>
-          </p:nvPr>
-        </p:nvSpPr>
-        <p:spPr>
-          <a:xfrm>
-            <a:off x="1785918" y="2000240"/>
-            <a:ext cx="6715172" cy="3571899"/>
-          </a:xfrm>
-        </p:spPr>
-        <p:txBody>
-          <a:bodyPr/>
-          <a:lstStyle/>
-          <a:p>
-            <a:pPr marL="0">
-              <a:buNone/>
-            </a:pPr>
-            <a:r>
-              <a:rPr lang="zh-TW" altLang="en-US" dirty="0" smtClean="0"/>
-              <a:t>現在科技日新月異，人們已經不滿足於在螢幕中建構一個幻想世界，</a:t>
-            </a:r>
-            <a:r>
-              <a:rPr lang="zh-TW" altLang="en-US" dirty="0"/>
-              <a:t>這</a:t>
-            </a:r>
-            <a:r>
-              <a:rPr lang="zh-TW" altLang="en-US" dirty="0" smtClean="0"/>
-              <a:t>是</a:t>
-            </a:r>
-            <a:r>
-              <a:rPr lang="en-US" altLang="zh-TW" dirty="0" smtClean="0"/>
-              <a:t>VR</a:t>
-            </a:r>
-            <a:r>
-              <a:rPr lang="zh-TW" altLang="en-US" dirty="0" smtClean="0"/>
-              <a:t>、</a:t>
-            </a:r>
-            <a:r>
-              <a:rPr lang="en-US" altLang="zh-TW" dirty="0" smtClean="0"/>
-              <a:t>AR</a:t>
-            </a:r>
-            <a:r>
-              <a:rPr lang="zh-TW" altLang="en-US" dirty="0" smtClean="0"/>
-              <a:t>等技術相應出現，使我們能親身進入幻想世界，甚至使之與現實融合。</a:t>
-            </a:r>
-            <a:endParaRPr lang="en-US" altLang="zh-TW" dirty="0" smtClean="0"/>
-          </a:p>
-          <a:p>
-            <a:pPr>
-              <a:buNone/>
-            </a:pPr>
-            <a:endParaRPr lang="en-US" altLang="zh-TW" dirty="0" smtClean="0"/>
-          </a:p>
-        </p:txBody>
-      </p:sp>
-    </p:spTree>
-  </p:cSld>
-  <p:clrMapOvr>
-    <a:masterClrMapping/>
-  </p:clrMapOvr>
-  <p:timing>
-    <p:tnLst>
-      <p:par>
-        <p:cTn id="1" dur="indefinite" restart="never" nodeType="tmRoot"/>
-      </p:par>
-    </p:tnLst>
-  </p:timing>
-</p:sld>
-</file>
-
-<file path=ppt/slides/slide5.xml><?xml version="1.0" encoding="utf-8"?>
 <p:sld xmlns:a="http://schemas.openxmlformats.org/drawingml/2006/main" xmlns:r="http://schemas.openxmlformats.org/officeDocument/2006/relationships" xmlns:p="http://schemas.openxmlformats.org/presentationml/2006/main">
   <p:cSld>
     <p:spTree>
@@ -7148,6 +7861,87 @@
 </p:sld>
 </file>
 
+<file path=ppt/slides/slide5.xml><?xml version="1.0" encoding="utf-8"?>
+<p:sld xmlns:a="http://schemas.openxmlformats.org/drawingml/2006/main" xmlns:r="http://schemas.openxmlformats.org/officeDocument/2006/relationships" xmlns:p="http://schemas.openxmlformats.org/presentationml/2006/main">
+  <p:cSld>
+    <p:spTree>
+      <p:nvGrpSpPr>
+        <p:cNvPr id="1" name=""/>
+        <p:cNvGrpSpPr/>
+        <p:nvPr/>
+      </p:nvGrpSpPr>
+      <p:grpSpPr>
+        <a:xfrm>
+          <a:off x="0" y="0"/>
+          <a:ext cx="0" cy="0"/>
+          <a:chOff x="0" y="0"/>
+          <a:chExt cx="0" cy="0"/>
+        </a:xfrm>
+      </p:grpSpPr>
+      <p:sp>
+        <p:nvSpPr>
+          <p:cNvPr id="2" name="標題 1"/>
+          <p:cNvSpPr>
+            <a:spLocks noGrp="1"/>
+          </p:cNvSpPr>
+          <p:nvPr>
+            <p:ph type="title"/>
+          </p:nvPr>
+        </p:nvSpPr>
+        <p:spPr/>
+        <p:txBody>
+          <a:bodyPr/>
+          <a:lstStyle/>
+          <a:p>
+            <a:r>
+              <a:rPr lang="zh-TW" altLang="en-US" dirty="0" smtClean="0"/>
+              <a:t>背景</a:t>
+            </a:r>
+            <a:endParaRPr lang="zh-TW" altLang="en-US" dirty="0"/>
+          </a:p>
+        </p:txBody>
+      </p:sp>
+      <p:pic>
+        <p:nvPicPr>
+          <p:cNvPr id="4" name="Picture 2" descr="ãRPGè£½ä½å¤§å¸«ãçåçæå°çµæ"/>
+          <p:cNvPicPr>
+            <a:picLocks noChangeAspect="1" noChangeArrowheads="1"/>
+          </p:cNvPicPr>
+          <p:nvPr/>
+        </p:nvPicPr>
+        <p:blipFill>
+          <a:blip r:embed="rId2"/>
+          <a:srcRect/>
+          <a:stretch>
+            <a:fillRect/>
+          </a:stretch>
+        </p:blipFill>
+        <p:spPr bwMode="auto">
+          <a:xfrm>
+            <a:off x="1785918" y="1785926"/>
+            <a:ext cx="6072230" cy="4614895"/>
+          </a:xfrm>
+          <a:prstGeom prst="rect">
+            <a:avLst/>
+          </a:prstGeom>
+          <a:noFill/>
+        </p:spPr>
+      </p:pic>
+    </p:spTree>
+  </p:cSld>
+  <p:clrMapOvr>
+    <a:masterClrMapping/>
+  </p:clrMapOvr>
+  <p:timing>
+    <p:tnLst>
+      <p:par>
+        <p:cTn id="1" dur="indefinite" restart="never" nodeType="tmRoot"/>
+      </p:par>
+    </p:tnLst>
+  </p:timing>
+</p:sld>
+</file>
+
 <file path=ppt/slides/slide6.xml><?xml version="1.0" encoding="utf-8"?>
 <p:sld xmlns:a="http://schemas.openxmlformats.org/drawingml/2006/main" xmlns:r="http://schemas.openxmlformats.org/officeDocument/2006/relationships" xmlns:p="http://schemas.openxmlformats.org/presentationml/2006/main">
   <p:cSld>
@@ -7182,38 +7976,269 @@
           <a:p>
             <a:r>
               <a:rPr lang="zh-TW" altLang="en-US" dirty="0" smtClean="0"/>
-              <a:t>背景</a:t>
+              <a:t>動機</a:t>
             </a:r>
             <a:endParaRPr lang="zh-TW" altLang="en-US" dirty="0"/>
           </a:p>
         </p:txBody>
       </p:sp>
-      <p:pic>
-        <p:nvPicPr>
-          <p:cNvPr id="4" name="Picture 2" descr="ãRPGè£½ä½å¤§å¸«ãçåçæå°çµæ"/>
-          <p:cNvPicPr>
-            <a:picLocks noChangeAspect="1" noChangeArrowheads="1"/>
-          </p:cNvPicPr>
+      <p:sp>
+        <p:nvSpPr>
+          <p:cNvPr id="3" name="內容版面配置區 2"/>
+          <p:cNvSpPr>
+            <a:spLocks noGrp="1"/>
+          </p:cNvSpPr>
+          <p:nvPr>
+            <p:ph idx="1"/>
+          </p:nvPr>
+        </p:nvSpPr>
+        <p:spPr>
+          <a:xfrm>
+            <a:off x="1785918" y="2000241"/>
+            <a:ext cx="6715172" cy="1643074"/>
+          </a:xfrm>
+        </p:spPr>
+        <p:txBody>
+          <a:bodyPr/>
+          <a:lstStyle/>
+          <a:p>
+            <a:pPr marL="0">
+              <a:buNone/>
+            </a:pPr>
+            <a:r>
+              <a:rPr lang="zh-TW" altLang="en-US" dirty="0" smtClean="0"/>
+              <a:t>以</a:t>
+            </a:r>
+            <a:r>
+              <a:rPr lang="en-US" altLang="zh-TW" dirty="0" smtClean="0"/>
+              <a:t>AR</a:t>
+            </a:r>
+            <a:r>
+              <a:rPr lang="zh-TW" altLang="en-US" dirty="0" smtClean="0"/>
+              <a:t>技術為特點吸引民眾到特定地點觀賞，並以</a:t>
+            </a:r>
+            <a:r>
+              <a:rPr lang="en-US" altLang="zh-TW" dirty="0" smtClean="0"/>
+              <a:t>RPG</a:t>
+            </a:r>
+            <a:r>
+              <a:rPr lang="zh-TW" altLang="en-US" dirty="0" smtClean="0"/>
+              <a:t>的遊戲型態使玩家一步步認識當地文化，藉此可達到活絡地方觀光的目的。</a:t>
+            </a:r>
+            <a:endParaRPr lang="zh-TW" altLang="en-US" dirty="0"/>
+          </a:p>
+        </p:txBody>
+      </p:sp>
+      <p:sp>
+        <p:nvSpPr>
+          <p:cNvPr id="4" name="標題 1"/>
+          <p:cNvSpPr txBox="1">
+            <a:spLocks/>
+          </p:cNvSpPr>
           <p:nvPr/>
-        </p:nvPicPr>
-        <p:blipFill>
-          <a:blip r:embed="rId2"/>
-          <a:srcRect/>
-          <a:stretch>
-            <a:fillRect/>
-          </a:stretch>
-        </p:blipFill>
+        </p:nvSpPr>
         <p:spPr bwMode="auto">
           <a:xfrm>
-            <a:off x="1785918" y="1785926"/>
-            <a:ext cx="6072230" cy="4614895"/>
+            <a:off x="1071538" y="3143248"/>
+            <a:ext cx="7920038" cy="1173162"/>
           </a:xfrm>
           <a:prstGeom prst="rect">
             <a:avLst/>
           </a:prstGeom>
           <a:noFill/>
+          <a:ln w="9525">
+            <a:noFill/>
+            <a:miter lim="800000"/>
+            <a:headEnd/>
+            <a:tailEnd/>
+          </a:ln>
+          <a:effectLst/>
         </p:spPr>
-      </p:pic>
+        <p:txBody>
+          <a:bodyPr vert="horz" wrap="square" lIns="91440" tIns="45720" rIns="91440" bIns="45720" numCol="1" anchor="b" anchorCtr="0" compatLnSpc="1">
+            <a:prstTxWarp prst="textNoShape">
+              <a:avLst/>
+            </a:prstTxWarp>
+          </a:bodyPr>
+          <a:lstStyle/>
+          <a:p>
+            <a:pPr marL="0" marR="0" lvl="0" indent="0" algn="l" defTabSz="914400" rtl="0" eaLnBrk="1" fontAlgn="base" latinLnBrk="0" hangingPunct="1">
+              <a:lnSpc>
+                <a:spcPct val="80000"/>
+              </a:lnSpc>
+              <a:spcBef>
+                <a:spcPct val="0"/>
+              </a:spcBef>
+              <a:spcAft>
+                <a:spcPct val="0"/>
+              </a:spcAft>
+              <a:buClrTx/>
+              <a:buSzTx/>
+              <a:buFontTx/>
+              <a:buNone/>
+              <a:tabLst/>
+              <a:defRPr/>
+            </a:pPr>
+            <a:r>
+              <a:rPr kumimoji="0" lang="zh-TW" altLang="en-US" sz="4000" b="0" i="0" u="none" strike="noStrike" kern="0" cap="none" spc="0" normalizeH="0" baseline="0" noProof="0" dirty="0" smtClean="0">
+                <a:ln>
+                  <a:noFill/>
+                </a:ln>
+                <a:solidFill>
+                  <a:srgbClr val="000000"/>
+                </a:solidFill>
+                <a:effectLst/>
+                <a:uLnTx/>
+                <a:uFillTx/>
+                <a:latin typeface="+mj-lt"/>
+                <a:ea typeface="+mj-ea"/>
+                <a:cs typeface="+mj-cs"/>
+              </a:rPr>
+              <a:t>目的</a:t>
+            </a:r>
+          </a:p>
+        </p:txBody>
+      </p:sp>
+      <p:sp>
+        <p:nvSpPr>
+          <p:cNvPr id="5" name="內容版面配置區 2"/>
+          <p:cNvSpPr txBox="1">
+            <a:spLocks/>
+          </p:cNvSpPr>
+          <p:nvPr/>
+        </p:nvSpPr>
+        <p:spPr bwMode="auto">
+          <a:xfrm>
+            <a:off x="1785918" y="4500570"/>
+            <a:ext cx="6715172" cy="3571899"/>
+          </a:xfrm>
+          <a:prstGeom prst="rect">
+            <a:avLst/>
+          </a:prstGeom>
+          <a:noFill/>
+          <a:ln w="9525">
+            <a:noFill/>
+            <a:miter lim="800000"/>
+            <a:headEnd/>
+            <a:tailEnd/>
+          </a:ln>
+          <a:effectLst/>
+        </p:spPr>
+        <p:txBody>
+          <a:bodyPr vert="horz" wrap="square" lIns="91440" tIns="45720" rIns="91440" bIns="45720" numCol="1" anchor="t" anchorCtr="0" compatLnSpc="1">
+            <a:prstTxWarp prst="textNoShape">
+              <a:avLst/>
+            </a:prstTxWarp>
+          </a:bodyPr>
+          <a:lstStyle/>
+          <a:p>
+            <a:pPr marR="0" lvl="0" indent="-342900" algn="l" defTabSz="914400" rtl="0" eaLnBrk="1" fontAlgn="base" latinLnBrk="0" hangingPunct="1">
+              <a:lnSpc>
+                <a:spcPct val="100000"/>
+              </a:lnSpc>
+              <a:spcBef>
+                <a:spcPct val="60000"/>
+              </a:spcBef>
+              <a:spcAft>
+                <a:spcPct val="0"/>
+              </a:spcAft>
+              <a:buClr>
+                <a:srgbClr val="000000"/>
+              </a:buClr>
+              <a:buSzTx/>
+              <a:buFontTx/>
+              <a:buNone/>
+              <a:tabLst/>
+              <a:defRPr/>
+            </a:pPr>
+            <a:r>
+              <a:rPr kumimoji="0" lang="zh-TW" altLang="en-US" sz="2800" b="0" i="0" u="none" strike="noStrike" kern="0" cap="none" spc="0" normalizeH="0" baseline="0" noProof="0" dirty="0" smtClean="0">
+                <a:ln>
+                  <a:noFill/>
+                </a:ln>
+                <a:solidFill>
+                  <a:srgbClr val="000000"/>
+                </a:solidFill>
+                <a:effectLst/>
+                <a:uLnTx/>
+                <a:uFillTx/>
+                <a:latin typeface="+mn-lt"/>
+                <a:ea typeface="+mn-ea"/>
+                <a:cs typeface="+mn-cs"/>
+              </a:rPr>
+              <a:t>所以我們要建立一個以地方文化為主題的</a:t>
+            </a:r>
+            <a:r>
+              <a:rPr kumimoji="0" lang="en-US" altLang="zh-TW" sz="2800" b="0" i="0" u="none" strike="noStrike" kern="0" cap="none" spc="0" normalizeH="0" baseline="0" noProof="0" dirty="0" smtClean="0">
+                <a:ln>
+                  <a:noFill/>
+                </a:ln>
+                <a:solidFill>
+                  <a:srgbClr val="000000"/>
+                </a:solidFill>
+                <a:effectLst/>
+                <a:uLnTx/>
+                <a:uFillTx/>
+                <a:latin typeface="+mn-lt"/>
+                <a:ea typeface="+mn-ea"/>
+                <a:cs typeface="+mn-cs"/>
+              </a:rPr>
+              <a:t>RPG</a:t>
+            </a:r>
+            <a:r>
+              <a:rPr kumimoji="0" lang="zh-TW" altLang="en-US" sz="2800" b="0" i="0" u="none" strike="noStrike" kern="0" cap="none" spc="0" normalizeH="0" baseline="0" noProof="0" dirty="0" smtClean="0">
+                <a:ln>
+                  <a:noFill/>
+                </a:ln>
+                <a:solidFill>
+                  <a:srgbClr val="000000"/>
+                </a:solidFill>
+                <a:effectLst/>
+                <a:uLnTx/>
+                <a:uFillTx/>
+                <a:latin typeface="+mn-lt"/>
+                <a:ea typeface="+mn-ea"/>
+                <a:cs typeface="+mn-cs"/>
+              </a:rPr>
+              <a:t>遊戲，並以</a:t>
+            </a:r>
+            <a:r>
+              <a:rPr kumimoji="0" lang="en-US" altLang="zh-TW" sz="2800" b="0" i="0" u="none" strike="noStrike" kern="0" cap="none" spc="0" normalizeH="0" baseline="0" noProof="0" dirty="0" smtClean="0">
+                <a:ln>
+                  <a:noFill/>
+                </a:ln>
+                <a:solidFill>
+                  <a:srgbClr val="000000"/>
+                </a:solidFill>
+                <a:effectLst/>
+                <a:uLnTx/>
+                <a:uFillTx/>
+                <a:latin typeface="+mn-lt"/>
+                <a:ea typeface="+mn-ea"/>
+                <a:cs typeface="+mn-cs"/>
+              </a:rPr>
+              <a:t>AR</a:t>
+            </a:r>
+            <a:r>
+              <a:rPr kumimoji="0" lang="zh-TW" altLang="en-US" sz="2800" b="0" i="0" u="none" strike="noStrike" kern="0" cap="none" spc="0" normalizeH="0" baseline="0" noProof="0" dirty="0" smtClean="0">
+                <a:ln>
+                  <a:noFill/>
+                </a:ln>
+                <a:solidFill>
+                  <a:srgbClr val="000000"/>
+                </a:solidFill>
+                <a:effectLst/>
+                <a:uLnTx/>
+                <a:uFillTx/>
+                <a:latin typeface="+mn-lt"/>
+                <a:ea typeface="+mn-ea"/>
+                <a:cs typeface="+mn-cs"/>
+              </a:rPr>
+              <a:t>方式呈現。</a:t>
+            </a:r>
+          </a:p>
+        </p:txBody>
+      </p:sp>
     </p:spTree>
   </p:cSld>
   <p:clrMapOvr>
@@ -7262,270 +8287,552 @@
           <a:lstStyle/>
           <a:p>
             <a:r>
-              <a:rPr lang="zh-TW" altLang="en-US" dirty="0" smtClean="0"/>
-              <a:t>動機</a:t>
-            </a:r>
-            <a:endParaRPr lang="zh-TW" altLang="en-US" dirty="0"/>
+              <a:rPr lang="zh-TW" altLang="en-US" dirty="0" smtClean="0">
+                <a:latin typeface="標楷體" panose="03000509000000000000" pitchFamily="65" charset="-120"/>
+                <a:ea typeface="標楷體" panose="03000509000000000000" pitchFamily="65" charset="-120"/>
+              </a:rPr>
+              <a:t>需求分析</a:t>
+            </a:r>
+            <a:r>
+              <a:rPr lang="en-US" altLang="zh-TW" dirty="0" smtClean="0">
+                <a:latin typeface="標楷體" panose="03000509000000000000" pitchFamily="65" charset="-120"/>
+                <a:ea typeface="標楷體" panose="03000509000000000000" pitchFamily="65" charset="-120"/>
+              </a:rPr>
+              <a:t>(</a:t>
+            </a:r>
+            <a:r>
+              <a:rPr lang="zh-TW" altLang="en-US" dirty="0" smtClean="0">
+                <a:latin typeface="標楷體" panose="03000509000000000000" pitchFamily="65" charset="-120"/>
+                <a:ea typeface="標楷體" panose="03000509000000000000" pitchFamily="65" charset="-120"/>
+              </a:rPr>
+              <a:t>民眾</a:t>
+            </a:r>
+            <a:r>
+              <a:rPr lang="en-US" altLang="zh-TW" dirty="0" smtClean="0">
+                <a:latin typeface="標楷體" panose="03000509000000000000" pitchFamily="65" charset="-120"/>
+                <a:ea typeface="標楷體" panose="03000509000000000000" pitchFamily="65" charset="-120"/>
+              </a:rPr>
+              <a:t>)</a:t>
+            </a:r>
           </a:p>
         </p:txBody>
       </p:sp>
-      <p:sp>
-        <p:nvSpPr>
-          <p:cNvPr id="3" name="內容版面配置區 2"/>
-          <p:cNvSpPr>
-            <a:spLocks noGrp="1"/>
-          </p:cNvSpPr>
+      <p:graphicFrame>
+        <p:nvGraphicFramePr>
+          <p:cNvPr id="5" name="表格 4"/>
+          <p:cNvGraphicFramePr>
+            <a:graphicFrameLocks noGrp="1"/>
+          </p:cNvGraphicFramePr>
           <p:nvPr>
-            <p:ph idx="1"/>
+            <p:extLst>
+              <p:ext uri="{D42A27DB-BD31-4B8C-83A1-F6EECF244321}">
+                <p14:modId xmlns:p14="http://schemas.microsoft.com/office/powerpoint/2010/main" val="868662746"/>
+              </p:ext>
+            </p:extLst>
           </p:nvPr>
-        </p:nvSpPr>
-        <p:spPr>
-          <a:xfrm>
-            <a:off x="1785918" y="2000241"/>
-            <a:ext cx="6715172" cy="1643074"/>
-          </a:xfrm>
-        </p:spPr>
-        <p:txBody>
-          <a:bodyPr/>
-          <a:lstStyle/>
-          <a:p>
-            <a:pPr marL="0">
-              <a:buNone/>
-            </a:pPr>
-            <a:r>
-              <a:rPr lang="zh-TW" altLang="en-US" dirty="0" smtClean="0"/>
-              <a:t>以</a:t>
-            </a:r>
-            <a:r>
-              <a:rPr lang="en-US" altLang="zh-TW" dirty="0" smtClean="0"/>
-              <a:t>AR</a:t>
-            </a:r>
-            <a:r>
-              <a:rPr lang="zh-TW" altLang="en-US" dirty="0" smtClean="0"/>
-              <a:t>技術為特點吸引民眾到特定地點觀賞，並以</a:t>
-            </a:r>
-            <a:r>
-              <a:rPr lang="en-US" altLang="zh-TW" dirty="0" smtClean="0"/>
-              <a:t>RPG</a:t>
-            </a:r>
-            <a:r>
-              <a:rPr lang="zh-TW" altLang="en-US" dirty="0" smtClean="0"/>
-              <a:t>的遊戲型態使玩家一步步認識當地文化，藉此可達到活絡地方觀光的目的。</a:t>
-            </a:r>
-            <a:endParaRPr lang="zh-TW" altLang="en-US" dirty="0"/>
-          </a:p>
-        </p:txBody>
-      </p:sp>
-      <p:sp>
-        <p:nvSpPr>
-          <p:cNvPr id="4" name="標題 1"/>
-          <p:cNvSpPr txBox="1">
-            <a:spLocks/>
-          </p:cNvSpPr>
-          <p:nvPr/>
-        </p:nvSpPr>
-        <p:spPr bwMode="auto">
-          <a:xfrm>
-            <a:off x="1071538" y="3143248"/>
-            <a:ext cx="7920038" cy="1173162"/>
-          </a:xfrm>
-          <a:prstGeom prst="rect">
-            <a:avLst/>
-          </a:prstGeom>
-          <a:noFill/>
-          <a:ln w="9525">
-            <a:noFill/>
-            <a:miter lim="800000"/>
-            <a:headEnd/>
-            <a:tailEnd/>
-          </a:ln>
-          <a:effectLst/>
-        </p:spPr>
-        <p:txBody>
-          <a:bodyPr vert="horz" wrap="square" lIns="91440" tIns="45720" rIns="91440" bIns="45720" numCol="1" anchor="b" anchorCtr="0" compatLnSpc="1">
-            <a:prstTxWarp prst="textNoShape">
-              <a:avLst/>
-            </a:prstTxWarp>
-          </a:bodyPr>
-          <a:lstStyle/>
-          <a:p>
-            <a:pPr marL="0" marR="0" lvl="0" indent="0" algn="l" defTabSz="914400" rtl="0" eaLnBrk="1" fontAlgn="base" latinLnBrk="0" hangingPunct="1">
-              <a:lnSpc>
-                <a:spcPct val="80000"/>
-              </a:lnSpc>
-              <a:spcBef>
-                <a:spcPct val="0"/>
-              </a:spcBef>
-              <a:spcAft>
-                <a:spcPct val="0"/>
-              </a:spcAft>
-              <a:buClrTx/>
-              <a:buSzTx/>
-              <a:buFontTx/>
-              <a:buNone/>
-              <a:tabLst/>
-              <a:defRPr/>
-            </a:pPr>
-            <a:r>
-              <a:rPr kumimoji="0" lang="zh-TW" altLang="en-US" sz="4000" b="0" i="0" u="none" strike="noStrike" kern="0" cap="none" spc="0" normalizeH="0" baseline="0" noProof="0" dirty="0" smtClean="0">
-                <a:ln>
-                  <a:noFill/>
-                </a:ln>
-                <a:solidFill>
-                  <a:srgbClr val="000000"/>
-                </a:solidFill>
+        </p:nvGraphicFramePr>
+        <p:xfrm>
+          <a:off x="571472" y="2071678"/>
+          <a:ext cx="8429684" cy="3140741"/>
+        </p:xfrm>
+        <a:graphic>
+          <a:graphicData uri="http://schemas.openxmlformats.org/drawingml/2006/table">
+            <a:tbl>
+              <a:tblPr firstRow="1" bandRow="1">
                 <a:effectLst/>
-                <a:uLnTx/>
-                <a:uFillTx/>
-                <a:latin typeface="+mj-lt"/>
-                <a:ea typeface="+mj-ea"/>
-                <a:cs typeface="+mj-cs"/>
-              </a:rPr>
-              <a:t>目的</a:t>
-            </a:r>
-          </a:p>
-        </p:txBody>
-      </p:sp>
-      <p:sp>
-        <p:nvSpPr>
-          <p:cNvPr id="5" name="內容版面配置區 2"/>
-          <p:cNvSpPr txBox="1">
-            <a:spLocks/>
-          </p:cNvSpPr>
-          <p:nvPr/>
-        </p:nvSpPr>
-        <p:spPr bwMode="auto">
-          <a:xfrm>
-            <a:off x="1785918" y="4500570"/>
-            <a:ext cx="6715172" cy="3571899"/>
-          </a:xfrm>
-          <a:prstGeom prst="rect">
-            <a:avLst/>
-          </a:prstGeom>
-          <a:noFill/>
-          <a:ln w="9525">
-            <a:noFill/>
-            <a:miter lim="800000"/>
-            <a:headEnd/>
-            <a:tailEnd/>
-          </a:ln>
-          <a:effectLst/>
-        </p:spPr>
-        <p:txBody>
-          <a:bodyPr vert="horz" wrap="square" lIns="91440" tIns="45720" rIns="91440" bIns="45720" numCol="1" anchor="t" anchorCtr="0" compatLnSpc="1">
-            <a:prstTxWarp prst="textNoShape">
-              <a:avLst/>
-            </a:prstTxWarp>
-          </a:bodyPr>
-          <a:lstStyle/>
-          <a:p>
-            <a:pPr marR="0" lvl="0" indent="-342900" algn="l" defTabSz="914400" rtl="0" eaLnBrk="1" fontAlgn="base" latinLnBrk="0" hangingPunct="1">
-              <a:lnSpc>
-                <a:spcPct val="100000"/>
-              </a:lnSpc>
-              <a:spcBef>
-                <a:spcPct val="60000"/>
-              </a:spcBef>
-              <a:spcAft>
-                <a:spcPct val="0"/>
-              </a:spcAft>
-              <a:buClr>
-                <a:srgbClr val="000000"/>
-              </a:buClr>
-              <a:buSzTx/>
-              <a:buFontTx/>
-              <a:buNone/>
-              <a:tabLst/>
-              <a:defRPr/>
-            </a:pPr>
-            <a:r>
-              <a:rPr kumimoji="0" lang="zh-TW" altLang="en-US" sz="2800" b="0" i="0" u="none" strike="noStrike" kern="0" cap="none" spc="0" normalizeH="0" baseline="0" noProof="0" dirty="0" smtClean="0">
-                <a:ln>
-                  <a:noFill/>
-                </a:ln>
-                <a:solidFill>
-                  <a:srgbClr val="000000"/>
-                </a:solidFill>
-                <a:effectLst/>
-                <a:uLnTx/>
-                <a:uFillTx/>
-                <a:latin typeface="+mn-lt"/>
-                <a:ea typeface="+mn-ea"/>
-                <a:cs typeface="+mn-cs"/>
-              </a:rPr>
-              <a:t>所以我們要建立一個以地方文化為主題的</a:t>
-            </a:r>
-            <a:r>
-              <a:rPr kumimoji="0" lang="en-US" altLang="zh-TW" sz="2800" b="0" i="0" u="none" strike="noStrike" kern="0" cap="none" spc="0" normalizeH="0" baseline="0" noProof="0" dirty="0" smtClean="0">
-                <a:ln>
-                  <a:noFill/>
-                </a:ln>
-                <a:solidFill>
-                  <a:srgbClr val="000000"/>
-                </a:solidFill>
-                <a:effectLst/>
-                <a:uLnTx/>
-                <a:uFillTx/>
-                <a:latin typeface="+mn-lt"/>
-                <a:ea typeface="+mn-ea"/>
-                <a:cs typeface="+mn-cs"/>
-              </a:rPr>
-              <a:t>RPG</a:t>
-            </a:r>
-            <a:r>
-              <a:rPr kumimoji="0" lang="zh-TW" altLang="en-US" sz="2800" b="0" i="0" u="none" strike="noStrike" kern="0" cap="none" spc="0" normalizeH="0" baseline="0" noProof="0" dirty="0" smtClean="0">
-                <a:ln>
-                  <a:noFill/>
-                </a:ln>
-                <a:solidFill>
-                  <a:srgbClr val="000000"/>
-                </a:solidFill>
-                <a:effectLst/>
-                <a:uLnTx/>
-                <a:uFillTx/>
-                <a:latin typeface="+mn-lt"/>
-                <a:ea typeface="+mn-ea"/>
-                <a:cs typeface="+mn-cs"/>
-              </a:rPr>
-              <a:t>遊戲，並以</a:t>
-            </a:r>
-            <a:r>
-              <a:rPr kumimoji="0" lang="en-US" altLang="zh-TW" sz="2800" b="0" i="0" u="none" strike="noStrike" kern="0" cap="none" spc="0" normalizeH="0" baseline="0" noProof="0" dirty="0" smtClean="0">
-                <a:ln>
-                  <a:noFill/>
-                </a:ln>
-                <a:solidFill>
-                  <a:srgbClr val="000000"/>
-                </a:solidFill>
-                <a:effectLst/>
-                <a:uLnTx/>
-                <a:uFillTx/>
-                <a:latin typeface="+mn-lt"/>
-                <a:ea typeface="+mn-ea"/>
-                <a:cs typeface="+mn-cs"/>
-              </a:rPr>
-              <a:t>AR</a:t>
-            </a:r>
-            <a:r>
-              <a:rPr kumimoji="0" lang="zh-TW" altLang="en-US" sz="2800" b="0" i="0" u="none" strike="noStrike" kern="0" cap="none" spc="0" normalizeH="0" baseline="0" noProof="0" dirty="0" smtClean="0">
-                <a:ln>
-                  <a:noFill/>
-                </a:ln>
-                <a:solidFill>
-                  <a:srgbClr val="000000"/>
-                </a:solidFill>
-                <a:effectLst/>
-                <a:uLnTx/>
-                <a:uFillTx/>
-                <a:latin typeface="+mn-lt"/>
-                <a:ea typeface="+mn-ea"/>
-                <a:cs typeface="+mn-cs"/>
-              </a:rPr>
-              <a:t>方式呈現。</a:t>
-            </a:r>
-          </a:p>
-        </p:txBody>
-      </p:sp>
+                <a:tableStyleId>{5C22544A-7EE6-4342-B048-85BDC9FD1C3A}</a:tableStyleId>
+              </a:tblPr>
+              <a:tblGrid>
+                <a:gridCol w="3786214">
+                  <a:extLst>
+                    <a:ext uri="{9D8B030D-6E8A-4147-A177-3AD203B41FA5}">
+                      <a16:colId xmlns:a16="http://schemas.microsoft.com/office/drawing/2014/main" val="1030558232"/>
+                    </a:ext>
+                  </a:extLst>
+                </a:gridCol>
+                <a:gridCol w="4643470">
+                  <a:extLst>
+                    <a:ext uri="{9D8B030D-6E8A-4147-A177-3AD203B41FA5}">
+                      <a16:colId xmlns:a16="http://schemas.microsoft.com/office/drawing/2014/main" val="354562041"/>
+                    </a:ext>
+                  </a:extLst>
+                </a:gridCol>
+              </a:tblGrid>
+              <a:tr h="549706">
+                <a:tc>
+                  <a:txBody>
+                    <a:bodyPr/>
+                    <a:lstStyle/>
+                    <a:p>
+                      <a:pPr algn="l"/>
+                      <a:r>
+                        <a:rPr lang="zh-TW" altLang="en-US" sz="2800" b="1" dirty="0" smtClean="0">
+                          <a:latin typeface="標楷體" panose="03000509000000000000" pitchFamily="65" charset="-120"/>
+                          <a:ea typeface="標楷體" panose="03000509000000000000" pitchFamily="65" charset="-120"/>
+                        </a:rPr>
+                        <a:t>需求分析</a:t>
+                      </a:r>
+                      <a:endParaRPr lang="zh-TW" altLang="en-US" sz="2800" b="1" dirty="0">
+                        <a:latin typeface="標楷體" panose="03000509000000000000" pitchFamily="65" charset="-120"/>
+                        <a:ea typeface="標楷體" panose="03000509000000000000" pitchFamily="65" charset="-120"/>
+                      </a:endParaRPr>
+                    </a:p>
+                  </a:txBody>
+                  <a:tcPr marL="122985" marR="122985" marT="61493" marB="61493"/>
+                </a:tc>
+                <a:tc>
+                  <a:txBody>
+                    <a:bodyPr/>
+                    <a:lstStyle/>
+                    <a:p>
+                      <a:pPr algn="l"/>
+                      <a:r>
+                        <a:rPr lang="zh-TW" altLang="en-US" sz="2800" kern="1200" dirty="0" smtClean="0">
+                          <a:effectLst/>
+                          <a:latin typeface="標楷體" panose="03000509000000000000" pitchFamily="65" charset="-120"/>
+                          <a:ea typeface="標楷體" panose="03000509000000000000" pitchFamily="65" charset="-120"/>
+                        </a:rPr>
+                        <a:t>對應功能</a:t>
+                      </a:r>
+                      <a:endParaRPr lang="zh-TW" altLang="en-US" sz="3600" dirty="0">
+                        <a:latin typeface="標楷體" panose="03000509000000000000" pitchFamily="65" charset="-120"/>
+                        <a:ea typeface="標楷體" panose="03000509000000000000" pitchFamily="65" charset="-120"/>
+                      </a:endParaRPr>
+                    </a:p>
+                  </a:txBody>
+                  <a:tcPr marL="122985" marR="122985" marT="61493" marB="61493"/>
+                </a:tc>
+                <a:extLst>
+                  <a:ext uri="{0D108BD9-81ED-4DB2-BD59-A6C34878D82A}">
+                    <a16:rowId xmlns:a16="http://schemas.microsoft.com/office/drawing/2014/main" val="3484934400"/>
+                  </a:ext>
+                </a:extLst>
+              </a:tr>
+              <a:tr h="395512">
+                <a:tc>
+                  <a:txBody>
+                    <a:bodyPr/>
+                    <a:lstStyle/>
+                    <a:p>
+                      <a:pPr marL="0" marR="0" indent="0" algn="l" defTabSz="914400" rtl="0" eaLnBrk="1" fontAlgn="auto" latinLnBrk="0" hangingPunct="1">
+                        <a:lnSpc>
+                          <a:spcPct val="100000"/>
+                        </a:lnSpc>
+                        <a:spcBef>
+                          <a:spcPts val="0"/>
+                        </a:spcBef>
+                        <a:spcAft>
+                          <a:spcPts val="0"/>
+                        </a:spcAft>
+                        <a:buClrTx/>
+                        <a:buSzTx/>
+                        <a:buFontTx/>
+                        <a:buNone/>
+                        <a:tabLst/>
+                        <a:defRPr/>
+                      </a:pPr>
+                      <a:r>
+                        <a:rPr lang="zh-TW" altLang="en-US" sz="2000" dirty="0" smtClean="0">
+                          <a:latin typeface="標楷體" panose="03000509000000000000" pitchFamily="65" charset="-120"/>
+                          <a:ea typeface="標楷體" panose="03000509000000000000" pitchFamily="65" charset="-120"/>
+                        </a:rPr>
+                        <a:t>觀看地圖與景點位置</a:t>
+                      </a:r>
+                    </a:p>
+                  </a:txBody>
+                  <a:tcPr marL="122985" marR="122985" marT="61493" marB="61493"/>
+                </a:tc>
+                <a:tc>
+                  <a:txBody>
+                    <a:bodyPr/>
+                    <a:lstStyle/>
+                    <a:p>
+                      <a:pPr algn="l"/>
+                      <a:r>
+                        <a:rPr lang="en-US" altLang="zh-TW" sz="2000" dirty="0" smtClean="0">
+                          <a:latin typeface="標楷體" panose="03000509000000000000" pitchFamily="65" charset="-120"/>
+                          <a:ea typeface="標楷體" panose="03000509000000000000" pitchFamily="65" charset="-120"/>
+                        </a:rPr>
+                        <a:t>GPS</a:t>
+                      </a:r>
+                      <a:r>
+                        <a:rPr lang="zh-TW" altLang="en-US" sz="2000" dirty="0" smtClean="0">
+                          <a:latin typeface="標楷體" panose="03000509000000000000" pitchFamily="65" charset="-120"/>
+                          <a:ea typeface="標楷體" panose="03000509000000000000" pitchFamily="65" charset="-120"/>
+                        </a:rPr>
+                        <a:t>與地圖顯示功能</a:t>
+                      </a:r>
+                      <a:endParaRPr lang="zh-TW" altLang="en-US" sz="2000" dirty="0">
+                        <a:latin typeface="標楷體" panose="03000509000000000000" pitchFamily="65" charset="-120"/>
+                        <a:ea typeface="標楷體" panose="03000509000000000000" pitchFamily="65" charset="-120"/>
+                      </a:endParaRPr>
+                    </a:p>
+                  </a:txBody>
+                  <a:tcPr marL="122985" marR="122985" marT="61493" marB="61493"/>
+                </a:tc>
+                <a:extLst>
+                  <a:ext uri="{0D108BD9-81ED-4DB2-BD59-A6C34878D82A}">
+                    <a16:rowId xmlns:a16="http://schemas.microsoft.com/office/drawing/2014/main" val="858892824"/>
+                  </a:ext>
+                </a:extLst>
+              </a:tr>
+              <a:tr h="237691">
+                <a:tc>
+                  <a:txBody>
+                    <a:bodyPr/>
+                    <a:lstStyle/>
+                    <a:p>
+                      <a:pPr marL="0" marR="0" indent="0" algn="l" defTabSz="914400" rtl="0" eaLnBrk="1" fontAlgn="auto" latinLnBrk="0" hangingPunct="1">
+                        <a:lnSpc>
+                          <a:spcPct val="100000"/>
+                        </a:lnSpc>
+                        <a:spcBef>
+                          <a:spcPts val="0"/>
+                        </a:spcBef>
+                        <a:spcAft>
+                          <a:spcPts val="0"/>
+                        </a:spcAft>
+                        <a:buClrTx/>
+                        <a:buSzTx/>
+                        <a:buFontTx/>
+                        <a:buNone/>
+                        <a:tabLst/>
+                        <a:defRPr/>
+                      </a:pPr>
+                      <a:r>
+                        <a:rPr lang="zh-TW" altLang="en-US" sz="2000" dirty="0" smtClean="0">
+                          <a:latin typeface="標楷體" panose="03000509000000000000" pitchFamily="65" charset="-120"/>
+                          <a:ea typeface="標楷體" panose="03000509000000000000" pitchFamily="65" charset="-120"/>
+                        </a:rPr>
+                        <a:t>了解當地文化故事</a:t>
+                      </a:r>
+                    </a:p>
+                  </a:txBody>
+                  <a:tcPr marL="122985" marR="122985" marT="61493" marB="61493"/>
+                </a:tc>
+                <a:tc>
+                  <a:txBody>
+                    <a:bodyPr/>
+                    <a:lstStyle/>
+                    <a:p>
+                      <a:pPr algn="l"/>
+                      <a:r>
+                        <a:rPr lang="en-US" altLang="zh-TW" sz="2000" dirty="0" smtClean="0">
+                          <a:latin typeface="標楷體" panose="03000509000000000000" pitchFamily="65" charset="-120"/>
+                          <a:ea typeface="標楷體" panose="03000509000000000000" pitchFamily="65" charset="-120"/>
+                        </a:rPr>
+                        <a:t>RPG</a:t>
+                      </a:r>
+                      <a:r>
+                        <a:rPr lang="zh-TW" altLang="en-US" sz="2000" dirty="0" smtClean="0">
+                          <a:latin typeface="標楷體" panose="03000509000000000000" pitchFamily="65" charset="-120"/>
+                          <a:ea typeface="標楷體" panose="03000509000000000000" pitchFamily="65" charset="-120"/>
+                        </a:rPr>
+                        <a:t>型態的遊玩方式</a:t>
+                      </a:r>
+                      <a:endParaRPr lang="zh-TW" altLang="en-US" sz="2000" dirty="0">
+                        <a:latin typeface="標楷體" panose="03000509000000000000" pitchFamily="65" charset="-120"/>
+                        <a:ea typeface="標楷體" panose="03000509000000000000" pitchFamily="65" charset="-120"/>
+                      </a:endParaRPr>
+                    </a:p>
+                  </a:txBody>
+                  <a:tcPr marL="122985" marR="122985" marT="61493" marB="61493"/>
+                </a:tc>
+                <a:extLst>
+                  <a:ext uri="{0D108BD9-81ED-4DB2-BD59-A6C34878D82A}">
+                    <a16:rowId xmlns:a16="http://schemas.microsoft.com/office/drawing/2014/main" val="3815221635"/>
+                  </a:ext>
+                </a:extLst>
+              </a:tr>
+              <a:tr h="452105">
+                <a:tc>
+                  <a:txBody>
+                    <a:bodyPr/>
+                    <a:lstStyle/>
+                    <a:p>
+                      <a:pPr marL="0" marR="0" indent="0" algn="l" defTabSz="914400" rtl="0" eaLnBrk="1" fontAlgn="auto" latinLnBrk="0" hangingPunct="1">
+                        <a:lnSpc>
+                          <a:spcPct val="100000"/>
+                        </a:lnSpc>
+                        <a:spcBef>
+                          <a:spcPts val="0"/>
+                        </a:spcBef>
+                        <a:spcAft>
+                          <a:spcPts val="0"/>
+                        </a:spcAft>
+                        <a:buClrTx/>
+                        <a:buSzTx/>
+                        <a:buFontTx/>
+                        <a:buNone/>
+                        <a:tabLst/>
+                        <a:defRPr/>
+                      </a:pPr>
+                      <a:r>
+                        <a:rPr lang="zh-TW" altLang="en-US" sz="2000" dirty="0" smtClean="0">
+                          <a:latin typeface="標楷體" panose="03000509000000000000" pitchFamily="65" charset="-120"/>
+                          <a:ea typeface="標楷體" panose="03000509000000000000" pitchFamily="65" charset="-120"/>
+                        </a:rPr>
+                        <a:t>觀看當地器物</a:t>
+                      </a:r>
+                    </a:p>
+                  </a:txBody>
+                  <a:tcPr marL="122985" marR="122985" marT="61493" marB="61493"/>
+                </a:tc>
+                <a:tc>
+                  <a:txBody>
+                    <a:bodyPr/>
+                    <a:lstStyle/>
+                    <a:p>
+                      <a:pPr algn="l"/>
+                      <a:r>
+                        <a:rPr lang="zh-TW" altLang="en-US" sz="2000" dirty="0" smtClean="0">
+                          <a:latin typeface="標楷體" panose="03000509000000000000" pitchFamily="65" charset="-120"/>
+                          <a:ea typeface="標楷體" panose="03000509000000000000" pitchFamily="65" charset="-120"/>
+                        </a:rPr>
+                        <a:t>以</a:t>
+                      </a:r>
+                      <a:r>
+                        <a:rPr lang="en-US" altLang="zh-TW" sz="2000" dirty="0" smtClean="0">
+                          <a:latin typeface="標楷體" panose="03000509000000000000" pitchFamily="65" charset="-120"/>
+                          <a:ea typeface="標楷體" panose="03000509000000000000" pitchFamily="65" charset="-120"/>
+                        </a:rPr>
+                        <a:t>AR</a:t>
+                      </a:r>
+                      <a:r>
+                        <a:rPr lang="zh-TW" altLang="en-US" sz="2000" dirty="0" smtClean="0">
+                          <a:latin typeface="標楷體" panose="03000509000000000000" pitchFamily="65" charset="-120"/>
+                          <a:ea typeface="標楷體" panose="03000509000000000000" pitchFamily="65" charset="-120"/>
+                        </a:rPr>
+                        <a:t>顯示</a:t>
+                      </a:r>
+                      <a:endParaRPr lang="zh-TW" altLang="en-US" sz="2000" dirty="0">
+                        <a:latin typeface="標楷體" panose="03000509000000000000" pitchFamily="65" charset="-120"/>
+                        <a:ea typeface="標楷體" panose="03000509000000000000" pitchFamily="65" charset="-120"/>
+                      </a:endParaRPr>
+                    </a:p>
+                  </a:txBody>
+                  <a:tcPr marL="122985" marR="122985" marT="61493" marB="61493"/>
+                </a:tc>
+                <a:extLst>
+                  <a:ext uri="{0D108BD9-81ED-4DB2-BD59-A6C34878D82A}">
+                    <a16:rowId xmlns:a16="http://schemas.microsoft.com/office/drawing/2014/main" val="3180135099"/>
+                  </a:ext>
+                </a:extLst>
+              </a:tr>
+              <a:tr h="290840">
+                <a:tc>
+                  <a:txBody>
+                    <a:bodyPr/>
+                    <a:lstStyle/>
+                    <a:p>
+                      <a:pPr marL="0" marR="0" indent="0" algn="l" defTabSz="914400" rtl="0" eaLnBrk="1" fontAlgn="auto" latinLnBrk="0" hangingPunct="1">
+                        <a:lnSpc>
+                          <a:spcPct val="100000"/>
+                        </a:lnSpc>
+                        <a:spcBef>
+                          <a:spcPts val="0"/>
+                        </a:spcBef>
+                        <a:spcAft>
+                          <a:spcPts val="0"/>
+                        </a:spcAft>
+                        <a:buClrTx/>
+                        <a:buSzTx/>
+                        <a:buFontTx/>
+                        <a:buNone/>
+                        <a:tabLst/>
+                        <a:defRPr/>
+                      </a:pPr>
+                      <a:r>
+                        <a:rPr lang="zh-TW" altLang="en-US" sz="2000" dirty="0" smtClean="0">
+                          <a:latin typeface="標楷體" panose="03000509000000000000" pitchFamily="65" charset="-120"/>
+                          <a:ea typeface="標楷體" panose="03000509000000000000" pitchFamily="65" charset="-120"/>
+                        </a:rPr>
+                        <a:t>在地人規劃的遊玩路線</a:t>
+                      </a:r>
+                    </a:p>
+                  </a:txBody>
+                  <a:tcPr marL="122985" marR="122985" marT="61493" marB="61493"/>
+                </a:tc>
+                <a:tc>
+                  <a:txBody>
+                    <a:bodyPr/>
+                    <a:lstStyle/>
+                    <a:p>
+                      <a:r>
+                        <a:rPr lang="zh-TW" altLang="en-US" sz="2000" dirty="0" smtClean="0">
+                          <a:latin typeface="標楷體" pitchFamily="65" charset="-120"/>
+                          <a:ea typeface="標楷體" pitchFamily="65" charset="-120"/>
+                        </a:rPr>
+                        <a:t>已</a:t>
+                      </a:r>
+                      <a:r>
+                        <a:rPr lang="en-US" altLang="zh-TW" sz="2000" dirty="0" smtClean="0">
+                          <a:latin typeface="標楷體" pitchFamily="65" charset="-120"/>
+                          <a:ea typeface="標楷體" pitchFamily="65" charset="-120"/>
+                        </a:rPr>
+                        <a:t>RPG</a:t>
+                      </a:r>
+                      <a:r>
+                        <a:rPr lang="zh-TW" altLang="en-US" sz="2000" dirty="0" smtClean="0">
+                          <a:latin typeface="標楷體" pitchFamily="65" charset="-120"/>
+                          <a:ea typeface="標楷體" pitchFamily="65" charset="-120"/>
+                        </a:rPr>
+                        <a:t>任務方式逐步引導</a:t>
+                      </a:r>
+                      <a:endParaRPr lang="zh-TW" altLang="en-US" sz="2000" dirty="0">
+                        <a:latin typeface="標楷體" pitchFamily="65" charset="-120"/>
+                        <a:ea typeface="標楷體" pitchFamily="65" charset="-120"/>
+                      </a:endParaRPr>
+                    </a:p>
+                  </a:txBody>
+                  <a:tcPr marL="122985" marR="122985" marT="61493" marB="61493"/>
+                </a:tc>
+                <a:extLst>
+                  <a:ext uri="{0D108BD9-81ED-4DB2-BD59-A6C34878D82A}">
+                    <a16:rowId xmlns:a16="http://schemas.microsoft.com/office/drawing/2014/main" val="858775558"/>
+                  </a:ext>
+                </a:extLst>
+              </a:tr>
+              <a:tr h="290840">
+                <a:tc>
+                  <a:txBody>
+                    <a:bodyPr/>
+                    <a:lstStyle/>
+                    <a:p>
+                      <a:r>
+                        <a:rPr lang="zh-TW" altLang="en-US" sz="2000" dirty="0" smtClean="0">
+                          <a:latin typeface="標楷體" pitchFamily="65" charset="-120"/>
+                          <a:ea typeface="標楷體" pitchFamily="65" charset="-120"/>
+                        </a:rPr>
+                        <a:t>留存紀念</a:t>
+                      </a:r>
+                      <a:endParaRPr lang="en-US" altLang="zh-TW" sz="2000" dirty="0" smtClean="0">
+                        <a:latin typeface="標楷體" pitchFamily="65" charset="-120"/>
+                        <a:ea typeface="標楷體" pitchFamily="65" charset="-120"/>
+                      </a:endParaRPr>
+                    </a:p>
+                  </a:txBody>
+                  <a:tcPr marL="122985" marR="122985" marT="61493" marB="61493"/>
+                </a:tc>
+                <a:tc>
+                  <a:txBody>
+                    <a:bodyPr/>
+                    <a:lstStyle/>
+                    <a:p>
+                      <a:r>
+                        <a:rPr lang="zh-TW" altLang="en-US" sz="2000" dirty="0" smtClean="0">
+                          <a:latin typeface="標楷體" pitchFamily="65" charset="-120"/>
+                          <a:ea typeface="標楷體" pitchFamily="65" charset="-120"/>
+                        </a:rPr>
+                        <a:t>與吉祥物</a:t>
+                      </a:r>
+                      <a:r>
+                        <a:rPr lang="en-US" altLang="zh-TW" sz="2000" dirty="0" smtClean="0">
+                          <a:latin typeface="標楷體" pitchFamily="65" charset="-120"/>
+                          <a:ea typeface="標楷體" pitchFamily="65" charset="-120"/>
+                        </a:rPr>
+                        <a:t>(</a:t>
+                      </a:r>
+                      <a:r>
+                        <a:rPr lang="zh-TW" altLang="en-US" sz="2000" dirty="0" smtClean="0">
+                          <a:latin typeface="標楷體" pitchFamily="65" charset="-120"/>
+                          <a:ea typeface="標楷體" pitchFamily="65" charset="-120"/>
+                        </a:rPr>
+                        <a:t>虛擬顯示</a:t>
+                      </a:r>
+                      <a:r>
+                        <a:rPr lang="en-US" altLang="zh-TW" sz="2000" dirty="0" smtClean="0">
+                          <a:latin typeface="標楷體" pitchFamily="65" charset="-120"/>
+                          <a:ea typeface="標楷體" pitchFamily="65" charset="-120"/>
+                        </a:rPr>
+                        <a:t>)</a:t>
+                      </a:r>
+                      <a:r>
+                        <a:rPr lang="zh-TW" altLang="en-US" sz="2000" dirty="0" smtClean="0">
+                          <a:latin typeface="標楷體" pitchFamily="65" charset="-120"/>
+                          <a:ea typeface="標楷體" pitchFamily="65" charset="-120"/>
+                        </a:rPr>
+                        <a:t>拍照並分享</a:t>
+                      </a:r>
+                      <a:endParaRPr lang="zh-TW" altLang="en-US" sz="2000" dirty="0">
+                        <a:latin typeface="標楷體" pitchFamily="65" charset="-120"/>
+                        <a:ea typeface="標楷體" pitchFamily="65" charset="-120"/>
+                      </a:endParaRPr>
+                    </a:p>
+                  </a:txBody>
+                  <a:tcPr marL="122985" marR="122985" marT="61493" marB="61493"/>
+                </a:tc>
+                <a:extLst>
+                  <a:ext uri="{0D108BD9-81ED-4DB2-BD59-A6C34878D82A}">
+                    <a16:rowId xmlns:a16="http://schemas.microsoft.com/office/drawing/2014/main" val="10005"/>
+                  </a:ext>
+                </a:extLst>
+              </a:tr>
+              <a:tr h="290840">
+                <a:tc>
+                  <a:txBody>
+                    <a:bodyPr/>
+                    <a:lstStyle/>
+                    <a:p>
+                      <a:r>
+                        <a:rPr lang="zh-TW" altLang="en-US" sz="2000" dirty="0" smtClean="0">
+                          <a:latin typeface="標楷體" pitchFamily="65" charset="-120"/>
+                          <a:ea typeface="標楷體" pitchFamily="65" charset="-120"/>
+                        </a:rPr>
+                        <a:t>觀看任務、道具等</a:t>
+                      </a:r>
+                      <a:r>
+                        <a:rPr lang="en-US" altLang="zh-TW" sz="2000" dirty="0" smtClean="0">
+                          <a:latin typeface="標楷體" pitchFamily="65" charset="-120"/>
+                          <a:ea typeface="標楷體" pitchFamily="65" charset="-120"/>
+                        </a:rPr>
+                        <a:t>..</a:t>
+                      </a:r>
+                      <a:r>
+                        <a:rPr lang="zh-TW" altLang="en-US" sz="2000" dirty="0" smtClean="0">
+                          <a:latin typeface="標楷體" pitchFamily="65" charset="-120"/>
+                          <a:ea typeface="標楷體" pitchFamily="65" charset="-120"/>
+                        </a:rPr>
+                        <a:t>進度</a:t>
+                      </a:r>
+                      <a:endParaRPr lang="en-US" altLang="zh-TW" sz="2000" dirty="0" smtClean="0">
+                        <a:latin typeface="標楷體" pitchFamily="65" charset="-120"/>
+                        <a:ea typeface="標楷體" pitchFamily="65" charset="-120"/>
+                      </a:endParaRPr>
+                    </a:p>
+                  </a:txBody>
+                  <a:tcPr marL="122985" marR="122985" marT="61493" marB="61493"/>
+                </a:tc>
+                <a:tc>
+                  <a:txBody>
+                    <a:bodyPr/>
+                    <a:lstStyle/>
+                    <a:p>
+                      <a:r>
+                        <a:rPr lang="zh-TW" altLang="en-US" sz="2000" dirty="0" smtClean="0">
+                          <a:latin typeface="標楷體" pitchFamily="65" charset="-120"/>
+                          <a:ea typeface="標楷體" pitchFamily="65" charset="-120"/>
+                        </a:rPr>
+                        <a:t>相對應的按鈕與列表</a:t>
+                      </a:r>
+                      <a:endParaRPr lang="zh-TW" altLang="en-US" sz="2000" dirty="0">
+                        <a:latin typeface="標楷體" pitchFamily="65" charset="-120"/>
+                        <a:ea typeface="標楷體" pitchFamily="65" charset="-120"/>
+                      </a:endParaRPr>
+                    </a:p>
+                  </a:txBody>
+                  <a:tcPr marL="122985" marR="122985" marT="61493" marB="61493"/>
+                </a:tc>
+                <a:extLst>
+                  <a:ext uri="{0D108BD9-81ED-4DB2-BD59-A6C34878D82A}">
+                    <a16:rowId xmlns:a16="http://schemas.microsoft.com/office/drawing/2014/main" val="10006"/>
+                  </a:ext>
+                </a:extLst>
+              </a:tr>
+            </a:tbl>
+          </a:graphicData>
+        </a:graphic>
+      </p:graphicFrame>
     </p:spTree>
   </p:cSld>
   <p:clrMapOvr>
@@ -7574,552 +8881,46 @@
           <a:lstStyle/>
           <a:p>
             <a:r>
-              <a:rPr lang="zh-TW" altLang="en-US" dirty="0" smtClean="0">
-                <a:latin typeface="標楷體" panose="03000509000000000000" pitchFamily="65" charset="-120"/>
-                <a:ea typeface="標楷體" panose="03000509000000000000" pitchFamily="65" charset="-120"/>
-              </a:rPr>
-              <a:t>需求分析</a:t>
-            </a:r>
-            <a:r>
-              <a:rPr lang="en-US" altLang="zh-TW" dirty="0" smtClean="0">
-                <a:latin typeface="標楷體" panose="03000509000000000000" pitchFamily="65" charset="-120"/>
-                <a:ea typeface="標楷體" panose="03000509000000000000" pitchFamily="65" charset="-120"/>
-              </a:rPr>
-              <a:t>(</a:t>
-            </a:r>
-            <a:r>
-              <a:rPr lang="zh-TW" altLang="en-US" dirty="0" smtClean="0">
-                <a:latin typeface="標楷體" panose="03000509000000000000" pitchFamily="65" charset="-120"/>
-                <a:ea typeface="標楷體" panose="03000509000000000000" pitchFamily="65" charset="-120"/>
-              </a:rPr>
-              <a:t>民眾</a:t>
-            </a:r>
-            <a:r>
-              <a:rPr lang="en-US" altLang="zh-TW" dirty="0" smtClean="0">
-                <a:latin typeface="標楷體" panose="03000509000000000000" pitchFamily="65" charset="-120"/>
-                <a:ea typeface="標楷體" panose="03000509000000000000" pitchFamily="65" charset="-120"/>
-              </a:rPr>
-              <a:t>)</a:t>
-            </a:r>
+              <a:rPr lang="zh-TW" altLang="en-US" dirty="0" smtClean="0"/>
+              <a:t>構想</a:t>
+            </a:r>
+            <a:endParaRPr lang="zh-TW" altLang="en-US" dirty="0"/>
           </a:p>
         </p:txBody>
       </p:sp>
-      <p:graphicFrame>
-        <p:nvGraphicFramePr>
-          <p:cNvPr id="5" name="表格 4"/>
-          <p:cNvGraphicFramePr>
-            <a:graphicFrameLocks noGrp="1"/>
-          </p:cNvGraphicFramePr>
-          <p:nvPr>
-            <p:extLst>
-              <p:ext uri="{D42A27DB-BD31-4B8C-83A1-F6EECF244321}">
-                <p14:modId xmlns:p14="http://schemas.microsoft.com/office/powerpoint/2010/main" xmlns="" val="868662746"/>
-              </p:ext>
-            </p:extLst>
-          </p:nvPr>
-        </p:nvGraphicFramePr>
-        <p:xfrm>
-          <a:off x="571472" y="2071678"/>
-          <a:ext cx="8429684" cy="3140741"/>
-        </p:xfrm>
-        <a:graphic>
-          <a:graphicData uri="http://schemas.openxmlformats.org/drawingml/2006/table">
-            <a:tbl>
-              <a:tblPr firstRow="1" bandRow="1">
-                <a:effectLst/>
-                <a:tableStyleId>{5C22544A-7EE6-4342-B048-85BDC9FD1C3A}</a:tableStyleId>
-              </a:tblPr>
-              <a:tblGrid>
-                <a:gridCol w="3786214">
-                  <a:extLst>
-                    <a:ext uri="{9D8B030D-6E8A-4147-A177-3AD203B41FA5}">
-                      <a16:colId xmlns:a16="http://schemas.microsoft.com/office/drawing/2014/main" xmlns="" val="1030558232"/>
-                    </a:ext>
-                  </a:extLst>
-                </a:gridCol>
-                <a:gridCol w="4643470">
-                  <a:extLst>
-                    <a:ext uri="{9D8B030D-6E8A-4147-A177-3AD203B41FA5}">
-                      <a16:colId xmlns:a16="http://schemas.microsoft.com/office/drawing/2014/main" xmlns="" val="354562041"/>
-                    </a:ext>
-                  </a:extLst>
-                </a:gridCol>
-              </a:tblGrid>
-              <a:tr h="549706">
-                <a:tc>
-                  <a:txBody>
-                    <a:bodyPr/>
-                    <a:lstStyle/>
-                    <a:p>
-                      <a:pPr algn="l"/>
-                      <a:r>
-                        <a:rPr lang="zh-TW" altLang="en-US" sz="2800" b="1" dirty="0" smtClean="0">
-                          <a:latin typeface="標楷體" panose="03000509000000000000" pitchFamily="65" charset="-120"/>
-                          <a:ea typeface="標楷體" panose="03000509000000000000" pitchFamily="65" charset="-120"/>
-                        </a:rPr>
-                        <a:t>需求分析</a:t>
-                      </a:r>
-                      <a:endParaRPr lang="zh-TW" altLang="en-US" sz="2800" b="1" dirty="0">
-                        <a:latin typeface="標楷體" panose="03000509000000000000" pitchFamily="65" charset="-120"/>
-                        <a:ea typeface="標楷體" panose="03000509000000000000" pitchFamily="65" charset="-120"/>
-                      </a:endParaRPr>
-                    </a:p>
-                  </a:txBody>
-                  <a:tcPr marL="122985" marR="122985" marT="61493" marB="61493"/>
-                </a:tc>
-                <a:tc>
-                  <a:txBody>
-                    <a:bodyPr/>
-                    <a:lstStyle/>
-                    <a:p>
-                      <a:pPr algn="l"/>
-                      <a:r>
-                        <a:rPr lang="zh-TW" altLang="en-US" sz="2800" kern="1200" dirty="0" smtClean="0">
-                          <a:effectLst/>
-                          <a:latin typeface="標楷體" panose="03000509000000000000" pitchFamily="65" charset="-120"/>
-                          <a:ea typeface="標楷體" panose="03000509000000000000" pitchFamily="65" charset="-120"/>
-                        </a:rPr>
-                        <a:t>對應功能</a:t>
-                      </a:r>
-                      <a:endParaRPr lang="zh-TW" altLang="en-US" sz="3600" dirty="0">
-                        <a:latin typeface="標楷體" panose="03000509000000000000" pitchFamily="65" charset="-120"/>
-                        <a:ea typeface="標楷體" panose="03000509000000000000" pitchFamily="65" charset="-120"/>
-                      </a:endParaRPr>
-                    </a:p>
-                  </a:txBody>
-                  <a:tcPr marL="122985" marR="122985" marT="61493" marB="61493"/>
-                </a:tc>
-                <a:extLst>
-                  <a:ext uri="{0D108BD9-81ED-4DB2-BD59-A6C34878D82A}">
-                    <a16:rowId xmlns:a16="http://schemas.microsoft.com/office/drawing/2014/main" xmlns="" val="3484934400"/>
-                  </a:ext>
-                </a:extLst>
-              </a:tr>
-              <a:tr h="395512">
-                <a:tc>
-                  <a:txBody>
-                    <a:bodyPr/>
-                    <a:lstStyle/>
-                    <a:p>
-                      <a:pPr marL="0" marR="0" indent="0" algn="l" defTabSz="914400" rtl="0" eaLnBrk="1" fontAlgn="auto" latinLnBrk="0" hangingPunct="1">
-                        <a:lnSpc>
-                          <a:spcPct val="100000"/>
-                        </a:lnSpc>
-                        <a:spcBef>
-                          <a:spcPts val="0"/>
-                        </a:spcBef>
-                        <a:spcAft>
-                          <a:spcPts val="0"/>
-                        </a:spcAft>
-                        <a:buClrTx/>
-                        <a:buSzTx/>
-                        <a:buFontTx/>
-                        <a:buNone/>
-                        <a:tabLst/>
-                        <a:defRPr/>
-                      </a:pPr>
-                      <a:r>
-                        <a:rPr lang="zh-TW" altLang="en-US" sz="2000" dirty="0" smtClean="0">
-                          <a:latin typeface="標楷體" panose="03000509000000000000" pitchFamily="65" charset="-120"/>
-                          <a:ea typeface="標楷體" panose="03000509000000000000" pitchFamily="65" charset="-120"/>
-                        </a:rPr>
-                        <a:t>觀看地圖與景點位置</a:t>
-                      </a:r>
-                    </a:p>
-                  </a:txBody>
-                  <a:tcPr marL="122985" marR="122985" marT="61493" marB="61493"/>
-                </a:tc>
-                <a:tc>
-                  <a:txBody>
-                    <a:bodyPr/>
-                    <a:lstStyle/>
-                    <a:p>
-                      <a:pPr algn="l"/>
-                      <a:r>
-                        <a:rPr lang="en-US" altLang="zh-TW" sz="2000" dirty="0" smtClean="0">
-                          <a:latin typeface="標楷體" panose="03000509000000000000" pitchFamily="65" charset="-120"/>
-                          <a:ea typeface="標楷體" panose="03000509000000000000" pitchFamily="65" charset="-120"/>
-                        </a:rPr>
-                        <a:t>GPS</a:t>
-                      </a:r>
-                      <a:r>
-                        <a:rPr lang="zh-TW" altLang="en-US" sz="2000" dirty="0" smtClean="0">
-                          <a:latin typeface="標楷體" panose="03000509000000000000" pitchFamily="65" charset="-120"/>
-                          <a:ea typeface="標楷體" panose="03000509000000000000" pitchFamily="65" charset="-120"/>
-                        </a:rPr>
-                        <a:t>與地圖顯示功能</a:t>
-                      </a:r>
-                      <a:endParaRPr lang="zh-TW" altLang="en-US" sz="2000" dirty="0">
-                        <a:latin typeface="標楷體" panose="03000509000000000000" pitchFamily="65" charset="-120"/>
-                        <a:ea typeface="標楷體" panose="03000509000000000000" pitchFamily="65" charset="-120"/>
-                      </a:endParaRPr>
-                    </a:p>
-                  </a:txBody>
-                  <a:tcPr marL="122985" marR="122985" marT="61493" marB="61493"/>
-                </a:tc>
-                <a:extLst>
-                  <a:ext uri="{0D108BD9-81ED-4DB2-BD59-A6C34878D82A}">
-                    <a16:rowId xmlns:a16="http://schemas.microsoft.com/office/drawing/2014/main" xmlns="" val="858892824"/>
-                  </a:ext>
-                </a:extLst>
-              </a:tr>
-              <a:tr h="237691">
-                <a:tc>
-                  <a:txBody>
-                    <a:bodyPr/>
-                    <a:lstStyle/>
-                    <a:p>
-                      <a:pPr marL="0" marR="0" indent="0" algn="l" defTabSz="914400" rtl="0" eaLnBrk="1" fontAlgn="auto" latinLnBrk="0" hangingPunct="1">
-                        <a:lnSpc>
-                          <a:spcPct val="100000"/>
-                        </a:lnSpc>
-                        <a:spcBef>
-                          <a:spcPts val="0"/>
-                        </a:spcBef>
-                        <a:spcAft>
-                          <a:spcPts val="0"/>
-                        </a:spcAft>
-                        <a:buClrTx/>
-                        <a:buSzTx/>
-                        <a:buFontTx/>
-                        <a:buNone/>
-                        <a:tabLst/>
-                        <a:defRPr/>
-                      </a:pPr>
-                      <a:r>
-                        <a:rPr lang="zh-TW" altLang="en-US" sz="2000" dirty="0" smtClean="0">
-                          <a:latin typeface="標楷體" panose="03000509000000000000" pitchFamily="65" charset="-120"/>
-                          <a:ea typeface="標楷體" panose="03000509000000000000" pitchFamily="65" charset="-120"/>
-                        </a:rPr>
-                        <a:t>了解當地文化故事</a:t>
-                      </a:r>
-                    </a:p>
-                  </a:txBody>
-                  <a:tcPr marL="122985" marR="122985" marT="61493" marB="61493"/>
-                </a:tc>
-                <a:tc>
-                  <a:txBody>
-                    <a:bodyPr/>
-                    <a:lstStyle/>
-                    <a:p>
-                      <a:pPr algn="l"/>
-                      <a:r>
-                        <a:rPr lang="en-US" altLang="zh-TW" sz="2000" dirty="0" smtClean="0">
-                          <a:latin typeface="標楷體" panose="03000509000000000000" pitchFamily="65" charset="-120"/>
-                          <a:ea typeface="標楷體" panose="03000509000000000000" pitchFamily="65" charset="-120"/>
-                        </a:rPr>
-                        <a:t>RPG</a:t>
-                      </a:r>
-                      <a:r>
-                        <a:rPr lang="zh-TW" altLang="en-US" sz="2000" dirty="0" smtClean="0">
-                          <a:latin typeface="標楷體" panose="03000509000000000000" pitchFamily="65" charset="-120"/>
-                          <a:ea typeface="標楷體" panose="03000509000000000000" pitchFamily="65" charset="-120"/>
-                        </a:rPr>
-                        <a:t>型態的遊玩方式</a:t>
-                      </a:r>
-                      <a:endParaRPr lang="zh-TW" altLang="en-US" sz="2000" dirty="0">
-                        <a:latin typeface="標楷體" panose="03000509000000000000" pitchFamily="65" charset="-120"/>
-                        <a:ea typeface="標楷體" panose="03000509000000000000" pitchFamily="65" charset="-120"/>
-                      </a:endParaRPr>
-                    </a:p>
-                  </a:txBody>
-                  <a:tcPr marL="122985" marR="122985" marT="61493" marB="61493"/>
-                </a:tc>
-                <a:extLst>
-                  <a:ext uri="{0D108BD9-81ED-4DB2-BD59-A6C34878D82A}">
-                    <a16:rowId xmlns:a16="http://schemas.microsoft.com/office/drawing/2014/main" xmlns="" val="3815221635"/>
-                  </a:ext>
-                </a:extLst>
-              </a:tr>
-              <a:tr h="452105">
-                <a:tc>
-                  <a:txBody>
-                    <a:bodyPr/>
-                    <a:lstStyle/>
-                    <a:p>
-                      <a:pPr marL="0" marR="0" indent="0" algn="l" defTabSz="914400" rtl="0" eaLnBrk="1" fontAlgn="auto" latinLnBrk="0" hangingPunct="1">
-                        <a:lnSpc>
-                          <a:spcPct val="100000"/>
-                        </a:lnSpc>
-                        <a:spcBef>
-                          <a:spcPts val="0"/>
-                        </a:spcBef>
-                        <a:spcAft>
-                          <a:spcPts val="0"/>
-                        </a:spcAft>
-                        <a:buClrTx/>
-                        <a:buSzTx/>
-                        <a:buFontTx/>
-                        <a:buNone/>
-                        <a:tabLst/>
-                        <a:defRPr/>
-                      </a:pPr>
-                      <a:r>
-                        <a:rPr lang="zh-TW" altLang="en-US" sz="2000" dirty="0" smtClean="0">
-                          <a:latin typeface="標楷體" panose="03000509000000000000" pitchFamily="65" charset="-120"/>
-                          <a:ea typeface="標楷體" panose="03000509000000000000" pitchFamily="65" charset="-120"/>
-                        </a:rPr>
-                        <a:t>觀看當地器物</a:t>
-                      </a:r>
-                    </a:p>
-                  </a:txBody>
-                  <a:tcPr marL="122985" marR="122985" marT="61493" marB="61493"/>
-                </a:tc>
-                <a:tc>
-                  <a:txBody>
-                    <a:bodyPr/>
-                    <a:lstStyle/>
-                    <a:p>
-                      <a:pPr algn="l"/>
-                      <a:r>
-                        <a:rPr lang="zh-TW" altLang="en-US" sz="2000" dirty="0" smtClean="0">
-                          <a:latin typeface="標楷體" panose="03000509000000000000" pitchFamily="65" charset="-120"/>
-                          <a:ea typeface="標楷體" panose="03000509000000000000" pitchFamily="65" charset="-120"/>
-                        </a:rPr>
-                        <a:t>以</a:t>
-                      </a:r>
-                      <a:r>
-                        <a:rPr lang="en-US" altLang="zh-TW" sz="2000" dirty="0" smtClean="0">
-                          <a:latin typeface="標楷體" panose="03000509000000000000" pitchFamily="65" charset="-120"/>
-                          <a:ea typeface="標楷體" panose="03000509000000000000" pitchFamily="65" charset="-120"/>
-                        </a:rPr>
-                        <a:t>AR</a:t>
-                      </a:r>
-                      <a:r>
-                        <a:rPr lang="zh-TW" altLang="en-US" sz="2000" dirty="0" smtClean="0">
-                          <a:latin typeface="標楷體" panose="03000509000000000000" pitchFamily="65" charset="-120"/>
-                          <a:ea typeface="標楷體" panose="03000509000000000000" pitchFamily="65" charset="-120"/>
-                        </a:rPr>
-                        <a:t>顯示</a:t>
-                      </a:r>
-                      <a:endParaRPr lang="zh-TW" altLang="en-US" sz="2000" dirty="0">
-                        <a:latin typeface="標楷體" panose="03000509000000000000" pitchFamily="65" charset="-120"/>
-                        <a:ea typeface="標楷體" panose="03000509000000000000" pitchFamily="65" charset="-120"/>
-                      </a:endParaRPr>
-                    </a:p>
-                  </a:txBody>
-                  <a:tcPr marL="122985" marR="122985" marT="61493" marB="61493"/>
-                </a:tc>
-                <a:extLst>
-                  <a:ext uri="{0D108BD9-81ED-4DB2-BD59-A6C34878D82A}">
-                    <a16:rowId xmlns:a16="http://schemas.microsoft.com/office/drawing/2014/main" xmlns="" val="3180135099"/>
-                  </a:ext>
-                </a:extLst>
-              </a:tr>
-              <a:tr h="290840">
-                <a:tc>
-                  <a:txBody>
-                    <a:bodyPr/>
-                    <a:lstStyle/>
-                    <a:p>
-                      <a:pPr marL="0" marR="0" indent="0" algn="l" defTabSz="914400" rtl="0" eaLnBrk="1" fontAlgn="auto" latinLnBrk="0" hangingPunct="1">
-                        <a:lnSpc>
-                          <a:spcPct val="100000"/>
-                        </a:lnSpc>
-                        <a:spcBef>
-                          <a:spcPts val="0"/>
-                        </a:spcBef>
-                        <a:spcAft>
-                          <a:spcPts val="0"/>
-                        </a:spcAft>
-                        <a:buClrTx/>
-                        <a:buSzTx/>
-                        <a:buFontTx/>
-                        <a:buNone/>
-                        <a:tabLst/>
-                        <a:defRPr/>
-                      </a:pPr>
-                      <a:r>
-                        <a:rPr lang="zh-TW" altLang="en-US" sz="2000" dirty="0" smtClean="0">
-                          <a:latin typeface="標楷體" panose="03000509000000000000" pitchFamily="65" charset="-120"/>
-                          <a:ea typeface="標楷體" panose="03000509000000000000" pitchFamily="65" charset="-120"/>
-                        </a:rPr>
-                        <a:t>在地人規劃的遊玩路線</a:t>
-                      </a:r>
-                    </a:p>
-                  </a:txBody>
-                  <a:tcPr marL="122985" marR="122985" marT="61493" marB="61493"/>
-                </a:tc>
-                <a:tc>
-                  <a:txBody>
-                    <a:bodyPr/>
-                    <a:lstStyle/>
-                    <a:p>
-                      <a:r>
-                        <a:rPr lang="zh-TW" altLang="en-US" sz="2000" dirty="0" smtClean="0">
-                          <a:latin typeface="標楷體" pitchFamily="65" charset="-120"/>
-                          <a:ea typeface="標楷體" pitchFamily="65" charset="-120"/>
-                        </a:rPr>
-                        <a:t>已</a:t>
-                      </a:r>
-                      <a:r>
-                        <a:rPr lang="en-US" altLang="zh-TW" sz="2000" dirty="0" smtClean="0">
-                          <a:latin typeface="標楷體" pitchFamily="65" charset="-120"/>
-                          <a:ea typeface="標楷體" pitchFamily="65" charset="-120"/>
-                        </a:rPr>
-                        <a:t>RPG</a:t>
-                      </a:r>
-                      <a:r>
-                        <a:rPr lang="zh-TW" altLang="en-US" sz="2000" dirty="0" smtClean="0">
-                          <a:latin typeface="標楷體" pitchFamily="65" charset="-120"/>
-                          <a:ea typeface="標楷體" pitchFamily="65" charset="-120"/>
-                        </a:rPr>
-                        <a:t>任務方式逐步引導</a:t>
-                      </a:r>
-                      <a:endParaRPr lang="zh-TW" altLang="en-US" sz="2000" dirty="0">
-                        <a:latin typeface="標楷體" pitchFamily="65" charset="-120"/>
-                        <a:ea typeface="標楷體" pitchFamily="65" charset="-120"/>
-                      </a:endParaRPr>
-                    </a:p>
-                  </a:txBody>
-                  <a:tcPr marL="122985" marR="122985" marT="61493" marB="61493"/>
-                </a:tc>
-                <a:extLst>
-                  <a:ext uri="{0D108BD9-81ED-4DB2-BD59-A6C34878D82A}">
-                    <a16:rowId xmlns:a16="http://schemas.microsoft.com/office/drawing/2014/main" xmlns="" val="858775558"/>
-                  </a:ext>
-                </a:extLst>
-              </a:tr>
-              <a:tr h="290840">
-                <a:tc>
-                  <a:txBody>
-                    <a:bodyPr/>
-                    <a:lstStyle/>
-                    <a:p>
-                      <a:r>
-                        <a:rPr lang="zh-TW" altLang="en-US" sz="2000" dirty="0" smtClean="0">
-                          <a:latin typeface="標楷體" pitchFamily="65" charset="-120"/>
-                          <a:ea typeface="標楷體" pitchFamily="65" charset="-120"/>
-                        </a:rPr>
-                        <a:t>留存紀念</a:t>
-                      </a:r>
-                      <a:endParaRPr lang="en-US" altLang="zh-TW" sz="2000" dirty="0" smtClean="0">
-                        <a:latin typeface="標楷體" pitchFamily="65" charset="-120"/>
-                        <a:ea typeface="標楷體" pitchFamily="65" charset="-120"/>
-                      </a:endParaRPr>
-                    </a:p>
-                  </a:txBody>
-                  <a:tcPr marL="122985" marR="122985" marT="61493" marB="61493"/>
-                </a:tc>
-                <a:tc>
-                  <a:txBody>
-                    <a:bodyPr/>
-                    <a:lstStyle/>
-                    <a:p>
-                      <a:r>
-                        <a:rPr lang="zh-TW" altLang="en-US" sz="2000" dirty="0" smtClean="0">
-                          <a:latin typeface="標楷體" pitchFamily="65" charset="-120"/>
-                          <a:ea typeface="標楷體" pitchFamily="65" charset="-120"/>
-                        </a:rPr>
-                        <a:t>與吉祥物</a:t>
-                      </a:r>
-                      <a:r>
-                        <a:rPr lang="en-US" altLang="zh-TW" sz="2000" dirty="0" smtClean="0">
-                          <a:latin typeface="標楷體" pitchFamily="65" charset="-120"/>
-                          <a:ea typeface="標楷體" pitchFamily="65" charset="-120"/>
-                        </a:rPr>
-                        <a:t>(</a:t>
-                      </a:r>
-                      <a:r>
-                        <a:rPr lang="zh-TW" altLang="en-US" sz="2000" dirty="0" smtClean="0">
-                          <a:latin typeface="標楷體" pitchFamily="65" charset="-120"/>
-                          <a:ea typeface="標楷體" pitchFamily="65" charset="-120"/>
-                        </a:rPr>
-                        <a:t>虛擬顯示</a:t>
-                      </a:r>
-                      <a:r>
-                        <a:rPr lang="en-US" altLang="zh-TW" sz="2000" dirty="0" smtClean="0">
-                          <a:latin typeface="標楷體" pitchFamily="65" charset="-120"/>
-                          <a:ea typeface="標楷體" pitchFamily="65" charset="-120"/>
-                        </a:rPr>
-                        <a:t>)</a:t>
-                      </a:r>
-                      <a:r>
-                        <a:rPr lang="zh-TW" altLang="en-US" sz="2000" dirty="0" smtClean="0">
-                          <a:latin typeface="標楷體" pitchFamily="65" charset="-120"/>
-                          <a:ea typeface="標楷體" pitchFamily="65" charset="-120"/>
-                        </a:rPr>
-                        <a:t>拍照並分享</a:t>
-                      </a:r>
-                      <a:endParaRPr lang="zh-TW" altLang="en-US" sz="2000" dirty="0">
-                        <a:latin typeface="標楷體" pitchFamily="65" charset="-120"/>
-                        <a:ea typeface="標楷體" pitchFamily="65" charset="-120"/>
-                      </a:endParaRPr>
-                    </a:p>
-                  </a:txBody>
-                  <a:tcPr marL="122985" marR="122985" marT="61493" marB="61493"/>
-                </a:tc>
-                <a:extLst>
-                  <a:ext uri="{0D108BD9-81ED-4DB2-BD59-A6C34878D82A}">
-                    <a16:rowId xmlns:a16="http://schemas.microsoft.com/office/drawing/2014/main" xmlns="" val="10005"/>
-                  </a:ext>
-                </a:extLst>
-              </a:tr>
-              <a:tr h="290840">
-                <a:tc>
-                  <a:txBody>
-                    <a:bodyPr/>
-                    <a:lstStyle/>
-                    <a:p>
-                      <a:r>
-                        <a:rPr lang="zh-TW" altLang="en-US" sz="2000" dirty="0" smtClean="0">
-                          <a:latin typeface="標楷體" pitchFamily="65" charset="-120"/>
-                          <a:ea typeface="標楷體" pitchFamily="65" charset="-120"/>
-                        </a:rPr>
-                        <a:t>觀看任務、道具等</a:t>
-                      </a:r>
-                      <a:r>
-                        <a:rPr lang="en-US" altLang="zh-TW" sz="2000" dirty="0" smtClean="0">
-                          <a:latin typeface="標楷體" pitchFamily="65" charset="-120"/>
-                          <a:ea typeface="標楷體" pitchFamily="65" charset="-120"/>
-                        </a:rPr>
-                        <a:t>..</a:t>
-                      </a:r>
-                      <a:r>
-                        <a:rPr lang="zh-TW" altLang="en-US" sz="2000" dirty="0" smtClean="0">
-                          <a:latin typeface="標楷體" pitchFamily="65" charset="-120"/>
-                          <a:ea typeface="標楷體" pitchFamily="65" charset="-120"/>
-                        </a:rPr>
-                        <a:t>進度</a:t>
-                      </a:r>
-                      <a:endParaRPr lang="en-US" altLang="zh-TW" sz="2000" dirty="0" smtClean="0">
-                        <a:latin typeface="標楷體" pitchFamily="65" charset="-120"/>
-                        <a:ea typeface="標楷體" pitchFamily="65" charset="-120"/>
-                      </a:endParaRPr>
-                    </a:p>
-                  </a:txBody>
-                  <a:tcPr marL="122985" marR="122985" marT="61493" marB="61493"/>
-                </a:tc>
-                <a:tc>
-                  <a:txBody>
-                    <a:bodyPr/>
-                    <a:lstStyle/>
-                    <a:p>
-                      <a:r>
-                        <a:rPr lang="zh-TW" altLang="en-US" sz="2000" dirty="0" smtClean="0">
-                          <a:latin typeface="標楷體" pitchFamily="65" charset="-120"/>
-                          <a:ea typeface="標楷體" pitchFamily="65" charset="-120"/>
-                        </a:rPr>
-                        <a:t>相對應的按鈕與列表</a:t>
-                      </a:r>
-                      <a:endParaRPr lang="zh-TW" altLang="en-US" sz="2000" dirty="0">
-                        <a:latin typeface="標楷體" pitchFamily="65" charset="-120"/>
-                        <a:ea typeface="標楷體" pitchFamily="65" charset="-120"/>
-                      </a:endParaRPr>
-                    </a:p>
-                  </a:txBody>
-                  <a:tcPr marL="122985" marR="122985" marT="61493" marB="61493"/>
-                </a:tc>
-                <a:extLst>
-                  <a:ext uri="{0D108BD9-81ED-4DB2-BD59-A6C34878D82A}">
-                    <a16:rowId xmlns:a16="http://schemas.microsoft.com/office/drawing/2014/main" xmlns="" val="10006"/>
-                  </a:ext>
-                </a:extLst>
-              </a:tr>
-            </a:tbl>
-          </a:graphicData>
-        </a:graphic>
-      </p:graphicFrame>
+      <p:pic>
+        <p:nvPicPr>
+          <p:cNvPr id="20483" name="Picture 3"/>
+          <p:cNvPicPr>
+            <a:picLocks noChangeAspect="1" noChangeArrowheads="1"/>
+          </p:cNvPicPr>
+          <p:nvPr/>
+        </p:nvPicPr>
+        <p:blipFill>
+          <a:blip r:embed="rId2"/>
+          <a:srcRect/>
+          <a:stretch>
+            <a:fillRect/>
+          </a:stretch>
+        </p:blipFill>
+        <p:spPr bwMode="auto">
+          <a:xfrm>
+            <a:off x="142844" y="1714488"/>
+            <a:ext cx="8850885" cy="4357718"/>
+          </a:xfrm>
+          <a:prstGeom prst="rect">
+            <a:avLst/>
+          </a:prstGeom>
+          <a:noFill/>
+          <a:ln w="9525">
+            <a:noFill/>
+            <a:miter lim="800000"/>
+            <a:headEnd/>
+            <a:tailEnd/>
+          </a:ln>
+          <a:effectLst/>
+        </p:spPr>
+      </p:pic>
     </p:spTree>
   </p:cSld>
   <p:clrMapOvr>
@@ -8169,45 +8970,105 @@
           <a:p>
             <a:r>
               <a:rPr lang="zh-TW" altLang="en-US" dirty="0" smtClean="0"/>
-              <a:t>構想</a:t>
+              <a:t>功能結構圖</a:t>
             </a:r>
             <a:endParaRPr lang="zh-TW" altLang="en-US" dirty="0"/>
           </a:p>
         </p:txBody>
       </p:sp>
-      <p:pic>
-        <p:nvPicPr>
-          <p:cNvPr id="20483" name="Picture 3"/>
-          <p:cNvPicPr>
-            <a:picLocks noChangeAspect="1" noChangeArrowheads="1"/>
-          </p:cNvPicPr>
+      <p:graphicFrame>
+        <p:nvGraphicFramePr>
+          <p:cNvPr id="21508" name="Object 4"/>
+          <p:cNvGraphicFramePr>
+            <a:graphicFrameLocks noChangeAspect="1"/>
+          </p:cNvGraphicFramePr>
           <p:nvPr/>
-        </p:nvPicPr>
-        <p:blipFill>
-          <a:blip r:embed="rId2"/>
-          <a:srcRect/>
-          <a:stretch>
-            <a:fillRect/>
-          </a:stretch>
-        </p:blipFill>
-        <p:spPr bwMode="auto">
-          <a:xfrm>
-            <a:off x="142844" y="1714488"/>
-            <a:ext cx="8850885" cy="4357718"/>
-          </a:xfrm>
-          <a:prstGeom prst="rect">
-            <a:avLst/>
-          </a:prstGeom>
-          <a:noFill/>
-          <a:ln w="9525">
-            <a:noFill/>
-            <a:miter lim="800000"/>
-            <a:headEnd/>
-            <a:tailEnd/>
-          </a:ln>
-          <a:effectLst/>
-        </p:spPr>
-      </p:pic>
+        </p:nvGraphicFramePr>
+        <p:xfrm>
+          <a:off x="1571603" y="1571612"/>
+          <a:ext cx="6786611" cy="4980303"/>
+        </p:xfrm>
+        <a:graphic>
+          <a:graphicData uri="http://schemas.openxmlformats.org/presentationml/2006/ole">
+            <mc:AlternateContent xmlns:mc="http://schemas.openxmlformats.org/markup-compatibility/2006">
+              <mc:Choice xmlns:v="urn:schemas-microsoft-com:vml" Requires="v">
+                <p:oleObj spid="_x0000_s21519" name="Visio" r:id="rId3" imgW="5821153" imgH="4370556" progId="Visio.Drawing.11">
+                  <p:embed/>
+                </p:oleObj>
+              </mc:Choice>
+              <mc:Fallback>
+                <p:oleObj name="Visio" r:id="rId3" imgW="5821153" imgH="4370556" progId="Visio.Drawing.11">
+                  <p:embed/>
+                  <p:pic>
+                    <p:nvPicPr>
+                      <p:cNvPr id="0" name="Picture 10"/>
+                      <p:cNvPicPr>
+                        <a:picLocks noChangeAspect="1" noChangeArrowheads="1"/>
+                      </p:cNvPicPr>
+                      <p:nvPr/>
+                    </p:nvPicPr>
+                    <p:blipFill>
+                      <a:blip r:embed="rId4">
+                        <a:extLst>
+                          <a:ext uri="{28A0092B-C50C-407E-A947-70E740481C1C}">
+                            <a14:useLocalDpi xmlns:a14="http://schemas.microsoft.com/office/drawing/2010/main" val="0"/>
+                          </a:ext>
+                        </a:extLst>
+                      </a:blip>
+                      <a:srcRect/>
+                      <a:stretch>
+                        <a:fillRect/>
+                      </a:stretch>
+                    </p:blipFill>
+                    <p:spPr bwMode="auto">
+                      <a:xfrm>
+                        <a:off x="1571603" y="1571612"/>
+                        <a:ext cx="6786611" cy="4980303"/>
+                      </a:xfrm>
+                      <a:prstGeom prst="rect">
+                        <a:avLst/>
+                      </a:prstGeom>
+                      <a:noFill/>
+                      <a:ln>
+                        <a:noFill/>
+                      </a:ln>
+                      <a:effectLst/>
+                      <a:extLst>
+                        <a:ext uri="{909E8E84-426E-40DD-AFC4-6F175D3DCCD1}">
+                          <a14:hiddenFill xmlns:a14="http://schemas.microsoft.com/office/drawing/2010/main">
+                            <a:solidFill>
+                              <a:schemeClr val="accent1"/>
+                            </a:solidFill>
+                          </a14:hiddenFill>
+                        </a:ext>
+                        <a:ext uri="{91240B29-F687-4F45-9708-019B960494DF}">
+                          <a14:hiddenLine xmlns:a14="http://schemas.microsoft.com/office/drawing/2010/main" w="9525">
+                            <a:solidFill>
+                              <a:schemeClr val="tx1"/>
+                            </a:solidFill>
+                            <a:miter lim="800000"/>
+                            <a:headEnd/>
+                            <a:tailEnd/>
+                          </a14:hiddenLine>
+                        </a:ext>
+                        <a:ext uri="{AF507438-7753-43E0-B8FC-AC1667EBCBE1}">
+                          <a14:hiddenEffects xmlns:a14="http://schemas.microsoft.com/office/drawing/2010/main">
+                            <a:effectLst>
+                              <a:outerShdw dist="35921" dir="2700000" algn="ctr" rotWithShape="0">
+                                <a:schemeClr val="bg2"/>
+                              </a:outerShdw>
+                            </a:effectLst>
+                          </a14:hiddenEffects>
+                        </a:ext>
+                      </a:extLst>
+                    </p:spPr>
+                  </p:pic>
+                </p:oleObj>
+              </mc:Fallback>
+            </mc:AlternateContent>
+          </a:graphicData>
+        </a:graphic>
+      </p:graphicFrame>
     </p:spTree>
   </p:cSld>
   <p:clrMapOvr>

--- a/107_SE_Team12_AR RPG結合區域行銷.pptx
+++ b/107_SE_Team12_AR RPG結合區域行銷.pptx
@@ -13,16 +13,17 @@
     <p:sldId id="263" r:id="rId7"/>
     <p:sldId id="268" r:id="rId8"/>
     <p:sldId id="269" r:id="rId9"/>
-    <p:sldId id="272" r:id="rId10"/>
-    <p:sldId id="281" r:id="rId11"/>
-    <p:sldId id="280" r:id="rId12"/>
-    <p:sldId id="271" r:id="rId13"/>
-    <p:sldId id="274" r:id="rId14"/>
-    <p:sldId id="275" r:id="rId15"/>
-    <p:sldId id="276" r:id="rId16"/>
-    <p:sldId id="282" r:id="rId17"/>
-    <p:sldId id="278" r:id="rId18"/>
-    <p:sldId id="279" r:id="rId19"/>
+    <p:sldId id="283" r:id="rId10"/>
+    <p:sldId id="272" r:id="rId11"/>
+    <p:sldId id="281" r:id="rId12"/>
+    <p:sldId id="280" r:id="rId13"/>
+    <p:sldId id="271" r:id="rId14"/>
+    <p:sldId id="274" r:id="rId15"/>
+    <p:sldId id="275" r:id="rId16"/>
+    <p:sldId id="276" r:id="rId17"/>
+    <p:sldId id="282" r:id="rId18"/>
+    <p:sldId id="278" r:id="rId19"/>
+    <p:sldId id="279" r:id="rId20"/>
   </p:sldIdLst>
   <p:sldSz cx="9144000" cy="6858000" type="screen4x3"/>
   <p:notesSz cx="6858000" cy="9144000"/>
@@ -197,7 +198,7 @@
           </a:lstStyle>
           <a:p>
             <a:r>
-              <a:rPr lang="zh-TW" altLang="en-US" smtClean="0"/>
+              <a:rPr lang="zh-TW" altLang="en-US"/>
               <a:t>按一下以編輯母片標題樣式</a:t>
             </a:r>
             <a:endParaRPr lang="zh-CN" altLang="en-US"/>
@@ -231,7 +232,7 @@
           </a:lstStyle>
           <a:p>
             <a:r>
-              <a:rPr lang="zh-TW" altLang="en-US" smtClean="0"/>
+              <a:rPr lang="zh-TW" altLang="en-US"/>
               <a:t>按一下以編輯母片副標題樣式</a:t>
             </a:r>
             <a:endParaRPr lang="zh-CN" altLang="en-US"/>
@@ -260,7 +261,7 @@
             <a:fld id="{8FFCEC07-D64F-4E5D-81E0-661D88DA05AE}" type="datetimeFigureOut">
               <a:rPr lang="zh-TW" altLang="en-US" smtClean="0"/>
               <a:pPr/>
-              <a:t>2018/11/15</a:t>
+              <a:t>2018/11/20</a:t>
             </a:fld>
             <a:endParaRPr lang="zh-TW" altLang="en-US"/>
           </a:p>
@@ -358,10 +359,9 @@
           <a:lstStyle/>
           <a:p>
             <a:r>
-              <a:rPr lang="zh-TW" altLang="en-US" smtClean="0"/>
+              <a:rPr lang="zh-TW" altLang="en-US"/>
               <a:t>按一下以編輯母片標題樣式</a:t>
             </a:r>
-            <a:endParaRPr lang="zh-TW" altLang="en-US"/>
           </a:p>
         </p:txBody>
       </p:sp>
@@ -382,38 +382,37 @@
           <a:p>
             <a:pPr lvl="0"/>
             <a:r>
-              <a:rPr lang="zh-TW" altLang="en-US" smtClean="0"/>
+              <a:rPr lang="zh-TW" altLang="en-US"/>
               <a:t>按一下以編輯母片文字樣式</a:t>
             </a:r>
           </a:p>
           <a:p>
             <a:pPr lvl="1"/>
             <a:r>
-              <a:rPr lang="zh-TW" altLang="en-US" smtClean="0"/>
+              <a:rPr lang="zh-TW" altLang="en-US"/>
               <a:t>第二層</a:t>
             </a:r>
           </a:p>
           <a:p>
             <a:pPr lvl="2"/>
             <a:r>
-              <a:rPr lang="zh-TW" altLang="en-US" smtClean="0"/>
+              <a:rPr lang="zh-TW" altLang="en-US"/>
               <a:t>第三層</a:t>
             </a:r>
           </a:p>
           <a:p>
             <a:pPr lvl="3"/>
             <a:r>
-              <a:rPr lang="zh-TW" altLang="en-US" smtClean="0"/>
+              <a:rPr lang="zh-TW" altLang="en-US"/>
               <a:t>第四層</a:t>
             </a:r>
           </a:p>
           <a:p>
             <a:pPr lvl="4"/>
             <a:r>
-              <a:rPr lang="zh-TW" altLang="en-US" smtClean="0"/>
+              <a:rPr lang="zh-TW" altLang="en-US"/>
               <a:t>第五層</a:t>
             </a:r>
-            <a:endParaRPr lang="zh-TW" altLang="en-US"/>
           </a:p>
         </p:txBody>
       </p:sp>
@@ -439,7 +438,7 @@
             <a:fld id="{8FFCEC07-D64F-4E5D-81E0-661D88DA05AE}" type="datetimeFigureOut">
               <a:rPr lang="zh-TW" altLang="en-US" smtClean="0"/>
               <a:pPr/>
-              <a:t>2018/11/15</a:t>
+              <a:t>2018/11/20</a:t>
             </a:fld>
             <a:endParaRPr lang="zh-TW" altLang="en-US"/>
           </a:p>
@@ -542,10 +541,9 @@
           <a:lstStyle/>
           <a:p>
             <a:r>
-              <a:rPr lang="zh-TW" altLang="en-US" smtClean="0"/>
+              <a:rPr lang="zh-TW" altLang="en-US"/>
               <a:t>按一下以編輯母片標題樣式</a:t>
             </a:r>
-            <a:endParaRPr lang="zh-TW" altLang="en-US"/>
           </a:p>
         </p:txBody>
       </p:sp>
@@ -571,38 +569,37 @@
           <a:p>
             <a:pPr lvl="0"/>
             <a:r>
-              <a:rPr lang="zh-TW" altLang="en-US" smtClean="0"/>
+              <a:rPr lang="zh-TW" altLang="en-US"/>
               <a:t>按一下以編輯母片文字樣式</a:t>
             </a:r>
           </a:p>
           <a:p>
             <a:pPr lvl="1"/>
             <a:r>
-              <a:rPr lang="zh-TW" altLang="en-US" smtClean="0"/>
+              <a:rPr lang="zh-TW" altLang="en-US"/>
               <a:t>第二層</a:t>
             </a:r>
           </a:p>
           <a:p>
             <a:pPr lvl="2"/>
             <a:r>
-              <a:rPr lang="zh-TW" altLang="en-US" smtClean="0"/>
+              <a:rPr lang="zh-TW" altLang="en-US"/>
               <a:t>第三層</a:t>
             </a:r>
           </a:p>
           <a:p>
             <a:pPr lvl="3"/>
             <a:r>
-              <a:rPr lang="zh-TW" altLang="en-US" smtClean="0"/>
+              <a:rPr lang="zh-TW" altLang="en-US"/>
               <a:t>第四層</a:t>
             </a:r>
           </a:p>
           <a:p>
             <a:pPr lvl="4"/>
             <a:r>
-              <a:rPr lang="zh-TW" altLang="en-US" smtClean="0"/>
+              <a:rPr lang="zh-TW" altLang="en-US"/>
               <a:t>第五層</a:t>
             </a:r>
-            <a:endParaRPr lang="zh-TW" altLang="en-US"/>
           </a:p>
         </p:txBody>
       </p:sp>
@@ -628,7 +625,7 @@
             <a:fld id="{8FFCEC07-D64F-4E5D-81E0-661D88DA05AE}" type="datetimeFigureOut">
               <a:rPr lang="zh-TW" altLang="en-US" smtClean="0"/>
               <a:pPr/>
-              <a:t>2018/11/15</a:t>
+              <a:t>2018/11/20</a:t>
             </a:fld>
             <a:endParaRPr lang="zh-TW" altLang="en-US"/>
           </a:p>
@@ -726,10 +723,9 @@
           <a:lstStyle/>
           <a:p>
             <a:r>
-              <a:rPr lang="zh-TW" altLang="en-US" smtClean="0"/>
+              <a:rPr lang="zh-TW" altLang="en-US"/>
               <a:t>按一下以編輯母片標題樣式</a:t>
             </a:r>
-            <a:endParaRPr lang="zh-TW" altLang="en-US"/>
           </a:p>
         </p:txBody>
       </p:sp>
@@ -750,38 +746,37 @@
           <a:p>
             <a:pPr lvl="0"/>
             <a:r>
-              <a:rPr lang="zh-TW" altLang="en-US" smtClean="0"/>
+              <a:rPr lang="zh-TW" altLang="en-US"/>
               <a:t>按一下以編輯母片文字樣式</a:t>
             </a:r>
           </a:p>
           <a:p>
             <a:pPr lvl="1"/>
             <a:r>
-              <a:rPr lang="zh-TW" altLang="en-US" smtClean="0"/>
+              <a:rPr lang="zh-TW" altLang="en-US"/>
               <a:t>第二層</a:t>
             </a:r>
           </a:p>
           <a:p>
             <a:pPr lvl="2"/>
             <a:r>
-              <a:rPr lang="zh-TW" altLang="en-US" smtClean="0"/>
+              <a:rPr lang="zh-TW" altLang="en-US"/>
               <a:t>第三層</a:t>
             </a:r>
           </a:p>
           <a:p>
             <a:pPr lvl="3"/>
             <a:r>
-              <a:rPr lang="zh-TW" altLang="en-US" smtClean="0"/>
+              <a:rPr lang="zh-TW" altLang="en-US"/>
               <a:t>第四層</a:t>
             </a:r>
           </a:p>
           <a:p>
             <a:pPr lvl="4"/>
             <a:r>
-              <a:rPr lang="zh-TW" altLang="en-US" smtClean="0"/>
+              <a:rPr lang="zh-TW" altLang="en-US"/>
               <a:t>第五層</a:t>
             </a:r>
-            <a:endParaRPr lang="zh-TW" altLang="en-US"/>
           </a:p>
         </p:txBody>
       </p:sp>
@@ -807,7 +802,7 @@
             <a:fld id="{8FFCEC07-D64F-4E5D-81E0-661D88DA05AE}" type="datetimeFigureOut">
               <a:rPr lang="zh-TW" altLang="en-US" smtClean="0"/>
               <a:pPr/>
-              <a:t>2018/11/15</a:t>
+              <a:t>2018/11/20</a:t>
             </a:fld>
             <a:endParaRPr lang="zh-TW" altLang="en-US"/>
           </a:p>
@@ -914,10 +909,9 @@
           </a:lstStyle>
           <a:p>
             <a:r>
-              <a:rPr lang="zh-TW" altLang="en-US" smtClean="0"/>
+              <a:rPr lang="zh-TW" altLang="en-US"/>
               <a:t>按一下以編輯母片標題樣式</a:t>
             </a:r>
-            <a:endParaRPr lang="zh-TW" altLang="en-US"/>
           </a:p>
         </p:txBody>
       </p:sp>
@@ -980,7 +974,7 @@
           <a:p>
             <a:pPr lvl="0"/>
             <a:r>
-              <a:rPr lang="zh-TW" altLang="en-US" smtClean="0"/>
+              <a:rPr lang="zh-TW" altLang="en-US"/>
               <a:t>按一下以編輯母片文字樣式</a:t>
             </a:r>
           </a:p>
@@ -1008,7 +1002,7 @@
             <a:fld id="{8FFCEC07-D64F-4E5D-81E0-661D88DA05AE}" type="datetimeFigureOut">
               <a:rPr lang="zh-TW" altLang="en-US" smtClean="0"/>
               <a:pPr/>
-              <a:t>2018/11/15</a:t>
+              <a:t>2018/11/20</a:t>
             </a:fld>
             <a:endParaRPr lang="zh-TW" altLang="en-US"/>
           </a:p>
@@ -1106,10 +1100,9 @@
           <a:lstStyle/>
           <a:p>
             <a:r>
-              <a:rPr lang="zh-TW" altLang="en-US" smtClean="0"/>
+              <a:rPr lang="zh-TW" altLang="en-US"/>
               <a:t>按一下以編輯母片標題樣式</a:t>
             </a:r>
-            <a:endParaRPr lang="zh-TW" altLang="en-US"/>
           </a:p>
         </p:txBody>
       </p:sp>
@@ -1163,38 +1156,37 @@
           <a:p>
             <a:pPr lvl="0"/>
             <a:r>
-              <a:rPr lang="zh-TW" altLang="en-US" smtClean="0"/>
+              <a:rPr lang="zh-TW" altLang="en-US"/>
               <a:t>按一下以編輯母片文字樣式</a:t>
             </a:r>
           </a:p>
           <a:p>
             <a:pPr lvl="1"/>
             <a:r>
-              <a:rPr lang="zh-TW" altLang="en-US" smtClean="0"/>
+              <a:rPr lang="zh-TW" altLang="en-US"/>
               <a:t>第二層</a:t>
             </a:r>
           </a:p>
           <a:p>
             <a:pPr lvl="2"/>
             <a:r>
-              <a:rPr lang="zh-TW" altLang="en-US" smtClean="0"/>
+              <a:rPr lang="zh-TW" altLang="en-US"/>
               <a:t>第三層</a:t>
             </a:r>
           </a:p>
           <a:p>
             <a:pPr lvl="3"/>
             <a:r>
-              <a:rPr lang="zh-TW" altLang="en-US" smtClean="0"/>
+              <a:rPr lang="zh-TW" altLang="en-US"/>
               <a:t>第四層</a:t>
             </a:r>
           </a:p>
           <a:p>
             <a:pPr lvl="4"/>
             <a:r>
-              <a:rPr lang="zh-TW" altLang="en-US" smtClean="0"/>
+              <a:rPr lang="zh-TW" altLang="en-US"/>
               <a:t>第五層</a:t>
             </a:r>
-            <a:endParaRPr lang="zh-TW" altLang="en-US"/>
           </a:p>
         </p:txBody>
       </p:sp>
@@ -1248,38 +1240,37 @@
           <a:p>
             <a:pPr lvl="0"/>
             <a:r>
-              <a:rPr lang="zh-TW" altLang="en-US" smtClean="0"/>
+              <a:rPr lang="zh-TW" altLang="en-US"/>
               <a:t>按一下以編輯母片文字樣式</a:t>
             </a:r>
           </a:p>
           <a:p>
             <a:pPr lvl="1"/>
             <a:r>
-              <a:rPr lang="zh-TW" altLang="en-US" smtClean="0"/>
+              <a:rPr lang="zh-TW" altLang="en-US"/>
               <a:t>第二層</a:t>
             </a:r>
           </a:p>
           <a:p>
             <a:pPr lvl="2"/>
             <a:r>
-              <a:rPr lang="zh-TW" altLang="en-US" smtClean="0"/>
+              <a:rPr lang="zh-TW" altLang="en-US"/>
               <a:t>第三層</a:t>
             </a:r>
           </a:p>
           <a:p>
             <a:pPr lvl="3"/>
             <a:r>
-              <a:rPr lang="zh-TW" altLang="en-US" smtClean="0"/>
+              <a:rPr lang="zh-TW" altLang="en-US"/>
               <a:t>第四層</a:t>
             </a:r>
           </a:p>
           <a:p>
             <a:pPr lvl="4"/>
             <a:r>
-              <a:rPr lang="zh-TW" altLang="en-US" smtClean="0"/>
+              <a:rPr lang="zh-TW" altLang="en-US"/>
               <a:t>第五層</a:t>
             </a:r>
-            <a:endParaRPr lang="zh-TW" altLang="en-US"/>
           </a:p>
         </p:txBody>
       </p:sp>
@@ -1305,7 +1296,7 @@
             <a:fld id="{8FFCEC07-D64F-4E5D-81E0-661D88DA05AE}" type="datetimeFigureOut">
               <a:rPr lang="zh-TW" altLang="en-US" smtClean="0"/>
               <a:pPr/>
-              <a:t>2018/11/15</a:t>
+              <a:t>2018/11/20</a:t>
             </a:fld>
             <a:endParaRPr lang="zh-TW" altLang="en-US"/>
           </a:p>
@@ -1412,10 +1403,9 @@
           </a:lstStyle>
           <a:p>
             <a:r>
-              <a:rPr lang="zh-TW" altLang="en-US" smtClean="0"/>
+              <a:rPr lang="zh-TW" altLang="en-US"/>
               <a:t>按一下以編輯母片標題樣式</a:t>
             </a:r>
-            <a:endParaRPr lang="zh-TW" altLang="en-US"/>
           </a:p>
         </p:txBody>
       </p:sp>
@@ -1478,7 +1468,7 @@
           <a:p>
             <a:pPr lvl="0"/>
             <a:r>
-              <a:rPr lang="zh-TW" altLang="en-US" smtClean="0"/>
+              <a:rPr lang="zh-TW" altLang="en-US"/>
               <a:t>按一下以編輯母片文字樣式</a:t>
             </a:r>
           </a:p>
@@ -1534,38 +1524,37 @@
           <a:p>
             <a:pPr lvl="0"/>
             <a:r>
-              <a:rPr lang="zh-TW" altLang="en-US" smtClean="0"/>
+              <a:rPr lang="zh-TW" altLang="en-US"/>
               <a:t>按一下以編輯母片文字樣式</a:t>
             </a:r>
           </a:p>
           <a:p>
             <a:pPr lvl="1"/>
             <a:r>
-              <a:rPr lang="zh-TW" altLang="en-US" smtClean="0"/>
+              <a:rPr lang="zh-TW" altLang="en-US"/>
               <a:t>第二層</a:t>
             </a:r>
           </a:p>
           <a:p>
             <a:pPr lvl="2"/>
             <a:r>
-              <a:rPr lang="zh-TW" altLang="en-US" smtClean="0"/>
+              <a:rPr lang="zh-TW" altLang="en-US"/>
               <a:t>第三層</a:t>
             </a:r>
           </a:p>
           <a:p>
             <a:pPr lvl="3"/>
             <a:r>
-              <a:rPr lang="zh-TW" altLang="en-US" smtClean="0"/>
+              <a:rPr lang="zh-TW" altLang="en-US"/>
               <a:t>第四層</a:t>
             </a:r>
           </a:p>
           <a:p>
             <a:pPr lvl="4"/>
             <a:r>
-              <a:rPr lang="zh-TW" altLang="en-US" smtClean="0"/>
+              <a:rPr lang="zh-TW" altLang="en-US"/>
               <a:t>第五層</a:t>
             </a:r>
-            <a:endParaRPr lang="zh-TW" altLang="en-US"/>
           </a:p>
         </p:txBody>
       </p:sp>
@@ -1628,7 +1617,7 @@
           <a:p>
             <a:pPr lvl="0"/>
             <a:r>
-              <a:rPr lang="zh-TW" altLang="en-US" smtClean="0"/>
+              <a:rPr lang="zh-TW" altLang="en-US"/>
               <a:t>按一下以編輯母片文字樣式</a:t>
             </a:r>
           </a:p>
@@ -1684,38 +1673,37 @@
           <a:p>
             <a:pPr lvl="0"/>
             <a:r>
-              <a:rPr lang="zh-TW" altLang="en-US" smtClean="0"/>
+              <a:rPr lang="zh-TW" altLang="en-US"/>
               <a:t>按一下以編輯母片文字樣式</a:t>
             </a:r>
           </a:p>
           <a:p>
             <a:pPr lvl="1"/>
             <a:r>
-              <a:rPr lang="zh-TW" altLang="en-US" smtClean="0"/>
+              <a:rPr lang="zh-TW" altLang="en-US"/>
               <a:t>第二層</a:t>
             </a:r>
           </a:p>
           <a:p>
             <a:pPr lvl="2"/>
             <a:r>
-              <a:rPr lang="zh-TW" altLang="en-US" smtClean="0"/>
+              <a:rPr lang="zh-TW" altLang="en-US"/>
               <a:t>第三層</a:t>
             </a:r>
           </a:p>
           <a:p>
             <a:pPr lvl="3"/>
             <a:r>
-              <a:rPr lang="zh-TW" altLang="en-US" smtClean="0"/>
+              <a:rPr lang="zh-TW" altLang="en-US"/>
               <a:t>第四層</a:t>
             </a:r>
           </a:p>
           <a:p>
             <a:pPr lvl="4"/>
             <a:r>
-              <a:rPr lang="zh-TW" altLang="en-US" smtClean="0"/>
+              <a:rPr lang="zh-TW" altLang="en-US"/>
               <a:t>第五層</a:t>
             </a:r>
-            <a:endParaRPr lang="zh-TW" altLang="en-US"/>
           </a:p>
         </p:txBody>
       </p:sp>
@@ -1741,7 +1729,7 @@
             <a:fld id="{8FFCEC07-D64F-4E5D-81E0-661D88DA05AE}" type="datetimeFigureOut">
               <a:rPr lang="zh-TW" altLang="en-US" smtClean="0"/>
               <a:pPr/>
-              <a:t>2018/11/15</a:t>
+              <a:t>2018/11/20</a:t>
             </a:fld>
             <a:endParaRPr lang="zh-TW" altLang="en-US"/>
           </a:p>
@@ -1839,10 +1827,9 @@
           <a:lstStyle/>
           <a:p>
             <a:r>
-              <a:rPr lang="zh-TW" altLang="en-US" smtClean="0"/>
+              <a:rPr lang="zh-TW" altLang="en-US"/>
               <a:t>按一下以編輯母片標題樣式</a:t>
             </a:r>
-            <a:endParaRPr lang="zh-TW" altLang="en-US"/>
           </a:p>
         </p:txBody>
       </p:sp>
@@ -1868,7 +1855,7 @@
             <a:fld id="{8FFCEC07-D64F-4E5D-81E0-661D88DA05AE}" type="datetimeFigureOut">
               <a:rPr lang="zh-TW" altLang="en-US" smtClean="0"/>
               <a:pPr/>
-              <a:t>2018/11/15</a:t>
+              <a:t>2018/11/20</a:t>
             </a:fld>
             <a:endParaRPr lang="zh-TW" altLang="en-US"/>
           </a:p>
@@ -1972,7 +1959,7 @@
             <a:fld id="{8FFCEC07-D64F-4E5D-81E0-661D88DA05AE}" type="datetimeFigureOut">
               <a:rPr lang="zh-TW" altLang="en-US" smtClean="0"/>
               <a:pPr/>
-              <a:t>2018/11/15</a:t>
+              <a:t>2018/11/20</a:t>
             </a:fld>
             <a:endParaRPr lang="zh-TW" altLang="en-US"/>
           </a:p>
@@ -2079,10 +2066,9 @@
           </a:lstStyle>
           <a:p>
             <a:r>
-              <a:rPr lang="zh-TW" altLang="en-US" smtClean="0"/>
+              <a:rPr lang="zh-TW" altLang="en-US"/>
               <a:t>按一下以編輯母片標題樣式</a:t>
             </a:r>
-            <a:endParaRPr lang="zh-TW" altLang="en-US"/>
           </a:p>
         </p:txBody>
       </p:sp>
@@ -2136,38 +2122,37 @@
           <a:p>
             <a:pPr lvl="0"/>
             <a:r>
-              <a:rPr lang="zh-TW" altLang="en-US" smtClean="0"/>
+              <a:rPr lang="zh-TW" altLang="en-US"/>
               <a:t>按一下以編輯母片文字樣式</a:t>
             </a:r>
           </a:p>
           <a:p>
             <a:pPr lvl="1"/>
             <a:r>
-              <a:rPr lang="zh-TW" altLang="en-US" smtClean="0"/>
+              <a:rPr lang="zh-TW" altLang="en-US"/>
               <a:t>第二層</a:t>
             </a:r>
           </a:p>
           <a:p>
             <a:pPr lvl="2"/>
             <a:r>
-              <a:rPr lang="zh-TW" altLang="en-US" smtClean="0"/>
+              <a:rPr lang="zh-TW" altLang="en-US"/>
               <a:t>第三層</a:t>
             </a:r>
           </a:p>
           <a:p>
             <a:pPr lvl="3"/>
             <a:r>
-              <a:rPr lang="zh-TW" altLang="en-US" smtClean="0"/>
+              <a:rPr lang="zh-TW" altLang="en-US"/>
               <a:t>第四層</a:t>
             </a:r>
           </a:p>
           <a:p>
             <a:pPr lvl="4"/>
             <a:r>
-              <a:rPr lang="zh-TW" altLang="en-US" smtClean="0"/>
+              <a:rPr lang="zh-TW" altLang="en-US"/>
               <a:t>第五層</a:t>
             </a:r>
-            <a:endParaRPr lang="zh-TW" altLang="en-US"/>
           </a:p>
         </p:txBody>
       </p:sp>
@@ -2230,7 +2215,7 @@
           <a:p>
             <a:pPr lvl="0"/>
             <a:r>
-              <a:rPr lang="zh-TW" altLang="en-US" smtClean="0"/>
+              <a:rPr lang="zh-TW" altLang="en-US"/>
               <a:t>按一下以編輯母片文字樣式</a:t>
             </a:r>
           </a:p>
@@ -2258,7 +2243,7 @@
             <a:fld id="{8FFCEC07-D64F-4E5D-81E0-661D88DA05AE}" type="datetimeFigureOut">
               <a:rPr lang="zh-TW" altLang="en-US" smtClean="0"/>
               <a:pPr/>
-              <a:t>2018/11/15</a:t>
+              <a:t>2018/11/20</a:t>
             </a:fld>
             <a:endParaRPr lang="zh-TW" altLang="en-US"/>
           </a:p>
@@ -2365,10 +2350,9 @@
           </a:lstStyle>
           <a:p>
             <a:r>
-              <a:rPr lang="zh-TW" altLang="en-US" smtClean="0"/>
+              <a:rPr lang="zh-TW" altLang="en-US"/>
               <a:t>按一下以編輯母片標題樣式</a:t>
             </a:r>
-            <a:endParaRPr lang="zh-TW" altLang="en-US"/>
           </a:p>
         </p:txBody>
       </p:sp>
@@ -2430,10 +2414,9 @@
           </a:lstStyle>
           <a:p>
             <a:r>
-              <a:rPr lang="zh-TW" altLang="en-US" smtClean="0"/>
+              <a:rPr lang="zh-TW" altLang="en-US"/>
               <a:t>按一下圖示以新增圖片</a:t>
             </a:r>
-            <a:endParaRPr lang="zh-TW" altLang="en-US"/>
           </a:p>
         </p:txBody>
       </p:sp>
@@ -2496,7 +2479,7 @@
           <a:p>
             <a:pPr lvl="0"/>
             <a:r>
-              <a:rPr lang="zh-TW" altLang="en-US" smtClean="0"/>
+              <a:rPr lang="zh-TW" altLang="en-US"/>
               <a:t>按一下以編輯母片文字樣式</a:t>
             </a:r>
           </a:p>
@@ -2524,7 +2507,7 @@
             <a:fld id="{8FFCEC07-D64F-4E5D-81E0-661D88DA05AE}" type="datetimeFigureOut">
               <a:rPr lang="zh-TW" altLang="en-US" smtClean="0"/>
               <a:pPr/>
-              <a:t>2018/11/15</a:t>
+              <a:t>2018/11/20</a:t>
             </a:fld>
             <a:endParaRPr lang="zh-TW" altLang="en-US"/>
           </a:p>
@@ -2655,7 +2638,7 @@
           <a:p>
             <a:pPr lvl="0"/>
             <a:r>
-              <a:rPr lang="zh-CN" altLang="en-US" smtClean="0"/>
+              <a:rPr lang="zh-CN" altLang="en-US"/>
               <a:t>单击此处编辑母版标题样式</a:t>
             </a:r>
           </a:p>
@@ -2698,35 +2681,35 @@
           <a:p>
             <a:pPr lvl="0"/>
             <a:r>
-              <a:rPr lang="zh-CN" altLang="en-US" smtClean="0"/>
+              <a:rPr lang="zh-CN" altLang="en-US"/>
               <a:t>单击此处编辑母版文本样式</a:t>
             </a:r>
           </a:p>
           <a:p>
             <a:pPr lvl="1"/>
             <a:r>
-              <a:rPr lang="zh-CN" altLang="en-US" smtClean="0"/>
+              <a:rPr lang="zh-CN" altLang="en-US"/>
               <a:t>第二级</a:t>
             </a:r>
           </a:p>
           <a:p>
             <a:pPr lvl="2"/>
             <a:r>
-              <a:rPr lang="zh-CN" altLang="en-US" smtClean="0"/>
+              <a:rPr lang="zh-CN" altLang="en-US"/>
               <a:t>第三级</a:t>
             </a:r>
           </a:p>
           <a:p>
             <a:pPr lvl="3"/>
             <a:r>
-              <a:rPr lang="zh-CN" altLang="en-US" smtClean="0"/>
+              <a:rPr lang="zh-CN" altLang="en-US"/>
               <a:t>第四级</a:t>
             </a:r>
           </a:p>
           <a:p>
             <a:pPr lvl="4"/>
             <a:r>
-              <a:rPr lang="zh-CN" altLang="en-US" smtClean="0"/>
+              <a:rPr lang="zh-CN" altLang="en-US"/>
               <a:t>第五级</a:t>
             </a:r>
           </a:p>
@@ -2779,7 +2762,7 @@
             <a:fld id="{8FFCEC07-D64F-4E5D-81E0-661D88DA05AE}" type="datetimeFigureOut">
               <a:rPr lang="zh-TW" altLang="en-US" smtClean="0"/>
               <a:pPr/>
-              <a:t>2018/11/15</a:t>
+              <a:t>2018/11/20</a:t>
             </a:fld>
             <a:endParaRPr lang="zh-TW" altLang="en-US"/>
           </a:p>
@@ -3381,22 +3364,21 @@
           <a:lstStyle/>
           <a:p>
             <a:r>
-              <a:rPr lang="en-US" altLang="zh-TW" sz="5400" dirty="0" smtClean="0"/>
+              <a:rPr lang="en-US" altLang="zh-TW" sz="5400" dirty="0"/>
               <a:t>AR</a:t>
             </a:r>
             <a:r>
-              <a:rPr lang="zh-TW" altLang="en-US" sz="5400" dirty="0" smtClean="0"/>
+              <a:rPr lang="zh-TW" altLang="en-US" sz="5400" dirty="0"/>
               <a:t> </a:t>
             </a:r>
             <a:r>
-              <a:rPr lang="en-US" altLang="zh-TW" sz="5400" dirty="0" smtClean="0"/>
+              <a:rPr lang="en-US" altLang="zh-TW" sz="5400" dirty="0"/>
               <a:t>RPG</a:t>
             </a:r>
             <a:r>
-              <a:rPr lang="zh-TW" altLang="en-US" sz="5400" dirty="0" smtClean="0"/>
+              <a:rPr lang="zh-TW" altLang="en-US" sz="5400" dirty="0"/>
               <a:t>結合區域行銷</a:t>
             </a:r>
-            <a:endParaRPr lang="zh-TW" altLang="en-US" sz="5400" dirty="0"/>
           </a:p>
         </p:txBody>
       </p:sp>
@@ -3422,44 +3404,44 @@
           <a:p>
             <a:pPr algn="just"/>
             <a:r>
-              <a:rPr lang="zh-TW" altLang="en-US" sz="2000" dirty="0" smtClean="0"/>
+              <a:rPr lang="zh-TW" altLang="en-US" sz="2000" dirty="0"/>
               <a:t>軟體工程第十二組</a:t>
             </a:r>
-            <a:endParaRPr lang="en-US" altLang="zh-TW" sz="2000" dirty="0" smtClean="0"/>
+            <a:endParaRPr lang="en-US" altLang="zh-TW" sz="2000" dirty="0"/>
           </a:p>
           <a:p>
             <a:pPr algn="just"/>
             <a:r>
-              <a:rPr lang="zh-TW" altLang="en-US" sz="2000" dirty="0" smtClean="0"/>
+              <a:rPr lang="zh-TW" altLang="en-US" sz="2000" dirty="0"/>
               <a:t>楊景程</a:t>
             </a:r>
             <a:r>
-              <a:rPr lang="en-US" altLang="zh-TW" sz="2000" dirty="0" smtClean="0"/>
+              <a:rPr lang="en-US" altLang="zh-TW" sz="2000" dirty="0"/>
               <a:t>0551005</a:t>
             </a:r>
           </a:p>
           <a:p>
             <a:pPr algn="just"/>
             <a:r>
-              <a:rPr lang="zh-TW" altLang="en-US" sz="2000" dirty="0" smtClean="0"/>
+              <a:rPr lang="zh-TW" altLang="en-US" sz="2000" dirty="0"/>
               <a:t>洪嘉桓</a:t>
             </a:r>
             <a:r>
-              <a:rPr lang="en-US" altLang="zh-TW" sz="2000" dirty="0" smtClean="0"/>
+              <a:rPr lang="en-US" altLang="zh-TW" sz="2000" dirty="0"/>
               <a:t>0551051</a:t>
             </a:r>
           </a:p>
           <a:p>
             <a:pPr algn="just"/>
             <a:r>
-              <a:rPr lang="zh-TW" altLang="en-US" sz="2000" dirty="0" smtClean="0"/>
+              <a:rPr lang="zh-TW" altLang="en-US" sz="2000" dirty="0"/>
               <a:t>李勝發</a:t>
             </a:r>
             <a:r>
-              <a:rPr lang="en-US" altLang="zh-TW" sz="2000" dirty="0" smtClean="0"/>
+              <a:rPr lang="en-US" altLang="zh-TW" sz="2000" dirty="0"/>
               <a:t>0551099</a:t>
             </a:r>
-            <a:endParaRPr lang="zh-TW" altLang="en-US" sz="2000" dirty="0" smtClean="0"/>
+            <a:endParaRPr lang="zh-TW" altLang="en-US" sz="2000" dirty="0"/>
           </a:p>
           <a:p>
             <a:endParaRPr lang="zh-TW" altLang="en-US" dirty="0"/>
@@ -3471,13 +3453,6 @@
   <p:clrMapOvr>
     <a:masterClrMapping/>
   </p:clrMapOvr>
-  <p:timing>
-    <p:tnLst>
-      <p:par>
-        <p:cTn id="1" dur="indefinite" restart="never" nodeType="tmRoot"/>
-      </p:par>
-    </p:tnLst>
-  </p:timing>
 </p:sld>
 </file>
 
@@ -3514,10 +3489,149 @@
           <a:lstStyle/>
           <a:p>
             <a:r>
-              <a:rPr lang="zh-TW" altLang="en-US" dirty="0" smtClean="0"/>
+              <a:rPr lang="zh-TW" altLang="en-US" dirty="0"/>
+              <a:t>功能結構圖</a:t>
+            </a:r>
+          </a:p>
+        </p:txBody>
+      </p:sp>
+      <p:graphicFrame>
+        <p:nvGraphicFramePr>
+          <p:cNvPr id="21508" name="Object 4"/>
+          <p:cNvGraphicFramePr>
+            <a:graphicFrameLocks noChangeAspect="1"/>
+          </p:cNvGraphicFramePr>
+          <p:nvPr/>
+        </p:nvGraphicFramePr>
+        <p:xfrm>
+          <a:off x="1571603" y="1571612"/>
+          <a:ext cx="6786611" cy="4980303"/>
+        </p:xfrm>
+        <a:graphic>
+          <a:graphicData uri="http://schemas.openxmlformats.org/presentationml/2006/ole">
+            <mc:AlternateContent xmlns:mc="http://schemas.openxmlformats.org/markup-compatibility/2006">
+              <mc:Choice xmlns:v="urn:schemas-microsoft-com:vml" Requires="v">
+                <p:oleObj spid="_x0000_s21530" name="Visio" r:id="rId3" imgW="5821153" imgH="4370556" progId="Visio.Drawing.11">
+                  <p:embed/>
+                </p:oleObj>
+              </mc:Choice>
+              <mc:Fallback>
+                <p:oleObj name="Visio" r:id="rId3" imgW="5821153" imgH="4370556" progId="Visio.Drawing.11">
+                  <p:embed/>
+                  <p:pic>
+                    <p:nvPicPr>
+                      <p:cNvPr id="0" name="Picture 10"/>
+                      <p:cNvPicPr>
+                        <a:picLocks noChangeAspect="1" noChangeArrowheads="1"/>
+                      </p:cNvPicPr>
+                      <p:nvPr/>
+                    </p:nvPicPr>
+                    <p:blipFill>
+                      <a:blip r:embed="rId4">
+                        <a:extLst>
+                          <a:ext uri="{28A0092B-C50C-407E-A947-70E740481C1C}">
+                            <a14:useLocalDpi xmlns:a14="http://schemas.microsoft.com/office/drawing/2010/main" val="0"/>
+                          </a:ext>
+                        </a:extLst>
+                      </a:blip>
+                      <a:srcRect/>
+                      <a:stretch>
+                        <a:fillRect/>
+                      </a:stretch>
+                    </p:blipFill>
+                    <p:spPr bwMode="auto">
+                      <a:xfrm>
+                        <a:off x="1571603" y="1571612"/>
+                        <a:ext cx="6786611" cy="4980303"/>
+                      </a:xfrm>
+                      <a:prstGeom prst="rect">
+                        <a:avLst/>
+                      </a:prstGeom>
+                      <a:noFill/>
+                      <a:ln>
+                        <a:noFill/>
+                      </a:ln>
+                      <a:effectLst/>
+                      <a:extLst>
+                        <a:ext uri="{909E8E84-426E-40DD-AFC4-6F175D3DCCD1}">
+                          <a14:hiddenFill xmlns:a14="http://schemas.microsoft.com/office/drawing/2010/main">
+                            <a:solidFill>
+                              <a:schemeClr val="accent1"/>
+                            </a:solidFill>
+                          </a14:hiddenFill>
+                        </a:ext>
+                        <a:ext uri="{91240B29-F687-4F45-9708-019B960494DF}">
+                          <a14:hiddenLine xmlns:a14="http://schemas.microsoft.com/office/drawing/2010/main" w="9525">
+                            <a:solidFill>
+                              <a:schemeClr val="tx1"/>
+                            </a:solidFill>
+                            <a:miter lim="800000"/>
+                            <a:headEnd/>
+                            <a:tailEnd/>
+                          </a14:hiddenLine>
+                        </a:ext>
+                        <a:ext uri="{AF507438-7753-43E0-B8FC-AC1667EBCBE1}">
+                          <a14:hiddenEffects xmlns:a14="http://schemas.microsoft.com/office/drawing/2010/main">
+                            <a:effectLst>
+                              <a:outerShdw dist="35921" dir="2700000" algn="ctr" rotWithShape="0">
+                                <a:schemeClr val="bg2"/>
+                              </a:outerShdw>
+                            </a:effectLst>
+                          </a14:hiddenEffects>
+                        </a:ext>
+                      </a:extLst>
+                    </p:spPr>
+                  </p:pic>
+                </p:oleObj>
+              </mc:Fallback>
+            </mc:AlternateContent>
+          </a:graphicData>
+        </a:graphic>
+      </p:graphicFrame>
+    </p:spTree>
+  </p:cSld>
+  <p:clrMapOvr>
+    <a:masterClrMapping/>
+  </p:clrMapOvr>
+</p:sld>
+</file>
+
+<file path=ppt/slides/slide11.xml><?xml version="1.0" encoding="utf-8"?>
+<p:sld xmlns:a="http://schemas.openxmlformats.org/drawingml/2006/main" xmlns:r="http://schemas.openxmlformats.org/officeDocument/2006/relationships" xmlns:p="http://schemas.openxmlformats.org/presentationml/2006/main">
+  <p:cSld>
+    <p:spTree>
+      <p:nvGrpSpPr>
+        <p:cNvPr id="1" name=""/>
+        <p:cNvGrpSpPr/>
+        <p:nvPr/>
+      </p:nvGrpSpPr>
+      <p:grpSpPr>
+        <a:xfrm>
+          <a:off x="0" y="0"/>
+          <a:ext cx="0" cy="0"/>
+          <a:chOff x="0" y="0"/>
+          <a:chExt cx="0" cy="0"/>
+        </a:xfrm>
+      </p:grpSpPr>
+      <p:sp>
+        <p:nvSpPr>
+          <p:cNvPr id="2" name="標題 1"/>
+          <p:cNvSpPr>
+            <a:spLocks noGrp="1"/>
+          </p:cNvSpPr>
+          <p:nvPr>
+            <p:ph type="title"/>
+          </p:nvPr>
+        </p:nvSpPr>
+        <p:spPr/>
+        <p:txBody>
+          <a:bodyPr/>
+          <a:lstStyle/>
+          <a:p>
+            <a:r>
+              <a:rPr lang="zh-TW" altLang="en-US" dirty="0"/>
               <a:t>系統架構圖之一</a:t>
             </a:r>
-            <a:endParaRPr lang="zh-TW" altLang="en-US" dirty="0"/>
           </a:p>
         </p:txBody>
       </p:sp>
@@ -3559,17 +3673,10 @@
   <p:clrMapOvr>
     <a:masterClrMapping/>
   </p:clrMapOvr>
-  <p:timing>
-    <p:tnLst>
-      <p:par>
-        <p:cTn id="1" dur="indefinite" restart="never" nodeType="tmRoot"/>
-      </p:par>
-    </p:tnLst>
-  </p:timing>
 </p:sld>
 </file>
 
-<file path=ppt/slides/slide11.xml><?xml version="1.0" encoding="utf-8"?>
+<file path=ppt/slides/slide12.xml><?xml version="1.0" encoding="utf-8"?>
 <p:sld xmlns:a="http://schemas.openxmlformats.org/drawingml/2006/main" xmlns:r="http://schemas.openxmlformats.org/officeDocument/2006/relationships" xmlns:p="http://schemas.openxmlformats.org/presentationml/2006/main">
   <p:cSld>
     <p:spTree>
@@ -3602,10 +3709,9 @@
           <a:lstStyle/>
           <a:p>
             <a:r>
-              <a:rPr lang="zh-TW" altLang="en-US" dirty="0" smtClean="0"/>
+              <a:rPr lang="zh-TW" altLang="en-US" dirty="0"/>
               <a:t>系統架構圖之二</a:t>
             </a:r>
-            <a:endParaRPr lang="zh-TW" altLang="en-US" dirty="0"/>
           </a:p>
         </p:txBody>
       </p:sp>
@@ -3647,17 +3753,10 @@
   <p:clrMapOvr>
     <a:masterClrMapping/>
   </p:clrMapOvr>
-  <p:timing>
-    <p:tnLst>
-      <p:par>
-        <p:cTn id="1" dur="indefinite" restart="never" nodeType="tmRoot"/>
-      </p:par>
-    </p:tnLst>
-  </p:timing>
 </p:sld>
 </file>
 
-<file path=ppt/slides/slide12.xml><?xml version="1.0" encoding="utf-8"?>
+<file path=ppt/slides/slide13.xml><?xml version="1.0" encoding="utf-8"?>
 <p:sld xmlns:a="http://schemas.openxmlformats.org/drawingml/2006/main" xmlns:r="http://schemas.openxmlformats.org/officeDocument/2006/relationships" xmlns:p="http://schemas.openxmlformats.org/presentationml/2006/main">
   <p:cSld>
     <p:spTree>
@@ -3690,19 +3789,19 @@
           <a:lstStyle/>
           <a:p>
             <a:r>
-              <a:rPr lang="zh-TW" altLang="en-US" dirty="0" smtClean="0"/>
+              <a:rPr lang="zh-TW" altLang="en-US" dirty="0"/>
               <a:t>程式啟動</a:t>
             </a:r>
             <a:r>
-              <a:rPr lang="en-US" altLang="zh-TW" dirty="0" smtClean="0"/>
+              <a:rPr lang="en-US" altLang="zh-TW" dirty="0"/>
               <a:t>(</a:t>
             </a:r>
             <a:r>
-              <a:rPr lang="zh-TW" altLang="en-US" dirty="0" smtClean="0"/>
+              <a:rPr lang="zh-TW" altLang="en-US" dirty="0"/>
               <a:t>資料庫</a:t>
             </a:r>
             <a:r>
-              <a:rPr lang="en-US" altLang="zh-TW" dirty="0" smtClean="0"/>
+              <a:rPr lang="en-US" altLang="zh-TW" dirty="0"/>
               <a:t>)</a:t>
             </a:r>
             <a:endParaRPr lang="zh-TW" altLang="en-US" dirty="0"/>
@@ -3725,7 +3824,7 @@
           <a:graphicData uri="http://schemas.openxmlformats.org/presentationml/2006/ole">
             <mc:AlternateContent xmlns:mc="http://schemas.openxmlformats.org/markup-compatibility/2006">
               <mc:Choice xmlns:v="urn:schemas-microsoft-com:vml" Requires="v">
-                <p:oleObj spid="_x0000_s47123" name="Visio" r:id="rId3" imgW="5578235" imgH="4463378" progId="Visio.Drawing.11">
+                <p:oleObj spid="_x0000_s47134" name="Visio" r:id="rId3" imgW="5578235" imgH="4463378" progId="Visio.Drawing.11">
                   <p:embed/>
                 </p:oleObj>
               </mc:Choice>
@@ -3807,17 +3906,10 @@
   <p:clrMapOvr>
     <a:masterClrMapping/>
   </p:clrMapOvr>
-  <p:timing>
-    <p:tnLst>
-      <p:par>
-        <p:cTn id="1" dur="indefinite" restart="never" nodeType="tmRoot"/>
-      </p:par>
-    </p:tnLst>
-  </p:timing>
 </p:sld>
 </file>
 
-<file path=ppt/slides/slide13.xml><?xml version="1.0" encoding="utf-8"?>
+<file path=ppt/slides/slide14.xml><?xml version="1.0" encoding="utf-8"?>
 <p:sld xmlns:a="http://schemas.openxmlformats.org/drawingml/2006/main" xmlns:r="http://schemas.openxmlformats.org/officeDocument/2006/relationships" xmlns:p="http://schemas.openxmlformats.org/presentationml/2006/main">
   <p:cSld>
     <p:spTree>
@@ -3850,10 +3942,9 @@
           <a:lstStyle/>
           <a:p>
             <a:r>
-              <a:rPr lang="zh-TW" altLang="en-US" dirty="0" smtClean="0"/>
+              <a:rPr lang="zh-TW" altLang="en-US" dirty="0"/>
               <a:t>類別圖</a:t>
             </a:r>
-            <a:endParaRPr lang="zh-TW" altLang="en-US" dirty="0"/>
           </a:p>
         </p:txBody>
       </p:sp>
@@ -3873,7 +3964,7 @@
           <a:graphicData uri="http://schemas.openxmlformats.org/presentationml/2006/ole">
             <mc:AlternateContent xmlns:mc="http://schemas.openxmlformats.org/markup-compatibility/2006">
               <mc:Choice xmlns:v="urn:schemas-microsoft-com:vml" Requires="v">
-                <p:oleObj spid="_x0000_s28688" name="Visio" r:id="rId3" imgW="8157514" imgH="7528494" progId="Visio.Drawing.11">
+                <p:oleObj spid="_x0000_s28699" name="Visio" r:id="rId3" imgW="8157514" imgH="7528494" progId="Visio.Drawing.11">
                   <p:embed/>
                 </p:oleObj>
               </mc:Choice>
@@ -3955,17 +4046,10 @@
   <p:clrMapOvr>
     <a:masterClrMapping/>
   </p:clrMapOvr>
-  <p:timing>
-    <p:tnLst>
-      <p:par>
-        <p:cTn id="1" dur="indefinite" restart="never" nodeType="tmRoot"/>
-      </p:par>
-    </p:tnLst>
-  </p:timing>
 </p:sld>
 </file>
 
-<file path=ppt/slides/slide14.xml><?xml version="1.0" encoding="utf-8"?>
+<file path=ppt/slides/slide15.xml><?xml version="1.0" encoding="utf-8"?>
 <p:sld xmlns:a="http://schemas.openxmlformats.org/drawingml/2006/main" xmlns:r="http://schemas.openxmlformats.org/officeDocument/2006/relationships" xmlns:p="http://schemas.openxmlformats.org/presentationml/2006/main">
   <p:cSld>
     <p:spTree>
@@ -3998,10 +4082,9 @@
           <a:lstStyle/>
           <a:p>
             <a:r>
-              <a:rPr lang="zh-TW" altLang="en-US" dirty="0" smtClean="0"/>
+              <a:rPr lang="zh-TW" altLang="en-US" dirty="0"/>
               <a:t>互動流程</a:t>
             </a:r>
-            <a:endParaRPr lang="zh-TW" altLang="en-US" dirty="0"/>
           </a:p>
         </p:txBody>
       </p:sp>
@@ -4021,7 +4104,7 @@
           <a:graphicData uri="http://schemas.openxmlformats.org/presentationml/2006/ole">
             <mc:AlternateContent xmlns:mc="http://schemas.openxmlformats.org/markup-compatibility/2006">
               <mc:Choice xmlns:v="urn:schemas-microsoft-com:vml" Requires="v">
-                <p:oleObj spid="_x0000_s48145" name="Visio" r:id="rId3" imgW="5941344" imgH="6514521" progId="Visio.Drawing.11">
+                <p:oleObj spid="_x0000_s48156" name="Visio" r:id="rId3" imgW="5941344" imgH="6514521" progId="Visio.Drawing.11">
                   <p:embed/>
                 </p:oleObj>
               </mc:Choice>
@@ -4103,17 +4186,10 @@
   <p:clrMapOvr>
     <a:masterClrMapping/>
   </p:clrMapOvr>
-  <p:timing>
-    <p:tnLst>
-      <p:par>
-        <p:cTn id="1" dur="indefinite" restart="never" nodeType="tmRoot"/>
-      </p:par>
-    </p:tnLst>
-  </p:timing>
 </p:sld>
 </file>
 
-<file path=ppt/slides/slide15.xml><?xml version="1.0" encoding="utf-8"?>
+<file path=ppt/slides/slide16.xml><?xml version="1.0" encoding="utf-8"?>
 <p:sld xmlns:a="http://schemas.openxmlformats.org/drawingml/2006/main" xmlns:r="http://schemas.openxmlformats.org/officeDocument/2006/relationships" xmlns:p="http://schemas.openxmlformats.org/presentationml/2006/main">
   <p:cSld>
     <p:spTree>
@@ -4146,10 +4222,9 @@
           <a:lstStyle/>
           <a:p>
             <a:r>
-              <a:rPr lang="zh-TW" altLang="en-US" dirty="0" smtClean="0"/>
+              <a:rPr lang="zh-TW" altLang="en-US" dirty="0"/>
               <a:t>資源需求</a:t>
             </a:r>
-            <a:endParaRPr lang="zh-TW" altLang="en-US" dirty="0"/>
           </a:p>
         </p:txBody>
       </p:sp>
@@ -4176,118 +4251,118 @@
           <a:lstStyle/>
           <a:p>
             <a:r>
-              <a:rPr lang="zh-TW" altLang="en-US" sz="3900" dirty="0" smtClean="0"/>
+              <a:rPr lang="zh-TW" altLang="en-US" sz="3900" dirty="0"/>
               <a:t>工具</a:t>
             </a:r>
-            <a:endParaRPr lang="en-US" altLang="zh-TW" sz="3900" dirty="0" smtClean="0"/>
-          </a:p>
-          <a:p>
-            <a:r>
-              <a:rPr lang="zh-TW" altLang="en-US" sz="2800" dirty="0" smtClean="0">
+            <a:endParaRPr lang="en-US" altLang="zh-TW" sz="3900" dirty="0"/>
+          </a:p>
+          <a:p>
+            <a:r>
+              <a:rPr lang="zh-TW" altLang="en-US" sz="2800" dirty="0">
                 <a:latin typeface="標楷體" panose="03000509000000000000" pitchFamily="65" charset="-120"/>
                 <a:ea typeface="標楷體" panose="03000509000000000000" pitchFamily="65" charset="-120"/>
               </a:rPr>
               <a:t>硬體</a:t>
             </a:r>
             <a:r>
-              <a:rPr lang="en-US" altLang="zh-TW" sz="2800" dirty="0" smtClean="0">
+              <a:rPr lang="en-US" altLang="zh-TW" sz="2800" dirty="0">
                 <a:latin typeface="標楷體" panose="03000509000000000000" pitchFamily="65" charset="-120"/>
                 <a:ea typeface="標楷體" panose="03000509000000000000" pitchFamily="65" charset="-120"/>
               </a:rPr>
               <a:t>:IOS12</a:t>
             </a:r>
             <a:r>
-              <a:rPr lang="zh-TW" altLang="en-US" sz="2800" dirty="0" smtClean="0">
+              <a:rPr lang="zh-TW" altLang="en-US" sz="2800" dirty="0">
                 <a:latin typeface="標楷體" panose="03000509000000000000" pitchFamily="65" charset="-120"/>
                 <a:ea typeface="標楷體" panose="03000509000000000000" pitchFamily="65" charset="-120"/>
               </a:rPr>
               <a:t>以上的蘋果手機</a:t>
             </a:r>
-            <a:endParaRPr lang="en-US" altLang="zh-TW" sz="2800" dirty="0" smtClean="0">
+            <a:endParaRPr lang="en-US" altLang="zh-TW" sz="2800" dirty="0">
               <a:latin typeface="標楷體" panose="03000509000000000000" pitchFamily="65" charset="-120"/>
               <a:ea typeface="標楷體" panose="03000509000000000000" pitchFamily="65" charset="-120"/>
             </a:endParaRPr>
           </a:p>
           <a:p>
             <a:r>
-              <a:rPr lang="zh-TW" altLang="en-US" sz="2800" dirty="0" smtClean="0">
+              <a:rPr lang="zh-TW" altLang="en-US" sz="2800" dirty="0">
                 <a:latin typeface="標楷體" panose="03000509000000000000" pitchFamily="65" charset="-120"/>
                 <a:ea typeface="標楷體" panose="03000509000000000000" pitchFamily="65" charset="-120"/>
               </a:rPr>
               <a:t>軟體</a:t>
             </a:r>
             <a:r>
-              <a:rPr lang="en-US" altLang="zh-TW" sz="2800" dirty="0" smtClean="0">
+              <a:rPr lang="en-US" altLang="zh-TW" sz="2800" dirty="0">
                 <a:latin typeface="標楷體" panose="03000509000000000000" pitchFamily="65" charset="-120"/>
                 <a:ea typeface="標楷體" panose="03000509000000000000" pitchFamily="65" charset="-120"/>
               </a:rPr>
               <a:t>:</a:t>
             </a:r>
             <a:r>
-              <a:rPr lang="en-US" altLang="zh-TW" sz="2800" dirty="0" err="1" smtClean="0">
+              <a:rPr lang="en-US" altLang="zh-TW" sz="2800" dirty="0" err="1">
                 <a:latin typeface="標楷體" panose="03000509000000000000" pitchFamily="65" charset="-120"/>
                 <a:ea typeface="標楷體" panose="03000509000000000000" pitchFamily="65" charset="-120"/>
               </a:rPr>
               <a:t>Xcode_Arkit</a:t>
             </a:r>
             <a:r>
-              <a:rPr lang="zh-TW" altLang="en-US" sz="2800" dirty="0" smtClean="0">
+              <a:rPr lang="zh-TW" altLang="en-US" sz="2800" dirty="0">
                 <a:latin typeface="標楷體" panose="03000509000000000000" pitchFamily="65" charset="-120"/>
                 <a:ea typeface="標楷體" panose="03000509000000000000" pitchFamily="65" charset="-120"/>
               </a:rPr>
               <a:t>，</a:t>
             </a:r>
             <a:r>
-              <a:rPr lang="en-US" altLang="zh-TW" sz="2800" dirty="0" smtClean="0">
+              <a:rPr lang="en-US" altLang="zh-TW" sz="2800" dirty="0">
                 <a:latin typeface="標楷體" panose="03000509000000000000" pitchFamily="65" charset="-120"/>
                 <a:ea typeface="標楷體" panose="03000509000000000000" pitchFamily="65" charset="-120"/>
               </a:rPr>
               <a:t>Blender(</a:t>
             </a:r>
             <a:r>
-              <a:rPr lang="zh-TW" altLang="en-US" sz="2800" dirty="0" smtClean="0">
+              <a:rPr lang="zh-TW" altLang="en-US" sz="2800" dirty="0">
                 <a:latin typeface="標楷體" panose="03000509000000000000" pitchFamily="65" charset="-120"/>
                 <a:ea typeface="標楷體" panose="03000509000000000000" pitchFamily="65" charset="-120"/>
               </a:rPr>
               <a:t>建模軟體</a:t>
             </a:r>
             <a:r>
-              <a:rPr lang="en-US" altLang="zh-TW" sz="2800" dirty="0" smtClean="0">
+              <a:rPr lang="en-US" altLang="zh-TW" sz="2800" dirty="0">
                 <a:latin typeface="標楷體" panose="03000509000000000000" pitchFamily="65" charset="-120"/>
                 <a:ea typeface="標楷體" panose="03000509000000000000" pitchFamily="65" charset="-120"/>
               </a:rPr>
               <a:t>)</a:t>
             </a:r>
             <a:r>
-              <a:rPr lang="zh-TW" altLang="en-US" sz="2800" dirty="0" smtClean="0">
+              <a:rPr lang="zh-TW" altLang="en-US" sz="2800" dirty="0">
                 <a:latin typeface="標楷體" panose="03000509000000000000" pitchFamily="65" charset="-120"/>
                 <a:ea typeface="標楷體" panose="03000509000000000000" pitchFamily="65" charset="-120"/>
               </a:rPr>
               <a:t>，</a:t>
             </a:r>
             <a:r>
-              <a:rPr lang="en-US" altLang="zh-TW" sz="2800" dirty="0" err="1" smtClean="0">
+              <a:rPr lang="en-US" altLang="zh-TW" sz="2800" dirty="0" err="1">
                 <a:latin typeface="標楷體" panose="03000509000000000000" pitchFamily="65" charset="-120"/>
                 <a:ea typeface="標楷體" panose="03000509000000000000" pitchFamily="65" charset="-120"/>
               </a:rPr>
               <a:t>Mixamo</a:t>
             </a:r>
             <a:r>
-              <a:rPr lang="en-US" altLang="zh-TW" sz="2800" dirty="0" smtClean="0">
+              <a:rPr lang="en-US" altLang="zh-TW" sz="2800" dirty="0">
                 <a:latin typeface="標楷體" panose="03000509000000000000" pitchFamily="65" charset="-120"/>
                 <a:ea typeface="標楷體" panose="03000509000000000000" pitchFamily="65" charset="-120"/>
               </a:rPr>
               <a:t>(</a:t>
             </a:r>
             <a:r>
-              <a:rPr lang="zh-TW" altLang="en-US" sz="2800" dirty="0" smtClean="0">
+              <a:rPr lang="zh-TW" altLang="en-US" sz="2800" dirty="0">
                 <a:latin typeface="標楷體" panose="03000509000000000000" pitchFamily="65" charset="-120"/>
                 <a:ea typeface="標楷體" panose="03000509000000000000" pitchFamily="65" charset="-120"/>
               </a:rPr>
               <a:t>動作模組網站</a:t>
             </a:r>
             <a:r>
-              <a:rPr lang="en-US" altLang="zh-TW" sz="2800" dirty="0" smtClean="0">
+              <a:rPr lang="en-US" altLang="zh-TW" sz="2800" dirty="0">
                 <a:latin typeface="標楷體" panose="03000509000000000000" pitchFamily="65" charset="-120"/>
                 <a:ea typeface="標楷體" panose="03000509000000000000" pitchFamily="65" charset="-120"/>
               </a:rPr>
@@ -4299,126 +4374,147 @@
           </a:p>
           <a:p>
             <a:r>
-              <a:rPr lang="zh-TW" altLang="en-US" sz="3800" dirty="0" smtClean="0"/>
+              <a:rPr lang="zh-TW" altLang="en-US" sz="3800" dirty="0"/>
               <a:t>人員分配</a:t>
             </a:r>
-            <a:endParaRPr lang="en-US" altLang="zh-TW" sz="3800" dirty="0" smtClean="0"/>
-          </a:p>
-          <a:p>
-            <a:r>
-              <a:rPr lang="zh-TW" altLang="en-US" sz="2800" dirty="0" smtClean="0"/>
+            <a:endParaRPr lang="en-US" altLang="zh-TW" sz="3800" dirty="0"/>
+          </a:p>
+          <a:p>
+            <a:r>
+              <a:rPr lang="zh-TW" altLang="en-US" sz="2800" dirty="0"/>
               <a:t>楊景程</a:t>
             </a:r>
             <a:r>
-              <a:rPr lang="en-US" altLang="zh-TW" sz="2800" dirty="0" smtClean="0"/>
+              <a:rPr lang="en-US" altLang="zh-TW" sz="2800" dirty="0"/>
               <a:t>:</a:t>
+            </a:r>
+            <a:r>
+              <a:rPr lang="zh-TW" altLang="en-US" sz="2600" dirty="0">
+                <a:latin typeface="標楷體" panose="03000509000000000000" pitchFamily="65" charset="-120"/>
+                <a:ea typeface="標楷體" panose="03000509000000000000" pitchFamily="65" charset="-120"/>
+              </a:rPr>
+              <a:t>統整簡報資料，</a:t>
+            </a:r>
+            <a:r>
+              <a:rPr lang="en-US" altLang="zh-TW" sz="2600" dirty="0">
+                <a:latin typeface="標楷體" panose="03000509000000000000" pitchFamily="65" charset="-120"/>
+                <a:ea typeface="標楷體" panose="03000509000000000000" pitchFamily="65" charset="-120"/>
+              </a:rPr>
+              <a:t>UI</a:t>
+            </a:r>
+            <a:r>
+              <a:rPr lang="zh-TW" altLang="en-US" sz="2600" dirty="0">
+                <a:latin typeface="標楷體" panose="03000509000000000000" pitchFamily="65" charset="-120"/>
+                <a:ea typeface="標楷體" panose="03000509000000000000" pitchFamily="65" charset="-120"/>
+              </a:rPr>
+              <a:t>元件設計，資料蒐集，</a:t>
+            </a:r>
+            <a:r>
+              <a:rPr lang="en-US" altLang="zh-TW" sz="2600" dirty="0">
+                <a:latin typeface="標楷體" panose="03000509000000000000" pitchFamily="65" charset="-120"/>
+                <a:ea typeface="標楷體" panose="03000509000000000000" pitchFamily="65" charset="-120"/>
+              </a:rPr>
+              <a:t>Word</a:t>
+            </a:r>
+            <a:r>
+              <a:rPr lang="zh-TW" altLang="en-US" sz="2600" dirty="0">
+                <a:latin typeface="標楷體" panose="03000509000000000000" pitchFamily="65" charset="-120"/>
+                <a:ea typeface="標楷體" panose="03000509000000000000" pitchFamily="65" charset="-120"/>
+              </a:rPr>
+              <a:t>檔製作</a:t>
+            </a:r>
+            <a:endParaRPr lang="en-US" altLang="zh-TW" sz="2600" dirty="0">
+              <a:latin typeface="標楷體" panose="03000509000000000000" pitchFamily="65" charset="-120"/>
+              <a:ea typeface="標楷體" panose="03000509000000000000" pitchFamily="65" charset="-120"/>
+            </a:endParaRPr>
+          </a:p>
+          <a:p>
+            <a:r>
+              <a:rPr lang="zh-TW" altLang="en-US" sz="2800" dirty="0"/>
+              <a:t>洪嘉桓</a:t>
+            </a:r>
+            <a:r>
+              <a:rPr lang="en-US" altLang="zh-TW" sz="2800" dirty="0"/>
+              <a:t>:</a:t>
+            </a:r>
+            <a:r>
+              <a:rPr lang="zh-TW" altLang="en-US" sz="2600" dirty="0">
+                <a:latin typeface="標楷體" panose="03000509000000000000" pitchFamily="65" charset="-120"/>
+                <a:ea typeface="標楷體" panose="03000509000000000000" pitchFamily="65" charset="-120"/>
+              </a:rPr>
+              <a:t>景點環境取景，角色建模設計，任務劇情規劃，簡報協助製作</a:t>
+            </a:r>
+            <a:endParaRPr lang="en-US" altLang="zh-TW" sz="2600" dirty="0">
+              <a:latin typeface="標楷體" panose="03000509000000000000" pitchFamily="65" charset="-120"/>
+              <a:ea typeface="標楷體" panose="03000509000000000000" pitchFamily="65" charset="-120"/>
+            </a:endParaRPr>
+          </a:p>
+          <a:p>
+            <a:r>
+              <a:rPr lang="zh-TW" altLang="en-US" sz="2800" dirty="0"/>
+              <a:t>李勝發</a:t>
+            </a:r>
+            <a:r>
+              <a:rPr lang="en-US" altLang="zh-TW" sz="2800" dirty="0"/>
+              <a:t>:</a:t>
+            </a:r>
+            <a:r>
+              <a:rPr lang="zh-TW" altLang="en-US" sz="2600" dirty="0">
+                <a:latin typeface="標楷體" panose="03000509000000000000" pitchFamily="65" charset="-120"/>
+                <a:ea typeface="標楷體" panose="03000509000000000000" pitchFamily="65" charset="-120"/>
+              </a:rPr>
+              <a:t>程式流程規劃，</a:t>
+            </a:r>
+            <a:r>
+              <a:rPr lang="en-US" altLang="zh-TW" sz="2600" dirty="0">
+                <a:latin typeface="標楷體" panose="03000509000000000000" pitchFamily="65" charset="-120"/>
+                <a:ea typeface="標楷體" panose="03000509000000000000" pitchFamily="65" charset="-120"/>
+              </a:rPr>
+              <a:t>Debug</a:t>
+            </a:r>
+            <a:r>
+              <a:rPr lang="zh-TW" altLang="en-US" sz="2600" dirty="0">
+                <a:latin typeface="標楷體" panose="03000509000000000000" pitchFamily="65" charset="-120"/>
+                <a:ea typeface="標楷體" panose="03000509000000000000" pitchFamily="65" charset="-120"/>
+              </a:rPr>
+              <a:t>與優化，簡報協助製作，系統架構圖</a:t>
             </a:r>
             <a:r>
               <a:rPr lang="zh-TW" altLang="en-US" sz="2600" dirty="0" smtClean="0">
                 <a:latin typeface="標楷體" panose="03000509000000000000" pitchFamily="65" charset="-120"/>
                 <a:ea typeface="標楷體" panose="03000509000000000000" pitchFamily="65" charset="-120"/>
               </a:rPr>
-              <a:t>統整簡報資料，</a:t>
+              <a:t>繪製</a:t>
+            </a:r>
+            <a:r>
+              <a:rPr lang="zh-TW" altLang="en-US" sz="2600" dirty="0">
+                <a:latin typeface="標楷體" panose="03000509000000000000" pitchFamily="65" charset="-120"/>
+                <a:ea typeface="標楷體" panose="03000509000000000000" pitchFamily="65" charset="-120"/>
+              </a:rPr>
+              <a:t>，</a:t>
             </a:r>
             <a:r>
               <a:rPr lang="en-US" altLang="zh-TW" sz="2600" dirty="0" smtClean="0">
                 <a:latin typeface="標楷體" panose="03000509000000000000" pitchFamily="65" charset="-120"/>
                 <a:ea typeface="標楷體" panose="03000509000000000000" pitchFamily="65" charset="-120"/>
               </a:rPr>
-              <a:t>UI</a:t>
+              <a:t>UML</a:t>
             </a:r>
             <a:r>
               <a:rPr lang="zh-TW" altLang="en-US" sz="2600" dirty="0" smtClean="0">
                 <a:latin typeface="標楷體" panose="03000509000000000000" pitchFamily="65" charset="-120"/>
                 <a:ea typeface="標楷體" panose="03000509000000000000" pitchFamily="65" charset="-120"/>
               </a:rPr>
-              <a:t>元件設計，資料蒐集，</a:t>
-            </a:r>
-            <a:r>
-              <a:rPr lang="en-US" altLang="zh-TW" sz="2600" dirty="0" smtClean="0">
+              <a:t>圖</a:t>
+            </a:r>
+            <a:r>
+              <a:rPr lang="zh-TW" altLang="en-US" sz="2600" dirty="0">
                 <a:latin typeface="標楷體" panose="03000509000000000000" pitchFamily="65" charset="-120"/>
                 <a:ea typeface="標楷體" panose="03000509000000000000" pitchFamily="65" charset="-120"/>
               </a:rPr>
-              <a:t>Word</a:t>
-            </a:r>
-            <a:r>
-              <a:rPr lang="zh-TW" altLang="en-US" sz="2600" dirty="0" smtClean="0">
-                <a:latin typeface="標楷體" panose="03000509000000000000" pitchFamily="65" charset="-120"/>
-                <a:ea typeface="標楷體" panose="03000509000000000000" pitchFamily="65" charset="-120"/>
-              </a:rPr>
-              <a:t>檔製作</a:t>
-            </a:r>
-            <a:endParaRPr lang="en-US" altLang="zh-TW" sz="2600" dirty="0" smtClean="0">
-              <a:latin typeface="標楷體" panose="03000509000000000000" pitchFamily="65" charset="-120"/>
-              <a:ea typeface="標楷體" panose="03000509000000000000" pitchFamily="65" charset="-120"/>
-            </a:endParaRPr>
-          </a:p>
-          <a:p>
-            <a:r>
-              <a:rPr lang="zh-TW" altLang="en-US" sz="2800" dirty="0" smtClean="0"/>
-              <a:t>洪嘉桓</a:t>
-            </a:r>
-            <a:r>
-              <a:rPr lang="en-US" altLang="zh-TW" sz="2800" dirty="0" smtClean="0"/>
-              <a:t>:</a:t>
-            </a:r>
-            <a:r>
-              <a:rPr lang="zh-TW" altLang="en-US" sz="2600" dirty="0" smtClean="0">
-                <a:latin typeface="標楷體" panose="03000509000000000000" pitchFamily="65" charset="-120"/>
-                <a:ea typeface="標楷體" panose="03000509000000000000" pitchFamily="65" charset="-120"/>
-              </a:rPr>
-              <a:t>景點環境取景，角色建模設計，任務劇情規劃，簡報協助製作</a:t>
-            </a:r>
-            <a:endParaRPr lang="en-US" altLang="zh-TW" sz="2600" dirty="0" smtClean="0">
-              <a:latin typeface="標楷體" panose="03000509000000000000" pitchFamily="65" charset="-120"/>
-              <a:ea typeface="標楷體" panose="03000509000000000000" pitchFamily="65" charset="-120"/>
-            </a:endParaRPr>
-          </a:p>
-          <a:p>
-            <a:r>
-              <a:rPr lang="zh-TW" altLang="en-US" sz="2800" dirty="0" smtClean="0"/>
-              <a:t>李勝發</a:t>
-            </a:r>
-            <a:r>
-              <a:rPr lang="en-US" altLang="zh-TW" sz="2800" dirty="0" smtClean="0"/>
-              <a:t>:</a:t>
-            </a:r>
-            <a:r>
-              <a:rPr lang="zh-TW" altLang="en-US" sz="2600" dirty="0" smtClean="0">
-                <a:latin typeface="標楷體" panose="03000509000000000000" pitchFamily="65" charset="-120"/>
-                <a:ea typeface="標楷體" panose="03000509000000000000" pitchFamily="65" charset="-120"/>
-              </a:rPr>
-              <a:t>程式流程規劃，</a:t>
-            </a:r>
-            <a:r>
-              <a:rPr lang="en-US" altLang="zh-TW" sz="2600" dirty="0" smtClean="0">
-                <a:latin typeface="標楷體" panose="03000509000000000000" pitchFamily="65" charset="-120"/>
-                <a:ea typeface="標楷體" panose="03000509000000000000" pitchFamily="65" charset="-120"/>
-              </a:rPr>
-              <a:t>Debug</a:t>
-            </a:r>
-            <a:r>
-              <a:rPr lang="zh-TW" altLang="en-US" sz="2600" dirty="0" smtClean="0">
-                <a:latin typeface="標楷體" panose="03000509000000000000" pitchFamily="65" charset="-120"/>
-                <a:ea typeface="標楷體" panose="03000509000000000000" pitchFamily="65" charset="-120"/>
-              </a:rPr>
-              <a:t>與優化，簡報協助製作，系統架構圖繪製，</a:t>
-            </a:r>
-            <a:r>
-              <a:rPr lang="en-US" altLang="zh-TW" sz="2600" dirty="0" smtClean="0">
-                <a:latin typeface="標楷體" panose="03000509000000000000" pitchFamily="65" charset="-120"/>
-                <a:ea typeface="標楷體" panose="03000509000000000000" pitchFamily="65" charset="-120"/>
-              </a:rPr>
-              <a:t>UML		</a:t>
-            </a:r>
-            <a:r>
-              <a:rPr lang="zh-TW" altLang="en-US" sz="2600" dirty="0" smtClean="0">
-                <a:latin typeface="標楷體" panose="03000509000000000000" pitchFamily="65" charset="-120"/>
-                <a:ea typeface="標楷體" panose="03000509000000000000" pitchFamily="65" charset="-120"/>
-              </a:rPr>
-              <a:t>  圖繪製，報告</a:t>
-            </a:r>
-            <a:endParaRPr lang="en-US" altLang="zh-TW" sz="2600" dirty="0" smtClean="0">
+              <a:t>繪製，報告</a:t>
+            </a:r>
+            <a:endParaRPr lang="en-US" altLang="zh-TW" sz="2600" dirty="0">
               <a:latin typeface="標楷體" panose="03000509000000000000" pitchFamily="65" charset="-120"/>
               <a:ea typeface="標楷體" panose="03000509000000000000" pitchFamily="65" charset="-120"/>
             </a:endParaRPr>
@@ -4436,7 +4532,7 @@
 </p:sld>
 </file>
 
-<file path=ppt/slides/slide16.xml><?xml version="1.0" encoding="utf-8"?>
+<file path=ppt/slides/slide17.xml><?xml version="1.0" encoding="utf-8"?>
 <p:sld xmlns:a="http://schemas.openxmlformats.org/drawingml/2006/main" xmlns:r="http://schemas.openxmlformats.org/officeDocument/2006/relationships" xmlns:p="http://schemas.openxmlformats.org/presentationml/2006/main">
   <p:cSld>
     <p:spTree>
@@ -4474,10 +4570,9 @@
           <a:lstStyle/>
           <a:p>
             <a:r>
-              <a:rPr lang="zh-TW" altLang="en-US" sz="3600" dirty="0" smtClean="0"/>
+              <a:rPr lang="zh-TW" altLang="en-US" sz="3600" dirty="0"/>
               <a:t>本次人員工作分配</a:t>
             </a:r>
-            <a:endParaRPr lang="zh-TW" altLang="en-US" sz="3600" dirty="0"/>
           </a:p>
         </p:txBody>
       </p:sp>
@@ -4491,14 +4586,14 @@
             <p:ph idx="1"/>
             <p:extLst>
               <p:ext uri="{D42A27DB-BD31-4B8C-83A1-F6EECF244321}">
-                <p14:modId xmlns:p14="http://schemas.microsoft.com/office/powerpoint/2010/main" val="2229923020"/>
+                <p14:modId xmlns:p14="http://schemas.microsoft.com/office/powerpoint/2010/main" val="3789849381"/>
               </p:ext>
             </p:extLst>
           </p:nvPr>
         </p:nvGraphicFramePr>
         <p:xfrm>
           <a:off x="971600" y="808275"/>
-          <a:ext cx="7315200" cy="5557520"/>
+          <a:ext cx="7315200" cy="5923280"/>
         </p:xfrm>
         <a:graphic>
           <a:graphicData uri="http://schemas.openxmlformats.org/drawingml/2006/table">
@@ -4530,25 +4625,23 @@
                     <a:p>
                       <a:pPr algn="ctr"/>
                       <a:r>
-                        <a:rPr lang="zh-TW" altLang="en-US" dirty="0" smtClean="0"/>
+                        <a:rPr lang="zh-TW" altLang="en-US" dirty="0"/>
                         <a:t>項目</a:t>
                       </a:r>
-                      <a:endParaRPr lang="zh-TW" altLang="en-US" dirty="0"/>
-                    </a:p>
-                  </a:txBody>
-                  <a:tcPr/>
-                </a:tc>
-                <a:tc>
-                  <a:txBody>
-                    <a:bodyPr/>
-                    <a:lstStyle/>
-                    <a:p>
-                      <a:pPr algn="ctr"/>
-                      <a:r>
-                        <a:rPr lang="zh-TW" altLang="en-US" dirty="0" smtClean="0"/>
+                    </a:p>
+                  </a:txBody>
+                  <a:tcPr/>
+                </a:tc>
+                <a:tc>
+                  <a:txBody>
+                    <a:bodyPr/>
+                    <a:lstStyle/>
+                    <a:p>
+                      <a:pPr algn="ctr"/>
+                      <a:r>
+                        <a:rPr lang="zh-TW" altLang="en-US" dirty="0"/>
                         <a:t>主要負責人</a:t>
                       </a:r>
-                      <a:endParaRPr lang="zh-TW" altLang="en-US" dirty="0"/>
                     </a:p>
                   </a:txBody>
                   <a:tcPr/>
@@ -4567,33 +4660,27 @@
                     <a:p>
                       <a:pPr algn="ctr"/>
                       <a:r>
-                        <a:rPr lang="zh-TW" altLang="en-US" dirty="0" smtClean="0">
+                        <a:rPr lang="zh-TW" altLang="en-US" dirty="0">
                           <a:solidFill>
                             <a:srgbClr val="002060"/>
                           </a:solidFill>
                         </a:rPr>
                         <a:t>內容討論</a:t>
                       </a:r>
-                      <a:endParaRPr lang="zh-TW" altLang="en-US" dirty="0">
-                        <a:solidFill>
-                          <a:srgbClr val="002060"/>
-                        </a:solidFill>
-                      </a:endParaRPr>
-                    </a:p>
-                  </a:txBody>
-                  <a:tcPr/>
-                </a:tc>
-                <a:tc>
-                  <a:txBody>
-                    <a:bodyPr/>
-                    <a:lstStyle/>
-                    <a:p>
-                      <a:pPr algn="ctr"/>
-                      <a:r>
-                        <a:rPr lang="zh-TW" altLang="en-US" dirty="0" smtClean="0"/>
+                    </a:p>
+                  </a:txBody>
+                  <a:tcPr/>
+                </a:tc>
+                <a:tc>
+                  <a:txBody>
+                    <a:bodyPr/>
+                    <a:lstStyle/>
+                    <a:p>
+                      <a:pPr algn="ctr"/>
+                      <a:r>
+                        <a:rPr lang="zh-TW" altLang="en-US" dirty="0"/>
                         <a:t>楊景程、洪嘉桓、李勝發</a:t>
                       </a:r>
-                      <a:endParaRPr lang="zh-TW" altLang="en-US" dirty="0"/>
                     </a:p>
                   </a:txBody>
                   <a:tcPr/>
@@ -4612,19 +4699,19 @@
                     <a:p>
                       <a:pPr algn="ctr"/>
                       <a:r>
-                        <a:rPr lang="zh-TW" altLang="en-US" dirty="0" smtClean="0"/>
+                        <a:rPr lang="zh-TW" altLang="en-US" dirty="0"/>
                         <a:t>簡報製作</a:t>
                       </a:r>
                       <a:r>
-                        <a:rPr lang="en-US" altLang="zh-TW" dirty="0" smtClean="0"/>
+                        <a:rPr lang="en-US" altLang="zh-TW" dirty="0"/>
                         <a:t>(</a:t>
                       </a:r>
                       <a:r>
-                        <a:rPr lang="zh-TW" altLang="en-US" dirty="0" smtClean="0"/>
+                        <a:rPr lang="zh-TW" altLang="en-US" dirty="0"/>
                         <a:t>初版</a:t>
                       </a:r>
                       <a:r>
-                        <a:rPr lang="en-US" altLang="zh-TW" dirty="0" smtClean="0"/>
+                        <a:rPr lang="en-US" altLang="zh-TW" dirty="0"/>
                         <a:t>)</a:t>
                       </a:r>
                       <a:endParaRPr lang="zh-TW" altLang="en-US" dirty="0"/>
@@ -4639,10 +4726,9 @@
                     <a:p>
                       <a:pPr algn="ctr"/>
                       <a:r>
-                        <a:rPr lang="zh-TW" altLang="en-US" dirty="0" smtClean="0"/>
+                        <a:rPr lang="zh-TW" altLang="en-US" dirty="0"/>
                         <a:t>楊景程</a:t>
                       </a:r>
-                      <a:endParaRPr lang="zh-TW" altLang="en-US" dirty="0"/>
                     </a:p>
                   </a:txBody>
                   <a:tcPr/>
@@ -4661,19 +4747,19 @@
                     <a:p>
                       <a:pPr algn="ctr"/>
                       <a:r>
-                        <a:rPr lang="zh-TW" altLang="en-US" dirty="0" smtClean="0"/>
+                        <a:rPr lang="zh-TW" altLang="en-US" dirty="0"/>
                         <a:t>簡報製作</a:t>
                       </a:r>
                       <a:r>
-                        <a:rPr lang="en-US" altLang="zh-TW" dirty="0" smtClean="0"/>
+                        <a:rPr lang="en-US" altLang="zh-TW" dirty="0"/>
                         <a:t>(</a:t>
                       </a:r>
                       <a:r>
-                        <a:rPr lang="zh-TW" altLang="en-US" dirty="0" smtClean="0"/>
+                        <a:rPr lang="zh-TW" altLang="en-US" dirty="0"/>
                         <a:t>第二版</a:t>
                       </a:r>
                       <a:r>
-                        <a:rPr lang="en-US" altLang="zh-TW" dirty="0" smtClean="0"/>
+                        <a:rPr lang="en-US" altLang="zh-TW" dirty="0"/>
                         <a:t>)</a:t>
                       </a:r>
                       <a:endParaRPr lang="zh-TW" altLang="en-US" dirty="0"/>
@@ -4688,10 +4774,9 @@
                     <a:p>
                       <a:pPr algn="ctr"/>
                       <a:r>
-                        <a:rPr lang="zh-TW" altLang="en-US" dirty="0" smtClean="0"/>
+                        <a:rPr lang="zh-TW" altLang="en-US" dirty="0"/>
                         <a:t>李勝發</a:t>
                       </a:r>
-                      <a:endParaRPr lang="zh-TW" altLang="en-US" dirty="0"/>
                     </a:p>
                   </a:txBody>
                   <a:tcPr/>
@@ -4710,25 +4795,23 @@
                     <a:p>
                       <a:pPr algn="ctr"/>
                       <a:r>
-                        <a:rPr lang="zh-TW" altLang="en-US" dirty="0" smtClean="0"/>
+                        <a:rPr lang="zh-TW" altLang="en-US" dirty="0"/>
                         <a:t>資料蒐集</a:t>
                       </a:r>
-                      <a:endParaRPr lang="zh-TW" altLang="en-US" dirty="0"/>
-                    </a:p>
-                  </a:txBody>
-                  <a:tcPr/>
-                </a:tc>
-                <a:tc>
-                  <a:txBody>
-                    <a:bodyPr/>
-                    <a:lstStyle/>
-                    <a:p>
-                      <a:pPr algn="ctr"/>
-                      <a:r>
-                        <a:rPr lang="zh-TW" altLang="en-US" dirty="0" smtClean="0"/>
+                    </a:p>
+                  </a:txBody>
+                  <a:tcPr/>
+                </a:tc>
+                <a:tc>
+                  <a:txBody>
+                    <a:bodyPr/>
+                    <a:lstStyle/>
+                    <a:p>
+                      <a:pPr algn="ctr"/>
+                      <a:r>
+                        <a:rPr lang="zh-TW" altLang="en-US" dirty="0"/>
                         <a:t>楊景程、洪嘉桓、李勝發</a:t>
                       </a:r>
-                      <a:endParaRPr lang="zh-TW" altLang="en-US" dirty="0"/>
                     </a:p>
                   </a:txBody>
                   <a:tcPr/>
@@ -4747,23 +4830,23 @@
                     <a:p>
                       <a:pPr algn="ctr"/>
                       <a:r>
-                        <a:rPr lang="en-US" altLang="zh-TW" dirty="0" smtClean="0"/>
+                        <a:rPr lang="en-US" altLang="zh-TW" dirty="0"/>
                         <a:t>UML</a:t>
                       </a:r>
                       <a:r>
-                        <a:rPr lang="zh-TW" altLang="en-US" dirty="0" smtClean="0"/>
+                        <a:rPr lang="zh-TW" altLang="en-US" dirty="0"/>
                         <a:t>繪製</a:t>
                       </a:r>
                       <a:r>
-                        <a:rPr lang="en-US" altLang="zh-TW" dirty="0" smtClean="0"/>
+                        <a:rPr lang="en-US" altLang="zh-TW" dirty="0"/>
                         <a:t>(</a:t>
                       </a:r>
                       <a:r>
-                        <a:rPr lang="zh-TW" altLang="en-US" dirty="0" smtClean="0"/>
+                        <a:rPr lang="zh-TW" altLang="en-US" dirty="0"/>
                         <a:t>第一版</a:t>
                       </a:r>
                       <a:r>
-                        <a:rPr lang="en-US" altLang="zh-TW" dirty="0" smtClean="0"/>
+                        <a:rPr lang="en-US" altLang="zh-TW" dirty="0"/>
                         <a:t>)</a:t>
                       </a:r>
                       <a:endParaRPr lang="zh-TW" altLang="en-US" dirty="0"/>
@@ -4778,10 +4861,9 @@
                     <a:p>
                       <a:pPr algn="ctr"/>
                       <a:r>
-                        <a:rPr lang="zh-TW" altLang="en-US" dirty="0" smtClean="0"/>
+                        <a:rPr lang="zh-TW" altLang="en-US" dirty="0"/>
                         <a:t>楊景程</a:t>
                       </a:r>
-                      <a:endParaRPr lang="zh-TW" altLang="en-US" dirty="0"/>
                     </a:p>
                   </a:txBody>
                   <a:tcPr/>
@@ -4800,23 +4882,23 @@
                     <a:p>
                       <a:pPr algn="ctr"/>
                       <a:r>
-                        <a:rPr lang="en-US" altLang="zh-TW" dirty="0" smtClean="0"/>
+                        <a:rPr lang="en-US" altLang="zh-TW" dirty="0"/>
                         <a:t>UML</a:t>
                       </a:r>
                       <a:r>
-                        <a:rPr lang="zh-TW" altLang="en-US" dirty="0" smtClean="0"/>
+                        <a:rPr lang="zh-TW" altLang="en-US" dirty="0"/>
                         <a:t>繪製</a:t>
                       </a:r>
                       <a:r>
-                        <a:rPr lang="en-US" altLang="zh-TW" dirty="0" smtClean="0"/>
+                        <a:rPr lang="en-US" altLang="zh-TW" dirty="0"/>
                         <a:t>(</a:t>
                       </a:r>
                       <a:r>
-                        <a:rPr lang="zh-TW" altLang="en-US" dirty="0" smtClean="0"/>
+                        <a:rPr lang="zh-TW" altLang="en-US" dirty="0"/>
                         <a:t>第二版</a:t>
                       </a:r>
                       <a:r>
-                        <a:rPr lang="en-US" altLang="zh-TW" dirty="0" smtClean="0"/>
+                        <a:rPr lang="en-US" altLang="zh-TW" dirty="0"/>
                         <a:t>)</a:t>
                       </a:r>
                       <a:endParaRPr lang="zh-TW" altLang="en-US" dirty="0"/>
@@ -4831,10 +4913,9 @@
                     <a:p>
                       <a:pPr algn="ctr"/>
                       <a:r>
-                        <a:rPr lang="zh-TW" altLang="en-US" dirty="0" smtClean="0"/>
+                        <a:rPr lang="zh-TW" altLang="en-US" dirty="0"/>
                         <a:t>李勝發</a:t>
                       </a:r>
-                      <a:endParaRPr lang="zh-TW" altLang="en-US" dirty="0"/>
                     </a:p>
                   </a:txBody>
                   <a:tcPr/>
@@ -4853,25 +4934,23 @@
                     <a:p>
                       <a:pPr algn="ctr"/>
                       <a:r>
-                        <a:rPr lang="zh-TW" altLang="en-US" dirty="0" smtClean="0"/>
+                        <a:rPr lang="zh-TW" altLang="en-US" dirty="0"/>
                         <a:t>構想說明</a:t>
                       </a:r>
-                      <a:endParaRPr lang="zh-TW" altLang="en-US" dirty="0"/>
-                    </a:p>
-                  </a:txBody>
-                  <a:tcPr/>
-                </a:tc>
-                <a:tc>
-                  <a:txBody>
-                    <a:bodyPr/>
-                    <a:lstStyle/>
-                    <a:p>
-                      <a:pPr algn="ctr"/>
-                      <a:r>
-                        <a:rPr lang="zh-TW" altLang="en-US" dirty="0" smtClean="0"/>
+                    </a:p>
+                  </a:txBody>
+                  <a:tcPr/>
+                </a:tc>
+                <a:tc>
+                  <a:txBody>
+                    <a:bodyPr/>
+                    <a:lstStyle/>
+                    <a:p>
+                      <a:pPr algn="ctr"/>
+                      <a:r>
+                        <a:rPr lang="zh-TW" altLang="en-US" dirty="0"/>
                         <a:t>洪嘉桓</a:t>
                       </a:r>
-                      <a:endParaRPr lang="zh-TW" altLang="en-US" dirty="0"/>
                     </a:p>
                   </a:txBody>
                   <a:tcPr/>
@@ -4882,6 +4961,43 @@
                   </a:ext>
                 </a:extLst>
               </a:tr>
+              <a:tr h="313040">
+                <a:tc>
+                  <a:txBody>
+                    <a:bodyPr/>
+                    <a:lstStyle/>
+                    <a:p>
+                      <a:pPr algn="ctr"/>
+                      <a:r>
+                        <a:rPr lang="zh-TW" altLang="en-US" dirty="0" smtClean="0"/>
+                        <a:t>功能說明</a:t>
+                      </a:r>
+                      <a:endParaRPr lang="zh-TW" altLang="en-US" dirty="0"/>
+                    </a:p>
+                  </a:txBody>
+                  <a:tcPr/>
+                </a:tc>
+                <a:tc>
+                  <a:txBody>
+                    <a:bodyPr/>
+                    <a:lstStyle/>
+                    <a:p>
+                      <a:pPr algn="ctr"/>
+                      <a:r>
+                        <a:rPr lang="zh-TW" altLang="en-US" dirty="0" smtClean="0"/>
+                        <a:t>洪嘉桓</a:t>
+                      </a:r>
+                      <a:endParaRPr lang="zh-TW" altLang="en-US" dirty="0"/>
+                    </a:p>
+                  </a:txBody>
+                  <a:tcPr/>
+                </a:tc>
+                <a:extLst>
+                  <a:ext uri="{0D108BD9-81ED-4DB2-BD59-A6C34878D82A}">
+                    <a16:rowId xmlns:a16="http://schemas.microsoft.com/office/drawing/2014/main" val="1183857343"/>
+                  </a:ext>
+                </a:extLst>
+              </a:tr>
               <a:tr h="370840">
                 <a:tc>
                   <a:txBody>
@@ -4890,25 +5006,23 @@
                     <a:p>
                       <a:pPr algn="ctr"/>
                       <a:r>
-                        <a:rPr lang="zh-TW" altLang="en-US" dirty="0" smtClean="0"/>
+                        <a:rPr lang="zh-TW" altLang="en-US" dirty="0"/>
                         <a:t>功能、系統架構圖</a:t>
                       </a:r>
-                      <a:endParaRPr lang="zh-TW" altLang="en-US" dirty="0"/>
-                    </a:p>
-                  </a:txBody>
-                  <a:tcPr/>
-                </a:tc>
-                <a:tc>
-                  <a:txBody>
-                    <a:bodyPr/>
-                    <a:lstStyle/>
-                    <a:p>
-                      <a:pPr algn="ctr"/>
-                      <a:r>
-                        <a:rPr lang="zh-TW" altLang="en-US" dirty="0" smtClean="0"/>
+                    </a:p>
+                  </a:txBody>
+                  <a:tcPr/>
+                </a:tc>
+                <a:tc>
+                  <a:txBody>
+                    <a:bodyPr/>
+                    <a:lstStyle/>
+                    <a:p>
+                      <a:pPr algn="ctr"/>
+                      <a:r>
+                        <a:rPr lang="zh-TW" altLang="en-US" dirty="0"/>
                         <a:t>李勝發</a:t>
                       </a:r>
-                      <a:endParaRPr lang="zh-TW" altLang="en-US" dirty="0"/>
                     </a:p>
                   </a:txBody>
                   <a:tcPr/>
@@ -4927,25 +5041,23 @@
                     <a:p>
                       <a:pPr algn="ctr"/>
                       <a:r>
-                        <a:rPr lang="zh-TW" altLang="en-US" dirty="0" smtClean="0"/>
+                        <a:rPr lang="zh-TW" altLang="en-US" dirty="0"/>
                         <a:t>資料庫圖與互動流程圖</a:t>
                       </a:r>
-                      <a:endParaRPr lang="zh-TW" altLang="en-US" dirty="0"/>
-                    </a:p>
-                  </a:txBody>
-                  <a:tcPr/>
-                </a:tc>
-                <a:tc>
-                  <a:txBody>
-                    <a:bodyPr/>
-                    <a:lstStyle/>
-                    <a:p>
-                      <a:pPr algn="ctr"/>
-                      <a:r>
-                        <a:rPr lang="zh-TW" altLang="en-US" dirty="0" smtClean="0"/>
+                    </a:p>
+                  </a:txBody>
+                  <a:tcPr/>
+                </a:tc>
+                <a:tc>
+                  <a:txBody>
+                    <a:bodyPr/>
+                    <a:lstStyle/>
+                    <a:p>
+                      <a:pPr algn="ctr"/>
+                      <a:r>
+                        <a:rPr lang="zh-TW" altLang="en-US" dirty="0"/>
                         <a:t>李勝發</a:t>
                       </a:r>
-                      <a:endParaRPr lang="zh-TW" altLang="en-US" dirty="0"/>
                     </a:p>
                   </a:txBody>
                   <a:tcPr/>
@@ -4964,25 +5076,23 @@
                     <a:p>
                       <a:pPr algn="ctr"/>
                       <a:r>
-                        <a:rPr lang="zh-TW" altLang="en-US" dirty="0" smtClean="0"/>
+                        <a:rPr lang="zh-TW" altLang="en-US" dirty="0"/>
                         <a:t>時程安排</a:t>
                       </a:r>
-                      <a:endParaRPr lang="zh-TW" altLang="en-US" dirty="0"/>
-                    </a:p>
-                  </a:txBody>
-                  <a:tcPr/>
-                </a:tc>
-                <a:tc>
-                  <a:txBody>
-                    <a:bodyPr/>
-                    <a:lstStyle/>
-                    <a:p>
-                      <a:pPr algn="ctr"/>
-                      <a:r>
-                        <a:rPr lang="zh-TW" altLang="en-US" dirty="0" smtClean="0"/>
+                    </a:p>
+                  </a:txBody>
+                  <a:tcPr/>
+                </a:tc>
+                <a:tc>
+                  <a:txBody>
+                    <a:bodyPr/>
+                    <a:lstStyle/>
+                    <a:p>
+                      <a:pPr algn="ctr"/>
+                      <a:r>
+                        <a:rPr lang="zh-TW" altLang="en-US" dirty="0"/>
                         <a:t>楊景程</a:t>
                       </a:r>
-                      <a:endParaRPr lang="zh-TW" altLang="en-US" dirty="0"/>
                     </a:p>
                   </a:txBody>
                   <a:tcPr/>
@@ -5001,25 +5111,23 @@
                     <a:p>
                       <a:pPr algn="ctr"/>
                       <a:r>
-                        <a:rPr lang="zh-TW" altLang="en-US" dirty="0" smtClean="0"/>
+                        <a:rPr lang="zh-TW" altLang="en-US" dirty="0"/>
                         <a:t>需求分析</a:t>
                       </a:r>
-                      <a:endParaRPr lang="zh-TW" altLang="en-US" dirty="0"/>
-                    </a:p>
-                  </a:txBody>
-                  <a:tcPr/>
-                </a:tc>
-                <a:tc>
-                  <a:txBody>
-                    <a:bodyPr/>
-                    <a:lstStyle/>
-                    <a:p>
-                      <a:pPr algn="ctr"/>
-                      <a:r>
-                        <a:rPr lang="zh-TW" altLang="en-US" dirty="0" smtClean="0"/>
+                    </a:p>
+                  </a:txBody>
+                  <a:tcPr/>
+                </a:tc>
+                <a:tc>
+                  <a:txBody>
+                    <a:bodyPr/>
+                    <a:lstStyle/>
+                    <a:p>
+                      <a:pPr algn="ctr"/>
+                      <a:r>
+                        <a:rPr lang="zh-TW" altLang="en-US" dirty="0"/>
                         <a:t>洪嘉桓、李勝發</a:t>
                       </a:r>
-                      <a:endParaRPr lang="zh-TW" altLang="en-US" dirty="0"/>
                     </a:p>
                   </a:txBody>
                   <a:tcPr/>
@@ -5038,29 +5146,27 @@
                     <a:p>
                       <a:pPr algn="ctr"/>
                       <a:r>
-                        <a:rPr lang="en-US" altLang="zh-TW" dirty="0" smtClean="0"/>
+                        <a:rPr lang="en-US" altLang="zh-TW" dirty="0"/>
                         <a:t>WORD</a:t>
                       </a:r>
                       <a:r>
-                        <a:rPr lang="zh-TW" altLang="en-US" dirty="0" smtClean="0"/>
+                        <a:rPr lang="zh-TW" altLang="en-US" dirty="0"/>
                         <a:t>檔製作</a:t>
                       </a:r>
-                      <a:endParaRPr lang="zh-TW" altLang="en-US" dirty="0"/>
-                    </a:p>
-                  </a:txBody>
-                  <a:tcPr/>
-                </a:tc>
-                <a:tc>
-                  <a:txBody>
-                    <a:bodyPr/>
-                    <a:lstStyle/>
-                    <a:p>
-                      <a:pPr algn="ctr"/>
-                      <a:r>
-                        <a:rPr lang="zh-TW" altLang="en-US" dirty="0" smtClean="0"/>
+                    </a:p>
+                  </a:txBody>
+                  <a:tcPr/>
+                </a:tc>
+                <a:tc>
+                  <a:txBody>
+                    <a:bodyPr/>
+                    <a:lstStyle/>
+                    <a:p>
+                      <a:pPr algn="ctr"/>
+                      <a:r>
+                        <a:rPr lang="zh-TW" altLang="en-US" dirty="0"/>
                         <a:t>楊景程</a:t>
                       </a:r>
-                      <a:endParaRPr lang="zh-TW" altLang="en-US" dirty="0"/>
                     </a:p>
                   </a:txBody>
                   <a:tcPr/>
@@ -5079,25 +5185,23 @@
                     <a:p>
                       <a:pPr algn="ctr"/>
                       <a:r>
-                        <a:rPr lang="zh-TW" altLang="en-US" dirty="0" smtClean="0"/>
+                        <a:rPr lang="zh-TW" altLang="en-US" dirty="0"/>
                         <a:t>審查與修正</a:t>
                       </a:r>
-                      <a:endParaRPr lang="zh-TW" altLang="en-US" dirty="0"/>
-                    </a:p>
-                  </a:txBody>
-                  <a:tcPr/>
-                </a:tc>
-                <a:tc>
-                  <a:txBody>
-                    <a:bodyPr/>
-                    <a:lstStyle/>
-                    <a:p>
-                      <a:pPr algn="ctr"/>
-                      <a:r>
-                        <a:rPr lang="zh-TW" altLang="en-US" dirty="0" smtClean="0"/>
+                    </a:p>
+                  </a:txBody>
+                  <a:tcPr/>
+                </a:tc>
+                <a:tc>
+                  <a:txBody>
+                    <a:bodyPr/>
+                    <a:lstStyle/>
+                    <a:p>
+                      <a:pPr algn="ctr"/>
+                      <a:r>
+                        <a:rPr lang="zh-TW" altLang="en-US" dirty="0"/>
                         <a:t>楊景程、洪嘉桓、李勝發</a:t>
                       </a:r>
-                      <a:endParaRPr lang="zh-TW" altLang="en-US" dirty="0"/>
                     </a:p>
                   </a:txBody>
                   <a:tcPr/>
@@ -5116,25 +5220,23 @@
                     <a:p>
                       <a:pPr algn="ctr"/>
                       <a:r>
-                        <a:rPr lang="zh-TW" altLang="en-US" dirty="0" smtClean="0"/>
+                        <a:rPr lang="zh-TW" altLang="en-US" dirty="0"/>
                         <a:t>報告</a:t>
                       </a:r>
-                      <a:endParaRPr lang="zh-TW" altLang="en-US" dirty="0"/>
-                    </a:p>
-                  </a:txBody>
-                  <a:tcPr/>
-                </a:tc>
-                <a:tc>
-                  <a:txBody>
-                    <a:bodyPr/>
-                    <a:lstStyle/>
-                    <a:p>
-                      <a:pPr algn="ctr"/>
-                      <a:r>
-                        <a:rPr lang="zh-TW" altLang="en-US" dirty="0" smtClean="0"/>
+                    </a:p>
+                  </a:txBody>
+                  <a:tcPr/>
+                </a:tc>
+                <a:tc>
+                  <a:txBody>
+                    <a:bodyPr/>
+                    <a:lstStyle/>
+                    <a:p>
+                      <a:pPr algn="ctr"/>
+                      <a:r>
+                        <a:rPr lang="zh-TW" altLang="en-US" dirty="0"/>
                         <a:t>李勝發</a:t>
                       </a:r>
-                      <a:endParaRPr lang="zh-TW" altLang="en-US" dirty="0"/>
                     </a:p>
                   </a:txBody>
                   <a:tcPr/>
@@ -5162,7 +5264,7 @@
 </p:sld>
 </file>
 
-<file path=ppt/slides/slide17.xml><?xml version="1.0" encoding="utf-8"?>
+<file path=ppt/slides/slide18.xml><?xml version="1.0" encoding="utf-8"?>
 <p:sld xmlns:a="http://schemas.openxmlformats.org/drawingml/2006/main" xmlns:r="http://schemas.openxmlformats.org/officeDocument/2006/relationships" xmlns:p="http://schemas.openxmlformats.org/presentationml/2006/main">
   <p:cSld>
     <p:spTree>
@@ -5224,7 +5326,7 @@
               </a:spcAft>
             </a:pPr>
             <a:r>
-              <a:rPr kumimoji="0" lang="zh-TW" altLang="en-US" sz="4000" b="0" i="0" u="none" strike="noStrike" kern="0" cap="none" spc="0" normalizeH="0" baseline="0" noProof="0" dirty="0" smtClean="0">
+              <a:rPr kumimoji="0" lang="zh-TW" altLang="en-US" sz="4000" b="0" i="0" u="none" strike="noStrike" kern="0" cap="none" spc="0" normalizeH="0" baseline="0" noProof="0" dirty="0">
                 <a:ln>
                   <a:noFill/>
                 </a:ln>
@@ -5240,20 +5342,6 @@
               </a:rPr>
               <a:t>時程安排</a:t>
             </a:r>
-            <a:endParaRPr kumimoji="0" lang="zh-TW" altLang="en-US" sz="4000" b="0" i="0" u="none" strike="noStrike" kern="0" cap="none" spc="0" normalizeH="0" baseline="0" noProof="0" dirty="0">
-              <a:ln>
-                <a:noFill/>
-              </a:ln>
-              <a:solidFill>
-                <a:srgbClr val="000000"/>
-              </a:solidFill>
-              <a:effectLst/>
-              <a:uLnTx/>
-              <a:uFillTx/>
-              <a:latin typeface="+mj-lt"/>
-              <a:ea typeface="+mj-ea"/>
-              <a:cs typeface="+mj-cs"/>
-            </a:endParaRPr>
           </a:p>
         </p:txBody>
       </p:sp>
@@ -5373,14 +5461,13 @@
                     <a:p>
                       <a:pPr algn="ctr"/>
                       <a:r>
-                        <a:rPr lang="en-US" altLang="zh-TW" dirty="0" smtClean="0"/>
+                        <a:rPr lang="en-US" altLang="zh-TW" dirty="0"/>
                         <a:t>2018</a:t>
                       </a:r>
                       <a:r>
-                        <a:rPr lang="zh-TW" altLang="en-US" dirty="0" smtClean="0"/>
+                        <a:rPr lang="zh-TW" altLang="en-US" dirty="0"/>
                         <a:t>年</a:t>
                       </a:r>
-                      <a:endParaRPr lang="zh-TW" altLang="en-US" dirty="0"/>
                     </a:p>
                   </a:txBody>
                   <a:tcPr/>
@@ -5425,14 +5512,13 @@
                     <a:p>
                       <a:pPr algn="ctr"/>
                       <a:r>
-                        <a:rPr lang="en-US" altLang="zh-TW" dirty="0" smtClean="0"/>
+                        <a:rPr lang="en-US" altLang="zh-TW" dirty="0"/>
                         <a:t>2019</a:t>
                       </a:r>
                       <a:r>
-                        <a:rPr lang="zh-TW" altLang="en-US" dirty="0" smtClean="0"/>
+                        <a:rPr lang="zh-TW" altLang="en-US" dirty="0"/>
                         <a:t>年</a:t>
                       </a:r>
-                      <a:endParaRPr lang="zh-TW" altLang="en-US" dirty="0"/>
                     </a:p>
                   </a:txBody>
                   <a:tcPr/>
@@ -5495,181 +5581,171 @@
                     <a:p>
                       <a:pPr algn="ctr"/>
                       <a:r>
-                        <a:rPr lang="zh-TW" altLang="en-US" dirty="0" smtClean="0"/>
+                        <a:rPr lang="zh-TW" altLang="en-US" dirty="0"/>
                         <a:t>作業項目</a:t>
                       </a:r>
-                      <a:endParaRPr lang="zh-TW" altLang="en-US" dirty="0"/>
-                    </a:p>
-                  </a:txBody>
-                  <a:tcPr/>
-                </a:tc>
-                <a:tc>
-                  <a:txBody>
-                    <a:bodyPr/>
-                    <a:lstStyle/>
-                    <a:p>
-                      <a:pPr algn="ctr"/>
-                      <a:r>
-                        <a:rPr lang="en-US" altLang="zh-TW" dirty="0" smtClean="0"/>
+                    </a:p>
+                  </a:txBody>
+                  <a:tcPr/>
+                </a:tc>
+                <a:tc>
+                  <a:txBody>
+                    <a:bodyPr/>
+                    <a:lstStyle/>
+                    <a:p>
+                      <a:pPr algn="ctr"/>
+                      <a:r>
+                        <a:rPr lang="en-US" altLang="zh-TW" dirty="0"/>
                         <a:t>9</a:t>
                       </a:r>
                       <a:r>
-                        <a:rPr lang="zh-TW" altLang="en-US" dirty="0" smtClean="0"/>
+                        <a:rPr lang="zh-TW" altLang="en-US" dirty="0"/>
                         <a:t>月</a:t>
                       </a:r>
-                      <a:endParaRPr lang="zh-TW" altLang="en-US" dirty="0"/>
-                    </a:p>
-                  </a:txBody>
-                  <a:tcPr/>
-                </a:tc>
-                <a:tc>
-                  <a:txBody>
-                    <a:bodyPr/>
-                    <a:lstStyle/>
-                    <a:p>
-                      <a:pPr algn="ctr"/>
-                      <a:r>
-                        <a:rPr lang="en-US" altLang="zh-TW" dirty="0" smtClean="0"/>
+                    </a:p>
+                  </a:txBody>
+                  <a:tcPr/>
+                </a:tc>
+                <a:tc>
+                  <a:txBody>
+                    <a:bodyPr/>
+                    <a:lstStyle/>
+                    <a:p>
+                      <a:pPr algn="ctr"/>
+                      <a:r>
+                        <a:rPr lang="en-US" altLang="zh-TW" dirty="0"/>
                         <a:t>10</a:t>
                       </a:r>
                       <a:r>
-                        <a:rPr lang="zh-TW" altLang="en-US" dirty="0" smtClean="0"/>
+                        <a:rPr lang="zh-TW" altLang="en-US" dirty="0"/>
                         <a:t>月</a:t>
                       </a:r>
-                      <a:endParaRPr lang="zh-TW" altLang="en-US" dirty="0"/>
-                    </a:p>
-                  </a:txBody>
-                  <a:tcPr/>
-                </a:tc>
-                <a:tc>
-                  <a:txBody>
-                    <a:bodyPr/>
-                    <a:lstStyle/>
-                    <a:p>
-                      <a:pPr algn="ctr"/>
-                      <a:r>
-                        <a:rPr lang="en-US" altLang="zh-TW" dirty="0" smtClean="0"/>
+                    </a:p>
+                  </a:txBody>
+                  <a:tcPr/>
+                </a:tc>
+                <a:tc>
+                  <a:txBody>
+                    <a:bodyPr/>
+                    <a:lstStyle/>
+                    <a:p>
+                      <a:pPr algn="ctr"/>
+                      <a:r>
+                        <a:rPr lang="en-US" altLang="zh-TW" dirty="0"/>
                         <a:t>11</a:t>
                       </a:r>
                       <a:r>
-                        <a:rPr lang="zh-TW" altLang="en-US" dirty="0" smtClean="0"/>
+                        <a:rPr lang="zh-TW" altLang="en-US" dirty="0"/>
                         <a:t>月</a:t>
                       </a:r>
-                      <a:endParaRPr lang="zh-TW" altLang="en-US" dirty="0"/>
-                    </a:p>
-                  </a:txBody>
-                  <a:tcPr/>
-                </a:tc>
-                <a:tc>
-                  <a:txBody>
-                    <a:bodyPr/>
-                    <a:lstStyle/>
-                    <a:p>
-                      <a:pPr algn="ctr"/>
-                      <a:r>
-                        <a:rPr lang="en-US" altLang="zh-TW" dirty="0" smtClean="0"/>
+                    </a:p>
+                  </a:txBody>
+                  <a:tcPr/>
+                </a:tc>
+                <a:tc>
+                  <a:txBody>
+                    <a:bodyPr/>
+                    <a:lstStyle/>
+                    <a:p>
+                      <a:pPr algn="ctr"/>
+                      <a:r>
+                        <a:rPr lang="en-US" altLang="zh-TW" dirty="0"/>
                         <a:t>12</a:t>
                       </a:r>
                       <a:r>
-                        <a:rPr lang="zh-TW" altLang="en-US" dirty="0" smtClean="0"/>
+                        <a:rPr lang="zh-TW" altLang="en-US" dirty="0"/>
                         <a:t>月</a:t>
                       </a:r>
-                      <a:endParaRPr lang="zh-TW" altLang="en-US" dirty="0"/>
-                    </a:p>
-                  </a:txBody>
-                  <a:tcPr/>
-                </a:tc>
-                <a:tc>
-                  <a:txBody>
-                    <a:bodyPr/>
-                    <a:lstStyle/>
-                    <a:p>
-                      <a:pPr algn="ctr"/>
-                      <a:r>
-                        <a:rPr lang="en-US" altLang="zh-TW" dirty="0" smtClean="0"/>
+                    </a:p>
+                  </a:txBody>
+                  <a:tcPr/>
+                </a:tc>
+                <a:tc>
+                  <a:txBody>
+                    <a:bodyPr/>
+                    <a:lstStyle/>
+                    <a:p>
+                      <a:pPr algn="ctr"/>
+                      <a:r>
+                        <a:rPr lang="en-US" altLang="zh-TW" dirty="0"/>
                         <a:t>1</a:t>
                       </a:r>
                       <a:r>
-                        <a:rPr lang="zh-TW" altLang="en-US" dirty="0" smtClean="0"/>
+                        <a:rPr lang="zh-TW" altLang="en-US" dirty="0"/>
                         <a:t>月</a:t>
                       </a:r>
-                      <a:endParaRPr lang="zh-TW" altLang="en-US" dirty="0"/>
-                    </a:p>
-                  </a:txBody>
-                  <a:tcPr/>
-                </a:tc>
-                <a:tc>
-                  <a:txBody>
-                    <a:bodyPr/>
-                    <a:lstStyle/>
-                    <a:p>
-                      <a:pPr algn="ctr"/>
-                      <a:r>
-                        <a:rPr lang="en-US" altLang="zh-TW" dirty="0" smtClean="0"/>
+                    </a:p>
+                  </a:txBody>
+                  <a:tcPr/>
+                </a:tc>
+                <a:tc>
+                  <a:txBody>
+                    <a:bodyPr/>
+                    <a:lstStyle/>
+                    <a:p>
+                      <a:pPr algn="ctr"/>
+                      <a:r>
+                        <a:rPr lang="en-US" altLang="zh-TW" dirty="0"/>
                         <a:t>2</a:t>
                       </a:r>
                       <a:r>
-                        <a:rPr lang="zh-TW" altLang="en-US" dirty="0" smtClean="0"/>
+                        <a:rPr lang="zh-TW" altLang="en-US" dirty="0"/>
                         <a:t>月</a:t>
                       </a:r>
-                      <a:endParaRPr lang="zh-TW" altLang="en-US" dirty="0"/>
-                    </a:p>
-                  </a:txBody>
-                  <a:tcPr/>
-                </a:tc>
-                <a:tc>
-                  <a:txBody>
-                    <a:bodyPr/>
-                    <a:lstStyle/>
-                    <a:p>
-                      <a:pPr algn="ctr"/>
-                      <a:r>
-                        <a:rPr lang="en-US" altLang="zh-TW" dirty="0" smtClean="0"/>
+                    </a:p>
+                  </a:txBody>
+                  <a:tcPr/>
+                </a:tc>
+                <a:tc>
+                  <a:txBody>
+                    <a:bodyPr/>
+                    <a:lstStyle/>
+                    <a:p>
+                      <a:pPr algn="ctr"/>
+                      <a:r>
+                        <a:rPr lang="en-US" altLang="zh-TW" dirty="0"/>
                         <a:t>3</a:t>
                       </a:r>
                       <a:r>
-                        <a:rPr lang="zh-TW" altLang="en-US" dirty="0" smtClean="0"/>
+                        <a:rPr lang="zh-TW" altLang="en-US" dirty="0"/>
                         <a:t>月</a:t>
                       </a:r>
-                      <a:endParaRPr lang="zh-TW" altLang="en-US" dirty="0"/>
-                    </a:p>
-                  </a:txBody>
-                  <a:tcPr/>
-                </a:tc>
-                <a:tc>
-                  <a:txBody>
-                    <a:bodyPr/>
-                    <a:lstStyle/>
-                    <a:p>
-                      <a:pPr algn="ctr"/>
-                      <a:r>
-                        <a:rPr lang="en-US" altLang="zh-TW" dirty="0" smtClean="0"/>
+                    </a:p>
+                  </a:txBody>
+                  <a:tcPr/>
+                </a:tc>
+                <a:tc>
+                  <a:txBody>
+                    <a:bodyPr/>
+                    <a:lstStyle/>
+                    <a:p>
+                      <a:pPr algn="ctr"/>
+                      <a:r>
+                        <a:rPr lang="en-US" altLang="zh-TW" dirty="0"/>
                         <a:t>4</a:t>
                       </a:r>
                       <a:r>
-                        <a:rPr lang="zh-TW" altLang="en-US" dirty="0" smtClean="0"/>
+                        <a:rPr lang="zh-TW" altLang="en-US" dirty="0"/>
                         <a:t>月</a:t>
                       </a:r>
-                      <a:endParaRPr lang="zh-TW" altLang="en-US" dirty="0"/>
-                    </a:p>
-                  </a:txBody>
-                  <a:tcPr/>
-                </a:tc>
-                <a:tc>
-                  <a:txBody>
-                    <a:bodyPr/>
-                    <a:lstStyle/>
-                    <a:p>
-                      <a:pPr algn="ctr"/>
-                      <a:r>
-                        <a:rPr lang="en-US" altLang="zh-TW" dirty="0" smtClean="0"/>
+                    </a:p>
+                  </a:txBody>
+                  <a:tcPr/>
+                </a:tc>
+                <a:tc>
+                  <a:txBody>
+                    <a:bodyPr/>
+                    <a:lstStyle/>
+                    <a:p>
+                      <a:pPr algn="ctr"/>
+                      <a:r>
+                        <a:rPr lang="en-US" altLang="zh-TW" dirty="0"/>
                         <a:t>5</a:t>
                       </a:r>
                       <a:r>
-                        <a:rPr lang="zh-TW" altLang="en-US" dirty="0" smtClean="0"/>
+                        <a:rPr lang="zh-TW" altLang="en-US" dirty="0"/>
                         <a:t>月</a:t>
                       </a:r>
-                      <a:endParaRPr lang="zh-TW" altLang="en-US" dirty="0"/>
                     </a:p>
                   </a:txBody>
                   <a:tcPr/>
@@ -5688,10 +5764,9 @@
                     <a:p>
                       <a:pPr algn="ctr"/>
                       <a:r>
-                        <a:rPr lang="zh-TW" altLang="en-US" dirty="0" smtClean="0"/>
+                        <a:rPr lang="zh-TW" altLang="en-US" dirty="0"/>
                         <a:t>主題規劃</a:t>
                       </a:r>
-                      <a:endParaRPr lang="zh-TW" altLang="en-US" dirty="0"/>
                     </a:p>
                   </a:txBody>
                   <a:tcPr/>
@@ -5826,10 +5901,9 @@
                     <a:p>
                       <a:pPr algn="ctr"/>
                       <a:r>
-                        <a:rPr lang="zh-TW" altLang="en-US" dirty="0" smtClean="0"/>
+                        <a:rPr lang="zh-TW" altLang="en-US" dirty="0"/>
                         <a:t>簡介製作</a:t>
                       </a:r>
-                      <a:endParaRPr lang="zh-TW" altLang="en-US" dirty="0"/>
                     </a:p>
                   </a:txBody>
                   <a:tcPr/>
@@ -5953,10 +6027,9 @@
                     <a:p>
                       <a:pPr algn="ctr"/>
                       <a:r>
-                        <a:rPr lang="zh-TW" altLang="en-US" dirty="0" smtClean="0"/>
+                        <a:rPr lang="zh-TW" altLang="en-US" dirty="0"/>
                         <a:t>系統架構圖製作</a:t>
                       </a:r>
-                      <a:endParaRPr lang="zh-TW" altLang="en-US" dirty="0"/>
                     </a:p>
                   </a:txBody>
                   <a:tcPr/>
@@ -6092,14 +6165,13 @@
                     <a:p>
                       <a:pPr algn="ctr"/>
                       <a:r>
-                        <a:rPr lang="en-US" altLang="zh-TW" dirty="0" smtClean="0"/>
+                        <a:rPr lang="en-US" altLang="zh-TW" dirty="0"/>
                         <a:t>UML</a:t>
                       </a:r>
                       <a:r>
-                        <a:rPr lang="zh-TW" altLang="en-US" dirty="0" smtClean="0"/>
+                        <a:rPr lang="zh-TW" altLang="en-US" dirty="0"/>
                         <a:t>圖製作</a:t>
                       </a:r>
-                      <a:endParaRPr lang="zh-TW" altLang="en-US" dirty="0"/>
                     </a:p>
                   </a:txBody>
                   <a:tcPr/>
@@ -6229,10 +6301,9 @@
                     <a:p>
                       <a:pPr algn="ctr"/>
                       <a:r>
-                        <a:rPr lang="zh-TW" altLang="en-US" dirty="0" smtClean="0"/>
+                        <a:rPr lang="zh-TW" altLang="en-US" dirty="0"/>
                         <a:t>景點取景</a:t>
                       </a:r>
-                      <a:endParaRPr lang="zh-TW" altLang="en-US" dirty="0"/>
                     </a:p>
                   </a:txBody>
                   <a:tcPr/>
@@ -6356,10 +6427,9 @@
                     <a:p>
                       <a:pPr algn="ctr"/>
                       <a:r>
-                        <a:rPr lang="zh-TW" altLang="en-US" dirty="0" smtClean="0"/>
+                        <a:rPr lang="zh-TW" altLang="en-US" dirty="0"/>
                         <a:t>資料蒐集</a:t>
                       </a:r>
-                      <a:endParaRPr lang="zh-TW" altLang="en-US" dirty="0"/>
                     </a:p>
                   </a:txBody>
                   <a:tcPr/>
@@ -6495,14 +6565,13 @@
                     <a:p>
                       <a:pPr algn="ctr"/>
                       <a:r>
-                        <a:rPr lang="en-US" altLang="zh-TW" dirty="0" smtClean="0"/>
+                        <a:rPr lang="en-US" altLang="zh-TW" dirty="0"/>
                         <a:t>NPC</a:t>
                       </a:r>
                       <a:r>
-                        <a:rPr lang="zh-TW" altLang="en-US" dirty="0" smtClean="0"/>
+                        <a:rPr lang="zh-TW" altLang="en-US" dirty="0"/>
                         <a:t>角色建模</a:t>
                       </a:r>
-                      <a:endParaRPr lang="zh-TW" altLang="en-US" dirty="0"/>
                     </a:p>
                   </a:txBody>
                   <a:tcPr/>
@@ -6638,14 +6707,13 @@
                     <a:p>
                       <a:pPr algn="ctr"/>
                       <a:r>
-                        <a:rPr lang="en-US" altLang="zh-TW" dirty="0" smtClean="0"/>
+                        <a:rPr lang="en-US" altLang="zh-TW" dirty="0"/>
                         <a:t>UI</a:t>
                       </a:r>
                       <a:r>
-                        <a:rPr lang="zh-TW" altLang="en-US" dirty="0" smtClean="0"/>
+                        <a:rPr lang="zh-TW" altLang="en-US" dirty="0"/>
                         <a:t>元件設計</a:t>
                       </a:r>
-                      <a:endParaRPr lang="zh-TW" altLang="en-US" dirty="0"/>
                     </a:p>
                   </a:txBody>
                   <a:tcPr/>
@@ -6775,10 +6843,9 @@
                     <a:p>
                       <a:pPr algn="ctr"/>
                       <a:r>
-                        <a:rPr lang="zh-TW" altLang="en-US" dirty="0" smtClean="0"/>
+                        <a:rPr lang="zh-TW" altLang="en-US" dirty="0"/>
                         <a:t>任務規劃</a:t>
                       </a:r>
-                      <a:endParaRPr lang="zh-TW" altLang="en-US" dirty="0"/>
                     </a:p>
                   </a:txBody>
                   <a:tcPr/>
@@ -6902,10 +6969,9 @@
                     <a:p>
                       <a:pPr algn="ctr"/>
                       <a:r>
-                        <a:rPr lang="zh-TW" altLang="en-US" dirty="0" smtClean="0"/>
+                        <a:rPr lang="zh-TW" altLang="en-US" dirty="0"/>
                         <a:t>程式撰寫</a:t>
                       </a:r>
-                      <a:endParaRPr lang="zh-TW" altLang="en-US" dirty="0"/>
                     </a:p>
                   </a:txBody>
                   <a:tcPr/>
@@ -7041,7 +7107,7 @@
                     <a:p>
                       <a:pPr algn="ctr"/>
                       <a:r>
-                        <a:rPr lang="en-US" altLang="zh-TW" dirty="0" smtClean="0"/>
+                        <a:rPr lang="en-US" altLang="zh-TW" dirty="0"/>
                         <a:t>Debug</a:t>
                       </a:r>
                       <a:endParaRPr lang="zh-TW" altLang="en-US" dirty="0"/>
@@ -7174,10 +7240,9 @@
                     <a:p>
                       <a:pPr algn="ctr"/>
                       <a:r>
-                        <a:rPr lang="zh-TW" altLang="en-US" dirty="0" smtClean="0"/>
+                        <a:rPr lang="zh-TW" altLang="en-US" dirty="0"/>
                         <a:t>簡報製作</a:t>
                       </a:r>
-                      <a:endParaRPr lang="zh-TW" altLang="en-US" dirty="0"/>
                     </a:p>
                   </a:txBody>
                   <a:tcPr/>
@@ -7301,10 +7366,9 @@
                     <a:p>
                       <a:pPr algn="ctr"/>
                       <a:r>
-                        <a:rPr lang="zh-TW" altLang="en-US" dirty="0" smtClean="0"/>
+                        <a:rPr lang="zh-TW" altLang="en-US" dirty="0"/>
                         <a:t>專案發表</a:t>
                       </a:r>
-                      <a:endParaRPr lang="zh-TW" altLang="en-US" dirty="0"/>
                     </a:p>
                   </a:txBody>
                   <a:tcPr/>
@@ -7434,17 +7498,10 @@
   <p:clrMapOvr>
     <a:masterClrMapping/>
   </p:clrMapOvr>
-  <p:timing>
-    <p:tnLst>
-      <p:par>
-        <p:cTn id="1" dur="indefinite" restart="never" nodeType="tmRoot"/>
-      </p:par>
-    </p:tnLst>
-  </p:timing>
 </p:sld>
 </file>
 
-<file path=ppt/slides/slide18.xml><?xml version="1.0" encoding="utf-8"?>
+<file path=ppt/slides/slide19.xml><?xml version="1.0" encoding="utf-8"?>
 <p:sld xmlns:a="http://schemas.openxmlformats.org/drawingml/2006/main" xmlns:r="http://schemas.openxmlformats.org/officeDocument/2006/relationships" xmlns:p="http://schemas.openxmlformats.org/presentationml/2006/main">
   <p:cSld>
     <p:spTree>
@@ -7485,14 +7542,14 @@
               <a:buNone/>
             </a:pPr>
             <a:r>
-              <a:rPr lang="zh-TW" altLang="en-US" sz="8800" dirty="0" smtClean="0">
+              <a:rPr lang="zh-TW" altLang="en-US" sz="8800" dirty="0">
                 <a:latin typeface="微軟正黑體 Light" pitchFamily="34" charset="-120"/>
                 <a:ea typeface="微軟正黑體 Light" pitchFamily="34" charset="-120"/>
               </a:rPr>
               <a:t>報告結束</a:t>
             </a:r>
             <a:r>
-              <a:rPr lang="en-US" altLang="zh-TW" sz="8800" dirty="0" smtClean="0">
+              <a:rPr lang="en-US" altLang="zh-TW" sz="8800" dirty="0">
                 <a:latin typeface="微軟正黑體 Light" pitchFamily="34" charset="-120"/>
                 <a:ea typeface="微軟正黑體 Light" pitchFamily="34" charset="-120"/>
               </a:rPr>
@@ -7546,10 +7603,9 @@
           <a:lstStyle/>
           <a:p>
             <a:r>
-              <a:rPr lang="zh-TW" altLang="en-US" dirty="0" smtClean="0"/>
+              <a:rPr lang="zh-TW" altLang="en-US" dirty="0"/>
               <a:t>簡介</a:t>
             </a:r>
-            <a:endParaRPr lang="zh-TW" altLang="en-US" dirty="0"/>
           </a:p>
         </p:txBody>
       </p:sp>
@@ -7574,65 +7630,65 @@
           <a:lstStyle/>
           <a:p>
             <a:r>
-              <a:rPr lang="zh-TW" altLang="en-US" dirty="0" smtClean="0">
+              <a:rPr lang="zh-TW" altLang="en-US" dirty="0">
                 <a:latin typeface="標楷體" panose="03000509000000000000" pitchFamily="65" charset="-120"/>
                 <a:ea typeface="標楷體" panose="03000509000000000000" pitchFamily="65" charset="-120"/>
               </a:rPr>
               <a:t>背景</a:t>
             </a:r>
-            <a:endParaRPr lang="en-US" altLang="zh-TW" dirty="0" smtClean="0">
+            <a:endParaRPr lang="en-US" altLang="zh-TW" dirty="0">
               <a:latin typeface="標楷體" panose="03000509000000000000" pitchFamily="65" charset="-120"/>
               <a:ea typeface="標楷體" panose="03000509000000000000" pitchFamily="65" charset="-120"/>
             </a:endParaRPr>
           </a:p>
           <a:p>
             <a:r>
-              <a:rPr lang="zh-TW" altLang="en-US" dirty="0" smtClean="0">
+              <a:rPr lang="zh-TW" altLang="en-US" dirty="0">
                 <a:latin typeface="標楷體" panose="03000509000000000000" pitchFamily="65" charset="-120"/>
                 <a:ea typeface="標楷體" panose="03000509000000000000" pitchFamily="65" charset="-120"/>
               </a:rPr>
               <a:t>動機</a:t>
             </a:r>
-            <a:endParaRPr lang="en-US" altLang="zh-TW" dirty="0" smtClean="0">
+            <a:endParaRPr lang="en-US" altLang="zh-TW" dirty="0">
               <a:latin typeface="標楷體" panose="03000509000000000000" pitchFamily="65" charset="-120"/>
               <a:ea typeface="標楷體" panose="03000509000000000000" pitchFamily="65" charset="-120"/>
             </a:endParaRPr>
           </a:p>
           <a:p>
             <a:r>
-              <a:rPr lang="zh-TW" altLang="en-US" dirty="0" smtClean="0">
+              <a:rPr lang="zh-TW" altLang="en-US" dirty="0">
                 <a:latin typeface="標楷體" panose="03000509000000000000" pitchFamily="65" charset="-120"/>
                 <a:ea typeface="標楷體" panose="03000509000000000000" pitchFamily="65" charset="-120"/>
               </a:rPr>
               <a:t>目的</a:t>
             </a:r>
-            <a:endParaRPr lang="en-US" altLang="zh-TW" dirty="0" smtClean="0">
+            <a:endParaRPr lang="en-US" altLang="zh-TW" dirty="0">
               <a:latin typeface="標楷體" panose="03000509000000000000" pitchFamily="65" charset="-120"/>
               <a:ea typeface="標楷體" panose="03000509000000000000" pitchFamily="65" charset="-120"/>
             </a:endParaRPr>
           </a:p>
           <a:p>
             <a:r>
-              <a:rPr lang="zh-TW" altLang="en-US" dirty="0" smtClean="0">
+              <a:rPr lang="zh-TW" altLang="en-US" dirty="0">
                 <a:latin typeface="標楷體" panose="03000509000000000000" pitchFamily="65" charset="-120"/>
                 <a:ea typeface="標楷體" panose="03000509000000000000" pitchFamily="65" charset="-120"/>
               </a:rPr>
               <a:t>需求分析</a:t>
             </a:r>
-            <a:endParaRPr lang="en-US" altLang="zh-TW" dirty="0" smtClean="0">
+            <a:endParaRPr lang="en-US" altLang="zh-TW" dirty="0">
               <a:latin typeface="標楷體" panose="03000509000000000000" pitchFamily="65" charset="-120"/>
               <a:ea typeface="標楷體" panose="03000509000000000000" pitchFamily="65" charset="-120"/>
             </a:endParaRPr>
           </a:p>
           <a:p>
             <a:r>
-              <a:rPr lang="zh-TW" altLang="en-US" dirty="0" smtClean="0">
+              <a:rPr lang="zh-TW" altLang="en-US" dirty="0">
                 <a:latin typeface="標楷體" panose="03000509000000000000" pitchFamily="65" charset="-120"/>
                 <a:ea typeface="標楷體" panose="03000509000000000000" pitchFamily="65" charset="-120"/>
               </a:rPr>
               <a:t>構想</a:t>
             </a:r>
-            <a:endParaRPr lang="en-US" altLang="zh-TW" dirty="0" smtClean="0">
+            <a:endParaRPr lang="en-US" altLang="zh-TW" dirty="0">
               <a:latin typeface="標楷體" panose="03000509000000000000" pitchFamily="65" charset="-120"/>
               <a:ea typeface="標楷體" panose="03000509000000000000" pitchFamily="65" charset="-120"/>
             </a:endParaRPr>
@@ -7647,13 +7703,6 @@
   <p:clrMapOvr>
     <a:masterClrMapping/>
   </p:clrMapOvr>
-  <p:timing>
-    <p:tnLst>
-      <p:par>
-        <p:cTn id="1" dur="indefinite" restart="never" nodeType="tmRoot"/>
-      </p:par>
-    </p:tnLst>
-  </p:timing>
 </p:sld>
 </file>
 
@@ -7690,10 +7739,9 @@
           <a:lstStyle/>
           <a:p>
             <a:r>
-              <a:rPr lang="zh-TW" altLang="en-US" dirty="0" smtClean="0"/>
+              <a:rPr lang="zh-TW" altLang="en-US" dirty="0"/>
               <a:t>背景</a:t>
             </a:r>
-            <a:endParaRPr lang="zh-TW" altLang="en-US" dirty="0"/>
           </a:p>
         </p:txBody>
       </p:sp>
@@ -7721,40 +7769,32 @@
               <a:buNone/>
             </a:pPr>
             <a:r>
-              <a:rPr lang="zh-TW" altLang="en-US" dirty="0" smtClean="0"/>
-              <a:t>現在科技日新月異，人們已經不滿足於在螢幕中建構一個幻想世界，</a:t>
-            </a:r>
-            <a:r>
               <a:rPr lang="zh-TW" altLang="en-US" dirty="0"/>
-              <a:t>這</a:t>
-            </a:r>
-            <a:r>
-              <a:rPr lang="zh-TW" altLang="en-US" dirty="0" smtClean="0"/>
-              <a:t>是</a:t>
-            </a:r>
-            <a:r>
-              <a:rPr lang="en-US" altLang="zh-TW" dirty="0" smtClean="0"/>
+              <a:t>現在科技日新月異，人們已經不滿足於在螢幕中建構一個幻想世界，這是</a:t>
+            </a:r>
+            <a:r>
+              <a:rPr lang="en-US" altLang="zh-TW" dirty="0"/>
               <a:t>VR</a:t>
             </a:r>
             <a:r>
-              <a:rPr lang="zh-TW" altLang="en-US" dirty="0" smtClean="0"/>
+              <a:rPr lang="zh-TW" altLang="en-US" dirty="0"/>
               <a:t>、</a:t>
             </a:r>
             <a:r>
-              <a:rPr lang="en-US" altLang="zh-TW" dirty="0" smtClean="0"/>
+              <a:rPr lang="en-US" altLang="zh-TW" dirty="0"/>
               <a:t>AR</a:t>
             </a:r>
             <a:r>
-              <a:rPr lang="zh-TW" altLang="en-US" dirty="0" smtClean="0"/>
+              <a:rPr lang="zh-TW" altLang="en-US" dirty="0"/>
               <a:t>等技術相應出現，使我們能親身進入幻想世界，甚至使之與現實融合。</a:t>
             </a:r>
-            <a:endParaRPr lang="en-US" altLang="zh-TW" dirty="0" smtClean="0"/>
+            <a:endParaRPr lang="en-US" altLang="zh-TW" dirty="0"/>
           </a:p>
           <a:p>
             <a:pPr>
               <a:buNone/>
             </a:pPr>
-            <a:endParaRPr lang="en-US" altLang="zh-TW" dirty="0" smtClean="0"/>
+            <a:endParaRPr lang="en-US" altLang="zh-TW" dirty="0"/>
           </a:p>
         </p:txBody>
       </p:sp>
@@ -7763,13 +7803,6 @@
   <p:clrMapOvr>
     <a:masterClrMapping/>
   </p:clrMapOvr>
-  <p:timing>
-    <p:tnLst>
-      <p:par>
-        <p:cTn id="1" dur="indefinite" restart="never" nodeType="tmRoot"/>
-      </p:par>
-    </p:tnLst>
-  </p:timing>
 </p:sld>
 </file>
 
@@ -7806,10 +7839,9 @@
           <a:lstStyle/>
           <a:p>
             <a:r>
-              <a:rPr lang="zh-TW" altLang="en-US" dirty="0" smtClean="0"/>
+              <a:rPr lang="zh-TW" altLang="en-US" dirty="0"/>
               <a:t>背景</a:t>
             </a:r>
-            <a:endParaRPr lang="zh-TW" altLang="en-US" dirty="0"/>
           </a:p>
         </p:txBody>
       </p:sp>
@@ -7851,13 +7883,6 @@
   <p:clrMapOvr>
     <a:masterClrMapping/>
   </p:clrMapOvr>
-  <p:timing>
-    <p:tnLst>
-      <p:par>
-        <p:cTn id="1" dur="indefinite" restart="never" nodeType="tmRoot"/>
-      </p:par>
-    </p:tnLst>
-  </p:timing>
 </p:sld>
 </file>
 
@@ -7894,10 +7919,9 @@
           <a:lstStyle/>
           <a:p>
             <a:r>
-              <a:rPr lang="zh-TW" altLang="en-US" dirty="0" smtClean="0"/>
+              <a:rPr lang="zh-TW" altLang="en-US" dirty="0"/>
               <a:t>背景</a:t>
             </a:r>
-            <a:endParaRPr lang="zh-TW" altLang="en-US" dirty="0"/>
           </a:p>
         </p:txBody>
       </p:sp>
@@ -7932,13 +7956,6 @@
   <p:clrMapOvr>
     <a:masterClrMapping/>
   </p:clrMapOvr>
-  <p:timing>
-    <p:tnLst>
-      <p:par>
-        <p:cTn id="1" dur="indefinite" restart="never" nodeType="tmRoot"/>
-      </p:par>
-    </p:tnLst>
-  </p:timing>
 </p:sld>
 </file>
 
@@ -7975,10 +7992,9 @@
           <a:lstStyle/>
           <a:p>
             <a:r>
-              <a:rPr lang="zh-TW" altLang="en-US" dirty="0" smtClean="0"/>
+              <a:rPr lang="zh-TW" altLang="en-US" dirty="0"/>
               <a:t>動機</a:t>
             </a:r>
-            <a:endParaRPr lang="zh-TW" altLang="en-US" dirty="0"/>
           </a:p>
         </p:txBody>
       </p:sp>
@@ -8006,26 +8022,25 @@
               <a:buNone/>
             </a:pPr>
             <a:r>
-              <a:rPr lang="zh-TW" altLang="en-US" dirty="0" smtClean="0"/>
+              <a:rPr lang="zh-TW" altLang="en-US" dirty="0"/>
               <a:t>以</a:t>
             </a:r>
             <a:r>
-              <a:rPr lang="en-US" altLang="zh-TW" dirty="0" smtClean="0"/>
+              <a:rPr lang="en-US" altLang="zh-TW" dirty="0"/>
               <a:t>AR</a:t>
             </a:r>
             <a:r>
-              <a:rPr lang="zh-TW" altLang="en-US" dirty="0" smtClean="0"/>
+              <a:rPr lang="zh-TW" altLang="en-US" dirty="0"/>
               <a:t>技術為特點吸引民眾到特定地點觀賞，並以</a:t>
             </a:r>
             <a:r>
-              <a:rPr lang="en-US" altLang="zh-TW" dirty="0" smtClean="0"/>
+              <a:rPr lang="en-US" altLang="zh-TW" dirty="0"/>
               <a:t>RPG</a:t>
             </a:r>
             <a:r>
-              <a:rPr lang="zh-TW" altLang="en-US" dirty="0" smtClean="0"/>
+              <a:rPr lang="zh-TW" altLang="en-US" dirty="0"/>
               <a:t>的遊戲型態使玩家一步步認識當地文化，藉此可達到活絡地方觀光的目的。</a:t>
             </a:r>
-            <a:endParaRPr lang="zh-TW" altLang="en-US" dirty="0"/>
           </a:p>
         </p:txBody>
       </p:sp>
@@ -8080,7 +8095,7 @@
               <a:defRPr/>
             </a:pPr>
             <a:r>
-              <a:rPr kumimoji="0" lang="zh-TW" altLang="en-US" sz="4000" b="0" i="0" u="none" strike="noStrike" kern="0" cap="none" spc="0" normalizeH="0" baseline="0" noProof="0" dirty="0" smtClean="0">
+              <a:rPr kumimoji="0" lang="zh-TW" altLang="en-US" sz="4000" b="0" i="0" u="none" strike="noStrike" kern="0" cap="none" spc="0" normalizeH="0" baseline="0" noProof="0" dirty="0">
                 <a:ln>
                   <a:noFill/>
                 </a:ln>
@@ -8152,7 +8167,7 @@
               <a:defRPr/>
             </a:pPr>
             <a:r>
-              <a:rPr kumimoji="0" lang="zh-TW" altLang="en-US" sz="2800" b="0" i="0" u="none" strike="noStrike" kern="0" cap="none" spc="0" normalizeH="0" baseline="0" noProof="0" dirty="0" smtClean="0">
+              <a:rPr kumimoji="0" lang="zh-TW" altLang="en-US" sz="2800" b="0" i="0" u="none" strike="noStrike" kern="0" cap="none" spc="0" normalizeH="0" baseline="0" noProof="0" dirty="0">
                 <a:ln>
                   <a:noFill/>
                 </a:ln>
@@ -8169,7 +8184,7 @@
               <a:t>所以我們要建立一個以地方文化為主題的</a:t>
             </a:r>
             <a:r>
-              <a:rPr kumimoji="0" lang="en-US" altLang="zh-TW" sz="2800" b="0" i="0" u="none" strike="noStrike" kern="0" cap="none" spc="0" normalizeH="0" baseline="0" noProof="0" dirty="0" smtClean="0">
+              <a:rPr kumimoji="0" lang="en-US" altLang="zh-TW" sz="2800" b="0" i="0" u="none" strike="noStrike" kern="0" cap="none" spc="0" normalizeH="0" baseline="0" noProof="0" dirty="0">
                 <a:ln>
                   <a:noFill/>
                 </a:ln>
@@ -8186,7 +8201,7 @@
               <a:t>RPG</a:t>
             </a:r>
             <a:r>
-              <a:rPr kumimoji="0" lang="zh-TW" altLang="en-US" sz="2800" b="0" i="0" u="none" strike="noStrike" kern="0" cap="none" spc="0" normalizeH="0" baseline="0" noProof="0" dirty="0" smtClean="0">
+              <a:rPr kumimoji="0" lang="zh-TW" altLang="en-US" sz="2800" b="0" i="0" u="none" strike="noStrike" kern="0" cap="none" spc="0" normalizeH="0" baseline="0" noProof="0" dirty="0">
                 <a:ln>
                   <a:noFill/>
                 </a:ln>
@@ -8203,7 +8218,7 @@
               <a:t>遊戲，並以</a:t>
             </a:r>
             <a:r>
-              <a:rPr kumimoji="0" lang="en-US" altLang="zh-TW" sz="2800" b="0" i="0" u="none" strike="noStrike" kern="0" cap="none" spc="0" normalizeH="0" baseline="0" noProof="0" dirty="0" smtClean="0">
+              <a:rPr kumimoji="0" lang="en-US" altLang="zh-TW" sz="2800" b="0" i="0" u="none" strike="noStrike" kern="0" cap="none" spc="0" normalizeH="0" baseline="0" noProof="0" dirty="0">
                 <a:ln>
                   <a:noFill/>
                 </a:ln>
@@ -8220,7 +8235,7 @@
               <a:t>AR</a:t>
             </a:r>
             <a:r>
-              <a:rPr kumimoji="0" lang="zh-TW" altLang="en-US" sz="2800" b="0" i="0" u="none" strike="noStrike" kern="0" cap="none" spc="0" normalizeH="0" baseline="0" noProof="0" dirty="0" smtClean="0">
+              <a:rPr kumimoji="0" lang="zh-TW" altLang="en-US" sz="2800" b="0" i="0" u="none" strike="noStrike" kern="0" cap="none" spc="0" normalizeH="0" baseline="0" noProof="0" dirty="0">
                 <a:ln>
                   <a:noFill/>
                 </a:ln>
@@ -8244,13 +8259,6 @@
   <p:clrMapOvr>
     <a:masterClrMapping/>
   </p:clrMapOvr>
-  <p:timing>
-    <p:tnLst>
-      <p:par>
-        <p:cTn id="1" dur="indefinite" restart="never" nodeType="tmRoot"/>
-      </p:par>
-    </p:tnLst>
-  </p:timing>
 </p:sld>
 </file>
 
@@ -8287,28 +8295,28 @@
           <a:lstStyle/>
           <a:p>
             <a:r>
-              <a:rPr lang="zh-TW" altLang="en-US" dirty="0" smtClean="0">
+              <a:rPr lang="zh-TW" altLang="en-US" dirty="0">
                 <a:latin typeface="標楷體" panose="03000509000000000000" pitchFamily="65" charset="-120"/>
                 <a:ea typeface="標楷體" panose="03000509000000000000" pitchFamily="65" charset="-120"/>
               </a:rPr>
               <a:t>需求分析</a:t>
             </a:r>
             <a:r>
-              <a:rPr lang="en-US" altLang="zh-TW" dirty="0" smtClean="0">
+              <a:rPr lang="en-US" altLang="zh-TW" dirty="0">
                 <a:latin typeface="標楷體" panose="03000509000000000000" pitchFamily="65" charset="-120"/>
                 <a:ea typeface="標楷體" panose="03000509000000000000" pitchFamily="65" charset="-120"/>
               </a:rPr>
               <a:t>(</a:t>
             </a:r>
             <a:r>
-              <a:rPr lang="zh-TW" altLang="en-US" dirty="0" smtClean="0">
+              <a:rPr lang="zh-TW" altLang="en-US" dirty="0">
                 <a:latin typeface="標楷體" panose="03000509000000000000" pitchFamily="65" charset="-120"/>
                 <a:ea typeface="標楷體" panose="03000509000000000000" pitchFamily="65" charset="-120"/>
               </a:rPr>
               <a:t>民眾</a:t>
             </a:r>
             <a:r>
-              <a:rPr lang="en-US" altLang="zh-TW" dirty="0" smtClean="0">
+              <a:rPr lang="en-US" altLang="zh-TW" dirty="0">
                 <a:latin typeface="標楷體" panose="03000509000000000000" pitchFamily="65" charset="-120"/>
                 <a:ea typeface="標楷體" panose="03000509000000000000" pitchFamily="65" charset="-120"/>
               </a:rPr>
@@ -8366,16 +8374,12 @@
                     <a:p>
                       <a:pPr algn="l"/>
                       <a:r>
-                        <a:rPr lang="zh-TW" altLang="en-US" sz="2800" b="1" dirty="0" smtClean="0">
+                        <a:rPr lang="zh-TW" altLang="en-US" sz="2800" b="1" dirty="0">
                           <a:latin typeface="標楷體" panose="03000509000000000000" pitchFamily="65" charset="-120"/>
                           <a:ea typeface="標楷體" panose="03000509000000000000" pitchFamily="65" charset="-120"/>
                         </a:rPr>
                         <a:t>需求分析</a:t>
                       </a:r>
-                      <a:endParaRPr lang="zh-TW" altLang="en-US" sz="2800" b="1" dirty="0">
-                        <a:latin typeface="標楷體" panose="03000509000000000000" pitchFamily="65" charset="-120"/>
-                        <a:ea typeface="標楷體" panose="03000509000000000000" pitchFamily="65" charset="-120"/>
-                      </a:endParaRPr>
                     </a:p>
                   </a:txBody>
                   <a:tcPr marL="122985" marR="122985" marT="61493" marB="61493"/>
@@ -8387,7 +8391,7 @@
                     <a:p>
                       <a:pPr algn="l"/>
                       <a:r>
-                        <a:rPr lang="zh-TW" altLang="en-US" sz="2800" kern="1200" dirty="0" smtClean="0">
+                        <a:rPr lang="zh-TW" altLang="en-US" sz="2800" kern="1200" dirty="0">
                           <a:effectLst/>
                           <a:latin typeface="標楷體" panose="03000509000000000000" pitchFamily="65" charset="-120"/>
                           <a:ea typeface="標楷體" panose="03000509000000000000" pitchFamily="65" charset="-120"/>
@@ -8432,7 +8436,7 @@
                         <a:defRPr/>
                       </a:pPr>
                       <a:r>
-                        <a:rPr lang="zh-TW" altLang="en-US" sz="2000" dirty="0" smtClean="0">
+                        <a:rPr lang="zh-TW" altLang="en-US" sz="2000" dirty="0">
                           <a:latin typeface="標楷體" panose="03000509000000000000" pitchFamily="65" charset="-120"/>
                           <a:ea typeface="標楷體" panose="03000509000000000000" pitchFamily="65" charset="-120"/>
                         </a:rPr>
@@ -8449,23 +8453,19 @@
                     <a:p>
                       <a:pPr algn="l"/>
                       <a:r>
-                        <a:rPr lang="en-US" altLang="zh-TW" sz="2000" dirty="0" smtClean="0">
+                        <a:rPr lang="en-US" altLang="zh-TW" sz="2000" dirty="0">
                           <a:latin typeface="標楷體" panose="03000509000000000000" pitchFamily="65" charset="-120"/>
                           <a:ea typeface="標楷體" panose="03000509000000000000" pitchFamily="65" charset="-120"/>
                         </a:rPr>
                         <a:t>GPS</a:t>
                       </a:r>
                       <a:r>
-                        <a:rPr lang="zh-TW" altLang="en-US" sz="2000" dirty="0" smtClean="0">
+                        <a:rPr lang="zh-TW" altLang="en-US" sz="2000" dirty="0">
                           <a:latin typeface="標楷體" panose="03000509000000000000" pitchFamily="65" charset="-120"/>
                           <a:ea typeface="標楷體" panose="03000509000000000000" pitchFamily="65" charset="-120"/>
                         </a:rPr>
                         <a:t>與地圖顯示功能</a:t>
                       </a:r>
-                      <a:endParaRPr lang="zh-TW" altLang="en-US" sz="2000" dirty="0">
-                        <a:latin typeface="標楷體" panose="03000509000000000000" pitchFamily="65" charset="-120"/>
-                        <a:ea typeface="標楷體" panose="03000509000000000000" pitchFamily="65" charset="-120"/>
-                      </a:endParaRPr>
                     </a:p>
                   </a:txBody>
                   <a:tcPr marL="122985" marR="122985" marT="61493" marB="61493"/>
@@ -8500,7 +8500,7 @@
                         <a:defRPr/>
                       </a:pPr>
                       <a:r>
-                        <a:rPr lang="zh-TW" altLang="en-US" sz="2000" dirty="0" smtClean="0">
+                        <a:rPr lang="zh-TW" altLang="en-US" sz="2000" dirty="0">
                           <a:latin typeface="標楷體" panose="03000509000000000000" pitchFamily="65" charset="-120"/>
                           <a:ea typeface="標楷體" panose="03000509000000000000" pitchFamily="65" charset="-120"/>
                         </a:rPr>
@@ -8517,23 +8517,19 @@
                     <a:p>
                       <a:pPr algn="l"/>
                       <a:r>
-                        <a:rPr lang="en-US" altLang="zh-TW" sz="2000" dirty="0" smtClean="0">
+                        <a:rPr lang="en-US" altLang="zh-TW" sz="2000" dirty="0">
                           <a:latin typeface="標楷體" panose="03000509000000000000" pitchFamily="65" charset="-120"/>
                           <a:ea typeface="標楷體" panose="03000509000000000000" pitchFamily="65" charset="-120"/>
                         </a:rPr>
                         <a:t>RPG</a:t>
                       </a:r>
                       <a:r>
-                        <a:rPr lang="zh-TW" altLang="en-US" sz="2000" dirty="0" smtClean="0">
+                        <a:rPr lang="zh-TW" altLang="en-US" sz="2000" dirty="0">
                           <a:latin typeface="標楷體" panose="03000509000000000000" pitchFamily="65" charset="-120"/>
                           <a:ea typeface="標楷體" panose="03000509000000000000" pitchFamily="65" charset="-120"/>
                         </a:rPr>
                         <a:t>型態的遊玩方式</a:t>
                       </a:r>
-                      <a:endParaRPr lang="zh-TW" altLang="en-US" sz="2000" dirty="0">
-                        <a:latin typeface="標楷體" panose="03000509000000000000" pitchFamily="65" charset="-120"/>
-                        <a:ea typeface="標楷體" panose="03000509000000000000" pitchFamily="65" charset="-120"/>
-                      </a:endParaRPr>
                     </a:p>
                   </a:txBody>
                   <a:tcPr marL="122985" marR="122985" marT="61493" marB="61493"/>
@@ -8568,7 +8564,7 @@
                         <a:defRPr/>
                       </a:pPr>
                       <a:r>
-                        <a:rPr lang="zh-TW" altLang="en-US" sz="2000" dirty="0" smtClean="0">
+                        <a:rPr lang="zh-TW" altLang="en-US" sz="2000" dirty="0">
                           <a:latin typeface="標楷體" panose="03000509000000000000" pitchFamily="65" charset="-120"/>
                           <a:ea typeface="標楷體" panose="03000509000000000000" pitchFamily="65" charset="-120"/>
                         </a:rPr>
@@ -8585,30 +8581,26 @@
                     <a:p>
                       <a:pPr algn="l"/>
                       <a:r>
-                        <a:rPr lang="zh-TW" altLang="en-US" sz="2000" dirty="0" smtClean="0">
+                        <a:rPr lang="zh-TW" altLang="en-US" sz="2000" dirty="0">
                           <a:latin typeface="標楷體" panose="03000509000000000000" pitchFamily="65" charset="-120"/>
                           <a:ea typeface="標楷體" panose="03000509000000000000" pitchFamily="65" charset="-120"/>
                         </a:rPr>
                         <a:t>以</a:t>
                       </a:r>
                       <a:r>
-                        <a:rPr lang="en-US" altLang="zh-TW" sz="2000" dirty="0" smtClean="0">
+                        <a:rPr lang="en-US" altLang="zh-TW" sz="2000" dirty="0">
                           <a:latin typeface="標楷體" panose="03000509000000000000" pitchFamily="65" charset="-120"/>
                           <a:ea typeface="標楷體" panose="03000509000000000000" pitchFamily="65" charset="-120"/>
                         </a:rPr>
                         <a:t>AR</a:t>
                       </a:r>
                       <a:r>
-                        <a:rPr lang="zh-TW" altLang="en-US" sz="2000" dirty="0" smtClean="0">
+                        <a:rPr lang="zh-TW" altLang="en-US" sz="2000" dirty="0">
                           <a:latin typeface="標楷體" panose="03000509000000000000" pitchFamily="65" charset="-120"/>
                           <a:ea typeface="標楷體" panose="03000509000000000000" pitchFamily="65" charset="-120"/>
                         </a:rPr>
                         <a:t>顯示</a:t>
                       </a:r>
-                      <a:endParaRPr lang="zh-TW" altLang="en-US" sz="2000" dirty="0">
-                        <a:latin typeface="標楷體" panose="03000509000000000000" pitchFamily="65" charset="-120"/>
-                        <a:ea typeface="標楷體" panose="03000509000000000000" pitchFamily="65" charset="-120"/>
-                      </a:endParaRPr>
                     </a:p>
                   </a:txBody>
                   <a:tcPr marL="122985" marR="122985" marT="61493" marB="61493"/>
@@ -8643,7 +8635,7 @@
                         <a:defRPr/>
                       </a:pPr>
                       <a:r>
-                        <a:rPr lang="zh-TW" altLang="en-US" sz="2000" dirty="0" smtClean="0">
+                        <a:rPr lang="zh-TW" altLang="en-US" sz="2000" dirty="0">
                           <a:latin typeface="標楷體" panose="03000509000000000000" pitchFamily="65" charset="-120"/>
                           <a:ea typeface="標楷體" panose="03000509000000000000" pitchFamily="65" charset="-120"/>
                         </a:rPr>
@@ -8659,30 +8651,26 @@
                     <a:lstStyle/>
                     <a:p>
                       <a:r>
-                        <a:rPr lang="zh-TW" altLang="en-US" sz="2000" dirty="0" smtClean="0">
+                        <a:rPr lang="zh-TW" altLang="en-US" sz="2000" dirty="0">
                           <a:latin typeface="標楷體" pitchFamily="65" charset="-120"/>
                           <a:ea typeface="標楷體" pitchFamily="65" charset="-120"/>
                         </a:rPr>
                         <a:t>已</a:t>
                       </a:r>
                       <a:r>
-                        <a:rPr lang="en-US" altLang="zh-TW" sz="2000" dirty="0" smtClean="0">
+                        <a:rPr lang="en-US" altLang="zh-TW" sz="2000" dirty="0">
                           <a:latin typeface="標楷體" pitchFamily="65" charset="-120"/>
                           <a:ea typeface="標楷體" pitchFamily="65" charset="-120"/>
                         </a:rPr>
                         <a:t>RPG</a:t>
                       </a:r>
                       <a:r>
-                        <a:rPr lang="zh-TW" altLang="en-US" sz="2000" dirty="0" smtClean="0">
+                        <a:rPr lang="zh-TW" altLang="en-US" sz="2000" dirty="0">
                           <a:latin typeface="標楷體" pitchFamily="65" charset="-120"/>
                           <a:ea typeface="標楷體" pitchFamily="65" charset="-120"/>
                         </a:rPr>
                         <a:t>任務方式逐步引導</a:t>
                       </a:r>
-                      <a:endParaRPr lang="zh-TW" altLang="en-US" sz="2000" dirty="0">
-                        <a:latin typeface="標楷體" pitchFamily="65" charset="-120"/>
-                        <a:ea typeface="標楷體" pitchFamily="65" charset="-120"/>
-                      </a:endParaRPr>
                     </a:p>
                   </a:txBody>
                   <a:tcPr marL="122985" marR="122985" marT="61493" marB="61493"/>
@@ -8700,13 +8688,13 @@
                     <a:lstStyle/>
                     <a:p>
                       <a:r>
-                        <a:rPr lang="zh-TW" altLang="en-US" sz="2000" dirty="0" smtClean="0">
+                        <a:rPr lang="zh-TW" altLang="en-US" sz="2000" dirty="0">
                           <a:latin typeface="標楷體" pitchFamily="65" charset="-120"/>
                           <a:ea typeface="標楷體" pitchFamily="65" charset="-120"/>
                         </a:rPr>
                         <a:t>留存紀念</a:t>
                       </a:r>
-                      <a:endParaRPr lang="en-US" altLang="zh-TW" sz="2000" dirty="0" smtClean="0">
+                      <a:endParaRPr lang="en-US" altLang="zh-TW" sz="2000" dirty="0">
                         <a:latin typeface="標楷體" pitchFamily="65" charset="-120"/>
                         <a:ea typeface="標楷體" pitchFamily="65" charset="-120"/>
                       </a:endParaRPr>
@@ -8720,44 +8708,40 @@
                     <a:lstStyle/>
                     <a:p>
                       <a:r>
-                        <a:rPr lang="zh-TW" altLang="en-US" sz="2000" dirty="0" smtClean="0">
+                        <a:rPr lang="zh-TW" altLang="en-US" sz="2000" dirty="0">
                           <a:latin typeface="標楷體" pitchFamily="65" charset="-120"/>
                           <a:ea typeface="標楷體" pitchFamily="65" charset="-120"/>
                         </a:rPr>
                         <a:t>與吉祥物</a:t>
                       </a:r>
                       <a:r>
-                        <a:rPr lang="en-US" altLang="zh-TW" sz="2000" dirty="0" smtClean="0">
+                        <a:rPr lang="en-US" altLang="zh-TW" sz="2000" dirty="0">
                           <a:latin typeface="標楷體" pitchFamily="65" charset="-120"/>
                           <a:ea typeface="標楷體" pitchFamily="65" charset="-120"/>
                         </a:rPr>
                         <a:t>(</a:t>
                       </a:r>
                       <a:r>
-                        <a:rPr lang="zh-TW" altLang="en-US" sz="2000" dirty="0" smtClean="0">
+                        <a:rPr lang="zh-TW" altLang="en-US" sz="2000" dirty="0">
                           <a:latin typeface="標楷體" pitchFamily="65" charset="-120"/>
                           <a:ea typeface="標楷體" pitchFamily="65" charset="-120"/>
                         </a:rPr>
                         <a:t>虛擬顯示</a:t>
                       </a:r>
                       <a:r>
-                        <a:rPr lang="en-US" altLang="zh-TW" sz="2000" dirty="0" smtClean="0">
+                        <a:rPr lang="en-US" altLang="zh-TW" sz="2000" dirty="0">
                           <a:latin typeface="標楷體" pitchFamily="65" charset="-120"/>
                           <a:ea typeface="標楷體" pitchFamily="65" charset="-120"/>
                         </a:rPr>
                         <a:t>)</a:t>
                       </a:r>
                       <a:r>
-                        <a:rPr lang="zh-TW" altLang="en-US" sz="2000" dirty="0" smtClean="0">
+                        <a:rPr lang="zh-TW" altLang="en-US" sz="2000" dirty="0">
                           <a:latin typeface="標楷體" pitchFamily="65" charset="-120"/>
                           <a:ea typeface="標楷體" pitchFamily="65" charset="-120"/>
                         </a:rPr>
                         <a:t>拍照並分享</a:t>
                       </a:r>
-                      <a:endParaRPr lang="zh-TW" altLang="en-US" sz="2000" dirty="0">
-                        <a:latin typeface="標楷體" pitchFamily="65" charset="-120"/>
-                        <a:ea typeface="標楷體" pitchFamily="65" charset="-120"/>
-                      </a:endParaRPr>
                     </a:p>
                   </a:txBody>
                   <a:tcPr marL="122985" marR="122985" marT="61493" marB="61493"/>
@@ -8775,27 +8759,27 @@
                     <a:lstStyle/>
                     <a:p>
                       <a:r>
-                        <a:rPr lang="zh-TW" altLang="en-US" sz="2000" dirty="0" smtClean="0">
+                        <a:rPr lang="zh-TW" altLang="en-US" sz="2000" dirty="0">
                           <a:latin typeface="標楷體" pitchFamily="65" charset="-120"/>
                           <a:ea typeface="標楷體" pitchFamily="65" charset="-120"/>
                         </a:rPr>
                         <a:t>觀看任務、道具等</a:t>
                       </a:r>
                       <a:r>
-                        <a:rPr lang="en-US" altLang="zh-TW" sz="2000" dirty="0" smtClean="0">
+                        <a:rPr lang="en-US" altLang="zh-TW" sz="2000" dirty="0">
                           <a:latin typeface="標楷體" pitchFamily="65" charset="-120"/>
                           <a:ea typeface="標楷體" pitchFamily="65" charset="-120"/>
                         </a:rPr>
                         <a:t>..</a:t>
                       </a:r>
                       <a:r>
-                        <a:rPr lang="zh-TW" altLang="en-US" sz="2000" dirty="0" smtClean="0">
+                        <a:rPr lang="zh-TW" altLang="en-US" sz="2000" dirty="0">
                           <a:latin typeface="標楷體" pitchFamily="65" charset="-120"/>
                           <a:ea typeface="標楷體" pitchFamily="65" charset="-120"/>
                         </a:rPr>
                         <a:t>進度</a:t>
                       </a:r>
-                      <a:endParaRPr lang="en-US" altLang="zh-TW" sz="2000" dirty="0" smtClean="0">
+                      <a:endParaRPr lang="en-US" altLang="zh-TW" sz="2000" dirty="0">
                         <a:latin typeface="標楷體" pitchFamily="65" charset="-120"/>
                         <a:ea typeface="標楷體" pitchFamily="65" charset="-120"/>
                       </a:endParaRPr>
@@ -8809,16 +8793,12 @@
                     <a:lstStyle/>
                     <a:p>
                       <a:r>
-                        <a:rPr lang="zh-TW" altLang="en-US" sz="2000" dirty="0" smtClean="0">
+                        <a:rPr lang="zh-TW" altLang="en-US" sz="2000" dirty="0">
                           <a:latin typeface="標楷體" pitchFamily="65" charset="-120"/>
                           <a:ea typeface="標楷體" pitchFamily="65" charset="-120"/>
                         </a:rPr>
                         <a:t>相對應的按鈕與列表</a:t>
                       </a:r>
-                      <a:endParaRPr lang="zh-TW" altLang="en-US" sz="2000" dirty="0">
-                        <a:latin typeface="標楷體" pitchFamily="65" charset="-120"/>
-                        <a:ea typeface="標楷體" pitchFamily="65" charset="-120"/>
-                      </a:endParaRPr>
                     </a:p>
                   </a:txBody>
                   <a:tcPr marL="122985" marR="122985" marT="61493" marB="61493"/>
@@ -8838,13 +8818,6 @@
   <p:clrMapOvr>
     <a:masterClrMapping/>
   </p:clrMapOvr>
-  <p:timing>
-    <p:tnLst>
-      <p:par>
-        <p:cTn id="1" dur="indefinite" restart="never" nodeType="tmRoot"/>
-      </p:par>
-    </p:tnLst>
-  </p:timing>
 </p:sld>
 </file>
 
@@ -8881,10 +8854,9 @@
           <a:lstStyle/>
           <a:p>
             <a:r>
-              <a:rPr lang="zh-TW" altLang="en-US" dirty="0" smtClean="0"/>
+              <a:rPr lang="zh-TW" altLang="en-US" dirty="0"/>
               <a:t>構想</a:t>
             </a:r>
-            <a:endParaRPr lang="zh-TW" altLang="en-US" dirty="0"/>
           </a:p>
         </p:txBody>
       </p:sp>
@@ -8926,13 +8898,6 @@
   <p:clrMapOvr>
     <a:masterClrMapping/>
   </p:clrMapOvr>
-  <p:timing>
-    <p:tnLst>
-      <p:par>
-        <p:cTn id="1" dur="indefinite" restart="never" nodeType="tmRoot"/>
-      </p:par>
-    </p:tnLst>
-  </p:timing>
 </p:sld>
 </file>
 
@@ -8955,7 +8920,13 @@
       </p:grpSpPr>
       <p:sp>
         <p:nvSpPr>
-          <p:cNvPr id="2" name="標題 1"/>
+          <p:cNvPr id="2" name="標題 1">
+            <a:extLst>
+              <a:ext uri="{FF2B5EF4-FFF2-40B4-BE49-F238E27FC236}">
+                <a16:creationId xmlns:a16="http://schemas.microsoft.com/office/drawing/2014/main" id="{AC566654-7313-DF47-852C-739C499BC585}"/>
+              </a:ext>
+            </a:extLst>
+          </p:cNvPr>
           <p:cNvSpPr>
             <a:spLocks noGrp="1"/>
           </p:cNvSpPr>
@@ -8963,124 +8934,161 @@
             <p:ph type="title"/>
           </p:nvPr>
         </p:nvSpPr>
-        <p:spPr/>
+        <p:spPr>
+          <a:xfrm>
+            <a:off x="1066800" y="-12975"/>
+            <a:ext cx="7848600" cy="827112"/>
+          </a:xfrm>
+        </p:spPr>
         <p:txBody>
           <a:bodyPr/>
           <a:lstStyle/>
           <a:p>
             <a:r>
-              <a:rPr lang="zh-TW" altLang="en-US" dirty="0" smtClean="0"/>
-              <a:t>功能結構圖</a:t>
-            </a:r>
-            <a:endParaRPr lang="zh-TW" altLang="en-US" dirty="0"/>
+              <a:rPr kumimoji="1" lang="zh-CN" altLang="en-US" dirty="0" smtClean="0"/>
+              <a:t>功能說明</a:t>
+            </a:r>
+            <a:endParaRPr kumimoji="1" lang="zh-TW" altLang="en-US" dirty="0"/>
           </a:p>
         </p:txBody>
       </p:sp>
-      <p:graphicFrame>
-        <p:nvGraphicFramePr>
-          <p:cNvPr id="21508" name="Object 4"/>
-          <p:cNvGraphicFramePr>
-            <a:graphicFrameLocks noChangeAspect="1"/>
-          </p:cNvGraphicFramePr>
-          <p:nvPr/>
-        </p:nvGraphicFramePr>
-        <p:xfrm>
-          <a:off x="1571603" y="1571612"/>
-          <a:ext cx="6786611" cy="4980303"/>
-        </p:xfrm>
-        <a:graphic>
-          <a:graphicData uri="http://schemas.openxmlformats.org/presentationml/2006/ole">
-            <mc:AlternateContent xmlns:mc="http://schemas.openxmlformats.org/markup-compatibility/2006">
-              <mc:Choice xmlns:v="urn:schemas-microsoft-com:vml" Requires="v">
-                <p:oleObj spid="_x0000_s21519" name="Visio" r:id="rId3" imgW="5821153" imgH="4370556" progId="Visio.Drawing.11">
-                  <p:embed/>
-                </p:oleObj>
-              </mc:Choice>
-              <mc:Fallback>
-                <p:oleObj name="Visio" r:id="rId3" imgW="5821153" imgH="4370556" progId="Visio.Drawing.11">
-                  <p:embed/>
-                  <p:pic>
-                    <p:nvPicPr>
-                      <p:cNvPr id="0" name="Picture 10"/>
-                      <p:cNvPicPr>
-                        <a:picLocks noChangeAspect="1" noChangeArrowheads="1"/>
-                      </p:cNvPicPr>
-                      <p:nvPr/>
-                    </p:nvPicPr>
-                    <p:blipFill>
-                      <a:blip r:embed="rId4">
-                        <a:extLst>
-                          <a:ext uri="{28A0092B-C50C-407E-A947-70E740481C1C}">
-                            <a14:useLocalDpi xmlns:a14="http://schemas.microsoft.com/office/drawing/2010/main" val="0"/>
-                          </a:ext>
-                        </a:extLst>
-                      </a:blip>
-                      <a:srcRect/>
-                      <a:stretch>
-                        <a:fillRect/>
-                      </a:stretch>
-                    </p:blipFill>
-                    <p:spPr bwMode="auto">
-                      <a:xfrm>
-                        <a:off x="1571603" y="1571612"/>
-                        <a:ext cx="6786611" cy="4980303"/>
-                      </a:xfrm>
-                      <a:prstGeom prst="rect">
-                        <a:avLst/>
-                      </a:prstGeom>
-                      <a:noFill/>
-                      <a:ln>
-                        <a:noFill/>
-                      </a:ln>
-                      <a:effectLst/>
-                      <a:extLst>
-                        <a:ext uri="{909E8E84-426E-40DD-AFC4-6F175D3DCCD1}">
-                          <a14:hiddenFill xmlns:a14="http://schemas.microsoft.com/office/drawing/2010/main">
-                            <a:solidFill>
-                              <a:schemeClr val="accent1"/>
-                            </a:solidFill>
-                          </a14:hiddenFill>
-                        </a:ext>
-                        <a:ext uri="{91240B29-F687-4F45-9708-019B960494DF}">
-                          <a14:hiddenLine xmlns:a14="http://schemas.microsoft.com/office/drawing/2010/main" w="9525">
-                            <a:solidFill>
-                              <a:schemeClr val="tx1"/>
-                            </a:solidFill>
-                            <a:miter lim="800000"/>
-                            <a:headEnd/>
-                            <a:tailEnd/>
-                          </a14:hiddenLine>
-                        </a:ext>
-                        <a:ext uri="{AF507438-7753-43E0-B8FC-AC1667EBCBE1}">
-                          <a14:hiddenEffects xmlns:a14="http://schemas.microsoft.com/office/drawing/2010/main">
-                            <a:effectLst>
-                              <a:outerShdw dist="35921" dir="2700000" algn="ctr" rotWithShape="0">
-                                <a:schemeClr val="bg2"/>
-                              </a:outerShdw>
-                            </a:effectLst>
-                          </a14:hiddenEffects>
-                        </a:ext>
-                      </a:extLst>
-                    </p:spPr>
-                  </p:pic>
-                </p:oleObj>
-              </mc:Fallback>
-            </mc:AlternateContent>
-          </a:graphicData>
-        </a:graphic>
-      </p:graphicFrame>
+      <p:sp>
+        <p:nvSpPr>
+          <p:cNvPr id="3" name="內容版面配置區 2">
+            <a:extLst>
+              <a:ext uri="{FF2B5EF4-FFF2-40B4-BE49-F238E27FC236}">
+                <a16:creationId xmlns:a16="http://schemas.microsoft.com/office/drawing/2014/main" id="{3457251D-356D-1344-8F78-7A8E9644FB15}"/>
+              </a:ext>
+            </a:extLst>
+          </p:cNvPr>
+          <p:cNvSpPr>
+            <a:spLocks noGrp="1"/>
+          </p:cNvSpPr>
+          <p:nvPr>
+            <p:ph idx="1"/>
+          </p:nvPr>
+        </p:nvSpPr>
+        <p:spPr>
+          <a:xfrm>
+            <a:off x="1051121" y="908720"/>
+            <a:ext cx="7465640" cy="4525963"/>
+          </a:xfrm>
+        </p:spPr>
+        <p:txBody>
+          <a:bodyPr/>
+          <a:lstStyle/>
+          <a:p>
+            <a:r>
+              <a:rPr kumimoji="1" lang="zh-TW" altLang="en-US" dirty="0"/>
+              <a:t>以使用者的角度出發</a:t>
+            </a:r>
+            <a:r>
+              <a:rPr kumimoji="1" lang="en-US" altLang="zh-TW" dirty="0"/>
+              <a:t>,</a:t>
+            </a:r>
+            <a:r>
+              <a:rPr kumimoji="1" lang="zh-CN" altLang="en-US" dirty="0"/>
+              <a:t>可以當前的景點區域，與ＮＰＣ對話接取任務</a:t>
+            </a:r>
+            <a:r>
+              <a:rPr kumimoji="1" lang="zh-CN" altLang="en-US" dirty="0" smtClean="0"/>
+              <a:t>，</a:t>
+            </a:r>
+            <a:r>
+              <a:rPr kumimoji="1" lang="zh-TW" altLang="en-US" dirty="0" smtClean="0"/>
+              <a:t>並從中</a:t>
+            </a:r>
+            <a:r>
+              <a:rPr kumimoji="1" lang="zh-CN" altLang="en-US" dirty="0" smtClean="0"/>
+              <a:t>取得</a:t>
+            </a:r>
+            <a:r>
+              <a:rPr kumimoji="1" lang="zh-CN" altLang="en-US" dirty="0"/>
+              <a:t>相關任務道具以便完成指定</a:t>
+            </a:r>
+            <a:r>
+              <a:rPr kumimoji="1" lang="zh-CN" altLang="en-US" dirty="0" smtClean="0"/>
+              <a:t>任務</a:t>
+            </a:r>
+            <a:r>
+              <a:rPr kumimoji="1" lang="zh-TW" altLang="en-US" dirty="0" smtClean="0"/>
+              <a:t>，</a:t>
+            </a:r>
+            <a:r>
+              <a:rPr kumimoji="1" lang="zh-CN" altLang="en-US" dirty="0" smtClean="0"/>
+              <a:t>同時可以</a:t>
+            </a:r>
+            <a:r>
+              <a:rPr kumimoji="1" lang="zh-CN" altLang="en-US" dirty="0"/>
+              <a:t>確認目前拿取的道具資訊，也有地圖可以顯示當前的座標以及各個相關事件的</a:t>
+            </a:r>
+            <a:r>
+              <a:rPr kumimoji="1" lang="zh-CN" altLang="en-US" dirty="0" smtClean="0"/>
+              <a:t>資訊</a:t>
+            </a:r>
+            <a:r>
+              <a:rPr kumimoji="1" lang="zh-TW" altLang="en-US" dirty="0"/>
+              <a:t>。</a:t>
+            </a:r>
+            <a:endParaRPr kumimoji="1" lang="en-US" altLang="zh-TW" dirty="0" smtClean="0"/>
+          </a:p>
+          <a:p>
+            <a:r>
+              <a:rPr kumimoji="1" lang="zh-TW" altLang="en-US" dirty="0" smtClean="0"/>
+              <a:t>ＡＲ</a:t>
+            </a:r>
+            <a:r>
+              <a:rPr kumimoji="1" lang="zh-TW" altLang="en-US" dirty="0"/>
+              <a:t>顯示的部分提供玩家點擊，與當前的目標場景進行</a:t>
+            </a:r>
+            <a:r>
+              <a:rPr kumimoji="1" lang="zh-TW" altLang="en-US" dirty="0" smtClean="0"/>
+              <a:t>互動。</a:t>
+            </a:r>
+            <a:endParaRPr kumimoji="1" lang="en-US" altLang="zh-TW" dirty="0" smtClean="0"/>
+          </a:p>
+          <a:p>
+            <a:r>
+              <a:rPr kumimoji="1" lang="zh-TW" altLang="en-US" dirty="0" smtClean="0"/>
+              <a:t>對話</a:t>
+            </a:r>
+            <a:r>
+              <a:rPr kumimoji="1" lang="zh-TW" altLang="en-US" dirty="0"/>
+              <a:t>欄的部分可以顯示對話內容與任務的流程簡述與</a:t>
+            </a:r>
+            <a:r>
+              <a:rPr kumimoji="1" lang="zh-TW" altLang="en-US" dirty="0" smtClean="0"/>
+              <a:t>回報</a:t>
+            </a:r>
+            <a:r>
+              <a:rPr kumimoji="1" lang="zh-TW" altLang="en-US" dirty="0" smtClean="0"/>
+              <a:t>。</a:t>
+            </a:r>
+            <a:endParaRPr kumimoji="1" lang="en-US" altLang="zh-TW" dirty="0" smtClean="0"/>
+          </a:p>
+          <a:p>
+            <a:r>
+              <a:rPr kumimoji="1" lang="zh-TW" altLang="en-US" dirty="0" smtClean="0"/>
+              <a:t>提供</a:t>
+            </a:r>
+            <a:r>
+              <a:rPr kumimoji="1" lang="zh-TW" altLang="en-US" dirty="0"/>
+              <a:t>一個拍照功能可以讓玩家打卡與分享．</a:t>
+            </a:r>
+            <a:endParaRPr kumimoji="1" lang="en-US" altLang="zh-CN" dirty="0"/>
+          </a:p>
+        </p:txBody>
+      </p:sp>
     </p:spTree>
+    <p:extLst>
+      <p:ext uri="{BB962C8B-B14F-4D97-AF65-F5344CB8AC3E}">
+        <p14:creationId xmlns:p14="http://schemas.microsoft.com/office/powerpoint/2010/main" val="2817063805"/>
+      </p:ext>
+    </p:extLst>
   </p:cSld>
   <p:clrMapOvr>
     <a:masterClrMapping/>
   </p:clrMapOvr>
-  <p:timing>
-    <p:tnLst>
-      <p:par>
-        <p:cTn id="1" dur="indefinite" restart="never" nodeType="tmRoot"/>
-      </p:par>
-    </p:tnLst>
-  </p:timing>
 </p:sld>
 </file>
 

--- a/107_SE_Team12_AR RPG結合區域行銷.pptx
+++ b/107_SE_Team12_AR RPG結合區域行銷.pptx
@@ -4,6 +4,9 @@
   <p:sldMasterIdLst>
     <p:sldMasterId id="2147483708" r:id="rId1"/>
   </p:sldMasterIdLst>
+  <p:notesMasterIdLst>
+    <p:notesMasterId r:id="rId21"/>
+  </p:notesMasterIdLst>
   <p:sldIdLst>
     <p:sldId id="260" r:id="rId2"/>
     <p:sldId id="261" r:id="rId3"/>
@@ -141,6 +144,440 @@
 </p:presentation>
 </file>
 
+<file path=ppt/notesMasters/notesMaster1.xml><?xml version="1.0" encoding="utf-8"?>
+<p:notesMaster xmlns:a="http://schemas.openxmlformats.org/drawingml/2006/main" xmlns:r="http://schemas.openxmlformats.org/officeDocument/2006/relationships" xmlns:p="http://schemas.openxmlformats.org/presentationml/2006/main">
+  <p:cSld>
+    <p:bg>
+      <p:bgRef idx="1001">
+        <a:schemeClr val="bg1"/>
+      </p:bgRef>
+    </p:bg>
+    <p:spTree>
+      <p:nvGrpSpPr>
+        <p:cNvPr id="1" name=""/>
+        <p:cNvGrpSpPr/>
+        <p:nvPr/>
+      </p:nvGrpSpPr>
+      <p:grpSpPr>
+        <a:xfrm>
+          <a:off x="0" y="0"/>
+          <a:ext cx="0" cy="0"/>
+          <a:chOff x="0" y="0"/>
+          <a:chExt cx="0" cy="0"/>
+        </a:xfrm>
+      </p:grpSpPr>
+      <p:sp>
+        <p:nvSpPr>
+          <p:cNvPr id="2" name="頁首版面配置區 1"/>
+          <p:cNvSpPr>
+            <a:spLocks noGrp="1"/>
+          </p:cNvSpPr>
+          <p:nvPr>
+            <p:ph type="hdr" sz="quarter"/>
+          </p:nvPr>
+        </p:nvSpPr>
+        <p:spPr>
+          <a:xfrm>
+            <a:off x="0" y="0"/>
+            <a:ext cx="2971800" cy="458788"/>
+          </a:xfrm>
+          <a:prstGeom prst="rect">
+            <a:avLst/>
+          </a:prstGeom>
+        </p:spPr>
+        <p:txBody>
+          <a:bodyPr vert="horz" lIns="91440" tIns="45720" rIns="91440" bIns="45720" rtlCol="0"/>
+          <a:lstStyle>
+            <a:lvl1pPr algn="l">
+              <a:defRPr sz="1200"/>
+            </a:lvl1pPr>
+          </a:lstStyle>
+          <a:p>
+            <a:endParaRPr lang="zh-TW" altLang="en-US"/>
+          </a:p>
+        </p:txBody>
+      </p:sp>
+      <p:sp>
+        <p:nvSpPr>
+          <p:cNvPr id="3" name="日期版面配置區 2"/>
+          <p:cNvSpPr>
+            <a:spLocks noGrp="1"/>
+          </p:cNvSpPr>
+          <p:nvPr>
+            <p:ph type="dt" idx="1"/>
+          </p:nvPr>
+        </p:nvSpPr>
+        <p:spPr>
+          <a:xfrm>
+            <a:off x="3884613" y="0"/>
+            <a:ext cx="2971800" cy="458788"/>
+          </a:xfrm>
+          <a:prstGeom prst="rect">
+            <a:avLst/>
+          </a:prstGeom>
+        </p:spPr>
+        <p:txBody>
+          <a:bodyPr vert="horz" lIns="91440" tIns="45720" rIns="91440" bIns="45720" rtlCol="0"/>
+          <a:lstStyle>
+            <a:lvl1pPr algn="r">
+              <a:defRPr sz="1200"/>
+            </a:lvl1pPr>
+          </a:lstStyle>
+          <a:p>
+            <a:fld id="{E65F101D-2319-4DC8-89C1-1563B24382CD}" type="datetimeFigureOut">
+              <a:rPr lang="zh-TW" altLang="en-US" smtClean="0"/>
+              <a:t>2018/12/17</a:t>
+            </a:fld>
+            <a:endParaRPr lang="zh-TW" altLang="en-US"/>
+          </a:p>
+        </p:txBody>
+      </p:sp>
+      <p:sp>
+        <p:nvSpPr>
+          <p:cNvPr id="4" name="投影片圖像版面配置區 3"/>
+          <p:cNvSpPr>
+            <a:spLocks noGrp="1" noRot="1" noChangeAspect="1"/>
+          </p:cNvSpPr>
+          <p:nvPr>
+            <p:ph type="sldImg" idx="2"/>
+          </p:nvPr>
+        </p:nvSpPr>
+        <p:spPr>
+          <a:xfrm>
+            <a:off x="1371600" y="1143000"/>
+            <a:ext cx="4114800" cy="3086100"/>
+          </a:xfrm>
+          <a:prstGeom prst="rect">
+            <a:avLst/>
+          </a:prstGeom>
+          <a:noFill/>
+          <a:ln w="12700">
+            <a:solidFill>
+              <a:prstClr val="black"/>
+            </a:solidFill>
+          </a:ln>
+        </p:spPr>
+        <p:txBody>
+          <a:bodyPr vert="horz" lIns="91440" tIns="45720" rIns="91440" bIns="45720" rtlCol="0" anchor="ctr"/>
+          <a:lstStyle/>
+          <a:p>
+            <a:endParaRPr lang="zh-TW" altLang="en-US"/>
+          </a:p>
+        </p:txBody>
+      </p:sp>
+      <p:sp>
+        <p:nvSpPr>
+          <p:cNvPr id="5" name="備忘稿版面配置區 4"/>
+          <p:cNvSpPr>
+            <a:spLocks noGrp="1"/>
+          </p:cNvSpPr>
+          <p:nvPr>
+            <p:ph type="body" sz="quarter" idx="3"/>
+          </p:nvPr>
+        </p:nvSpPr>
+        <p:spPr>
+          <a:xfrm>
+            <a:off x="685800" y="4400550"/>
+            <a:ext cx="5486400" cy="3600450"/>
+          </a:xfrm>
+          <a:prstGeom prst="rect">
+            <a:avLst/>
+          </a:prstGeom>
+        </p:spPr>
+        <p:txBody>
+          <a:bodyPr vert="horz" lIns="91440" tIns="45720" rIns="91440" bIns="45720" rtlCol="0"/>
+          <a:lstStyle/>
+          <a:p>
+            <a:pPr lvl="0"/>
+            <a:r>
+              <a:rPr lang="zh-TW" altLang="en-US" smtClean="0"/>
+              <a:t>編輯母片文字樣式</a:t>
+            </a:r>
+          </a:p>
+          <a:p>
+            <a:pPr lvl="1"/>
+            <a:r>
+              <a:rPr lang="zh-TW" altLang="en-US" smtClean="0"/>
+              <a:t>第二層</a:t>
+            </a:r>
+          </a:p>
+          <a:p>
+            <a:pPr lvl="2"/>
+            <a:r>
+              <a:rPr lang="zh-TW" altLang="en-US" smtClean="0"/>
+              <a:t>第三層</a:t>
+            </a:r>
+          </a:p>
+          <a:p>
+            <a:pPr lvl="3"/>
+            <a:r>
+              <a:rPr lang="zh-TW" altLang="en-US" smtClean="0"/>
+              <a:t>第四層</a:t>
+            </a:r>
+          </a:p>
+          <a:p>
+            <a:pPr lvl="4"/>
+            <a:r>
+              <a:rPr lang="zh-TW" altLang="en-US" smtClean="0"/>
+              <a:t>第五層</a:t>
+            </a:r>
+            <a:endParaRPr lang="zh-TW" altLang="en-US"/>
+          </a:p>
+        </p:txBody>
+      </p:sp>
+      <p:sp>
+        <p:nvSpPr>
+          <p:cNvPr id="6" name="頁尾版面配置區 5"/>
+          <p:cNvSpPr>
+            <a:spLocks noGrp="1"/>
+          </p:cNvSpPr>
+          <p:nvPr>
+            <p:ph type="ftr" sz="quarter" idx="4"/>
+          </p:nvPr>
+        </p:nvSpPr>
+        <p:spPr>
+          <a:xfrm>
+            <a:off x="0" y="8685213"/>
+            <a:ext cx="2971800" cy="458787"/>
+          </a:xfrm>
+          <a:prstGeom prst="rect">
+            <a:avLst/>
+          </a:prstGeom>
+        </p:spPr>
+        <p:txBody>
+          <a:bodyPr vert="horz" lIns="91440" tIns="45720" rIns="91440" bIns="45720" rtlCol="0" anchor="b"/>
+          <a:lstStyle>
+            <a:lvl1pPr algn="l">
+              <a:defRPr sz="1200"/>
+            </a:lvl1pPr>
+          </a:lstStyle>
+          <a:p>
+            <a:endParaRPr lang="zh-TW" altLang="en-US"/>
+          </a:p>
+        </p:txBody>
+      </p:sp>
+      <p:sp>
+        <p:nvSpPr>
+          <p:cNvPr id="7" name="投影片編號版面配置區 6"/>
+          <p:cNvSpPr>
+            <a:spLocks noGrp="1"/>
+          </p:cNvSpPr>
+          <p:nvPr>
+            <p:ph type="sldNum" sz="quarter" idx="5"/>
+          </p:nvPr>
+        </p:nvSpPr>
+        <p:spPr>
+          <a:xfrm>
+            <a:off x="3884613" y="8685213"/>
+            <a:ext cx="2971800" cy="458787"/>
+          </a:xfrm>
+          <a:prstGeom prst="rect">
+            <a:avLst/>
+          </a:prstGeom>
+        </p:spPr>
+        <p:txBody>
+          <a:bodyPr vert="horz" lIns="91440" tIns="45720" rIns="91440" bIns="45720" rtlCol="0" anchor="b"/>
+          <a:lstStyle>
+            <a:lvl1pPr algn="r">
+              <a:defRPr sz="1200"/>
+            </a:lvl1pPr>
+          </a:lstStyle>
+          <a:p>
+            <a:fld id="{AE9BB5C6-E6FC-4E43-BF5C-294B11DAA903}" type="slidenum">
+              <a:rPr lang="zh-TW" altLang="en-US" smtClean="0"/>
+              <a:t>‹#›</a:t>
+            </a:fld>
+            <a:endParaRPr lang="zh-TW" altLang="en-US"/>
+          </a:p>
+        </p:txBody>
+      </p:sp>
+    </p:spTree>
+    <p:extLst>
+      <p:ext uri="{BB962C8B-B14F-4D97-AF65-F5344CB8AC3E}">
+        <p14:creationId xmlns:p14="http://schemas.microsoft.com/office/powerpoint/2010/main" val="2060069924"/>
+      </p:ext>
+    </p:extLst>
+  </p:cSld>
+  <p:clrMap bg1="lt1" tx1="dk1" bg2="lt2" tx2="dk2" accent1="accent1" accent2="accent2" accent3="accent3" accent4="accent4" accent5="accent5" accent6="accent6" hlink="hlink" folHlink="folHlink"/>
+  <p:notesStyle>
+    <a:lvl1pPr marL="0" algn="l" defTabSz="914400" rtl="0" eaLnBrk="1" latinLnBrk="0" hangingPunct="1">
+      <a:defRPr sz="1200" kern="1200">
+        <a:solidFill>
+          <a:schemeClr val="tx1"/>
+        </a:solidFill>
+        <a:latin typeface="+mn-lt"/>
+        <a:ea typeface="+mn-ea"/>
+        <a:cs typeface="+mn-cs"/>
+      </a:defRPr>
+    </a:lvl1pPr>
+    <a:lvl2pPr marL="457200" algn="l" defTabSz="914400" rtl="0" eaLnBrk="1" latinLnBrk="0" hangingPunct="1">
+      <a:defRPr sz="1200" kern="1200">
+        <a:solidFill>
+          <a:schemeClr val="tx1"/>
+        </a:solidFill>
+        <a:latin typeface="+mn-lt"/>
+        <a:ea typeface="+mn-ea"/>
+        <a:cs typeface="+mn-cs"/>
+      </a:defRPr>
+    </a:lvl2pPr>
+    <a:lvl3pPr marL="914400" algn="l" defTabSz="914400" rtl="0" eaLnBrk="1" latinLnBrk="0" hangingPunct="1">
+      <a:defRPr sz="1200" kern="1200">
+        <a:solidFill>
+          <a:schemeClr val="tx1"/>
+        </a:solidFill>
+        <a:latin typeface="+mn-lt"/>
+        <a:ea typeface="+mn-ea"/>
+        <a:cs typeface="+mn-cs"/>
+      </a:defRPr>
+    </a:lvl3pPr>
+    <a:lvl4pPr marL="1371600" algn="l" defTabSz="914400" rtl="0" eaLnBrk="1" latinLnBrk="0" hangingPunct="1">
+      <a:defRPr sz="1200" kern="1200">
+        <a:solidFill>
+          <a:schemeClr val="tx1"/>
+        </a:solidFill>
+        <a:latin typeface="+mn-lt"/>
+        <a:ea typeface="+mn-ea"/>
+        <a:cs typeface="+mn-cs"/>
+      </a:defRPr>
+    </a:lvl4pPr>
+    <a:lvl5pPr marL="1828800" algn="l" defTabSz="914400" rtl="0" eaLnBrk="1" latinLnBrk="0" hangingPunct="1">
+      <a:defRPr sz="1200" kern="1200">
+        <a:solidFill>
+          <a:schemeClr val="tx1"/>
+        </a:solidFill>
+        <a:latin typeface="+mn-lt"/>
+        <a:ea typeface="+mn-ea"/>
+        <a:cs typeface="+mn-cs"/>
+      </a:defRPr>
+    </a:lvl5pPr>
+    <a:lvl6pPr marL="2286000" algn="l" defTabSz="914400" rtl="0" eaLnBrk="1" latinLnBrk="0" hangingPunct="1">
+      <a:defRPr sz="1200" kern="1200">
+        <a:solidFill>
+          <a:schemeClr val="tx1"/>
+        </a:solidFill>
+        <a:latin typeface="+mn-lt"/>
+        <a:ea typeface="+mn-ea"/>
+        <a:cs typeface="+mn-cs"/>
+      </a:defRPr>
+    </a:lvl6pPr>
+    <a:lvl7pPr marL="2743200" algn="l" defTabSz="914400" rtl="0" eaLnBrk="1" latinLnBrk="0" hangingPunct="1">
+      <a:defRPr sz="1200" kern="1200">
+        <a:solidFill>
+          <a:schemeClr val="tx1"/>
+        </a:solidFill>
+        <a:latin typeface="+mn-lt"/>
+        <a:ea typeface="+mn-ea"/>
+        <a:cs typeface="+mn-cs"/>
+      </a:defRPr>
+    </a:lvl7pPr>
+    <a:lvl8pPr marL="3200400" algn="l" defTabSz="914400" rtl="0" eaLnBrk="1" latinLnBrk="0" hangingPunct="1">
+      <a:defRPr sz="1200" kern="1200">
+        <a:solidFill>
+          <a:schemeClr val="tx1"/>
+        </a:solidFill>
+        <a:latin typeface="+mn-lt"/>
+        <a:ea typeface="+mn-ea"/>
+        <a:cs typeface="+mn-cs"/>
+      </a:defRPr>
+    </a:lvl8pPr>
+    <a:lvl9pPr marL="3657600" algn="l" defTabSz="914400" rtl="0" eaLnBrk="1" latinLnBrk="0" hangingPunct="1">
+      <a:defRPr sz="1200" kern="1200">
+        <a:solidFill>
+          <a:schemeClr val="tx1"/>
+        </a:solidFill>
+        <a:latin typeface="+mn-lt"/>
+        <a:ea typeface="+mn-ea"/>
+        <a:cs typeface="+mn-cs"/>
+      </a:defRPr>
+    </a:lvl9pPr>
+  </p:notesStyle>
+</p:notesMaster>
+</file>
+
+<file path=ppt/notesSlides/notesSlide1.xml><?xml version="1.0" encoding="utf-8"?>
+<p:notes xmlns:a="http://schemas.openxmlformats.org/drawingml/2006/main" xmlns:r="http://schemas.openxmlformats.org/officeDocument/2006/relationships" xmlns:p="http://schemas.openxmlformats.org/presentationml/2006/main">
+  <p:cSld>
+    <p:spTree>
+      <p:nvGrpSpPr>
+        <p:cNvPr id="1" name=""/>
+        <p:cNvGrpSpPr/>
+        <p:nvPr/>
+      </p:nvGrpSpPr>
+      <p:grpSpPr>
+        <a:xfrm>
+          <a:off x="0" y="0"/>
+          <a:ext cx="0" cy="0"/>
+          <a:chOff x="0" y="0"/>
+          <a:chExt cx="0" cy="0"/>
+        </a:xfrm>
+      </p:grpSpPr>
+      <p:sp>
+        <p:nvSpPr>
+          <p:cNvPr id="2" name="投影片圖像版面配置區 1"/>
+          <p:cNvSpPr>
+            <a:spLocks noGrp="1" noRot="1" noChangeAspect="1"/>
+          </p:cNvSpPr>
+          <p:nvPr>
+            <p:ph type="sldImg"/>
+          </p:nvPr>
+        </p:nvSpPr>
+        <p:spPr/>
+      </p:sp>
+      <p:sp>
+        <p:nvSpPr>
+          <p:cNvPr id="3" name="備忘稿版面配置區 2"/>
+          <p:cNvSpPr>
+            <a:spLocks noGrp="1"/>
+          </p:cNvSpPr>
+          <p:nvPr>
+            <p:ph type="body" idx="1"/>
+          </p:nvPr>
+        </p:nvSpPr>
+        <p:spPr/>
+        <p:txBody>
+          <a:bodyPr/>
+          <a:lstStyle/>
+          <a:p>
+            <a:endParaRPr lang="zh-TW" altLang="en-US" dirty="0"/>
+          </a:p>
+        </p:txBody>
+      </p:sp>
+      <p:sp>
+        <p:nvSpPr>
+          <p:cNvPr id="4" name="投影片編號版面配置區 3"/>
+          <p:cNvSpPr>
+            <a:spLocks noGrp="1"/>
+          </p:cNvSpPr>
+          <p:nvPr>
+            <p:ph type="sldNum" sz="quarter" idx="10"/>
+          </p:nvPr>
+        </p:nvSpPr>
+        <p:spPr/>
+        <p:txBody>
+          <a:bodyPr/>
+          <a:lstStyle/>
+          <a:p>
+            <a:fld id="{AE9BB5C6-E6FC-4E43-BF5C-294B11DAA903}" type="slidenum">
+              <a:rPr lang="zh-TW" altLang="en-US" smtClean="0"/>
+              <a:t>14</a:t>
+            </a:fld>
+            <a:endParaRPr lang="zh-TW" altLang="en-US"/>
+          </a:p>
+        </p:txBody>
+      </p:sp>
+    </p:spTree>
+    <p:extLst>
+      <p:ext uri="{BB962C8B-B14F-4D97-AF65-F5344CB8AC3E}">
+        <p14:creationId xmlns:p14="http://schemas.microsoft.com/office/powerpoint/2010/main" val="1532759229"/>
+      </p:ext>
+    </p:extLst>
+  </p:cSld>
+  <p:clrMapOvr>
+    <a:masterClrMapping/>
+  </p:clrMapOvr>
+</p:notes>
+</file>
+
 <file path=ppt/slideLayouts/slideLayout1.xml><?xml version="1.0" encoding="utf-8"?>
 <p:sldLayout xmlns:a="http://schemas.openxmlformats.org/drawingml/2006/main" xmlns:r="http://schemas.openxmlformats.org/officeDocument/2006/relationships" xmlns:p="http://schemas.openxmlformats.org/presentationml/2006/main" type="title" preserve="1">
   <p:cSld name="標題投影片">
@@ -261,7 +698,7 @@
             <a:fld id="{8FFCEC07-D64F-4E5D-81E0-661D88DA05AE}" type="datetimeFigureOut">
               <a:rPr lang="zh-TW" altLang="en-US" smtClean="0"/>
               <a:pPr/>
-              <a:t>2018/11/20</a:t>
+              <a:t>2018/12/17</a:t>
             </a:fld>
             <a:endParaRPr lang="zh-TW" altLang="en-US"/>
           </a:p>
@@ -438,7 +875,7 @@
             <a:fld id="{8FFCEC07-D64F-4E5D-81E0-661D88DA05AE}" type="datetimeFigureOut">
               <a:rPr lang="zh-TW" altLang="en-US" smtClean="0"/>
               <a:pPr/>
-              <a:t>2018/11/20</a:t>
+              <a:t>2018/12/17</a:t>
             </a:fld>
             <a:endParaRPr lang="zh-TW" altLang="en-US"/>
           </a:p>
@@ -625,7 +1062,7 @@
             <a:fld id="{8FFCEC07-D64F-4E5D-81E0-661D88DA05AE}" type="datetimeFigureOut">
               <a:rPr lang="zh-TW" altLang="en-US" smtClean="0"/>
               <a:pPr/>
-              <a:t>2018/11/20</a:t>
+              <a:t>2018/12/17</a:t>
             </a:fld>
             <a:endParaRPr lang="zh-TW" altLang="en-US"/>
           </a:p>
@@ -802,7 +1239,7 @@
             <a:fld id="{8FFCEC07-D64F-4E5D-81E0-661D88DA05AE}" type="datetimeFigureOut">
               <a:rPr lang="zh-TW" altLang="en-US" smtClean="0"/>
               <a:pPr/>
-              <a:t>2018/11/20</a:t>
+              <a:t>2018/12/17</a:t>
             </a:fld>
             <a:endParaRPr lang="zh-TW" altLang="en-US"/>
           </a:p>
@@ -1002,7 +1439,7 @@
             <a:fld id="{8FFCEC07-D64F-4E5D-81E0-661D88DA05AE}" type="datetimeFigureOut">
               <a:rPr lang="zh-TW" altLang="en-US" smtClean="0"/>
               <a:pPr/>
-              <a:t>2018/11/20</a:t>
+              <a:t>2018/12/17</a:t>
             </a:fld>
             <a:endParaRPr lang="zh-TW" altLang="en-US"/>
           </a:p>
@@ -1296,7 +1733,7 @@
             <a:fld id="{8FFCEC07-D64F-4E5D-81E0-661D88DA05AE}" type="datetimeFigureOut">
               <a:rPr lang="zh-TW" altLang="en-US" smtClean="0"/>
               <a:pPr/>
-              <a:t>2018/11/20</a:t>
+              <a:t>2018/12/17</a:t>
             </a:fld>
             <a:endParaRPr lang="zh-TW" altLang="en-US"/>
           </a:p>
@@ -1729,7 +2166,7 @@
             <a:fld id="{8FFCEC07-D64F-4E5D-81E0-661D88DA05AE}" type="datetimeFigureOut">
               <a:rPr lang="zh-TW" altLang="en-US" smtClean="0"/>
               <a:pPr/>
-              <a:t>2018/11/20</a:t>
+              <a:t>2018/12/17</a:t>
             </a:fld>
             <a:endParaRPr lang="zh-TW" altLang="en-US"/>
           </a:p>
@@ -1855,7 +2292,7 @@
             <a:fld id="{8FFCEC07-D64F-4E5D-81E0-661D88DA05AE}" type="datetimeFigureOut">
               <a:rPr lang="zh-TW" altLang="en-US" smtClean="0"/>
               <a:pPr/>
-              <a:t>2018/11/20</a:t>
+              <a:t>2018/12/17</a:t>
             </a:fld>
             <a:endParaRPr lang="zh-TW" altLang="en-US"/>
           </a:p>
@@ -1959,7 +2396,7 @@
             <a:fld id="{8FFCEC07-D64F-4E5D-81E0-661D88DA05AE}" type="datetimeFigureOut">
               <a:rPr lang="zh-TW" altLang="en-US" smtClean="0"/>
               <a:pPr/>
-              <a:t>2018/11/20</a:t>
+              <a:t>2018/12/17</a:t>
             </a:fld>
             <a:endParaRPr lang="zh-TW" altLang="en-US"/>
           </a:p>
@@ -2243,7 +2680,7 @@
             <a:fld id="{8FFCEC07-D64F-4E5D-81E0-661D88DA05AE}" type="datetimeFigureOut">
               <a:rPr lang="zh-TW" altLang="en-US" smtClean="0"/>
               <a:pPr/>
-              <a:t>2018/11/20</a:t>
+              <a:t>2018/12/17</a:t>
             </a:fld>
             <a:endParaRPr lang="zh-TW" altLang="en-US"/>
           </a:p>
@@ -2507,7 +2944,7 @@
             <a:fld id="{8FFCEC07-D64F-4E5D-81E0-661D88DA05AE}" type="datetimeFigureOut">
               <a:rPr lang="zh-TW" altLang="en-US" smtClean="0"/>
               <a:pPr/>
-              <a:t>2018/11/20</a:t>
+              <a:t>2018/12/17</a:t>
             </a:fld>
             <a:endParaRPr lang="zh-TW" altLang="en-US"/>
           </a:p>
@@ -2762,7 +3199,7 @@
             <a:fld id="{8FFCEC07-D64F-4E5D-81E0-661D88DA05AE}" type="datetimeFigureOut">
               <a:rPr lang="zh-TW" altLang="en-US" smtClean="0"/>
               <a:pPr/>
-              <a:t>2018/11/20</a:t>
+              <a:t>2018/12/17</a:t>
             </a:fld>
             <a:endParaRPr lang="zh-TW" altLang="en-US"/>
           </a:p>
@@ -3511,7 +3948,7 @@
           <a:graphicData uri="http://schemas.openxmlformats.org/presentationml/2006/ole">
             <mc:AlternateContent xmlns:mc="http://schemas.openxmlformats.org/markup-compatibility/2006">
               <mc:Choice xmlns:v="urn:schemas-microsoft-com:vml" Requires="v">
-                <p:oleObj spid="_x0000_s21530" name="Visio" r:id="rId3" imgW="5821153" imgH="4370556" progId="Visio.Drawing.11">
+                <p:oleObj spid="_x0000_s21532" name="Visio" r:id="rId3" imgW="5821153" imgH="4370556" progId="Visio.Drawing.11">
                   <p:embed/>
                 </p:oleObj>
               </mc:Choice>
@@ -3824,7 +4261,7 @@
           <a:graphicData uri="http://schemas.openxmlformats.org/presentationml/2006/ole">
             <mc:AlternateContent xmlns:mc="http://schemas.openxmlformats.org/markup-compatibility/2006">
               <mc:Choice xmlns:v="urn:schemas-microsoft-com:vml" Requires="v">
-                <p:oleObj spid="_x0000_s47134" name="Visio" r:id="rId3" imgW="5578235" imgH="4463378" progId="Visio.Drawing.11">
+                <p:oleObj spid="_x0000_s47136" name="Visio" r:id="rId3" imgW="5578235" imgH="4463378" progId="Visio.Drawing.11">
                   <p:embed/>
                 </p:oleObj>
               </mc:Choice>
@@ -3948,99 +4385,36 @@
           </a:p>
         </p:txBody>
       </p:sp>
-      <p:graphicFrame>
-        <p:nvGraphicFramePr>
-          <p:cNvPr id="28677" name="Object 5"/>
-          <p:cNvGraphicFramePr>
-            <a:graphicFrameLocks noChangeAspect="1"/>
-          </p:cNvGraphicFramePr>
+      <p:pic>
+        <p:nvPicPr>
+          <p:cNvPr id="5" name="圖片 4"/>
+          <p:cNvPicPr>
+            <a:picLocks noChangeAspect="1"/>
+          </p:cNvPicPr>
           <p:nvPr/>
-        </p:nvGraphicFramePr>
-        <p:xfrm>
-          <a:off x="1500166" y="-357213"/>
-          <a:ext cx="7000924" cy="7051068"/>
-        </p:xfrm>
-        <a:graphic>
-          <a:graphicData uri="http://schemas.openxmlformats.org/presentationml/2006/ole">
-            <mc:AlternateContent xmlns:mc="http://schemas.openxmlformats.org/markup-compatibility/2006">
-              <mc:Choice xmlns:v="urn:schemas-microsoft-com:vml" Requires="v">
-                <p:oleObj spid="_x0000_s28699" name="Visio" r:id="rId3" imgW="8157514" imgH="7528494" progId="Visio.Drawing.11">
-                  <p:embed/>
-                </p:oleObj>
-              </mc:Choice>
-              <mc:Fallback>
-                <p:oleObj name="Visio" r:id="rId3" imgW="8157514" imgH="7528494" progId="Visio.Drawing.11">
-                  <p:embed/>
-                  <p:pic>
-                    <p:nvPicPr>
-                      <p:cNvPr id="0" name="Picture 11"/>
-                      <p:cNvPicPr>
-                        <a:picLocks noChangeAspect="1" noChangeArrowheads="1"/>
-                      </p:cNvPicPr>
-                      <p:nvPr/>
-                    </p:nvPicPr>
-                    <p:blipFill>
-                      <a:blip r:embed="rId4">
-                        <a:extLst>
-                          <a:ext uri="{28A0092B-C50C-407E-A947-70E740481C1C}">
-                            <a14:useLocalDpi xmlns:a14="http://schemas.microsoft.com/office/drawing/2010/main" val="0"/>
-                          </a:ext>
-                        </a:extLst>
-                      </a:blip>
-                      <a:srcRect/>
-                      <a:stretch>
-                        <a:fillRect/>
-                      </a:stretch>
-                    </p:blipFill>
-                    <p:spPr bwMode="auto">
-                      <a:xfrm>
-                        <a:off x="1500166" y="-357213"/>
-                        <a:ext cx="7000924" cy="7051068"/>
-                      </a:xfrm>
-                      <a:prstGeom prst="rect">
-                        <a:avLst/>
-                      </a:prstGeom>
-                      <a:noFill/>
-                      <a:ln>
-                        <a:noFill/>
-                      </a:ln>
-                      <a:effectLst/>
-                      <a:extLst>
-                        <a:ext uri="{909E8E84-426E-40DD-AFC4-6F175D3DCCD1}">
-                          <a14:hiddenFill xmlns:a14="http://schemas.microsoft.com/office/drawing/2010/main">
-                            <a:solidFill>
-                              <a:schemeClr val="accent1"/>
-                            </a:solidFill>
-                          </a14:hiddenFill>
-                        </a:ext>
-                        <a:ext uri="{91240B29-F687-4F45-9708-019B960494DF}">
-                          <a14:hiddenLine xmlns:a14="http://schemas.microsoft.com/office/drawing/2010/main" w="9525">
-                            <a:solidFill>
-                              <a:schemeClr val="tx1"/>
-                            </a:solidFill>
-                            <a:miter lim="800000"/>
-                            <a:headEnd/>
-                            <a:tailEnd/>
-                          </a14:hiddenLine>
-                        </a:ext>
-                        <a:ext uri="{AF507438-7753-43E0-B8FC-AC1667EBCBE1}">
-                          <a14:hiddenEffects xmlns:a14="http://schemas.microsoft.com/office/drawing/2010/main">
-                            <a:effectLst>
-                              <a:outerShdw dist="35921" dir="2700000" algn="ctr" rotWithShape="0">
-                                <a:schemeClr val="bg2"/>
-                              </a:outerShdw>
-                            </a:effectLst>
-                          </a14:hiddenEffects>
-                        </a:ext>
-                      </a:extLst>
-                    </p:spPr>
-                  </p:pic>
-                </p:oleObj>
-              </mc:Fallback>
-            </mc:AlternateContent>
-          </a:graphicData>
-        </a:graphic>
-      </p:graphicFrame>
+        </p:nvPicPr>
+        <p:blipFill>
+          <a:blip r:embed="rId3">
+            <a:extLst>
+              <a:ext uri="{28A0092B-C50C-407E-A947-70E740481C1C}">
+                <a14:useLocalDpi xmlns:a14="http://schemas.microsoft.com/office/drawing/2010/main" val="0"/>
+              </a:ext>
+            </a:extLst>
+          </a:blip>
+          <a:stretch>
+            <a:fillRect/>
+          </a:stretch>
+        </p:blipFill>
+        <p:spPr>
+          <a:xfrm>
+            <a:off x="539551" y="1447800"/>
+            <a:ext cx="7902369" cy="4919763"/>
+          </a:xfrm>
+          <a:prstGeom prst="rect">
+            <a:avLst/>
+          </a:prstGeom>
+        </p:spPr>
+      </p:pic>
     </p:spTree>
   </p:cSld>
   <p:clrMapOvr>
@@ -4104,7 +4478,7 @@
           <a:graphicData uri="http://schemas.openxmlformats.org/presentationml/2006/ole">
             <mc:AlternateContent xmlns:mc="http://schemas.openxmlformats.org/markup-compatibility/2006">
               <mc:Choice xmlns:v="urn:schemas-microsoft-com:vml" Requires="v">
-                <p:oleObj spid="_x0000_s48156" name="Visio" r:id="rId3" imgW="5941344" imgH="6514521" progId="Visio.Drawing.11">
+                <p:oleObj spid="_x0000_s48158" name="Visio" r:id="rId3" imgW="5941344" imgH="6514521" progId="Visio.Drawing.11">
                   <p:embed/>
                 </p:oleObj>
               </mc:Choice>
@@ -9058,11 +9432,7 @@
             </a:r>
             <a:r>
               <a:rPr kumimoji="1" lang="zh-TW" altLang="en-US" dirty="0" smtClean="0"/>
-              <a:t>回報</a:t>
-            </a:r>
-            <a:r>
-              <a:rPr kumimoji="1" lang="zh-TW" altLang="en-US" dirty="0" smtClean="0"/>
-              <a:t>。</a:t>
+              <a:t>回報。</a:t>
             </a:r>
             <a:endParaRPr kumimoji="1" lang="en-US" altLang="zh-TW" dirty="0" smtClean="0"/>
           </a:p>
@@ -9689,4 +10059,265 @@
     </a:extraClrScheme>
   </a:extraClrSchemeLst>
 </a:theme>
+</file>
+
+<file path=ppt/theme/theme2.xml><?xml version="1.0" encoding="utf-8"?>
+<a:theme xmlns:a="http://schemas.openxmlformats.org/drawingml/2006/main" name="Office 佈景主題">
+  <a:themeElements>
+    <a:clrScheme name="Office">
+      <a:dk1>
+        <a:sysClr val="windowText" lastClr="000000"/>
+      </a:dk1>
+      <a:lt1>
+        <a:sysClr val="window" lastClr="FFFFFF"/>
+      </a:lt1>
+      <a:dk2>
+        <a:srgbClr val="44546A"/>
+      </a:dk2>
+      <a:lt2>
+        <a:srgbClr val="E7E6E6"/>
+      </a:lt2>
+      <a:accent1>
+        <a:srgbClr val="5B9BD5"/>
+      </a:accent1>
+      <a:accent2>
+        <a:srgbClr val="ED7D31"/>
+      </a:accent2>
+      <a:accent3>
+        <a:srgbClr val="A5A5A5"/>
+      </a:accent3>
+      <a:accent4>
+        <a:srgbClr val="FFC000"/>
+      </a:accent4>
+      <a:accent5>
+        <a:srgbClr val="4472C4"/>
+      </a:accent5>
+      <a:accent6>
+        <a:srgbClr val="70AD47"/>
+      </a:accent6>
+      <a:hlink>
+        <a:srgbClr val="0563C1"/>
+      </a:hlink>
+      <a:folHlink>
+        <a:srgbClr val="954F72"/>
+      </a:folHlink>
+    </a:clrScheme>
+    <a:fontScheme name="Office">
+      <a:majorFont>
+        <a:latin typeface="Calibri Light" panose="020F0302020204030204"/>
+        <a:ea typeface=""/>
+        <a:cs typeface=""/>
+        <a:font script="Jpan" typeface="游ゴシック Light"/>
+        <a:font script="Hang" typeface="맑은 고딕"/>
+        <a:font script="Hans" typeface="等线 Light"/>
+        <a:font script="Hant" typeface="新細明體"/>
+        <a:font script="Arab" typeface="Times New Roman"/>
+        <a:font script="Hebr" typeface="Times New Roman"/>
+        <a:font script="Thai" typeface="Angsana New"/>
+        <a:font script="Ethi" typeface="Nyala"/>
+        <a:font script="Beng" typeface="Vrinda"/>
+        <a:font script="Gujr" typeface="Shruti"/>
+        <a:font script="Khmr" typeface="MoolBoran"/>
+        <a:font script="Knda" typeface="Tunga"/>
+        <a:font script="Guru" typeface="Raavi"/>
+        <a:font script="Cans" typeface="Euphemia"/>
+        <a:font script="Cher" typeface="Plantagenet Cherokee"/>
+        <a:font script="Yiii" typeface="Microsoft Yi Baiti"/>
+        <a:font script="Tibt" typeface="Microsoft Himalaya"/>
+        <a:font script="Thaa" typeface="MV Boli"/>
+        <a:font script="Deva" typeface="Mangal"/>
+        <a:font script="Telu" typeface="Gautami"/>
+        <a:font script="Taml" typeface="Latha"/>
+        <a:font script="Syrc" typeface="Estrangelo Edessa"/>
+        <a:font script="Orya" typeface="Kalinga"/>
+        <a:font script="Mlym" typeface="Kartika"/>
+        <a:font script="Laoo" typeface="DokChampa"/>
+        <a:font script="Sinh" typeface="Iskoola Pota"/>
+        <a:font script="Mong" typeface="Mongolian Baiti"/>
+        <a:font script="Viet" typeface="Times New Roman"/>
+        <a:font script="Uigh" typeface="Microsoft Uighur"/>
+        <a:font script="Geor" typeface="Sylfaen"/>
+      </a:majorFont>
+      <a:minorFont>
+        <a:latin typeface="Calibri" panose="020F0502020204030204"/>
+        <a:ea typeface=""/>
+        <a:cs typeface=""/>
+        <a:font script="Jpan" typeface="游ゴシック"/>
+        <a:font script="Hang" typeface="맑은 고딕"/>
+        <a:font script="Hans" typeface="等线"/>
+        <a:font script="Hant" typeface="新細明體"/>
+        <a:font script="Arab" typeface="Arial"/>
+        <a:font script="Hebr" typeface="Arial"/>
+        <a:font script="Thai" typeface="Cordia New"/>
+        <a:font script="Ethi" typeface="Nyala"/>
+        <a:font script="Beng" typeface="Vrinda"/>
+        <a:font script="Gujr" typeface="Shruti"/>
+        <a:font script="Khmr" typeface="DaunPenh"/>
+        <a:font script="Knda" typeface="Tunga"/>
+        <a:font script="Guru" typeface="Raavi"/>
+        <a:font script="Cans" typeface="Euphemia"/>
+        <a:font script="Cher" typeface="Plantagenet Cherokee"/>
+        <a:font script="Yiii" typeface="Microsoft Yi Baiti"/>
+        <a:font script="Tibt" typeface="Microsoft Himalaya"/>
+        <a:font script="Thaa" typeface="MV Boli"/>
+        <a:font script="Deva" typeface="Mangal"/>
+        <a:font script="Telu" typeface="Gautami"/>
+        <a:font script="Taml" typeface="Latha"/>
+        <a:font script="Syrc" typeface="Estrangelo Edessa"/>
+        <a:font script="Orya" typeface="Kalinga"/>
+        <a:font script="Mlym" typeface="Kartika"/>
+        <a:font script="Laoo" typeface="DokChampa"/>
+        <a:font script="Sinh" typeface="Iskoola Pota"/>
+        <a:font script="Mong" typeface="Mongolian Baiti"/>
+        <a:font script="Viet" typeface="Arial"/>
+        <a:font script="Uigh" typeface="Microsoft Uighur"/>
+        <a:font script="Geor" typeface="Sylfaen"/>
+      </a:minorFont>
+    </a:fontScheme>
+    <a:fmtScheme name="Office">
+      <a:fillStyleLst>
+        <a:solidFill>
+          <a:schemeClr val="phClr"/>
+        </a:solidFill>
+        <a:gradFill rotWithShape="1">
+          <a:gsLst>
+            <a:gs pos="0">
+              <a:schemeClr val="phClr">
+                <a:lumMod val="110000"/>
+                <a:satMod val="105000"/>
+                <a:tint val="67000"/>
+              </a:schemeClr>
+            </a:gs>
+            <a:gs pos="50000">
+              <a:schemeClr val="phClr">
+                <a:lumMod val="105000"/>
+                <a:satMod val="103000"/>
+                <a:tint val="73000"/>
+              </a:schemeClr>
+            </a:gs>
+            <a:gs pos="100000">
+              <a:schemeClr val="phClr">
+                <a:lumMod val="105000"/>
+                <a:satMod val="109000"/>
+                <a:tint val="81000"/>
+              </a:schemeClr>
+            </a:gs>
+          </a:gsLst>
+          <a:lin ang="5400000" scaled="0"/>
+        </a:gradFill>
+        <a:gradFill rotWithShape="1">
+          <a:gsLst>
+            <a:gs pos="0">
+              <a:schemeClr val="phClr">
+                <a:satMod val="103000"/>
+                <a:lumMod val="102000"/>
+                <a:tint val="94000"/>
+              </a:schemeClr>
+            </a:gs>
+            <a:gs pos="50000">
+              <a:schemeClr val="phClr">
+                <a:satMod val="110000"/>
+                <a:lumMod val="100000"/>
+                <a:shade val="100000"/>
+              </a:schemeClr>
+            </a:gs>
+            <a:gs pos="100000">
+              <a:schemeClr val="phClr">
+                <a:lumMod val="99000"/>
+                <a:satMod val="120000"/>
+                <a:shade val="78000"/>
+              </a:schemeClr>
+            </a:gs>
+          </a:gsLst>
+          <a:lin ang="5400000" scaled="0"/>
+        </a:gradFill>
+      </a:fillStyleLst>
+      <a:lnStyleLst>
+        <a:ln w="6350" cap="flat" cmpd="sng" algn="ctr">
+          <a:solidFill>
+            <a:schemeClr val="phClr"/>
+          </a:solidFill>
+          <a:prstDash val="solid"/>
+          <a:miter lim="800000"/>
+        </a:ln>
+        <a:ln w="12700" cap="flat" cmpd="sng" algn="ctr">
+          <a:solidFill>
+            <a:schemeClr val="phClr"/>
+          </a:solidFill>
+          <a:prstDash val="solid"/>
+          <a:miter lim="800000"/>
+        </a:ln>
+        <a:ln w="19050" cap="flat" cmpd="sng" algn="ctr">
+          <a:solidFill>
+            <a:schemeClr val="phClr"/>
+          </a:solidFill>
+          <a:prstDash val="solid"/>
+          <a:miter lim="800000"/>
+        </a:ln>
+      </a:lnStyleLst>
+      <a:effectStyleLst>
+        <a:effectStyle>
+          <a:effectLst/>
+        </a:effectStyle>
+        <a:effectStyle>
+          <a:effectLst/>
+        </a:effectStyle>
+        <a:effectStyle>
+          <a:effectLst>
+            <a:outerShdw blurRad="57150" dist="19050" dir="5400000" algn="ctr" rotWithShape="0">
+              <a:srgbClr val="000000">
+                <a:alpha val="63000"/>
+              </a:srgbClr>
+            </a:outerShdw>
+          </a:effectLst>
+        </a:effectStyle>
+      </a:effectStyleLst>
+      <a:bgFillStyleLst>
+        <a:solidFill>
+          <a:schemeClr val="phClr"/>
+        </a:solidFill>
+        <a:solidFill>
+          <a:schemeClr val="phClr">
+            <a:tint val="95000"/>
+            <a:satMod val="170000"/>
+          </a:schemeClr>
+        </a:solidFill>
+        <a:gradFill rotWithShape="1">
+          <a:gsLst>
+            <a:gs pos="0">
+              <a:schemeClr val="phClr">
+                <a:tint val="93000"/>
+                <a:satMod val="150000"/>
+                <a:shade val="98000"/>
+                <a:lumMod val="102000"/>
+              </a:schemeClr>
+            </a:gs>
+            <a:gs pos="50000">
+              <a:schemeClr val="phClr">
+                <a:tint val="98000"/>
+                <a:satMod val="130000"/>
+                <a:shade val="90000"/>
+                <a:lumMod val="103000"/>
+              </a:schemeClr>
+            </a:gs>
+            <a:gs pos="100000">
+              <a:schemeClr val="phClr">
+                <a:shade val="63000"/>
+                <a:satMod val="120000"/>
+              </a:schemeClr>
+            </a:gs>
+          </a:gsLst>
+          <a:lin ang="5400000" scaled="0"/>
+        </a:gradFill>
+      </a:bgFillStyleLst>
+    </a:fmtScheme>
+  </a:themeElements>
+  <a:objectDefaults/>
+  <a:extraClrSchemeLst/>
+  <a:extLst>
+    <a:ext uri="{05A4C25C-085E-4340-85A3-A5531E510DB2}">
+      <thm15:themeFamily xmlns:thm15="http://schemas.microsoft.com/office/thememl/2012/main" name="Office Theme" id="{62F939B6-93AF-4DB8-9C6B-D6C7DFDC589F}" vid="{4A3C46E8-61CC-4603-A589-7422A47A8E4A}"/>
+    </a:ext>
+  </a:extLst>
+</a:theme>
 </file>
--- a/107_SE_Team12_AR RPG結合區域行銷.pptx
+++ b/107_SE_Team12_AR RPG結合區域行銷.pptx
@@ -5,7 +5,7 @@
     <p:sldMasterId id="2147483708" r:id="rId1"/>
   </p:sldMasterIdLst>
   <p:notesMasterIdLst>
-    <p:notesMasterId r:id="rId21"/>
+    <p:notesMasterId r:id="rId23"/>
   </p:notesMasterIdLst>
   <p:sldIdLst>
     <p:sldId id="260" r:id="rId2"/>
@@ -16,17 +16,19 @@
     <p:sldId id="263" r:id="rId7"/>
     <p:sldId id="268" r:id="rId8"/>
     <p:sldId id="269" r:id="rId9"/>
-    <p:sldId id="283" r:id="rId10"/>
+    <p:sldId id="286" r:id="rId10"/>
     <p:sldId id="272" r:id="rId11"/>
     <p:sldId id="281" r:id="rId12"/>
     <p:sldId id="280" r:id="rId13"/>
     <p:sldId id="271" r:id="rId14"/>
     <p:sldId id="274" r:id="rId15"/>
     <p:sldId id="275" r:id="rId16"/>
-    <p:sldId id="276" r:id="rId17"/>
-    <p:sldId id="282" r:id="rId18"/>
-    <p:sldId id="278" r:id="rId19"/>
-    <p:sldId id="279" r:id="rId20"/>
+    <p:sldId id="284" r:id="rId17"/>
+    <p:sldId id="276" r:id="rId18"/>
+    <p:sldId id="282" r:id="rId19"/>
+    <p:sldId id="285" r:id="rId20"/>
+    <p:sldId id="278" r:id="rId21"/>
+    <p:sldId id="279" r:id="rId22"/>
   </p:sldIdLst>
   <p:sldSz cx="9144000" cy="6858000" type="screen4x3"/>
   <p:notesSz cx="6858000" cy="9144000"/>
@@ -226,7 +228,7 @@
           <a:p>
             <a:fld id="{E65F101D-2319-4DC8-89C1-1563B24382CD}" type="datetimeFigureOut">
               <a:rPr lang="zh-TW" altLang="en-US" smtClean="0"/>
-              <a:t>2018/12/17</a:t>
+              <a:t>2019/1/1</a:t>
             </a:fld>
             <a:endParaRPr lang="zh-TW" altLang="en-US"/>
           </a:p>
@@ -698,7 +700,7 @@
             <a:fld id="{8FFCEC07-D64F-4E5D-81E0-661D88DA05AE}" type="datetimeFigureOut">
               <a:rPr lang="zh-TW" altLang="en-US" smtClean="0"/>
               <a:pPr/>
-              <a:t>2018/12/17</a:t>
+              <a:t>2019/1/1</a:t>
             </a:fld>
             <a:endParaRPr lang="zh-TW" altLang="en-US"/>
           </a:p>
@@ -875,7 +877,7 @@
             <a:fld id="{8FFCEC07-D64F-4E5D-81E0-661D88DA05AE}" type="datetimeFigureOut">
               <a:rPr lang="zh-TW" altLang="en-US" smtClean="0"/>
               <a:pPr/>
-              <a:t>2018/12/17</a:t>
+              <a:t>2019/1/1</a:t>
             </a:fld>
             <a:endParaRPr lang="zh-TW" altLang="en-US"/>
           </a:p>
@@ -1062,7 +1064,7 @@
             <a:fld id="{8FFCEC07-D64F-4E5D-81E0-661D88DA05AE}" type="datetimeFigureOut">
               <a:rPr lang="zh-TW" altLang="en-US" smtClean="0"/>
               <a:pPr/>
-              <a:t>2018/12/17</a:t>
+              <a:t>2019/1/1</a:t>
             </a:fld>
             <a:endParaRPr lang="zh-TW" altLang="en-US"/>
           </a:p>
@@ -1239,7 +1241,7 @@
             <a:fld id="{8FFCEC07-D64F-4E5D-81E0-661D88DA05AE}" type="datetimeFigureOut">
               <a:rPr lang="zh-TW" altLang="en-US" smtClean="0"/>
               <a:pPr/>
-              <a:t>2018/12/17</a:t>
+              <a:t>2019/1/1</a:t>
             </a:fld>
             <a:endParaRPr lang="zh-TW" altLang="en-US"/>
           </a:p>
@@ -1439,7 +1441,7 @@
             <a:fld id="{8FFCEC07-D64F-4E5D-81E0-661D88DA05AE}" type="datetimeFigureOut">
               <a:rPr lang="zh-TW" altLang="en-US" smtClean="0"/>
               <a:pPr/>
-              <a:t>2018/12/17</a:t>
+              <a:t>2019/1/1</a:t>
             </a:fld>
             <a:endParaRPr lang="zh-TW" altLang="en-US"/>
           </a:p>
@@ -1733,7 +1735,7 @@
             <a:fld id="{8FFCEC07-D64F-4E5D-81E0-661D88DA05AE}" type="datetimeFigureOut">
               <a:rPr lang="zh-TW" altLang="en-US" smtClean="0"/>
               <a:pPr/>
-              <a:t>2018/12/17</a:t>
+              <a:t>2019/1/1</a:t>
             </a:fld>
             <a:endParaRPr lang="zh-TW" altLang="en-US"/>
           </a:p>
@@ -2166,7 +2168,7 @@
             <a:fld id="{8FFCEC07-D64F-4E5D-81E0-661D88DA05AE}" type="datetimeFigureOut">
               <a:rPr lang="zh-TW" altLang="en-US" smtClean="0"/>
               <a:pPr/>
-              <a:t>2018/12/17</a:t>
+              <a:t>2019/1/1</a:t>
             </a:fld>
             <a:endParaRPr lang="zh-TW" altLang="en-US"/>
           </a:p>
@@ -2292,7 +2294,7 @@
             <a:fld id="{8FFCEC07-D64F-4E5D-81E0-661D88DA05AE}" type="datetimeFigureOut">
               <a:rPr lang="zh-TW" altLang="en-US" smtClean="0"/>
               <a:pPr/>
-              <a:t>2018/12/17</a:t>
+              <a:t>2019/1/1</a:t>
             </a:fld>
             <a:endParaRPr lang="zh-TW" altLang="en-US"/>
           </a:p>
@@ -2396,7 +2398,7 @@
             <a:fld id="{8FFCEC07-D64F-4E5D-81E0-661D88DA05AE}" type="datetimeFigureOut">
               <a:rPr lang="zh-TW" altLang="en-US" smtClean="0"/>
               <a:pPr/>
-              <a:t>2018/12/17</a:t>
+              <a:t>2019/1/1</a:t>
             </a:fld>
             <a:endParaRPr lang="zh-TW" altLang="en-US"/>
           </a:p>
@@ -2680,7 +2682,7 @@
             <a:fld id="{8FFCEC07-D64F-4E5D-81E0-661D88DA05AE}" type="datetimeFigureOut">
               <a:rPr lang="zh-TW" altLang="en-US" smtClean="0"/>
               <a:pPr/>
-              <a:t>2018/12/17</a:t>
+              <a:t>2019/1/1</a:t>
             </a:fld>
             <a:endParaRPr lang="zh-TW" altLang="en-US"/>
           </a:p>
@@ -2944,7 +2946,7 @@
             <a:fld id="{8FFCEC07-D64F-4E5D-81E0-661D88DA05AE}" type="datetimeFigureOut">
               <a:rPr lang="zh-TW" altLang="en-US" smtClean="0"/>
               <a:pPr/>
-              <a:t>2018/12/17</a:t>
+              <a:t>2019/1/1</a:t>
             </a:fld>
             <a:endParaRPr lang="zh-TW" altLang="en-US"/>
           </a:p>
@@ -3199,7 +3201,7 @@
             <a:fld id="{8FFCEC07-D64F-4E5D-81E0-661D88DA05AE}" type="datetimeFigureOut">
               <a:rPr lang="zh-TW" altLang="en-US" smtClean="0"/>
               <a:pPr/>
-              <a:t>2018/12/17</a:t>
+              <a:t>2019/1/1</a:t>
             </a:fld>
             <a:endParaRPr lang="zh-TW" altLang="en-US"/>
           </a:p>
@@ -3766,6 +3768,30 @@
 <file path=ppt/slides/slide1.xml><?xml version="1.0" encoding="utf-8"?>
 <p:sld xmlns:a="http://schemas.openxmlformats.org/drawingml/2006/main" xmlns:r="http://schemas.openxmlformats.org/officeDocument/2006/relationships" xmlns:p="http://schemas.openxmlformats.org/presentationml/2006/main">
   <p:cSld>
+    <p:bg>
+      <p:bgPr>
+        <a:blipFill dpi="0" rotWithShape="0">
+          <a:blip r:embed="rId2">
+            <a:extLst>
+              <a:ext uri="{BEBA8EAE-BF5A-486C-A8C5-ECC9F3942E4B}">
+                <a14:imgProps xmlns:a14="http://schemas.microsoft.com/office/drawing/2010/main">
+                  <a14:imgLayer r:embed="rId3">
+                    <a14:imgEffect>
+                      <a14:artisticMarker/>
+                    </a14:imgEffect>
+                  </a14:imgLayer>
+                </a14:imgProps>
+              </a:ext>
+            </a:extLst>
+          </a:blip>
+          <a:srcRect/>
+          <a:stretch>
+            <a:fillRect/>
+          </a:stretch>
+        </a:blipFill>
+        <a:effectLst/>
+      </p:bgPr>
+    </p:bg>
     <p:spTree>
       <p:nvGrpSpPr>
         <p:cNvPr id="1" name=""/>
@@ -3890,6 +3916,25 @@
   <p:clrMapOvr>
     <a:masterClrMapping/>
   </p:clrMapOvr>
+  <mc:AlternateContent xmlns:mc="http://schemas.openxmlformats.org/markup-compatibility/2006">
+    <mc:Choice xmlns:p14="http://schemas.microsoft.com/office/powerpoint/2010/main" Requires="p14">
+      <p:transition spd="med" p14:dur="700">
+        <p:fade/>
+      </p:transition>
+    </mc:Choice>
+    <mc:Fallback>
+      <p:transition spd="med">
+        <p:fade/>
+      </p:transition>
+    </mc:Fallback>
+  </mc:AlternateContent>
+  <p:timing>
+    <p:tnLst>
+      <p:par>
+        <p:cTn id="1" dur="indefinite" restart="never" nodeType="tmRoot"/>
+      </p:par>
+    </p:tnLst>
+  </p:timing>
 </p:sld>
 </file>
 
@@ -3948,7 +3993,7 @@
           <a:graphicData uri="http://schemas.openxmlformats.org/presentationml/2006/ole">
             <mc:AlternateContent xmlns:mc="http://schemas.openxmlformats.org/markup-compatibility/2006">
               <mc:Choice xmlns:v="urn:schemas-microsoft-com:vml" Requires="v">
-                <p:oleObj spid="_x0000_s21532" name="Visio" r:id="rId3" imgW="5821153" imgH="4370556" progId="Visio.Drawing.11">
+                <p:oleObj spid="_x0000_s21537" name="Visio" r:id="rId3" imgW="5821153" imgH="4370556" progId="Visio.Drawing.11">
                   <p:embed/>
                 </p:oleObj>
               </mc:Choice>
@@ -4030,6 +4075,25 @@
   <p:clrMapOvr>
     <a:masterClrMapping/>
   </p:clrMapOvr>
+  <mc:AlternateContent xmlns:mc="http://schemas.openxmlformats.org/markup-compatibility/2006">
+    <mc:Choice xmlns:p14="http://schemas.microsoft.com/office/powerpoint/2010/main" Requires="p14">
+      <p:transition spd="med" p14:dur="700">
+        <p:fade/>
+      </p:transition>
+    </mc:Choice>
+    <mc:Fallback>
+      <p:transition spd="med">
+        <p:fade/>
+      </p:transition>
+    </mc:Fallback>
+  </mc:AlternateContent>
+  <p:timing>
+    <p:tnLst>
+      <p:par>
+        <p:cTn id="1" dur="indefinite" restart="never" nodeType="tmRoot"/>
+      </p:par>
+    </p:tnLst>
+  </p:timing>
 </p:sld>
 </file>
 
@@ -4110,6 +4174,25 @@
   <p:clrMapOvr>
     <a:masterClrMapping/>
   </p:clrMapOvr>
+  <mc:AlternateContent xmlns:mc="http://schemas.openxmlformats.org/markup-compatibility/2006">
+    <mc:Choice xmlns:p14="http://schemas.microsoft.com/office/powerpoint/2010/main" Requires="p14">
+      <p:transition spd="med" p14:dur="700">
+        <p:fade/>
+      </p:transition>
+    </mc:Choice>
+    <mc:Fallback>
+      <p:transition spd="med">
+        <p:fade/>
+      </p:transition>
+    </mc:Fallback>
+  </mc:AlternateContent>
+  <p:timing>
+    <p:tnLst>
+      <p:par>
+        <p:cTn id="1" dur="indefinite" restart="never" nodeType="tmRoot"/>
+      </p:par>
+    </p:tnLst>
+  </p:timing>
 </p:sld>
 </file>
 
@@ -4190,6 +4273,25 @@
   <p:clrMapOvr>
     <a:masterClrMapping/>
   </p:clrMapOvr>
+  <mc:AlternateContent xmlns:mc="http://schemas.openxmlformats.org/markup-compatibility/2006">
+    <mc:Choice xmlns:p14="http://schemas.microsoft.com/office/powerpoint/2010/main" Requires="p14">
+      <p:transition spd="med" p14:dur="700">
+        <p:fade/>
+      </p:transition>
+    </mc:Choice>
+    <mc:Fallback>
+      <p:transition spd="med">
+        <p:fade/>
+      </p:transition>
+    </mc:Fallback>
+  </mc:AlternateContent>
+  <p:timing>
+    <p:tnLst>
+      <p:par>
+        <p:cTn id="1" dur="indefinite" restart="never" nodeType="tmRoot"/>
+      </p:par>
+    </p:tnLst>
+  </p:timing>
 </p:sld>
 </file>
 
@@ -4261,7 +4363,7 @@
           <a:graphicData uri="http://schemas.openxmlformats.org/presentationml/2006/ole">
             <mc:AlternateContent xmlns:mc="http://schemas.openxmlformats.org/markup-compatibility/2006">
               <mc:Choice xmlns:v="urn:schemas-microsoft-com:vml" Requires="v">
-                <p:oleObj spid="_x0000_s47136" name="Visio" r:id="rId3" imgW="5578235" imgH="4463378" progId="Visio.Drawing.11">
+                <p:oleObj spid="_x0000_s47141" name="Visio" r:id="rId3" imgW="5578235" imgH="4463378" progId="Visio.Drawing.11">
                   <p:embed/>
                 </p:oleObj>
               </mc:Choice>
@@ -4343,6 +4445,25 @@
   <p:clrMapOvr>
     <a:masterClrMapping/>
   </p:clrMapOvr>
+  <mc:AlternateContent xmlns:mc="http://schemas.openxmlformats.org/markup-compatibility/2006">
+    <mc:Choice xmlns:p14="http://schemas.microsoft.com/office/powerpoint/2010/main" Requires="p14">
+      <p:transition spd="med" p14:dur="700">
+        <p:fade/>
+      </p:transition>
+    </mc:Choice>
+    <mc:Fallback>
+      <p:transition spd="med">
+        <p:fade/>
+      </p:transition>
+    </mc:Fallback>
+  </mc:AlternateContent>
+  <p:timing>
+    <p:tnLst>
+      <p:par>
+        <p:cTn id="1" dur="indefinite" restart="never" nodeType="tmRoot"/>
+      </p:par>
+    </p:tnLst>
+  </p:timing>
 </p:sld>
 </file>
 
@@ -4420,6 +4541,25 @@
   <p:clrMapOvr>
     <a:masterClrMapping/>
   </p:clrMapOvr>
+  <mc:AlternateContent xmlns:mc="http://schemas.openxmlformats.org/markup-compatibility/2006">
+    <mc:Choice xmlns:p14="http://schemas.microsoft.com/office/powerpoint/2010/main" Requires="p14">
+      <p:transition spd="med" p14:dur="700">
+        <p:fade/>
+      </p:transition>
+    </mc:Choice>
+    <mc:Fallback>
+      <p:transition spd="med">
+        <p:fade/>
+      </p:transition>
+    </mc:Fallback>
+  </mc:AlternateContent>
+  <p:timing>
+    <p:tnLst>
+      <p:par>
+        <p:cTn id="1" dur="indefinite" restart="never" nodeType="tmRoot"/>
+      </p:par>
+    </p:tnLst>
+  </p:timing>
 </p:sld>
 </file>
 
@@ -4456,110 +4596,70 @@
           <a:lstStyle/>
           <a:p>
             <a:r>
-              <a:rPr lang="zh-TW" altLang="en-US" dirty="0"/>
-              <a:t>互動流程</a:t>
-            </a:r>
+              <a:rPr lang="zh-TW" altLang="en-US" dirty="0" smtClean="0"/>
+              <a:t>使用者案例圖</a:t>
+            </a:r>
+            <a:endParaRPr lang="zh-TW" altLang="en-US" dirty="0"/>
           </a:p>
         </p:txBody>
       </p:sp>
-      <p:graphicFrame>
-        <p:nvGraphicFramePr>
-          <p:cNvPr id="48134" name="Object 6"/>
-          <p:cNvGraphicFramePr>
-            <a:graphicFrameLocks noChangeAspect="1"/>
-          </p:cNvGraphicFramePr>
+      <p:pic>
+        <p:nvPicPr>
+          <p:cNvPr id="4" name="圖片 3" descr="使用者案例圖"/>
+          <p:cNvPicPr/>
           <p:nvPr/>
-        </p:nvGraphicFramePr>
-        <p:xfrm>
-          <a:off x="1714480" y="142852"/>
-          <a:ext cx="5940425" cy="6515100"/>
-        </p:xfrm>
-        <a:graphic>
-          <a:graphicData uri="http://schemas.openxmlformats.org/presentationml/2006/ole">
-            <mc:AlternateContent xmlns:mc="http://schemas.openxmlformats.org/markup-compatibility/2006">
-              <mc:Choice xmlns:v="urn:schemas-microsoft-com:vml" Requires="v">
-                <p:oleObj spid="_x0000_s48158" name="Visio" r:id="rId3" imgW="5941344" imgH="6514521" progId="Visio.Drawing.11">
-                  <p:embed/>
-                </p:oleObj>
-              </mc:Choice>
-              <mc:Fallback>
-                <p:oleObj name="Visio" r:id="rId3" imgW="5941344" imgH="6514521" progId="Visio.Drawing.11">
-                  <p:embed/>
-                  <p:pic>
-                    <p:nvPicPr>
-                      <p:cNvPr id="0" name="Picture 12"/>
-                      <p:cNvPicPr>
-                        <a:picLocks noChangeAspect="1" noChangeArrowheads="1"/>
-                      </p:cNvPicPr>
-                      <p:nvPr/>
-                    </p:nvPicPr>
-                    <p:blipFill>
-                      <a:blip r:embed="rId4">
-                        <a:extLst>
-                          <a:ext uri="{28A0092B-C50C-407E-A947-70E740481C1C}">
-                            <a14:useLocalDpi xmlns:a14="http://schemas.microsoft.com/office/drawing/2010/main" val="0"/>
-                          </a:ext>
-                        </a:extLst>
-                      </a:blip>
-                      <a:srcRect/>
-                      <a:stretch>
-                        <a:fillRect/>
-                      </a:stretch>
-                    </p:blipFill>
-                    <p:spPr bwMode="auto">
-                      <a:xfrm>
-                        <a:off x="1714480" y="142852"/>
-                        <a:ext cx="5940425" cy="6515100"/>
-                      </a:xfrm>
-                      <a:prstGeom prst="rect">
-                        <a:avLst/>
-                      </a:prstGeom>
-                      <a:noFill/>
-                      <a:ln>
-                        <a:noFill/>
-                      </a:ln>
-                      <a:effectLst/>
-                      <a:extLst>
-                        <a:ext uri="{909E8E84-426E-40DD-AFC4-6F175D3DCCD1}">
-                          <a14:hiddenFill xmlns:a14="http://schemas.microsoft.com/office/drawing/2010/main">
-                            <a:solidFill>
-                              <a:schemeClr val="accent1"/>
-                            </a:solidFill>
-                          </a14:hiddenFill>
-                        </a:ext>
-                        <a:ext uri="{91240B29-F687-4F45-9708-019B960494DF}">
-                          <a14:hiddenLine xmlns:a14="http://schemas.microsoft.com/office/drawing/2010/main" w="9525">
-                            <a:solidFill>
-                              <a:schemeClr val="tx1"/>
-                            </a:solidFill>
-                            <a:miter lim="800000"/>
-                            <a:headEnd/>
-                            <a:tailEnd/>
-                          </a14:hiddenLine>
-                        </a:ext>
-                        <a:ext uri="{AF507438-7753-43E0-B8FC-AC1667EBCBE1}">
-                          <a14:hiddenEffects xmlns:a14="http://schemas.microsoft.com/office/drawing/2010/main">
-                            <a:effectLst>
-                              <a:outerShdw dist="35921" dir="2700000" algn="ctr" rotWithShape="0">
-                                <a:schemeClr val="bg2"/>
-                              </a:outerShdw>
-                            </a:effectLst>
-                          </a14:hiddenEffects>
-                        </a:ext>
-                      </a:extLst>
-                    </p:spPr>
-                  </p:pic>
-                </p:oleObj>
-              </mc:Fallback>
-            </mc:AlternateContent>
-          </a:graphicData>
-        </a:graphic>
-      </p:graphicFrame>
+        </p:nvPicPr>
+        <p:blipFill>
+          <a:blip r:embed="rId2">
+            <a:extLst>
+              <a:ext uri="{28A0092B-C50C-407E-A947-70E740481C1C}">
+                <a14:useLocalDpi xmlns:a14="http://schemas.microsoft.com/office/drawing/2010/main" val="0"/>
+              </a:ext>
+            </a:extLst>
+          </a:blip>
+          <a:srcRect/>
+          <a:stretch>
+            <a:fillRect/>
+          </a:stretch>
+        </p:blipFill>
+        <p:spPr bwMode="auto">
+          <a:xfrm>
+            <a:off x="1199906" y="1449590"/>
+            <a:ext cx="7332533" cy="5219770"/>
+          </a:xfrm>
+          <a:prstGeom prst="rect">
+            <a:avLst/>
+          </a:prstGeom>
+          <a:noFill/>
+          <a:ln>
+            <a:noFill/>
+          </a:ln>
+        </p:spPr>
+      </p:pic>
     </p:spTree>
   </p:cSld>
   <p:clrMapOvr>
     <a:masterClrMapping/>
   </p:clrMapOvr>
+  <mc:AlternateContent xmlns:mc="http://schemas.openxmlformats.org/markup-compatibility/2006">
+    <mc:Choice xmlns:p14="http://schemas.microsoft.com/office/powerpoint/2010/main" Requires="p14">
+      <p:transition spd="med" p14:dur="700">
+        <p:fade/>
+      </p:transition>
+    </mc:Choice>
+    <mc:Fallback>
+      <p:transition spd="med">
+        <p:fade/>
+      </p:transition>
+    </mc:Fallback>
+  </mc:AlternateContent>
+  <p:timing>
+    <p:tnLst>
+      <p:par>
+        <p:cTn id="1" dur="indefinite" restart="never" nodeType="tmRoot"/>
+      </p:par>
+    </p:tnLst>
+  </p:timing>
 </p:sld>
 </file>
 
@@ -4596,6 +4696,134 @@
           <a:lstStyle/>
           <a:p>
             <a:r>
+              <a:rPr lang="zh-TW" altLang="en-US" dirty="0" smtClean="0"/>
+              <a:t>ＵＭＬ活動圖</a:t>
+            </a:r>
+            <a:endParaRPr lang="zh-TW" altLang="en-US" dirty="0"/>
+          </a:p>
+        </p:txBody>
+      </p:sp>
+      <p:pic>
+        <p:nvPicPr>
+          <p:cNvPr id="4" name="圖片 3"/>
+          <p:cNvPicPr/>
+          <p:nvPr/>
+        </p:nvPicPr>
+        <p:blipFill>
+          <a:blip r:embed="rId2" cstate="print">
+            <a:extLst>
+              <a:ext uri="{28A0092B-C50C-407E-A947-70E740481C1C}">
+                <a14:useLocalDpi xmlns:a14="http://schemas.microsoft.com/office/drawing/2010/main" val="0"/>
+              </a:ext>
+            </a:extLst>
+          </a:blip>
+          <a:stretch>
+            <a:fillRect/>
+          </a:stretch>
+        </p:blipFill>
+        <p:spPr>
+          <a:xfrm>
+            <a:off x="323528" y="1447800"/>
+            <a:ext cx="3096344" cy="5416978"/>
+          </a:xfrm>
+          <a:prstGeom prst="rect">
+            <a:avLst/>
+          </a:prstGeom>
+        </p:spPr>
+      </p:pic>
+      <p:pic>
+        <p:nvPicPr>
+          <p:cNvPr id="5" name="圖片 4"/>
+          <p:cNvPicPr/>
+          <p:nvPr/>
+        </p:nvPicPr>
+        <p:blipFill>
+          <a:blip r:embed="rId3" cstate="print">
+            <a:extLst>
+              <a:ext uri="{28A0092B-C50C-407E-A947-70E740481C1C}">
+                <a14:useLocalDpi xmlns:a14="http://schemas.microsoft.com/office/drawing/2010/main" val="0"/>
+              </a:ext>
+            </a:extLst>
+          </a:blip>
+          <a:stretch>
+            <a:fillRect/>
+          </a:stretch>
+        </p:blipFill>
+        <p:spPr>
+          <a:xfrm>
+            <a:off x="4163144" y="1385392"/>
+            <a:ext cx="4544004" cy="5472608"/>
+          </a:xfrm>
+          <a:prstGeom prst="rect">
+            <a:avLst/>
+          </a:prstGeom>
+        </p:spPr>
+      </p:pic>
+    </p:spTree>
+    <p:extLst>
+      <p:ext uri="{BB962C8B-B14F-4D97-AF65-F5344CB8AC3E}">
+        <p14:creationId xmlns:p14="http://schemas.microsoft.com/office/powerpoint/2010/main" val="3296931243"/>
+      </p:ext>
+    </p:extLst>
+  </p:cSld>
+  <p:clrMapOvr>
+    <a:masterClrMapping/>
+  </p:clrMapOvr>
+  <mc:AlternateContent xmlns:mc="http://schemas.openxmlformats.org/markup-compatibility/2006">
+    <mc:Choice xmlns:p14="http://schemas.microsoft.com/office/powerpoint/2010/main" Requires="p14">
+      <p:transition spd="med" p14:dur="700">
+        <p:fade/>
+      </p:transition>
+    </mc:Choice>
+    <mc:Fallback>
+      <p:transition spd="med">
+        <p:fade/>
+      </p:transition>
+    </mc:Fallback>
+  </mc:AlternateContent>
+  <p:timing>
+    <p:tnLst>
+      <p:par>
+        <p:cTn id="1" dur="indefinite" restart="never" nodeType="tmRoot"/>
+      </p:par>
+    </p:tnLst>
+  </p:timing>
+</p:sld>
+</file>
+
+<file path=ppt/slides/slide17.xml><?xml version="1.0" encoding="utf-8"?>
+<p:sld xmlns:a="http://schemas.openxmlformats.org/drawingml/2006/main" xmlns:r="http://schemas.openxmlformats.org/officeDocument/2006/relationships" xmlns:p="http://schemas.openxmlformats.org/presentationml/2006/main">
+  <p:cSld>
+    <p:spTree>
+      <p:nvGrpSpPr>
+        <p:cNvPr id="1" name=""/>
+        <p:cNvGrpSpPr/>
+        <p:nvPr/>
+      </p:nvGrpSpPr>
+      <p:grpSpPr>
+        <a:xfrm>
+          <a:off x="0" y="0"/>
+          <a:ext cx="0" cy="0"/>
+          <a:chOff x="0" y="0"/>
+          <a:chExt cx="0" cy="0"/>
+        </a:xfrm>
+      </p:grpSpPr>
+      <p:sp>
+        <p:nvSpPr>
+          <p:cNvPr id="2" name="標題 1"/>
+          <p:cNvSpPr>
+            <a:spLocks noGrp="1"/>
+          </p:cNvSpPr>
+          <p:nvPr>
+            <p:ph type="title"/>
+          </p:nvPr>
+        </p:nvSpPr>
+        <p:spPr/>
+        <p:txBody>
+          <a:bodyPr/>
+          <a:lstStyle/>
+          <a:p>
+            <a:r>
               <a:rPr lang="zh-TW" altLang="en-US" dirty="0"/>
               <a:t>資源需求</a:t>
             </a:r>
@@ -4620,278 +4848,137 @@
         </p:spPr>
         <p:txBody>
           <a:bodyPr>
-            <a:normAutofit fontScale="62500" lnSpcReduction="20000"/>
+            <a:normAutofit/>
           </a:bodyPr>
           <a:lstStyle/>
           <a:p>
             <a:r>
-              <a:rPr lang="zh-TW" altLang="en-US" sz="3900" dirty="0"/>
+              <a:rPr lang="zh-TW" altLang="en-US" sz="3900" dirty="0">
+                <a:latin typeface="微軟正黑體" panose="020B0604030504040204" pitchFamily="34" charset="-120"/>
+                <a:ea typeface="微軟正黑體" panose="020B0604030504040204" pitchFamily="34" charset="-120"/>
+              </a:rPr>
               <a:t>工具</a:t>
             </a:r>
-            <a:endParaRPr lang="en-US" altLang="zh-TW" sz="3900" dirty="0"/>
+            <a:endParaRPr lang="en-US" altLang="zh-TW" sz="3900" dirty="0">
+              <a:latin typeface="微軟正黑體" panose="020B0604030504040204" pitchFamily="34" charset="-120"/>
+              <a:ea typeface="微軟正黑體" panose="020B0604030504040204" pitchFamily="34" charset="-120"/>
+            </a:endParaRPr>
           </a:p>
           <a:p>
             <a:r>
               <a:rPr lang="zh-TW" altLang="en-US" sz="2800" dirty="0">
-                <a:latin typeface="標楷體" panose="03000509000000000000" pitchFamily="65" charset="-120"/>
-                <a:ea typeface="標楷體" panose="03000509000000000000" pitchFamily="65" charset="-120"/>
+                <a:latin typeface="微軟正黑體" panose="020B0604030504040204" pitchFamily="34" charset="-120"/>
+                <a:ea typeface="微軟正黑體" panose="020B0604030504040204" pitchFamily="34" charset="-120"/>
               </a:rPr>
               <a:t>硬體</a:t>
             </a:r>
             <a:r>
               <a:rPr lang="en-US" altLang="zh-TW" sz="2800" dirty="0">
-                <a:latin typeface="標楷體" panose="03000509000000000000" pitchFamily="65" charset="-120"/>
-                <a:ea typeface="標楷體" panose="03000509000000000000" pitchFamily="65" charset="-120"/>
+                <a:latin typeface="微軟正黑體" panose="020B0604030504040204" pitchFamily="34" charset="-120"/>
+                <a:ea typeface="微軟正黑體" panose="020B0604030504040204" pitchFamily="34" charset="-120"/>
               </a:rPr>
               <a:t>:IOS12</a:t>
             </a:r>
             <a:r>
               <a:rPr lang="zh-TW" altLang="en-US" sz="2800" dirty="0">
-                <a:latin typeface="標楷體" panose="03000509000000000000" pitchFamily="65" charset="-120"/>
-                <a:ea typeface="標楷體" panose="03000509000000000000" pitchFamily="65" charset="-120"/>
+                <a:latin typeface="微軟正黑體" panose="020B0604030504040204" pitchFamily="34" charset="-120"/>
+                <a:ea typeface="微軟正黑體" panose="020B0604030504040204" pitchFamily="34" charset="-120"/>
               </a:rPr>
               <a:t>以上的蘋果手機</a:t>
             </a:r>
             <a:endParaRPr lang="en-US" altLang="zh-TW" sz="2800" dirty="0">
-              <a:latin typeface="標楷體" panose="03000509000000000000" pitchFamily="65" charset="-120"/>
-              <a:ea typeface="標楷體" panose="03000509000000000000" pitchFamily="65" charset="-120"/>
+              <a:latin typeface="微軟正黑體" panose="020B0604030504040204" pitchFamily="34" charset="-120"/>
+              <a:ea typeface="微軟正黑體" panose="020B0604030504040204" pitchFamily="34" charset="-120"/>
             </a:endParaRPr>
           </a:p>
           <a:p>
             <a:r>
               <a:rPr lang="zh-TW" altLang="en-US" sz="2800" dirty="0">
-                <a:latin typeface="標楷體" panose="03000509000000000000" pitchFamily="65" charset="-120"/>
-                <a:ea typeface="標楷體" panose="03000509000000000000" pitchFamily="65" charset="-120"/>
+                <a:latin typeface="微軟正黑體" panose="020B0604030504040204" pitchFamily="34" charset="-120"/>
+                <a:ea typeface="微軟正黑體" panose="020B0604030504040204" pitchFamily="34" charset="-120"/>
               </a:rPr>
               <a:t>軟體</a:t>
             </a:r>
             <a:r>
               <a:rPr lang="en-US" altLang="zh-TW" sz="2800" dirty="0">
-                <a:latin typeface="標楷體" panose="03000509000000000000" pitchFamily="65" charset="-120"/>
-                <a:ea typeface="標楷體" panose="03000509000000000000" pitchFamily="65" charset="-120"/>
+                <a:latin typeface="微軟正黑體" panose="020B0604030504040204" pitchFamily="34" charset="-120"/>
+                <a:ea typeface="微軟正黑體" panose="020B0604030504040204" pitchFamily="34" charset="-120"/>
               </a:rPr>
               <a:t>:</a:t>
             </a:r>
             <a:r>
               <a:rPr lang="en-US" altLang="zh-TW" sz="2800" dirty="0" err="1">
-                <a:latin typeface="標楷體" panose="03000509000000000000" pitchFamily="65" charset="-120"/>
-                <a:ea typeface="標楷體" panose="03000509000000000000" pitchFamily="65" charset="-120"/>
+                <a:latin typeface="微軟正黑體" panose="020B0604030504040204" pitchFamily="34" charset="-120"/>
+                <a:ea typeface="微軟正黑體" panose="020B0604030504040204" pitchFamily="34" charset="-120"/>
               </a:rPr>
               <a:t>Xcode_Arkit</a:t>
             </a:r>
             <a:r>
               <a:rPr lang="zh-TW" altLang="en-US" sz="2800" dirty="0">
-                <a:latin typeface="標楷體" panose="03000509000000000000" pitchFamily="65" charset="-120"/>
-                <a:ea typeface="標楷體" panose="03000509000000000000" pitchFamily="65" charset="-120"/>
+                <a:latin typeface="微軟正黑體" panose="020B0604030504040204" pitchFamily="34" charset="-120"/>
+                <a:ea typeface="微軟正黑體" panose="020B0604030504040204" pitchFamily="34" charset="-120"/>
               </a:rPr>
               <a:t>，</a:t>
             </a:r>
             <a:r>
               <a:rPr lang="en-US" altLang="zh-TW" sz="2800" dirty="0">
-                <a:latin typeface="標楷體" panose="03000509000000000000" pitchFamily="65" charset="-120"/>
-                <a:ea typeface="標楷體" panose="03000509000000000000" pitchFamily="65" charset="-120"/>
+                <a:latin typeface="微軟正黑體" panose="020B0604030504040204" pitchFamily="34" charset="-120"/>
+                <a:ea typeface="微軟正黑體" panose="020B0604030504040204" pitchFamily="34" charset="-120"/>
               </a:rPr>
               <a:t>Blender(</a:t>
             </a:r>
             <a:r>
               <a:rPr lang="zh-TW" altLang="en-US" sz="2800" dirty="0">
-                <a:latin typeface="標楷體" panose="03000509000000000000" pitchFamily="65" charset="-120"/>
-                <a:ea typeface="標楷體" panose="03000509000000000000" pitchFamily="65" charset="-120"/>
+                <a:latin typeface="微軟正黑體" panose="020B0604030504040204" pitchFamily="34" charset="-120"/>
+                <a:ea typeface="微軟正黑體" panose="020B0604030504040204" pitchFamily="34" charset="-120"/>
               </a:rPr>
               <a:t>建模軟體</a:t>
             </a:r>
             <a:r>
               <a:rPr lang="en-US" altLang="zh-TW" sz="2800" dirty="0">
-                <a:latin typeface="標楷體" panose="03000509000000000000" pitchFamily="65" charset="-120"/>
-                <a:ea typeface="標楷體" panose="03000509000000000000" pitchFamily="65" charset="-120"/>
+                <a:latin typeface="微軟正黑體" panose="020B0604030504040204" pitchFamily="34" charset="-120"/>
+                <a:ea typeface="微軟正黑體" panose="020B0604030504040204" pitchFamily="34" charset="-120"/>
               </a:rPr>
               <a:t>)</a:t>
             </a:r>
             <a:r>
               <a:rPr lang="zh-TW" altLang="en-US" sz="2800" dirty="0">
-                <a:latin typeface="標楷體" panose="03000509000000000000" pitchFamily="65" charset="-120"/>
-                <a:ea typeface="標楷體" panose="03000509000000000000" pitchFamily="65" charset="-120"/>
+                <a:latin typeface="微軟正黑體" panose="020B0604030504040204" pitchFamily="34" charset="-120"/>
+                <a:ea typeface="微軟正黑體" panose="020B0604030504040204" pitchFamily="34" charset="-120"/>
               </a:rPr>
               <a:t>，</a:t>
             </a:r>
             <a:r>
               <a:rPr lang="en-US" altLang="zh-TW" sz="2800" dirty="0" err="1">
-                <a:latin typeface="標楷體" panose="03000509000000000000" pitchFamily="65" charset="-120"/>
-                <a:ea typeface="標楷體" panose="03000509000000000000" pitchFamily="65" charset="-120"/>
+                <a:latin typeface="微軟正黑體" panose="020B0604030504040204" pitchFamily="34" charset="-120"/>
+                <a:ea typeface="微軟正黑體" panose="020B0604030504040204" pitchFamily="34" charset="-120"/>
               </a:rPr>
               <a:t>Mixamo</a:t>
             </a:r>
             <a:r>
               <a:rPr lang="en-US" altLang="zh-TW" sz="2800" dirty="0">
-                <a:latin typeface="標楷體" panose="03000509000000000000" pitchFamily="65" charset="-120"/>
-                <a:ea typeface="標楷體" panose="03000509000000000000" pitchFamily="65" charset="-120"/>
+                <a:latin typeface="微軟正黑體" panose="020B0604030504040204" pitchFamily="34" charset="-120"/>
+                <a:ea typeface="微軟正黑體" panose="020B0604030504040204" pitchFamily="34" charset="-120"/>
               </a:rPr>
               <a:t>(</a:t>
             </a:r>
             <a:r>
               <a:rPr lang="zh-TW" altLang="en-US" sz="2800" dirty="0">
-                <a:latin typeface="標楷體" panose="03000509000000000000" pitchFamily="65" charset="-120"/>
-                <a:ea typeface="標楷體" panose="03000509000000000000" pitchFamily="65" charset="-120"/>
+                <a:latin typeface="微軟正黑體" panose="020B0604030504040204" pitchFamily="34" charset="-120"/>
+                <a:ea typeface="微軟正黑體" panose="020B0604030504040204" pitchFamily="34" charset="-120"/>
               </a:rPr>
               <a:t>動作模組網站</a:t>
             </a:r>
             <a:r>
               <a:rPr lang="en-US" altLang="zh-TW" sz="2800" dirty="0">
-                <a:latin typeface="標楷體" panose="03000509000000000000" pitchFamily="65" charset="-120"/>
-                <a:ea typeface="標楷體" panose="03000509000000000000" pitchFamily="65" charset="-120"/>
+                <a:latin typeface="微軟正黑體" panose="020B0604030504040204" pitchFamily="34" charset="-120"/>
+                <a:ea typeface="微軟正黑體" panose="020B0604030504040204" pitchFamily="34" charset="-120"/>
               </a:rPr>
               <a:t>)</a:t>
             </a:r>
           </a:p>
           <a:p>
             <a:endParaRPr lang="en-US" altLang="zh-TW" sz="2800" dirty="0"/>
-          </a:p>
-          <a:p>
-            <a:r>
-              <a:rPr lang="zh-TW" altLang="en-US" sz="3800" dirty="0"/>
-              <a:t>人員分配</a:t>
-            </a:r>
-            <a:endParaRPr lang="en-US" altLang="zh-TW" sz="3800" dirty="0"/>
-          </a:p>
-          <a:p>
-            <a:r>
-              <a:rPr lang="zh-TW" altLang="en-US" sz="2800" dirty="0"/>
-              <a:t>楊景程</a:t>
-            </a:r>
-            <a:r>
-              <a:rPr lang="en-US" altLang="zh-TW" sz="2800" dirty="0"/>
-              <a:t>:</a:t>
-            </a:r>
-            <a:r>
-              <a:rPr lang="zh-TW" altLang="en-US" sz="2600" dirty="0">
-                <a:latin typeface="標楷體" panose="03000509000000000000" pitchFamily="65" charset="-120"/>
-                <a:ea typeface="標楷體" panose="03000509000000000000" pitchFamily="65" charset="-120"/>
-              </a:rPr>
-              <a:t>統整簡報資料，</a:t>
-            </a:r>
-            <a:r>
-              <a:rPr lang="en-US" altLang="zh-TW" sz="2600" dirty="0">
-                <a:latin typeface="標楷體" panose="03000509000000000000" pitchFamily="65" charset="-120"/>
-                <a:ea typeface="標楷體" panose="03000509000000000000" pitchFamily="65" charset="-120"/>
-              </a:rPr>
-              <a:t>UI</a:t>
-            </a:r>
-            <a:r>
-              <a:rPr lang="zh-TW" altLang="en-US" sz="2600" dirty="0">
-                <a:latin typeface="標楷體" panose="03000509000000000000" pitchFamily="65" charset="-120"/>
-                <a:ea typeface="標楷體" panose="03000509000000000000" pitchFamily="65" charset="-120"/>
-              </a:rPr>
-              <a:t>元件設計，資料蒐集，</a:t>
-            </a:r>
-            <a:r>
-              <a:rPr lang="en-US" altLang="zh-TW" sz="2600" dirty="0">
-                <a:latin typeface="標楷體" panose="03000509000000000000" pitchFamily="65" charset="-120"/>
-                <a:ea typeface="標楷體" panose="03000509000000000000" pitchFamily="65" charset="-120"/>
-              </a:rPr>
-              <a:t>Word</a:t>
-            </a:r>
-            <a:r>
-              <a:rPr lang="zh-TW" altLang="en-US" sz="2600" dirty="0">
-                <a:latin typeface="標楷體" panose="03000509000000000000" pitchFamily="65" charset="-120"/>
-                <a:ea typeface="標楷體" panose="03000509000000000000" pitchFamily="65" charset="-120"/>
-              </a:rPr>
-              <a:t>檔製作</a:t>
-            </a:r>
-            <a:endParaRPr lang="en-US" altLang="zh-TW" sz="2600" dirty="0">
-              <a:latin typeface="標楷體" panose="03000509000000000000" pitchFamily="65" charset="-120"/>
-              <a:ea typeface="標楷體" panose="03000509000000000000" pitchFamily="65" charset="-120"/>
-            </a:endParaRPr>
-          </a:p>
-          <a:p>
-            <a:r>
-              <a:rPr lang="zh-TW" altLang="en-US" sz="2800" dirty="0"/>
-              <a:t>洪嘉桓</a:t>
-            </a:r>
-            <a:r>
-              <a:rPr lang="en-US" altLang="zh-TW" sz="2800" dirty="0"/>
-              <a:t>:</a:t>
-            </a:r>
-            <a:r>
-              <a:rPr lang="zh-TW" altLang="en-US" sz="2600" dirty="0">
-                <a:latin typeface="標楷體" panose="03000509000000000000" pitchFamily="65" charset="-120"/>
-                <a:ea typeface="標楷體" panose="03000509000000000000" pitchFamily="65" charset="-120"/>
-              </a:rPr>
-              <a:t>景點環境取景，角色建模設計，任務劇情規劃，簡報協助製作</a:t>
-            </a:r>
-            <a:endParaRPr lang="en-US" altLang="zh-TW" sz="2600" dirty="0">
-              <a:latin typeface="標楷體" panose="03000509000000000000" pitchFamily="65" charset="-120"/>
-              <a:ea typeface="標楷體" panose="03000509000000000000" pitchFamily="65" charset="-120"/>
-            </a:endParaRPr>
-          </a:p>
-          <a:p>
-            <a:r>
-              <a:rPr lang="zh-TW" altLang="en-US" sz="2800" dirty="0"/>
-              <a:t>李勝發</a:t>
-            </a:r>
-            <a:r>
-              <a:rPr lang="en-US" altLang="zh-TW" sz="2800" dirty="0"/>
-              <a:t>:</a:t>
-            </a:r>
-            <a:r>
-              <a:rPr lang="zh-TW" altLang="en-US" sz="2600" dirty="0">
-                <a:latin typeface="標楷體" panose="03000509000000000000" pitchFamily="65" charset="-120"/>
-                <a:ea typeface="標楷體" panose="03000509000000000000" pitchFamily="65" charset="-120"/>
-              </a:rPr>
-              <a:t>程式流程規劃，</a:t>
-            </a:r>
-            <a:r>
-              <a:rPr lang="en-US" altLang="zh-TW" sz="2600" dirty="0">
-                <a:latin typeface="標楷體" panose="03000509000000000000" pitchFamily="65" charset="-120"/>
-                <a:ea typeface="標楷體" panose="03000509000000000000" pitchFamily="65" charset="-120"/>
-              </a:rPr>
-              <a:t>Debug</a:t>
-            </a:r>
-            <a:r>
-              <a:rPr lang="zh-TW" altLang="en-US" sz="2600" dirty="0">
-                <a:latin typeface="標楷體" panose="03000509000000000000" pitchFamily="65" charset="-120"/>
-                <a:ea typeface="標楷體" panose="03000509000000000000" pitchFamily="65" charset="-120"/>
-              </a:rPr>
-              <a:t>與優化，簡報協助製作，系統架構圖</a:t>
-            </a:r>
-            <a:r>
-              <a:rPr lang="zh-TW" altLang="en-US" sz="2600" dirty="0" smtClean="0">
-                <a:latin typeface="標楷體" panose="03000509000000000000" pitchFamily="65" charset="-120"/>
-                <a:ea typeface="標楷體" panose="03000509000000000000" pitchFamily="65" charset="-120"/>
-              </a:rPr>
-              <a:t>繪製</a:t>
-            </a:r>
-            <a:r>
-              <a:rPr lang="zh-TW" altLang="en-US" sz="2600" dirty="0">
-                <a:latin typeface="標楷體" panose="03000509000000000000" pitchFamily="65" charset="-120"/>
-                <a:ea typeface="標楷體" panose="03000509000000000000" pitchFamily="65" charset="-120"/>
-              </a:rPr>
-              <a:t>，</a:t>
-            </a:r>
-            <a:r>
-              <a:rPr lang="en-US" altLang="zh-TW" sz="2600" dirty="0" smtClean="0">
-                <a:latin typeface="標楷體" panose="03000509000000000000" pitchFamily="65" charset="-120"/>
-                <a:ea typeface="標楷體" panose="03000509000000000000" pitchFamily="65" charset="-120"/>
-              </a:rPr>
-              <a:t>UML</a:t>
-            </a:r>
-            <a:r>
-              <a:rPr lang="zh-TW" altLang="en-US" sz="2600" dirty="0" smtClean="0">
-                <a:latin typeface="標楷體" panose="03000509000000000000" pitchFamily="65" charset="-120"/>
-                <a:ea typeface="標楷體" panose="03000509000000000000" pitchFamily="65" charset="-120"/>
-              </a:rPr>
-              <a:t>圖</a:t>
-            </a:r>
-            <a:r>
-              <a:rPr lang="zh-TW" altLang="en-US" sz="2600" dirty="0">
-                <a:latin typeface="標楷體" panose="03000509000000000000" pitchFamily="65" charset="-120"/>
-                <a:ea typeface="標楷體" panose="03000509000000000000" pitchFamily="65" charset="-120"/>
-              </a:rPr>
-              <a:t>繪製，報告</a:t>
-            </a:r>
-            <a:endParaRPr lang="en-US" altLang="zh-TW" sz="2600" dirty="0">
-              <a:latin typeface="標楷體" panose="03000509000000000000" pitchFamily="65" charset="-120"/>
-              <a:ea typeface="標楷體" panose="03000509000000000000" pitchFamily="65" charset="-120"/>
-            </a:endParaRPr>
           </a:p>
           <a:p>
             <a:endParaRPr lang="zh-TW" altLang="en-US" sz="2800" dirty="0"/>
@@ -4903,10 +4990,29 @@
   <p:clrMapOvr>
     <a:masterClrMapping/>
   </p:clrMapOvr>
+  <mc:AlternateContent xmlns:mc="http://schemas.openxmlformats.org/markup-compatibility/2006">
+    <mc:Choice xmlns:p14="http://schemas.microsoft.com/office/powerpoint/2010/main" Requires="p14">
+      <p:transition spd="med" p14:dur="700">
+        <p:fade/>
+      </p:transition>
+    </mc:Choice>
+    <mc:Fallback>
+      <p:transition spd="med">
+        <p:fade/>
+      </p:transition>
+    </mc:Fallback>
+  </mc:AlternateContent>
+  <p:timing>
+    <p:tnLst>
+      <p:par>
+        <p:cTn id="1" dur="indefinite" restart="never" nodeType="tmRoot"/>
+      </p:par>
+    </p:tnLst>
+  </p:timing>
 </p:sld>
 </file>
 
-<file path=ppt/slides/slide17.xml><?xml version="1.0" encoding="utf-8"?>
+<file path=ppt/slides/slide18.xml><?xml version="1.0" encoding="utf-8"?>
 <p:sld xmlns:a="http://schemas.openxmlformats.org/drawingml/2006/main" xmlns:r="http://schemas.openxmlformats.org/officeDocument/2006/relationships" xmlns:p="http://schemas.openxmlformats.org/presentationml/2006/main">
   <p:cSld>
     <p:spTree>
@@ -4944,8 +5050,12 @@
           <a:lstStyle/>
           <a:p>
             <a:r>
+              <a:rPr lang="zh-TW" altLang="en-US" sz="3600" dirty="0" smtClean="0"/>
+              <a:t>人員</a:t>
+            </a:r>
+            <a:r>
               <a:rPr lang="zh-TW" altLang="en-US" sz="3600" dirty="0"/>
-              <a:t>本次人員工作分配</a:t>
+              <a:t>工作分配</a:t>
             </a:r>
           </a:p>
         </p:txBody>
@@ -5635,10 +5745,865 @@
   <p:clrMapOvr>
     <a:masterClrMapping/>
   </p:clrMapOvr>
+  <mc:AlternateContent xmlns:mc="http://schemas.openxmlformats.org/markup-compatibility/2006">
+    <mc:Choice xmlns:p14="http://schemas.microsoft.com/office/powerpoint/2010/main" Requires="p14">
+      <p:transition spd="med" p14:dur="700">
+        <p:fade/>
+      </p:transition>
+    </mc:Choice>
+    <mc:Fallback>
+      <p:transition spd="med">
+        <p:fade/>
+      </p:transition>
+    </mc:Fallback>
+  </mc:AlternateContent>
+  <p:timing>
+    <p:tnLst>
+      <p:par>
+        <p:cTn id="1" dur="indefinite" restart="never" nodeType="tmRoot"/>
+      </p:par>
+    </p:tnLst>
+  </p:timing>
 </p:sld>
 </file>
 
-<file path=ppt/slides/slide18.xml><?xml version="1.0" encoding="utf-8"?>
+<file path=ppt/slides/slide19.xml><?xml version="1.0" encoding="utf-8"?>
+<p:sld xmlns:a="http://schemas.openxmlformats.org/drawingml/2006/main" xmlns:r="http://schemas.openxmlformats.org/officeDocument/2006/relationships" xmlns:p="http://schemas.openxmlformats.org/presentationml/2006/main">
+  <p:cSld>
+    <p:spTree>
+      <p:nvGrpSpPr>
+        <p:cNvPr id="1" name=""/>
+        <p:cNvGrpSpPr/>
+        <p:nvPr/>
+      </p:nvGrpSpPr>
+      <p:grpSpPr>
+        <a:xfrm>
+          <a:off x="0" y="0"/>
+          <a:ext cx="0" cy="0"/>
+          <a:chOff x="0" y="0"/>
+          <a:chExt cx="0" cy="0"/>
+        </a:xfrm>
+      </p:grpSpPr>
+      <p:sp>
+        <p:nvSpPr>
+          <p:cNvPr id="2" name="標題 1"/>
+          <p:cNvSpPr>
+            <a:spLocks noGrp="1"/>
+          </p:cNvSpPr>
+          <p:nvPr>
+            <p:ph type="title"/>
+          </p:nvPr>
+        </p:nvSpPr>
+        <p:spPr>
+          <a:xfrm>
+            <a:off x="971600" y="116632"/>
+            <a:ext cx="7848600" cy="566464"/>
+          </a:xfrm>
+        </p:spPr>
+        <p:txBody>
+          <a:bodyPr/>
+          <a:lstStyle/>
+          <a:p>
+            <a:r>
+              <a:rPr lang="zh-TW" altLang="en-US" sz="3600" dirty="0" smtClean="0"/>
+              <a:t>人員</a:t>
+            </a:r>
+            <a:r>
+              <a:rPr lang="zh-TW" altLang="en-US" sz="3600" dirty="0"/>
+              <a:t>工作分配</a:t>
+            </a:r>
+          </a:p>
+        </p:txBody>
+      </p:sp>
+      <p:graphicFrame>
+        <p:nvGraphicFramePr>
+          <p:cNvPr id="4" name="內容版面配置區 3"/>
+          <p:cNvGraphicFramePr>
+            <a:graphicFrameLocks noGrp="1"/>
+          </p:cNvGraphicFramePr>
+          <p:nvPr>
+            <p:ph idx="1"/>
+            <p:extLst>
+              <p:ext uri="{D42A27DB-BD31-4B8C-83A1-F6EECF244321}">
+                <p14:modId xmlns:p14="http://schemas.microsoft.com/office/powerpoint/2010/main" val="1479994358"/>
+              </p:ext>
+            </p:extLst>
+          </p:nvPr>
+        </p:nvGraphicFramePr>
+        <p:xfrm>
+          <a:off x="971600" y="808275"/>
+          <a:ext cx="7315200" cy="5923280"/>
+        </p:xfrm>
+        <a:graphic>
+          <a:graphicData uri="http://schemas.openxmlformats.org/drawingml/2006/table">
+            <a:tbl>
+              <a:tblPr firstRow="1" bandRow="1">
+                <a:tableStyleId>{5C22544A-7EE6-4342-B048-85BDC9FD1C3A}</a:tableStyleId>
+              </a:tblPr>
+              <a:tblGrid>
+                <a:gridCol w="3657600">
+                  <a:extLst>
+                    <a:ext uri="{9D8B030D-6E8A-4147-A177-3AD203B41FA5}">
+                      <a16:colId xmlns:a16="http://schemas.microsoft.com/office/drawing/2014/main" val="977850935"/>
+                    </a:ext>
+                  </a:extLst>
+                </a:gridCol>
+                <a:gridCol w="3657600">
+                  <a:extLst>
+                    <a:ext uri="{9D8B030D-6E8A-4147-A177-3AD203B41FA5}">
+                      <a16:colId xmlns:a16="http://schemas.microsoft.com/office/drawing/2014/main" val="2994935296"/>
+                    </a:ext>
+                  </a:extLst>
+                </a:gridCol>
+              </a:tblGrid>
+              <a:tr h="370840">
+                <a:tc>
+                  <a:txBody>
+                    <a:bodyPr/>
+                    <a:lstStyle/>
+                    <a:p>
+                      <a:pPr algn="ctr"/>
+                      <a:r>
+                        <a:rPr lang="zh-TW" altLang="en-US" dirty="0"/>
+                        <a:t>項目</a:t>
+                      </a:r>
+                    </a:p>
+                  </a:txBody>
+                  <a:tcPr/>
+                </a:tc>
+                <a:tc>
+                  <a:txBody>
+                    <a:bodyPr/>
+                    <a:lstStyle/>
+                    <a:p>
+                      <a:pPr algn="ctr"/>
+                      <a:r>
+                        <a:rPr lang="zh-TW" altLang="en-US" dirty="0"/>
+                        <a:t>主要負責人</a:t>
+                      </a:r>
+                    </a:p>
+                  </a:txBody>
+                  <a:tcPr/>
+                </a:tc>
+                <a:extLst>
+                  <a:ext uri="{0D108BD9-81ED-4DB2-BD59-A6C34878D82A}">
+                    <a16:rowId xmlns:a16="http://schemas.microsoft.com/office/drawing/2014/main" val="2637711500"/>
+                  </a:ext>
+                </a:extLst>
+              </a:tr>
+              <a:tr h="370840">
+                <a:tc>
+                  <a:txBody>
+                    <a:bodyPr/>
+                    <a:lstStyle/>
+                    <a:p>
+                      <a:pPr algn="ctr"/>
+                      <a:r>
+                        <a:rPr lang="zh-TW" altLang="en-US" dirty="0" smtClean="0">
+                          <a:solidFill>
+                            <a:srgbClr val="002060"/>
+                          </a:solidFill>
+                        </a:rPr>
+                        <a:t>使用者案例圖繪製</a:t>
+                      </a:r>
+                      <a:endParaRPr lang="zh-TW" altLang="en-US" dirty="0">
+                        <a:solidFill>
+                          <a:srgbClr val="002060"/>
+                        </a:solidFill>
+                      </a:endParaRPr>
+                    </a:p>
+                  </a:txBody>
+                  <a:tcPr/>
+                </a:tc>
+                <a:tc>
+                  <a:txBody>
+                    <a:bodyPr/>
+                    <a:lstStyle/>
+                    <a:p>
+                      <a:pPr algn="ctr"/>
+                      <a:r>
+                        <a:rPr lang="zh-TW" altLang="en-US" dirty="0" smtClean="0"/>
+                        <a:t>楊景程</a:t>
+                      </a:r>
+                      <a:endParaRPr lang="zh-TW" altLang="en-US" dirty="0"/>
+                    </a:p>
+                  </a:txBody>
+                  <a:tcPr/>
+                </a:tc>
+                <a:extLst>
+                  <a:ext uri="{0D108BD9-81ED-4DB2-BD59-A6C34878D82A}">
+                    <a16:rowId xmlns:a16="http://schemas.microsoft.com/office/drawing/2014/main" val="2793559008"/>
+                  </a:ext>
+                </a:extLst>
+              </a:tr>
+              <a:tr h="370840">
+                <a:tc>
+                  <a:txBody>
+                    <a:bodyPr/>
+                    <a:lstStyle/>
+                    <a:p>
+                      <a:pPr algn="ctr"/>
+                      <a:r>
+                        <a:rPr lang="en-US" altLang="zh-TW" dirty="0" smtClean="0"/>
+                        <a:t>UML</a:t>
+                      </a:r>
+                      <a:r>
+                        <a:rPr lang="zh-TW" altLang="en-US" dirty="0" smtClean="0"/>
+                        <a:t>活動圖繪製</a:t>
+                      </a:r>
+                      <a:endParaRPr lang="zh-TW" altLang="en-US" dirty="0"/>
+                    </a:p>
+                  </a:txBody>
+                  <a:tcPr/>
+                </a:tc>
+                <a:tc>
+                  <a:txBody>
+                    <a:bodyPr/>
+                    <a:lstStyle/>
+                    <a:p>
+                      <a:pPr algn="ctr"/>
+                      <a:r>
+                        <a:rPr lang="zh-TW" altLang="en-US" dirty="0" smtClean="0"/>
+                        <a:t>洪嘉桓</a:t>
+                      </a:r>
+                      <a:endParaRPr lang="zh-TW" altLang="en-US" dirty="0"/>
+                    </a:p>
+                  </a:txBody>
+                  <a:tcPr/>
+                </a:tc>
+                <a:extLst>
+                  <a:ext uri="{0D108BD9-81ED-4DB2-BD59-A6C34878D82A}">
+                    <a16:rowId xmlns:a16="http://schemas.microsoft.com/office/drawing/2014/main" val="1384330511"/>
+                  </a:ext>
+                </a:extLst>
+              </a:tr>
+              <a:tr h="370840">
+                <a:tc>
+                  <a:txBody>
+                    <a:bodyPr/>
+                    <a:lstStyle/>
+                    <a:p>
+                      <a:pPr algn="ctr"/>
+                      <a:r>
+                        <a:rPr lang="zh-TW" altLang="en-US" dirty="0" smtClean="0"/>
+                        <a:t>類別圖修正</a:t>
+                      </a:r>
+                      <a:endParaRPr lang="zh-TW" altLang="en-US" dirty="0"/>
+                    </a:p>
+                  </a:txBody>
+                  <a:tcPr/>
+                </a:tc>
+                <a:tc>
+                  <a:txBody>
+                    <a:bodyPr/>
+                    <a:lstStyle/>
+                    <a:p>
+                      <a:pPr algn="ctr"/>
+                      <a:r>
+                        <a:rPr lang="zh-TW" altLang="en-US" dirty="0" smtClean="0"/>
+                        <a:t>楊景程</a:t>
+                      </a:r>
+                      <a:endParaRPr lang="zh-TW" altLang="en-US" dirty="0"/>
+                    </a:p>
+                  </a:txBody>
+                  <a:tcPr/>
+                </a:tc>
+                <a:extLst>
+                  <a:ext uri="{0D108BD9-81ED-4DB2-BD59-A6C34878D82A}">
+                    <a16:rowId xmlns:a16="http://schemas.microsoft.com/office/drawing/2014/main" val="2841187828"/>
+                  </a:ext>
+                </a:extLst>
+              </a:tr>
+              <a:tr h="370840">
+                <a:tc>
+                  <a:txBody>
+                    <a:bodyPr/>
+                    <a:lstStyle/>
+                    <a:p>
+                      <a:pPr algn="ctr"/>
+                      <a:r>
+                        <a:rPr lang="zh-TW" altLang="en-US" dirty="0" smtClean="0"/>
+                        <a:t>簡報製作</a:t>
+                      </a:r>
+                      <a:r>
+                        <a:rPr lang="en-US" altLang="zh-TW" dirty="0" smtClean="0"/>
+                        <a:t>(</a:t>
+                      </a:r>
+                      <a:r>
+                        <a:rPr lang="zh-TW" altLang="en-US" dirty="0" smtClean="0"/>
+                        <a:t>第三版</a:t>
+                      </a:r>
+                      <a:r>
+                        <a:rPr lang="en-US" altLang="zh-TW" dirty="0" smtClean="0"/>
+                        <a:t>)</a:t>
+                      </a:r>
+                      <a:endParaRPr lang="zh-TW" altLang="en-US" dirty="0"/>
+                    </a:p>
+                  </a:txBody>
+                  <a:tcPr/>
+                </a:tc>
+                <a:tc>
+                  <a:txBody>
+                    <a:bodyPr/>
+                    <a:lstStyle/>
+                    <a:p>
+                      <a:pPr algn="ctr"/>
+                      <a:r>
+                        <a:rPr lang="zh-TW" altLang="en-US" dirty="0" smtClean="0"/>
+                        <a:t>楊景程</a:t>
+                      </a:r>
+                      <a:endParaRPr lang="zh-TW" altLang="en-US" dirty="0"/>
+                    </a:p>
+                  </a:txBody>
+                  <a:tcPr/>
+                </a:tc>
+                <a:extLst>
+                  <a:ext uri="{0D108BD9-81ED-4DB2-BD59-A6C34878D82A}">
+                    <a16:rowId xmlns:a16="http://schemas.microsoft.com/office/drawing/2014/main" val="1407740663"/>
+                  </a:ext>
+                </a:extLst>
+              </a:tr>
+              <a:tr h="370840">
+                <a:tc>
+                  <a:txBody>
+                    <a:bodyPr/>
+                    <a:lstStyle/>
+                    <a:p>
+                      <a:pPr algn="ctr"/>
+                      <a:endParaRPr lang="zh-TW" altLang="en-US" dirty="0"/>
+                    </a:p>
+                  </a:txBody>
+                  <a:tcPr/>
+                </a:tc>
+                <a:tc>
+                  <a:txBody>
+                    <a:bodyPr/>
+                    <a:lstStyle/>
+                    <a:p>
+                      <a:endParaRPr lang="zh-TW" altLang="en-US"/>
+                    </a:p>
+                  </a:txBody>
+                  <a:tcPr/>
+                </a:tc>
+                <a:extLst>
+                  <a:ext uri="{0D108BD9-81ED-4DB2-BD59-A6C34878D82A}">
+                    <a16:rowId xmlns:a16="http://schemas.microsoft.com/office/drawing/2014/main" val="1535879117"/>
+                  </a:ext>
+                </a:extLst>
+              </a:tr>
+              <a:tr h="370840">
+                <a:tc>
+                  <a:txBody>
+                    <a:bodyPr/>
+                    <a:lstStyle/>
+                    <a:p>
+                      <a:pPr algn="ctr"/>
+                      <a:endParaRPr lang="zh-TW" altLang="en-US" dirty="0"/>
+                    </a:p>
+                  </a:txBody>
+                  <a:tcPr/>
+                </a:tc>
+                <a:tc>
+                  <a:txBody>
+                    <a:bodyPr/>
+                    <a:lstStyle/>
+                    <a:p>
+                      <a:endParaRPr lang="zh-TW" altLang="en-US"/>
+                    </a:p>
+                  </a:txBody>
+                  <a:tcPr/>
+                </a:tc>
+                <a:extLst>
+                  <a:ext uri="{0D108BD9-81ED-4DB2-BD59-A6C34878D82A}">
+                    <a16:rowId xmlns:a16="http://schemas.microsoft.com/office/drawing/2014/main" val="981812571"/>
+                  </a:ext>
+                </a:extLst>
+              </a:tr>
+              <a:tr h="313040">
+                <a:tc>
+                  <a:txBody>
+                    <a:bodyPr/>
+                    <a:lstStyle/>
+                    <a:p>
+                      <a:pPr algn="ctr"/>
+                      <a:endParaRPr lang="zh-TW" altLang="en-US" dirty="0"/>
+                    </a:p>
+                  </a:txBody>
+                  <a:tcPr/>
+                </a:tc>
+                <a:tc>
+                  <a:txBody>
+                    <a:bodyPr/>
+                    <a:lstStyle/>
+                    <a:p>
+                      <a:endParaRPr lang="zh-TW" altLang="en-US"/>
+                    </a:p>
+                  </a:txBody>
+                  <a:tcPr/>
+                </a:tc>
+                <a:extLst>
+                  <a:ext uri="{0D108BD9-81ED-4DB2-BD59-A6C34878D82A}">
+                    <a16:rowId xmlns:a16="http://schemas.microsoft.com/office/drawing/2014/main" val="2896357129"/>
+                  </a:ext>
+                </a:extLst>
+              </a:tr>
+              <a:tr h="313040">
+                <a:tc>
+                  <a:txBody>
+                    <a:bodyPr/>
+                    <a:lstStyle/>
+                    <a:p>
+                      <a:pPr algn="ctr"/>
+                      <a:endParaRPr lang="zh-TW" altLang="en-US" dirty="0"/>
+                    </a:p>
+                  </a:txBody>
+                  <a:tcPr/>
+                </a:tc>
+                <a:tc>
+                  <a:txBody>
+                    <a:bodyPr/>
+                    <a:lstStyle/>
+                    <a:p>
+                      <a:endParaRPr lang="zh-TW" altLang="en-US" dirty="0"/>
+                    </a:p>
+                  </a:txBody>
+                  <a:tcPr/>
+                </a:tc>
+                <a:extLst>
+                  <a:ext uri="{0D108BD9-81ED-4DB2-BD59-A6C34878D82A}">
+                    <a16:rowId xmlns:a16="http://schemas.microsoft.com/office/drawing/2014/main" val="1183857343"/>
+                  </a:ext>
+                </a:extLst>
+              </a:tr>
+              <a:tr h="370840">
+                <a:tc>
+                  <a:txBody>
+                    <a:bodyPr/>
+                    <a:lstStyle/>
+                    <a:p>
+                      <a:pPr algn="ctr"/>
+                      <a:endParaRPr lang="zh-TW" altLang="en-US" dirty="0"/>
+                    </a:p>
+                  </a:txBody>
+                  <a:tcPr/>
+                </a:tc>
+                <a:tc>
+                  <a:txBody>
+                    <a:bodyPr/>
+                    <a:lstStyle/>
+                    <a:p>
+                      <a:endParaRPr lang="zh-TW" altLang="en-US" dirty="0"/>
+                    </a:p>
+                  </a:txBody>
+                  <a:tcPr/>
+                </a:tc>
+                <a:extLst>
+                  <a:ext uri="{0D108BD9-81ED-4DB2-BD59-A6C34878D82A}">
+                    <a16:rowId xmlns:a16="http://schemas.microsoft.com/office/drawing/2014/main" val="257814553"/>
+                  </a:ext>
+                </a:extLst>
+              </a:tr>
+              <a:tr h="370840">
+                <a:tc>
+                  <a:txBody>
+                    <a:bodyPr/>
+                    <a:lstStyle/>
+                    <a:p>
+                      <a:pPr algn="ctr"/>
+                      <a:endParaRPr lang="zh-TW" altLang="en-US" dirty="0"/>
+                    </a:p>
+                  </a:txBody>
+                  <a:tcPr/>
+                </a:tc>
+                <a:tc>
+                  <a:txBody>
+                    <a:bodyPr/>
+                    <a:lstStyle/>
+                    <a:p>
+                      <a:endParaRPr lang="zh-TW" altLang="en-US" dirty="0"/>
+                    </a:p>
+                  </a:txBody>
+                  <a:tcPr/>
+                </a:tc>
+                <a:extLst>
+                  <a:ext uri="{0D108BD9-81ED-4DB2-BD59-A6C34878D82A}">
+                    <a16:rowId xmlns:a16="http://schemas.microsoft.com/office/drawing/2014/main" val="904648846"/>
+                  </a:ext>
+                </a:extLst>
+              </a:tr>
+              <a:tr h="370840">
+                <a:tc>
+                  <a:txBody>
+                    <a:bodyPr/>
+                    <a:lstStyle/>
+                    <a:p>
+                      <a:pPr algn="ctr"/>
+                      <a:endParaRPr lang="zh-TW" altLang="en-US" dirty="0"/>
+                    </a:p>
+                  </a:txBody>
+                  <a:tcPr/>
+                </a:tc>
+                <a:tc>
+                  <a:txBody>
+                    <a:bodyPr/>
+                    <a:lstStyle/>
+                    <a:p>
+                      <a:endParaRPr lang="zh-TW" altLang="en-US" dirty="0"/>
+                    </a:p>
+                  </a:txBody>
+                  <a:tcPr/>
+                </a:tc>
+                <a:extLst>
+                  <a:ext uri="{0D108BD9-81ED-4DB2-BD59-A6C34878D82A}">
+                    <a16:rowId xmlns:a16="http://schemas.microsoft.com/office/drawing/2014/main" val="1823087474"/>
+                  </a:ext>
+                </a:extLst>
+              </a:tr>
+              <a:tr h="370840">
+                <a:tc>
+                  <a:txBody>
+                    <a:bodyPr/>
+                    <a:lstStyle/>
+                    <a:p>
+                      <a:pPr algn="ctr"/>
+                      <a:endParaRPr lang="zh-TW" altLang="en-US" dirty="0"/>
+                    </a:p>
+                  </a:txBody>
+                  <a:tcPr/>
+                </a:tc>
+                <a:tc>
+                  <a:txBody>
+                    <a:bodyPr/>
+                    <a:lstStyle/>
+                    <a:p>
+                      <a:endParaRPr lang="zh-TW" altLang="en-US" dirty="0"/>
+                    </a:p>
+                  </a:txBody>
+                  <a:tcPr/>
+                </a:tc>
+                <a:extLst>
+                  <a:ext uri="{0D108BD9-81ED-4DB2-BD59-A6C34878D82A}">
+                    <a16:rowId xmlns:a16="http://schemas.microsoft.com/office/drawing/2014/main" val="548574199"/>
+                  </a:ext>
+                </a:extLst>
+              </a:tr>
+              <a:tr h="370840">
+                <a:tc>
+                  <a:txBody>
+                    <a:bodyPr/>
+                    <a:lstStyle/>
+                    <a:p>
+                      <a:endParaRPr lang="zh-TW" altLang="en-US" dirty="0"/>
+                    </a:p>
+                  </a:txBody>
+                  <a:tcPr/>
+                </a:tc>
+                <a:tc>
+                  <a:txBody>
+                    <a:bodyPr/>
+                    <a:lstStyle/>
+                    <a:p>
+                      <a:endParaRPr lang="zh-TW" altLang="en-US" dirty="0"/>
+                    </a:p>
+                  </a:txBody>
+                  <a:tcPr/>
+                </a:tc>
+                <a:extLst>
+                  <a:ext uri="{0D108BD9-81ED-4DB2-BD59-A6C34878D82A}">
+                    <a16:rowId xmlns:a16="http://schemas.microsoft.com/office/drawing/2014/main" val="2577324770"/>
+                  </a:ext>
+                </a:extLst>
+              </a:tr>
+              <a:tr h="370840">
+                <a:tc>
+                  <a:txBody>
+                    <a:bodyPr/>
+                    <a:lstStyle/>
+                    <a:p>
+                      <a:endParaRPr lang="zh-TW" altLang="en-US" dirty="0"/>
+                    </a:p>
+                  </a:txBody>
+                  <a:tcPr/>
+                </a:tc>
+                <a:tc>
+                  <a:txBody>
+                    <a:bodyPr/>
+                    <a:lstStyle/>
+                    <a:p>
+                      <a:endParaRPr lang="zh-TW" altLang="en-US" dirty="0"/>
+                    </a:p>
+                  </a:txBody>
+                  <a:tcPr/>
+                </a:tc>
+                <a:extLst>
+                  <a:ext uri="{0D108BD9-81ED-4DB2-BD59-A6C34878D82A}">
+                    <a16:rowId xmlns:a16="http://schemas.microsoft.com/office/drawing/2014/main" val="1031043363"/>
+                  </a:ext>
+                </a:extLst>
+              </a:tr>
+              <a:tr h="370840">
+                <a:tc>
+                  <a:txBody>
+                    <a:bodyPr/>
+                    <a:lstStyle/>
+                    <a:p>
+                      <a:pPr algn="ctr"/>
+                      <a:endParaRPr lang="zh-TW" altLang="en-US" dirty="0"/>
+                    </a:p>
+                  </a:txBody>
+                  <a:tcPr/>
+                </a:tc>
+                <a:tc>
+                  <a:txBody>
+                    <a:bodyPr/>
+                    <a:lstStyle/>
+                    <a:p>
+                      <a:endParaRPr lang="zh-TW" altLang="en-US" dirty="0"/>
+                    </a:p>
+                  </a:txBody>
+                  <a:tcPr/>
+                </a:tc>
+                <a:extLst>
+                  <a:ext uri="{0D108BD9-81ED-4DB2-BD59-A6C34878D82A}">
+                    <a16:rowId xmlns:a16="http://schemas.microsoft.com/office/drawing/2014/main" val="3196597421"/>
+                  </a:ext>
+                </a:extLst>
+              </a:tr>
+            </a:tbl>
+          </a:graphicData>
+        </a:graphic>
+      </p:graphicFrame>
+    </p:spTree>
+    <p:extLst>
+      <p:ext uri="{BB962C8B-B14F-4D97-AF65-F5344CB8AC3E}">
+        <p14:creationId xmlns:p14="http://schemas.microsoft.com/office/powerpoint/2010/main" val="607585906"/>
+      </p:ext>
+    </p:extLst>
+  </p:cSld>
+  <p:clrMapOvr>
+    <a:masterClrMapping/>
+  </p:clrMapOvr>
+  <mc:AlternateContent xmlns:mc="http://schemas.openxmlformats.org/markup-compatibility/2006">
+    <mc:Choice xmlns:p14="http://schemas.microsoft.com/office/powerpoint/2010/main" Requires="p14">
+      <p:transition spd="med" p14:dur="700">
+        <p:fade/>
+      </p:transition>
+    </mc:Choice>
+    <mc:Fallback>
+      <p:transition spd="med">
+        <p:fade/>
+      </p:transition>
+    </mc:Fallback>
+  </mc:AlternateContent>
+  <p:timing>
+    <p:tnLst>
+      <p:par>
+        <p:cTn id="1" dur="indefinite" restart="never" nodeType="tmRoot"/>
+      </p:par>
+    </p:tnLst>
+  </p:timing>
+</p:sld>
+</file>
+
+<file path=ppt/slides/slide2.xml><?xml version="1.0" encoding="utf-8"?>
+<p:sld xmlns:a="http://schemas.openxmlformats.org/drawingml/2006/main" xmlns:r="http://schemas.openxmlformats.org/officeDocument/2006/relationships" xmlns:p="http://schemas.openxmlformats.org/presentationml/2006/main">
+  <p:cSld>
+    <p:spTree>
+      <p:nvGrpSpPr>
+        <p:cNvPr id="1" name=""/>
+        <p:cNvGrpSpPr/>
+        <p:nvPr/>
+      </p:nvGrpSpPr>
+      <p:grpSpPr>
+        <a:xfrm>
+          <a:off x="0" y="0"/>
+          <a:ext cx="0" cy="0"/>
+          <a:chOff x="0" y="0"/>
+          <a:chExt cx="0" cy="0"/>
+        </a:xfrm>
+      </p:grpSpPr>
+      <p:sp>
+        <p:nvSpPr>
+          <p:cNvPr id="2" name="標題 1"/>
+          <p:cNvSpPr>
+            <a:spLocks noGrp="1"/>
+          </p:cNvSpPr>
+          <p:nvPr>
+            <p:ph type="title"/>
+          </p:nvPr>
+        </p:nvSpPr>
+        <p:spPr/>
+        <p:txBody>
+          <a:bodyPr/>
+          <a:lstStyle/>
+          <a:p>
+            <a:r>
+              <a:rPr lang="zh-TW" altLang="en-US" dirty="0"/>
+              <a:t>簡介</a:t>
+            </a:r>
+          </a:p>
+        </p:txBody>
+      </p:sp>
+      <p:sp>
+        <p:nvSpPr>
+          <p:cNvPr id="3" name="內容版面配置區 2"/>
+          <p:cNvSpPr>
+            <a:spLocks noGrp="1"/>
+          </p:cNvSpPr>
+          <p:nvPr>
+            <p:ph idx="1"/>
+          </p:nvPr>
+        </p:nvSpPr>
+        <p:spPr>
+          <a:xfrm>
+            <a:off x="1835696" y="1628800"/>
+            <a:ext cx="6715172" cy="3571899"/>
+          </a:xfrm>
+        </p:spPr>
+        <p:txBody>
+          <a:bodyPr/>
+          <a:lstStyle/>
+          <a:p>
+            <a:r>
+              <a:rPr lang="zh-TW" altLang="en-US" dirty="0">
+                <a:latin typeface="微軟正黑體" panose="020B0604030504040204" pitchFamily="34" charset="-120"/>
+                <a:ea typeface="微軟正黑體" panose="020B0604030504040204" pitchFamily="34" charset="-120"/>
+              </a:rPr>
+              <a:t>背景</a:t>
+            </a:r>
+            <a:endParaRPr lang="en-US" altLang="zh-TW" dirty="0">
+              <a:latin typeface="微軟正黑體" panose="020B0604030504040204" pitchFamily="34" charset="-120"/>
+              <a:ea typeface="微軟正黑體" panose="020B0604030504040204" pitchFamily="34" charset="-120"/>
+            </a:endParaRPr>
+          </a:p>
+          <a:p>
+            <a:r>
+              <a:rPr lang="zh-TW" altLang="en-US" dirty="0">
+                <a:latin typeface="微軟正黑體" panose="020B0604030504040204" pitchFamily="34" charset="-120"/>
+                <a:ea typeface="微軟正黑體" panose="020B0604030504040204" pitchFamily="34" charset="-120"/>
+              </a:rPr>
+              <a:t>動機</a:t>
+            </a:r>
+            <a:endParaRPr lang="en-US" altLang="zh-TW" dirty="0">
+              <a:latin typeface="微軟正黑體" panose="020B0604030504040204" pitchFamily="34" charset="-120"/>
+              <a:ea typeface="微軟正黑體" panose="020B0604030504040204" pitchFamily="34" charset="-120"/>
+            </a:endParaRPr>
+          </a:p>
+          <a:p>
+            <a:r>
+              <a:rPr lang="zh-TW" altLang="en-US" dirty="0">
+                <a:latin typeface="微軟正黑體" panose="020B0604030504040204" pitchFamily="34" charset="-120"/>
+                <a:ea typeface="微軟正黑體" panose="020B0604030504040204" pitchFamily="34" charset="-120"/>
+              </a:rPr>
+              <a:t>目的</a:t>
+            </a:r>
+            <a:endParaRPr lang="en-US" altLang="zh-TW" dirty="0">
+              <a:latin typeface="微軟正黑體" panose="020B0604030504040204" pitchFamily="34" charset="-120"/>
+              <a:ea typeface="微軟正黑體" panose="020B0604030504040204" pitchFamily="34" charset="-120"/>
+            </a:endParaRPr>
+          </a:p>
+          <a:p>
+            <a:r>
+              <a:rPr lang="zh-TW" altLang="en-US" dirty="0">
+                <a:latin typeface="微軟正黑體" panose="020B0604030504040204" pitchFamily="34" charset="-120"/>
+                <a:ea typeface="微軟正黑體" panose="020B0604030504040204" pitchFamily="34" charset="-120"/>
+              </a:rPr>
+              <a:t>需求分析</a:t>
+            </a:r>
+            <a:endParaRPr lang="en-US" altLang="zh-TW" dirty="0">
+              <a:latin typeface="微軟正黑體" panose="020B0604030504040204" pitchFamily="34" charset="-120"/>
+              <a:ea typeface="微軟正黑體" panose="020B0604030504040204" pitchFamily="34" charset="-120"/>
+            </a:endParaRPr>
+          </a:p>
+          <a:p>
+            <a:r>
+              <a:rPr lang="zh-TW" altLang="en-US" dirty="0" smtClean="0">
+                <a:latin typeface="微軟正黑體" panose="020B0604030504040204" pitchFamily="34" charset="-120"/>
+                <a:ea typeface="微軟正黑體" panose="020B0604030504040204" pitchFamily="34" charset="-120"/>
+              </a:rPr>
+              <a:t>構想</a:t>
+            </a:r>
+            <a:endParaRPr lang="en-US" altLang="zh-TW" dirty="0" smtClean="0">
+              <a:latin typeface="微軟正黑體" panose="020B0604030504040204" pitchFamily="34" charset="-120"/>
+              <a:ea typeface="微軟正黑體" panose="020B0604030504040204" pitchFamily="34" charset="-120"/>
+            </a:endParaRPr>
+          </a:p>
+          <a:p>
+            <a:r>
+              <a:rPr lang="zh-TW" altLang="en-US" dirty="0" smtClean="0">
+                <a:latin typeface="微軟正黑體" panose="020B0604030504040204" pitchFamily="34" charset="-120"/>
+                <a:ea typeface="微軟正黑體" panose="020B0604030504040204" pitchFamily="34" charset="-120"/>
+              </a:rPr>
+              <a:t>系統架構</a:t>
+            </a:r>
+            <a:r>
+              <a:rPr lang="zh-TW" altLang="en-US" dirty="0">
+                <a:latin typeface="微軟正黑體" panose="020B0604030504040204" pitchFamily="34" charset="-120"/>
+                <a:ea typeface="微軟正黑體" panose="020B0604030504040204" pitchFamily="34" charset="-120"/>
+              </a:rPr>
+              <a:t>圖</a:t>
+            </a:r>
+            <a:endParaRPr lang="en-US" altLang="zh-TW" dirty="0" smtClean="0">
+              <a:latin typeface="微軟正黑體" panose="020B0604030504040204" pitchFamily="34" charset="-120"/>
+              <a:ea typeface="微軟正黑體" panose="020B0604030504040204" pitchFamily="34" charset="-120"/>
+            </a:endParaRPr>
+          </a:p>
+          <a:p>
+            <a:r>
+              <a:rPr lang="en-US" altLang="zh-TW" dirty="0" smtClean="0">
+                <a:latin typeface="微軟正黑體" panose="020B0604030504040204" pitchFamily="34" charset="-120"/>
+                <a:ea typeface="微軟正黑體" panose="020B0604030504040204" pitchFamily="34" charset="-120"/>
+              </a:rPr>
+              <a:t>UML</a:t>
+            </a:r>
+            <a:r>
+              <a:rPr lang="zh-TW" altLang="en-US" dirty="0" smtClean="0">
+                <a:latin typeface="微軟正黑體" panose="020B0604030504040204" pitchFamily="34" charset="-120"/>
+                <a:ea typeface="微軟正黑體" panose="020B0604030504040204" pitchFamily="34" charset="-120"/>
+              </a:rPr>
+              <a:t>圖</a:t>
+            </a:r>
+            <a:endParaRPr lang="en-US" altLang="zh-TW" dirty="0">
+              <a:latin typeface="微軟正黑體" panose="020B0604030504040204" pitchFamily="34" charset="-120"/>
+              <a:ea typeface="微軟正黑體" panose="020B0604030504040204" pitchFamily="34" charset="-120"/>
+            </a:endParaRPr>
+          </a:p>
+          <a:p>
+            <a:endParaRPr lang="zh-TW" altLang="en-US" dirty="0">
+              <a:latin typeface="微軟正黑體" panose="020B0604030504040204" pitchFamily="34" charset="-120"/>
+              <a:ea typeface="微軟正黑體" panose="020B0604030504040204" pitchFamily="34" charset="-120"/>
+            </a:endParaRPr>
+          </a:p>
+        </p:txBody>
+      </p:sp>
+    </p:spTree>
+  </p:cSld>
+  <p:clrMapOvr>
+    <a:masterClrMapping/>
+  </p:clrMapOvr>
+  <mc:AlternateContent xmlns:mc="http://schemas.openxmlformats.org/markup-compatibility/2006">
+    <mc:Choice xmlns:p14="http://schemas.microsoft.com/office/powerpoint/2010/main" Requires="p14">
+      <p:transition spd="med" p14:dur="700">
+        <p:fade/>
+      </p:transition>
+    </mc:Choice>
+    <mc:Fallback>
+      <p:transition spd="med">
+        <p:fade/>
+      </p:transition>
+    </mc:Fallback>
+  </mc:AlternateContent>
+  <p:timing>
+    <p:tnLst>
+      <p:par>
+        <p:cTn id="1" dur="indefinite" restart="never" nodeType="tmRoot"/>
+      </p:par>
+    </p:tnLst>
+  </p:timing>
+</p:sld>
+</file>
+
+<file path=ppt/slides/slide20.xml><?xml version="1.0" encoding="utf-8"?>
 <p:sld xmlns:a="http://schemas.openxmlformats.org/drawingml/2006/main" xmlns:r="http://schemas.openxmlformats.org/officeDocument/2006/relationships" xmlns:p="http://schemas.openxmlformats.org/presentationml/2006/main">
   <p:cSld>
     <p:spTree>
@@ -7872,10 +8837,29 @@
   <p:clrMapOvr>
     <a:masterClrMapping/>
   </p:clrMapOvr>
+  <mc:AlternateContent xmlns:mc="http://schemas.openxmlformats.org/markup-compatibility/2006">
+    <mc:Choice xmlns:p14="http://schemas.microsoft.com/office/powerpoint/2010/main" Requires="p14">
+      <p:transition spd="med" p14:dur="700">
+        <p:fade/>
+      </p:transition>
+    </mc:Choice>
+    <mc:Fallback>
+      <p:transition spd="med">
+        <p:fade/>
+      </p:transition>
+    </mc:Fallback>
+  </mc:AlternateContent>
+  <p:timing>
+    <p:tnLst>
+      <p:par>
+        <p:cTn id="1" dur="indefinite" restart="never" nodeType="tmRoot"/>
+      </p:par>
+    </p:tnLst>
+  </p:timing>
 </p:sld>
 </file>
 
-<file path=ppt/slides/slide19.xml><?xml version="1.0" encoding="utf-8"?>
+<file path=ppt/slides/slide21.xml><?xml version="1.0" encoding="utf-8"?>
 <p:sld xmlns:a="http://schemas.openxmlformats.org/drawingml/2006/main" xmlns:r="http://schemas.openxmlformats.org/officeDocument/2006/relationships" xmlns:p="http://schemas.openxmlformats.org/presentationml/2006/main">
   <p:cSld>
     <p:spTree>
@@ -7941,142 +8925,25 @@
   <p:clrMapOvr>
     <a:masterClrMapping/>
   </p:clrMapOvr>
-</p:sld>
-</file>
-
-<file path=ppt/slides/slide2.xml><?xml version="1.0" encoding="utf-8"?>
-<p:sld xmlns:a="http://schemas.openxmlformats.org/drawingml/2006/main" xmlns:r="http://schemas.openxmlformats.org/officeDocument/2006/relationships" xmlns:p="http://schemas.openxmlformats.org/presentationml/2006/main">
-  <p:cSld>
-    <p:spTree>
-      <p:nvGrpSpPr>
-        <p:cNvPr id="1" name=""/>
-        <p:cNvGrpSpPr/>
-        <p:nvPr/>
-      </p:nvGrpSpPr>
-      <p:grpSpPr>
-        <a:xfrm>
-          <a:off x="0" y="0"/>
-          <a:ext cx="0" cy="0"/>
-          <a:chOff x="0" y="0"/>
-          <a:chExt cx="0" cy="0"/>
-        </a:xfrm>
-      </p:grpSpPr>
-      <p:sp>
-        <p:nvSpPr>
-          <p:cNvPr id="2" name="標題 1"/>
-          <p:cNvSpPr>
-            <a:spLocks noGrp="1"/>
-          </p:cNvSpPr>
-          <p:nvPr>
-            <p:ph type="title"/>
-          </p:nvPr>
-        </p:nvSpPr>
-        <p:spPr/>
-        <p:txBody>
-          <a:bodyPr/>
-          <a:lstStyle/>
-          <a:p>
-            <a:r>
-              <a:rPr lang="zh-TW" altLang="en-US" dirty="0"/>
-              <a:t>簡介</a:t>
-            </a:r>
-          </a:p>
-        </p:txBody>
-      </p:sp>
-      <p:sp>
-        <p:nvSpPr>
-          <p:cNvPr id="3" name="內容版面配置區 2"/>
-          <p:cNvSpPr>
-            <a:spLocks noGrp="1"/>
-          </p:cNvSpPr>
-          <p:nvPr>
-            <p:ph idx="1"/>
-          </p:nvPr>
-        </p:nvSpPr>
-        <p:spPr>
-          <a:xfrm>
-            <a:off x="1785918" y="2000240"/>
-            <a:ext cx="6715172" cy="3571899"/>
-          </a:xfrm>
-        </p:spPr>
-        <p:txBody>
-          <a:bodyPr/>
-          <a:lstStyle/>
-          <a:p>
-            <a:r>
-              <a:rPr lang="zh-TW" altLang="en-US" dirty="0">
-                <a:latin typeface="標楷體" panose="03000509000000000000" pitchFamily="65" charset="-120"/>
-                <a:ea typeface="標楷體" panose="03000509000000000000" pitchFamily="65" charset="-120"/>
-              </a:rPr>
-              <a:t>背景</a:t>
-            </a:r>
-            <a:endParaRPr lang="en-US" altLang="zh-TW" dirty="0">
-              <a:latin typeface="標楷體" panose="03000509000000000000" pitchFamily="65" charset="-120"/>
-              <a:ea typeface="標楷體" panose="03000509000000000000" pitchFamily="65" charset="-120"/>
-            </a:endParaRPr>
-          </a:p>
-          <a:p>
-            <a:r>
-              <a:rPr lang="zh-TW" altLang="en-US" dirty="0">
-                <a:latin typeface="標楷體" panose="03000509000000000000" pitchFamily="65" charset="-120"/>
-                <a:ea typeface="標楷體" panose="03000509000000000000" pitchFamily="65" charset="-120"/>
-              </a:rPr>
-              <a:t>動機</a:t>
-            </a:r>
-            <a:endParaRPr lang="en-US" altLang="zh-TW" dirty="0">
-              <a:latin typeface="標楷體" panose="03000509000000000000" pitchFamily="65" charset="-120"/>
-              <a:ea typeface="標楷體" panose="03000509000000000000" pitchFamily="65" charset="-120"/>
-            </a:endParaRPr>
-          </a:p>
-          <a:p>
-            <a:r>
-              <a:rPr lang="zh-TW" altLang="en-US" dirty="0">
-                <a:latin typeface="標楷體" panose="03000509000000000000" pitchFamily="65" charset="-120"/>
-                <a:ea typeface="標楷體" panose="03000509000000000000" pitchFamily="65" charset="-120"/>
-              </a:rPr>
-              <a:t>目的</a:t>
-            </a:r>
-            <a:endParaRPr lang="en-US" altLang="zh-TW" dirty="0">
-              <a:latin typeface="標楷體" panose="03000509000000000000" pitchFamily="65" charset="-120"/>
-              <a:ea typeface="標楷體" panose="03000509000000000000" pitchFamily="65" charset="-120"/>
-            </a:endParaRPr>
-          </a:p>
-          <a:p>
-            <a:r>
-              <a:rPr lang="zh-TW" altLang="en-US" dirty="0">
-                <a:latin typeface="標楷體" panose="03000509000000000000" pitchFamily="65" charset="-120"/>
-                <a:ea typeface="標楷體" panose="03000509000000000000" pitchFamily="65" charset="-120"/>
-              </a:rPr>
-              <a:t>需求分析</a:t>
-            </a:r>
-            <a:endParaRPr lang="en-US" altLang="zh-TW" dirty="0">
-              <a:latin typeface="標楷體" panose="03000509000000000000" pitchFamily="65" charset="-120"/>
-              <a:ea typeface="標楷體" panose="03000509000000000000" pitchFamily="65" charset="-120"/>
-            </a:endParaRPr>
-          </a:p>
-          <a:p>
-            <a:r>
-              <a:rPr lang="zh-TW" altLang="en-US" dirty="0">
-                <a:latin typeface="標楷體" panose="03000509000000000000" pitchFamily="65" charset="-120"/>
-                <a:ea typeface="標楷體" panose="03000509000000000000" pitchFamily="65" charset="-120"/>
-              </a:rPr>
-              <a:t>構想</a:t>
-            </a:r>
-            <a:endParaRPr lang="en-US" altLang="zh-TW" dirty="0">
-              <a:latin typeface="標楷體" panose="03000509000000000000" pitchFamily="65" charset="-120"/>
-              <a:ea typeface="標楷體" panose="03000509000000000000" pitchFamily="65" charset="-120"/>
-            </a:endParaRPr>
-          </a:p>
-          <a:p>
-            <a:endParaRPr lang="zh-TW" altLang="en-US" dirty="0"/>
-          </a:p>
-        </p:txBody>
-      </p:sp>
-    </p:spTree>
-  </p:cSld>
-  <p:clrMapOvr>
-    <a:masterClrMapping/>
-  </p:clrMapOvr>
+  <mc:AlternateContent xmlns:mc="http://schemas.openxmlformats.org/markup-compatibility/2006">
+    <mc:Choice xmlns:p14="http://schemas.microsoft.com/office/powerpoint/2010/main" Requires="p14">
+      <p:transition spd="med" p14:dur="700">
+        <p:fade/>
+      </p:transition>
+    </mc:Choice>
+    <mc:Fallback>
+      <p:transition spd="med">
+        <p:fade/>
+      </p:transition>
+    </mc:Fallback>
+  </mc:AlternateContent>
+  <p:timing>
+    <p:tnLst>
+      <p:par>
+        <p:cTn id="1" dur="indefinite" restart="never" nodeType="tmRoot"/>
+      </p:par>
+    </p:tnLst>
+  </p:timing>
 </p:sld>
 </file>
 
@@ -8131,8 +8998,8 @@
         </p:nvSpPr>
         <p:spPr>
           <a:xfrm>
-            <a:off x="1785918" y="2000240"/>
-            <a:ext cx="6715172" cy="3571899"/>
+            <a:off x="611560" y="1628800"/>
+            <a:ext cx="7344816" cy="3571899"/>
           </a:xfrm>
         </p:spPr>
         <p:txBody>
@@ -8143,40 +9010,131 @@
               <a:buNone/>
             </a:pPr>
             <a:r>
-              <a:rPr lang="zh-TW" altLang="en-US" dirty="0"/>
-              <a:t>現在科技日新月異，人們已經不滿足於在螢幕中建構一個幻想世界，這是</a:t>
-            </a:r>
-            <a:r>
-              <a:rPr lang="en-US" altLang="zh-TW" dirty="0"/>
+              <a:rPr lang="zh-TW" altLang="en-US" dirty="0" smtClean="0">
+                <a:latin typeface="微軟正黑體" panose="020B0604030504040204" pitchFamily="34" charset="-120"/>
+                <a:ea typeface="微軟正黑體" panose="020B0604030504040204" pitchFamily="34" charset="-120"/>
+              </a:rPr>
+              <a:t>科技</a:t>
+            </a:r>
+            <a:r>
+              <a:rPr lang="zh-TW" altLang="en-US" dirty="0">
+                <a:latin typeface="微軟正黑體" panose="020B0604030504040204" pitchFamily="34" charset="-120"/>
+                <a:ea typeface="微軟正黑體" panose="020B0604030504040204" pitchFamily="34" charset="-120"/>
+              </a:rPr>
+              <a:t>日新月異，人們</a:t>
+            </a:r>
+            <a:r>
+              <a:rPr lang="zh-TW" altLang="en-US" dirty="0" smtClean="0">
+                <a:latin typeface="微軟正黑體" panose="020B0604030504040204" pitchFamily="34" charset="-120"/>
+                <a:ea typeface="微軟正黑體" panose="020B0604030504040204" pitchFamily="34" charset="-120"/>
+              </a:rPr>
+              <a:t>已不滿足在</a:t>
+            </a:r>
+            <a:r>
+              <a:rPr lang="zh-TW" altLang="en-US" dirty="0">
+                <a:latin typeface="微軟正黑體" panose="020B0604030504040204" pitchFamily="34" charset="-120"/>
+                <a:ea typeface="微軟正黑體" panose="020B0604030504040204" pitchFamily="34" charset="-120"/>
+              </a:rPr>
+              <a:t>螢幕中建構一個幻想世界，這是</a:t>
+            </a:r>
+            <a:r>
+              <a:rPr lang="en-US" altLang="zh-TW" dirty="0">
+                <a:latin typeface="微軟正黑體" panose="020B0604030504040204" pitchFamily="34" charset="-120"/>
+                <a:ea typeface="微軟正黑體" panose="020B0604030504040204" pitchFamily="34" charset="-120"/>
+              </a:rPr>
               <a:t>VR</a:t>
             </a:r>
             <a:r>
-              <a:rPr lang="zh-TW" altLang="en-US" dirty="0"/>
+              <a:rPr lang="zh-TW" altLang="en-US" dirty="0">
+                <a:latin typeface="微軟正黑體" panose="020B0604030504040204" pitchFamily="34" charset="-120"/>
+                <a:ea typeface="微軟正黑體" panose="020B0604030504040204" pitchFamily="34" charset="-120"/>
+              </a:rPr>
               <a:t>、</a:t>
             </a:r>
             <a:r>
-              <a:rPr lang="en-US" altLang="zh-TW" dirty="0"/>
+              <a:rPr lang="en-US" altLang="zh-TW" dirty="0">
+                <a:latin typeface="微軟正黑體" panose="020B0604030504040204" pitchFamily="34" charset="-120"/>
+                <a:ea typeface="微軟正黑體" panose="020B0604030504040204" pitchFamily="34" charset="-120"/>
+              </a:rPr>
               <a:t>AR</a:t>
             </a:r>
             <a:r>
-              <a:rPr lang="zh-TW" altLang="en-US" dirty="0"/>
+              <a:rPr lang="zh-TW" altLang="en-US" dirty="0">
+                <a:latin typeface="微軟正黑體" panose="020B0604030504040204" pitchFamily="34" charset="-120"/>
+                <a:ea typeface="微軟正黑體" panose="020B0604030504040204" pitchFamily="34" charset="-120"/>
+              </a:rPr>
               <a:t>等技術相應出現，使我們能親身進入幻想世界，甚至使之與現實融合。</a:t>
             </a:r>
-            <a:endParaRPr lang="en-US" altLang="zh-TW" dirty="0"/>
+            <a:endParaRPr lang="en-US" altLang="zh-TW" dirty="0">
+              <a:latin typeface="微軟正黑體" panose="020B0604030504040204" pitchFamily="34" charset="-120"/>
+              <a:ea typeface="微軟正黑體" panose="020B0604030504040204" pitchFamily="34" charset="-120"/>
+            </a:endParaRPr>
           </a:p>
           <a:p>
             <a:pPr>
               <a:buNone/>
             </a:pPr>
-            <a:endParaRPr lang="en-US" altLang="zh-TW" dirty="0"/>
+            <a:endParaRPr lang="en-US" altLang="zh-TW" dirty="0">
+              <a:latin typeface="微軟正黑體" panose="020B0604030504040204" pitchFamily="34" charset="-120"/>
+              <a:ea typeface="微軟正黑體" panose="020B0604030504040204" pitchFamily="34" charset="-120"/>
+            </a:endParaRPr>
           </a:p>
         </p:txBody>
       </p:sp>
+      <p:pic>
+        <p:nvPicPr>
+          <p:cNvPr id="4" name="圖片 3"/>
+          <p:cNvPicPr>
+            <a:picLocks noChangeAspect="1"/>
+          </p:cNvPicPr>
+          <p:nvPr/>
+        </p:nvPicPr>
+        <p:blipFill>
+          <a:blip r:embed="rId2" cstate="print">
+            <a:extLst>
+              <a:ext uri="{28A0092B-C50C-407E-A947-70E740481C1C}">
+                <a14:useLocalDpi xmlns:a14="http://schemas.microsoft.com/office/drawing/2010/main" val="0"/>
+              </a:ext>
+            </a:extLst>
+          </a:blip>
+          <a:stretch>
+            <a:fillRect/>
+          </a:stretch>
+        </p:blipFill>
+        <p:spPr>
+          <a:xfrm>
+            <a:off x="4211960" y="3180528"/>
+            <a:ext cx="4426689" cy="3616052"/>
+          </a:xfrm>
+          <a:prstGeom prst="rect">
+            <a:avLst/>
+          </a:prstGeom>
+        </p:spPr>
+      </p:pic>
     </p:spTree>
   </p:cSld>
   <p:clrMapOvr>
     <a:masterClrMapping/>
   </p:clrMapOvr>
+  <mc:AlternateContent xmlns:mc="http://schemas.openxmlformats.org/markup-compatibility/2006">
+    <mc:Choice xmlns:p14="http://schemas.microsoft.com/office/powerpoint/2010/main" Requires="p14">
+      <p:transition spd="med" p14:dur="700">
+        <p:fade/>
+      </p:transition>
+    </mc:Choice>
+    <mc:Fallback>
+      <p:transition spd="med">
+        <p:fade/>
+      </p:transition>
+    </mc:Fallback>
+  </mc:AlternateContent>
+  <p:timing>
+    <p:tnLst>
+      <p:par>
+        <p:cTn id="1" dur="indefinite" restart="never" nodeType="tmRoot"/>
+      </p:par>
+    </p:tnLst>
+  </p:timing>
 </p:sld>
 </file>
 
@@ -8257,6 +9215,25 @@
   <p:clrMapOvr>
     <a:masterClrMapping/>
   </p:clrMapOvr>
+  <mc:AlternateContent xmlns:mc="http://schemas.openxmlformats.org/markup-compatibility/2006">
+    <mc:Choice xmlns:p14="http://schemas.microsoft.com/office/powerpoint/2010/main" Requires="p14">
+      <p:transition spd="med" p14:dur="700">
+        <p:fade/>
+      </p:transition>
+    </mc:Choice>
+    <mc:Fallback>
+      <p:transition spd="med">
+        <p:fade/>
+      </p:transition>
+    </mc:Fallback>
+  </mc:AlternateContent>
+  <p:timing>
+    <p:tnLst>
+      <p:par>
+        <p:cTn id="1" dur="indefinite" restart="never" nodeType="tmRoot"/>
+      </p:par>
+    </p:tnLst>
+  </p:timing>
 </p:sld>
 </file>
 
@@ -8330,6 +9307,25 @@
   <p:clrMapOvr>
     <a:masterClrMapping/>
   </p:clrMapOvr>
+  <mc:AlternateContent xmlns:mc="http://schemas.openxmlformats.org/markup-compatibility/2006">
+    <mc:Choice xmlns:p14="http://schemas.microsoft.com/office/powerpoint/2010/main" Requires="p14">
+      <p:transition spd="med" p14:dur="700">
+        <p:fade/>
+      </p:transition>
+    </mc:Choice>
+    <mc:Fallback>
+      <p:transition spd="med">
+        <p:fade/>
+      </p:transition>
+    </mc:Fallback>
+  </mc:AlternateContent>
+  <p:timing>
+    <p:tnLst>
+      <p:par>
+        <p:cTn id="1" dur="indefinite" restart="never" nodeType="tmRoot"/>
+      </p:par>
+    </p:tnLst>
+  </p:timing>
 </p:sld>
 </file>
 
@@ -8396,23 +9392,38 @@
               <a:buNone/>
             </a:pPr>
             <a:r>
-              <a:rPr lang="zh-TW" altLang="en-US" dirty="0"/>
+              <a:rPr lang="zh-TW" altLang="en-US" dirty="0">
+                <a:latin typeface="微軟正黑體" panose="020B0604030504040204" pitchFamily="34" charset="-120"/>
+                <a:ea typeface="微軟正黑體" panose="020B0604030504040204" pitchFamily="34" charset="-120"/>
+              </a:rPr>
               <a:t>以</a:t>
             </a:r>
             <a:r>
-              <a:rPr lang="en-US" altLang="zh-TW" dirty="0"/>
+              <a:rPr lang="en-US" altLang="zh-TW" dirty="0">
+                <a:latin typeface="微軟正黑體" panose="020B0604030504040204" pitchFamily="34" charset="-120"/>
+                <a:ea typeface="微軟正黑體" panose="020B0604030504040204" pitchFamily="34" charset="-120"/>
+              </a:rPr>
               <a:t>AR</a:t>
             </a:r>
             <a:r>
-              <a:rPr lang="zh-TW" altLang="en-US" dirty="0"/>
+              <a:rPr lang="zh-TW" altLang="en-US" dirty="0">
+                <a:latin typeface="微軟正黑體" panose="020B0604030504040204" pitchFamily="34" charset="-120"/>
+                <a:ea typeface="微軟正黑體" panose="020B0604030504040204" pitchFamily="34" charset="-120"/>
+              </a:rPr>
               <a:t>技術為特點吸引民眾到特定地點觀賞，並以</a:t>
             </a:r>
             <a:r>
-              <a:rPr lang="en-US" altLang="zh-TW" dirty="0"/>
+              <a:rPr lang="en-US" altLang="zh-TW" dirty="0">
+                <a:latin typeface="微軟正黑體" panose="020B0604030504040204" pitchFamily="34" charset="-120"/>
+                <a:ea typeface="微軟正黑體" panose="020B0604030504040204" pitchFamily="34" charset="-120"/>
+              </a:rPr>
               <a:t>RPG</a:t>
             </a:r>
             <a:r>
-              <a:rPr lang="zh-TW" altLang="en-US" dirty="0"/>
+              <a:rPr lang="zh-TW" altLang="en-US" dirty="0">
+                <a:latin typeface="微軟正黑體" panose="020B0604030504040204" pitchFamily="34" charset="-120"/>
+                <a:ea typeface="微軟正黑體" panose="020B0604030504040204" pitchFamily="34" charset="-120"/>
+              </a:rPr>
               <a:t>的遊戲型態使玩家一步步認識當地文化，藉此可達到活絡地方觀光的目的。</a:t>
             </a:r>
           </a:p>
@@ -8551,9 +9562,8 @@
                 <a:effectLst/>
                 <a:uLnTx/>
                 <a:uFillTx/>
-                <a:latin typeface="+mn-lt"/>
-                <a:ea typeface="+mn-ea"/>
-                <a:cs typeface="+mn-cs"/>
+                <a:latin typeface="微軟正黑體" panose="020B0604030504040204" pitchFamily="34" charset="-120"/>
+                <a:ea typeface="微軟正黑體" panose="020B0604030504040204" pitchFamily="34" charset="-120"/>
               </a:rPr>
               <a:t>所以我們要建立一個以地方文化為主題的</a:t>
             </a:r>
@@ -8568,9 +9578,8 @@
                 <a:effectLst/>
                 <a:uLnTx/>
                 <a:uFillTx/>
-                <a:latin typeface="+mn-lt"/>
-                <a:ea typeface="+mn-ea"/>
-                <a:cs typeface="+mn-cs"/>
+                <a:latin typeface="微軟正黑體" panose="020B0604030504040204" pitchFamily="34" charset="-120"/>
+                <a:ea typeface="微軟正黑體" panose="020B0604030504040204" pitchFamily="34" charset="-120"/>
               </a:rPr>
               <a:t>RPG</a:t>
             </a:r>
@@ -8585,9 +9594,8 @@
                 <a:effectLst/>
                 <a:uLnTx/>
                 <a:uFillTx/>
-                <a:latin typeface="+mn-lt"/>
-                <a:ea typeface="+mn-ea"/>
-                <a:cs typeface="+mn-cs"/>
+                <a:latin typeface="微軟正黑體" panose="020B0604030504040204" pitchFamily="34" charset="-120"/>
+                <a:ea typeface="微軟正黑體" panose="020B0604030504040204" pitchFamily="34" charset="-120"/>
               </a:rPr>
               <a:t>遊戲，並以</a:t>
             </a:r>
@@ -8602,9 +9610,8 @@
                 <a:effectLst/>
                 <a:uLnTx/>
                 <a:uFillTx/>
-                <a:latin typeface="+mn-lt"/>
-                <a:ea typeface="+mn-ea"/>
-                <a:cs typeface="+mn-cs"/>
+                <a:latin typeface="微軟正黑體" panose="020B0604030504040204" pitchFamily="34" charset="-120"/>
+                <a:ea typeface="微軟正黑體" panose="020B0604030504040204" pitchFamily="34" charset="-120"/>
               </a:rPr>
               <a:t>AR</a:t>
             </a:r>
@@ -8619,9 +9626,8 @@
                 <a:effectLst/>
                 <a:uLnTx/>
                 <a:uFillTx/>
-                <a:latin typeface="+mn-lt"/>
-                <a:ea typeface="+mn-ea"/>
-                <a:cs typeface="+mn-cs"/>
+                <a:latin typeface="微軟正黑體" panose="020B0604030504040204" pitchFamily="34" charset="-120"/>
+                <a:ea typeface="微軟正黑體" panose="020B0604030504040204" pitchFamily="34" charset="-120"/>
               </a:rPr>
               <a:t>方式呈現。</a:t>
             </a:r>
@@ -8633,6 +9639,25 @@
   <p:clrMapOvr>
     <a:masterClrMapping/>
   </p:clrMapOvr>
+  <mc:AlternateContent xmlns:mc="http://schemas.openxmlformats.org/markup-compatibility/2006">
+    <mc:Choice xmlns:p14="http://schemas.microsoft.com/office/powerpoint/2010/main" Requires="p14">
+      <p:transition spd="med" p14:dur="700">
+        <p:fade/>
+      </p:transition>
+    </mc:Choice>
+    <mc:Fallback>
+      <p:transition spd="med">
+        <p:fade/>
+      </p:transition>
+    </mc:Fallback>
+  </mc:AlternateContent>
+  <p:timing>
+    <p:tnLst>
+      <p:par>
+        <p:cTn id="1" dur="indefinite" restart="never" nodeType="tmRoot"/>
+      </p:par>
+    </p:tnLst>
+  </p:timing>
 </p:sld>
 </file>
 
@@ -8673,29 +9698,19 @@
                 <a:latin typeface="標楷體" panose="03000509000000000000" pitchFamily="65" charset="-120"/>
                 <a:ea typeface="標楷體" panose="03000509000000000000" pitchFamily="65" charset="-120"/>
               </a:rPr>
-              <a:t>需求分析</a:t>
-            </a:r>
-            <a:r>
-              <a:rPr lang="en-US" altLang="zh-TW" dirty="0">
+              <a:t>需求</a:t>
+            </a:r>
+            <a:r>
+              <a:rPr lang="zh-TW" altLang="en-US" dirty="0" smtClean="0">
                 <a:latin typeface="標楷體" panose="03000509000000000000" pitchFamily="65" charset="-120"/>
                 <a:ea typeface="標楷體" panose="03000509000000000000" pitchFamily="65" charset="-120"/>
               </a:rPr>
-              <a:t>(</a:t>
-            </a:r>
-            <a:r>
-              <a:rPr lang="zh-TW" altLang="en-US" dirty="0">
-                <a:latin typeface="標楷體" panose="03000509000000000000" pitchFamily="65" charset="-120"/>
-                <a:ea typeface="標楷體" panose="03000509000000000000" pitchFamily="65" charset="-120"/>
-              </a:rPr>
-              <a:t>民眾</a:t>
-            </a:r>
-            <a:r>
-              <a:rPr lang="en-US" altLang="zh-TW" dirty="0">
-                <a:latin typeface="標楷體" panose="03000509000000000000" pitchFamily="65" charset="-120"/>
-                <a:ea typeface="標楷體" panose="03000509000000000000" pitchFamily="65" charset="-120"/>
-              </a:rPr>
-              <a:t>)</a:t>
-            </a:r>
+              <a:t>分析</a:t>
+            </a:r>
+            <a:endParaRPr lang="en-US" altLang="zh-TW" dirty="0">
+              <a:latin typeface="標楷體" panose="03000509000000000000" pitchFamily="65" charset="-120"/>
+              <a:ea typeface="標楷體" panose="03000509000000000000" pitchFamily="65" charset="-120"/>
+            </a:endParaRPr>
           </a:p>
         </p:txBody>
       </p:sp>
@@ -8708,7 +9723,7 @@
           <p:nvPr>
             <p:extLst>
               <p:ext uri="{D42A27DB-BD31-4B8C-83A1-F6EECF244321}">
-                <p14:modId xmlns:p14="http://schemas.microsoft.com/office/powerpoint/2010/main" val="868662746"/>
+                <p14:modId xmlns:p14="http://schemas.microsoft.com/office/powerpoint/2010/main" val="622268109"/>
               </p:ext>
             </p:extLst>
           </p:nvPr>
@@ -9029,10 +10044,10 @@
                           <a:latin typeface="標楷體" pitchFamily="65" charset="-120"/>
                           <a:ea typeface="標楷體" pitchFamily="65" charset="-120"/>
                         </a:rPr>
-                        <a:t>已</a:t>
-                      </a:r>
-                      <a:r>
-                        <a:rPr lang="en-US" altLang="zh-TW" sz="2000" dirty="0">
+                        <a:t>以</a:t>
+                      </a:r>
+                      <a:r>
+                        <a:rPr lang="en-US" altLang="zh-TW" sz="2000" dirty="0" smtClean="0">
                           <a:latin typeface="標楷體" pitchFamily="65" charset="-120"/>
                           <a:ea typeface="標楷體" pitchFamily="65" charset="-120"/>
                         </a:rPr>
@@ -9192,6 +10207,25 @@
   <p:clrMapOvr>
     <a:masterClrMapping/>
   </p:clrMapOvr>
+  <mc:AlternateContent xmlns:mc="http://schemas.openxmlformats.org/markup-compatibility/2006">
+    <mc:Choice xmlns:p14="http://schemas.microsoft.com/office/powerpoint/2010/main" Requires="p14">
+      <p:transition spd="med" p14:dur="700">
+        <p:fade/>
+      </p:transition>
+    </mc:Choice>
+    <mc:Fallback>
+      <p:transition spd="med">
+        <p:fade/>
+      </p:transition>
+    </mc:Fallback>
+  </mc:AlternateContent>
+  <p:timing>
+    <p:tnLst>
+      <p:par>
+        <p:cTn id="1" dur="indefinite" restart="never" nodeType="tmRoot"/>
+      </p:par>
+    </p:tnLst>
+  </p:timing>
 </p:sld>
 </file>
 
@@ -9272,6 +10306,25 @@
   <p:clrMapOvr>
     <a:masterClrMapping/>
   </p:clrMapOvr>
+  <mc:AlternateContent xmlns:mc="http://schemas.openxmlformats.org/markup-compatibility/2006">
+    <mc:Choice xmlns:p14="http://schemas.microsoft.com/office/powerpoint/2010/main" Requires="p14">
+      <p:transition spd="med" p14:dur="700">
+        <p:fade/>
+      </p:transition>
+    </mc:Choice>
+    <mc:Fallback>
+      <p:transition spd="med">
+        <p:fade/>
+      </p:transition>
+    </mc:Fallback>
+  </mc:AlternateContent>
+  <p:timing>
+    <p:tnLst>
+      <p:par>
+        <p:cTn id="1" dur="indefinite" restart="never" nodeType="tmRoot"/>
+      </p:par>
+    </p:tnLst>
+  </p:timing>
 </p:sld>
 </file>
 
@@ -9310,7 +10363,7 @@
         </p:nvSpPr>
         <p:spPr>
           <a:xfrm>
-            <a:off x="1066800" y="-12975"/>
+            <a:off x="1066800" y="657672"/>
             <a:ext cx="7848600" cy="827112"/>
           </a:xfrm>
         </p:spPr>
@@ -9326,139 +10379,693 @@
           </a:p>
         </p:txBody>
       </p:sp>
-      <p:sp>
-        <p:nvSpPr>
-          <p:cNvPr id="3" name="內容版面配置區 2">
-            <a:extLst>
-              <a:ext uri="{FF2B5EF4-FFF2-40B4-BE49-F238E27FC236}">
-                <a16:creationId xmlns:a16="http://schemas.microsoft.com/office/drawing/2014/main" id="{3457251D-356D-1344-8F78-7A8E9644FB15}"/>
-              </a:ext>
-            </a:extLst>
-          </p:cNvPr>
-          <p:cNvSpPr>
-            <a:spLocks noGrp="1"/>
-          </p:cNvSpPr>
+      <p:graphicFrame>
+        <p:nvGraphicFramePr>
+          <p:cNvPr id="4" name="內容版面配置區 3"/>
+          <p:cNvGraphicFramePr>
+            <a:graphicFrameLocks noGrp="1"/>
+          </p:cNvGraphicFramePr>
           <p:nvPr>
             <p:ph idx="1"/>
+            <p:extLst>
+              <p:ext uri="{D42A27DB-BD31-4B8C-83A1-F6EECF244321}">
+                <p14:modId xmlns:p14="http://schemas.microsoft.com/office/powerpoint/2010/main" val="2749203221"/>
+              </p:ext>
+            </p:extLst>
           </p:nvPr>
-        </p:nvSpPr>
-        <p:spPr>
-          <a:xfrm>
-            <a:off x="1051121" y="908720"/>
-            <a:ext cx="7465640" cy="4525963"/>
-          </a:xfrm>
-        </p:spPr>
-        <p:txBody>
-          <a:bodyPr/>
-          <a:lstStyle/>
-          <a:p>
-            <a:r>
-              <a:rPr kumimoji="1" lang="zh-TW" altLang="en-US" dirty="0"/>
-              <a:t>以使用者的角度出發</a:t>
-            </a:r>
-            <a:r>
-              <a:rPr kumimoji="1" lang="en-US" altLang="zh-TW" dirty="0"/>
-              <a:t>,</a:t>
-            </a:r>
-            <a:r>
-              <a:rPr kumimoji="1" lang="zh-CN" altLang="en-US" dirty="0"/>
-              <a:t>可以當前的景點區域，與ＮＰＣ對話接取任務</a:t>
-            </a:r>
-            <a:r>
-              <a:rPr kumimoji="1" lang="zh-CN" altLang="en-US" dirty="0" smtClean="0"/>
-              <a:t>，</a:t>
-            </a:r>
-            <a:r>
-              <a:rPr kumimoji="1" lang="zh-TW" altLang="en-US" dirty="0" smtClean="0"/>
-              <a:t>並從中</a:t>
-            </a:r>
-            <a:r>
-              <a:rPr kumimoji="1" lang="zh-CN" altLang="en-US" dirty="0" smtClean="0"/>
-              <a:t>取得</a:t>
-            </a:r>
-            <a:r>
-              <a:rPr kumimoji="1" lang="zh-CN" altLang="en-US" dirty="0"/>
-              <a:t>相關任務道具以便完成指定</a:t>
-            </a:r>
-            <a:r>
-              <a:rPr kumimoji="1" lang="zh-CN" altLang="en-US" dirty="0" smtClean="0"/>
-              <a:t>任務</a:t>
-            </a:r>
-            <a:r>
-              <a:rPr kumimoji="1" lang="zh-TW" altLang="en-US" dirty="0" smtClean="0"/>
-              <a:t>，</a:t>
-            </a:r>
-            <a:r>
-              <a:rPr kumimoji="1" lang="zh-CN" altLang="en-US" dirty="0" smtClean="0"/>
-              <a:t>同時可以</a:t>
-            </a:r>
-            <a:r>
-              <a:rPr kumimoji="1" lang="zh-CN" altLang="en-US" dirty="0"/>
-              <a:t>確認目前拿取的道具資訊，也有地圖可以顯示當前的座標以及各個相關事件的</a:t>
-            </a:r>
-            <a:r>
-              <a:rPr kumimoji="1" lang="zh-CN" altLang="en-US" dirty="0" smtClean="0"/>
-              <a:t>資訊</a:t>
-            </a:r>
-            <a:r>
-              <a:rPr kumimoji="1" lang="zh-TW" altLang="en-US" dirty="0"/>
-              <a:t>。</a:t>
-            </a:r>
-            <a:endParaRPr kumimoji="1" lang="en-US" altLang="zh-TW" dirty="0" smtClean="0"/>
-          </a:p>
-          <a:p>
-            <a:r>
-              <a:rPr kumimoji="1" lang="zh-TW" altLang="en-US" dirty="0" smtClean="0"/>
-              <a:t>ＡＲ</a:t>
-            </a:r>
-            <a:r>
-              <a:rPr kumimoji="1" lang="zh-TW" altLang="en-US" dirty="0"/>
-              <a:t>顯示的部分提供玩家點擊，與當前的目標場景進行</a:t>
-            </a:r>
-            <a:r>
-              <a:rPr kumimoji="1" lang="zh-TW" altLang="en-US" dirty="0" smtClean="0"/>
-              <a:t>互動。</a:t>
-            </a:r>
-            <a:endParaRPr kumimoji="1" lang="en-US" altLang="zh-TW" dirty="0" smtClean="0"/>
-          </a:p>
-          <a:p>
-            <a:r>
-              <a:rPr kumimoji="1" lang="zh-TW" altLang="en-US" dirty="0" smtClean="0"/>
-              <a:t>對話</a:t>
-            </a:r>
-            <a:r>
-              <a:rPr kumimoji="1" lang="zh-TW" altLang="en-US" dirty="0"/>
-              <a:t>欄的部分可以顯示對話內容與任務的流程簡述與</a:t>
-            </a:r>
-            <a:r>
-              <a:rPr kumimoji="1" lang="zh-TW" altLang="en-US" dirty="0" smtClean="0"/>
-              <a:t>回報。</a:t>
-            </a:r>
-            <a:endParaRPr kumimoji="1" lang="en-US" altLang="zh-TW" dirty="0" smtClean="0"/>
-          </a:p>
-          <a:p>
-            <a:r>
-              <a:rPr kumimoji="1" lang="zh-TW" altLang="en-US" dirty="0" smtClean="0"/>
-              <a:t>提供</a:t>
-            </a:r>
-            <a:r>
-              <a:rPr kumimoji="1" lang="zh-TW" altLang="en-US" dirty="0"/>
-              <a:t>一個拍照功能可以讓玩家打卡與分享．</a:t>
-            </a:r>
-            <a:endParaRPr kumimoji="1" lang="en-US" altLang="zh-CN" dirty="0"/>
-          </a:p>
-        </p:txBody>
-      </p:sp>
+        </p:nvGraphicFramePr>
+        <p:xfrm>
+          <a:off x="251520" y="1484784"/>
+          <a:ext cx="8784975" cy="5293442"/>
+        </p:xfrm>
+        <a:graphic>
+          <a:graphicData uri="http://schemas.openxmlformats.org/drawingml/2006/table">
+            <a:tbl>
+              <a:tblPr firstRow="1" firstCol="1" bandRow="1">
+                <a:tableStyleId>{5C22544A-7EE6-4342-B048-85BDC9FD1C3A}</a:tableStyleId>
+              </a:tblPr>
+              <a:tblGrid>
+                <a:gridCol w="1497631">
+                  <a:extLst>
+                    <a:ext uri="{9D8B030D-6E8A-4147-A177-3AD203B41FA5}">
+                      <a16:colId xmlns:a16="http://schemas.microsoft.com/office/drawing/2014/main" val="3435330334"/>
+                    </a:ext>
+                  </a:extLst>
+                </a:gridCol>
+                <a:gridCol w="7287344">
+                  <a:extLst>
+                    <a:ext uri="{9D8B030D-6E8A-4147-A177-3AD203B41FA5}">
+                      <a16:colId xmlns:a16="http://schemas.microsoft.com/office/drawing/2014/main" val="2953603416"/>
+                    </a:ext>
+                  </a:extLst>
+                </a:gridCol>
+              </a:tblGrid>
+              <a:tr h="272699">
+                <a:tc>
+                  <a:txBody>
+                    <a:bodyPr/>
+                    <a:lstStyle/>
+                    <a:p>
+                      <a:pPr algn="ctr">
+                        <a:spcAft>
+                          <a:spcPts val="0"/>
+                        </a:spcAft>
+                      </a:pPr>
+                      <a:r>
+                        <a:rPr lang="zh-TW" sz="1800" kern="100" dirty="0">
+                          <a:effectLst/>
+                        </a:rPr>
+                        <a:t>項目操作</a:t>
+                      </a:r>
+                      <a:endParaRPr lang="zh-TW" sz="2000" kern="100" dirty="0">
+                        <a:effectLst/>
+                        <a:latin typeface="Calibri" panose="020F0502020204030204" pitchFamily="34" charset="0"/>
+                        <a:ea typeface="新細明體" panose="02020500000000000000" pitchFamily="18" charset="-120"/>
+                        <a:cs typeface="Times New Roman" panose="02020603050405020304" pitchFamily="18" charset="0"/>
+                      </a:endParaRPr>
+                    </a:p>
+                  </a:txBody>
+                  <a:tcPr marL="106474" marR="106474" marT="0" marB="0" anchor="ctr"/>
+                </a:tc>
+                <a:tc>
+                  <a:txBody>
+                    <a:bodyPr/>
+                    <a:lstStyle/>
+                    <a:p>
+                      <a:pPr algn="ctr">
+                        <a:spcAft>
+                          <a:spcPts val="0"/>
+                        </a:spcAft>
+                      </a:pPr>
+                      <a:r>
+                        <a:rPr lang="zh-TW" sz="1800" kern="100" dirty="0">
+                          <a:effectLst/>
+                        </a:rPr>
+                        <a:t>說明</a:t>
+                      </a:r>
+                      <a:endParaRPr lang="zh-TW" sz="2000" kern="100" dirty="0">
+                        <a:effectLst/>
+                        <a:latin typeface="Calibri" panose="020F0502020204030204" pitchFamily="34" charset="0"/>
+                        <a:ea typeface="新細明體" panose="02020500000000000000" pitchFamily="18" charset="-120"/>
+                        <a:cs typeface="Times New Roman" panose="02020603050405020304" pitchFamily="18" charset="0"/>
+                      </a:endParaRPr>
+                    </a:p>
+                  </a:txBody>
+                  <a:tcPr marL="106474" marR="106474" marT="0" marB="0" anchor="ctr"/>
+                </a:tc>
+                <a:extLst>
+                  <a:ext uri="{0D108BD9-81ED-4DB2-BD59-A6C34878D82A}">
+                    <a16:rowId xmlns:a16="http://schemas.microsoft.com/office/drawing/2014/main" val="4011095146"/>
+                  </a:ext>
+                </a:extLst>
+              </a:tr>
+              <a:tr h="840063">
+                <a:tc>
+                  <a:txBody>
+                    <a:bodyPr/>
+                    <a:lstStyle/>
+                    <a:p>
+                      <a:pPr algn="ctr">
+                        <a:spcAft>
+                          <a:spcPts val="0"/>
+                        </a:spcAft>
+                      </a:pPr>
+                      <a:r>
+                        <a:rPr lang="zh-TW" sz="2000" kern="100" dirty="0">
+                          <a:effectLst/>
+                        </a:rPr>
+                        <a:t>接取任務</a:t>
+                      </a:r>
+                      <a:endParaRPr lang="zh-TW" sz="2400" kern="100" dirty="0">
+                        <a:effectLst/>
+                        <a:latin typeface="Calibri" panose="020F0502020204030204" pitchFamily="34" charset="0"/>
+                        <a:ea typeface="新細明體" panose="02020500000000000000" pitchFamily="18" charset="-120"/>
+                        <a:cs typeface="Times New Roman" panose="02020603050405020304" pitchFamily="18" charset="0"/>
+                      </a:endParaRPr>
+                    </a:p>
+                  </a:txBody>
+                  <a:tcPr marL="106474" marR="106474" marT="0" marB="0" anchor="ctr"/>
+                </a:tc>
+                <a:tc>
+                  <a:txBody>
+                    <a:bodyPr/>
+                    <a:lstStyle/>
+                    <a:p>
+                      <a:pPr algn="just">
+                        <a:spcAft>
+                          <a:spcPts val="0"/>
+                        </a:spcAft>
+                      </a:pPr>
+                      <a:r>
+                        <a:rPr lang="zh-TW" sz="1800" kern="100" dirty="0">
+                          <a:effectLst/>
+                        </a:rPr>
+                        <a:t>提供玩家接取任務相關的系統，裡面會有任務的名稱、條件與對應接取任務的</a:t>
+                      </a:r>
+                      <a:r>
+                        <a:rPr lang="en-US" sz="1800" kern="100" dirty="0">
+                          <a:effectLst/>
+                        </a:rPr>
+                        <a:t>NPC</a:t>
+                      </a:r>
+                      <a:r>
+                        <a:rPr lang="zh-TW" sz="1800" kern="100" dirty="0">
+                          <a:effectLst/>
+                        </a:rPr>
+                        <a:t>，讓玩家能在解任務的同時得知當地的資訊</a:t>
+                      </a:r>
+                      <a:r>
+                        <a:rPr lang="zh-TW" sz="1800" kern="100" dirty="0" smtClean="0">
+                          <a:effectLst/>
+                        </a:rPr>
+                        <a:t>。</a:t>
+                      </a:r>
+                      <a:endParaRPr lang="en-US" altLang="zh-TW" sz="1800" kern="100" dirty="0" smtClean="0">
+                        <a:effectLst/>
+                      </a:endParaRPr>
+                    </a:p>
+                  </a:txBody>
+                  <a:tcPr marL="106474" marR="106474" marT="0" marB="0"/>
+                </a:tc>
+                <a:extLst>
+                  <a:ext uri="{0D108BD9-81ED-4DB2-BD59-A6C34878D82A}">
+                    <a16:rowId xmlns:a16="http://schemas.microsoft.com/office/drawing/2014/main" val="2304421995"/>
+                  </a:ext>
+                </a:extLst>
+              </a:tr>
+              <a:tr h="840063">
+                <a:tc>
+                  <a:txBody>
+                    <a:bodyPr/>
+                    <a:lstStyle/>
+                    <a:p>
+                      <a:pPr algn="ctr">
+                        <a:spcAft>
+                          <a:spcPts val="0"/>
+                        </a:spcAft>
+                      </a:pPr>
+                      <a:r>
+                        <a:rPr lang="zh-TW" sz="2000" kern="100" dirty="0">
+                          <a:effectLst/>
+                        </a:rPr>
+                        <a:t>完成任務</a:t>
+                      </a:r>
+                      <a:endParaRPr lang="zh-TW" sz="2400" kern="100" dirty="0">
+                        <a:effectLst/>
+                        <a:latin typeface="Calibri" panose="020F0502020204030204" pitchFamily="34" charset="0"/>
+                        <a:ea typeface="新細明體" panose="02020500000000000000" pitchFamily="18" charset="-120"/>
+                        <a:cs typeface="Times New Roman" panose="02020603050405020304" pitchFamily="18" charset="0"/>
+                      </a:endParaRPr>
+                    </a:p>
+                  </a:txBody>
+                  <a:tcPr marL="106474" marR="106474" marT="0" marB="0" anchor="ctr"/>
+                </a:tc>
+                <a:tc>
+                  <a:txBody>
+                    <a:bodyPr/>
+                    <a:lstStyle/>
+                    <a:p>
+                      <a:pPr algn="just">
+                        <a:spcAft>
+                          <a:spcPts val="0"/>
+                        </a:spcAft>
+                      </a:pPr>
+                      <a:r>
+                        <a:rPr lang="zh-TW" sz="1800" kern="100" dirty="0">
+                          <a:effectLst/>
+                        </a:rPr>
+                        <a:t>玩家在完成後可獲得獎勵。這獎勵不僅是在遊戲上能使用，還可以配合當地店家做完成任務的優惠券。</a:t>
+                      </a:r>
+                      <a:endParaRPr lang="zh-TW" sz="2000" kern="100" dirty="0">
+                        <a:effectLst/>
+                        <a:latin typeface="Calibri" panose="020F0502020204030204" pitchFamily="34" charset="0"/>
+                        <a:ea typeface="新細明體" panose="02020500000000000000" pitchFamily="18" charset="-120"/>
+                        <a:cs typeface="Times New Roman" panose="02020603050405020304" pitchFamily="18" charset="0"/>
+                      </a:endParaRPr>
+                    </a:p>
+                  </a:txBody>
+                  <a:tcPr marL="106474" marR="106474" marT="0" marB="0"/>
+                </a:tc>
+                <a:extLst>
+                  <a:ext uri="{0D108BD9-81ED-4DB2-BD59-A6C34878D82A}">
+                    <a16:rowId xmlns:a16="http://schemas.microsoft.com/office/drawing/2014/main" val="3819001505"/>
+                  </a:ext>
+                </a:extLst>
+              </a:tr>
+              <a:tr h="633937">
+                <a:tc>
+                  <a:txBody>
+                    <a:bodyPr/>
+                    <a:lstStyle/>
+                    <a:p>
+                      <a:pPr algn="ctr">
+                        <a:spcAft>
+                          <a:spcPts val="0"/>
+                        </a:spcAft>
+                      </a:pPr>
+                      <a:r>
+                        <a:rPr lang="zh-TW" sz="2000" kern="100" dirty="0">
+                          <a:effectLst/>
+                        </a:rPr>
+                        <a:t>道具</a:t>
+                      </a:r>
+                      <a:endParaRPr lang="zh-TW" sz="2400" kern="100" dirty="0">
+                        <a:effectLst/>
+                        <a:latin typeface="Calibri" panose="020F0502020204030204" pitchFamily="34" charset="0"/>
+                        <a:ea typeface="新細明體" panose="02020500000000000000" pitchFamily="18" charset="-120"/>
+                        <a:cs typeface="Times New Roman" panose="02020603050405020304" pitchFamily="18" charset="0"/>
+                      </a:endParaRPr>
+                    </a:p>
+                  </a:txBody>
+                  <a:tcPr marL="106474" marR="106474" marT="0" marB="0" anchor="ctr"/>
+                </a:tc>
+                <a:tc>
+                  <a:txBody>
+                    <a:bodyPr/>
+                    <a:lstStyle/>
+                    <a:p>
+                      <a:pPr algn="just">
+                        <a:spcAft>
+                          <a:spcPts val="0"/>
+                        </a:spcAft>
+                      </a:pPr>
+                      <a:r>
+                        <a:rPr lang="zh-TW" sz="1800" kern="100" dirty="0">
+                          <a:effectLst/>
+                        </a:rPr>
+                        <a:t>有關於道具相關的內容，如目前蒐集到的道具數量，任務道具的所在位置，以及目前玩家擁有什麼東西。</a:t>
+                      </a:r>
+                      <a:endParaRPr lang="zh-TW" sz="2000" kern="100" dirty="0">
+                        <a:effectLst/>
+                        <a:latin typeface="Calibri" panose="020F0502020204030204" pitchFamily="34" charset="0"/>
+                        <a:ea typeface="新細明體" panose="02020500000000000000" pitchFamily="18" charset="-120"/>
+                        <a:cs typeface="Times New Roman" panose="02020603050405020304" pitchFamily="18" charset="0"/>
+                      </a:endParaRPr>
+                    </a:p>
+                  </a:txBody>
+                  <a:tcPr marL="106474" marR="106474" marT="0" marB="0"/>
+                </a:tc>
+                <a:extLst>
+                  <a:ext uri="{0D108BD9-81ED-4DB2-BD59-A6C34878D82A}">
+                    <a16:rowId xmlns:a16="http://schemas.microsoft.com/office/drawing/2014/main" val="2896221451"/>
+                  </a:ext>
+                </a:extLst>
+              </a:tr>
+              <a:tr h="419059">
+                <a:tc>
+                  <a:txBody>
+                    <a:bodyPr/>
+                    <a:lstStyle/>
+                    <a:p>
+                      <a:pPr algn="ctr">
+                        <a:spcAft>
+                          <a:spcPts val="0"/>
+                        </a:spcAft>
+                      </a:pPr>
+                      <a:r>
+                        <a:rPr lang="zh-TW" sz="2000" kern="100" dirty="0">
+                          <a:effectLst/>
+                        </a:rPr>
+                        <a:t>地圖</a:t>
+                      </a:r>
+                      <a:endParaRPr lang="zh-TW" sz="2400" kern="100" dirty="0">
+                        <a:effectLst/>
+                        <a:latin typeface="Calibri" panose="020F0502020204030204" pitchFamily="34" charset="0"/>
+                        <a:ea typeface="新細明體" panose="02020500000000000000" pitchFamily="18" charset="-120"/>
+                        <a:cs typeface="Times New Roman" panose="02020603050405020304" pitchFamily="18" charset="0"/>
+                      </a:endParaRPr>
+                    </a:p>
+                  </a:txBody>
+                  <a:tcPr marL="106474" marR="106474" marT="0" marB="0" anchor="ctr"/>
+                </a:tc>
+                <a:tc>
+                  <a:txBody>
+                    <a:bodyPr/>
+                    <a:lstStyle/>
+                    <a:p>
+                      <a:pPr algn="just">
+                        <a:spcAft>
+                          <a:spcPts val="0"/>
+                        </a:spcAft>
+                      </a:pPr>
+                      <a:r>
+                        <a:rPr lang="zh-TW" sz="1800" kern="100" dirty="0">
+                          <a:effectLst/>
+                        </a:rPr>
+                        <a:t>得到目前所在的位置，</a:t>
+                      </a:r>
+                      <a:r>
+                        <a:rPr lang="en-US" sz="1800" kern="100" dirty="0">
+                          <a:effectLst/>
+                        </a:rPr>
+                        <a:t>NPC</a:t>
+                      </a:r>
+                      <a:r>
+                        <a:rPr lang="zh-TW" sz="1800" kern="100" dirty="0">
+                          <a:effectLst/>
+                        </a:rPr>
+                        <a:t>的位置，以及任務地點。</a:t>
+                      </a:r>
+                      <a:endParaRPr lang="zh-TW" sz="2000" kern="100" dirty="0">
+                        <a:effectLst/>
+                        <a:latin typeface="Calibri" panose="020F0502020204030204" pitchFamily="34" charset="0"/>
+                        <a:ea typeface="新細明體" panose="02020500000000000000" pitchFamily="18" charset="-120"/>
+                        <a:cs typeface="Times New Roman" panose="02020603050405020304" pitchFamily="18" charset="0"/>
+                      </a:endParaRPr>
+                    </a:p>
+                  </a:txBody>
+                  <a:tcPr marL="106474" marR="106474" marT="0" marB="0"/>
+                </a:tc>
+                <a:extLst>
+                  <a:ext uri="{0D108BD9-81ED-4DB2-BD59-A6C34878D82A}">
+                    <a16:rowId xmlns:a16="http://schemas.microsoft.com/office/drawing/2014/main" val="3145540455"/>
+                  </a:ext>
+                </a:extLst>
+              </a:tr>
+              <a:tr h="840285">
+                <a:tc>
+                  <a:txBody>
+                    <a:bodyPr/>
+                    <a:lstStyle/>
+                    <a:p>
+                      <a:pPr algn="ctr">
+                        <a:spcAft>
+                          <a:spcPts val="0"/>
+                        </a:spcAft>
+                      </a:pPr>
+                      <a:r>
+                        <a:rPr lang="en-US" sz="2000" kern="100" dirty="0">
+                          <a:effectLst/>
+                        </a:rPr>
+                        <a:t>AR</a:t>
+                      </a:r>
+                      <a:r>
+                        <a:rPr lang="zh-TW" sz="2000" kern="100" dirty="0">
+                          <a:effectLst/>
+                        </a:rPr>
+                        <a:t>顯示</a:t>
+                      </a:r>
+                      <a:endParaRPr lang="zh-TW" sz="2400" kern="100" dirty="0">
+                        <a:effectLst/>
+                        <a:latin typeface="Calibri" panose="020F0502020204030204" pitchFamily="34" charset="0"/>
+                        <a:ea typeface="新細明體" panose="02020500000000000000" pitchFamily="18" charset="-120"/>
+                        <a:cs typeface="Times New Roman" panose="02020603050405020304" pitchFamily="18" charset="0"/>
+                      </a:endParaRPr>
+                    </a:p>
+                  </a:txBody>
+                  <a:tcPr marL="106474" marR="106474" marT="0" marB="0" anchor="ctr"/>
+                </a:tc>
+                <a:tc>
+                  <a:txBody>
+                    <a:bodyPr/>
+                    <a:lstStyle/>
+                    <a:p>
+                      <a:pPr algn="just">
+                        <a:spcAft>
+                          <a:spcPts val="0"/>
+                        </a:spcAft>
+                      </a:pPr>
+                      <a:r>
+                        <a:rPr lang="zh-TW" sz="1800" kern="100" dirty="0">
+                          <a:effectLst/>
+                        </a:rPr>
+                        <a:t>使玩家能以不同的角度去觀看</a:t>
+                      </a:r>
+                      <a:r>
+                        <a:rPr lang="en-US" sz="1800" kern="100" dirty="0">
+                          <a:effectLst/>
+                        </a:rPr>
+                        <a:t>AR</a:t>
+                      </a:r>
+                      <a:r>
+                        <a:rPr lang="zh-TW" sz="1800" kern="100" dirty="0">
+                          <a:effectLst/>
+                        </a:rPr>
+                        <a:t>物件，譬如像是在博物館中不能</a:t>
+                      </a:r>
+                      <a:r>
+                        <a:rPr lang="en-US" sz="1800" kern="100" dirty="0">
+                          <a:effectLst/>
+                        </a:rPr>
+                        <a:t>360</a:t>
+                      </a:r>
+                      <a:r>
+                        <a:rPr lang="zh-TW" sz="1800" kern="100" dirty="0">
+                          <a:effectLst/>
+                        </a:rPr>
+                        <a:t>度鑑賞的展覽品，可以</a:t>
+                      </a:r>
+                      <a:r>
+                        <a:rPr lang="en-US" sz="1800" kern="100" dirty="0">
+                          <a:effectLst/>
+                        </a:rPr>
+                        <a:t>AR</a:t>
+                      </a:r>
+                      <a:r>
+                        <a:rPr lang="zh-TW" sz="1800" kern="100" dirty="0">
+                          <a:effectLst/>
+                        </a:rPr>
+                        <a:t>方式實現其全面的觀賞</a:t>
+                      </a:r>
+                      <a:r>
+                        <a:rPr lang="zh-TW" sz="1800" kern="100" dirty="0" smtClean="0">
+                          <a:effectLst/>
+                        </a:rPr>
+                        <a:t>。</a:t>
+                      </a:r>
+                      <a:endParaRPr lang="en-US" altLang="zh-TW" sz="1800" kern="100" dirty="0" smtClean="0">
+                        <a:effectLst/>
+                      </a:endParaRPr>
+                    </a:p>
+                    <a:p>
+                      <a:pPr algn="just">
+                        <a:spcAft>
+                          <a:spcPts val="0"/>
+                        </a:spcAft>
+                      </a:pPr>
+                      <a:endParaRPr lang="zh-TW" sz="2000" kern="100" dirty="0">
+                        <a:effectLst/>
+                        <a:latin typeface="Calibri" panose="020F0502020204030204" pitchFamily="34" charset="0"/>
+                        <a:ea typeface="新細明體" panose="02020500000000000000" pitchFamily="18" charset="-120"/>
+                        <a:cs typeface="Times New Roman" panose="02020603050405020304" pitchFamily="18" charset="0"/>
+                      </a:endParaRPr>
+                    </a:p>
+                  </a:txBody>
+                  <a:tcPr marL="106474" marR="106474" marT="0" marB="0"/>
+                </a:tc>
+                <a:extLst>
+                  <a:ext uri="{0D108BD9-81ED-4DB2-BD59-A6C34878D82A}">
+                    <a16:rowId xmlns:a16="http://schemas.microsoft.com/office/drawing/2014/main" val="1767860615"/>
+                  </a:ext>
+                </a:extLst>
+              </a:tr>
+              <a:tr h="840285">
+                <a:tc>
+                  <a:txBody>
+                    <a:bodyPr/>
+                    <a:lstStyle/>
+                    <a:p>
+                      <a:pPr algn="ctr">
+                        <a:spcAft>
+                          <a:spcPts val="0"/>
+                        </a:spcAft>
+                      </a:pPr>
+                      <a:r>
+                        <a:rPr lang="zh-TW" sz="2000" kern="100" dirty="0">
+                          <a:effectLst/>
+                        </a:rPr>
+                        <a:t>對話欄</a:t>
+                      </a:r>
+                      <a:endParaRPr lang="zh-TW" sz="2400" kern="100" dirty="0">
+                        <a:effectLst/>
+                        <a:latin typeface="Calibri" panose="020F0502020204030204" pitchFamily="34" charset="0"/>
+                        <a:ea typeface="新細明體" panose="02020500000000000000" pitchFamily="18" charset="-120"/>
+                        <a:cs typeface="Times New Roman" panose="02020603050405020304" pitchFamily="18" charset="0"/>
+                      </a:endParaRPr>
+                    </a:p>
+                  </a:txBody>
+                  <a:tcPr marL="106474" marR="106474" marT="0" marB="0" anchor="ctr"/>
+                </a:tc>
+                <a:tc>
+                  <a:txBody>
+                    <a:bodyPr/>
+                    <a:lstStyle/>
+                    <a:p>
+                      <a:pPr algn="just">
+                        <a:spcAft>
+                          <a:spcPts val="0"/>
+                        </a:spcAft>
+                      </a:pPr>
+                      <a:r>
+                        <a:rPr lang="zh-TW" sz="1800" kern="100" dirty="0">
+                          <a:effectLst/>
+                        </a:rPr>
+                        <a:t>顯示對話文字的內容，讓玩家能了解目前</a:t>
+                      </a:r>
+                      <a:r>
+                        <a:rPr lang="en-US" sz="1800" kern="100" dirty="0">
+                          <a:effectLst/>
+                        </a:rPr>
+                        <a:t>NPC</a:t>
+                      </a:r>
+                      <a:r>
+                        <a:rPr lang="zh-TW" sz="1800" kern="100" dirty="0">
+                          <a:effectLst/>
+                        </a:rPr>
+                        <a:t>在說什麼，希望玩家要做什麼等</a:t>
+                      </a:r>
+                      <a:r>
+                        <a:rPr lang="zh-TW" sz="1800" kern="100" dirty="0" smtClean="0">
+                          <a:effectLst/>
+                        </a:rPr>
+                        <a:t>。</a:t>
+                      </a:r>
+                      <a:endParaRPr lang="en-US" altLang="zh-TW" sz="1800" kern="100" dirty="0" smtClean="0">
+                        <a:effectLst/>
+                      </a:endParaRPr>
+                    </a:p>
+                    <a:p>
+                      <a:pPr algn="just">
+                        <a:spcAft>
+                          <a:spcPts val="0"/>
+                        </a:spcAft>
+                      </a:pPr>
+                      <a:endParaRPr lang="zh-TW" sz="2000" kern="100" dirty="0">
+                        <a:effectLst/>
+                        <a:latin typeface="Calibri" panose="020F0502020204030204" pitchFamily="34" charset="0"/>
+                        <a:ea typeface="新細明體" panose="02020500000000000000" pitchFamily="18" charset="-120"/>
+                        <a:cs typeface="Times New Roman" panose="02020603050405020304" pitchFamily="18" charset="0"/>
+                      </a:endParaRPr>
+                    </a:p>
+                  </a:txBody>
+                  <a:tcPr marL="106474" marR="106474" marT="0" marB="0"/>
+                </a:tc>
+                <a:extLst>
+                  <a:ext uri="{0D108BD9-81ED-4DB2-BD59-A6C34878D82A}">
+                    <a16:rowId xmlns:a16="http://schemas.microsoft.com/office/drawing/2014/main" val="340000080"/>
+                  </a:ext>
+                </a:extLst>
+              </a:tr>
+              <a:tr h="570194">
+                <a:tc>
+                  <a:txBody>
+                    <a:bodyPr/>
+                    <a:lstStyle/>
+                    <a:p>
+                      <a:pPr algn="ctr">
+                        <a:spcAft>
+                          <a:spcPts val="0"/>
+                        </a:spcAft>
+                      </a:pPr>
+                      <a:r>
+                        <a:rPr lang="zh-TW" sz="2000" kern="100" dirty="0">
+                          <a:effectLst/>
+                        </a:rPr>
+                        <a:t>拍照</a:t>
+                      </a:r>
+                      <a:endParaRPr lang="zh-TW" sz="2400" kern="100" dirty="0">
+                        <a:effectLst/>
+                        <a:latin typeface="Calibri" panose="020F0502020204030204" pitchFamily="34" charset="0"/>
+                        <a:ea typeface="新細明體" panose="02020500000000000000" pitchFamily="18" charset="-120"/>
+                        <a:cs typeface="Times New Roman" panose="02020603050405020304" pitchFamily="18" charset="0"/>
+                      </a:endParaRPr>
+                    </a:p>
+                  </a:txBody>
+                  <a:tcPr marL="106474" marR="106474" marT="0" marB="0" anchor="ctr"/>
+                </a:tc>
+                <a:tc>
+                  <a:txBody>
+                    <a:bodyPr/>
+                    <a:lstStyle/>
+                    <a:p>
+                      <a:pPr algn="just">
+                        <a:spcAft>
+                          <a:spcPts val="0"/>
+                        </a:spcAft>
+                      </a:pPr>
+                      <a:r>
+                        <a:rPr lang="zh-TW" sz="1800" kern="100" dirty="0">
+                          <a:effectLst/>
+                        </a:rPr>
+                        <a:t>讓使用者與</a:t>
+                      </a:r>
+                      <a:r>
+                        <a:rPr lang="en-US" sz="1800" kern="100" dirty="0">
+                          <a:effectLst/>
+                        </a:rPr>
+                        <a:t>NPC</a:t>
+                      </a:r>
+                      <a:r>
+                        <a:rPr lang="zh-TW" sz="1800" kern="100" dirty="0">
+                          <a:effectLst/>
+                        </a:rPr>
+                        <a:t>一同拍照，可以留下紀念並分享至社群網站</a:t>
+                      </a:r>
+                      <a:r>
+                        <a:rPr lang="zh-TW" sz="1800" kern="100" dirty="0" smtClean="0">
+                          <a:effectLst/>
+                        </a:rPr>
+                        <a:t>。</a:t>
+                      </a:r>
+                      <a:endParaRPr lang="en-US" altLang="zh-TW" sz="1800" kern="100" dirty="0" smtClean="0">
+                        <a:effectLst/>
+                      </a:endParaRPr>
+                    </a:p>
+                    <a:p>
+                      <a:pPr algn="just">
+                        <a:spcAft>
+                          <a:spcPts val="0"/>
+                        </a:spcAft>
+                      </a:pPr>
+                      <a:endParaRPr lang="zh-TW" sz="2000" kern="100" dirty="0">
+                        <a:effectLst/>
+                        <a:latin typeface="Calibri" panose="020F0502020204030204" pitchFamily="34" charset="0"/>
+                        <a:ea typeface="新細明體" panose="02020500000000000000" pitchFamily="18" charset="-120"/>
+                        <a:cs typeface="Times New Roman" panose="02020603050405020304" pitchFamily="18" charset="0"/>
+                      </a:endParaRPr>
+                    </a:p>
+                  </a:txBody>
+                  <a:tcPr marL="106474" marR="106474" marT="0" marB="0"/>
+                </a:tc>
+                <a:extLst>
+                  <a:ext uri="{0D108BD9-81ED-4DB2-BD59-A6C34878D82A}">
+                    <a16:rowId xmlns:a16="http://schemas.microsoft.com/office/drawing/2014/main" val="137976584"/>
+                  </a:ext>
+                </a:extLst>
+              </a:tr>
+            </a:tbl>
+          </a:graphicData>
+        </a:graphic>
+      </p:graphicFrame>
     </p:spTree>
     <p:extLst>
       <p:ext uri="{BB962C8B-B14F-4D97-AF65-F5344CB8AC3E}">
-        <p14:creationId xmlns:p14="http://schemas.microsoft.com/office/powerpoint/2010/main" val="2817063805"/>
+        <p14:creationId xmlns:p14="http://schemas.microsoft.com/office/powerpoint/2010/main" val="3705825818"/>
       </p:ext>
     </p:extLst>
   </p:cSld>
   <p:clrMapOvr>
     <a:masterClrMapping/>
   </p:clrMapOvr>
+  <mc:AlternateContent xmlns:mc="http://schemas.openxmlformats.org/markup-compatibility/2006">
+    <mc:Choice xmlns:p14="http://schemas.microsoft.com/office/powerpoint/2010/main" Requires="p14">
+      <p:transition spd="med" p14:dur="700">
+        <p:fade/>
+      </p:transition>
+    </mc:Choice>
+    <mc:Fallback>
+      <p:transition spd="med">
+        <p:fade/>
+      </p:transition>
+    </mc:Fallback>
+  </mc:AlternateContent>
+  <p:timing>
+    <p:tnLst>
+      <p:par>
+        <p:cTn id="1" dur="indefinite" restart="never" nodeType="tmRoot"/>
+      </p:par>
+    </p:tnLst>
+  </p:timing>
 </p:sld>
 </file>
 

--- a/107_SE_Team12_AR RPG結合區域行銷.pptx
+++ b/107_SE_Team12_AR RPG結合區域行銷.pptx
@@ -134,7 +134,7 @@
   </p:defaultTextStyle>
   <p:extLst>
     <p:ext uri="{EFAFB233-063F-42B5-8137-9DF3F51BA10A}">
-      <p15:sldGuideLst xmlns:p15="http://schemas.microsoft.com/office/powerpoint/2012/main"/>
+      <p15:sldGuideLst xmlns:p15="http://schemas.microsoft.com/office/powerpoint/2012/main" xmlns=""/>
     </p:ext>
   </p:extLst>
 </p:presentation>
@@ -226,6 +226,7 @@
           <a:p>
             <a:fld id="{B3061A59-E211-45AA-A9F0-2CB5442E46EC}" type="datetimeFigureOut">
               <a:rPr lang="zh-CN" altLang="en-US" smtClean="0"/>
+              <a:pPr/>
               <a:t>2019/1/9</a:t>
             </a:fld>
             <a:endParaRPr lang="zh-CN" altLang="en-US"/>
@@ -384,6 +385,7 @@
           <a:p>
             <a:fld id="{42D30FBC-2F6E-446B-882F-D727E9E5CACB}" type="slidenum">
               <a:rPr lang="zh-CN" altLang="en-US" smtClean="0"/>
+              <a:pPr/>
               <a:t>‹#›</a:t>
             </a:fld>
             <a:endParaRPr lang="zh-CN" altLang="en-US"/>
@@ -393,7 +395,7 @@
     </p:spTree>
     <p:extLst>
       <p:ext uri="{BB962C8B-B14F-4D97-AF65-F5344CB8AC3E}">
-        <p14:creationId xmlns:p14="http://schemas.microsoft.com/office/powerpoint/2010/main" val="2663794212"/>
+        <p14:creationId xmlns:p14="http://schemas.microsoft.com/office/powerpoint/2010/main" xmlns="" val="2663794212"/>
       </p:ext>
     </p:extLst>
   </p:cSld>
@@ -558,6 +560,7 @@
           <a:p>
             <a:fld id="{42D30FBC-2F6E-446B-882F-D727E9E5CACB}" type="slidenum">
               <a:rPr lang="zh-CN" altLang="en-US" smtClean="0"/>
+              <a:pPr/>
               <a:t>1</a:t>
             </a:fld>
             <a:endParaRPr lang="zh-CN" altLang="en-US"/>
@@ -567,7 +570,7 @@
     </p:spTree>
     <p:extLst>
       <p:ext uri="{BB962C8B-B14F-4D97-AF65-F5344CB8AC3E}">
-        <p14:creationId xmlns:p14="http://schemas.microsoft.com/office/powerpoint/2010/main" val="3562733298"/>
+        <p14:creationId xmlns:p14="http://schemas.microsoft.com/office/powerpoint/2010/main" xmlns="" val="3562733298"/>
       </p:ext>
     </p:extLst>
   </p:cSld>
@@ -642,6 +645,7 @@
           <a:p>
             <a:fld id="{42D30FBC-2F6E-446B-882F-D727E9E5CACB}" type="slidenum">
               <a:rPr lang="zh-CN" altLang="en-US" smtClean="0"/>
+              <a:pPr/>
               <a:t>10</a:t>
             </a:fld>
             <a:endParaRPr lang="zh-CN" altLang="en-US"/>
@@ -651,7 +655,7 @@
     </p:spTree>
     <p:extLst>
       <p:ext uri="{BB962C8B-B14F-4D97-AF65-F5344CB8AC3E}">
-        <p14:creationId xmlns:p14="http://schemas.microsoft.com/office/powerpoint/2010/main" val="601626769"/>
+        <p14:creationId xmlns:p14="http://schemas.microsoft.com/office/powerpoint/2010/main" xmlns="" val="601626769"/>
       </p:ext>
     </p:extLst>
   </p:cSld>
@@ -726,6 +730,7 @@
           <a:p>
             <a:fld id="{42D30FBC-2F6E-446B-882F-D727E9E5CACB}" type="slidenum">
               <a:rPr lang="zh-CN" altLang="en-US" smtClean="0"/>
+              <a:pPr/>
               <a:t>11</a:t>
             </a:fld>
             <a:endParaRPr lang="zh-CN" altLang="en-US"/>
@@ -735,7 +740,7 @@
     </p:spTree>
     <p:extLst>
       <p:ext uri="{BB962C8B-B14F-4D97-AF65-F5344CB8AC3E}">
-        <p14:creationId xmlns:p14="http://schemas.microsoft.com/office/powerpoint/2010/main" val="1240382952"/>
+        <p14:creationId xmlns:p14="http://schemas.microsoft.com/office/powerpoint/2010/main" xmlns="" val="1240382952"/>
       </p:ext>
     </p:extLst>
   </p:cSld>
@@ -810,6 +815,7 @@
           <a:p>
             <a:fld id="{42D30FBC-2F6E-446B-882F-D727E9E5CACB}" type="slidenum">
               <a:rPr lang="zh-CN" altLang="en-US" smtClean="0"/>
+              <a:pPr/>
               <a:t>12</a:t>
             </a:fld>
             <a:endParaRPr lang="zh-CN" altLang="en-US"/>
@@ -819,7 +825,7 @@
     </p:spTree>
     <p:extLst>
       <p:ext uri="{BB962C8B-B14F-4D97-AF65-F5344CB8AC3E}">
-        <p14:creationId xmlns:p14="http://schemas.microsoft.com/office/powerpoint/2010/main" val="1615207319"/>
+        <p14:creationId xmlns:p14="http://schemas.microsoft.com/office/powerpoint/2010/main" xmlns="" val="1615207319"/>
       </p:ext>
     </p:extLst>
   </p:cSld>
@@ -894,6 +900,7 @@
           <a:p>
             <a:fld id="{42D30FBC-2F6E-446B-882F-D727E9E5CACB}" type="slidenum">
               <a:rPr lang="zh-CN" altLang="en-US" smtClean="0"/>
+              <a:pPr/>
               <a:t>13</a:t>
             </a:fld>
             <a:endParaRPr lang="zh-CN" altLang="en-US"/>
@@ -903,7 +910,7 @@
     </p:spTree>
     <p:extLst>
       <p:ext uri="{BB962C8B-B14F-4D97-AF65-F5344CB8AC3E}">
-        <p14:creationId xmlns:p14="http://schemas.microsoft.com/office/powerpoint/2010/main" val="832212012"/>
+        <p14:creationId xmlns:p14="http://schemas.microsoft.com/office/powerpoint/2010/main" xmlns="" val="832212012"/>
       </p:ext>
     </p:extLst>
   </p:cSld>
@@ -978,6 +985,7 @@
           <a:p>
             <a:fld id="{42D30FBC-2F6E-446B-882F-D727E9E5CACB}" type="slidenum">
               <a:rPr lang="zh-CN" altLang="en-US" smtClean="0"/>
+              <a:pPr/>
               <a:t>14</a:t>
             </a:fld>
             <a:endParaRPr lang="zh-CN" altLang="en-US"/>
@@ -987,7 +995,7 @@
     </p:spTree>
     <p:extLst>
       <p:ext uri="{BB962C8B-B14F-4D97-AF65-F5344CB8AC3E}">
-        <p14:creationId xmlns:p14="http://schemas.microsoft.com/office/powerpoint/2010/main" val="1236927898"/>
+        <p14:creationId xmlns:p14="http://schemas.microsoft.com/office/powerpoint/2010/main" xmlns="" val="1236927898"/>
       </p:ext>
     </p:extLst>
   </p:cSld>
@@ -1062,6 +1070,7 @@
           <a:p>
             <a:fld id="{42D30FBC-2F6E-446B-882F-D727E9E5CACB}" type="slidenum">
               <a:rPr lang="zh-CN" altLang="en-US" smtClean="0"/>
+              <a:pPr/>
               <a:t>15</a:t>
             </a:fld>
             <a:endParaRPr lang="zh-CN" altLang="en-US"/>
@@ -1071,7 +1080,7 @@
     </p:spTree>
     <p:extLst>
       <p:ext uri="{BB962C8B-B14F-4D97-AF65-F5344CB8AC3E}">
-        <p14:creationId xmlns:p14="http://schemas.microsoft.com/office/powerpoint/2010/main" val="1773373298"/>
+        <p14:creationId xmlns:p14="http://schemas.microsoft.com/office/powerpoint/2010/main" xmlns="" val="1773373298"/>
       </p:ext>
     </p:extLst>
   </p:cSld>
@@ -1146,6 +1155,7 @@
           <a:p>
             <a:fld id="{42D30FBC-2F6E-446B-882F-D727E9E5CACB}" type="slidenum">
               <a:rPr lang="zh-CN" altLang="en-US" smtClean="0"/>
+              <a:pPr/>
               <a:t>16</a:t>
             </a:fld>
             <a:endParaRPr lang="zh-CN" altLang="en-US"/>
@@ -1155,7 +1165,7 @@
     </p:spTree>
     <p:extLst>
       <p:ext uri="{BB962C8B-B14F-4D97-AF65-F5344CB8AC3E}">
-        <p14:creationId xmlns:p14="http://schemas.microsoft.com/office/powerpoint/2010/main" val="2836218149"/>
+        <p14:creationId xmlns:p14="http://schemas.microsoft.com/office/powerpoint/2010/main" xmlns="" val="2836218149"/>
       </p:ext>
     </p:extLst>
   </p:cSld>
@@ -1230,6 +1240,7 @@
           <a:p>
             <a:fld id="{42D30FBC-2F6E-446B-882F-D727E9E5CACB}" type="slidenum">
               <a:rPr lang="zh-CN" altLang="en-US" smtClean="0"/>
+              <a:pPr/>
               <a:t>17</a:t>
             </a:fld>
             <a:endParaRPr lang="zh-CN" altLang="en-US"/>
@@ -1239,7 +1250,7 @@
     </p:spTree>
     <p:extLst>
       <p:ext uri="{BB962C8B-B14F-4D97-AF65-F5344CB8AC3E}">
-        <p14:creationId xmlns:p14="http://schemas.microsoft.com/office/powerpoint/2010/main" val="3384295056"/>
+        <p14:creationId xmlns:p14="http://schemas.microsoft.com/office/powerpoint/2010/main" xmlns="" val="3384295056"/>
       </p:ext>
     </p:extLst>
   </p:cSld>
@@ -1314,6 +1325,7 @@
           <a:p>
             <a:fld id="{42D30FBC-2F6E-446B-882F-D727E9E5CACB}" type="slidenum">
               <a:rPr lang="zh-CN" altLang="en-US" smtClean="0"/>
+              <a:pPr/>
               <a:t>18</a:t>
             </a:fld>
             <a:endParaRPr lang="zh-CN" altLang="en-US"/>
@@ -1323,7 +1335,7 @@
     </p:spTree>
     <p:extLst>
       <p:ext uri="{BB962C8B-B14F-4D97-AF65-F5344CB8AC3E}">
-        <p14:creationId xmlns:p14="http://schemas.microsoft.com/office/powerpoint/2010/main" val="4128827889"/>
+        <p14:creationId xmlns:p14="http://schemas.microsoft.com/office/powerpoint/2010/main" xmlns="" val="4128827889"/>
       </p:ext>
     </p:extLst>
   </p:cSld>
@@ -1398,6 +1410,7 @@
           <a:p>
             <a:fld id="{42D30FBC-2F6E-446B-882F-D727E9E5CACB}" type="slidenum">
               <a:rPr lang="zh-CN" altLang="en-US" smtClean="0"/>
+              <a:pPr/>
               <a:t>19</a:t>
             </a:fld>
             <a:endParaRPr lang="zh-CN" altLang="en-US"/>
@@ -1407,7 +1420,7 @@
     </p:spTree>
     <p:extLst>
       <p:ext uri="{BB962C8B-B14F-4D97-AF65-F5344CB8AC3E}">
-        <p14:creationId xmlns:p14="http://schemas.microsoft.com/office/powerpoint/2010/main" val="1373126660"/>
+        <p14:creationId xmlns:p14="http://schemas.microsoft.com/office/powerpoint/2010/main" xmlns="" val="1373126660"/>
       </p:ext>
     </p:extLst>
   </p:cSld>
@@ -1482,6 +1495,7 @@
           <a:p>
             <a:fld id="{42D30FBC-2F6E-446B-882F-D727E9E5CACB}" type="slidenum">
               <a:rPr lang="zh-CN" altLang="en-US" smtClean="0"/>
+              <a:pPr/>
               <a:t>2</a:t>
             </a:fld>
             <a:endParaRPr lang="zh-CN" altLang="en-US"/>
@@ -1491,7 +1505,7 @@
     </p:spTree>
     <p:extLst>
       <p:ext uri="{BB962C8B-B14F-4D97-AF65-F5344CB8AC3E}">
-        <p14:creationId xmlns:p14="http://schemas.microsoft.com/office/powerpoint/2010/main" val="4000591132"/>
+        <p14:creationId xmlns:p14="http://schemas.microsoft.com/office/powerpoint/2010/main" xmlns="" val="4000591132"/>
       </p:ext>
     </p:extLst>
   </p:cSld>
@@ -1566,6 +1580,7 @@
           <a:p>
             <a:fld id="{42D30FBC-2F6E-446B-882F-D727E9E5CACB}" type="slidenum">
               <a:rPr lang="zh-CN" altLang="en-US" smtClean="0"/>
+              <a:pPr/>
               <a:t>20</a:t>
             </a:fld>
             <a:endParaRPr lang="zh-CN" altLang="en-US"/>
@@ -1575,7 +1590,7 @@
     </p:spTree>
     <p:extLst>
       <p:ext uri="{BB962C8B-B14F-4D97-AF65-F5344CB8AC3E}">
-        <p14:creationId xmlns:p14="http://schemas.microsoft.com/office/powerpoint/2010/main" val="478859267"/>
+        <p14:creationId xmlns:p14="http://schemas.microsoft.com/office/powerpoint/2010/main" xmlns="" val="478859267"/>
       </p:ext>
     </p:extLst>
   </p:cSld>
@@ -1650,6 +1665,7 @@
           <a:p>
             <a:fld id="{42D30FBC-2F6E-446B-882F-D727E9E5CACB}" type="slidenum">
               <a:rPr lang="zh-CN" altLang="en-US" smtClean="0"/>
+              <a:pPr/>
               <a:t>21</a:t>
             </a:fld>
             <a:endParaRPr lang="zh-CN" altLang="en-US"/>
@@ -1659,7 +1675,7 @@
     </p:spTree>
     <p:extLst>
       <p:ext uri="{BB962C8B-B14F-4D97-AF65-F5344CB8AC3E}">
-        <p14:creationId xmlns:p14="http://schemas.microsoft.com/office/powerpoint/2010/main" val="1042041894"/>
+        <p14:creationId xmlns:p14="http://schemas.microsoft.com/office/powerpoint/2010/main" xmlns="" val="1042041894"/>
       </p:ext>
     </p:extLst>
   </p:cSld>
@@ -1734,6 +1750,7 @@
           <a:p>
             <a:fld id="{42D30FBC-2F6E-446B-882F-D727E9E5CACB}" type="slidenum">
               <a:rPr lang="zh-CN" altLang="en-US" smtClean="0"/>
+              <a:pPr/>
               <a:t>22</a:t>
             </a:fld>
             <a:endParaRPr lang="zh-CN" altLang="en-US"/>
@@ -1743,7 +1760,7 @@
     </p:spTree>
     <p:extLst>
       <p:ext uri="{BB962C8B-B14F-4D97-AF65-F5344CB8AC3E}">
-        <p14:creationId xmlns:p14="http://schemas.microsoft.com/office/powerpoint/2010/main" val="2635559582"/>
+        <p14:creationId xmlns:p14="http://schemas.microsoft.com/office/powerpoint/2010/main" xmlns="" val="2635559582"/>
       </p:ext>
     </p:extLst>
   </p:cSld>
@@ -1818,6 +1835,7 @@
           <a:p>
             <a:fld id="{42D30FBC-2F6E-446B-882F-D727E9E5CACB}" type="slidenum">
               <a:rPr lang="zh-CN" altLang="en-US" smtClean="0"/>
+              <a:pPr/>
               <a:t>23</a:t>
             </a:fld>
             <a:endParaRPr lang="zh-CN" altLang="en-US"/>
@@ -1827,7 +1845,7 @@
     </p:spTree>
     <p:extLst>
       <p:ext uri="{BB962C8B-B14F-4D97-AF65-F5344CB8AC3E}">
-        <p14:creationId xmlns:p14="http://schemas.microsoft.com/office/powerpoint/2010/main" val="395317134"/>
+        <p14:creationId xmlns:p14="http://schemas.microsoft.com/office/powerpoint/2010/main" xmlns="" val="395317134"/>
       </p:ext>
     </p:extLst>
   </p:cSld>
@@ -1902,6 +1920,7 @@
           <a:p>
             <a:fld id="{42D30FBC-2F6E-446B-882F-D727E9E5CACB}" type="slidenum">
               <a:rPr lang="zh-CN" altLang="en-US" smtClean="0"/>
+              <a:pPr/>
               <a:t>3</a:t>
             </a:fld>
             <a:endParaRPr lang="zh-CN" altLang="en-US"/>
@@ -1911,7 +1930,7 @@
     </p:spTree>
     <p:extLst>
       <p:ext uri="{BB962C8B-B14F-4D97-AF65-F5344CB8AC3E}">
-        <p14:creationId xmlns:p14="http://schemas.microsoft.com/office/powerpoint/2010/main" val="3897338094"/>
+        <p14:creationId xmlns:p14="http://schemas.microsoft.com/office/powerpoint/2010/main" xmlns="" val="3897338094"/>
       </p:ext>
     </p:extLst>
   </p:cSld>
@@ -1986,6 +2005,7 @@
           <a:p>
             <a:fld id="{42D30FBC-2F6E-446B-882F-D727E9E5CACB}" type="slidenum">
               <a:rPr lang="zh-CN" altLang="en-US" smtClean="0"/>
+              <a:pPr/>
               <a:t>4</a:t>
             </a:fld>
             <a:endParaRPr lang="zh-CN" altLang="en-US"/>
@@ -1995,7 +2015,7 @@
     </p:spTree>
     <p:extLst>
       <p:ext uri="{BB962C8B-B14F-4D97-AF65-F5344CB8AC3E}">
-        <p14:creationId xmlns:p14="http://schemas.microsoft.com/office/powerpoint/2010/main" val="422514630"/>
+        <p14:creationId xmlns:p14="http://schemas.microsoft.com/office/powerpoint/2010/main" xmlns="" val="422514630"/>
       </p:ext>
     </p:extLst>
   </p:cSld>
@@ -2070,6 +2090,7 @@
           <a:p>
             <a:fld id="{42D30FBC-2F6E-446B-882F-D727E9E5CACB}" type="slidenum">
               <a:rPr lang="zh-CN" altLang="en-US" smtClean="0"/>
+              <a:pPr/>
               <a:t>5</a:t>
             </a:fld>
             <a:endParaRPr lang="zh-CN" altLang="en-US"/>
@@ -2079,7 +2100,7 @@
     </p:spTree>
     <p:extLst>
       <p:ext uri="{BB962C8B-B14F-4D97-AF65-F5344CB8AC3E}">
-        <p14:creationId xmlns:p14="http://schemas.microsoft.com/office/powerpoint/2010/main" val="2987176809"/>
+        <p14:creationId xmlns:p14="http://schemas.microsoft.com/office/powerpoint/2010/main" xmlns="" val="2987176809"/>
       </p:ext>
     </p:extLst>
   </p:cSld>
@@ -2154,6 +2175,7 @@
           <a:p>
             <a:fld id="{42D30FBC-2F6E-446B-882F-D727E9E5CACB}" type="slidenum">
               <a:rPr lang="zh-CN" altLang="en-US" smtClean="0"/>
+              <a:pPr/>
               <a:t>6</a:t>
             </a:fld>
             <a:endParaRPr lang="zh-CN" altLang="en-US"/>
@@ -2163,7 +2185,7 @@
     </p:spTree>
     <p:extLst>
       <p:ext uri="{BB962C8B-B14F-4D97-AF65-F5344CB8AC3E}">
-        <p14:creationId xmlns:p14="http://schemas.microsoft.com/office/powerpoint/2010/main" val="2690050171"/>
+        <p14:creationId xmlns:p14="http://schemas.microsoft.com/office/powerpoint/2010/main" xmlns="" val="2690050171"/>
       </p:ext>
     </p:extLst>
   </p:cSld>
@@ -2238,6 +2260,7 @@
           <a:p>
             <a:fld id="{42D30FBC-2F6E-446B-882F-D727E9E5CACB}" type="slidenum">
               <a:rPr lang="zh-CN" altLang="en-US" smtClean="0"/>
+              <a:pPr/>
               <a:t>7</a:t>
             </a:fld>
             <a:endParaRPr lang="zh-CN" altLang="en-US"/>
@@ -2247,7 +2270,7 @@
     </p:spTree>
     <p:extLst>
       <p:ext uri="{BB962C8B-B14F-4D97-AF65-F5344CB8AC3E}">
-        <p14:creationId xmlns:p14="http://schemas.microsoft.com/office/powerpoint/2010/main" val="3102431777"/>
+        <p14:creationId xmlns:p14="http://schemas.microsoft.com/office/powerpoint/2010/main" xmlns="" val="3102431777"/>
       </p:ext>
     </p:extLst>
   </p:cSld>
@@ -2322,6 +2345,7 @@
           <a:p>
             <a:fld id="{42D30FBC-2F6E-446B-882F-D727E9E5CACB}" type="slidenum">
               <a:rPr lang="zh-CN" altLang="en-US" smtClean="0"/>
+              <a:pPr/>
               <a:t>8</a:t>
             </a:fld>
             <a:endParaRPr lang="zh-CN" altLang="en-US"/>
@@ -2331,7 +2355,7 @@
     </p:spTree>
     <p:extLst>
       <p:ext uri="{BB962C8B-B14F-4D97-AF65-F5344CB8AC3E}">
-        <p14:creationId xmlns:p14="http://schemas.microsoft.com/office/powerpoint/2010/main" val="129763898"/>
+        <p14:creationId xmlns:p14="http://schemas.microsoft.com/office/powerpoint/2010/main" xmlns="" val="129763898"/>
       </p:ext>
     </p:extLst>
   </p:cSld>
@@ -2406,6 +2430,7 @@
           <a:p>
             <a:fld id="{42D30FBC-2F6E-446B-882F-D727E9E5CACB}" type="slidenum">
               <a:rPr lang="zh-CN" altLang="en-US" smtClean="0"/>
+              <a:pPr/>
               <a:t>9</a:t>
             </a:fld>
             <a:endParaRPr lang="zh-CN" altLang="en-US"/>
@@ -2415,7 +2440,7 @@
     </p:spTree>
     <p:extLst>
       <p:ext uri="{BB962C8B-B14F-4D97-AF65-F5344CB8AC3E}">
-        <p14:creationId xmlns:p14="http://schemas.microsoft.com/office/powerpoint/2010/main" val="1919633525"/>
+        <p14:creationId xmlns:p14="http://schemas.microsoft.com/office/powerpoint/2010/main" xmlns="" val="1919633525"/>
       </p:ext>
     </p:extLst>
   </p:cSld>
@@ -2554,6 +2579,7 @@
           <a:p>
             <a:fld id="{82F288E0-7875-42C4-84C8-98DBBD3BF4D2}" type="datetimeFigureOut">
               <a:rPr lang="zh-CN" altLang="en-US" smtClean="0"/>
+              <a:pPr/>
               <a:t>2019/1/9</a:t>
             </a:fld>
             <a:endParaRPr lang="zh-CN" altLang="en-US"/>
@@ -2596,6 +2622,7 @@
           <a:p>
             <a:fld id="{7D9BB5D0-35E4-459D-AEF3-FE4D7C45CC19}" type="slidenum">
               <a:rPr lang="zh-CN" altLang="en-US" smtClean="0"/>
+              <a:pPr/>
               <a:t>‹#›</a:t>
             </a:fld>
             <a:endParaRPr lang="zh-CN" altLang="en-US"/>
@@ -2607,13 +2634,13 @@
   <p:clrMapOvr>
     <a:masterClrMapping/>
   </p:clrMapOvr>
-  <mc:AlternateContent xmlns:mc="http://schemas.openxmlformats.org/markup-compatibility/2006" xmlns:p14="http://schemas.microsoft.com/office/powerpoint/2010/main">
-    <mc:Choice Requires="p14">
+  <mc:AlternateContent xmlns:mc="http://schemas.openxmlformats.org/markup-compatibility/2006">
+    <mc:Choice xmlns:p14="http://schemas.microsoft.com/office/powerpoint/2010/main" xmlns="" Requires="p14">
       <p:transition spd="slow" p14:dur="1500">
         <p:random/>
       </p:transition>
     </mc:Choice>
-    <mc:Fallback xmlns="">
+    <mc:Fallback>
       <p:transition spd="slow">
         <p:random/>
       </p:transition>
@@ -2712,6 +2739,7 @@
           <a:p>
             <a:fld id="{82F288E0-7875-42C4-84C8-98DBBD3BF4D2}" type="datetimeFigureOut">
               <a:rPr lang="zh-CN" altLang="en-US" smtClean="0"/>
+              <a:pPr/>
               <a:t>2019/1/9</a:t>
             </a:fld>
             <a:endParaRPr lang="zh-CN" altLang="en-US"/>
@@ -2754,6 +2782,7 @@
           <a:p>
             <a:fld id="{7D9BB5D0-35E4-459D-AEF3-FE4D7C45CC19}" type="slidenum">
               <a:rPr lang="zh-CN" altLang="en-US" smtClean="0"/>
+              <a:pPr/>
               <a:t>‹#›</a:t>
             </a:fld>
             <a:endParaRPr lang="zh-CN" altLang="en-US"/>
@@ -2765,13 +2794,13 @@
   <p:clrMapOvr>
     <a:masterClrMapping/>
   </p:clrMapOvr>
-  <mc:AlternateContent xmlns:mc="http://schemas.openxmlformats.org/markup-compatibility/2006" xmlns:p14="http://schemas.microsoft.com/office/powerpoint/2010/main">
-    <mc:Choice Requires="p14">
+  <mc:AlternateContent xmlns:mc="http://schemas.openxmlformats.org/markup-compatibility/2006">
+    <mc:Choice xmlns:p14="http://schemas.microsoft.com/office/powerpoint/2010/main" xmlns="" Requires="p14">
       <p:transition spd="slow" p14:dur="1500">
         <p:random/>
       </p:transition>
     </mc:Choice>
-    <mc:Fallback xmlns="">
+    <mc:Fallback>
       <p:transition spd="slow">
         <p:random/>
       </p:transition>
@@ -2887,6 +2916,7 @@
           <a:p>
             <a:fld id="{82F288E0-7875-42C4-84C8-98DBBD3BF4D2}" type="datetimeFigureOut">
               <a:rPr lang="zh-CN" altLang="en-US" smtClean="0"/>
+              <a:pPr/>
               <a:t>2019/1/9</a:t>
             </a:fld>
             <a:endParaRPr lang="zh-CN" altLang="en-US"/>
@@ -2929,6 +2959,7 @@
           <a:p>
             <a:fld id="{7D9BB5D0-35E4-459D-AEF3-FE4D7C45CC19}" type="slidenum">
               <a:rPr lang="zh-CN" altLang="en-US" smtClean="0"/>
+              <a:pPr/>
               <a:t>‹#›</a:t>
             </a:fld>
             <a:endParaRPr lang="zh-CN" altLang="en-US"/>
@@ -2940,13 +2971,13 @@
   <p:clrMapOvr>
     <a:masterClrMapping/>
   </p:clrMapOvr>
-  <mc:AlternateContent xmlns:mc="http://schemas.openxmlformats.org/markup-compatibility/2006" xmlns:p14="http://schemas.microsoft.com/office/powerpoint/2010/main">
-    <mc:Choice Requires="p14">
+  <mc:AlternateContent xmlns:mc="http://schemas.openxmlformats.org/markup-compatibility/2006">
+    <mc:Choice xmlns:p14="http://schemas.microsoft.com/office/powerpoint/2010/main" xmlns="" Requires="p14">
       <p:transition spd="slow" p14:dur="1500">
         <p:random/>
       </p:transition>
     </mc:Choice>
-    <mc:Fallback xmlns="">
+    <mc:Fallback>
       <p:transition spd="slow">
         <p:random/>
       </p:transition>
@@ -3139,6 +3170,7 @@
           <a:p>
             <a:fld id="{82F288E0-7875-42C4-84C8-98DBBD3BF4D2}" type="datetimeFigureOut">
               <a:rPr lang="zh-CN" altLang="en-US" smtClean="0"/>
+              <a:pPr/>
               <a:t>2019/1/9</a:t>
             </a:fld>
             <a:endParaRPr lang="zh-CN" altLang="en-US"/>
@@ -3181,6 +3213,7 @@
           <a:p>
             <a:fld id="{7D9BB5D0-35E4-459D-AEF3-FE4D7C45CC19}" type="slidenum">
               <a:rPr lang="zh-CN" altLang="en-US" smtClean="0"/>
+              <a:pPr/>
               <a:t>‹#›</a:t>
             </a:fld>
             <a:endParaRPr lang="zh-CN" altLang="en-US"/>
@@ -3192,13 +3225,13 @@
   <p:clrMapOvr>
     <a:masterClrMapping/>
   </p:clrMapOvr>
-  <mc:AlternateContent xmlns:mc="http://schemas.openxmlformats.org/markup-compatibility/2006" xmlns:p14="http://schemas.microsoft.com/office/powerpoint/2010/main">
-    <mc:Choice Requires="p14">
+  <mc:AlternateContent xmlns:mc="http://schemas.openxmlformats.org/markup-compatibility/2006">
+    <mc:Choice xmlns:p14="http://schemas.microsoft.com/office/powerpoint/2010/main" xmlns="" Requires="p14">
       <p:transition spd="slow" p14:dur="1500">
         <p:random/>
       </p:transition>
     </mc:Choice>
-    <mc:Fallback xmlns="">
+    <mc:Fallback>
       <p:transition spd="slow">
         <p:random/>
       </p:transition>
@@ -3375,6 +3408,7 @@
           <a:p>
             <a:fld id="{82F288E0-7875-42C4-84C8-98DBBD3BF4D2}" type="datetimeFigureOut">
               <a:rPr lang="zh-CN" altLang="en-US" smtClean="0"/>
+              <a:pPr/>
               <a:t>2019/1/9</a:t>
             </a:fld>
             <a:endParaRPr lang="zh-CN" altLang="en-US"/>
@@ -3417,6 +3451,7 @@
           <a:p>
             <a:fld id="{7D9BB5D0-35E4-459D-AEF3-FE4D7C45CC19}" type="slidenum">
               <a:rPr lang="zh-CN" altLang="en-US" smtClean="0"/>
+              <a:pPr/>
               <a:t>‹#›</a:t>
             </a:fld>
             <a:endParaRPr lang="zh-CN" altLang="en-US"/>
@@ -3428,13 +3463,13 @@
   <p:clrMapOvr>
     <a:masterClrMapping/>
   </p:clrMapOvr>
-  <mc:AlternateContent xmlns:mc="http://schemas.openxmlformats.org/markup-compatibility/2006" xmlns:p14="http://schemas.microsoft.com/office/powerpoint/2010/main">
-    <mc:Choice Requires="p14">
+  <mc:AlternateContent xmlns:mc="http://schemas.openxmlformats.org/markup-compatibility/2006">
+    <mc:Choice xmlns:p14="http://schemas.microsoft.com/office/powerpoint/2010/main" xmlns="" Requires="p14">
       <p:transition spd="slow" p14:dur="1500">
         <p:random/>
       </p:transition>
     </mc:Choice>
-    <mc:Fallback xmlns="">
+    <mc:Fallback>
       <p:transition spd="slow">
         <p:random/>
       </p:transition>
@@ -3746,6 +3781,7 @@
           <a:p>
             <a:fld id="{82F288E0-7875-42C4-84C8-98DBBD3BF4D2}" type="datetimeFigureOut">
               <a:rPr lang="zh-CN" altLang="en-US" smtClean="0"/>
+              <a:pPr/>
               <a:t>2019/1/9</a:t>
             </a:fld>
             <a:endParaRPr lang="zh-CN" altLang="en-US"/>
@@ -3788,6 +3824,7 @@
           <a:p>
             <a:fld id="{7D9BB5D0-35E4-459D-AEF3-FE4D7C45CC19}" type="slidenum">
               <a:rPr lang="zh-CN" altLang="en-US" smtClean="0"/>
+              <a:pPr/>
               <a:t>‹#›</a:t>
             </a:fld>
             <a:endParaRPr lang="zh-CN" altLang="en-US"/>
@@ -3799,13 +3836,13 @@
   <p:clrMapOvr>
     <a:masterClrMapping/>
   </p:clrMapOvr>
-  <mc:AlternateContent xmlns:mc="http://schemas.openxmlformats.org/markup-compatibility/2006" xmlns:p14="http://schemas.microsoft.com/office/powerpoint/2010/main">
-    <mc:Choice Requires="p14">
+  <mc:AlternateContent xmlns:mc="http://schemas.openxmlformats.org/markup-compatibility/2006">
+    <mc:Choice xmlns:p14="http://schemas.microsoft.com/office/powerpoint/2010/main" xmlns="" Requires="p14">
       <p:transition spd="slow" p14:dur="1500">
         <p:random/>
       </p:transition>
     </mc:Choice>
-    <mc:Fallback xmlns="">
+    <mc:Fallback>
       <p:transition spd="slow">
         <p:random/>
       </p:transition>
@@ -3870,6 +3907,7 @@
           <a:p>
             <a:fld id="{82F288E0-7875-42C4-84C8-98DBBD3BF4D2}" type="datetimeFigureOut">
               <a:rPr lang="zh-CN" altLang="en-US" smtClean="0"/>
+              <a:pPr/>
               <a:t>2019/1/9</a:t>
             </a:fld>
             <a:endParaRPr lang="zh-CN" altLang="en-US"/>
@@ -3912,6 +3950,7 @@
           <a:p>
             <a:fld id="{7D9BB5D0-35E4-459D-AEF3-FE4D7C45CC19}" type="slidenum">
               <a:rPr lang="zh-CN" altLang="en-US" smtClean="0"/>
+              <a:pPr/>
               <a:t>‹#›</a:t>
             </a:fld>
             <a:endParaRPr lang="zh-CN" altLang="en-US"/>
@@ -3948,13 +3987,13 @@
   <p:clrMapOvr>
     <a:masterClrMapping/>
   </p:clrMapOvr>
-  <mc:AlternateContent xmlns:mc="http://schemas.openxmlformats.org/markup-compatibility/2006" xmlns:p14="http://schemas.microsoft.com/office/powerpoint/2010/main">
-    <mc:Choice Requires="p14">
+  <mc:AlternateContent xmlns:mc="http://schemas.openxmlformats.org/markup-compatibility/2006">
+    <mc:Choice xmlns:p14="http://schemas.microsoft.com/office/powerpoint/2010/main" xmlns="" Requires="p14">
       <p:transition spd="slow" p14:dur="1500">
         <p:random/>
       </p:transition>
     </mc:Choice>
-    <mc:Fallback xmlns="">
+    <mc:Fallback>
       <p:transition spd="slow">
         <p:random/>
       </p:transition>
@@ -3997,6 +4036,7 @@
           <a:p>
             <a:fld id="{82F288E0-7875-42C4-84C8-98DBBD3BF4D2}" type="datetimeFigureOut">
               <a:rPr lang="zh-CN" altLang="en-US" smtClean="0"/>
+              <a:pPr/>
               <a:t>2019/1/9</a:t>
             </a:fld>
             <a:endParaRPr lang="zh-CN" altLang="en-US"/>
@@ -4039,6 +4079,7 @@
           <a:p>
             <a:fld id="{7D9BB5D0-35E4-459D-AEF3-FE4D7C45CC19}" type="slidenum">
               <a:rPr lang="zh-CN" altLang="en-US" smtClean="0"/>
+              <a:pPr/>
               <a:t>‹#›</a:t>
             </a:fld>
             <a:endParaRPr lang="zh-CN" altLang="en-US"/>
@@ -4075,13 +4116,13 @@
   <p:clrMapOvr>
     <a:masterClrMapping/>
   </p:clrMapOvr>
-  <mc:AlternateContent xmlns:mc="http://schemas.openxmlformats.org/markup-compatibility/2006" xmlns:p14="http://schemas.microsoft.com/office/powerpoint/2010/main">
-    <mc:Choice Requires="p14">
+  <mc:AlternateContent xmlns:mc="http://schemas.openxmlformats.org/markup-compatibility/2006">
+    <mc:Choice xmlns:p14="http://schemas.microsoft.com/office/powerpoint/2010/main" xmlns="" Requires="p14">
       <p:transition spd="slow" p14:dur="1500">
         <p:random/>
       </p:transition>
     </mc:Choice>
-    <mc:Fallback xmlns="">
+    <mc:Fallback>
       <p:transition spd="slow">
         <p:random/>
       </p:transition>
@@ -4281,6 +4322,7 @@
           <a:p>
             <a:fld id="{82F288E0-7875-42C4-84C8-98DBBD3BF4D2}" type="datetimeFigureOut">
               <a:rPr lang="zh-CN" altLang="en-US" smtClean="0"/>
+              <a:pPr/>
               <a:t>2019/1/9</a:t>
             </a:fld>
             <a:endParaRPr lang="zh-CN" altLang="en-US"/>
@@ -4323,6 +4365,7 @@
           <a:p>
             <a:fld id="{7D9BB5D0-35E4-459D-AEF3-FE4D7C45CC19}" type="slidenum">
               <a:rPr lang="zh-CN" altLang="en-US" smtClean="0"/>
+              <a:pPr/>
               <a:t>‹#›</a:t>
             </a:fld>
             <a:endParaRPr lang="zh-CN" altLang="en-US"/>
@@ -4334,13 +4377,13 @@
   <p:clrMapOvr>
     <a:masterClrMapping/>
   </p:clrMapOvr>
-  <mc:AlternateContent xmlns:mc="http://schemas.openxmlformats.org/markup-compatibility/2006" xmlns:p14="http://schemas.microsoft.com/office/powerpoint/2010/main">
-    <mc:Choice Requires="p14">
+  <mc:AlternateContent xmlns:mc="http://schemas.openxmlformats.org/markup-compatibility/2006">
+    <mc:Choice xmlns:p14="http://schemas.microsoft.com/office/powerpoint/2010/main" xmlns="" Requires="p14">
       <p:transition spd="slow" p14:dur="1500">
         <p:random/>
       </p:transition>
     </mc:Choice>
-    <mc:Fallback xmlns="">
+    <mc:Fallback>
       <p:transition spd="slow">
         <p:random/>
       </p:transition>
@@ -4466,6 +4509,7 @@
           <a:p>
             <a:fld id="{82F288E0-7875-42C4-84C8-98DBBD3BF4D2}" type="datetimeFigureOut">
               <a:rPr lang="zh-CN" altLang="en-US" smtClean="0"/>
+              <a:pPr/>
               <a:t>2019/1/9</a:t>
             </a:fld>
             <a:endParaRPr lang="zh-CN" altLang="en-US"/>
@@ -4508,6 +4552,7 @@
           <a:p>
             <a:fld id="{7D9BB5D0-35E4-459D-AEF3-FE4D7C45CC19}" type="slidenum">
               <a:rPr lang="zh-CN" altLang="en-US" smtClean="0"/>
+              <a:pPr/>
               <a:t>‹#›</a:t>
             </a:fld>
             <a:endParaRPr lang="zh-CN" altLang="en-US"/>
@@ -4519,13 +4564,13 @@
   <p:clrMapOvr>
     <a:masterClrMapping/>
   </p:clrMapOvr>
-  <mc:AlternateContent xmlns:mc="http://schemas.openxmlformats.org/markup-compatibility/2006" xmlns:p14="http://schemas.microsoft.com/office/powerpoint/2010/main">
-    <mc:Choice Requires="p14">
+  <mc:AlternateContent xmlns:mc="http://schemas.openxmlformats.org/markup-compatibility/2006">
+    <mc:Choice xmlns:p14="http://schemas.microsoft.com/office/powerpoint/2010/main" xmlns="" Requires="p14">
       <p:transition spd="slow" p14:dur="1500">
         <p:random/>
       </p:transition>
     </mc:Choice>
-    <mc:Fallback xmlns="">
+    <mc:Fallback>
       <p:transition spd="slow">
         <p:random/>
       </p:transition>
@@ -4684,6 +4729,7 @@
           <a:p>
             <a:fld id="{82F288E0-7875-42C4-84C8-98DBBD3BF4D2}" type="datetimeFigureOut">
               <a:rPr lang="zh-CN" altLang="en-US" smtClean="0"/>
+              <a:pPr/>
               <a:t>2019/1/9</a:t>
             </a:fld>
             <a:endParaRPr lang="zh-CN" altLang="en-US"/>
@@ -4762,6 +4808,7 @@
           <a:p>
             <a:fld id="{7D9BB5D0-35E4-459D-AEF3-FE4D7C45CC19}" type="slidenum">
               <a:rPr lang="zh-CN" altLang="en-US" smtClean="0"/>
+              <a:pPr/>
               <a:t>‹#›</a:t>
             </a:fld>
             <a:endParaRPr lang="zh-CN" altLang="en-US"/>
@@ -4783,13 +4830,13 @@
     <p:sldLayoutId id="2147483657" r:id="rId9"/>
     <p:sldLayoutId id="2147483658" r:id="rId10"/>
   </p:sldLayoutIdLst>
-  <mc:AlternateContent xmlns:mc="http://schemas.openxmlformats.org/markup-compatibility/2006" xmlns:p14="http://schemas.microsoft.com/office/powerpoint/2010/main">
-    <mc:Choice Requires="p14">
+  <mc:AlternateContent xmlns:mc="http://schemas.openxmlformats.org/markup-compatibility/2006">
+    <mc:Choice xmlns:p14="http://schemas.microsoft.com/office/powerpoint/2010/main" xmlns="" Requires="p14">
       <p:transition spd="slow" p14:dur="1500">
         <p:random/>
       </p:transition>
     </mc:Choice>
-    <mc:Fallback xmlns="">
+    <mc:Fallback>
       <p:transition spd="slow">
         <p:random/>
       </p:transition>
@@ -5398,17 +5445,7 @@
                 <a:latin typeface="微软雅黑" panose="020B0503020204020204" charset="-122"/>
                 <a:ea typeface="微软雅黑" panose="020B0503020204020204" charset="-122"/>
               </a:rPr>
-              <a:t> </a:t>
-            </a:r>
-            <a:r>
-              <a:rPr lang="zh-TW" altLang="en-US" dirty="0" smtClean="0">
-                <a:solidFill>
-                  <a:srgbClr val="765036"/>
-                </a:solidFill>
-                <a:latin typeface="微软雅黑" panose="020B0503020204020204" charset="-122"/>
-                <a:ea typeface="微软雅黑" panose="020B0503020204020204" charset="-122"/>
-              </a:rPr>
-              <a:t>楊景程</a:t>
+              <a:t> 楊景程</a:t>
             </a:r>
             <a:endParaRPr lang="en-US" altLang="zh-TW" dirty="0" smtClean="0">
               <a:solidFill>
@@ -5792,7 +5829,7 @@
     <a:masterClrMapping/>
   </p:clrMapOvr>
   <mc:AlternateContent xmlns:mc="http://schemas.openxmlformats.org/markup-compatibility/2006">
-    <mc:Choice xmlns:p14="http://schemas.microsoft.com/office/powerpoint/2010/main" Requires="p14">
+    <mc:Choice xmlns:p14="http://schemas.microsoft.com/office/powerpoint/2010/main" xmlns="" Requires="p14">
       <p:transition spd="med" p14:dur="700">
         <p:fade/>
       </p:transition>
@@ -6058,14 +6095,14 @@
           <a:effectLst/>
           <a:extLst>
             <a:ext uri="{909E8E84-426E-40DD-AFC4-6F175D3DCCD1}">
-              <a14:hiddenFill xmlns:a14="http://schemas.microsoft.com/office/drawing/2010/main">
+              <a14:hiddenFill xmlns:a14="http://schemas.microsoft.com/office/drawing/2010/main" xmlns="">
                 <a:solidFill>
                   <a:schemeClr val="accent1"/>
                 </a:solidFill>
               </a14:hiddenFill>
             </a:ext>
             <a:ext uri="{91240B29-F687-4F45-9708-019B960494DF}">
-              <a14:hiddenLine xmlns:a14="http://schemas.microsoft.com/office/drawing/2010/main" w="9525">
+              <a14:hiddenLine xmlns:a14="http://schemas.microsoft.com/office/drawing/2010/main" xmlns="" w="9525">
                 <a:solidFill>
                   <a:srgbClr val="000000"/>
                 </a:solidFill>
@@ -6075,7 +6112,7 @@
               </a14:hiddenLine>
             </a:ext>
             <a:ext uri="{AF507438-7753-43E0-B8FC-AC1667EBCBE1}">
-              <a14:hiddenEffects xmlns:a14="http://schemas.microsoft.com/office/drawing/2010/main">
+              <a14:hiddenEffects xmlns:a14="http://schemas.microsoft.com/office/drawing/2010/main" xmlns="">
                 <a:effectLst>
                   <a:outerShdw dist="35921" dir="2700000" algn="ctr" rotWithShape="0">
                     <a:schemeClr val="bg2"/>
@@ -6122,7 +6159,7 @@
           <p:nvPr>
             <p:extLst>
               <p:ext uri="{D42A27DB-BD31-4B8C-83A1-F6EECF244321}">
-                <p14:modId xmlns:p14="http://schemas.microsoft.com/office/powerpoint/2010/main" val="3241058613"/>
+                <p14:modId xmlns:p14="http://schemas.microsoft.com/office/powerpoint/2010/main" xmlns="" val="3241058613"/>
               </p:ext>
             </p:extLst>
           </p:nvPr>
@@ -6141,14 +6178,14 @@
                 <a:gridCol w="1497625">
                   <a:extLst>
                     <a:ext uri="{9D8B030D-6E8A-4147-A177-3AD203B41FA5}">
-                      <a16:colId xmlns:a16="http://schemas.microsoft.com/office/drawing/2014/main" val="20000"/>
+                      <a16:colId xmlns:a16="http://schemas.microsoft.com/office/drawing/2014/main" xmlns="" val="20000"/>
                     </a:ext>
                   </a:extLst>
                 </a:gridCol>
                 <a:gridCol w="7287350">
                   <a:extLst>
                     <a:ext uri="{9D8B030D-6E8A-4147-A177-3AD203B41FA5}">
-                      <a16:colId xmlns:a16="http://schemas.microsoft.com/office/drawing/2014/main" val="20001"/>
+                      <a16:colId xmlns:a16="http://schemas.microsoft.com/office/drawing/2014/main" xmlns="" val="20001"/>
                     </a:ext>
                   </a:extLst>
                 </a:gridCol>
@@ -6292,7 +6329,7 @@
                 </a:tc>
                 <a:extLst>
                   <a:ext uri="{0D108BD9-81ED-4DB2-BD59-A6C34878D82A}">
-                    <a16:rowId xmlns:a16="http://schemas.microsoft.com/office/drawing/2014/main" val="10000"/>
+                    <a16:rowId xmlns:a16="http://schemas.microsoft.com/office/drawing/2014/main" xmlns="" val="10000"/>
                   </a:ext>
                 </a:extLst>
               </a:tr>
@@ -6433,7 +6470,7 @@
                 </a:tc>
                 <a:extLst>
                   <a:ext uri="{0D108BD9-81ED-4DB2-BD59-A6C34878D82A}">
-                    <a16:rowId xmlns:a16="http://schemas.microsoft.com/office/drawing/2014/main" val="10001"/>
+                    <a16:rowId xmlns:a16="http://schemas.microsoft.com/office/drawing/2014/main" xmlns="" val="10001"/>
                   </a:ext>
                 </a:extLst>
               </a:tr>
@@ -6576,7 +6613,7 @@
                 </a:tc>
                 <a:extLst>
                   <a:ext uri="{0D108BD9-81ED-4DB2-BD59-A6C34878D82A}">
-                    <a16:rowId xmlns:a16="http://schemas.microsoft.com/office/drawing/2014/main" val="10002"/>
+                    <a16:rowId xmlns:a16="http://schemas.microsoft.com/office/drawing/2014/main" xmlns="" val="10002"/>
                   </a:ext>
                 </a:extLst>
               </a:tr>
@@ -6719,7 +6756,7 @@
                 </a:tc>
                 <a:extLst>
                   <a:ext uri="{0D108BD9-81ED-4DB2-BD59-A6C34878D82A}">
-                    <a16:rowId xmlns:a16="http://schemas.microsoft.com/office/drawing/2014/main" val="10003"/>
+                    <a16:rowId xmlns:a16="http://schemas.microsoft.com/office/drawing/2014/main" xmlns="" val="10003"/>
                   </a:ext>
                 </a:extLst>
               </a:tr>
@@ -6862,7 +6899,7 @@
                 </a:tc>
                 <a:extLst>
                   <a:ext uri="{0D108BD9-81ED-4DB2-BD59-A6C34878D82A}">
-                    <a16:rowId xmlns:a16="http://schemas.microsoft.com/office/drawing/2014/main" val="10004"/>
+                    <a16:rowId xmlns:a16="http://schemas.microsoft.com/office/drawing/2014/main" xmlns="" val="10004"/>
                   </a:ext>
                 </a:extLst>
               </a:tr>
@@ -7020,7 +7057,7 @@
                 </a:tc>
                 <a:extLst>
                   <a:ext uri="{0D108BD9-81ED-4DB2-BD59-A6C34878D82A}">
-                    <a16:rowId xmlns:a16="http://schemas.microsoft.com/office/drawing/2014/main" val="10005"/>
+                    <a16:rowId xmlns:a16="http://schemas.microsoft.com/office/drawing/2014/main" xmlns="" val="10005"/>
                   </a:ext>
                 </a:extLst>
               </a:tr>
@@ -7178,7 +7215,7 @@
                 </a:tc>
                 <a:extLst>
                   <a:ext uri="{0D108BD9-81ED-4DB2-BD59-A6C34878D82A}">
-                    <a16:rowId xmlns:a16="http://schemas.microsoft.com/office/drawing/2014/main" val="10006"/>
+                    <a16:rowId xmlns:a16="http://schemas.microsoft.com/office/drawing/2014/main" xmlns="" val="10006"/>
                   </a:ext>
                 </a:extLst>
               </a:tr>
@@ -7336,7 +7373,7 @@
                 </a:tc>
                 <a:extLst>
                   <a:ext uri="{0D108BD9-81ED-4DB2-BD59-A6C34878D82A}">
-                    <a16:rowId xmlns:a16="http://schemas.microsoft.com/office/drawing/2014/main" val="10007"/>
+                    <a16:rowId xmlns:a16="http://schemas.microsoft.com/office/drawing/2014/main" xmlns="" val="10007"/>
                   </a:ext>
                 </a:extLst>
               </a:tr>
@@ -7347,7 +7384,7 @@
     </p:spTree>
     <p:extLst>
       <p:ext uri="{BB962C8B-B14F-4D97-AF65-F5344CB8AC3E}">
-        <p14:creationId xmlns:p14="http://schemas.microsoft.com/office/powerpoint/2010/main" val="912336968"/>
+        <p14:creationId xmlns:p14="http://schemas.microsoft.com/office/powerpoint/2010/main" xmlns="" val="912336968"/>
       </p:ext>
     </p:extLst>
   </p:cSld>
@@ -7355,7 +7392,7 @@
     <a:masterClrMapping/>
   </p:clrMapOvr>
   <mc:AlternateContent xmlns:mc="http://schemas.openxmlformats.org/markup-compatibility/2006">
-    <mc:Choice xmlns:p14="http://schemas.microsoft.com/office/powerpoint/2010/main" Requires="p14">
+    <mc:Choice xmlns:p14="http://schemas.microsoft.com/office/powerpoint/2010/main" xmlns="" Requires="p14">
       <p:transition spd="med" p14:dur="700">
         <p:fade/>
       </p:transition>
@@ -7621,14 +7658,14 @@
           <a:effectLst/>
           <a:extLst>
             <a:ext uri="{909E8E84-426E-40DD-AFC4-6F175D3DCCD1}">
-              <a14:hiddenFill xmlns:a14="http://schemas.microsoft.com/office/drawing/2010/main">
+              <a14:hiddenFill xmlns:a14="http://schemas.microsoft.com/office/drawing/2010/main" xmlns="">
                 <a:solidFill>
                   <a:schemeClr val="accent1"/>
                 </a:solidFill>
               </a14:hiddenFill>
             </a:ext>
             <a:ext uri="{91240B29-F687-4F45-9708-019B960494DF}">
-              <a14:hiddenLine xmlns:a14="http://schemas.microsoft.com/office/drawing/2010/main" w="9525">
+              <a14:hiddenLine xmlns:a14="http://schemas.microsoft.com/office/drawing/2010/main" xmlns="" w="9525">
                 <a:solidFill>
                   <a:srgbClr val="000000"/>
                 </a:solidFill>
@@ -7638,7 +7675,7 @@
               </a14:hiddenLine>
             </a:ext>
             <a:ext uri="{AF507438-7753-43E0-B8FC-AC1667EBCBE1}">
-              <a14:hiddenEffects xmlns:a14="http://schemas.microsoft.com/office/drawing/2010/main">
+              <a14:hiddenEffects xmlns:a14="http://schemas.microsoft.com/office/drawing/2010/main" xmlns="">
                 <a:effectLst>
                   <a:outerShdw dist="35921" dir="2700000" algn="ctr" rotWithShape="0">
                     <a:schemeClr val="bg2"/>
@@ -7708,7 +7745,7 @@
     </p:spTree>
     <p:extLst>
       <p:ext uri="{BB962C8B-B14F-4D97-AF65-F5344CB8AC3E}">
-        <p14:creationId xmlns:p14="http://schemas.microsoft.com/office/powerpoint/2010/main" val="61994813"/>
+        <p14:creationId xmlns:p14="http://schemas.microsoft.com/office/powerpoint/2010/main" xmlns="" val="61994813"/>
       </p:ext>
     </p:extLst>
   </p:cSld>
@@ -7716,7 +7753,7 @@
     <a:masterClrMapping/>
   </p:clrMapOvr>
   <mc:AlternateContent xmlns:mc="http://schemas.openxmlformats.org/markup-compatibility/2006">
-    <mc:Choice xmlns:p14="http://schemas.microsoft.com/office/powerpoint/2010/main" Requires="p14">
+    <mc:Choice xmlns:p14="http://schemas.microsoft.com/office/powerpoint/2010/main" xmlns="" Requires="p14">
       <p:transition spd="med" p14:dur="700">
         <p:fade/>
       </p:transition>
@@ -7982,14 +8019,14 @@
           <a:effectLst/>
           <a:extLst>
             <a:ext uri="{909E8E84-426E-40DD-AFC4-6F175D3DCCD1}">
-              <a14:hiddenFill xmlns:a14="http://schemas.microsoft.com/office/drawing/2010/main">
+              <a14:hiddenFill xmlns:a14="http://schemas.microsoft.com/office/drawing/2010/main" xmlns="">
                 <a:solidFill>
                   <a:schemeClr val="accent1"/>
                 </a:solidFill>
               </a14:hiddenFill>
             </a:ext>
             <a:ext uri="{91240B29-F687-4F45-9708-019B960494DF}">
-              <a14:hiddenLine xmlns:a14="http://schemas.microsoft.com/office/drawing/2010/main" w="9525">
+              <a14:hiddenLine xmlns:a14="http://schemas.microsoft.com/office/drawing/2010/main" xmlns="" w="9525">
                 <a:solidFill>
                   <a:srgbClr val="000000"/>
                 </a:solidFill>
@@ -7999,7 +8036,7 @@
               </a14:hiddenLine>
             </a:ext>
             <a:ext uri="{AF507438-7753-43E0-B8FC-AC1667EBCBE1}">
-              <a14:hiddenEffects xmlns:a14="http://schemas.microsoft.com/office/drawing/2010/main">
+              <a14:hiddenEffects xmlns:a14="http://schemas.microsoft.com/office/drawing/2010/main" xmlns="">
                 <a:effectLst>
                   <a:outerShdw dist="35921" dir="2700000" algn="ctr" rotWithShape="0">
                     <a:schemeClr val="bg2"/>
@@ -8069,7 +8106,7 @@
     </p:spTree>
     <p:extLst>
       <p:ext uri="{BB962C8B-B14F-4D97-AF65-F5344CB8AC3E}">
-        <p14:creationId xmlns:p14="http://schemas.microsoft.com/office/powerpoint/2010/main" val="247650894"/>
+        <p14:creationId xmlns:p14="http://schemas.microsoft.com/office/powerpoint/2010/main" xmlns="" val="247650894"/>
       </p:ext>
     </p:extLst>
   </p:cSld>
@@ -8077,7 +8114,7 @@
     <a:masterClrMapping/>
   </p:clrMapOvr>
   <mc:AlternateContent xmlns:mc="http://schemas.openxmlformats.org/markup-compatibility/2006">
-    <mc:Choice xmlns:p14="http://schemas.microsoft.com/office/powerpoint/2010/main" Requires="p14">
+    <mc:Choice xmlns:p14="http://schemas.microsoft.com/office/powerpoint/2010/main" xmlns="" Requires="p14">
       <p:transition spd="med" p14:dur="700">
         <p:fade/>
       </p:transition>
@@ -8343,14 +8380,14 @@
           <a:effectLst/>
           <a:extLst>
             <a:ext uri="{909E8E84-426E-40DD-AFC4-6F175D3DCCD1}">
-              <a14:hiddenFill xmlns:a14="http://schemas.microsoft.com/office/drawing/2010/main">
+              <a14:hiddenFill xmlns:a14="http://schemas.microsoft.com/office/drawing/2010/main" xmlns="">
                 <a:solidFill>
                   <a:schemeClr val="accent1"/>
                 </a:solidFill>
               </a14:hiddenFill>
             </a:ext>
             <a:ext uri="{91240B29-F687-4F45-9708-019B960494DF}">
-              <a14:hiddenLine xmlns:a14="http://schemas.microsoft.com/office/drawing/2010/main" w="9525">
+              <a14:hiddenLine xmlns:a14="http://schemas.microsoft.com/office/drawing/2010/main" xmlns="" w="9525">
                 <a:solidFill>
                   <a:srgbClr val="000000"/>
                 </a:solidFill>
@@ -8360,7 +8397,7 @@
               </a14:hiddenLine>
             </a:ext>
             <a:ext uri="{AF507438-7753-43E0-B8FC-AC1667EBCBE1}">
-              <a14:hiddenEffects xmlns:a14="http://schemas.microsoft.com/office/drawing/2010/main">
+              <a14:hiddenEffects xmlns:a14="http://schemas.microsoft.com/office/drawing/2010/main" xmlns="">
                 <a:effectLst>
                   <a:outerShdw dist="35921" dir="2700000" algn="ctr" rotWithShape="0">
                     <a:schemeClr val="bg2"/>
@@ -8439,7 +8476,7 @@
           <p:nvPr>
             <p:extLst>
               <p:ext uri="{D42A27DB-BD31-4B8C-83A1-F6EECF244321}">
-                <p14:modId xmlns:p14="http://schemas.microsoft.com/office/powerpoint/2010/main" val="3018463549"/>
+                <p14:modId xmlns:p14="http://schemas.microsoft.com/office/powerpoint/2010/main" xmlns="" val="3018463549"/>
               </p:ext>
             </p:extLst>
           </p:nvPr>
@@ -8450,62 +8487,16 @@
         </p:xfrm>
         <a:graphic>
           <a:graphicData uri="http://schemas.openxmlformats.org/presentationml/2006/ole">
-            <mc:AlternateContent xmlns:mc="http://schemas.openxmlformats.org/markup-compatibility/2006">
-              <mc:Choice xmlns:v="urn:schemas-microsoft-com:vml" Requires="v">
-                <p:oleObj spid="_x0000_s2053" name="Visio" r:id="rId4" imgW="5578235" imgH="4463378" progId="Visio.Drawing.11">
-                  <p:embed/>
-                </p:oleObj>
-              </mc:Choice>
-              <mc:Fallback>
-                <p:oleObj name="Visio" r:id="rId4" imgW="5578235" imgH="4463378" progId="Visio.Drawing.11">
-                  <p:embed/>
-                  <p:pic>
-                    <p:nvPicPr>
-                      <p:cNvPr id="47112" name="Object 8"/>
-                      <p:cNvPicPr>
-                        <a:picLocks noChangeAspect="1" noChangeArrowheads="1"/>
-                      </p:cNvPicPr>
-                      <p:nvPr/>
-                    </p:nvPicPr>
-                    <p:blipFill>
-                      <a:blip r:embed="rId5">
-                        <a:extLst>
-                          <a:ext uri="{28A0092B-C50C-407E-A947-70E740481C1C}">
-                            <a14:useLocalDpi xmlns:a14="http://schemas.microsoft.com/office/drawing/2010/main" val="0"/>
-                          </a:ext>
-                        </a:extLst>
-                      </a:blip>
-                      <a:srcRect/>
-                      <a:stretch>
-                        <a:fillRect/>
-                      </a:stretch>
-                    </p:blipFill>
-                    <p:spPr bwMode="auto">
-                      <a:xfrm>
-                        <a:off x="2210124" y="797955"/>
-                        <a:ext cx="7771752" cy="5562232"/>
-                      </a:xfrm>
-                      <a:prstGeom prst="rect">
-                        <a:avLst/>
-                      </a:prstGeom>
-                      <a:noFill/>
-                      <a:ln>
-                        <a:noFill/>
-                      </a:ln>
-                      <a:effectLst/>
-                      <a:extLst/>
-                    </p:spPr>
-                  </p:pic>
-                </p:oleObj>
-              </mc:Fallback>
-            </mc:AlternateContent>
+            <p:oleObj spid="_x0000_s2053" name="Visio" r:id="rId4" imgW="5578235" imgH="4463378" progId="Visio.Drawing.11">
+              <p:embed/>
+            </p:oleObj>
           </a:graphicData>
         </a:graphic>
       </p:graphicFrame>
     </p:spTree>
     <p:extLst>
       <p:ext uri="{BB962C8B-B14F-4D97-AF65-F5344CB8AC3E}">
-        <p14:creationId xmlns:p14="http://schemas.microsoft.com/office/powerpoint/2010/main" val="2755768059"/>
+        <p14:creationId xmlns:p14="http://schemas.microsoft.com/office/powerpoint/2010/main" xmlns="" val="2755768059"/>
       </p:ext>
     </p:extLst>
   </p:cSld>
@@ -8513,7 +8504,7 @@
     <a:masterClrMapping/>
   </p:clrMapOvr>
   <mc:AlternateContent xmlns:mc="http://schemas.openxmlformats.org/markup-compatibility/2006">
-    <mc:Choice xmlns:p14="http://schemas.microsoft.com/office/powerpoint/2010/main" Requires="p14">
+    <mc:Choice xmlns:p14="http://schemas.microsoft.com/office/powerpoint/2010/main" xmlns="" Requires="p14">
       <p:transition spd="med" p14:dur="700">
         <p:fade/>
       </p:transition>
@@ -8779,14 +8770,14 @@
           <a:effectLst/>
           <a:extLst>
             <a:ext uri="{909E8E84-426E-40DD-AFC4-6F175D3DCCD1}">
-              <a14:hiddenFill xmlns:a14="http://schemas.microsoft.com/office/drawing/2010/main">
+              <a14:hiddenFill xmlns:a14="http://schemas.microsoft.com/office/drawing/2010/main" xmlns="">
                 <a:solidFill>
                   <a:schemeClr val="accent1"/>
                 </a:solidFill>
               </a14:hiddenFill>
             </a:ext>
             <a:ext uri="{91240B29-F687-4F45-9708-019B960494DF}">
-              <a14:hiddenLine xmlns:a14="http://schemas.microsoft.com/office/drawing/2010/main" w="9525">
+              <a14:hiddenLine xmlns:a14="http://schemas.microsoft.com/office/drawing/2010/main" xmlns="" w="9525">
                 <a:solidFill>
                   <a:srgbClr val="000000"/>
                 </a:solidFill>
@@ -8796,7 +8787,7 @@
               </a14:hiddenLine>
             </a:ext>
             <a:ext uri="{AF507438-7753-43E0-B8FC-AC1667EBCBE1}">
-              <a14:hiddenEffects xmlns:a14="http://schemas.microsoft.com/office/drawing/2010/main">
+              <a14:hiddenEffects xmlns:a14="http://schemas.microsoft.com/office/drawing/2010/main" xmlns="">
                 <a:effectLst>
                   <a:outerShdw dist="35921" dir="2700000" algn="ctr" rotWithShape="0">
                     <a:schemeClr val="bg2"/>
@@ -8896,7 +8887,7 @@
     </p:spTree>
     <p:extLst>
       <p:ext uri="{BB962C8B-B14F-4D97-AF65-F5344CB8AC3E}">
-        <p14:creationId xmlns:p14="http://schemas.microsoft.com/office/powerpoint/2010/main" val="280223948"/>
+        <p14:creationId xmlns:p14="http://schemas.microsoft.com/office/powerpoint/2010/main" xmlns="" val="280223948"/>
       </p:ext>
     </p:extLst>
   </p:cSld>
@@ -8904,7 +8895,7 @@
     <a:masterClrMapping/>
   </p:clrMapOvr>
   <mc:AlternateContent xmlns:mc="http://schemas.openxmlformats.org/markup-compatibility/2006">
-    <mc:Choice xmlns:p14="http://schemas.microsoft.com/office/powerpoint/2010/main" Requires="p14">
+    <mc:Choice xmlns:p14="http://schemas.microsoft.com/office/powerpoint/2010/main" xmlns="" Requires="p14">
       <p:transition spd="med" p14:dur="700">
         <p:fade/>
       </p:transition>
@@ -9170,14 +9161,14 @@
           <a:effectLst/>
           <a:extLst>
             <a:ext uri="{909E8E84-426E-40DD-AFC4-6F175D3DCCD1}">
-              <a14:hiddenFill xmlns:a14="http://schemas.microsoft.com/office/drawing/2010/main">
+              <a14:hiddenFill xmlns:a14="http://schemas.microsoft.com/office/drawing/2010/main" xmlns="">
                 <a:solidFill>
                   <a:schemeClr val="accent1"/>
                 </a:solidFill>
               </a14:hiddenFill>
             </a:ext>
             <a:ext uri="{91240B29-F687-4F45-9708-019B960494DF}">
-              <a14:hiddenLine xmlns:a14="http://schemas.microsoft.com/office/drawing/2010/main" w="9525">
+              <a14:hiddenLine xmlns:a14="http://schemas.microsoft.com/office/drawing/2010/main" xmlns="" w="9525">
                 <a:solidFill>
                   <a:srgbClr val="000000"/>
                 </a:solidFill>
@@ -9187,7 +9178,7 @@
               </a14:hiddenLine>
             </a:ext>
             <a:ext uri="{AF507438-7753-43E0-B8FC-AC1667EBCBE1}">
-              <a14:hiddenEffects xmlns:a14="http://schemas.microsoft.com/office/drawing/2010/main">
+              <a14:hiddenEffects xmlns:a14="http://schemas.microsoft.com/office/drawing/2010/main" xmlns="">
                 <a:effectLst>
                   <a:outerShdw dist="35921" dir="2700000" algn="ctr" rotWithShape="0">
                     <a:schemeClr val="bg2"/>
@@ -9257,7 +9248,7 @@
     </p:spTree>
     <p:extLst>
       <p:ext uri="{BB962C8B-B14F-4D97-AF65-F5344CB8AC3E}">
-        <p14:creationId xmlns:p14="http://schemas.microsoft.com/office/powerpoint/2010/main" val="925551321"/>
+        <p14:creationId xmlns:p14="http://schemas.microsoft.com/office/powerpoint/2010/main" xmlns="" val="925551321"/>
       </p:ext>
     </p:extLst>
   </p:cSld>
@@ -9265,7 +9256,7 @@
     <a:masterClrMapping/>
   </p:clrMapOvr>
   <mc:AlternateContent xmlns:mc="http://schemas.openxmlformats.org/markup-compatibility/2006">
-    <mc:Choice xmlns:p14="http://schemas.microsoft.com/office/powerpoint/2010/main" Requires="p14">
+    <mc:Choice xmlns:p14="http://schemas.microsoft.com/office/powerpoint/2010/main" xmlns="" Requires="p14">
       <p:transition spd="med" p14:dur="700">
         <p:fade/>
       </p:transition>
@@ -9531,14 +9522,14 @@
           <a:effectLst/>
           <a:extLst>
             <a:ext uri="{909E8E84-426E-40DD-AFC4-6F175D3DCCD1}">
-              <a14:hiddenFill xmlns:a14="http://schemas.microsoft.com/office/drawing/2010/main">
+              <a14:hiddenFill xmlns:a14="http://schemas.microsoft.com/office/drawing/2010/main" xmlns="">
                 <a:solidFill>
                   <a:schemeClr val="accent1"/>
                 </a:solidFill>
               </a14:hiddenFill>
             </a:ext>
             <a:ext uri="{91240B29-F687-4F45-9708-019B960494DF}">
-              <a14:hiddenLine xmlns:a14="http://schemas.microsoft.com/office/drawing/2010/main" w="9525">
+              <a14:hiddenLine xmlns:a14="http://schemas.microsoft.com/office/drawing/2010/main" xmlns="" w="9525">
                 <a:solidFill>
                   <a:srgbClr val="000000"/>
                 </a:solidFill>
@@ -9548,7 +9539,7 @@
               </a14:hiddenLine>
             </a:ext>
             <a:ext uri="{AF507438-7753-43E0-B8FC-AC1667EBCBE1}">
-              <a14:hiddenEffects xmlns:a14="http://schemas.microsoft.com/office/drawing/2010/main">
+              <a14:hiddenEffects xmlns:a14="http://schemas.microsoft.com/office/drawing/2010/main" xmlns="">
                 <a:effectLst>
                   <a:outerShdw dist="35921" dir="2700000" algn="ctr" rotWithShape="0">
                     <a:schemeClr val="bg2"/>
@@ -9628,7 +9619,7 @@
     </p:spTree>
     <p:extLst>
       <p:ext uri="{BB962C8B-B14F-4D97-AF65-F5344CB8AC3E}">
-        <p14:creationId xmlns:p14="http://schemas.microsoft.com/office/powerpoint/2010/main" val="2437379121"/>
+        <p14:creationId xmlns:p14="http://schemas.microsoft.com/office/powerpoint/2010/main" xmlns="" val="2437379121"/>
       </p:ext>
     </p:extLst>
   </p:cSld>
@@ -9636,7 +9627,7 @@
     <a:masterClrMapping/>
   </p:clrMapOvr>
   <mc:AlternateContent xmlns:mc="http://schemas.openxmlformats.org/markup-compatibility/2006">
-    <mc:Choice xmlns:p14="http://schemas.microsoft.com/office/powerpoint/2010/main" Requires="p14">
+    <mc:Choice xmlns:p14="http://schemas.microsoft.com/office/powerpoint/2010/main" xmlns="" Requires="p14">
       <p:transition spd="med" p14:dur="700">
         <p:fade/>
       </p:transition>
@@ -9902,14 +9893,14 @@
           <a:effectLst/>
           <a:extLst>
             <a:ext uri="{909E8E84-426E-40DD-AFC4-6F175D3DCCD1}">
-              <a14:hiddenFill xmlns:a14="http://schemas.microsoft.com/office/drawing/2010/main">
+              <a14:hiddenFill xmlns:a14="http://schemas.microsoft.com/office/drawing/2010/main" xmlns="">
                 <a:solidFill>
                   <a:schemeClr val="accent1"/>
                 </a:solidFill>
               </a14:hiddenFill>
             </a:ext>
             <a:ext uri="{91240B29-F687-4F45-9708-019B960494DF}">
-              <a14:hiddenLine xmlns:a14="http://schemas.microsoft.com/office/drawing/2010/main" w="9525">
+              <a14:hiddenLine xmlns:a14="http://schemas.microsoft.com/office/drawing/2010/main" xmlns="" w="9525">
                 <a:solidFill>
                   <a:srgbClr val="000000"/>
                 </a:solidFill>
@@ -9919,7 +9910,7 @@
               </a14:hiddenLine>
             </a:ext>
             <a:ext uri="{AF507438-7753-43E0-B8FC-AC1667EBCBE1}">
-              <a14:hiddenEffects xmlns:a14="http://schemas.microsoft.com/office/drawing/2010/main">
+              <a14:hiddenEffects xmlns:a14="http://schemas.microsoft.com/office/drawing/2010/main" xmlns="">
                 <a:effectLst>
                   <a:outerShdw dist="35921" dir="2700000" algn="ctr" rotWithShape="0">
                     <a:schemeClr val="bg2"/>
@@ -10001,7 +9992,7 @@
           <a:blip r:embed="rId3">
             <a:extLst>
               <a:ext uri="{28A0092B-C50C-407E-A947-70E740481C1C}">
-                <a14:useLocalDpi xmlns:a14="http://schemas.microsoft.com/office/drawing/2010/main" val="0"/>
+                <a14:useLocalDpi xmlns:a14="http://schemas.microsoft.com/office/drawing/2010/main" xmlns="" val="0"/>
               </a:ext>
             </a:extLst>
           </a:blip>
@@ -10022,7 +10013,7 @@
     </p:spTree>
     <p:extLst>
       <p:ext uri="{BB962C8B-B14F-4D97-AF65-F5344CB8AC3E}">
-        <p14:creationId xmlns:p14="http://schemas.microsoft.com/office/powerpoint/2010/main" val="3559992253"/>
+        <p14:creationId xmlns:p14="http://schemas.microsoft.com/office/powerpoint/2010/main" xmlns="" val="3559992253"/>
       </p:ext>
     </p:extLst>
   </p:cSld>
@@ -10030,7 +10021,7 @@
     <a:masterClrMapping/>
   </p:clrMapOvr>
   <mc:AlternateContent xmlns:mc="http://schemas.openxmlformats.org/markup-compatibility/2006">
-    <mc:Choice xmlns:p14="http://schemas.microsoft.com/office/powerpoint/2010/main" Requires="p14">
+    <mc:Choice xmlns:p14="http://schemas.microsoft.com/office/powerpoint/2010/main" xmlns="" Requires="p14">
       <p:transition spd="med" p14:dur="700">
         <p:fade/>
       </p:transition>
@@ -10296,14 +10287,14 @@
           <a:effectLst/>
           <a:extLst>
             <a:ext uri="{909E8E84-426E-40DD-AFC4-6F175D3DCCD1}">
-              <a14:hiddenFill xmlns:a14="http://schemas.microsoft.com/office/drawing/2010/main">
+              <a14:hiddenFill xmlns:a14="http://schemas.microsoft.com/office/drawing/2010/main" xmlns="">
                 <a:solidFill>
                   <a:schemeClr val="accent1"/>
                 </a:solidFill>
               </a14:hiddenFill>
             </a:ext>
             <a:ext uri="{91240B29-F687-4F45-9708-019B960494DF}">
-              <a14:hiddenLine xmlns:a14="http://schemas.microsoft.com/office/drawing/2010/main" w="9525">
+              <a14:hiddenLine xmlns:a14="http://schemas.microsoft.com/office/drawing/2010/main" xmlns="" w="9525">
                 <a:solidFill>
                   <a:srgbClr val="000000"/>
                 </a:solidFill>
@@ -10313,7 +10304,7 @@
               </a14:hiddenLine>
             </a:ext>
             <a:ext uri="{AF507438-7753-43E0-B8FC-AC1667EBCBE1}">
-              <a14:hiddenEffects xmlns:a14="http://schemas.microsoft.com/office/drawing/2010/main">
+              <a14:hiddenEffects xmlns:a14="http://schemas.microsoft.com/office/drawing/2010/main" xmlns="">
                 <a:effectLst>
                   <a:outerShdw dist="35921" dir="2700000" algn="ctr" rotWithShape="0">
                     <a:schemeClr val="bg2"/>
@@ -10413,7 +10404,7 @@
     </p:spTree>
     <p:extLst>
       <p:ext uri="{BB962C8B-B14F-4D97-AF65-F5344CB8AC3E}">
-        <p14:creationId xmlns:p14="http://schemas.microsoft.com/office/powerpoint/2010/main" val="497684614"/>
+        <p14:creationId xmlns:p14="http://schemas.microsoft.com/office/powerpoint/2010/main" xmlns="" val="497684614"/>
       </p:ext>
     </p:extLst>
   </p:cSld>
@@ -10421,7 +10412,7 @@
     <a:masterClrMapping/>
   </p:clrMapOvr>
   <mc:AlternateContent xmlns:mc="http://schemas.openxmlformats.org/markup-compatibility/2006">
-    <mc:Choice xmlns:p14="http://schemas.microsoft.com/office/powerpoint/2010/main" Requires="p14">
+    <mc:Choice xmlns:p14="http://schemas.microsoft.com/office/powerpoint/2010/main" xmlns="" Requires="p14">
       <p:transition spd="med" p14:dur="700">
         <p:fade/>
       </p:transition>
@@ -10687,14 +10678,14 @@
           <a:effectLst/>
           <a:extLst>
             <a:ext uri="{909E8E84-426E-40DD-AFC4-6F175D3DCCD1}">
-              <a14:hiddenFill xmlns:a14="http://schemas.microsoft.com/office/drawing/2010/main">
+              <a14:hiddenFill xmlns:a14="http://schemas.microsoft.com/office/drawing/2010/main" xmlns="">
                 <a:solidFill>
                   <a:schemeClr val="accent1"/>
                 </a:solidFill>
               </a14:hiddenFill>
             </a:ext>
             <a:ext uri="{91240B29-F687-4F45-9708-019B960494DF}">
-              <a14:hiddenLine xmlns:a14="http://schemas.microsoft.com/office/drawing/2010/main" w="9525">
+              <a14:hiddenLine xmlns:a14="http://schemas.microsoft.com/office/drawing/2010/main" xmlns="" w="9525">
                 <a:solidFill>
                   <a:srgbClr val="000000"/>
                 </a:solidFill>
@@ -10704,7 +10695,7 @@
               </a14:hiddenLine>
             </a:ext>
             <a:ext uri="{AF507438-7753-43E0-B8FC-AC1667EBCBE1}">
-              <a14:hiddenEffects xmlns:a14="http://schemas.microsoft.com/office/drawing/2010/main">
+              <a14:hiddenEffects xmlns:a14="http://schemas.microsoft.com/office/drawing/2010/main" xmlns="">
                 <a:effectLst>
                   <a:outerShdw dist="35921" dir="2700000" algn="ctr" rotWithShape="0">
                     <a:schemeClr val="bg2"/>
@@ -10767,14 +10758,14 @@
           <a:effectLst/>
           <a:extLst>
             <a:ext uri="{909E8E84-426E-40DD-AFC4-6F175D3DCCD1}">
-              <a14:hiddenFill xmlns:a14="http://schemas.microsoft.com/office/drawing/2010/main">
+              <a14:hiddenFill xmlns:a14="http://schemas.microsoft.com/office/drawing/2010/main" xmlns="">
                 <a:solidFill>
                   <a:schemeClr val="accent1"/>
                 </a:solidFill>
               </a14:hiddenFill>
             </a:ext>
             <a:ext uri="{91240B29-F687-4F45-9708-019B960494DF}">
-              <a14:hiddenLine xmlns:a14="http://schemas.microsoft.com/office/drawing/2010/main" w="9525">
+              <a14:hiddenLine xmlns:a14="http://schemas.microsoft.com/office/drawing/2010/main" xmlns="" w="9525">
                 <a:solidFill>
                   <a:srgbClr val="000000"/>
                 </a:solidFill>
@@ -10784,7 +10775,7 @@
               </a14:hiddenLine>
             </a:ext>
             <a:ext uri="{AF507438-7753-43E0-B8FC-AC1667EBCBE1}">
-              <a14:hiddenEffects xmlns:a14="http://schemas.microsoft.com/office/drawing/2010/main">
+              <a14:hiddenEffects xmlns:a14="http://schemas.microsoft.com/office/drawing/2010/main" xmlns="">
                 <a:effectLst>
                   <a:outerShdw dist="35921" dir="2700000" algn="ctr" rotWithShape="0">
                     <a:schemeClr val="bg2"/>
@@ -10833,7 +10824,7 @@
           <p:nvPr>
             <p:extLst>
               <p:ext uri="{D42A27DB-BD31-4B8C-83A1-F6EECF244321}">
-                <p14:modId xmlns:p14="http://schemas.microsoft.com/office/powerpoint/2010/main" val="1423156855"/>
+                <p14:modId xmlns:p14="http://schemas.microsoft.com/office/powerpoint/2010/main" xmlns="" val="1423156855"/>
               </p:ext>
             </p:extLst>
           </p:nvPr>
@@ -10852,14 +10843,14 @@
                 <a:gridCol w="3559975">
                   <a:extLst>
                     <a:ext uri="{9D8B030D-6E8A-4147-A177-3AD203B41FA5}">
-                      <a16:colId xmlns:a16="http://schemas.microsoft.com/office/drawing/2014/main" val="1917988028"/>
+                      <a16:colId xmlns:a16="http://schemas.microsoft.com/office/drawing/2014/main" xmlns="" val="1917988028"/>
                     </a:ext>
                   </a:extLst>
                 </a:gridCol>
                 <a:gridCol w="3559975">
                   <a:extLst>
                     <a:ext uri="{9D8B030D-6E8A-4147-A177-3AD203B41FA5}">
-                      <a16:colId xmlns:a16="http://schemas.microsoft.com/office/drawing/2014/main" val="3729323425"/>
+                      <a16:colId xmlns:a16="http://schemas.microsoft.com/office/drawing/2014/main" xmlns="" val="3729323425"/>
                     </a:ext>
                   </a:extLst>
                 </a:gridCol>
@@ -11016,7 +11007,7 @@
                 </a:tc>
                 <a:extLst>
                   <a:ext uri="{0D108BD9-81ED-4DB2-BD59-A6C34878D82A}">
-                    <a16:rowId xmlns:a16="http://schemas.microsoft.com/office/drawing/2014/main" val="2172956877"/>
+                    <a16:rowId xmlns:a16="http://schemas.microsoft.com/office/drawing/2014/main" xmlns="" val="2172956877"/>
                   </a:ext>
                 </a:extLst>
               </a:tr>
@@ -11188,7 +11179,7 @@
                 </a:tc>
                 <a:extLst>
                   <a:ext uri="{0D108BD9-81ED-4DB2-BD59-A6C34878D82A}">
-                    <a16:rowId xmlns:a16="http://schemas.microsoft.com/office/drawing/2014/main" val="682714572"/>
+                    <a16:rowId xmlns:a16="http://schemas.microsoft.com/office/drawing/2014/main" xmlns="" val="682714572"/>
                   </a:ext>
                 </a:extLst>
               </a:tr>
@@ -11219,14 +11210,14 @@
           <a:effectLst/>
           <a:extLst>
             <a:ext uri="{909E8E84-426E-40DD-AFC4-6F175D3DCCD1}">
-              <a14:hiddenFill xmlns:a14="http://schemas.microsoft.com/office/drawing/2010/main">
+              <a14:hiddenFill xmlns:a14="http://schemas.microsoft.com/office/drawing/2010/main" xmlns="">
                 <a:solidFill>
                   <a:schemeClr val="accent1"/>
                 </a:solidFill>
               </a14:hiddenFill>
             </a:ext>
             <a:ext uri="{91240B29-F687-4F45-9708-019B960494DF}">
-              <a14:hiddenLine xmlns:a14="http://schemas.microsoft.com/office/drawing/2010/main" w="9525">
+              <a14:hiddenLine xmlns:a14="http://schemas.microsoft.com/office/drawing/2010/main" xmlns="" w="9525">
                 <a:solidFill>
                   <a:srgbClr val="000000"/>
                 </a:solidFill>
@@ -11236,7 +11227,7 @@
               </a14:hiddenLine>
             </a:ext>
             <a:ext uri="{AF507438-7753-43E0-B8FC-AC1667EBCBE1}">
-              <a14:hiddenEffects xmlns:a14="http://schemas.microsoft.com/office/drawing/2010/main">
+              <a14:hiddenEffects xmlns:a14="http://schemas.microsoft.com/office/drawing/2010/main" xmlns="">
                 <a:effectLst>
                   <a:outerShdw dist="35921" dir="2700000" algn="ctr" rotWithShape="0">
                     <a:schemeClr val="bg2"/>
@@ -11285,7 +11276,7 @@
           <p:nvPr>
             <p:extLst>
               <p:ext uri="{D42A27DB-BD31-4B8C-83A1-F6EECF244321}">
-                <p14:modId xmlns:p14="http://schemas.microsoft.com/office/powerpoint/2010/main" val="1867031742"/>
+                <p14:modId xmlns:p14="http://schemas.microsoft.com/office/powerpoint/2010/main" xmlns="" val="1867031742"/>
               </p:ext>
             </p:extLst>
           </p:nvPr>
@@ -11304,14 +11295,14 @@
                 <a:gridCol w="3559975">
                   <a:extLst>
                     <a:ext uri="{9D8B030D-6E8A-4147-A177-3AD203B41FA5}">
-                      <a16:colId xmlns:a16="http://schemas.microsoft.com/office/drawing/2014/main" val="1217309479"/>
+                      <a16:colId xmlns:a16="http://schemas.microsoft.com/office/drawing/2014/main" xmlns="" val="1217309479"/>
                     </a:ext>
                   </a:extLst>
                 </a:gridCol>
                 <a:gridCol w="3559975">
                   <a:extLst>
                     <a:ext uri="{9D8B030D-6E8A-4147-A177-3AD203B41FA5}">
-                      <a16:colId xmlns:a16="http://schemas.microsoft.com/office/drawing/2014/main" val="154903219"/>
+                      <a16:colId xmlns:a16="http://schemas.microsoft.com/office/drawing/2014/main" xmlns="" val="154903219"/>
                     </a:ext>
                   </a:extLst>
                 </a:gridCol>
@@ -11451,7 +11442,7 @@
                 </a:tc>
                 <a:extLst>
                   <a:ext uri="{0D108BD9-81ED-4DB2-BD59-A6C34878D82A}">
-                    <a16:rowId xmlns:a16="http://schemas.microsoft.com/office/drawing/2014/main" val="1495349994"/>
+                    <a16:rowId xmlns:a16="http://schemas.microsoft.com/office/drawing/2014/main" xmlns="" val="1495349994"/>
                   </a:ext>
                 </a:extLst>
               </a:tr>
@@ -11590,7 +11581,7 @@
                 </a:tc>
                 <a:extLst>
                   <a:ext uri="{0D108BD9-81ED-4DB2-BD59-A6C34878D82A}">
-                    <a16:rowId xmlns:a16="http://schemas.microsoft.com/office/drawing/2014/main" val="1261748631"/>
+                    <a16:rowId xmlns:a16="http://schemas.microsoft.com/office/drawing/2014/main" xmlns="" val="1261748631"/>
                   </a:ext>
                 </a:extLst>
               </a:tr>
@@ -11729,7 +11720,7 @@
                 </a:tc>
                 <a:extLst>
                   <a:ext uri="{0D108BD9-81ED-4DB2-BD59-A6C34878D82A}">
-                    <a16:rowId xmlns:a16="http://schemas.microsoft.com/office/drawing/2014/main" val="3352031540"/>
+                    <a16:rowId xmlns:a16="http://schemas.microsoft.com/office/drawing/2014/main" xmlns="" val="3352031540"/>
                   </a:ext>
                 </a:extLst>
               </a:tr>
@@ -11740,7 +11731,7 @@
     </p:spTree>
     <p:extLst>
       <p:ext uri="{BB962C8B-B14F-4D97-AF65-F5344CB8AC3E}">
-        <p14:creationId xmlns:p14="http://schemas.microsoft.com/office/powerpoint/2010/main" val="2339422705"/>
+        <p14:creationId xmlns:p14="http://schemas.microsoft.com/office/powerpoint/2010/main" xmlns="" val="2339422705"/>
       </p:ext>
     </p:extLst>
   </p:cSld>
@@ -11748,7 +11739,7 @@
     <a:masterClrMapping/>
   </p:clrMapOvr>
   <mc:AlternateContent xmlns:mc="http://schemas.openxmlformats.org/markup-compatibility/2006">
-    <mc:Choice xmlns:p14="http://schemas.microsoft.com/office/powerpoint/2010/main" Requires="p14">
+    <mc:Choice xmlns:p14="http://schemas.microsoft.com/office/powerpoint/2010/main" xmlns="" Requires="p14">
       <p:transition spd="med" p14:dur="700">
         <p:fade/>
       </p:transition>
@@ -12014,14 +12005,14 @@
           <a:effectLst/>
           <a:extLst>
             <a:ext uri="{909E8E84-426E-40DD-AFC4-6F175D3DCCD1}">
-              <a14:hiddenFill xmlns:a14="http://schemas.microsoft.com/office/drawing/2010/main">
+              <a14:hiddenFill xmlns:a14="http://schemas.microsoft.com/office/drawing/2010/main" xmlns="">
                 <a:solidFill>
                   <a:schemeClr val="accent1"/>
                 </a:solidFill>
               </a14:hiddenFill>
             </a:ext>
             <a:ext uri="{91240B29-F687-4F45-9708-019B960494DF}">
-              <a14:hiddenLine xmlns:a14="http://schemas.microsoft.com/office/drawing/2010/main" w="9525">
+              <a14:hiddenLine xmlns:a14="http://schemas.microsoft.com/office/drawing/2010/main" xmlns="" w="9525">
                 <a:solidFill>
                   <a:srgbClr val="000000"/>
                 </a:solidFill>
@@ -12031,7 +12022,7 @@
               </a14:hiddenLine>
             </a:ext>
             <a:ext uri="{AF507438-7753-43E0-B8FC-AC1667EBCBE1}">
-              <a14:hiddenEffects xmlns:a14="http://schemas.microsoft.com/office/drawing/2010/main">
+              <a14:hiddenEffects xmlns:a14="http://schemas.microsoft.com/office/drawing/2010/main" xmlns="">
                 <a:effectLst>
                   <a:outerShdw dist="35921" dir="2700000" algn="ctr" rotWithShape="0">
                     <a:schemeClr val="bg2"/>
@@ -12259,7 +12250,7 @@
     <a:masterClrMapping/>
   </p:clrMapOvr>
   <mc:AlternateContent xmlns:mc="http://schemas.openxmlformats.org/markup-compatibility/2006">
-    <mc:Choice xmlns:p14="http://schemas.microsoft.com/office/powerpoint/2010/main" Requires="p14">
+    <mc:Choice xmlns:p14="http://schemas.microsoft.com/office/powerpoint/2010/main" xmlns="" Requires="p14">
       <p:transition spd="med" p14:dur="700">
         <p:fade/>
       </p:transition>
@@ -12525,14 +12516,14 @@
           <a:effectLst/>
           <a:extLst>
             <a:ext uri="{909E8E84-426E-40DD-AFC4-6F175D3DCCD1}">
-              <a14:hiddenFill xmlns:a14="http://schemas.microsoft.com/office/drawing/2010/main">
+              <a14:hiddenFill xmlns:a14="http://schemas.microsoft.com/office/drawing/2010/main" xmlns="">
                 <a:solidFill>
                   <a:schemeClr val="accent1"/>
                 </a:solidFill>
               </a14:hiddenFill>
             </a:ext>
             <a:ext uri="{91240B29-F687-4F45-9708-019B960494DF}">
-              <a14:hiddenLine xmlns:a14="http://schemas.microsoft.com/office/drawing/2010/main" w="9525">
+              <a14:hiddenLine xmlns:a14="http://schemas.microsoft.com/office/drawing/2010/main" xmlns="" w="9525">
                 <a:solidFill>
                   <a:srgbClr val="000000"/>
                 </a:solidFill>
@@ -12542,7 +12533,7 @@
               </a14:hiddenLine>
             </a:ext>
             <a:ext uri="{AF507438-7753-43E0-B8FC-AC1667EBCBE1}">
-              <a14:hiddenEffects xmlns:a14="http://schemas.microsoft.com/office/drawing/2010/main">
+              <a14:hiddenEffects xmlns:a14="http://schemas.microsoft.com/office/drawing/2010/main" xmlns="">
                 <a:effectLst>
                   <a:outerShdw dist="35921" dir="2700000" algn="ctr" rotWithShape="0">
                     <a:schemeClr val="bg2"/>
@@ -12591,7 +12582,7 @@
           <p:nvPr>
             <p:extLst>
               <p:ext uri="{D42A27DB-BD31-4B8C-83A1-F6EECF244321}">
-                <p14:modId xmlns:p14="http://schemas.microsoft.com/office/powerpoint/2010/main" val="2037684435"/>
+                <p14:modId xmlns:p14="http://schemas.microsoft.com/office/powerpoint/2010/main" xmlns="" val="2037684435"/>
               </p:ext>
             </p:extLst>
           </p:nvPr>
@@ -12610,14 +12601,14 @@
                 <a:gridCol w="3657600">
                   <a:extLst>
                     <a:ext uri="{9D8B030D-6E8A-4147-A177-3AD203B41FA5}">
-                      <a16:colId xmlns:a16="http://schemas.microsoft.com/office/drawing/2014/main" val="4264379453"/>
+                      <a16:colId xmlns:a16="http://schemas.microsoft.com/office/drawing/2014/main" xmlns="" val="4264379453"/>
                     </a:ext>
                   </a:extLst>
                 </a:gridCol>
                 <a:gridCol w="3657600">
                   <a:extLst>
                     <a:ext uri="{9D8B030D-6E8A-4147-A177-3AD203B41FA5}">
-                      <a16:colId xmlns:a16="http://schemas.microsoft.com/office/drawing/2014/main" val="1506448846"/>
+                      <a16:colId xmlns:a16="http://schemas.microsoft.com/office/drawing/2014/main" xmlns="" val="1506448846"/>
                     </a:ext>
                   </a:extLst>
                 </a:gridCol>
@@ -12721,7 +12712,7 @@
                 </a:tc>
                 <a:extLst>
                   <a:ext uri="{0D108BD9-81ED-4DB2-BD59-A6C34878D82A}">
-                    <a16:rowId xmlns:a16="http://schemas.microsoft.com/office/drawing/2014/main" val="394480958"/>
+                    <a16:rowId xmlns:a16="http://schemas.microsoft.com/office/drawing/2014/main" xmlns="" val="394480958"/>
                   </a:ext>
                 </a:extLst>
               </a:tr>
@@ -12854,7 +12845,7 @@
                 </a:tc>
                 <a:extLst>
                   <a:ext uri="{0D108BD9-81ED-4DB2-BD59-A6C34878D82A}">
-                    <a16:rowId xmlns:a16="http://schemas.microsoft.com/office/drawing/2014/main" val="2747002359"/>
+                    <a16:rowId xmlns:a16="http://schemas.microsoft.com/office/drawing/2014/main" xmlns="" val="2747002359"/>
                   </a:ext>
                 </a:extLst>
               </a:tr>
@@ -12987,7 +12978,7 @@
                 </a:tc>
                 <a:extLst>
                   <a:ext uri="{0D108BD9-81ED-4DB2-BD59-A6C34878D82A}">
-                    <a16:rowId xmlns:a16="http://schemas.microsoft.com/office/drawing/2014/main" val="3034985427"/>
+                    <a16:rowId xmlns:a16="http://schemas.microsoft.com/office/drawing/2014/main" xmlns="" val="3034985427"/>
                   </a:ext>
                 </a:extLst>
               </a:tr>
@@ -13120,7 +13111,7 @@
                 </a:tc>
                 <a:extLst>
                   <a:ext uri="{0D108BD9-81ED-4DB2-BD59-A6C34878D82A}">
-                    <a16:rowId xmlns:a16="http://schemas.microsoft.com/office/drawing/2014/main" val="3279233416"/>
+                    <a16:rowId xmlns:a16="http://schemas.microsoft.com/office/drawing/2014/main" xmlns="" val="3279233416"/>
                   </a:ext>
                 </a:extLst>
               </a:tr>
@@ -13253,7 +13244,7 @@
                 </a:tc>
                 <a:extLst>
                   <a:ext uri="{0D108BD9-81ED-4DB2-BD59-A6C34878D82A}">
-                    <a16:rowId xmlns:a16="http://schemas.microsoft.com/office/drawing/2014/main" val="3247149291"/>
+                    <a16:rowId xmlns:a16="http://schemas.microsoft.com/office/drawing/2014/main" xmlns="" val="3247149291"/>
                   </a:ext>
                 </a:extLst>
               </a:tr>
@@ -13386,7 +13377,7 @@
                 </a:tc>
                 <a:extLst>
                   <a:ext uri="{0D108BD9-81ED-4DB2-BD59-A6C34878D82A}">
-                    <a16:rowId xmlns:a16="http://schemas.microsoft.com/office/drawing/2014/main" val="752357315"/>
+                    <a16:rowId xmlns:a16="http://schemas.microsoft.com/office/drawing/2014/main" xmlns="" val="752357315"/>
                   </a:ext>
                 </a:extLst>
               </a:tr>
@@ -13519,7 +13510,7 @@
                 </a:tc>
                 <a:extLst>
                   <a:ext uri="{0D108BD9-81ED-4DB2-BD59-A6C34878D82A}">
-                    <a16:rowId xmlns:a16="http://schemas.microsoft.com/office/drawing/2014/main" val="1498862433"/>
+                    <a16:rowId xmlns:a16="http://schemas.microsoft.com/office/drawing/2014/main" xmlns="" val="1498862433"/>
                   </a:ext>
                 </a:extLst>
               </a:tr>
@@ -13652,7 +13643,7 @@
                 </a:tc>
                 <a:extLst>
                   <a:ext uri="{0D108BD9-81ED-4DB2-BD59-A6C34878D82A}">
-                    <a16:rowId xmlns:a16="http://schemas.microsoft.com/office/drawing/2014/main" val="1568274543"/>
+                    <a16:rowId xmlns:a16="http://schemas.microsoft.com/office/drawing/2014/main" xmlns="" val="1568274543"/>
                   </a:ext>
                 </a:extLst>
               </a:tr>
@@ -13785,7 +13776,7 @@
                 </a:tc>
                 <a:extLst>
                   <a:ext uri="{0D108BD9-81ED-4DB2-BD59-A6C34878D82A}">
-                    <a16:rowId xmlns:a16="http://schemas.microsoft.com/office/drawing/2014/main" val="2212358831"/>
+                    <a16:rowId xmlns:a16="http://schemas.microsoft.com/office/drawing/2014/main" xmlns="" val="2212358831"/>
                   </a:ext>
                 </a:extLst>
               </a:tr>
@@ -13918,7 +13909,7 @@
                 </a:tc>
                 <a:extLst>
                   <a:ext uri="{0D108BD9-81ED-4DB2-BD59-A6C34878D82A}">
-                    <a16:rowId xmlns:a16="http://schemas.microsoft.com/office/drawing/2014/main" val="918519617"/>
+                    <a16:rowId xmlns:a16="http://schemas.microsoft.com/office/drawing/2014/main" xmlns="" val="918519617"/>
                   </a:ext>
                 </a:extLst>
               </a:tr>
@@ -14051,7 +14042,7 @@
                 </a:tc>
                 <a:extLst>
                   <a:ext uri="{0D108BD9-81ED-4DB2-BD59-A6C34878D82A}">
-                    <a16:rowId xmlns:a16="http://schemas.microsoft.com/office/drawing/2014/main" val="3910290785"/>
+                    <a16:rowId xmlns:a16="http://schemas.microsoft.com/office/drawing/2014/main" xmlns="" val="3910290785"/>
                   </a:ext>
                 </a:extLst>
               </a:tr>
@@ -14184,7 +14175,7 @@
                 </a:tc>
                 <a:extLst>
                   <a:ext uri="{0D108BD9-81ED-4DB2-BD59-A6C34878D82A}">
-                    <a16:rowId xmlns:a16="http://schemas.microsoft.com/office/drawing/2014/main" val="856928343"/>
+                    <a16:rowId xmlns:a16="http://schemas.microsoft.com/office/drawing/2014/main" xmlns="" val="856928343"/>
                   </a:ext>
                 </a:extLst>
               </a:tr>
@@ -14317,7 +14308,7 @@
                 </a:tc>
                 <a:extLst>
                   <a:ext uri="{0D108BD9-81ED-4DB2-BD59-A6C34878D82A}">
-                    <a16:rowId xmlns:a16="http://schemas.microsoft.com/office/drawing/2014/main" val="2383872987"/>
+                    <a16:rowId xmlns:a16="http://schemas.microsoft.com/office/drawing/2014/main" xmlns="" val="2383872987"/>
                   </a:ext>
                 </a:extLst>
               </a:tr>
@@ -14450,7 +14441,7 @@
                 </a:tc>
                 <a:extLst>
                   <a:ext uri="{0D108BD9-81ED-4DB2-BD59-A6C34878D82A}">
-                    <a16:rowId xmlns:a16="http://schemas.microsoft.com/office/drawing/2014/main" val="3460507323"/>
+                    <a16:rowId xmlns:a16="http://schemas.microsoft.com/office/drawing/2014/main" xmlns="" val="3460507323"/>
                   </a:ext>
                 </a:extLst>
               </a:tr>
@@ -14583,7 +14574,7 @@
                 </a:tc>
                 <a:extLst>
                   <a:ext uri="{0D108BD9-81ED-4DB2-BD59-A6C34878D82A}">
-                    <a16:rowId xmlns:a16="http://schemas.microsoft.com/office/drawing/2014/main" val="965256049"/>
+                    <a16:rowId xmlns:a16="http://schemas.microsoft.com/office/drawing/2014/main" xmlns="" val="965256049"/>
                   </a:ext>
                 </a:extLst>
               </a:tr>
@@ -14706,7 +14697,7 @@
                 </a:tc>
                 <a:extLst>
                   <a:ext uri="{0D108BD9-81ED-4DB2-BD59-A6C34878D82A}">
-                    <a16:rowId xmlns:a16="http://schemas.microsoft.com/office/drawing/2014/main" val="841742765"/>
+                    <a16:rowId xmlns:a16="http://schemas.microsoft.com/office/drawing/2014/main" xmlns="" val="841742765"/>
                   </a:ext>
                 </a:extLst>
               </a:tr>
@@ -14717,7 +14708,7 @@
     </p:spTree>
     <p:extLst>
       <p:ext uri="{BB962C8B-B14F-4D97-AF65-F5344CB8AC3E}">
-        <p14:creationId xmlns:p14="http://schemas.microsoft.com/office/powerpoint/2010/main" val="1815326464"/>
+        <p14:creationId xmlns:p14="http://schemas.microsoft.com/office/powerpoint/2010/main" xmlns="" val="1815326464"/>
       </p:ext>
     </p:extLst>
   </p:cSld>
@@ -14725,7 +14716,7 @@
     <a:masterClrMapping/>
   </p:clrMapOvr>
   <mc:AlternateContent xmlns:mc="http://schemas.openxmlformats.org/markup-compatibility/2006">
-    <mc:Choice xmlns:p14="http://schemas.microsoft.com/office/powerpoint/2010/main" Requires="p14">
+    <mc:Choice xmlns:p14="http://schemas.microsoft.com/office/powerpoint/2010/main" xmlns="" Requires="p14">
       <p:transition spd="med" p14:dur="700">
         <p:fade/>
       </p:transition>
@@ -14991,14 +14982,14 @@
           <a:effectLst/>
           <a:extLst>
             <a:ext uri="{909E8E84-426E-40DD-AFC4-6F175D3DCCD1}">
-              <a14:hiddenFill xmlns:a14="http://schemas.microsoft.com/office/drawing/2010/main">
+              <a14:hiddenFill xmlns:a14="http://schemas.microsoft.com/office/drawing/2010/main" xmlns="">
                 <a:solidFill>
                   <a:schemeClr val="accent1"/>
                 </a:solidFill>
               </a14:hiddenFill>
             </a:ext>
             <a:ext uri="{91240B29-F687-4F45-9708-019B960494DF}">
-              <a14:hiddenLine xmlns:a14="http://schemas.microsoft.com/office/drawing/2010/main" w="9525">
+              <a14:hiddenLine xmlns:a14="http://schemas.microsoft.com/office/drawing/2010/main" xmlns="" w="9525">
                 <a:solidFill>
                   <a:srgbClr val="000000"/>
                 </a:solidFill>
@@ -15008,7 +14999,7 @@
               </a14:hiddenLine>
             </a:ext>
             <a:ext uri="{AF507438-7753-43E0-B8FC-AC1667EBCBE1}">
-              <a14:hiddenEffects xmlns:a14="http://schemas.microsoft.com/office/drawing/2010/main">
+              <a14:hiddenEffects xmlns:a14="http://schemas.microsoft.com/office/drawing/2010/main" xmlns="">
                 <a:effectLst>
                   <a:outerShdw dist="35921" dir="2700000" algn="ctr" rotWithShape="0">
                     <a:schemeClr val="bg2"/>
@@ -15057,7 +15048,7 @@
           <p:nvPr>
             <p:extLst>
               <p:ext uri="{D42A27DB-BD31-4B8C-83A1-F6EECF244321}">
-                <p14:modId xmlns:p14="http://schemas.microsoft.com/office/powerpoint/2010/main" val="3616581185"/>
+                <p14:modId xmlns:p14="http://schemas.microsoft.com/office/powerpoint/2010/main" xmlns="" val="3616581185"/>
               </p:ext>
             </p:extLst>
           </p:nvPr>
@@ -15076,14 +15067,14 @@
                 <a:gridCol w="3657600">
                   <a:extLst>
                     <a:ext uri="{9D8B030D-6E8A-4147-A177-3AD203B41FA5}">
-                      <a16:colId xmlns:a16="http://schemas.microsoft.com/office/drawing/2014/main" val="4264379453"/>
+                      <a16:colId xmlns:a16="http://schemas.microsoft.com/office/drawing/2014/main" xmlns="" val="4264379453"/>
                     </a:ext>
                   </a:extLst>
                 </a:gridCol>
                 <a:gridCol w="3657600">
                   <a:extLst>
                     <a:ext uri="{9D8B030D-6E8A-4147-A177-3AD203B41FA5}">
-                      <a16:colId xmlns:a16="http://schemas.microsoft.com/office/drawing/2014/main" val="1506448846"/>
+                      <a16:colId xmlns:a16="http://schemas.microsoft.com/office/drawing/2014/main" xmlns="" val="1506448846"/>
                     </a:ext>
                   </a:extLst>
                 </a:gridCol>
@@ -15187,7 +15178,7 @@
                 </a:tc>
                 <a:extLst>
                   <a:ext uri="{0D108BD9-81ED-4DB2-BD59-A6C34878D82A}">
-                    <a16:rowId xmlns:a16="http://schemas.microsoft.com/office/drawing/2014/main" val="394480958"/>
+                    <a16:rowId xmlns:a16="http://schemas.microsoft.com/office/drawing/2014/main" xmlns="" val="394480958"/>
                   </a:ext>
                 </a:extLst>
               </a:tr>
@@ -15317,7 +15308,7 @@
                 </a:tc>
                 <a:extLst>
                   <a:ext uri="{0D108BD9-81ED-4DB2-BD59-A6C34878D82A}">
-                    <a16:rowId xmlns:a16="http://schemas.microsoft.com/office/drawing/2014/main" val="2747002359"/>
+                    <a16:rowId xmlns:a16="http://schemas.microsoft.com/office/drawing/2014/main" xmlns="" val="2747002359"/>
                   </a:ext>
                 </a:extLst>
               </a:tr>
@@ -15460,7 +15451,7 @@
                 </a:tc>
                 <a:extLst>
                   <a:ext uri="{0D108BD9-81ED-4DB2-BD59-A6C34878D82A}">
-                    <a16:rowId xmlns:a16="http://schemas.microsoft.com/office/drawing/2014/main" val="3034985427"/>
+                    <a16:rowId xmlns:a16="http://schemas.microsoft.com/office/drawing/2014/main" xmlns="" val="3034985427"/>
                   </a:ext>
                 </a:extLst>
               </a:tr>
@@ -15593,7 +15584,7 @@
                 </a:tc>
                 <a:extLst>
                   <a:ext uri="{0D108BD9-81ED-4DB2-BD59-A6C34878D82A}">
-                    <a16:rowId xmlns:a16="http://schemas.microsoft.com/office/drawing/2014/main" val="3279233416"/>
+                    <a16:rowId xmlns:a16="http://schemas.microsoft.com/office/drawing/2014/main" xmlns="" val="3279233416"/>
                   </a:ext>
                 </a:extLst>
               </a:tr>
@@ -15756,7 +15747,7 @@
                 </a:tc>
                 <a:extLst>
                   <a:ext uri="{0D108BD9-81ED-4DB2-BD59-A6C34878D82A}">
-                    <a16:rowId xmlns:a16="http://schemas.microsoft.com/office/drawing/2014/main" val="3247149291"/>
+                    <a16:rowId xmlns:a16="http://schemas.microsoft.com/office/drawing/2014/main" xmlns="" val="3247149291"/>
                   </a:ext>
                 </a:extLst>
               </a:tr>
@@ -15767,7 +15758,7 @@
     </p:spTree>
     <p:extLst>
       <p:ext uri="{BB962C8B-B14F-4D97-AF65-F5344CB8AC3E}">
-        <p14:creationId xmlns:p14="http://schemas.microsoft.com/office/powerpoint/2010/main" val="823855013"/>
+        <p14:creationId xmlns:p14="http://schemas.microsoft.com/office/powerpoint/2010/main" xmlns="" val="823855013"/>
       </p:ext>
     </p:extLst>
   </p:cSld>
@@ -15775,7 +15766,7 @@
     <a:masterClrMapping/>
   </p:clrMapOvr>
   <mc:AlternateContent xmlns:mc="http://schemas.openxmlformats.org/markup-compatibility/2006">
-    <mc:Choice xmlns:p14="http://schemas.microsoft.com/office/powerpoint/2010/main" Requires="p14">
+    <mc:Choice xmlns:p14="http://schemas.microsoft.com/office/powerpoint/2010/main" xmlns="" Requires="p14">
       <p:transition spd="med" p14:dur="700">
         <p:fade/>
       </p:transition>
@@ -16041,14 +16032,14 @@
           <a:effectLst/>
           <a:extLst>
             <a:ext uri="{909E8E84-426E-40DD-AFC4-6F175D3DCCD1}">
-              <a14:hiddenFill xmlns:a14="http://schemas.microsoft.com/office/drawing/2010/main">
+              <a14:hiddenFill xmlns:a14="http://schemas.microsoft.com/office/drawing/2010/main" xmlns="">
                 <a:solidFill>
                   <a:schemeClr val="accent1"/>
                 </a:solidFill>
               </a14:hiddenFill>
             </a:ext>
             <a:ext uri="{91240B29-F687-4F45-9708-019B960494DF}">
-              <a14:hiddenLine xmlns:a14="http://schemas.microsoft.com/office/drawing/2010/main" w="9525">
+              <a14:hiddenLine xmlns:a14="http://schemas.microsoft.com/office/drawing/2010/main" xmlns="" w="9525">
                 <a:solidFill>
                   <a:srgbClr val="000000"/>
                 </a:solidFill>
@@ -16058,7 +16049,7 @@
               </a14:hiddenLine>
             </a:ext>
             <a:ext uri="{AF507438-7753-43E0-B8FC-AC1667EBCBE1}">
-              <a14:hiddenEffects xmlns:a14="http://schemas.microsoft.com/office/drawing/2010/main">
+              <a14:hiddenEffects xmlns:a14="http://schemas.microsoft.com/office/drawing/2010/main" xmlns="">
                 <a:effectLst>
                   <a:outerShdw dist="35921" dir="2700000" algn="ctr" rotWithShape="0">
                     <a:schemeClr val="bg2"/>
@@ -16107,7 +16098,7 @@
           <p:nvPr>
             <p:extLst>
               <p:ext uri="{D42A27DB-BD31-4B8C-83A1-F6EECF244321}">
-                <p14:modId xmlns:p14="http://schemas.microsoft.com/office/powerpoint/2010/main" val="2065197677"/>
+                <p14:modId xmlns:p14="http://schemas.microsoft.com/office/powerpoint/2010/main" xmlns="" val="2065197677"/>
               </p:ext>
             </p:extLst>
           </p:nvPr>
@@ -16126,70 +16117,70 @@
                 <a:gridCol w="2180275">
                   <a:extLst>
                     <a:ext uri="{9D8B030D-6E8A-4147-A177-3AD203B41FA5}">
-                      <a16:colId xmlns:a16="http://schemas.microsoft.com/office/drawing/2014/main" val="2200701185"/>
+                      <a16:colId xmlns:a16="http://schemas.microsoft.com/office/drawing/2014/main" xmlns="" val="2200701185"/>
                     </a:ext>
                   </a:extLst>
                 </a:gridCol>
                 <a:gridCol w="652475">
                   <a:extLst>
                     <a:ext uri="{9D8B030D-6E8A-4147-A177-3AD203B41FA5}">
-                      <a16:colId xmlns:a16="http://schemas.microsoft.com/office/drawing/2014/main" val="188715039"/>
+                      <a16:colId xmlns:a16="http://schemas.microsoft.com/office/drawing/2014/main" xmlns="" val="188715039"/>
                     </a:ext>
                   </a:extLst>
                 </a:gridCol>
                 <a:gridCol w="652475">
                   <a:extLst>
                     <a:ext uri="{9D8B030D-6E8A-4147-A177-3AD203B41FA5}">
-                      <a16:colId xmlns:a16="http://schemas.microsoft.com/office/drawing/2014/main" val="3137885099"/>
+                      <a16:colId xmlns:a16="http://schemas.microsoft.com/office/drawing/2014/main" xmlns="" val="3137885099"/>
                     </a:ext>
                   </a:extLst>
                 </a:gridCol>
                 <a:gridCol w="652475">
                   <a:extLst>
                     <a:ext uri="{9D8B030D-6E8A-4147-A177-3AD203B41FA5}">
-                      <a16:colId xmlns:a16="http://schemas.microsoft.com/office/drawing/2014/main" val="3980135399"/>
+                      <a16:colId xmlns:a16="http://schemas.microsoft.com/office/drawing/2014/main" xmlns="" val="3980135399"/>
                     </a:ext>
                   </a:extLst>
                 </a:gridCol>
                 <a:gridCol w="652475">
                   <a:extLst>
                     <a:ext uri="{9D8B030D-6E8A-4147-A177-3AD203B41FA5}">
-                      <a16:colId xmlns:a16="http://schemas.microsoft.com/office/drawing/2014/main" val="1125503726"/>
+                      <a16:colId xmlns:a16="http://schemas.microsoft.com/office/drawing/2014/main" xmlns="" val="1125503726"/>
                     </a:ext>
                   </a:extLst>
                 </a:gridCol>
                 <a:gridCol w="652475">
                   <a:extLst>
                     <a:ext uri="{9D8B030D-6E8A-4147-A177-3AD203B41FA5}">
-                      <a16:colId xmlns:a16="http://schemas.microsoft.com/office/drawing/2014/main" val="3432629078"/>
+                      <a16:colId xmlns:a16="http://schemas.microsoft.com/office/drawing/2014/main" xmlns="" val="3432629078"/>
                     </a:ext>
                   </a:extLst>
                 </a:gridCol>
                 <a:gridCol w="652475">
                   <a:extLst>
                     <a:ext uri="{9D8B030D-6E8A-4147-A177-3AD203B41FA5}">
-                      <a16:colId xmlns:a16="http://schemas.microsoft.com/office/drawing/2014/main" val="2049378631"/>
+                      <a16:colId xmlns:a16="http://schemas.microsoft.com/office/drawing/2014/main" xmlns="" val="2049378631"/>
                     </a:ext>
                   </a:extLst>
                 </a:gridCol>
                 <a:gridCol w="652475">
                   <a:extLst>
                     <a:ext uri="{9D8B030D-6E8A-4147-A177-3AD203B41FA5}">
-                      <a16:colId xmlns:a16="http://schemas.microsoft.com/office/drawing/2014/main" val="1061470256"/>
+                      <a16:colId xmlns:a16="http://schemas.microsoft.com/office/drawing/2014/main" xmlns="" val="1061470256"/>
                     </a:ext>
                   </a:extLst>
                 </a:gridCol>
                 <a:gridCol w="652475">
                   <a:extLst>
                     <a:ext uri="{9D8B030D-6E8A-4147-A177-3AD203B41FA5}">
-                      <a16:colId xmlns:a16="http://schemas.microsoft.com/office/drawing/2014/main" val="709708192"/>
+                      <a16:colId xmlns:a16="http://schemas.microsoft.com/office/drawing/2014/main" xmlns="" val="709708192"/>
                     </a:ext>
                   </a:extLst>
                 </a:gridCol>
                 <a:gridCol w="652475">
                   <a:extLst>
                     <a:ext uri="{9D8B030D-6E8A-4147-A177-3AD203B41FA5}">
-                      <a16:colId xmlns:a16="http://schemas.microsoft.com/office/drawing/2014/main" val="1917502805"/>
+                      <a16:colId xmlns:a16="http://schemas.microsoft.com/office/drawing/2014/main" xmlns="" val="1917502805"/>
                     </a:ext>
                   </a:extLst>
                 </a:gridCol>
@@ -16332,7 +16323,7 @@
                 </a:tc>
                 <a:extLst>
                   <a:ext uri="{0D108BD9-81ED-4DB2-BD59-A6C34878D82A}">
-                    <a16:rowId xmlns:a16="http://schemas.microsoft.com/office/drawing/2014/main" val="1204517681"/>
+                    <a16:rowId xmlns:a16="http://schemas.microsoft.com/office/drawing/2014/main" xmlns="" val="1204517681"/>
                   </a:ext>
                 </a:extLst>
               </a:tr>
@@ -16649,7 +16640,7 @@
                 </a:tc>
                 <a:extLst>
                   <a:ext uri="{0D108BD9-81ED-4DB2-BD59-A6C34878D82A}">
-                    <a16:rowId xmlns:a16="http://schemas.microsoft.com/office/drawing/2014/main" val="84341876"/>
+                    <a16:rowId xmlns:a16="http://schemas.microsoft.com/office/drawing/2014/main" xmlns="" val="84341876"/>
                   </a:ext>
                 </a:extLst>
               </a:tr>
@@ -16898,7 +16889,7 @@
                 </a:tc>
                 <a:extLst>
                   <a:ext uri="{0D108BD9-81ED-4DB2-BD59-A6C34878D82A}">
-                    <a16:rowId xmlns:a16="http://schemas.microsoft.com/office/drawing/2014/main" val="524284565"/>
+                    <a16:rowId xmlns:a16="http://schemas.microsoft.com/office/drawing/2014/main" xmlns="" val="524284565"/>
                   </a:ext>
                 </a:extLst>
               </a:tr>
@@ -17147,7 +17138,7 @@
                 </a:tc>
                 <a:extLst>
                   <a:ext uri="{0D108BD9-81ED-4DB2-BD59-A6C34878D82A}">
-                    <a16:rowId xmlns:a16="http://schemas.microsoft.com/office/drawing/2014/main" val="472749382"/>
+                    <a16:rowId xmlns:a16="http://schemas.microsoft.com/office/drawing/2014/main" xmlns="" val="472749382"/>
                   </a:ext>
                 </a:extLst>
               </a:tr>
@@ -17400,7 +17391,7 @@
                 </a:tc>
                 <a:extLst>
                   <a:ext uri="{0D108BD9-81ED-4DB2-BD59-A6C34878D82A}">
-                    <a16:rowId xmlns:a16="http://schemas.microsoft.com/office/drawing/2014/main" val="3196841596"/>
+                    <a16:rowId xmlns:a16="http://schemas.microsoft.com/office/drawing/2014/main" xmlns="" val="3196841596"/>
                   </a:ext>
                 </a:extLst>
               </a:tr>
@@ -17653,7 +17644,7 @@
                 </a:tc>
                 <a:extLst>
                   <a:ext uri="{0D108BD9-81ED-4DB2-BD59-A6C34878D82A}">
-                    <a16:rowId xmlns:a16="http://schemas.microsoft.com/office/drawing/2014/main" val="2350849776"/>
+                    <a16:rowId xmlns:a16="http://schemas.microsoft.com/office/drawing/2014/main" xmlns="" val="2350849776"/>
                   </a:ext>
                 </a:extLst>
               </a:tr>
@@ -17902,7 +17893,7 @@
                 </a:tc>
                 <a:extLst>
                   <a:ext uri="{0D108BD9-81ED-4DB2-BD59-A6C34878D82A}">
-                    <a16:rowId xmlns:a16="http://schemas.microsoft.com/office/drawing/2014/main" val="4115290430"/>
+                    <a16:rowId xmlns:a16="http://schemas.microsoft.com/office/drawing/2014/main" xmlns="" val="4115290430"/>
                   </a:ext>
                 </a:extLst>
               </a:tr>
@@ -18159,7 +18150,7 @@
                 </a:tc>
                 <a:extLst>
                   <a:ext uri="{0D108BD9-81ED-4DB2-BD59-A6C34878D82A}">
-                    <a16:rowId xmlns:a16="http://schemas.microsoft.com/office/drawing/2014/main" val="3075075613"/>
+                    <a16:rowId xmlns:a16="http://schemas.microsoft.com/office/drawing/2014/main" xmlns="" val="3075075613"/>
                   </a:ext>
                 </a:extLst>
               </a:tr>
@@ -18412,7 +18403,7 @@
                 </a:tc>
                 <a:extLst>
                   <a:ext uri="{0D108BD9-81ED-4DB2-BD59-A6C34878D82A}">
-                    <a16:rowId xmlns:a16="http://schemas.microsoft.com/office/drawing/2014/main" val="3371566298"/>
+                    <a16:rowId xmlns:a16="http://schemas.microsoft.com/office/drawing/2014/main" xmlns="" val="3371566298"/>
                   </a:ext>
                 </a:extLst>
               </a:tr>
@@ -18665,7 +18656,7 @@
                 </a:tc>
                 <a:extLst>
                   <a:ext uri="{0D108BD9-81ED-4DB2-BD59-A6C34878D82A}">
-                    <a16:rowId xmlns:a16="http://schemas.microsoft.com/office/drawing/2014/main" val="724712782"/>
+                    <a16:rowId xmlns:a16="http://schemas.microsoft.com/office/drawing/2014/main" xmlns="" val="724712782"/>
                   </a:ext>
                 </a:extLst>
               </a:tr>
@@ -18914,7 +18905,7 @@
                 </a:tc>
                 <a:extLst>
                   <a:ext uri="{0D108BD9-81ED-4DB2-BD59-A6C34878D82A}">
-                    <a16:rowId xmlns:a16="http://schemas.microsoft.com/office/drawing/2014/main" val="711016638"/>
+                    <a16:rowId xmlns:a16="http://schemas.microsoft.com/office/drawing/2014/main" xmlns="" val="711016638"/>
                   </a:ext>
                 </a:extLst>
               </a:tr>
@@ -19171,7 +19162,7 @@
                 </a:tc>
                 <a:extLst>
                   <a:ext uri="{0D108BD9-81ED-4DB2-BD59-A6C34878D82A}">
-                    <a16:rowId xmlns:a16="http://schemas.microsoft.com/office/drawing/2014/main" val="2729031893"/>
+                    <a16:rowId xmlns:a16="http://schemas.microsoft.com/office/drawing/2014/main" xmlns="" val="2729031893"/>
                   </a:ext>
                 </a:extLst>
               </a:tr>
@@ -19424,7 +19415,7 @@
                 </a:tc>
                 <a:extLst>
                   <a:ext uri="{0D108BD9-81ED-4DB2-BD59-A6C34878D82A}">
-                    <a16:rowId xmlns:a16="http://schemas.microsoft.com/office/drawing/2014/main" val="1873701040"/>
+                    <a16:rowId xmlns:a16="http://schemas.microsoft.com/office/drawing/2014/main" xmlns="" val="1873701040"/>
                   </a:ext>
                 </a:extLst>
               </a:tr>
@@ -19673,7 +19664,7 @@
                 </a:tc>
                 <a:extLst>
                   <a:ext uri="{0D108BD9-81ED-4DB2-BD59-A6C34878D82A}">
-                    <a16:rowId xmlns:a16="http://schemas.microsoft.com/office/drawing/2014/main" val="3637234789"/>
+                    <a16:rowId xmlns:a16="http://schemas.microsoft.com/office/drawing/2014/main" xmlns="" val="3637234789"/>
                   </a:ext>
                 </a:extLst>
               </a:tr>
@@ -19922,7 +19913,7 @@
                 </a:tc>
                 <a:extLst>
                   <a:ext uri="{0D108BD9-81ED-4DB2-BD59-A6C34878D82A}">
-                    <a16:rowId xmlns:a16="http://schemas.microsoft.com/office/drawing/2014/main" val="1338656505"/>
+                    <a16:rowId xmlns:a16="http://schemas.microsoft.com/office/drawing/2014/main" xmlns="" val="1338656505"/>
                   </a:ext>
                 </a:extLst>
               </a:tr>
@@ -19933,7 +19924,7 @@
     </p:spTree>
     <p:extLst>
       <p:ext uri="{BB962C8B-B14F-4D97-AF65-F5344CB8AC3E}">
-        <p14:creationId xmlns:p14="http://schemas.microsoft.com/office/powerpoint/2010/main" val="439045032"/>
+        <p14:creationId xmlns:p14="http://schemas.microsoft.com/office/powerpoint/2010/main" xmlns="" val="439045032"/>
       </p:ext>
     </p:extLst>
   </p:cSld>
@@ -19941,7 +19932,7 @@
     <a:masterClrMapping/>
   </p:clrMapOvr>
   <mc:AlternateContent xmlns:mc="http://schemas.openxmlformats.org/markup-compatibility/2006">
-    <mc:Choice xmlns:p14="http://schemas.microsoft.com/office/powerpoint/2010/main" Requires="p14">
+    <mc:Choice xmlns:p14="http://schemas.microsoft.com/office/powerpoint/2010/main" xmlns="" Requires="p14">
       <p:transition spd="med" p14:dur="700">
         <p:fade/>
       </p:transition>
@@ -20483,7 +20474,7 @@
     <a:masterClrMapping/>
   </p:clrMapOvr>
   <mc:AlternateContent xmlns:mc="http://schemas.openxmlformats.org/markup-compatibility/2006">
-    <mc:Choice xmlns:p14="http://schemas.microsoft.com/office/powerpoint/2010/main" Requires="p14">
+    <mc:Choice xmlns:p14="http://schemas.microsoft.com/office/powerpoint/2010/main" xmlns="" Requires="p14">
       <p:transition spd="med" p14:dur="700">
         <p:fade/>
       </p:transition>
@@ -20749,14 +20740,14 @@
           <a:effectLst/>
           <a:extLst>
             <a:ext uri="{909E8E84-426E-40DD-AFC4-6F175D3DCCD1}">
-              <a14:hiddenFill xmlns:a14="http://schemas.microsoft.com/office/drawing/2010/main">
+              <a14:hiddenFill xmlns:a14="http://schemas.microsoft.com/office/drawing/2010/main" xmlns="">
                 <a:solidFill>
                   <a:schemeClr val="accent1"/>
                 </a:solidFill>
               </a14:hiddenFill>
             </a:ext>
             <a:ext uri="{91240B29-F687-4F45-9708-019B960494DF}">
-              <a14:hiddenLine xmlns:a14="http://schemas.microsoft.com/office/drawing/2010/main" w="9525">
+              <a14:hiddenLine xmlns:a14="http://schemas.microsoft.com/office/drawing/2010/main" xmlns="" w="9525">
                 <a:solidFill>
                   <a:srgbClr val="000000"/>
                 </a:solidFill>
@@ -20766,7 +20757,7 @@
               </a14:hiddenLine>
             </a:ext>
             <a:ext uri="{AF507438-7753-43E0-B8FC-AC1667EBCBE1}">
-              <a14:hiddenEffects xmlns:a14="http://schemas.microsoft.com/office/drawing/2010/main">
+              <a14:hiddenEffects xmlns:a14="http://schemas.microsoft.com/office/drawing/2010/main" xmlns="">
                 <a:effectLst>
                   <a:outerShdw dist="35921" dir="2700000" algn="ctr" rotWithShape="0">
                     <a:schemeClr val="bg2"/>
@@ -20929,7 +20920,7 @@
     </p:spTree>
     <p:extLst>
       <p:ext uri="{BB962C8B-B14F-4D97-AF65-F5344CB8AC3E}">
-        <p14:creationId xmlns:p14="http://schemas.microsoft.com/office/powerpoint/2010/main" val="1644636071"/>
+        <p14:creationId xmlns:p14="http://schemas.microsoft.com/office/powerpoint/2010/main" xmlns="" val="1644636071"/>
       </p:ext>
     </p:extLst>
   </p:cSld>
@@ -20937,7 +20928,7 @@
     <a:masterClrMapping/>
   </p:clrMapOvr>
   <mc:AlternateContent xmlns:mc="http://schemas.openxmlformats.org/markup-compatibility/2006">
-    <mc:Choice xmlns:p14="http://schemas.microsoft.com/office/powerpoint/2010/main" Requires="p14">
+    <mc:Choice xmlns:p14="http://schemas.microsoft.com/office/powerpoint/2010/main" xmlns="" Requires="p14">
       <p:transition spd="med" p14:dur="700">
         <p:fade/>
       </p:transition>
@@ -21203,14 +21194,14 @@
           <a:effectLst/>
           <a:extLst>
             <a:ext uri="{909E8E84-426E-40DD-AFC4-6F175D3DCCD1}">
-              <a14:hiddenFill xmlns:a14="http://schemas.microsoft.com/office/drawing/2010/main">
+              <a14:hiddenFill xmlns:a14="http://schemas.microsoft.com/office/drawing/2010/main" xmlns="">
                 <a:solidFill>
                   <a:schemeClr val="accent1"/>
                 </a:solidFill>
               </a14:hiddenFill>
             </a:ext>
             <a:ext uri="{91240B29-F687-4F45-9708-019B960494DF}">
-              <a14:hiddenLine xmlns:a14="http://schemas.microsoft.com/office/drawing/2010/main" w="9525">
+              <a14:hiddenLine xmlns:a14="http://schemas.microsoft.com/office/drawing/2010/main" xmlns="" w="9525">
                 <a:solidFill>
                   <a:srgbClr val="000000"/>
                 </a:solidFill>
@@ -21220,7 +21211,7 @@
               </a14:hiddenLine>
             </a:ext>
             <a:ext uri="{AF507438-7753-43E0-B8FC-AC1667EBCBE1}">
-              <a14:hiddenEffects xmlns:a14="http://schemas.microsoft.com/office/drawing/2010/main">
+              <a14:hiddenEffects xmlns:a14="http://schemas.microsoft.com/office/drawing/2010/main" xmlns="">
                 <a:effectLst>
                   <a:outerShdw dist="35921" dir="2700000" algn="ctr" rotWithShape="0">
                     <a:schemeClr val="bg2"/>
@@ -21290,7 +21281,7 @@
     </p:spTree>
     <p:extLst>
       <p:ext uri="{BB962C8B-B14F-4D97-AF65-F5344CB8AC3E}">
-        <p14:creationId xmlns:p14="http://schemas.microsoft.com/office/powerpoint/2010/main" val="867695991"/>
+        <p14:creationId xmlns:p14="http://schemas.microsoft.com/office/powerpoint/2010/main" xmlns="" val="867695991"/>
       </p:ext>
     </p:extLst>
   </p:cSld>
@@ -21298,7 +21289,7 @@
     <a:masterClrMapping/>
   </p:clrMapOvr>
   <mc:AlternateContent xmlns:mc="http://schemas.openxmlformats.org/markup-compatibility/2006">
-    <mc:Choice xmlns:p14="http://schemas.microsoft.com/office/powerpoint/2010/main" Requires="p14">
+    <mc:Choice xmlns:p14="http://schemas.microsoft.com/office/powerpoint/2010/main" xmlns="" Requires="p14">
       <p:transition spd="med" p14:dur="700">
         <p:fade/>
       </p:transition>
@@ -21564,14 +21555,14 @@
           <a:effectLst/>
           <a:extLst>
             <a:ext uri="{909E8E84-426E-40DD-AFC4-6F175D3DCCD1}">
-              <a14:hiddenFill xmlns:a14="http://schemas.microsoft.com/office/drawing/2010/main">
+              <a14:hiddenFill xmlns:a14="http://schemas.microsoft.com/office/drawing/2010/main" xmlns="">
                 <a:solidFill>
                   <a:schemeClr val="accent1"/>
                 </a:solidFill>
               </a14:hiddenFill>
             </a:ext>
             <a:ext uri="{91240B29-F687-4F45-9708-019B960494DF}">
-              <a14:hiddenLine xmlns:a14="http://schemas.microsoft.com/office/drawing/2010/main" w="9525">
+              <a14:hiddenLine xmlns:a14="http://schemas.microsoft.com/office/drawing/2010/main" xmlns="" w="9525">
                 <a:solidFill>
                   <a:srgbClr val="000000"/>
                 </a:solidFill>
@@ -21581,7 +21572,7 @@
               </a14:hiddenLine>
             </a:ext>
             <a:ext uri="{AF507438-7753-43E0-B8FC-AC1667EBCBE1}">
-              <a14:hiddenEffects xmlns:a14="http://schemas.microsoft.com/office/drawing/2010/main">
+              <a14:hiddenEffects xmlns:a14="http://schemas.microsoft.com/office/drawing/2010/main" xmlns="">
                 <a:effectLst>
                   <a:outerShdw dist="35921" dir="2700000" algn="ctr" rotWithShape="0">
                     <a:schemeClr val="bg2"/>
@@ -21651,7 +21642,7 @@
     </p:spTree>
     <p:extLst>
       <p:ext uri="{BB962C8B-B14F-4D97-AF65-F5344CB8AC3E}">
-        <p14:creationId xmlns:p14="http://schemas.microsoft.com/office/powerpoint/2010/main" val="3849173115"/>
+        <p14:creationId xmlns:p14="http://schemas.microsoft.com/office/powerpoint/2010/main" xmlns="" val="3849173115"/>
       </p:ext>
     </p:extLst>
   </p:cSld>
@@ -21659,7 +21650,7 @@
     <a:masterClrMapping/>
   </p:clrMapOvr>
   <mc:AlternateContent xmlns:mc="http://schemas.openxmlformats.org/markup-compatibility/2006">
-    <mc:Choice xmlns:p14="http://schemas.microsoft.com/office/powerpoint/2010/main" Requires="p14">
+    <mc:Choice xmlns:p14="http://schemas.microsoft.com/office/powerpoint/2010/main" xmlns="" Requires="p14">
       <p:transition spd="med" p14:dur="700">
         <p:fade/>
       </p:transition>
@@ -21925,14 +21916,14 @@
           <a:effectLst/>
           <a:extLst>
             <a:ext uri="{909E8E84-426E-40DD-AFC4-6F175D3DCCD1}">
-              <a14:hiddenFill xmlns:a14="http://schemas.microsoft.com/office/drawing/2010/main">
+              <a14:hiddenFill xmlns:a14="http://schemas.microsoft.com/office/drawing/2010/main" xmlns="">
                 <a:solidFill>
                   <a:schemeClr val="accent1"/>
                 </a:solidFill>
               </a14:hiddenFill>
             </a:ext>
             <a:ext uri="{91240B29-F687-4F45-9708-019B960494DF}">
-              <a14:hiddenLine xmlns:a14="http://schemas.microsoft.com/office/drawing/2010/main" w="9525">
+              <a14:hiddenLine xmlns:a14="http://schemas.microsoft.com/office/drawing/2010/main" xmlns="" w="9525">
                 <a:solidFill>
                   <a:srgbClr val="000000"/>
                 </a:solidFill>
@@ -21942,7 +21933,7 @@
               </a14:hiddenLine>
             </a:ext>
             <a:ext uri="{AF507438-7753-43E0-B8FC-AC1667EBCBE1}">
-              <a14:hiddenEffects xmlns:a14="http://schemas.microsoft.com/office/drawing/2010/main">
+              <a14:hiddenEffects xmlns:a14="http://schemas.microsoft.com/office/drawing/2010/main" xmlns="">
                 <a:effectLst>
                   <a:outerShdw dist="35921" dir="2700000" algn="ctr" rotWithShape="0">
                     <a:schemeClr val="bg2"/>
@@ -22099,14 +22090,14 @@
           <a:effectLst/>
           <a:extLst>
             <a:ext uri="{909E8E84-426E-40DD-AFC4-6F175D3DCCD1}">
-              <a14:hiddenFill xmlns:a14="http://schemas.microsoft.com/office/drawing/2010/main">
+              <a14:hiddenFill xmlns:a14="http://schemas.microsoft.com/office/drawing/2010/main" xmlns="">
                 <a:solidFill>
                   <a:schemeClr val="accent1"/>
                 </a:solidFill>
               </a14:hiddenFill>
             </a:ext>
             <a:ext uri="{91240B29-F687-4F45-9708-019B960494DF}">
-              <a14:hiddenLine xmlns:a14="http://schemas.microsoft.com/office/drawing/2010/main" w="9525">
+              <a14:hiddenLine xmlns:a14="http://schemas.microsoft.com/office/drawing/2010/main" xmlns="" w="9525">
                 <a:solidFill>
                   <a:srgbClr val="000000"/>
                 </a:solidFill>
@@ -22116,7 +22107,7 @@
               </a14:hiddenLine>
             </a:ext>
             <a:ext uri="{AF507438-7753-43E0-B8FC-AC1667EBCBE1}">
-              <a14:hiddenEffects xmlns:a14="http://schemas.microsoft.com/office/drawing/2010/main">
+              <a14:hiddenEffects xmlns:a14="http://schemas.microsoft.com/office/drawing/2010/main" xmlns="">
                 <a:effectLst>
                   <a:outerShdw dist="35921" dir="2700000" algn="ctr" rotWithShape="0">
                     <a:schemeClr val="bg2"/>
@@ -22179,14 +22170,14 @@
           <a:effectLst/>
           <a:extLst>
             <a:ext uri="{909E8E84-426E-40DD-AFC4-6F175D3DCCD1}">
-              <a14:hiddenFill xmlns:a14="http://schemas.microsoft.com/office/drawing/2010/main">
+              <a14:hiddenFill xmlns:a14="http://schemas.microsoft.com/office/drawing/2010/main" xmlns="">
                 <a:solidFill>
                   <a:schemeClr val="accent1"/>
                 </a:solidFill>
               </a14:hiddenFill>
             </a:ext>
             <a:ext uri="{91240B29-F687-4F45-9708-019B960494DF}">
-              <a14:hiddenLine xmlns:a14="http://schemas.microsoft.com/office/drawing/2010/main" w="9525">
+              <a14:hiddenLine xmlns:a14="http://schemas.microsoft.com/office/drawing/2010/main" xmlns="" w="9525">
                 <a:solidFill>
                   <a:srgbClr val="000000"/>
                 </a:solidFill>
@@ -22196,7 +22187,7 @@
               </a14:hiddenLine>
             </a:ext>
             <a:ext uri="{AF507438-7753-43E0-B8FC-AC1667EBCBE1}">
-              <a14:hiddenEffects xmlns:a14="http://schemas.microsoft.com/office/drawing/2010/main">
+              <a14:hiddenEffects xmlns:a14="http://schemas.microsoft.com/office/drawing/2010/main" xmlns="">
                 <a:effectLst>
                   <a:outerShdw dist="35921" dir="2700000" algn="ctr" rotWithShape="0">
                     <a:schemeClr val="bg2"/>
@@ -22315,7 +22306,7 @@
     </p:spTree>
     <p:extLst>
       <p:ext uri="{BB962C8B-B14F-4D97-AF65-F5344CB8AC3E}">
-        <p14:creationId xmlns:p14="http://schemas.microsoft.com/office/powerpoint/2010/main" val="2168218195"/>
+        <p14:creationId xmlns:p14="http://schemas.microsoft.com/office/powerpoint/2010/main" xmlns="" val="2168218195"/>
       </p:ext>
     </p:extLst>
   </p:cSld>
@@ -22323,7 +22314,7 @@
     <a:masterClrMapping/>
   </p:clrMapOvr>
   <mc:AlternateContent xmlns:mc="http://schemas.openxmlformats.org/markup-compatibility/2006">
-    <mc:Choice xmlns:p14="http://schemas.microsoft.com/office/powerpoint/2010/main" Requires="p14">
+    <mc:Choice xmlns:p14="http://schemas.microsoft.com/office/powerpoint/2010/main" xmlns="" Requires="p14">
       <p:transition spd="med" p14:dur="700">
         <p:fade/>
       </p:transition>
@@ -22589,14 +22580,14 @@
           <a:effectLst/>
           <a:extLst>
             <a:ext uri="{909E8E84-426E-40DD-AFC4-6F175D3DCCD1}">
-              <a14:hiddenFill xmlns:a14="http://schemas.microsoft.com/office/drawing/2010/main">
+              <a14:hiddenFill xmlns:a14="http://schemas.microsoft.com/office/drawing/2010/main" xmlns="">
                 <a:solidFill>
                   <a:schemeClr val="accent1"/>
                 </a:solidFill>
               </a14:hiddenFill>
             </a:ext>
             <a:ext uri="{91240B29-F687-4F45-9708-019B960494DF}">
-              <a14:hiddenLine xmlns:a14="http://schemas.microsoft.com/office/drawing/2010/main" w="9525">
+              <a14:hiddenLine xmlns:a14="http://schemas.microsoft.com/office/drawing/2010/main" xmlns="" w="9525">
                 <a:solidFill>
                   <a:srgbClr val="000000"/>
                 </a:solidFill>
@@ -22606,7 +22597,7 @@
               </a14:hiddenLine>
             </a:ext>
             <a:ext uri="{AF507438-7753-43E0-B8FC-AC1667EBCBE1}">
-              <a14:hiddenEffects xmlns:a14="http://schemas.microsoft.com/office/drawing/2010/main">
+              <a14:hiddenEffects xmlns:a14="http://schemas.microsoft.com/office/drawing/2010/main" xmlns="">
                 <a:effectLst>
                   <a:outerShdw dist="35921" dir="2700000" algn="ctr" rotWithShape="0">
                     <a:schemeClr val="bg2"/>
@@ -22653,7 +22644,7 @@
           <p:nvPr>
             <p:extLst>
               <p:ext uri="{D42A27DB-BD31-4B8C-83A1-F6EECF244321}">
-                <p14:modId xmlns:p14="http://schemas.microsoft.com/office/powerpoint/2010/main" val="322046238"/>
+                <p14:modId xmlns:p14="http://schemas.microsoft.com/office/powerpoint/2010/main" xmlns="" val="322046238"/>
               </p:ext>
             </p:extLst>
           </p:nvPr>
@@ -22672,14 +22663,14 @@
                 <a:gridCol w="4865588">
                   <a:extLst>
                     <a:ext uri="{9D8B030D-6E8A-4147-A177-3AD203B41FA5}">
-                      <a16:colId xmlns:a16="http://schemas.microsoft.com/office/drawing/2014/main" val="20000"/>
+                      <a16:colId xmlns:a16="http://schemas.microsoft.com/office/drawing/2014/main" xmlns="" val="20000"/>
                     </a:ext>
                   </a:extLst>
                 </a:gridCol>
                 <a:gridCol w="5967220">
                   <a:extLst>
                     <a:ext uri="{9D8B030D-6E8A-4147-A177-3AD203B41FA5}">
-                      <a16:colId xmlns:a16="http://schemas.microsoft.com/office/drawing/2014/main" val="20001"/>
+                      <a16:colId xmlns:a16="http://schemas.microsoft.com/office/drawing/2014/main" xmlns="" val="20001"/>
                     </a:ext>
                   </a:extLst>
                 </a:gridCol>
@@ -22749,7 +22740,7 @@
                 </a:tc>
                 <a:extLst>
                   <a:ext uri="{0D108BD9-81ED-4DB2-BD59-A6C34878D82A}">
-                    <a16:rowId xmlns:a16="http://schemas.microsoft.com/office/drawing/2014/main" val="10000"/>
+                    <a16:rowId xmlns:a16="http://schemas.microsoft.com/office/drawing/2014/main" xmlns="" val="10000"/>
                   </a:ext>
                 </a:extLst>
               </a:tr>
@@ -22824,7 +22815,7 @@
                 </a:tc>
                 <a:extLst>
                   <a:ext uri="{0D108BD9-81ED-4DB2-BD59-A6C34878D82A}">
-                    <a16:rowId xmlns:a16="http://schemas.microsoft.com/office/drawing/2014/main" val="10001"/>
+                    <a16:rowId xmlns:a16="http://schemas.microsoft.com/office/drawing/2014/main" xmlns="" val="10001"/>
                   </a:ext>
                 </a:extLst>
               </a:tr>
@@ -22899,7 +22890,7 @@
                 </a:tc>
                 <a:extLst>
                   <a:ext uri="{0D108BD9-81ED-4DB2-BD59-A6C34878D82A}">
-                    <a16:rowId xmlns:a16="http://schemas.microsoft.com/office/drawing/2014/main" val="10002"/>
+                    <a16:rowId xmlns:a16="http://schemas.microsoft.com/office/drawing/2014/main" xmlns="" val="10002"/>
                   </a:ext>
                 </a:extLst>
               </a:tr>
@@ -22974,7 +22965,7 @@
                 </a:tc>
                 <a:extLst>
                   <a:ext uri="{0D108BD9-81ED-4DB2-BD59-A6C34878D82A}">
-                    <a16:rowId xmlns:a16="http://schemas.microsoft.com/office/drawing/2014/main" val="10003"/>
+                    <a16:rowId xmlns:a16="http://schemas.microsoft.com/office/drawing/2014/main" xmlns="" val="10003"/>
                   </a:ext>
                 </a:extLst>
               </a:tr>
@@ -23049,7 +23040,7 @@
                 </a:tc>
                 <a:extLst>
                   <a:ext uri="{0D108BD9-81ED-4DB2-BD59-A6C34878D82A}">
-                    <a16:rowId xmlns:a16="http://schemas.microsoft.com/office/drawing/2014/main" val="10004"/>
+                    <a16:rowId xmlns:a16="http://schemas.microsoft.com/office/drawing/2014/main" xmlns="" val="10004"/>
                   </a:ext>
                 </a:extLst>
               </a:tr>
@@ -23118,7 +23109,7 @@
                 </a:tc>
                 <a:extLst>
                   <a:ext uri="{0D108BD9-81ED-4DB2-BD59-A6C34878D82A}">
-                    <a16:rowId xmlns:a16="http://schemas.microsoft.com/office/drawing/2014/main" val="10005"/>
+                    <a16:rowId xmlns:a16="http://schemas.microsoft.com/office/drawing/2014/main" xmlns="" val="10005"/>
                   </a:ext>
                 </a:extLst>
               </a:tr>
@@ -23187,7 +23178,7 @@
                 </a:tc>
                 <a:extLst>
                   <a:ext uri="{0D108BD9-81ED-4DB2-BD59-A6C34878D82A}">
-                    <a16:rowId xmlns:a16="http://schemas.microsoft.com/office/drawing/2014/main" val="10006"/>
+                    <a16:rowId xmlns:a16="http://schemas.microsoft.com/office/drawing/2014/main" xmlns="" val="10006"/>
                   </a:ext>
                 </a:extLst>
               </a:tr>
@@ -23198,7 +23189,7 @@
     </p:spTree>
     <p:extLst>
       <p:ext uri="{BB962C8B-B14F-4D97-AF65-F5344CB8AC3E}">
-        <p14:creationId xmlns:p14="http://schemas.microsoft.com/office/powerpoint/2010/main" val="704978189"/>
+        <p14:creationId xmlns:p14="http://schemas.microsoft.com/office/powerpoint/2010/main" xmlns="" val="704978189"/>
       </p:ext>
     </p:extLst>
   </p:cSld>
@@ -23206,7 +23197,7 @@
     <a:masterClrMapping/>
   </p:clrMapOvr>
   <mc:AlternateContent xmlns:mc="http://schemas.openxmlformats.org/markup-compatibility/2006">
-    <mc:Choice xmlns:p14="http://schemas.microsoft.com/office/powerpoint/2010/main" Requires="p14">
+    <mc:Choice xmlns:p14="http://schemas.microsoft.com/office/powerpoint/2010/main" xmlns="" Requires="p14">
       <p:transition spd="med" p14:dur="700">
         <p:fade/>
       </p:transition>
@@ -23472,14 +23463,14 @@
           <a:effectLst/>
           <a:extLst>
             <a:ext uri="{909E8E84-426E-40DD-AFC4-6F175D3DCCD1}">
-              <a14:hiddenFill xmlns:a14="http://schemas.microsoft.com/office/drawing/2010/main">
+              <a14:hiddenFill xmlns:a14="http://schemas.microsoft.com/office/drawing/2010/main" xmlns="">
                 <a:solidFill>
                   <a:schemeClr val="accent1"/>
                 </a:solidFill>
               </a14:hiddenFill>
             </a:ext>
             <a:ext uri="{91240B29-F687-4F45-9708-019B960494DF}">
-              <a14:hiddenLine xmlns:a14="http://schemas.microsoft.com/office/drawing/2010/main" w="9525">
+              <a14:hiddenLine xmlns:a14="http://schemas.microsoft.com/office/drawing/2010/main" xmlns="" w="9525">
                 <a:solidFill>
                   <a:srgbClr val="000000"/>
                 </a:solidFill>
@@ -23489,7 +23480,7 @@
               </a14:hiddenLine>
             </a:ext>
             <a:ext uri="{AF507438-7753-43E0-B8FC-AC1667EBCBE1}">
-              <a14:hiddenEffects xmlns:a14="http://schemas.microsoft.com/office/drawing/2010/main">
+              <a14:hiddenEffects xmlns:a14="http://schemas.microsoft.com/office/drawing/2010/main" xmlns="">
                 <a:effectLst>
                   <a:outerShdw dist="35921" dir="2700000" algn="ctr" rotWithShape="0">
                     <a:schemeClr val="bg2"/>
@@ -23544,8 +23535,8 @@
         </p:blipFill>
         <p:spPr>
           <a:xfrm>
-            <a:off x="611917" y="802175"/>
-            <a:ext cx="10747982" cy="5291750"/>
+            <a:off x="3958225" y="827228"/>
+            <a:ext cx="7653403" cy="5172740"/>
           </a:xfrm>
           <a:prstGeom prst="rect">
             <a:avLst/>
@@ -23556,10 +23547,43 @@
           </a:ln>
         </p:spPr>
       </p:pic>
+      <p:pic>
+        <p:nvPicPr>
+          <p:cNvPr id="3074" name="Picture 2"/>
+          <p:cNvPicPr>
+            <a:picLocks noChangeAspect="1" noChangeArrowheads="1"/>
+          </p:cNvPicPr>
+          <p:nvPr/>
+        </p:nvPicPr>
+        <p:blipFill>
+          <a:blip r:embed="rId4"/>
+          <a:srcRect/>
+          <a:stretch>
+            <a:fillRect/>
+          </a:stretch>
+        </p:blipFill>
+        <p:spPr bwMode="auto">
+          <a:xfrm>
+            <a:off x="537380" y="554929"/>
+            <a:ext cx="3000375" cy="5848350"/>
+          </a:xfrm>
+          <a:prstGeom prst="rect">
+            <a:avLst/>
+          </a:prstGeom>
+          <a:noFill/>
+          <a:ln w="9525">
+            <a:noFill/>
+            <a:miter lim="800000"/>
+            <a:headEnd/>
+            <a:tailEnd/>
+          </a:ln>
+          <a:effectLst/>
+        </p:spPr>
+      </p:pic>
     </p:spTree>
     <p:extLst>
       <p:ext uri="{BB962C8B-B14F-4D97-AF65-F5344CB8AC3E}">
-        <p14:creationId xmlns:p14="http://schemas.microsoft.com/office/powerpoint/2010/main" val="3518731879"/>
+        <p14:creationId xmlns:p14="http://schemas.microsoft.com/office/powerpoint/2010/main" xmlns="" val="3518731879"/>
       </p:ext>
     </p:extLst>
   </p:cSld>
@@ -23567,7 +23591,7 @@
     <a:masterClrMapping/>
   </p:clrMapOvr>
   <mc:AlternateContent xmlns:mc="http://schemas.openxmlformats.org/markup-compatibility/2006">
-    <mc:Choice xmlns:p14="http://schemas.microsoft.com/office/powerpoint/2010/main" Requires="p14">
+    <mc:Choice xmlns:p14="http://schemas.microsoft.com/office/powerpoint/2010/main" xmlns="" Requires="p14">
       <p:transition spd="med" p14:dur="700">
         <p:fade/>
       </p:transition>
@@ -23833,14 +23857,14 @@
           <a:effectLst/>
           <a:extLst>
             <a:ext uri="{909E8E84-426E-40DD-AFC4-6F175D3DCCD1}">
-              <a14:hiddenFill xmlns:a14="http://schemas.microsoft.com/office/drawing/2010/main">
+              <a14:hiddenFill xmlns:a14="http://schemas.microsoft.com/office/drawing/2010/main" xmlns="">
                 <a:solidFill>
                   <a:schemeClr val="accent1"/>
                 </a:solidFill>
               </a14:hiddenFill>
             </a:ext>
             <a:ext uri="{91240B29-F687-4F45-9708-019B960494DF}">
-              <a14:hiddenLine xmlns:a14="http://schemas.microsoft.com/office/drawing/2010/main" w="9525">
+              <a14:hiddenLine xmlns:a14="http://schemas.microsoft.com/office/drawing/2010/main" xmlns="" w="9525">
                 <a:solidFill>
                   <a:srgbClr val="000000"/>
                 </a:solidFill>
@@ -23850,7 +23874,7 @@
               </a14:hiddenLine>
             </a:ext>
             <a:ext uri="{AF507438-7753-43E0-B8FC-AC1667EBCBE1}">
-              <a14:hiddenEffects xmlns:a14="http://schemas.microsoft.com/office/drawing/2010/main">
+              <a14:hiddenEffects xmlns:a14="http://schemas.microsoft.com/office/drawing/2010/main" xmlns="">
                 <a:effectLst>
                   <a:outerShdw dist="35921" dir="2700000" algn="ctr" rotWithShape="0">
                     <a:schemeClr val="bg2"/>
@@ -23909,7 +23933,7 @@
           <p:nvPr>
             <p:extLst>
               <p:ext uri="{D42A27DB-BD31-4B8C-83A1-F6EECF244321}">
-                <p14:modId xmlns:p14="http://schemas.microsoft.com/office/powerpoint/2010/main" val="1132618038"/>
+                <p14:modId xmlns:p14="http://schemas.microsoft.com/office/powerpoint/2010/main" xmlns="" val="1132618038"/>
               </p:ext>
             </p:extLst>
           </p:nvPr>
@@ -23920,62 +23944,16 @@
         </p:xfrm>
         <a:graphic>
           <a:graphicData uri="http://schemas.openxmlformats.org/presentationml/2006/ole">
-            <mc:AlternateContent xmlns:mc="http://schemas.openxmlformats.org/markup-compatibility/2006">
-              <mc:Choice xmlns:v="urn:schemas-microsoft-com:vml" Requires="v">
-                <p:oleObj spid="_x0000_s1029" name="Visio" r:id="rId4" imgW="5821153" imgH="4370556" progId="Visio.Drawing.11">
-                  <p:embed/>
-                </p:oleObj>
-              </mc:Choice>
-              <mc:Fallback>
-                <p:oleObj name="Visio" r:id="rId4" imgW="5821153" imgH="4370556" progId="Visio.Drawing.11">
-                  <p:embed/>
-                  <p:pic>
-                    <p:nvPicPr>
-                      <p:cNvPr id="21508" name="Object 4"/>
-                      <p:cNvPicPr>
-                        <a:picLocks noChangeAspect="1" noChangeArrowheads="1"/>
-                      </p:cNvPicPr>
-                      <p:nvPr/>
-                    </p:nvPicPr>
-                    <p:blipFill>
-                      <a:blip r:embed="rId5">
-                        <a:extLst>
-                          <a:ext uri="{28A0092B-C50C-407E-A947-70E740481C1C}">
-                            <a14:useLocalDpi xmlns:a14="http://schemas.microsoft.com/office/drawing/2010/main" val="0"/>
-                          </a:ext>
-                        </a:extLst>
-                      </a:blip>
-                      <a:srcRect/>
-                      <a:stretch>
-                        <a:fillRect/>
-                      </a:stretch>
-                    </p:blipFill>
-                    <p:spPr bwMode="auto">
-                      <a:xfrm>
-                        <a:off x="2333379" y="876138"/>
-                        <a:ext cx="7333135" cy="5381365"/>
-                      </a:xfrm>
-                      <a:prstGeom prst="rect">
-                        <a:avLst/>
-                      </a:prstGeom>
-                      <a:noFill/>
-                      <a:ln>
-                        <a:noFill/>
-                      </a:ln>
-                      <a:effectLst/>
-                      <a:extLst/>
-                    </p:spPr>
-                  </p:pic>
-                </p:oleObj>
-              </mc:Fallback>
-            </mc:AlternateContent>
+            <p:oleObj spid="_x0000_s1029" name="Visio" r:id="rId4" imgW="5821153" imgH="4370556" progId="Visio.Drawing.11">
+              <p:embed/>
+            </p:oleObj>
           </a:graphicData>
         </a:graphic>
       </p:graphicFrame>
     </p:spTree>
     <p:extLst>
       <p:ext uri="{BB962C8B-B14F-4D97-AF65-F5344CB8AC3E}">
-        <p14:creationId xmlns:p14="http://schemas.microsoft.com/office/powerpoint/2010/main" val="2921833375"/>
+        <p14:creationId xmlns:p14="http://schemas.microsoft.com/office/powerpoint/2010/main" xmlns="" val="2921833375"/>
       </p:ext>
     </p:extLst>
   </p:cSld>
@@ -23983,7 +23961,7 @@
     <a:masterClrMapping/>
   </p:clrMapOvr>
   <mc:AlternateContent xmlns:mc="http://schemas.openxmlformats.org/markup-compatibility/2006">
-    <mc:Choice xmlns:p14="http://schemas.microsoft.com/office/powerpoint/2010/main" Requires="p14">
+    <mc:Choice xmlns:p14="http://schemas.microsoft.com/office/powerpoint/2010/main" xmlns="" Requires="p14">
       <p:transition spd="med" p14:dur="700">
         <p:fade/>
       </p:transition>
@@ -24273,7 +24251,7 @@
   <a:extraClrSchemeLst/>
   <a:extLst>
     <a:ext uri="{05A4C25C-085E-4340-85A3-A5531E510DB2}">
-      <thm15:themeFamily xmlns:thm15="http://schemas.microsoft.com/office/thememl/2012/main" name="Office Theme" id="{62F939B6-93AF-4DB8-9C6B-D6C7DFDC589F}" vid="{4A3C46E8-61CC-4603-A589-7422A47A8E4A}"/>
+      <thm15:themeFamily xmlns:thm15="http://schemas.microsoft.com/office/thememl/2012/main" xmlns="" name="Office Theme" id="{62F939B6-93AF-4DB8-9C6B-D6C7DFDC589F}" vid="{4A3C46E8-61CC-4603-A589-7422A47A8E4A}"/>
     </a:ext>
   </a:extLst>
 </a:theme>
@@ -24322,7 +24300,7 @@
     </a:clrScheme>
     <a:fontScheme name="Office">
       <a:majorFont>
-        <a:latin typeface="等线 Light" panose="020F0302020204030204"/>
+        <a:latin typeface="等线 Light"/>
         <a:ea typeface=""/>
         <a:cs typeface=""/>
         <a:font script="Jpan" typeface="游ゴシック Light"/>
@@ -24374,7 +24352,7 @@
         <a:font script="Tfng" typeface="Ebrima"/>
       </a:majorFont>
       <a:minorFont>
-        <a:latin typeface="等线" panose="020F0502020204030204"/>
+        <a:latin typeface="等线"/>
         <a:ea typeface=""/>
         <a:cs typeface=""/>
         <a:font script="Jpan" typeface="游ゴシック"/>
@@ -24568,7 +24546,7 @@
   <a:extraClrSchemeLst/>
   <a:extLst>
     <a:ext uri="{05A4C25C-085E-4340-85A3-A5531E510DB2}">
-      <thm15:themeFamily xmlns:thm15="http://schemas.microsoft.com/office/thememl/2012/main" name="Office Theme" id="{62F939B6-93AF-4DB8-9C6B-D6C7DFDC589F}" vid="{4A3C46E8-61CC-4603-A589-7422A47A8E4A}"/>
+      <thm15:themeFamily xmlns:thm15="http://schemas.microsoft.com/office/thememl/2012/main" xmlns="" name="Office Theme" id="{62F939B6-93AF-4DB8-9C6B-D6C7DFDC589F}" vid="{4A3C46E8-61CC-4603-A589-7422A47A8E4A}"/>
     </a:ext>
   </a:extLst>
 </a:theme>

--- a/107_SE_Team12_AR RPG結合區域行銷.pptx
+++ b/107_SE_Team12_AR RPG結合區域行銷.pptx
@@ -18,10 +18,10 @@
     <p:sldId id="299" r:id="rId9"/>
     <p:sldId id="300" r:id="rId10"/>
     <p:sldId id="301" r:id="rId11"/>
-    <p:sldId id="302" r:id="rId12"/>
-    <p:sldId id="303" r:id="rId13"/>
-    <p:sldId id="304" r:id="rId14"/>
-    <p:sldId id="305" r:id="rId15"/>
+    <p:sldId id="303" r:id="rId12"/>
+    <p:sldId id="304" r:id="rId13"/>
+    <p:sldId id="305" r:id="rId14"/>
+    <p:sldId id="302" r:id="rId15"/>
     <p:sldId id="307" r:id="rId16"/>
     <p:sldId id="306" r:id="rId17"/>
     <p:sldId id="308" r:id="rId18"/>
@@ -134,7 +134,18 @@
   </p:defaultTextStyle>
   <p:extLst>
     <p:ext uri="{EFAFB233-063F-42B5-8137-9DF3F51BA10A}">
-      <p15:sldGuideLst xmlns:p15="http://schemas.microsoft.com/office/powerpoint/2012/main" xmlns=""/>
+      <p15:sldGuideLst xmlns:p15="http://schemas.microsoft.com/office/powerpoint/2012/main">
+        <p15:guide id="1" orient="horz" pos="2160">
+          <p15:clr>
+            <a:srgbClr val="A4A3A4"/>
+          </p15:clr>
+        </p15:guide>
+        <p15:guide id="2" pos="3840">
+          <p15:clr>
+            <a:srgbClr val="A4A3A4"/>
+          </p15:clr>
+        </p15:guide>
+      </p15:sldGuideLst>
     </p:ext>
   </p:extLst>
 </p:presentation>
@@ -227,7 +238,7 @@
             <a:fld id="{B3061A59-E211-45AA-A9F0-2CB5442E46EC}" type="datetimeFigureOut">
               <a:rPr lang="zh-CN" altLang="en-US" smtClean="0"/>
               <a:pPr/>
-              <a:t>2019/1/9</a:t>
+              <a:t>2019/1/10</a:t>
             </a:fld>
             <a:endParaRPr lang="zh-CN" altLang="en-US"/>
           </a:p>
@@ -395,7 +406,7 @@
     </p:spTree>
     <p:extLst>
       <p:ext uri="{BB962C8B-B14F-4D97-AF65-F5344CB8AC3E}">
-        <p14:creationId xmlns:p14="http://schemas.microsoft.com/office/powerpoint/2010/main" xmlns="" val="2663794212"/>
+        <p14:creationId xmlns:p14="http://schemas.microsoft.com/office/powerpoint/2010/main" val="2663794212"/>
       </p:ext>
     </p:extLst>
   </p:cSld>
@@ -570,7 +581,7 @@
     </p:spTree>
     <p:extLst>
       <p:ext uri="{BB962C8B-B14F-4D97-AF65-F5344CB8AC3E}">
-        <p14:creationId xmlns:p14="http://schemas.microsoft.com/office/powerpoint/2010/main" xmlns="" val="3562733298"/>
+        <p14:creationId xmlns:p14="http://schemas.microsoft.com/office/powerpoint/2010/main" val="3562733298"/>
       </p:ext>
     </p:extLst>
   </p:cSld>
@@ -655,7 +666,7 @@
     </p:spTree>
     <p:extLst>
       <p:ext uri="{BB962C8B-B14F-4D97-AF65-F5344CB8AC3E}">
-        <p14:creationId xmlns:p14="http://schemas.microsoft.com/office/powerpoint/2010/main" xmlns="" val="601626769"/>
+        <p14:creationId xmlns:p14="http://schemas.microsoft.com/office/powerpoint/2010/main" val="601626769"/>
       </p:ext>
     </p:extLst>
   </p:cSld>
@@ -740,7 +751,7 @@
     </p:spTree>
     <p:extLst>
       <p:ext uri="{BB962C8B-B14F-4D97-AF65-F5344CB8AC3E}">
-        <p14:creationId xmlns:p14="http://schemas.microsoft.com/office/powerpoint/2010/main" xmlns="" val="1240382952"/>
+        <p14:creationId xmlns:p14="http://schemas.microsoft.com/office/powerpoint/2010/main" val="1615207319"/>
       </p:ext>
     </p:extLst>
   </p:cSld>
@@ -825,7 +836,7 @@
     </p:spTree>
     <p:extLst>
       <p:ext uri="{BB962C8B-B14F-4D97-AF65-F5344CB8AC3E}">
-        <p14:creationId xmlns:p14="http://schemas.microsoft.com/office/powerpoint/2010/main" xmlns="" val="1615207319"/>
+        <p14:creationId xmlns:p14="http://schemas.microsoft.com/office/powerpoint/2010/main" val="832212012"/>
       </p:ext>
     </p:extLst>
   </p:cSld>
@@ -910,7 +921,7 @@
     </p:spTree>
     <p:extLst>
       <p:ext uri="{BB962C8B-B14F-4D97-AF65-F5344CB8AC3E}">
-        <p14:creationId xmlns:p14="http://schemas.microsoft.com/office/powerpoint/2010/main" xmlns="" val="832212012"/>
+        <p14:creationId xmlns:p14="http://schemas.microsoft.com/office/powerpoint/2010/main" val="1236927898"/>
       </p:ext>
     </p:extLst>
   </p:cSld>
@@ -995,7 +1006,7 @@
     </p:spTree>
     <p:extLst>
       <p:ext uri="{BB962C8B-B14F-4D97-AF65-F5344CB8AC3E}">
-        <p14:creationId xmlns:p14="http://schemas.microsoft.com/office/powerpoint/2010/main" xmlns="" val="1236927898"/>
+        <p14:creationId xmlns:p14="http://schemas.microsoft.com/office/powerpoint/2010/main" val="1240382952"/>
       </p:ext>
     </p:extLst>
   </p:cSld>
@@ -1080,7 +1091,7 @@
     </p:spTree>
     <p:extLst>
       <p:ext uri="{BB962C8B-B14F-4D97-AF65-F5344CB8AC3E}">
-        <p14:creationId xmlns:p14="http://schemas.microsoft.com/office/powerpoint/2010/main" xmlns="" val="1773373298"/>
+        <p14:creationId xmlns:p14="http://schemas.microsoft.com/office/powerpoint/2010/main" val="1773373298"/>
       </p:ext>
     </p:extLst>
   </p:cSld>
@@ -1165,7 +1176,7 @@
     </p:spTree>
     <p:extLst>
       <p:ext uri="{BB962C8B-B14F-4D97-AF65-F5344CB8AC3E}">
-        <p14:creationId xmlns:p14="http://schemas.microsoft.com/office/powerpoint/2010/main" xmlns="" val="2836218149"/>
+        <p14:creationId xmlns:p14="http://schemas.microsoft.com/office/powerpoint/2010/main" val="2836218149"/>
       </p:ext>
     </p:extLst>
   </p:cSld>
@@ -1250,7 +1261,7 @@
     </p:spTree>
     <p:extLst>
       <p:ext uri="{BB962C8B-B14F-4D97-AF65-F5344CB8AC3E}">
-        <p14:creationId xmlns:p14="http://schemas.microsoft.com/office/powerpoint/2010/main" xmlns="" val="3384295056"/>
+        <p14:creationId xmlns:p14="http://schemas.microsoft.com/office/powerpoint/2010/main" val="3384295056"/>
       </p:ext>
     </p:extLst>
   </p:cSld>
@@ -1335,7 +1346,7 @@
     </p:spTree>
     <p:extLst>
       <p:ext uri="{BB962C8B-B14F-4D97-AF65-F5344CB8AC3E}">
-        <p14:creationId xmlns:p14="http://schemas.microsoft.com/office/powerpoint/2010/main" xmlns="" val="4128827889"/>
+        <p14:creationId xmlns:p14="http://schemas.microsoft.com/office/powerpoint/2010/main" val="4128827889"/>
       </p:ext>
     </p:extLst>
   </p:cSld>
@@ -1420,7 +1431,7 @@
     </p:spTree>
     <p:extLst>
       <p:ext uri="{BB962C8B-B14F-4D97-AF65-F5344CB8AC3E}">
-        <p14:creationId xmlns:p14="http://schemas.microsoft.com/office/powerpoint/2010/main" xmlns="" val="1373126660"/>
+        <p14:creationId xmlns:p14="http://schemas.microsoft.com/office/powerpoint/2010/main" val="1373126660"/>
       </p:ext>
     </p:extLst>
   </p:cSld>
@@ -1505,7 +1516,7 @@
     </p:spTree>
     <p:extLst>
       <p:ext uri="{BB962C8B-B14F-4D97-AF65-F5344CB8AC3E}">
-        <p14:creationId xmlns:p14="http://schemas.microsoft.com/office/powerpoint/2010/main" xmlns="" val="4000591132"/>
+        <p14:creationId xmlns:p14="http://schemas.microsoft.com/office/powerpoint/2010/main" val="4000591132"/>
       </p:ext>
     </p:extLst>
   </p:cSld>
@@ -1590,7 +1601,7 @@
     </p:spTree>
     <p:extLst>
       <p:ext uri="{BB962C8B-B14F-4D97-AF65-F5344CB8AC3E}">
-        <p14:creationId xmlns:p14="http://schemas.microsoft.com/office/powerpoint/2010/main" xmlns="" val="478859267"/>
+        <p14:creationId xmlns:p14="http://schemas.microsoft.com/office/powerpoint/2010/main" val="478859267"/>
       </p:ext>
     </p:extLst>
   </p:cSld>
@@ -1675,7 +1686,7 @@
     </p:spTree>
     <p:extLst>
       <p:ext uri="{BB962C8B-B14F-4D97-AF65-F5344CB8AC3E}">
-        <p14:creationId xmlns:p14="http://schemas.microsoft.com/office/powerpoint/2010/main" xmlns="" val="1042041894"/>
+        <p14:creationId xmlns:p14="http://schemas.microsoft.com/office/powerpoint/2010/main" val="1042041894"/>
       </p:ext>
     </p:extLst>
   </p:cSld>
@@ -1760,7 +1771,7 @@
     </p:spTree>
     <p:extLst>
       <p:ext uri="{BB962C8B-B14F-4D97-AF65-F5344CB8AC3E}">
-        <p14:creationId xmlns:p14="http://schemas.microsoft.com/office/powerpoint/2010/main" xmlns="" val="2635559582"/>
+        <p14:creationId xmlns:p14="http://schemas.microsoft.com/office/powerpoint/2010/main" val="2635559582"/>
       </p:ext>
     </p:extLst>
   </p:cSld>
@@ -1845,7 +1856,7 @@
     </p:spTree>
     <p:extLst>
       <p:ext uri="{BB962C8B-B14F-4D97-AF65-F5344CB8AC3E}">
-        <p14:creationId xmlns:p14="http://schemas.microsoft.com/office/powerpoint/2010/main" xmlns="" val="395317134"/>
+        <p14:creationId xmlns:p14="http://schemas.microsoft.com/office/powerpoint/2010/main" val="395317134"/>
       </p:ext>
     </p:extLst>
   </p:cSld>
@@ -1930,7 +1941,7 @@
     </p:spTree>
     <p:extLst>
       <p:ext uri="{BB962C8B-B14F-4D97-AF65-F5344CB8AC3E}">
-        <p14:creationId xmlns:p14="http://schemas.microsoft.com/office/powerpoint/2010/main" xmlns="" val="3897338094"/>
+        <p14:creationId xmlns:p14="http://schemas.microsoft.com/office/powerpoint/2010/main" val="3897338094"/>
       </p:ext>
     </p:extLst>
   </p:cSld>
@@ -2015,7 +2026,7 @@
     </p:spTree>
     <p:extLst>
       <p:ext uri="{BB962C8B-B14F-4D97-AF65-F5344CB8AC3E}">
-        <p14:creationId xmlns:p14="http://schemas.microsoft.com/office/powerpoint/2010/main" xmlns="" val="422514630"/>
+        <p14:creationId xmlns:p14="http://schemas.microsoft.com/office/powerpoint/2010/main" val="422514630"/>
       </p:ext>
     </p:extLst>
   </p:cSld>
@@ -2100,7 +2111,7 @@
     </p:spTree>
     <p:extLst>
       <p:ext uri="{BB962C8B-B14F-4D97-AF65-F5344CB8AC3E}">
-        <p14:creationId xmlns:p14="http://schemas.microsoft.com/office/powerpoint/2010/main" xmlns="" val="2987176809"/>
+        <p14:creationId xmlns:p14="http://schemas.microsoft.com/office/powerpoint/2010/main" val="2987176809"/>
       </p:ext>
     </p:extLst>
   </p:cSld>
@@ -2185,7 +2196,7 @@
     </p:spTree>
     <p:extLst>
       <p:ext uri="{BB962C8B-B14F-4D97-AF65-F5344CB8AC3E}">
-        <p14:creationId xmlns:p14="http://schemas.microsoft.com/office/powerpoint/2010/main" xmlns="" val="2690050171"/>
+        <p14:creationId xmlns:p14="http://schemas.microsoft.com/office/powerpoint/2010/main" val="2690050171"/>
       </p:ext>
     </p:extLst>
   </p:cSld>
@@ -2270,7 +2281,7 @@
     </p:spTree>
     <p:extLst>
       <p:ext uri="{BB962C8B-B14F-4D97-AF65-F5344CB8AC3E}">
-        <p14:creationId xmlns:p14="http://schemas.microsoft.com/office/powerpoint/2010/main" xmlns="" val="3102431777"/>
+        <p14:creationId xmlns:p14="http://schemas.microsoft.com/office/powerpoint/2010/main" val="3102431777"/>
       </p:ext>
     </p:extLst>
   </p:cSld>
@@ -2355,7 +2366,7 @@
     </p:spTree>
     <p:extLst>
       <p:ext uri="{BB962C8B-B14F-4D97-AF65-F5344CB8AC3E}">
-        <p14:creationId xmlns:p14="http://schemas.microsoft.com/office/powerpoint/2010/main" xmlns="" val="129763898"/>
+        <p14:creationId xmlns:p14="http://schemas.microsoft.com/office/powerpoint/2010/main" val="129763898"/>
       </p:ext>
     </p:extLst>
   </p:cSld>
@@ -2440,7 +2451,7 @@
     </p:spTree>
     <p:extLst>
       <p:ext uri="{BB962C8B-B14F-4D97-AF65-F5344CB8AC3E}">
-        <p14:creationId xmlns:p14="http://schemas.microsoft.com/office/powerpoint/2010/main" xmlns="" val="1919633525"/>
+        <p14:creationId xmlns:p14="http://schemas.microsoft.com/office/powerpoint/2010/main" val="1919633525"/>
       </p:ext>
     </p:extLst>
   </p:cSld>
@@ -2580,7 +2591,7 @@
             <a:fld id="{82F288E0-7875-42C4-84C8-98DBBD3BF4D2}" type="datetimeFigureOut">
               <a:rPr lang="zh-CN" altLang="en-US" smtClean="0"/>
               <a:pPr/>
-              <a:t>2019/1/9</a:t>
+              <a:t>2019/1/10</a:t>
             </a:fld>
             <a:endParaRPr lang="zh-CN" altLang="en-US"/>
           </a:p>
@@ -2634,13 +2645,13 @@
   <p:clrMapOvr>
     <a:masterClrMapping/>
   </p:clrMapOvr>
-  <mc:AlternateContent xmlns:mc="http://schemas.openxmlformats.org/markup-compatibility/2006">
-    <mc:Choice xmlns:p14="http://schemas.microsoft.com/office/powerpoint/2010/main" xmlns="" Requires="p14">
+  <mc:AlternateContent xmlns:mc="http://schemas.openxmlformats.org/markup-compatibility/2006" xmlns:p14="http://schemas.microsoft.com/office/powerpoint/2010/main">
+    <mc:Choice Requires="p14">
       <p:transition spd="slow" p14:dur="1500">
         <p:random/>
       </p:transition>
     </mc:Choice>
-    <mc:Fallback>
+    <mc:Fallback xmlns="">
       <p:transition spd="slow">
         <p:random/>
       </p:transition>
@@ -2740,7 +2751,7 @@
             <a:fld id="{82F288E0-7875-42C4-84C8-98DBBD3BF4D2}" type="datetimeFigureOut">
               <a:rPr lang="zh-CN" altLang="en-US" smtClean="0"/>
               <a:pPr/>
-              <a:t>2019/1/9</a:t>
+              <a:t>2019/1/10</a:t>
             </a:fld>
             <a:endParaRPr lang="zh-CN" altLang="en-US"/>
           </a:p>
@@ -2794,13 +2805,13 @@
   <p:clrMapOvr>
     <a:masterClrMapping/>
   </p:clrMapOvr>
-  <mc:AlternateContent xmlns:mc="http://schemas.openxmlformats.org/markup-compatibility/2006">
-    <mc:Choice xmlns:p14="http://schemas.microsoft.com/office/powerpoint/2010/main" xmlns="" Requires="p14">
+  <mc:AlternateContent xmlns:mc="http://schemas.openxmlformats.org/markup-compatibility/2006" xmlns:p14="http://schemas.microsoft.com/office/powerpoint/2010/main">
+    <mc:Choice Requires="p14">
       <p:transition spd="slow" p14:dur="1500">
         <p:random/>
       </p:transition>
     </mc:Choice>
-    <mc:Fallback>
+    <mc:Fallback xmlns="">
       <p:transition spd="slow">
         <p:random/>
       </p:transition>
@@ -2917,7 +2928,7 @@
             <a:fld id="{82F288E0-7875-42C4-84C8-98DBBD3BF4D2}" type="datetimeFigureOut">
               <a:rPr lang="zh-CN" altLang="en-US" smtClean="0"/>
               <a:pPr/>
-              <a:t>2019/1/9</a:t>
+              <a:t>2019/1/10</a:t>
             </a:fld>
             <a:endParaRPr lang="zh-CN" altLang="en-US"/>
           </a:p>
@@ -2971,13 +2982,13 @@
   <p:clrMapOvr>
     <a:masterClrMapping/>
   </p:clrMapOvr>
-  <mc:AlternateContent xmlns:mc="http://schemas.openxmlformats.org/markup-compatibility/2006">
-    <mc:Choice xmlns:p14="http://schemas.microsoft.com/office/powerpoint/2010/main" xmlns="" Requires="p14">
+  <mc:AlternateContent xmlns:mc="http://schemas.openxmlformats.org/markup-compatibility/2006" xmlns:p14="http://schemas.microsoft.com/office/powerpoint/2010/main">
+    <mc:Choice Requires="p14">
       <p:transition spd="slow" p14:dur="1500">
         <p:random/>
       </p:transition>
     </mc:Choice>
-    <mc:Fallback>
+    <mc:Fallback xmlns="">
       <p:transition spd="slow">
         <p:random/>
       </p:transition>
@@ -3171,7 +3182,7 @@
             <a:fld id="{82F288E0-7875-42C4-84C8-98DBBD3BF4D2}" type="datetimeFigureOut">
               <a:rPr lang="zh-CN" altLang="en-US" smtClean="0"/>
               <a:pPr/>
-              <a:t>2019/1/9</a:t>
+              <a:t>2019/1/10</a:t>
             </a:fld>
             <a:endParaRPr lang="zh-CN" altLang="en-US"/>
           </a:p>
@@ -3225,13 +3236,13 @@
   <p:clrMapOvr>
     <a:masterClrMapping/>
   </p:clrMapOvr>
-  <mc:AlternateContent xmlns:mc="http://schemas.openxmlformats.org/markup-compatibility/2006">
-    <mc:Choice xmlns:p14="http://schemas.microsoft.com/office/powerpoint/2010/main" xmlns="" Requires="p14">
+  <mc:AlternateContent xmlns:mc="http://schemas.openxmlformats.org/markup-compatibility/2006" xmlns:p14="http://schemas.microsoft.com/office/powerpoint/2010/main">
+    <mc:Choice Requires="p14">
       <p:transition spd="slow" p14:dur="1500">
         <p:random/>
       </p:transition>
     </mc:Choice>
-    <mc:Fallback>
+    <mc:Fallback xmlns="">
       <p:transition spd="slow">
         <p:random/>
       </p:transition>
@@ -3409,7 +3420,7 @@
             <a:fld id="{82F288E0-7875-42C4-84C8-98DBBD3BF4D2}" type="datetimeFigureOut">
               <a:rPr lang="zh-CN" altLang="en-US" smtClean="0"/>
               <a:pPr/>
-              <a:t>2019/1/9</a:t>
+              <a:t>2019/1/10</a:t>
             </a:fld>
             <a:endParaRPr lang="zh-CN" altLang="en-US"/>
           </a:p>
@@ -3463,13 +3474,13 @@
   <p:clrMapOvr>
     <a:masterClrMapping/>
   </p:clrMapOvr>
-  <mc:AlternateContent xmlns:mc="http://schemas.openxmlformats.org/markup-compatibility/2006">
-    <mc:Choice xmlns:p14="http://schemas.microsoft.com/office/powerpoint/2010/main" xmlns="" Requires="p14">
+  <mc:AlternateContent xmlns:mc="http://schemas.openxmlformats.org/markup-compatibility/2006" xmlns:p14="http://schemas.microsoft.com/office/powerpoint/2010/main">
+    <mc:Choice Requires="p14">
       <p:transition spd="slow" p14:dur="1500">
         <p:random/>
       </p:transition>
     </mc:Choice>
-    <mc:Fallback>
+    <mc:Fallback xmlns="">
       <p:transition spd="slow">
         <p:random/>
       </p:transition>
@@ -3782,7 +3793,7 @@
             <a:fld id="{82F288E0-7875-42C4-84C8-98DBBD3BF4D2}" type="datetimeFigureOut">
               <a:rPr lang="zh-CN" altLang="en-US" smtClean="0"/>
               <a:pPr/>
-              <a:t>2019/1/9</a:t>
+              <a:t>2019/1/10</a:t>
             </a:fld>
             <a:endParaRPr lang="zh-CN" altLang="en-US"/>
           </a:p>
@@ -3836,13 +3847,13 @@
   <p:clrMapOvr>
     <a:masterClrMapping/>
   </p:clrMapOvr>
-  <mc:AlternateContent xmlns:mc="http://schemas.openxmlformats.org/markup-compatibility/2006">
-    <mc:Choice xmlns:p14="http://schemas.microsoft.com/office/powerpoint/2010/main" xmlns="" Requires="p14">
+  <mc:AlternateContent xmlns:mc="http://schemas.openxmlformats.org/markup-compatibility/2006" xmlns:p14="http://schemas.microsoft.com/office/powerpoint/2010/main">
+    <mc:Choice Requires="p14">
       <p:transition spd="slow" p14:dur="1500">
         <p:random/>
       </p:transition>
     </mc:Choice>
-    <mc:Fallback>
+    <mc:Fallback xmlns="">
       <p:transition spd="slow">
         <p:random/>
       </p:transition>
@@ -3908,7 +3919,7 @@
             <a:fld id="{82F288E0-7875-42C4-84C8-98DBBD3BF4D2}" type="datetimeFigureOut">
               <a:rPr lang="zh-CN" altLang="en-US" smtClean="0"/>
               <a:pPr/>
-              <a:t>2019/1/9</a:t>
+              <a:t>2019/1/10</a:t>
             </a:fld>
             <a:endParaRPr lang="zh-CN" altLang="en-US"/>
           </a:p>
@@ -3987,13 +3998,13 @@
   <p:clrMapOvr>
     <a:masterClrMapping/>
   </p:clrMapOvr>
-  <mc:AlternateContent xmlns:mc="http://schemas.openxmlformats.org/markup-compatibility/2006">
-    <mc:Choice xmlns:p14="http://schemas.microsoft.com/office/powerpoint/2010/main" xmlns="" Requires="p14">
+  <mc:AlternateContent xmlns:mc="http://schemas.openxmlformats.org/markup-compatibility/2006" xmlns:p14="http://schemas.microsoft.com/office/powerpoint/2010/main">
+    <mc:Choice Requires="p14">
       <p:transition spd="slow" p14:dur="1500">
         <p:random/>
       </p:transition>
     </mc:Choice>
-    <mc:Fallback>
+    <mc:Fallback xmlns="">
       <p:transition spd="slow">
         <p:random/>
       </p:transition>
@@ -4037,7 +4048,7 @@
             <a:fld id="{82F288E0-7875-42C4-84C8-98DBBD3BF4D2}" type="datetimeFigureOut">
               <a:rPr lang="zh-CN" altLang="en-US" smtClean="0"/>
               <a:pPr/>
-              <a:t>2019/1/9</a:t>
+              <a:t>2019/1/10</a:t>
             </a:fld>
             <a:endParaRPr lang="zh-CN" altLang="en-US"/>
           </a:p>
@@ -4116,13 +4127,13 @@
   <p:clrMapOvr>
     <a:masterClrMapping/>
   </p:clrMapOvr>
-  <mc:AlternateContent xmlns:mc="http://schemas.openxmlformats.org/markup-compatibility/2006">
-    <mc:Choice xmlns:p14="http://schemas.microsoft.com/office/powerpoint/2010/main" xmlns="" Requires="p14">
+  <mc:AlternateContent xmlns:mc="http://schemas.openxmlformats.org/markup-compatibility/2006" xmlns:p14="http://schemas.microsoft.com/office/powerpoint/2010/main">
+    <mc:Choice Requires="p14">
       <p:transition spd="slow" p14:dur="1500">
         <p:random/>
       </p:transition>
     </mc:Choice>
-    <mc:Fallback>
+    <mc:Fallback xmlns="">
       <p:transition spd="slow">
         <p:random/>
       </p:transition>
@@ -4323,7 +4334,7 @@
             <a:fld id="{82F288E0-7875-42C4-84C8-98DBBD3BF4D2}" type="datetimeFigureOut">
               <a:rPr lang="zh-CN" altLang="en-US" smtClean="0"/>
               <a:pPr/>
-              <a:t>2019/1/9</a:t>
+              <a:t>2019/1/10</a:t>
             </a:fld>
             <a:endParaRPr lang="zh-CN" altLang="en-US"/>
           </a:p>
@@ -4377,13 +4388,13 @@
   <p:clrMapOvr>
     <a:masterClrMapping/>
   </p:clrMapOvr>
-  <mc:AlternateContent xmlns:mc="http://schemas.openxmlformats.org/markup-compatibility/2006">
-    <mc:Choice xmlns:p14="http://schemas.microsoft.com/office/powerpoint/2010/main" xmlns="" Requires="p14">
+  <mc:AlternateContent xmlns:mc="http://schemas.openxmlformats.org/markup-compatibility/2006" xmlns:p14="http://schemas.microsoft.com/office/powerpoint/2010/main">
+    <mc:Choice Requires="p14">
       <p:transition spd="slow" p14:dur="1500">
         <p:random/>
       </p:transition>
     </mc:Choice>
-    <mc:Fallback>
+    <mc:Fallback xmlns="">
       <p:transition spd="slow">
         <p:random/>
       </p:transition>
@@ -4510,7 +4521,7 @@
             <a:fld id="{82F288E0-7875-42C4-84C8-98DBBD3BF4D2}" type="datetimeFigureOut">
               <a:rPr lang="zh-CN" altLang="en-US" smtClean="0"/>
               <a:pPr/>
-              <a:t>2019/1/9</a:t>
+              <a:t>2019/1/10</a:t>
             </a:fld>
             <a:endParaRPr lang="zh-CN" altLang="en-US"/>
           </a:p>
@@ -4564,13 +4575,13 @@
   <p:clrMapOvr>
     <a:masterClrMapping/>
   </p:clrMapOvr>
-  <mc:AlternateContent xmlns:mc="http://schemas.openxmlformats.org/markup-compatibility/2006">
-    <mc:Choice xmlns:p14="http://schemas.microsoft.com/office/powerpoint/2010/main" xmlns="" Requires="p14">
+  <mc:AlternateContent xmlns:mc="http://schemas.openxmlformats.org/markup-compatibility/2006" xmlns:p14="http://schemas.microsoft.com/office/powerpoint/2010/main">
+    <mc:Choice Requires="p14">
       <p:transition spd="slow" p14:dur="1500">
         <p:random/>
       </p:transition>
     </mc:Choice>
-    <mc:Fallback>
+    <mc:Fallback xmlns="">
       <p:transition spd="slow">
         <p:random/>
       </p:transition>
@@ -4730,7 +4741,7 @@
             <a:fld id="{82F288E0-7875-42C4-84C8-98DBBD3BF4D2}" type="datetimeFigureOut">
               <a:rPr lang="zh-CN" altLang="en-US" smtClean="0"/>
               <a:pPr/>
-              <a:t>2019/1/9</a:t>
+              <a:t>2019/1/10</a:t>
             </a:fld>
             <a:endParaRPr lang="zh-CN" altLang="en-US"/>
           </a:p>
@@ -4830,13 +4841,13 @@
     <p:sldLayoutId id="2147483657" r:id="rId9"/>
     <p:sldLayoutId id="2147483658" r:id="rId10"/>
   </p:sldLayoutIdLst>
-  <mc:AlternateContent xmlns:mc="http://schemas.openxmlformats.org/markup-compatibility/2006">
-    <mc:Choice xmlns:p14="http://schemas.microsoft.com/office/powerpoint/2010/main" xmlns="" Requires="p14">
+  <mc:AlternateContent xmlns:mc="http://schemas.openxmlformats.org/markup-compatibility/2006" xmlns:p14="http://schemas.microsoft.com/office/powerpoint/2010/main">
+    <mc:Choice Requires="p14">
       <p:transition spd="slow" p14:dur="1500">
         <p:random/>
       </p:transition>
     </mc:Choice>
-    <mc:Fallback>
+    <mc:Fallback xmlns="">
       <p:transition spd="slow">
         <p:random/>
       </p:transition>
@@ -5828,13 +5839,13 @@
   <p:clrMapOvr>
     <a:masterClrMapping/>
   </p:clrMapOvr>
-  <mc:AlternateContent xmlns:mc="http://schemas.openxmlformats.org/markup-compatibility/2006">
-    <mc:Choice xmlns:p14="http://schemas.microsoft.com/office/powerpoint/2010/main" xmlns="" Requires="p14">
+  <mc:AlternateContent xmlns:mc="http://schemas.openxmlformats.org/markup-compatibility/2006" xmlns:p14="http://schemas.microsoft.com/office/powerpoint/2010/main">
+    <mc:Choice Requires="p14">
       <p:transition spd="med" p14:dur="700">
         <p:fade/>
       </p:transition>
     </mc:Choice>
-    <mc:Fallback>
+    <mc:Fallback xmlns="">
       <p:transition spd="med">
         <p:fade/>
       </p:transition>
@@ -6095,14 +6106,14 @@
           <a:effectLst/>
           <a:extLst>
             <a:ext uri="{909E8E84-426E-40DD-AFC4-6F175D3DCCD1}">
-              <a14:hiddenFill xmlns:a14="http://schemas.microsoft.com/office/drawing/2010/main" xmlns="">
+              <a14:hiddenFill xmlns:a14="http://schemas.microsoft.com/office/drawing/2010/main">
                 <a:solidFill>
                   <a:schemeClr val="accent1"/>
                 </a:solidFill>
               </a14:hiddenFill>
             </a:ext>
             <a:ext uri="{91240B29-F687-4F45-9708-019B960494DF}">
-              <a14:hiddenLine xmlns:a14="http://schemas.microsoft.com/office/drawing/2010/main" xmlns="" w="9525">
+              <a14:hiddenLine xmlns:a14="http://schemas.microsoft.com/office/drawing/2010/main" w="9525">
                 <a:solidFill>
                   <a:srgbClr val="000000"/>
                 </a:solidFill>
@@ -6112,7 +6123,7 @@
               </a14:hiddenLine>
             </a:ext>
             <a:ext uri="{AF507438-7753-43E0-B8FC-AC1667EBCBE1}">
-              <a14:hiddenEffects xmlns:a14="http://schemas.microsoft.com/office/drawing/2010/main" xmlns="">
+              <a14:hiddenEffects xmlns:a14="http://schemas.microsoft.com/office/drawing/2010/main">
                 <a:effectLst>
                   <a:outerShdw dist="35921" dir="2700000" algn="ctr" rotWithShape="0">
                     <a:schemeClr val="bg2"/>
@@ -6159,7 +6170,7 @@
           <p:nvPr>
             <p:extLst>
               <p:ext uri="{D42A27DB-BD31-4B8C-83A1-F6EECF244321}">
-                <p14:modId xmlns:p14="http://schemas.microsoft.com/office/powerpoint/2010/main" xmlns="" val="3241058613"/>
+                <p14:modId xmlns:p14="http://schemas.microsoft.com/office/powerpoint/2010/main" val="3241058613"/>
               </p:ext>
             </p:extLst>
           </p:nvPr>
@@ -6178,14 +6189,14 @@
                 <a:gridCol w="1497625">
                   <a:extLst>
                     <a:ext uri="{9D8B030D-6E8A-4147-A177-3AD203B41FA5}">
-                      <a16:colId xmlns:a16="http://schemas.microsoft.com/office/drawing/2014/main" xmlns="" val="20000"/>
+                      <a16:colId xmlns:a16="http://schemas.microsoft.com/office/drawing/2014/main" val="20000"/>
                     </a:ext>
                   </a:extLst>
                 </a:gridCol>
                 <a:gridCol w="7287350">
                   <a:extLst>
                     <a:ext uri="{9D8B030D-6E8A-4147-A177-3AD203B41FA5}">
-                      <a16:colId xmlns:a16="http://schemas.microsoft.com/office/drawing/2014/main" xmlns="" val="20001"/>
+                      <a16:colId xmlns:a16="http://schemas.microsoft.com/office/drawing/2014/main" val="20001"/>
                     </a:ext>
                   </a:extLst>
                 </a:gridCol>
@@ -6329,7 +6340,7 @@
                 </a:tc>
                 <a:extLst>
                   <a:ext uri="{0D108BD9-81ED-4DB2-BD59-A6C34878D82A}">
-                    <a16:rowId xmlns:a16="http://schemas.microsoft.com/office/drawing/2014/main" xmlns="" val="10000"/>
+                    <a16:rowId xmlns:a16="http://schemas.microsoft.com/office/drawing/2014/main" val="10000"/>
                   </a:ext>
                 </a:extLst>
               </a:tr>
@@ -6470,7 +6481,7 @@
                 </a:tc>
                 <a:extLst>
                   <a:ext uri="{0D108BD9-81ED-4DB2-BD59-A6C34878D82A}">
-                    <a16:rowId xmlns:a16="http://schemas.microsoft.com/office/drawing/2014/main" xmlns="" val="10001"/>
+                    <a16:rowId xmlns:a16="http://schemas.microsoft.com/office/drawing/2014/main" val="10001"/>
                   </a:ext>
                 </a:extLst>
               </a:tr>
@@ -6613,7 +6624,7 @@
                 </a:tc>
                 <a:extLst>
                   <a:ext uri="{0D108BD9-81ED-4DB2-BD59-A6C34878D82A}">
-                    <a16:rowId xmlns:a16="http://schemas.microsoft.com/office/drawing/2014/main" xmlns="" val="10002"/>
+                    <a16:rowId xmlns:a16="http://schemas.microsoft.com/office/drawing/2014/main" val="10002"/>
                   </a:ext>
                 </a:extLst>
               </a:tr>
@@ -6756,7 +6767,7 @@
                 </a:tc>
                 <a:extLst>
                   <a:ext uri="{0D108BD9-81ED-4DB2-BD59-A6C34878D82A}">
-                    <a16:rowId xmlns:a16="http://schemas.microsoft.com/office/drawing/2014/main" xmlns="" val="10003"/>
+                    <a16:rowId xmlns:a16="http://schemas.microsoft.com/office/drawing/2014/main" val="10003"/>
                   </a:ext>
                 </a:extLst>
               </a:tr>
@@ -6899,7 +6910,7 @@
                 </a:tc>
                 <a:extLst>
                   <a:ext uri="{0D108BD9-81ED-4DB2-BD59-A6C34878D82A}">
-                    <a16:rowId xmlns:a16="http://schemas.microsoft.com/office/drawing/2014/main" xmlns="" val="10004"/>
+                    <a16:rowId xmlns:a16="http://schemas.microsoft.com/office/drawing/2014/main" val="10004"/>
                   </a:ext>
                 </a:extLst>
               </a:tr>
@@ -7057,7 +7068,7 @@
                 </a:tc>
                 <a:extLst>
                   <a:ext uri="{0D108BD9-81ED-4DB2-BD59-A6C34878D82A}">
-                    <a16:rowId xmlns:a16="http://schemas.microsoft.com/office/drawing/2014/main" xmlns="" val="10005"/>
+                    <a16:rowId xmlns:a16="http://schemas.microsoft.com/office/drawing/2014/main" val="10005"/>
                   </a:ext>
                 </a:extLst>
               </a:tr>
@@ -7215,7 +7226,7 @@
                 </a:tc>
                 <a:extLst>
                   <a:ext uri="{0D108BD9-81ED-4DB2-BD59-A6C34878D82A}">
-                    <a16:rowId xmlns:a16="http://schemas.microsoft.com/office/drawing/2014/main" xmlns="" val="10006"/>
+                    <a16:rowId xmlns:a16="http://schemas.microsoft.com/office/drawing/2014/main" val="10006"/>
                   </a:ext>
                 </a:extLst>
               </a:tr>
@@ -7373,7 +7384,7 @@
                 </a:tc>
                 <a:extLst>
                   <a:ext uri="{0D108BD9-81ED-4DB2-BD59-A6C34878D82A}">
-                    <a16:rowId xmlns:a16="http://schemas.microsoft.com/office/drawing/2014/main" xmlns="" val="10007"/>
+                    <a16:rowId xmlns:a16="http://schemas.microsoft.com/office/drawing/2014/main" val="10007"/>
                   </a:ext>
                 </a:extLst>
               </a:tr>
@@ -7384,20 +7395,20 @@
     </p:spTree>
     <p:extLst>
       <p:ext uri="{BB962C8B-B14F-4D97-AF65-F5344CB8AC3E}">
-        <p14:creationId xmlns:p14="http://schemas.microsoft.com/office/powerpoint/2010/main" xmlns="" val="912336968"/>
+        <p14:creationId xmlns:p14="http://schemas.microsoft.com/office/powerpoint/2010/main" val="912336968"/>
       </p:ext>
     </p:extLst>
   </p:cSld>
   <p:clrMapOvr>
     <a:masterClrMapping/>
   </p:clrMapOvr>
-  <mc:AlternateContent xmlns:mc="http://schemas.openxmlformats.org/markup-compatibility/2006">
-    <mc:Choice xmlns:p14="http://schemas.microsoft.com/office/powerpoint/2010/main" xmlns="" Requires="p14">
+  <mc:AlternateContent xmlns:mc="http://schemas.openxmlformats.org/markup-compatibility/2006" xmlns:p14="http://schemas.microsoft.com/office/powerpoint/2010/main">
+    <mc:Choice Requires="p14">
       <p:transition spd="med" p14:dur="700">
         <p:fade/>
       </p:transition>
     </mc:Choice>
-    <mc:Fallback>
+    <mc:Fallback xmlns="">
       <p:transition spd="med">
         <p:fade/>
       </p:transition>
@@ -7645,8 +7656,8 @@
         </p:nvSpPr>
         <p:spPr bwMode="auto">
           <a:xfrm>
-            <a:off x="4746659" y="115378"/>
-            <a:ext cx="2698176" cy="523220"/>
+            <a:off x="5105732" y="115378"/>
+            <a:ext cx="1980029" cy="523220"/>
           </a:xfrm>
           <a:prstGeom prst="rect">
             <a:avLst/>
@@ -7658,14 +7669,14 @@
           <a:effectLst/>
           <a:extLst>
             <a:ext uri="{909E8E84-426E-40DD-AFC4-6F175D3DCCD1}">
-              <a14:hiddenFill xmlns:a14="http://schemas.microsoft.com/office/drawing/2010/main" xmlns="">
+              <a14:hiddenFill xmlns:a14="http://schemas.microsoft.com/office/drawing/2010/main">
                 <a:solidFill>
                   <a:schemeClr val="accent1"/>
                 </a:solidFill>
               </a14:hiddenFill>
             </a:ext>
             <a:ext uri="{91240B29-F687-4F45-9708-019B960494DF}">
-              <a14:hiddenLine xmlns:a14="http://schemas.microsoft.com/office/drawing/2010/main" xmlns="" w="9525">
+              <a14:hiddenLine xmlns:a14="http://schemas.microsoft.com/office/drawing/2010/main" w="9525">
                 <a:solidFill>
                   <a:srgbClr val="000000"/>
                 </a:solidFill>
@@ -7675,7 +7686,7 @@
               </a14:hiddenLine>
             </a:ext>
             <a:ext uri="{AF507438-7753-43E0-B8FC-AC1667EBCBE1}">
-              <a14:hiddenEffects xmlns:a14="http://schemas.microsoft.com/office/drawing/2010/main" xmlns="">
+              <a14:hiddenEffects xmlns:a14="http://schemas.microsoft.com/office/drawing/2010/main">
                 <a:effectLst>
                   <a:outerShdw dist="35921" dir="2700000" algn="ctr" rotWithShape="0">
                     <a:schemeClr val="bg2"/>
@@ -7703,7 +7714,17 @@
                 <a:latin typeface="微软雅黑" panose="020B0503020204020204" charset="-122"/>
                 <a:ea typeface="微软雅黑" panose="020B0503020204020204" charset="-122"/>
               </a:rPr>
-              <a:t>系統架構圖之一</a:t>
+              <a:t>系統架構</a:t>
+            </a:r>
+            <a:r>
+              <a:rPr lang="zh-TW" altLang="en-US" sz="2800" b="1" dirty="0" smtClean="0">
+                <a:solidFill>
+                  <a:srgbClr val="765036"/>
+                </a:solidFill>
+                <a:latin typeface="微软雅黑" panose="020B0503020204020204" charset="-122"/>
+                <a:ea typeface="微软雅黑" panose="020B0503020204020204" charset="-122"/>
+              </a:rPr>
+              <a:t>圖</a:t>
             </a:r>
             <a:endParaRPr lang="zh-CN" altLang="en-US" sz="2800" b="1" dirty="0">
               <a:solidFill>
@@ -7717,7 +7738,7 @@
       </p:sp>
       <p:pic>
         <p:nvPicPr>
-          <p:cNvPr id="13" name="Google Shape;152;p23"/>
+          <p:cNvPr id="14" name="Google Shape;158;p24"/>
           <p:cNvPicPr preferRelativeResize="0"/>
           <p:nvPr/>
         </p:nvPicPr>
@@ -7730,8 +7751,8 @@
         </p:blipFill>
         <p:spPr>
           <a:xfrm>
-            <a:off x="2528596" y="678399"/>
-            <a:ext cx="6701798" cy="5579104"/>
+            <a:off x="924018" y="837410"/>
+            <a:ext cx="10043309" cy="5255479"/>
           </a:xfrm>
           <a:prstGeom prst="rect">
             <a:avLst/>
@@ -7745,20 +7766,20 @@
     </p:spTree>
     <p:extLst>
       <p:ext uri="{BB962C8B-B14F-4D97-AF65-F5344CB8AC3E}">
-        <p14:creationId xmlns:p14="http://schemas.microsoft.com/office/powerpoint/2010/main" xmlns="" val="61994813"/>
+        <p14:creationId xmlns:p14="http://schemas.microsoft.com/office/powerpoint/2010/main" val="247650894"/>
       </p:ext>
     </p:extLst>
   </p:cSld>
   <p:clrMapOvr>
     <a:masterClrMapping/>
   </p:clrMapOvr>
-  <mc:AlternateContent xmlns:mc="http://schemas.openxmlformats.org/markup-compatibility/2006">
-    <mc:Choice xmlns:p14="http://schemas.microsoft.com/office/powerpoint/2010/main" xmlns="" Requires="p14">
+  <mc:AlternateContent xmlns:mc="http://schemas.openxmlformats.org/markup-compatibility/2006" xmlns:p14="http://schemas.microsoft.com/office/powerpoint/2010/main">
+    <mc:Choice Requires="p14">
       <p:transition spd="med" p14:dur="700">
         <p:fade/>
       </p:transition>
     </mc:Choice>
-    <mc:Fallback>
+    <mc:Fallback xmlns="">
       <p:transition spd="med">
         <p:fade/>
       </p:transition>
@@ -8006,8 +8027,8 @@
         </p:nvSpPr>
         <p:spPr bwMode="auto">
           <a:xfrm>
-            <a:off x="4746659" y="115378"/>
-            <a:ext cx="2698176" cy="523220"/>
+            <a:off x="4607199" y="115378"/>
+            <a:ext cx="2977097" cy="523220"/>
           </a:xfrm>
           <a:prstGeom prst="rect">
             <a:avLst/>
@@ -8019,14 +8040,14 @@
           <a:effectLst/>
           <a:extLst>
             <a:ext uri="{909E8E84-426E-40DD-AFC4-6F175D3DCCD1}">
-              <a14:hiddenFill xmlns:a14="http://schemas.microsoft.com/office/drawing/2010/main" xmlns="">
+              <a14:hiddenFill xmlns:a14="http://schemas.microsoft.com/office/drawing/2010/main">
                 <a:solidFill>
                   <a:schemeClr val="accent1"/>
                 </a:solidFill>
               </a14:hiddenFill>
             </a:ext>
             <a:ext uri="{91240B29-F687-4F45-9708-019B960494DF}">
-              <a14:hiddenLine xmlns:a14="http://schemas.microsoft.com/office/drawing/2010/main" xmlns="" w="9525">
+              <a14:hiddenLine xmlns:a14="http://schemas.microsoft.com/office/drawing/2010/main" w="9525">
                 <a:solidFill>
                   <a:srgbClr val="000000"/>
                 </a:solidFill>
@@ -8036,7 +8057,7 @@
               </a14:hiddenLine>
             </a:ext>
             <a:ext uri="{AF507438-7753-43E0-B8FC-AC1667EBCBE1}">
-              <a14:hiddenEffects xmlns:a14="http://schemas.microsoft.com/office/drawing/2010/main" xmlns="">
+              <a14:hiddenEffects xmlns:a14="http://schemas.microsoft.com/office/drawing/2010/main">
                 <a:effectLst>
                   <a:outerShdw dist="35921" dir="2700000" algn="ctr" rotWithShape="0">
                     <a:schemeClr val="bg2"/>
@@ -8064,7 +8085,37 @@
                 <a:latin typeface="微软雅黑" panose="020B0503020204020204" charset="-122"/>
                 <a:ea typeface="微软雅黑" panose="020B0503020204020204" charset="-122"/>
               </a:rPr>
-              <a:t>系統架構圖之二</a:t>
+              <a:t>程式啟動</a:t>
+            </a:r>
+            <a:r>
+              <a:rPr lang="en-US" altLang="zh-TW" sz="2800" b="1" dirty="0" smtClean="0">
+                <a:solidFill>
+                  <a:srgbClr val="765036"/>
+                </a:solidFill>
+                <a:latin typeface="微软雅黑" panose="020B0503020204020204" charset="-122"/>
+                <a:ea typeface="微软雅黑" panose="020B0503020204020204" charset="-122"/>
+              </a:rPr>
+              <a:t>(</a:t>
+            </a:r>
+            <a:r>
+              <a:rPr lang="zh-TW" altLang="en-US" sz="2800" b="1" dirty="0" smtClean="0">
+                <a:solidFill>
+                  <a:srgbClr val="765036"/>
+                </a:solidFill>
+                <a:latin typeface="微软雅黑" panose="020B0503020204020204" charset="-122"/>
+                <a:ea typeface="微软雅黑" panose="020B0503020204020204" charset="-122"/>
+              </a:rPr>
+              <a:t>資料庫</a:t>
+            </a:r>
+            <a:r>
+              <a:rPr lang="en-US" altLang="zh-TW" sz="2800" b="1" dirty="0" smtClean="0">
+                <a:solidFill>
+                  <a:srgbClr val="765036"/>
+                </a:solidFill>
+                <a:latin typeface="微软雅黑" panose="020B0503020204020204" charset="-122"/>
+                <a:ea typeface="微软雅黑" panose="020B0503020204020204" charset="-122"/>
+              </a:rPr>
+              <a:t>)</a:t>
             </a:r>
             <a:endParaRPr lang="zh-CN" altLang="en-US" sz="2800" b="1" dirty="0">
               <a:solidFill>
@@ -8076,50 +8127,99 @@
           </a:p>
         </p:txBody>
       </p:sp>
-      <p:pic>
-        <p:nvPicPr>
-          <p:cNvPr id="14" name="Google Shape;158;p24"/>
-          <p:cNvPicPr preferRelativeResize="0"/>
-          <p:nvPr/>
-        </p:nvPicPr>
-        <p:blipFill rotWithShape="1">
-          <a:blip r:embed="rId3">
-            <a:alphaModFix/>
-          </a:blip>
-          <a:srcRect/>
-          <a:stretch/>
-        </p:blipFill>
-        <p:spPr>
-          <a:xfrm>
-            <a:off x="924018" y="837410"/>
-            <a:ext cx="10043309" cy="5255479"/>
-          </a:xfrm>
-          <a:prstGeom prst="rect">
-            <a:avLst/>
-          </a:prstGeom>
-          <a:noFill/>
-          <a:ln>
-            <a:noFill/>
-          </a:ln>
-        </p:spPr>
-      </p:pic>
+      <p:graphicFrame>
+        <p:nvGraphicFramePr>
+          <p:cNvPr id="13" name="Object 8"/>
+          <p:cNvGraphicFramePr>
+            <a:graphicFrameLocks noChangeAspect="1"/>
+          </p:cNvGraphicFramePr>
+          <p:nvPr>
+            <p:extLst>
+              <p:ext uri="{D42A27DB-BD31-4B8C-83A1-F6EECF244321}">
+                <p14:modId xmlns:p14="http://schemas.microsoft.com/office/powerpoint/2010/main" val="3018463549"/>
+              </p:ext>
+            </p:extLst>
+          </p:nvPr>
+        </p:nvGraphicFramePr>
+        <p:xfrm>
+          <a:off x="2210124" y="797955"/>
+          <a:ext cx="7771752" cy="5562232"/>
+        </p:xfrm>
+        <a:graphic>
+          <a:graphicData uri="http://schemas.openxmlformats.org/presentationml/2006/ole">
+            <mc:AlternateContent xmlns:mc="http://schemas.openxmlformats.org/markup-compatibility/2006">
+              <mc:Choice xmlns:v="urn:schemas-microsoft-com:vml" Requires="v">
+                <p:oleObj spid="_x0000_s2057" name="Visio" r:id="rId4" imgW="5578235" imgH="4463378" progId="Visio.Drawing.11">
+                  <p:embed/>
+                </p:oleObj>
+              </mc:Choice>
+              <mc:Fallback>
+                <p:oleObj name="Visio" r:id="rId4" imgW="5578235" imgH="4463378" progId="Visio.Drawing.11">
+                  <p:embed/>
+                  <p:pic>
+                    <p:nvPicPr>
+                      <p:cNvPr id="0" name="Picture 5"/>
+                      <p:cNvPicPr>
+                        <a:picLocks noChangeAspect="1" noChangeArrowheads="1"/>
+                      </p:cNvPicPr>
+                      <p:nvPr/>
+                    </p:nvPicPr>
+                    <p:blipFill>
+                      <a:blip r:embed="rId5">
+                        <a:extLst>
+                          <a:ext uri="{28A0092B-C50C-407E-A947-70E740481C1C}">
+                            <a14:useLocalDpi xmlns:a14="http://schemas.microsoft.com/office/drawing/2010/main" val="0"/>
+                          </a:ext>
+                        </a:extLst>
+                      </a:blip>
+                      <a:srcRect/>
+                      <a:stretch>
+                        <a:fillRect/>
+                      </a:stretch>
+                    </p:blipFill>
+                    <p:spPr bwMode="auto">
+                      <a:xfrm>
+                        <a:off x="2210124" y="797955"/>
+                        <a:ext cx="7771752" cy="5562232"/>
+                      </a:xfrm>
+                      <a:prstGeom prst="rect">
+                        <a:avLst/>
+                      </a:prstGeom>
+                      <a:noFill/>
+                      <a:extLst>
+                        <a:ext uri="{909E8E84-426E-40DD-AFC4-6F175D3DCCD1}">
+                          <a14:hiddenFill xmlns:a14="http://schemas.microsoft.com/office/drawing/2010/main">
+                            <a:solidFill>
+                              <a:srgbClr val="FFFFFF"/>
+                            </a:solidFill>
+                          </a14:hiddenFill>
+                        </a:ext>
+                      </a:extLst>
+                    </p:spPr>
+                  </p:pic>
+                </p:oleObj>
+              </mc:Fallback>
+            </mc:AlternateContent>
+          </a:graphicData>
+        </a:graphic>
+      </p:graphicFrame>
     </p:spTree>
     <p:extLst>
       <p:ext uri="{BB962C8B-B14F-4D97-AF65-F5344CB8AC3E}">
-        <p14:creationId xmlns:p14="http://schemas.microsoft.com/office/powerpoint/2010/main" xmlns="" val="247650894"/>
+        <p14:creationId xmlns:p14="http://schemas.microsoft.com/office/powerpoint/2010/main" val="2755768059"/>
       </p:ext>
     </p:extLst>
   </p:cSld>
   <p:clrMapOvr>
     <a:masterClrMapping/>
   </p:clrMapOvr>
-  <mc:AlternateContent xmlns:mc="http://schemas.openxmlformats.org/markup-compatibility/2006">
-    <mc:Choice xmlns:p14="http://schemas.microsoft.com/office/powerpoint/2010/main" xmlns="" Requires="p14">
+  <mc:AlternateContent xmlns:mc="http://schemas.openxmlformats.org/markup-compatibility/2006" xmlns:p14="http://schemas.microsoft.com/office/powerpoint/2010/main">
+    <mc:Choice Requires="p14">
       <p:transition spd="med" p14:dur="700">
         <p:fade/>
       </p:transition>
     </mc:Choice>
-    <mc:Fallback>
+    <mc:Fallback xmlns="">
       <p:transition spd="med">
         <p:fade/>
       </p:transition>
@@ -8380,14 +8480,14 @@
           <a:effectLst/>
           <a:extLst>
             <a:ext uri="{909E8E84-426E-40DD-AFC4-6F175D3DCCD1}">
-              <a14:hiddenFill xmlns:a14="http://schemas.microsoft.com/office/drawing/2010/main" xmlns="">
+              <a14:hiddenFill xmlns:a14="http://schemas.microsoft.com/office/drawing/2010/main">
                 <a:solidFill>
                   <a:schemeClr val="accent1"/>
                 </a:solidFill>
               </a14:hiddenFill>
             </a:ext>
             <a:ext uri="{91240B29-F687-4F45-9708-019B960494DF}">
-              <a14:hiddenLine xmlns:a14="http://schemas.microsoft.com/office/drawing/2010/main" xmlns="" w="9525">
+              <a14:hiddenLine xmlns:a14="http://schemas.microsoft.com/office/drawing/2010/main" w="9525">
                 <a:solidFill>
                   <a:srgbClr val="000000"/>
                 </a:solidFill>
@@ -8397,7 +8497,7 @@
               </a14:hiddenLine>
             </a:ext>
             <a:ext uri="{AF507438-7753-43E0-B8FC-AC1667EBCBE1}">
-              <a14:hiddenEffects xmlns:a14="http://schemas.microsoft.com/office/drawing/2010/main" xmlns="">
+              <a14:hiddenEffects xmlns:a14="http://schemas.microsoft.com/office/drawing/2010/main">
                 <a:effectLst>
                   <a:outerShdw dist="35921" dir="2700000" algn="ctr" rotWithShape="0">
                     <a:schemeClr val="bg2"/>
@@ -8467,49 +8567,53 @@
           </a:p>
         </p:txBody>
       </p:sp>
-      <p:graphicFrame>
-        <p:nvGraphicFramePr>
-          <p:cNvPr id="13" name="Object 8"/>
-          <p:cNvGraphicFramePr>
-            <a:graphicFrameLocks noChangeAspect="1"/>
-          </p:cNvGraphicFramePr>
-          <p:nvPr>
-            <p:extLst>
-              <p:ext uri="{D42A27DB-BD31-4B8C-83A1-F6EECF244321}">
-                <p14:modId xmlns:p14="http://schemas.microsoft.com/office/powerpoint/2010/main" xmlns="" val="3018463549"/>
-              </p:ext>
-            </p:extLst>
-          </p:nvPr>
-        </p:nvGraphicFramePr>
-        <p:xfrm>
-          <a:off x="2210124" y="797955"/>
-          <a:ext cx="7771752" cy="5562232"/>
-        </p:xfrm>
-        <a:graphic>
-          <a:graphicData uri="http://schemas.openxmlformats.org/presentationml/2006/ole">
-            <p:oleObj spid="_x0000_s2053" name="Visio" r:id="rId4" imgW="5578235" imgH="4463378" progId="Visio.Drawing.11">
-              <p:embed/>
-            </p:oleObj>
-          </a:graphicData>
-        </a:graphic>
-      </p:graphicFrame>
+      <p:pic>
+        <p:nvPicPr>
+          <p:cNvPr id="6" name="圖片 5"/>
+          <p:cNvPicPr>
+            <a:picLocks noChangeAspect="1"/>
+          </p:cNvPicPr>
+          <p:nvPr/>
+        </p:nvPicPr>
+        <p:blipFill>
+          <a:blip r:embed="rId3">
+            <a:extLst>
+              <a:ext uri="{28A0092B-C50C-407E-A947-70E740481C1C}">
+                <a14:useLocalDpi xmlns:a14="http://schemas.microsoft.com/office/drawing/2010/main" val="0"/>
+              </a:ext>
+            </a:extLst>
+          </a:blip>
+          <a:stretch>
+            <a:fillRect/>
+          </a:stretch>
+        </p:blipFill>
+        <p:spPr>
+          <a:xfrm>
+            <a:off x="2096684" y="2125877"/>
+            <a:ext cx="7743593" cy="2906388"/>
+          </a:xfrm>
+          <a:prstGeom prst="rect">
+            <a:avLst/>
+          </a:prstGeom>
+        </p:spPr>
+      </p:pic>
     </p:spTree>
     <p:extLst>
       <p:ext uri="{BB962C8B-B14F-4D97-AF65-F5344CB8AC3E}">
-        <p14:creationId xmlns:p14="http://schemas.microsoft.com/office/powerpoint/2010/main" xmlns="" val="2755768059"/>
+        <p14:creationId xmlns:p14="http://schemas.microsoft.com/office/powerpoint/2010/main" val="280223948"/>
       </p:ext>
     </p:extLst>
   </p:cSld>
   <p:clrMapOvr>
     <a:masterClrMapping/>
   </p:clrMapOvr>
-  <mc:AlternateContent xmlns:mc="http://schemas.openxmlformats.org/markup-compatibility/2006">
-    <mc:Choice xmlns:p14="http://schemas.microsoft.com/office/powerpoint/2010/main" xmlns="" Requires="p14">
+  <mc:AlternateContent xmlns:mc="http://schemas.openxmlformats.org/markup-compatibility/2006" xmlns:p14="http://schemas.microsoft.com/office/powerpoint/2010/main">
+    <mc:Choice Requires="p14">
       <p:transition spd="med" p14:dur="700">
         <p:fade/>
       </p:transition>
     </mc:Choice>
-    <mc:Fallback>
+    <mc:Fallback xmlns="">
       <p:transition spd="med">
         <p:fade/>
       </p:transition>
@@ -8757,8 +8861,8 @@
         </p:nvSpPr>
         <p:spPr bwMode="auto">
           <a:xfrm>
-            <a:off x="4607199" y="115378"/>
-            <a:ext cx="2977097" cy="523220"/>
+            <a:off x="4746657" y="115378"/>
+            <a:ext cx="2698176" cy="523220"/>
           </a:xfrm>
           <a:prstGeom prst="rect">
             <a:avLst/>
@@ -8770,14 +8874,14 @@
           <a:effectLst/>
           <a:extLst>
             <a:ext uri="{909E8E84-426E-40DD-AFC4-6F175D3DCCD1}">
-              <a14:hiddenFill xmlns:a14="http://schemas.microsoft.com/office/drawing/2010/main" xmlns="">
+              <a14:hiddenFill xmlns:a14="http://schemas.microsoft.com/office/drawing/2010/main">
                 <a:solidFill>
                   <a:schemeClr val="accent1"/>
                 </a:solidFill>
               </a14:hiddenFill>
             </a:ext>
             <a:ext uri="{91240B29-F687-4F45-9708-019B960494DF}">
-              <a14:hiddenLine xmlns:a14="http://schemas.microsoft.com/office/drawing/2010/main" xmlns="" w="9525">
+              <a14:hiddenLine xmlns:a14="http://schemas.microsoft.com/office/drawing/2010/main" w="9525">
                 <a:solidFill>
                   <a:srgbClr val="000000"/>
                 </a:solidFill>
@@ -8787,7 +8891,7 @@
               </a14:hiddenLine>
             </a:ext>
             <a:ext uri="{AF507438-7753-43E0-B8FC-AC1667EBCBE1}">
-              <a14:hiddenEffects xmlns:a14="http://schemas.microsoft.com/office/drawing/2010/main" xmlns="">
+              <a14:hiddenEffects xmlns:a14="http://schemas.microsoft.com/office/drawing/2010/main">
                 <a:effectLst>
                   <a:outerShdw dist="35921" dir="2700000" algn="ctr" rotWithShape="0">
                     <a:schemeClr val="bg2"/>
@@ -8815,39 +8919,9 @@
                 <a:latin typeface="微软雅黑" panose="020B0503020204020204" charset="-122"/>
                 <a:ea typeface="微软雅黑" panose="020B0503020204020204" charset="-122"/>
               </a:rPr>
-              <a:t>程式啟動</a:t>
+              <a:t>使用案例圖之一</a:t>
             </a:r>
-            <a:r>
-              <a:rPr lang="en-US" altLang="zh-TW" sz="2800" b="1" dirty="0" smtClean="0">
-                <a:solidFill>
-                  <a:srgbClr val="765036"/>
-                </a:solidFill>
-                <a:latin typeface="微软雅黑" panose="020B0503020204020204" charset="-122"/>
-                <a:ea typeface="微软雅黑" panose="020B0503020204020204" charset="-122"/>
-              </a:rPr>
-              <a:t>(</a:t>
-            </a:r>
-            <a:r>
-              <a:rPr lang="zh-TW" altLang="en-US" sz="2800" b="1" dirty="0" smtClean="0">
-                <a:solidFill>
-                  <a:srgbClr val="765036"/>
-                </a:solidFill>
-                <a:latin typeface="微软雅黑" panose="020B0503020204020204" charset="-122"/>
-                <a:ea typeface="微软雅黑" panose="020B0503020204020204" charset="-122"/>
-              </a:rPr>
-              <a:t>資料庫</a:t>
-            </a:r>
-            <a:r>
-              <a:rPr lang="en-US" altLang="zh-TW" sz="2800" b="1" dirty="0" smtClean="0">
-                <a:solidFill>
-                  <a:srgbClr val="765036"/>
-                </a:solidFill>
-                <a:latin typeface="微软雅黑" panose="020B0503020204020204" charset="-122"/>
-                <a:ea typeface="微软雅黑" panose="020B0503020204020204" charset="-122"/>
-              </a:rPr>
-              <a:t>)</a:t>
-            </a:r>
-            <a:endParaRPr lang="zh-CN" altLang="en-US" sz="2800" b="1" dirty="0">
+            <a:endParaRPr lang="en-US" altLang="zh-TW" sz="2800" b="1" dirty="0" smtClean="0">
               <a:solidFill>
                 <a:srgbClr val="765036"/>
               </a:solidFill>
@@ -8859,7 +8933,7 @@
       </p:sp>
       <p:pic>
         <p:nvPicPr>
-          <p:cNvPr id="14" name="Google Shape;170;p26"/>
+          <p:cNvPr id="13" name="Google Shape;152;p23"/>
           <p:cNvPicPr preferRelativeResize="0"/>
           <p:nvPr/>
         </p:nvPicPr>
@@ -8872,8 +8946,8 @@
         </p:blipFill>
         <p:spPr>
           <a:xfrm>
-            <a:off x="2892490" y="1093100"/>
-            <a:ext cx="5881456" cy="4674210"/>
+            <a:off x="2528596" y="678399"/>
+            <a:ext cx="6701798" cy="5579104"/>
           </a:xfrm>
           <a:prstGeom prst="rect">
             <a:avLst/>
@@ -8887,20 +8961,20 @@
     </p:spTree>
     <p:extLst>
       <p:ext uri="{BB962C8B-B14F-4D97-AF65-F5344CB8AC3E}">
-        <p14:creationId xmlns:p14="http://schemas.microsoft.com/office/powerpoint/2010/main" xmlns="" val="280223948"/>
+        <p14:creationId xmlns:p14="http://schemas.microsoft.com/office/powerpoint/2010/main" val="61994813"/>
       </p:ext>
     </p:extLst>
   </p:cSld>
   <p:clrMapOvr>
     <a:masterClrMapping/>
   </p:clrMapOvr>
-  <mc:AlternateContent xmlns:mc="http://schemas.openxmlformats.org/markup-compatibility/2006">
-    <mc:Choice xmlns:p14="http://schemas.microsoft.com/office/powerpoint/2010/main" xmlns="" Requires="p14">
+  <mc:AlternateContent xmlns:mc="http://schemas.openxmlformats.org/markup-compatibility/2006" xmlns:p14="http://schemas.microsoft.com/office/powerpoint/2010/main">
+    <mc:Choice Requires="p14">
       <p:transition spd="med" p14:dur="700">
         <p:fade/>
       </p:transition>
     </mc:Choice>
-    <mc:Fallback>
+    <mc:Fallback xmlns="">
       <p:transition spd="med">
         <p:fade/>
       </p:transition>
@@ -9148,8 +9222,8 @@
         </p:nvSpPr>
         <p:spPr bwMode="auto">
           <a:xfrm>
-            <a:off x="4926197" y="115378"/>
-            <a:ext cx="2339102" cy="523220"/>
+            <a:off x="4746660" y="115378"/>
+            <a:ext cx="2698176" cy="523220"/>
           </a:xfrm>
           <a:prstGeom prst="rect">
             <a:avLst/>
@@ -9161,14 +9235,14 @@
           <a:effectLst/>
           <a:extLst>
             <a:ext uri="{909E8E84-426E-40DD-AFC4-6F175D3DCCD1}">
-              <a14:hiddenFill xmlns:a14="http://schemas.microsoft.com/office/drawing/2010/main" xmlns="">
+              <a14:hiddenFill xmlns:a14="http://schemas.microsoft.com/office/drawing/2010/main">
                 <a:solidFill>
                   <a:schemeClr val="accent1"/>
                 </a:solidFill>
               </a14:hiddenFill>
             </a:ext>
             <a:ext uri="{91240B29-F687-4F45-9708-019B960494DF}">
-              <a14:hiddenLine xmlns:a14="http://schemas.microsoft.com/office/drawing/2010/main" xmlns="" w="9525">
+              <a14:hiddenLine xmlns:a14="http://schemas.microsoft.com/office/drawing/2010/main" w="9525">
                 <a:solidFill>
                   <a:srgbClr val="000000"/>
                 </a:solidFill>
@@ -9178,7 +9252,7 @@
               </a14:hiddenLine>
             </a:ext>
             <a:ext uri="{AF507438-7753-43E0-B8FC-AC1667EBCBE1}">
-              <a14:hiddenEffects xmlns:a14="http://schemas.microsoft.com/office/drawing/2010/main" xmlns="">
+              <a14:hiddenEffects xmlns:a14="http://schemas.microsoft.com/office/drawing/2010/main">
                 <a:effectLst>
                   <a:outerShdw dist="35921" dir="2700000" algn="ctr" rotWithShape="0">
                     <a:schemeClr val="bg2"/>
@@ -9206,7 +9280,7 @@
                 <a:latin typeface="微软雅黑" panose="020B0503020204020204" charset="-122"/>
                 <a:ea typeface="微软雅黑" panose="020B0503020204020204" charset="-122"/>
               </a:rPr>
-              <a:t>使用者案例圖</a:t>
+              <a:t>使用案例圖之二</a:t>
             </a:r>
             <a:endParaRPr lang="zh-CN" altLang="en-US" sz="2800" b="1" dirty="0">
               <a:solidFill>
@@ -9248,20 +9322,20 @@
     </p:spTree>
     <p:extLst>
       <p:ext uri="{BB962C8B-B14F-4D97-AF65-F5344CB8AC3E}">
-        <p14:creationId xmlns:p14="http://schemas.microsoft.com/office/powerpoint/2010/main" xmlns="" val="925551321"/>
+        <p14:creationId xmlns:p14="http://schemas.microsoft.com/office/powerpoint/2010/main" val="925551321"/>
       </p:ext>
     </p:extLst>
   </p:cSld>
   <p:clrMapOvr>
     <a:masterClrMapping/>
   </p:clrMapOvr>
-  <mc:AlternateContent xmlns:mc="http://schemas.openxmlformats.org/markup-compatibility/2006">
-    <mc:Choice xmlns:p14="http://schemas.microsoft.com/office/powerpoint/2010/main" xmlns="" Requires="p14">
+  <mc:AlternateContent xmlns:mc="http://schemas.openxmlformats.org/markup-compatibility/2006" xmlns:p14="http://schemas.microsoft.com/office/powerpoint/2010/main">
+    <mc:Choice Requires="p14">
       <p:transition spd="med" p14:dur="700">
         <p:fade/>
       </p:transition>
     </mc:Choice>
-    <mc:Fallback>
+    <mc:Fallback xmlns="">
       <p:transition spd="med">
         <p:fade/>
       </p:transition>
@@ -9522,14 +9596,14 @@
           <a:effectLst/>
           <a:extLst>
             <a:ext uri="{909E8E84-426E-40DD-AFC4-6F175D3DCCD1}">
-              <a14:hiddenFill xmlns:a14="http://schemas.microsoft.com/office/drawing/2010/main" xmlns="">
+              <a14:hiddenFill xmlns:a14="http://schemas.microsoft.com/office/drawing/2010/main">
                 <a:solidFill>
                   <a:schemeClr val="accent1"/>
                 </a:solidFill>
               </a14:hiddenFill>
             </a:ext>
             <a:ext uri="{91240B29-F687-4F45-9708-019B960494DF}">
-              <a14:hiddenLine xmlns:a14="http://schemas.microsoft.com/office/drawing/2010/main" xmlns="" w="9525">
+              <a14:hiddenLine xmlns:a14="http://schemas.microsoft.com/office/drawing/2010/main" w="9525">
                 <a:solidFill>
                   <a:srgbClr val="000000"/>
                 </a:solidFill>
@@ -9539,7 +9613,7 @@
               </a14:hiddenLine>
             </a:ext>
             <a:ext uri="{AF507438-7753-43E0-B8FC-AC1667EBCBE1}">
-              <a14:hiddenEffects xmlns:a14="http://schemas.microsoft.com/office/drawing/2010/main" xmlns="">
+              <a14:hiddenEffects xmlns:a14="http://schemas.microsoft.com/office/drawing/2010/main">
                 <a:effectLst>
                   <a:outerShdw dist="35921" dir="2700000" algn="ctr" rotWithShape="0">
                     <a:schemeClr val="bg2"/>
@@ -9619,20 +9693,20 @@
     </p:spTree>
     <p:extLst>
       <p:ext uri="{BB962C8B-B14F-4D97-AF65-F5344CB8AC3E}">
-        <p14:creationId xmlns:p14="http://schemas.microsoft.com/office/powerpoint/2010/main" xmlns="" val="2437379121"/>
+        <p14:creationId xmlns:p14="http://schemas.microsoft.com/office/powerpoint/2010/main" val="2437379121"/>
       </p:ext>
     </p:extLst>
   </p:cSld>
   <p:clrMapOvr>
     <a:masterClrMapping/>
   </p:clrMapOvr>
-  <mc:AlternateContent xmlns:mc="http://schemas.openxmlformats.org/markup-compatibility/2006">
-    <mc:Choice xmlns:p14="http://schemas.microsoft.com/office/powerpoint/2010/main" xmlns="" Requires="p14">
+  <mc:AlternateContent xmlns:mc="http://schemas.openxmlformats.org/markup-compatibility/2006" xmlns:p14="http://schemas.microsoft.com/office/powerpoint/2010/main">
+    <mc:Choice Requires="p14">
       <p:transition spd="med" p14:dur="700">
         <p:fade/>
       </p:transition>
     </mc:Choice>
-    <mc:Fallback>
+    <mc:Fallback xmlns="">
       <p:transition spd="med">
         <p:fade/>
       </p:transition>
@@ -9893,14 +9967,14 @@
           <a:effectLst/>
           <a:extLst>
             <a:ext uri="{909E8E84-426E-40DD-AFC4-6F175D3DCCD1}">
-              <a14:hiddenFill xmlns:a14="http://schemas.microsoft.com/office/drawing/2010/main" xmlns="">
+              <a14:hiddenFill xmlns:a14="http://schemas.microsoft.com/office/drawing/2010/main">
                 <a:solidFill>
                   <a:schemeClr val="accent1"/>
                 </a:solidFill>
               </a14:hiddenFill>
             </a:ext>
             <a:ext uri="{91240B29-F687-4F45-9708-019B960494DF}">
-              <a14:hiddenLine xmlns:a14="http://schemas.microsoft.com/office/drawing/2010/main" xmlns="" w="9525">
+              <a14:hiddenLine xmlns:a14="http://schemas.microsoft.com/office/drawing/2010/main" w="9525">
                 <a:solidFill>
                   <a:srgbClr val="000000"/>
                 </a:solidFill>
@@ -9910,7 +9984,7 @@
               </a14:hiddenLine>
             </a:ext>
             <a:ext uri="{AF507438-7753-43E0-B8FC-AC1667EBCBE1}">
-              <a14:hiddenEffects xmlns:a14="http://schemas.microsoft.com/office/drawing/2010/main" xmlns="">
+              <a14:hiddenEffects xmlns:a14="http://schemas.microsoft.com/office/drawing/2010/main">
                 <a:effectLst>
                   <a:outerShdw dist="35921" dir="2700000" algn="ctr" rotWithShape="0">
                     <a:schemeClr val="bg2"/>
@@ -9992,7 +10066,7 @@
           <a:blip r:embed="rId3">
             <a:extLst>
               <a:ext uri="{28A0092B-C50C-407E-A947-70E740481C1C}">
-                <a14:useLocalDpi xmlns:a14="http://schemas.microsoft.com/office/drawing/2010/main" xmlns="" val="0"/>
+                <a14:useLocalDpi xmlns:a14="http://schemas.microsoft.com/office/drawing/2010/main" val="0"/>
               </a:ext>
             </a:extLst>
           </a:blip>
@@ -10013,20 +10087,20 @@
     </p:spTree>
     <p:extLst>
       <p:ext uri="{BB962C8B-B14F-4D97-AF65-F5344CB8AC3E}">
-        <p14:creationId xmlns:p14="http://schemas.microsoft.com/office/powerpoint/2010/main" xmlns="" val="3559992253"/>
+        <p14:creationId xmlns:p14="http://schemas.microsoft.com/office/powerpoint/2010/main" val="3559992253"/>
       </p:ext>
     </p:extLst>
   </p:cSld>
   <p:clrMapOvr>
     <a:masterClrMapping/>
   </p:clrMapOvr>
-  <mc:AlternateContent xmlns:mc="http://schemas.openxmlformats.org/markup-compatibility/2006">
-    <mc:Choice xmlns:p14="http://schemas.microsoft.com/office/powerpoint/2010/main" xmlns="" Requires="p14">
+  <mc:AlternateContent xmlns:mc="http://schemas.openxmlformats.org/markup-compatibility/2006" xmlns:p14="http://schemas.microsoft.com/office/powerpoint/2010/main">
+    <mc:Choice Requires="p14">
       <p:transition spd="med" p14:dur="700">
         <p:fade/>
       </p:transition>
     </mc:Choice>
-    <mc:Fallback>
+    <mc:Fallback xmlns="">
       <p:transition spd="med">
         <p:fade/>
       </p:transition>
@@ -10287,14 +10361,14 @@
           <a:effectLst/>
           <a:extLst>
             <a:ext uri="{909E8E84-426E-40DD-AFC4-6F175D3DCCD1}">
-              <a14:hiddenFill xmlns:a14="http://schemas.microsoft.com/office/drawing/2010/main" xmlns="">
+              <a14:hiddenFill xmlns:a14="http://schemas.microsoft.com/office/drawing/2010/main">
                 <a:solidFill>
                   <a:schemeClr val="accent1"/>
                 </a:solidFill>
               </a14:hiddenFill>
             </a:ext>
             <a:ext uri="{91240B29-F687-4F45-9708-019B960494DF}">
-              <a14:hiddenLine xmlns:a14="http://schemas.microsoft.com/office/drawing/2010/main" xmlns="" w="9525">
+              <a14:hiddenLine xmlns:a14="http://schemas.microsoft.com/office/drawing/2010/main" w="9525">
                 <a:solidFill>
                   <a:srgbClr val="000000"/>
                 </a:solidFill>
@@ -10304,7 +10378,7 @@
               </a14:hiddenLine>
             </a:ext>
             <a:ext uri="{AF507438-7753-43E0-B8FC-AC1667EBCBE1}">
-              <a14:hiddenEffects xmlns:a14="http://schemas.microsoft.com/office/drawing/2010/main" xmlns="">
+              <a14:hiddenEffects xmlns:a14="http://schemas.microsoft.com/office/drawing/2010/main">
                 <a:effectLst>
                   <a:outerShdw dist="35921" dir="2700000" algn="ctr" rotWithShape="0">
                     <a:schemeClr val="bg2"/>
@@ -10404,20 +10478,20 @@
     </p:spTree>
     <p:extLst>
       <p:ext uri="{BB962C8B-B14F-4D97-AF65-F5344CB8AC3E}">
-        <p14:creationId xmlns:p14="http://schemas.microsoft.com/office/powerpoint/2010/main" xmlns="" val="497684614"/>
+        <p14:creationId xmlns:p14="http://schemas.microsoft.com/office/powerpoint/2010/main" val="497684614"/>
       </p:ext>
     </p:extLst>
   </p:cSld>
   <p:clrMapOvr>
     <a:masterClrMapping/>
   </p:clrMapOvr>
-  <mc:AlternateContent xmlns:mc="http://schemas.openxmlformats.org/markup-compatibility/2006">
-    <mc:Choice xmlns:p14="http://schemas.microsoft.com/office/powerpoint/2010/main" xmlns="" Requires="p14">
+  <mc:AlternateContent xmlns:mc="http://schemas.openxmlformats.org/markup-compatibility/2006" xmlns:p14="http://schemas.microsoft.com/office/powerpoint/2010/main">
+    <mc:Choice Requires="p14">
       <p:transition spd="med" p14:dur="700">
         <p:fade/>
       </p:transition>
     </mc:Choice>
-    <mc:Fallback>
+    <mc:Fallback xmlns="">
       <p:transition spd="med">
         <p:fade/>
       </p:transition>
@@ -10678,14 +10752,14 @@
           <a:effectLst/>
           <a:extLst>
             <a:ext uri="{909E8E84-426E-40DD-AFC4-6F175D3DCCD1}">
-              <a14:hiddenFill xmlns:a14="http://schemas.microsoft.com/office/drawing/2010/main" xmlns="">
+              <a14:hiddenFill xmlns:a14="http://schemas.microsoft.com/office/drawing/2010/main">
                 <a:solidFill>
                   <a:schemeClr val="accent1"/>
                 </a:solidFill>
               </a14:hiddenFill>
             </a:ext>
             <a:ext uri="{91240B29-F687-4F45-9708-019B960494DF}">
-              <a14:hiddenLine xmlns:a14="http://schemas.microsoft.com/office/drawing/2010/main" xmlns="" w="9525">
+              <a14:hiddenLine xmlns:a14="http://schemas.microsoft.com/office/drawing/2010/main" w="9525">
                 <a:solidFill>
                   <a:srgbClr val="000000"/>
                 </a:solidFill>
@@ -10695,7 +10769,7 @@
               </a14:hiddenLine>
             </a:ext>
             <a:ext uri="{AF507438-7753-43E0-B8FC-AC1667EBCBE1}">
-              <a14:hiddenEffects xmlns:a14="http://schemas.microsoft.com/office/drawing/2010/main" xmlns="">
+              <a14:hiddenEffects xmlns:a14="http://schemas.microsoft.com/office/drawing/2010/main">
                 <a:effectLst>
                   <a:outerShdw dist="35921" dir="2700000" algn="ctr" rotWithShape="0">
                     <a:schemeClr val="bg2"/>
@@ -10758,14 +10832,14 @@
           <a:effectLst/>
           <a:extLst>
             <a:ext uri="{909E8E84-426E-40DD-AFC4-6F175D3DCCD1}">
-              <a14:hiddenFill xmlns:a14="http://schemas.microsoft.com/office/drawing/2010/main" xmlns="">
+              <a14:hiddenFill xmlns:a14="http://schemas.microsoft.com/office/drawing/2010/main">
                 <a:solidFill>
                   <a:schemeClr val="accent1"/>
                 </a:solidFill>
               </a14:hiddenFill>
             </a:ext>
             <a:ext uri="{91240B29-F687-4F45-9708-019B960494DF}">
-              <a14:hiddenLine xmlns:a14="http://schemas.microsoft.com/office/drawing/2010/main" xmlns="" w="9525">
+              <a14:hiddenLine xmlns:a14="http://schemas.microsoft.com/office/drawing/2010/main" w="9525">
                 <a:solidFill>
                   <a:srgbClr val="000000"/>
                 </a:solidFill>
@@ -10775,7 +10849,7 @@
               </a14:hiddenLine>
             </a:ext>
             <a:ext uri="{AF507438-7753-43E0-B8FC-AC1667EBCBE1}">
-              <a14:hiddenEffects xmlns:a14="http://schemas.microsoft.com/office/drawing/2010/main" xmlns="">
+              <a14:hiddenEffects xmlns:a14="http://schemas.microsoft.com/office/drawing/2010/main">
                 <a:effectLst>
                   <a:outerShdw dist="35921" dir="2700000" algn="ctr" rotWithShape="0">
                     <a:schemeClr val="bg2"/>
@@ -10824,7 +10898,7 @@
           <p:nvPr>
             <p:extLst>
               <p:ext uri="{D42A27DB-BD31-4B8C-83A1-F6EECF244321}">
-                <p14:modId xmlns:p14="http://schemas.microsoft.com/office/powerpoint/2010/main" xmlns="" val="1423156855"/>
+                <p14:modId xmlns:p14="http://schemas.microsoft.com/office/powerpoint/2010/main" val="1423156855"/>
               </p:ext>
             </p:extLst>
           </p:nvPr>
@@ -10843,14 +10917,14 @@
                 <a:gridCol w="3559975">
                   <a:extLst>
                     <a:ext uri="{9D8B030D-6E8A-4147-A177-3AD203B41FA5}">
-                      <a16:colId xmlns:a16="http://schemas.microsoft.com/office/drawing/2014/main" xmlns="" val="1917988028"/>
+                      <a16:colId xmlns:a16="http://schemas.microsoft.com/office/drawing/2014/main" val="1917988028"/>
                     </a:ext>
                   </a:extLst>
                 </a:gridCol>
                 <a:gridCol w="3559975">
                   <a:extLst>
                     <a:ext uri="{9D8B030D-6E8A-4147-A177-3AD203B41FA5}">
-                      <a16:colId xmlns:a16="http://schemas.microsoft.com/office/drawing/2014/main" xmlns="" val="3729323425"/>
+                      <a16:colId xmlns:a16="http://schemas.microsoft.com/office/drawing/2014/main" val="3729323425"/>
                     </a:ext>
                   </a:extLst>
                 </a:gridCol>
@@ -11007,7 +11081,7 @@
                 </a:tc>
                 <a:extLst>
                   <a:ext uri="{0D108BD9-81ED-4DB2-BD59-A6C34878D82A}">
-                    <a16:rowId xmlns:a16="http://schemas.microsoft.com/office/drawing/2014/main" xmlns="" val="2172956877"/>
+                    <a16:rowId xmlns:a16="http://schemas.microsoft.com/office/drawing/2014/main" val="2172956877"/>
                   </a:ext>
                 </a:extLst>
               </a:tr>
@@ -11179,7 +11253,7 @@
                 </a:tc>
                 <a:extLst>
                   <a:ext uri="{0D108BD9-81ED-4DB2-BD59-A6C34878D82A}">
-                    <a16:rowId xmlns:a16="http://schemas.microsoft.com/office/drawing/2014/main" xmlns="" val="682714572"/>
+                    <a16:rowId xmlns:a16="http://schemas.microsoft.com/office/drawing/2014/main" val="682714572"/>
                   </a:ext>
                 </a:extLst>
               </a:tr>
@@ -11210,14 +11284,14 @@
           <a:effectLst/>
           <a:extLst>
             <a:ext uri="{909E8E84-426E-40DD-AFC4-6F175D3DCCD1}">
-              <a14:hiddenFill xmlns:a14="http://schemas.microsoft.com/office/drawing/2010/main" xmlns="">
+              <a14:hiddenFill xmlns:a14="http://schemas.microsoft.com/office/drawing/2010/main">
                 <a:solidFill>
                   <a:schemeClr val="accent1"/>
                 </a:solidFill>
               </a14:hiddenFill>
             </a:ext>
             <a:ext uri="{91240B29-F687-4F45-9708-019B960494DF}">
-              <a14:hiddenLine xmlns:a14="http://schemas.microsoft.com/office/drawing/2010/main" xmlns="" w="9525">
+              <a14:hiddenLine xmlns:a14="http://schemas.microsoft.com/office/drawing/2010/main" w="9525">
                 <a:solidFill>
                   <a:srgbClr val="000000"/>
                 </a:solidFill>
@@ -11227,7 +11301,7 @@
               </a14:hiddenLine>
             </a:ext>
             <a:ext uri="{AF507438-7753-43E0-B8FC-AC1667EBCBE1}">
-              <a14:hiddenEffects xmlns:a14="http://schemas.microsoft.com/office/drawing/2010/main" xmlns="">
+              <a14:hiddenEffects xmlns:a14="http://schemas.microsoft.com/office/drawing/2010/main">
                 <a:effectLst>
                   <a:outerShdw dist="35921" dir="2700000" algn="ctr" rotWithShape="0">
                     <a:schemeClr val="bg2"/>
@@ -11276,7 +11350,7 @@
           <p:nvPr>
             <p:extLst>
               <p:ext uri="{D42A27DB-BD31-4B8C-83A1-F6EECF244321}">
-                <p14:modId xmlns:p14="http://schemas.microsoft.com/office/powerpoint/2010/main" xmlns="" val="1867031742"/>
+                <p14:modId xmlns:p14="http://schemas.microsoft.com/office/powerpoint/2010/main" val="1867031742"/>
               </p:ext>
             </p:extLst>
           </p:nvPr>
@@ -11295,14 +11369,14 @@
                 <a:gridCol w="3559975">
                   <a:extLst>
                     <a:ext uri="{9D8B030D-6E8A-4147-A177-3AD203B41FA5}">
-                      <a16:colId xmlns:a16="http://schemas.microsoft.com/office/drawing/2014/main" xmlns="" val="1217309479"/>
+                      <a16:colId xmlns:a16="http://schemas.microsoft.com/office/drawing/2014/main" val="1217309479"/>
                     </a:ext>
                   </a:extLst>
                 </a:gridCol>
                 <a:gridCol w="3559975">
                   <a:extLst>
                     <a:ext uri="{9D8B030D-6E8A-4147-A177-3AD203B41FA5}">
-                      <a16:colId xmlns:a16="http://schemas.microsoft.com/office/drawing/2014/main" xmlns="" val="154903219"/>
+                      <a16:colId xmlns:a16="http://schemas.microsoft.com/office/drawing/2014/main" val="154903219"/>
                     </a:ext>
                   </a:extLst>
                 </a:gridCol>
@@ -11442,7 +11516,7 @@
                 </a:tc>
                 <a:extLst>
                   <a:ext uri="{0D108BD9-81ED-4DB2-BD59-A6C34878D82A}">
-                    <a16:rowId xmlns:a16="http://schemas.microsoft.com/office/drawing/2014/main" xmlns="" val="1495349994"/>
+                    <a16:rowId xmlns:a16="http://schemas.microsoft.com/office/drawing/2014/main" val="1495349994"/>
                   </a:ext>
                 </a:extLst>
               </a:tr>
@@ -11581,7 +11655,7 @@
                 </a:tc>
                 <a:extLst>
                   <a:ext uri="{0D108BD9-81ED-4DB2-BD59-A6C34878D82A}">
-                    <a16:rowId xmlns:a16="http://schemas.microsoft.com/office/drawing/2014/main" xmlns="" val="1261748631"/>
+                    <a16:rowId xmlns:a16="http://schemas.microsoft.com/office/drawing/2014/main" val="1261748631"/>
                   </a:ext>
                 </a:extLst>
               </a:tr>
@@ -11720,7 +11794,7 @@
                 </a:tc>
                 <a:extLst>
                   <a:ext uri="{0D108BD9-81ED-4DB2-BD59-A6C34878D82A}">
-                    <a16:rowId xmlns:a16="http://schemas.microsoft.com/office/drawing/2014/main" xmlns="" val="3352031540"/>
+                    <a16:rowId xmlns:a16="http://schemas.microsoft.com/office/drawing/2014/main" val="3352031540"/>
                   </a:ext>
                 </a:extLst>
               </a:tr>
@@ -11731,20 +11805,20 @@
     </p:spTree>
     <p:extLst>
       <p:ext uri="{BB962C8B-B14F-4D97-AF65-F5344CB8AC3E}">
-        <p14:creationId xmlns:p14="http://schemas.microsoft.com/office/powerpoint/2010/main" xmlns="" val="2339422705"/>
+        <p14:creationId xmlns:p14="http://schemas.microsoft.com/office/powerpoint/2010/main" val="2339422705"/>
       </p:ext>
     </p:extLst>
   </p:cSld>
   <p:clrMapOvr>
     <a:masterClrMapping/>
   </p:clrMapOvr>
-  <mc:AlternateContent xmlns:mc="http://schemas.openxmlformats.org/markup-compatibility/2006">
-    <mc:Choice xmlns:p14="http://schemas.microsoft.com/office/powerpoint/2010/main" xmlns="" Requires="p14">
+  <mc:AlternateContent xmlns:mc="http://schemas.openxmlformats.org/markup-compatibility/2006" xmlns:p14="http://schemas.microsoft.com/office/powerpoint/2010/main">
+    <mc:Choice Requires="p14">
       <p:transition spd="med" p14:dur="700">
         <p:fade/>
       </p:transition>
     </mc:Choice>
-    <mc:Fallback>
+    <mc:Fallback xmlns="">
       <p:transition spd="med">
         <p:fade/>
       </p:transition>
@@ -12005,14 +12079,14 @@
           <a:effectLst/>
           <a:extLst>
             <a:ext uri="{909E8E84-426E-40DD-AFC4-6F175D3DCCD1}">
-              <a14:hiddenFill xmlns:a14="http://schemas.microsoft.com/office/drawing/2010/main" xmlns="">
+              <a14:hiddenFill xmlns:a14="http://schemas.microsoft.com/office/drawing/2010/main">
                 <a:solidFill>
                   <a:schemeClr val="accent1"/>
                 </a:solidFill>
               </a14:hiddenFill>
             </a:ext>
             <a:ext uri="{91240B29-F687-4F45-9708-019B960494DF}">
-              <a14:hiddenLine xmlns:a14="http://schemas.microsoft.com/office/drawing/2010/main" xmlns="" w="9525">
+              <a14:hiddenLine xmlns:a14="http://schemas.microsoft.com/office/drawing/2010/main" w="9525">
                 <a:solidFill>
                   <a:srgbClr val="000000"/>
                 </a:solidFill>
@@ -12022,7 +12096,7 @@
               </a14:hiddenLine>
             </a:ext>
             <a:ext uri="{AF507438-7753-43E0-B8FC-AC1667EBCBE1}">
-              <a14:hiddenEffects xmlns:a14="http://schemas.microsoft.com/office/drawing/2010/main" xmlns="">
+              <a14:hiddenEffects xmlns:a14="http://schemas.microsoft.com/office/drawing/2010/main">
                 <a:effectLst>
                   <a:outerShdw dist="35921" dir="2700000" algn="ctr" rotWithShape="0">
                     <a:schemeClr val="bg2"/>
@@ -12249,13 +12323,13 @@
   <p:clrMapOvr>
     <a:masterClrMapping/>
   </p:clrMapOvr>
-  <mc:AlternateContent xmlns:mc="http://schemas.openxmlformats.org/markup-compatibility/2006">
-    <mc:Choice xmlns:p14="http://schemas.microsoft.com/office/powerpoint/2010/main" xmlns="" Requires="p14">
+  <mc:AlternateContent xmlns:mc="http://schemas.openxmlformats.org/markup-compatibility/2006" xmlns:p14="http://schemas.microsoft.com/office/powerpoint/2010/main">
+    <mc:Choice Requires="p14">
       <p:transition spd="med" p14:dur="700">
         <p:fade/>
       </p:transition>
     </mc:Choice>
-    <mc:Fallback>
+    <mc:Fallback xmlns="">
       <p:transition spd="med">
         <p:fade/>
       </p:transition>
@@ -12516,14 +12590,14 @@
           <a:effectLst/>
           <a:extLst>
             <a:ext uri="{909E8E84-426E-40DD-AFC4-6F175D3DCCD1}">
-              <a14:hiddenFill xmlns:a14="http://schemas.microsoft.com/office/drawing/2010/main" xmlns="">
+              <a14:hiddenFill xmlns:a14="http://schemas.microsoft.com/office/drawing/2010/main">
                 <a:solidFill>
                   <a:schemeClr val="accent1"/>
                 </a:solidFill>
               </a14:hiddenFill>
             </a:ext>
             <a:ext uri="{91240B29-F687-4F45-9708-019B960494DF}">
-              <a14:hiddenLine xmlns:a14="http://schemas.microsoft.com/office/drawing/2010/main" xmlns="" w="9525">
+              <a14:hiddenLine xmlns:a14="http://schemas.microsoft.com/office/drawing/2010/main" w="9525">
                 <a:solidFill>
                   <a:srgbClr val="000000"/>
                 </a:solidFill>
@@ -12533,7 +12607,7 @@
               </a14:hiddenLine>
             </a:ext>
             <a:ext uri="{AF507438-7753-43E0-B8FC-AC1667EBCBE1}">
-              <a14:hiddenEffects xmlns:a14="http://schemas.microsoft.com/office/drawing/2010/main" xmlns="">
+              <a14:hiddenEffects xmlns:a14="http://schemas.microsoft.com/office/drawing/2010/main">
                 <a:effectLst>
                   <a:outerShdw dist="35921" dir="2700000" algn="ctr" rotWithShape="0">
                     <a:schemeClr val="bg2"/>
@@ -12582,7 +12656,7 @@
           <p:nvPr>
             <p:extLst>
               <p:ext uri="{D42A27DB-BD31-4B8C-83A1-F6EECF244321}">
-                <p14:modId xmlns:p14="http://schemas.microsoft.com/office/powerpoint/2010/main" xmlns="" val="2037684435"/>
+                <p14:modId xmlns:p14="http://schemas.microsoft.com/office/powerpoint/2010/main" val="2037684435"/>
               </p:ext>
             </p:extLst>
           </p:nvPr>
@@ -12601,14 +12675,14 @@
                 <a:gridCol w="3657600">
                   <a:extLst>
                     <a:ext uri="{9D8B030D-6E8A-4147-A177-3AD203B41FA5}">
-                      <a16:colId xmlns:a16="http://schemas.microsoft.com/office/drawing/2014/main" xmlns="" val="4264379453"/>
+                      <a16:colId xmlns:a16="http://schemas.microsoft.com/office/drawing/2014/main" val="4264379453"/>
                     </a:ext>
                   </a:extLst>
                 </a:gridCol>
                 <a:gridCol w="3657600">
                   <a:extLst>
                     <a:ext uri="{9D8B030D-6E8A-4147-A177-3AD203B41FA5}">
-                      <a16:colId xmlns:a16="http://schemas.microsoft.com/office/drawing/2014/main" xmlns="" val="1506448846"/>
+                      <a16:colId xmlns:a16="http://schemas.microsoft.com/office/drawing/2014/main" val="1506448846"/>
                     </a:ext>
                   </a:extLst>
                 </a:gridCol>
@@ -12712,7 +12786,7 @@
                 </a:tc>
                 <a:extLst>
                   <a:ext uri="{0D108BD9-81ED-4DB2-BD59-A6C34878D82A}">
-                    <a16:rowId xmlns:a16="http://schemas.microsoft.com/office/drawing/2014/main" xmlns="" val="394480958"/>
+                    <a16:rowId xmlns:a16="http://schemas.microsoft.com/office/drawing/2014/main" val="394480958"/>
                   </a:ext>
                 </a:extLst>
               </a:tr>
@@ -12845,7 +12919,7 @@
                 </a:tc>
                 <a:extLst>
                   <a:ext uri="{0D108BD9-81ED-4DB2-BD59-A6C34878D82A}">
-                    <a16:rowId xmlns:a16="http://schemas.microsoft.com/office/drawing/2014/main" xmlns="" val="2747002359"/>
+                    <a16:rowId xmlns:a16="http://schemas.microsoft.com/office/drawing/2014/main" val="2747002359"/>
                   </a:ext>
                 </a:extLst>
               </a:tr>
@@ -12978,7 +13052,7 @@
                 </a:tc>
                 <a:extLst>
                   <a:ext uri="{0D108BD9-81ED-4DB2-BD59-A6C34878D82A}">
-                    <a16:rowId xmlns:a16="http://schemas.microsoft.com/office/drawing/2014/main" xmlns="" val="3034985427"/>
+                    <a16:rowId xmlns:a16="http://schemas.microsoft.com/office/drawing/2014/main" val="3034985427"/>
                   </a:ext>
                 </a:extLst>
               </a:tr>
@@ -13111,7 +13185,7 @@
                 </a:tc>
                 <a:extLst>
                   <a:ext uri="{0D108BD9-81ED-4DB2-BD59-A6C34878D82A}">
-                    <a16:rowId xmlns:a16="http://schemas.microsoft.com/office/drawing/2014/main" xmlns="" val="3279233416"/>
+                    <a16:rowId xmlns:a16="http://schemas.microsoft.com/office/drawing/2014/main" val="3279233416"/>
                   </a:ext>
                 </a:extLst>
               </a:tr>
@@ -13244,7 +13318,7 @@
                 </a:tc>
                 <a:extLst>
                   <a:ext uri="{0D108BD9-81ED-4DB2-BD59-A6C34878D82A}">
-                    <a16:rowId xmlns:a16="http://schemas.microsoft.com/office/drawing/2014/main" xmlns="" val="3247149291"/>
+                    <a16:rowId xmlns:a16="http://schemas.microsoft.com/office/drawing/2014/main" val="3247149291"/>
                   </a:ext>
                 </a:extLst>
               </a:tr>
@@ -13377,7 +13451,7 @@
                 </a:tc>
                 <a:extLst>
                   <a:ext uri="{0D108BD9-81ED-4DB2-BD59-A6C34878D82A}">
-                    <a16:rowId xmlns:a16="http://schemas.microsoft.com/office/drawing/2014/main" xmlns="" val="752357315"/>
+                    <a16:rowId xmlns:a16="http://schemas.microsoft.com/office/drawing/2014/main" val="752357315"/>
                   </a:ext>
                 </a:extLst>
               </a:tr>
@@ -13510,7 +13584,7 @@
                 </a:tc>
                 <a:extLst>
                   <a:ext uri="{0D108BD9-81ED-4DB2-BD59-A6C34878D82A}">
-                    <a16:rowId xmlns:a16="http://schemas.microsoft.com/office/drawing/2014/main" xmlns="" val="1498862433"/>
+                    <a16:rowId xmlns:a16="http://schemas.microsoft.com/office/drawing/2014/main" val="1498862433"/>
                   </a:ext>
                 </a:extLst>
               </a:tr>
@@ -13643,7 +13717,7 @@
                 </a:tc>
                 <a:extLst>
                   <a:ext uri="{0D108BD9-81ED-4DB2-BD59-A6C34878D82A}">
-                    <a16:rowId xmlns:a16="http://schemas.microsoft.com/office/drawing/2014/main" xmlns="" val="1568274543"/>
+                    <a16:rowId xmlns:a16="http://schemas.microsoft.com/office/drawing/2014/main" val="1568274543"/>
                   </a:ext>
                 </a:extLst>
               </a:tr>
@@ -13776,7 +13850,7 @@
                 </a:tc>
                 <a:extLst>
                   <a:ext uri="{0D108BD9-81ED-4DB2-BD59-A6C34878D82A}">
-                    <a16:rowId xmlns:a16="http://schemas.microsoft.com/office/drawing/2014/main" xmlns="" val="2212358831"/>
+                    <a16:rowId xmlns:a16="http://schemas.microsoft.com/office/drawing/2014/main" val="2212358831"/>
                   </a:ext>
                 </a:extLst>
               </a:tr>
@@ -13909,7 +13983,7 @@
                 </a:tc>
                 <a:extLst>
                   <a:ext uri="{0D108BD9-81ED-4DB2-BD59-A6C34878D82A}">
-                    <a16:rowId xmlns:a16="http://schemas.microsoft.com/office/drawing/2014/main" xmlns="" val="918519617"/>
+                    <a16:rowId xmlns:a16="http://schemas.microsoft.com/office/drawing/2014/main" val="918519617"/>
                   </a:ext>
                 </a:extLst>
               </a:tr>
@@ -14042,7 +14116,7 @@
                 </a:tc>
                 <a:extLst>
                   <a:ext uri="{0D108BD9-81ED-4DB2-BD59-A6C34878D82A}">
-                    <a16:rowId xmlns:a16="http://schemas.microsoft.com/office/drawing/2014/main" xmlns="" val="3910290785"/>
+                    <a16:rowId xmlns:a16="http://schemas.microsoft.com/office/drawing/2014/main" val="3910290785"/>
                   </a:ext>
                 </a:extLst>
               </a:tr>
@@ -14175,7 +14249,7 @@
                 </a:tc>
                 <a:extLst>
                   <a:ext uri="{0D108BD9-81ED-4DB2-BD59-A6C34878D82A}">
-                    <a16:rowId xmlns:a16="http://schemas.microsoft.com/office/drawing/2014/main" xmlns="" val="856928343"/>
+                    <a16:rowId xmlns:a16="http://schemas.microsoft.com/office/drawing/2014/main" val="856928343"/>
                   </a:ext>
                 </a:extLst>
               </a:tr>
@@ -14308,7 +14382,7 @@
                 </a:tc>
                 <a:extLst>
                   <a:ext uri="{0D108BD9-81ED-4DB2-BD59-A6C34878D82A}">
-                    <a16:rowId xmlns:a16="http://schemas.microsoft.com/office/drawing/2014/main" xmlns="" val="2383872987"/>
+                    <a16:rowId xmlns:a16="http://schemas.microsoft.com/office/drawing/2014/main" val="2383872987"/>
                   </a:ext>
                 </a:extLst>
               </a:tr>
@@ -14441,7 +14515,7 @@
                 </a:tc>
                 <a:extLst>
                   <a:ext uri="{0D108BD9-81ED-4DB2-BD59-A6C34878D82A}">
-                    <a16:rowId xmlns:a16="http://schemas.microsoft.com/office/drawing/2014/main" xmlns="" val="3460507323"/>
+                    <a16:rowId xmlns:a16="http://schemas.microsoft.com/office/drawing/2014/main" val="3460507323"/>
                   </a:ext>
                 </a:extLst>
               </a:tr>
@@ -14574,7 +14648,7 @@
                 </a:tc>
                 <a:extLst>
                   <a:ext uri="{0D108BD9-81ED-4DB2-BD59-A6C34878D82A}">
-                    <a16:rowId xmlns:a16="http://schemas.microsoft.com/office/drawing/2014/main" xmlns="" val="965256049"/>
+                    <a16:rowId xmlns:a16="http://schemas.microsoft.com/office/drawing/2014/main" val="965256049"/>
                   </a:ext>
                 </a:extLst>
               </a:tr>
@@ -14697,7 +14771,7 @@
                 </a:tc>
                 <a:extLst>
                   <a:ext uri="{0D108BD9-81ED-4DB2-BD59-A6C34878D82A}">
-                    <a16:rowId xmlns:a16="http://schemas.microsoft.com/office/drawing/2014/main" xmlns="" val="841742765"/>
+                    <a16:rowId xmlns:a16="http://schemas.microsoft.com/office/drawing/2014/main" val="841742765"/>
                   </a:ext>
                 </a:extLst>
               </a:tr>
@@ -14708,20 +14782,20 @@
     </p:spTree>
     <p:extLst>
       <p:ext uri="{BB962C8B-B14F-4D97-AF65-F5344CB8AC3E}">
-        <p14:creationId xmlns:p14="http://schemas.microsoft.com/office/powerpoint/2010/main" xmlns="" val="1815326464"/>
+        <p14:creationId xmlns:p14="http://schemas.microsoft.com/office/powerpoint/2010/main" val="1815326464"/>
       </p:ext>
     </p:extLst>
   </p:cSld>
   <p:clrMapOvr>
     <a:masterClrMapping/>
   </p:clrMapOvr>
-  <mc:AlternateContent xmlns:mc="http://schemas.openxmlformats.org/markup-compatibility/2006">
-    <mc:Choice xmlns:p14="http://schemas.microsoft.com/office/powerpoint/2010/main" xmlns="" Requires="p14">
+  <mc:AlternateContent xmlns:mc="http://schemas.openxmlformats.org/markup-compatibility/2006" xmlns:p14="http://schemas.microsoft.com/office/powerpoint/2010/main">
+    <mc:Choice Requires="p14">
       <p:transition spd="med" p14:dur="700">
         <p:fade/>
       </p:transition>
     </mc:Choice>
-    <mc:Fallback>
+    <mc:Fallback xmlns="">
       <p:transition spd="med">
         <p:fade/>
       </p:transition>
@@ -14982,14 +15056,14 @@
           <a:effectLst/>
           <a:extLst>
             <a:ext uri="{909E8E84-426E-40DD-AFC4-6F175D3DCCD1}">
-              <a14:hiddenFill xmlns:a14="http://schemas.microsoft.com/office/drawing/2010/main" xmlns="">
+              <a14:hiddenFill xmlns:a14="http://schemas.microsoft.com/office/drawing/2010/main">
                 <a:solidFill>
                   <a:schemeClr val="accent1"/>
                 </a:solidFill>
               </a14:hiddenFill>
             </a:ext>
             <a:ext uri="{91240B29-F687-4F45-9708-019B960494DF}">
-              <a14:hiddenLine xmlns:a14="http://schemas.microsoft.com/office/drawing/2010/main" xmlns="" w="9525">
+              <a14:hiddenLine xmlns:a14="http://schemas.microsoft.com/office/drawing/2010/main" w="9525">
                 <a:solidFill>
                   <a:srgbClr val="000000"/>
                 </a:solidFill>
@@ -14999,7 +15073,7 @@
               </a14:hiddenLine>
             </a:ext>
             <a:ext uri="{AF507438-7753-43E0-B8FC-AC1667EBCBE1}">
-              <a14:hiddenEffects xmlns:a14="http://schemas.microsoft.com/office/drawing/2010/main" xmlns="">
+              <a14:hiddenEffects xmlns:a14="http://schemas.microsoft.com/office/drawing/2010/main">
                 <a:effectLst>
                   <a:outerShdw dist="35921" dir="2700000" algn="ctr" rotWithShape="0">
                     <a:schemeClr val="bg2"/>
@@ -15048,7 +15122,7 @@
           <p:nvPr>
             <p:extLst>
               <p:ext uri="{D42A27DB-BD31-4B8C-83A1-F6EECF244321}">
-                <p14:modId xmlns:p14="http://schemas.microsoft.com/office/powerpoint/2010/main" xmlns="" val="3616581185"/>
+                <p14:modId xmlns:p14="http://schemas.microsoft.com/office/powerpoint/2010/main" val="3616581185"/>
               </p:ext>
             </p:extLst>
           </p:nvPr>
@@ -15067,14 +15141,14 @@
                 <a:gridCol w="3657600">
                   <a:extLst>
                     <a:ext uri="{9D8B030D-6E8A-4147-A177-3AD203B41FA5}">
-                      <a16:colId xmlns:a16="http://schemas.microsoft.com/office/drawing/2014/main" xmlns="" val="4264379453"/>
+                      <a16:colId xmlns:a16="http://schemas.microsoft.com/office/drawing/2014/main" val="4264379453"/>
                     </a:ext>
                   </a:extLst>
                 </a:gridCol>
                 <a:gridCol w="3657600">
                   <a:extLst>
                     <a:ext uri="{9D8B030D-6E8A-4147-A177-3AD203B41FA5}">
-                      <a16:colId xmlns:a16="http://schemas.microsoft.com/office/drawing/2014/main" xmlns="" val="1506448846"/>
+                      <a16:colId xmlns:a16="http://schemas.microsoft.com/office/drawing/2014/main" val="1506448846"/>
                     </a:ext>
                   </a:extLst>
                 </a:gridCol>
@@ -15178,7 +15252,7 @@
                 </a:tc>
                 <a:extLst>
                   <a:ext uri="{0D108BD9-81ED-4DB2-BD59-A6C34878D82A}">
-                    <a16:rowId xmlns:a16="http://schemas.microsoft.com/office/drawing/2014/main" xmlns="" val="394480958"/>
+                    <a16:rowId xmlns:a16="http://schemas.microsoft.com/office/drawing/2014/main" val="394480958"/>
                   </a:ext>
                 </a:extLst>
               </a:tr>
@@ -15308,7 +15382,7 @@
                 </a:tc>
                 <a:extLst>
                   <a:ext uri="{0D108BD9-81ED-4DB2-BD59-A6C34878D82A}">
-                    <a16:rowId xmlns:a16="http://schemas.microsoft.com/office/drawing/2014/main" xmlns="" val="2747002359"/>
+                    <a16:rowId xmlns:a16="http://schemas.microsoft.com/office/drawing/2014/main" val="2747002359"/>
                   </a:ext>
                 </a:extLst>
               </a:tr>
@@ -15451,7 +15525,7 @@
                 </a:tc>
                 <a:extLst>
                   <a:ext uri="{0D108BD9-81ED-4DB2-BD59-A6C34878D82A}">
-                    <a16:rowId xmlns:a16="http://schemas.microsoft.com/office/drawing/2014/main" xmlns="" val="3034985427"/>
+                    <a16:rowId xmlns:a16="http://schemas.microsoft.com/office/drawing/2014/main" val="3034985427"/>
                   </a:ext>
                 </a:extLst>
               </a:tr>
@@ -15584,7 +15658,7 @@
                 </a:tc>
                 <a:extLst>
                   <a:ext uri="{0D108BD9-81ED-4DB2-BD59-A6C34878D82A}">
-                    <a16:rowId xmlns:a16="http://schemas.microsoft.com/office/drawing/2014/main" xmlns="" val="3279233416"/>
+                    <a16:rowId xmlns:a16="http://schemas.microsoft.com/office/drawing/2014/main" val="3279233416"/>
                   </a:ext>
                 </a:extLst>
               </a:tr>
@@ -15747,7 +15821,7 @@
                 </a:tc>
                 <a:extLst>
                   <a:ext uri="{0D108BD9-81ED-4DB2-BD59-A6C34878D82A}">
-                    <a16:rowId xmlns:a16="http://schemas.microsoft.com/office/drawing/2014/main" xmlns="" val="3247149291"/>
+                    <a16:rowId xmlns:a16="http://schemas.microsoft.com/office/drawing/2014/main" val="3247149291"/>
                   </a:ext>
                 </a:extLst>
               </a:tr>
@@ -15758,20 +15832,20 @@
     </p:spTree>
     <p:extLst>
       <p:ext uri="{BB962C8B-B14F-4D97-AF65-F5344CB8AC3E}">
-        <p14:creationId xmlns:p14="http://schemas.microsoft.com/office/powerpoint/2010/main" xmlns="" val="823855013"/>
+        <p14:creationId xmlns:p14="http://schemas.microsoft.com/office/powerpoint/2010/main" val="823855013"/>
       </p:ext>
     </p:extLst>
   </p:cSld>
   <p:clrMapOvr>
     <a:masterClrMapping/>
   </p:clrMapOvr>
-  <mc:AlternateContent xmlns:mc="http://schemas.openxmlformats.org/markup-compatibility/2006">
-    <mc:Choice xmlns:p14="http://schemas.microsoft.com/office/powerpoint/2010/main" xmlns="" Requires="p14">
+  <mc:AlternateContent xmlns:mc="http://schemas.openxmlformats.org/markup-compatibility/2006" xmlns:p14="http://schemas.microsoft.com/office/powerpoint/2010/main">
+    <mc:Choice Requires="p14">
       <p:transition spd="med" p14:dur="700">
         <p:fade/>
       </p:transition>
     </mc:Choice>
-    <mc:Fallback>
+    <mc:Fallback xmlns="">
       <p:transition spd="med">
         <p:fade/>
       </p:transition>
@@ -16032,14 +16106,14 @@
           <a:effectLst/>
           <a:extLst>
             <a:ext uri="{909E8E84-426E-40DD-AFC4-6F175D3DCCD1}">
-              <a14:hiddenFill xmlns:a14="http://schemas.microsoft.com/office/drawing/2010/main" xmlns="">
+              <a14:hiddenFill xmlns:a14="http://schemas.microsoft.com/office/drawing/2010/main">
                 <a:solidFill>
                   <a:schemeClr val="accent1"/>
                 </a:solidFill>
               </a14:hiddenFill>
             </a:ext>
             <a:ext uri="{91240B29-F687-4F45-9708-019B960494DF}">
-              <a14:hiddenLine xmlns:a14="http://schemas.microsoft.com/office/drawing/2010/main" xmlns="" w="9525">
+              <a14:hiddenLine xmlns:a14="http://schemas.microsoft.com/office/drawing/2010/main" w="9525">
                 <a:solidFill>
                   <a:srgbClr val="000000"/>
                 </a:solidFill>
@@ -16049,7 +16123,7 @@
               </a14:hiddenLine>
             </a:ext>
             <a:ext uri="{AF507438-7753-43E0-B8FC-AC1667EBCBE1}">
-              <a14:hiddenEffects xmlns:a14="http://schemas.microsoft.com/office/drawing/2010/main" xmlns="">
+              <a14:hiddenEffects xmlns:a14="http://schemas.microsoft.com/office/drawing/2010/main">
                 <a:effectLst>
                   <a:outerShdw dist="35921" dir="2700000" algn="ctr" rotWithShape="0">
                     <a:schemeClr val="bg2"/>
@@ -16098,7 +16172,7 @@
           <p:nvPr>
             <p:extLst>
               <p:ext uri="{D42A27DB-BD31-4B8C-83A1-F6EECF244321}">
-                <p14:modId xmlns:p14="http://schemas.microsoft.com/office/powerpoint/2010/main" xmlns="" val="2065197677"/>
+                <p14:modId xmlns:p14="http://schemas.microsoft.com/office/powerpoint/2010/main" val="2065197677"/>
               </p:ext>
             </p:extLst>
           </p:nvPr>
@@ -16117,70 +16191,70 @@
                 <a:gridCol w="2180275">
                   <a:extLst>
                     <a:ext uri="{9D8B030D-6E8A-4147-A177-3AD203B41FA5}">
-                      <a16:colId xmlns:a16="http://schemas.microsoft.com/office/drawing/2014/main" xmlns="" val="2200701185"/>
+                      <a16:colId xmlns:a16="http://schemas.microsoft.com/office/drawing/2014/main" val="2200701185"/>
                     </a:ext>
                   </a:extLst>
                 </a:gridCol>
                 <a:gridCol w="652475">
                   <a:extLst>
                     <a:ext uri="{9D8B030D-6E8A-4147-A177-3AD203B41FA5}">
-                      <a16:colId xmlns:a16="http://schemas.microsoft.com/office/drawing/2014/main" xmlns="" val="188715039"/>
+                      <a16:colId xmlns:a16="http://schemas.microsoft.com/office/drawing/2014/main" val="188715039"/>
                     </a:ext>
                   </a:extLst>
                 </a:gridCol>
                 <a:gridCol w="652475">
                   <a:extLst>
                     <a:ext uri="{9D8B030D-6E8A-4147-A177-3AD203B41FA5}">
-                      <a16:colId xmlns:a16="http://schemas.microsoft.com/office/drawing/2014/main" xmlns="" val="3137885099"/>
+                      <a16:colId xmlns:a16="http://schemas.microsoft.com/office/drawing/2014/main" val="3137885099"/>
                     </a:ext>
                   </a:extLst>
                 </a:gridCol>
                 <a:gridCol w="652475">
                   <a:extLst>
                     <a:ext uri="{9D8B030D-6E8A-4147-A177-3AD203B41FA5}">
-                      <a16:colId xmlns:a16="http://schemas.microsoft.com/office/drawing/2014/main" xmlns="" val="3980135399"/>
+                      <a16:colId xmlns:a16="http://schemas.microsoft.com/office/drawing/2014/main" val="3980135399"/>
                     </a:ext>
                   </a:extLst>
                 </a:gridCol>
                 <a:gridCol w="652475">
                   <a:extLst>
                     <a:ext uri="{9D8B030D-6E8A-4147-A177-3AD203B41FA5}">
-                      <a16:colId xmlns:a16="http://schemas.microsoft.com/office/drawing/2014/main" xmlns="" val="1125503726"/>
+                      <a16:colId xmlns:a16="http://schemas.microsoft.com/office/drawing/2014/main" val="1125503726"/>
                     </a:ext>
                   </a:extLst>
                 </a:gridCol>
                 <a:gridCol w="652475">
                   <a:extLst>
                     <a:ext uri="{9D8B030D-6E8A-4147-A177-3AD203B41FA5}">
-                      <a16:colId xmlns:a16="http://schemas.microsoft.com/office/drawing/2014/main" xmlns="" val="3432629078"/>
+                      <a16:colId xmlns:a16="http://schemas.microsoft.com/office/drawing/2014/main" val="3432629078"/>
                     </a:ext>
                   </a:extLst>
                 </a:gridCol>
                 <a:gridCol w="652475">
                   <a:extLst>
                     <a:ext uri="{9D8B030D-6E8A-4147-A177-3AD203B41FA5}">
-                      <a16:colId xmlns:a16="http://schemas.microsoft.com/office/drawing/2014/main" xmlns="" val="2049378631"/>
+                      <a16:colId xmlns:a16="http://schemas.microsoft.com/office/drawing/2014/main" val="2049378631"/>
                     </a:ext>
                   </a:extLst>
                 </a:gridCol>
                 <a:gridCol w="652475">
                   <a:extLst>
                     <a:ext uri="{9D8B030D-6E8A-4147-A177-3AD203B41FA5}">
-                      <a16:colId xmlns:a16="http://schemas.microsoft.com/office/drawing/2014/main" xmlns="" val="1061470256"/>
+                      <a16:colId xmlns:a16="http://schemas.microsoft.com/office/drawing/2014/main" val="1061470256"/>
                     </a:ext>
                   </a:extLst>
                 </a:gridCol>
                 <a:gridCol w="652475">
                   <a:extLst>
                     <a:ext uri="{9D8B030D-6E8A-4147-A177-3AD203B41FA5}">
-                      <a16:colId xmlns:a16="http://schemas.microsoft.com/office/drawing/2014/main" xmlns="" val="709708192"/>
+                      <a16:colId xmlns:a16="http://schemas.microsoft.com/office/drawing/2014/main" val="709708192"/>
                     </a:ext>
                   </a:extLst>
                 </a:gridCol>
                 <a:gridCol w="652475">
                   <a:extLst>
                     <a:ext uri="{9D8B030D-6E8A-4147-A177-3AD203B41FA5}">
-                      <a16:colId xmlns:a16="http://schemas.microsoft.com/office/drawing/2014/main" xmlns="" val="1917502805"/>
+                      <a16:colId xmlns:a16="http://schemas.microsoft.com/office/drawing/2014/main" val="1917502805"/>
                     </a:ext>
                   </a:extLst>
                 </a:gridCol>
@@ -16323,7 +16397,7 @@
                 </a:tc>
                 <a:extLst>
                   <a:ext uri="{0D108BD9-81ED-4DB2-BD59-A6C34878D82A}">
-                    <a16:rowId xmlns:a16="http://schemas.microsoft.com/office/drawing/2014/main" xmlns="" val="1204517681"/>
+                    <a16:rowId xmlns:a16="http://schemas.microsoft.com/office/drawing/2014/main" val="1204517681"/>
                   </a:ext>
                 </a:extLst>
               </a:tr>
@@ -16640,7 +16714,7 @@
                 </a:tc>
                 <a:extLst>
                   <a:ext uri="{0D108BD9-81ED-4DB2-BD59-A6C34878D82A}">
-                    <a16:rowId xmlns:a16="http://schemas.microsoft.com/office/drawing/2014/main" xmlns="" val="84341876"/>
+                    <a16:rowId xmlns:a16="http://schemas.microsoft.com/office/drawing/2014/main" val="84341876"/>
                   </a:ext>
                 </a:extLst>
               </a:tr>
@@ -16889,7 +16963,7 @@
                 </a:tc>
                 <a:extLst>
                   <a:ext uri="{0D108BD9-81ED-4DB2-BD59-A6C34878D82A}">
-                    <a16:rowId xmlns:a16="http://schemas.microsoft.com/office/drawing/2014/main" xmlns="" val="524284565"/>
+                    <a16:rowId xmlns:a16="http://schemas.microsoft.com/office/drawing/2014/main" val="524284565"/>
                   </a:ext>
                 </a:extLst>
               </a:tr>
@@ -17138,7 +17212,7 @@
                 </a:tc>
                 <a:extLst>
                   <a:ext uri="{0D108BD9-81ED-4DB2-BD59-A6C34878D82A}">
-                    <a16:rowId xmlns:a16="http://schemas.microsoft.com/office/drawing/2014/main" xmlns="" val="472749382"/>
+                    <a16:rowId xmlns:a16="http://schemas.microsoft.com/office/drawing/2014/main" val="472749382"/>
                   </a:ext>
                 </a:extLst>
               </a:tr>
@@ -17391,7 +17465,7 @@
                 </a:tc>
                 <a:extLst>
                   <a:ext uri="{0D108BD9-81ED-4DB2-BD59-A6C34878D82A}">
-                    <a16:rowId xmlns:a16="http://schemas.microsoft.com/office/drawing/2014/main" xmlns="" val="3196841596"/>
+                    <a16:rowId xmlns:a16="http://schemas.microsoft.com/office/drawing/2014/main" val="3196841596"/>
                   </a:ext>
                 </a:extLst>
               </a:tr>
@@ -17644,7 +17718,7 @@
                 </a:tc>
                 <a:extLst>
                   <a:ext uri="{0D108BD9-81ED-4DB2-BD59-A6C34878D82A}">
-                    <a16:rowId xmlns:a16="http://schemas.microsoft.com/office/drawing/2014/main" xmlns="" val="2350849776"/>
+                    <a16:rowId xmlns:a16="http://schemas.microsoft.com/office/drawing/2014/main" val="2350849776"/>
                   </a:ext>
                 </a:extLst>
               </a:tr>
@@ -17893,7 +17967,7 @@
                 </a:tc>
                 <a:extLst>
                   <a:ext uri="{0D108BD9-81ED-4DB2-BD59-A6C34878D82A}">
-                    <a16:rowId xmlns:a16="http://schemas.microsoft.com/office/drawing/2014/main" xmlns="" val="4115290430"/>
+                    <a16:rowId xmlns:a16="http://schemas.microsoft.com/office/drawing/2014/main" val="4115290430"/>
                   </a:ext>
                 </a:extLst>
               </a:tr>
@@ -18150,7 +18224,7 @@
                 </a:tc>
                 <a:extLst>
                   <a:ext uri="{0D108BD9-81ED-4DB2-BD59-A6C34878D82A}">
-                    <a16:rowId xmlns:a16="http://schemas.microsoft.com/office/drawing/2014/main" xmlns="" val="3075075613"/>
+                    <a16:rowId xmlns:a16="http://schemas.microsoft.com/office/drawing/2014/main" val="3075075613"/>
                   </a:ext>
                 </a:extLst>
               </a:tr>
@@ -18403,7 +18477,7 @@
                 </a:tc>
                 <a:extLst>
                   <a:ext uri="{0D108BD9-81ED-4DB2-BD59-A6C34878D82A}">
-                    <a16:rowId xmlns:a16="http://schemas.microsoft.com/office/drawing/2014/main" xmlns="" val="3371566298"/>
+                    <a16:rowId xmlns:a16="http://schemas.microsoft.com/office/drawing/2014/main" val="3371566298"/>
                   </a:ext>
                 </a:extLst>
               </a:tr>
@@ -18656,7 +18730,7 @@
                 </a:tc>
                 <a:extLst>
                   <a:ext uri="{0D108BD9-81ED-4DB2-BD59-A6C34878D82A}">
-                    <a16:rowId xmlns:a16="http://schemas.microsoft.com/office/drawing/2014/main" xmlns="" val="724712782"/>
+                    <a16:rowId xmlns:a16="http://schemas.microsoft.com/office/drawing/2014/main" val="724712782"/>
                   </a:ext>
                 </a:extLst>
               </a:tr>
@@ -18905,7 +18979,7 @@
                 </a:tc>
                 <a:extLst>
                   <a:ext uri="{0D108BD9-81ED-4DB2-BD59-A6C34878D82A}">
-                    <a16:rowId xmlns:a16="http://schemas.microsoft.com/office/drawing/2014/main" xmlns="" val="711016638"/>
+                    <a16:rowId xmlns:a16="http://schemas.microsoft.com/office/drawing/2014/main" val="711016638"/>
                   </a:ext>
                 </a:extLst>
               </a:tr>
@@ -19162,7 +19236,7 @@
                 </a:tc>
                 <a:extLst>
                   <a:ext uri="{0D108BD9-81ED-4DB2-BD59-A6C34878D82A}">
-                    <a16:rowId xmlns:a16="http://schemas.microsoft.com/office/drawing/2014/main" xmlns="" val="2729031893"/>
+                    <a16:rowId xmlns:a16="http://schemas.microsoft.com/office/drawing/2014/main" val="2729031893"/>
                   </a:ext>
                 </a:extLst>
               </a:tr>
@@ -19415,7 +19489,7 @@
                 </a:tc>
                 <a:extLst>
                   <a:ext uri="{0D108BD9-81ED-4DB2-BD59-A6C34878D82A}">
-                    <a16:rowId xmlns:a16="http://schemas.microsoft.com/office/drawing/2014/main" xmlns="" val="1873701040"/>
+                    <a16:rowId xmlns:a16="http://schemas.microsoft.com/office/drawing/2014/main" val="1873701040"/>
                   </a:ext>
                 </a:extLst>
               </a:tr>
@@ -19664,7 +19738,7 @@
                 </a:tc>
                 <a:extLst>
                   <a:ext uri="{0D108BD9-81ED-4DB2-BD59-A6C34878D82A}">
-                    <a16:rowId xmlns:a16="http://schemas.microsoft.com/office/drawing/2014/main" xmlns="" val="3637234789"/>
+                    <a16:rowId xmlns:a16="http://schemas.microsoft.com/office/drawing/2014/main" val="3637234789"/>
                   </a:ext>
                 </a:extLst>
               </a:tr>
@@ -19913,7 +19987,7 @@
                 </a:tc>
                 <a:extLst>
                   <a:ext uri="{0D108BD9-81ED-4DB2-BD59-A6C34878D82A}">
-                    <a16:rowId xmlns:a16="http://schemas.microsoft.com/office/drawing/2014/main" xmlns="" val="1338656505"/>
+                    <a16:rowId xmlns:a16="http://schemas.microsoft.com/office/drawing/2014/main" val="1338656505"/>
                   </a:ext>
                 </a:extLst>
               </a:tr>
@@ -19924,20 +19998,20 @@
     </p:spTree>
     <p:extLst>
       <p:ext uri="{BB962C8B-B14F-4D97-AF65-F5344CB8AC3E}">
-        <p14:creationId xmlns:p14="http://schemas.microsoft.com/office/powerpoint/2010/main" xmlns="" val="439045032"/>
+        <p14:creationId xmlns:p14="http://schemas.microsoft.com/office/powerpoint/2010/main" val="439045032"/>
       </p:ext>
     </p:extLst>
   </p:cSld>
   <p:clrMapOvr>
     <a:masterClrMapping/>
   </p:clrMapOvr>
-  <mc:AlternateContent xmlns:mc="http://schemas.openxmlformats.org/markup-compatibility/2006">
-    <mc:Choice xmlns:p14="http://schemas.microsoft.com/office/powerpoint/2010/main" xmlns="" Requires="p14">
+  <mc:AlternateContent xmlns:mc="http://schemas.openxmlformats.org/markup-compatibility/2006" xmlns:p14="http://schemas.microsoft.com/office/powerpoint/2010/main">
+    <mc:Choice Requires="p14">
       <p:transition spd="med" p14:dur="700">
         <p:fade/>
       </p:transition>
     </mc:Choice>
-    <mc:Fallback>
+    <mc:Fallback xmlns="">
       <p:transition spd="med">
         <p:fade/>
       </p:transition>
@@ -20473,13 +20547,13 @@
   <p:clrMapOvr>
     <a:masterClrMapping/>
   </p:clrMapOvr>
-  <mc:AlternateContent xmlns:mc="http://schemas.openxmlformats.org/markup-compatibility/2006">
-    <mc:Choice xmlns:p14="http://schemas.microsoft.com/office/powerpoint/2010/main" xmlns="" Requires="p14">
+  <mc:AlternateContent xmlns:mc="http://schemas.openxmlformats.org/markup-compatibility/2006" xmlns:p14="http://schemas.microsoft.com/office/powerpoint/2010/main">
+    <mc:Choice Requires="p14">
       <p:transition spd="med" p14:dur="700">
         <p:fade/>
       </p:transition>
     </mc:Choice>
-    <mc:Fallback>
+    <mc:Fallback xmlns="">
       <p:transition spd="med">
         <p:fade/>
       </p:transition>
@@ -20740,14 +20814,14 @@
           <a:effectLst/>
           <a:extLst>
             <a:ext uri="{909E8E84-426E-40DD-AFC4-6F175D3DCCD1}">
-              <a14:hiddenFill xmlns:a14="http://schemas.microsoft.com/office/drawing/2010/main" xmlns="">
+              <a14:hiddenFill xmlns:a14="http://schemas.microsoft.com/office/drawing/2010/main">
                 <a:solidFill>
                   <a:schemeClr val="accent1"/>
                 </a:solidFill>
               </a14:hiddenFill>
             </a:ext>
             <a:ext uri="{91240B29-F687-4F45-9708-019B960494DF}">
-              <a14:hiddenLine xmlns:a14="http://schemas.microsoft.com/office/drawing/2010/main" xmlns="" w="9525">
+              <a14:hiddenLine xmlns:a14="http://schemas.microsoft.com/office/drawing/2010/main" w="9525">
                 <a:solidFill>
                   <a:srgbClr val="000000"/>
                 </a:solidFill>
@@ -20757,7 +20831,7 @@
               </a14:hiddenLine>
             </a:ext>
             <a:ext uri="{AF507438-7753-43E0-B8FC-AC1667EBCBE1}">
-              <a14:hiddenEffects xmlns:a14="http://schemas.microsoft.com/office/drawing/2010/main" xmlns="">
+              <a14:hiddenEffects xmlns:a14="http://schemas.microsoft.com/office/drawing/2010/main">
                 <a:effectLst>
                   <a:outerShdw dist="35921" dir="2700000" algn="ctr" rotWithShape="0">
                     <a:schemeClr val="bg2"/>
@@ -20920,20 +20994,20 @@
     </p:spTree>
     <p:extLst>
       <p:ext uri="{BB962C8B-B14F-4D97-AF65-F5344CB8AC3E}">
-        <p14:creationId xmlns:p14="http://schemas.microsoft.com/office/powerpoint/2010/main" xmlns="" val="1644636071"/>
+        <p14:creationId xmlns:p14="http://schemas.microsoft.com/office/powerpoint/2010/main" val="1644636071"/>
       </p:ext>
     </p:extLst>
   </p:cSld>
   <p:clrMapOvr>
     <a:masterClrMapping/>
   </p:clrMapOvr>
-  <mc:AlternateContent xmlns:mc="http://schemas.openxmlformats.org/markup-compatibility/2006">
-    <mc:Choice xmlns:p14="http://schemas.microsoft.com/office/powerpoint/2010/main" xmlns="" Requires="p14">
+  <mc:AlternateContent xmlns:mc="http://schemas.openxmlformats.org/markup-compatibility/2006" xmlns:p14="http://schemas.microsoft.com/office/powerpoint/2010/main">
+    <mc:Choice Requires="p14">
       <p:transition spd="med" p14:dur="700">
         <p:fade/>
       </p:transition>
     </mc:Choice>
-    <mc:Fallback>
+    <mc:Fallback xmlns="">
       <p:transition spd="med">
         <p:fade/>
       </p:transition>
@@ -21194,14 +21268,14 @@
           <a:effectLst/>
           <a:extLst>
             <a:ext uri="{909E8E84-426E-40DD-AFC4-6F175D3DCCD1}">
-              <a14:hiddenFill xmlns:a14="http://schemas.microsoft.com/office/drawing/2010/main" xmlns="">
+              <a14:hiddenFill xmlns:a14="http://schemas.microsoft.com/office/drawing/2010/main">
                 <a:solidFill>
                   <a:schemeClr val="accent1"/>
                 </a:solidFill>
               </a14:hiddenFill>
             </a:ext>
             <a:ext uri="{91240B29-F687-4F45-9708-019B960494DF}">
-              <a14:hiddenLine xmlns:a14="http://schemas.microsoft.com/office/drawing/2010/main" xmlns="" w="9525">
+              <a14:hiddenLine xmlns:a14="http://schemas.microsoft.com/office/drawing/2010/main" w="9525">
                 <a:solidFill>
                   <a:srgbClr val="000000"/>
                 </a:solidFill>
@@ -21211,7 +21285,7 @@
               </a14:hiddenLine>
             </a:ext>
             <a:ext uri="{AF507438-7753-43E0-B8FC-AC1667EBCBE1}">
-              <a14:hiddenEffects xmlns:a14="http://schemas.microsoft.com/office/drawing/2010/main" xmlns="">
+              <a14:hiddenEffects xmlns:a14="http://schemas.microsoft.com/office/drawing/2010/main">
                 <a:effectLst>
                   <a:outerShdw dist="35921" dir="2700000" algn="ctr" rotWithShape="0">
                     <a:schemeClr val="bg2"/>
@@ -21281,20 +21355,20 @@
     </p:spTree>
     <p:extLst>
       <p:ext uri="{BB962C8B-B14F-4D97-AF65-F5344CB8AC3E}">
-        <p14:creationId xmlns:p14="http://schemas.microsoft.com/office/powerpoint/2010/main" xmlns="" val="867695991"/>
+        <p14:creationId xmlns:p14="http://schemas.microsoft.com/office/powerpoint/2010/main" val="867695991"/>
       </p:ext>
     </p:extLst>
   </p:cSld>
   <p:clrMapOvr>
     <a:masterClrMapping/>
   </p:clrMapOvr>
-  <mc:AlternateContent xmlns:mc="http://schemas.openxmlformats.org/markup-compatibility/2006">
-    <mc:Choice xmlns:p14="http://schemas.microsoft.com/office/powerpoint/2010/main" xmlns="" Requires="p14">
+  <mc:AlternateContent xmlns:mc="http://schemas.openxmlformats.org/markup-compatibility/2006" xmlns:p14="http://schemas.microsoft.com/office/powerpoint/2010/main">
+    <mc:Choice Requires="p14">
       <p:transition spd="med" p14:dur="700">
         <p:fade/>
       </p:transition>
     </mc:Choice>
-    <mc:Fallback>
+    <mc:Fallback xmlns="">
       <p:transition spd="med">
         <p:fade/>
       </p:transition>
@@ -21555,14 +21629,14 @@
           <a:effectLst/>
           <a:extLst>
             <a:ext uri="{909E8E84-426E-40DD-AFC4-6F175D3DCCD1}">
-              <a14:hiddenFill xmlns:a14="http://schemas.microsoft.com/office/drawing/2010/main" xmlns="">
+              <a14:hiddenFill xmlns:a14="http://schemas.microsoft.com/office/drawing/2010/main">
                 <a:solidFill>
                   <a:schemeClr val="accent1"/>
                 </a:solidFill>
               </a14:hiddenFill>
             </a:ext>
             <a:ext uri="{91240B29-F687-4F45-9708-019B960494DF}">
-              <a14:hiddenLine xmlns:a14="http://schemas.microsoft.com/office/drawing/2010/main" xmlns="" w="9525">
+              <a14:hiddenLine xmlns:a14="http://schemas.microsoft.com/office/drawing/2010/main" w="9525">
                 <a:solidFill>
                   <a:srgbClr val="000000"/>
                 </a:solidFill>
@@ -21572,7 +21646,7 @@
               </a14:hiddenLine>
             </a:ext>
             <a:ext uri="{AF507438-7753-43E0-B8FC-AC1667EBCBE1}">
-              <a14:hiddenEffects xmlns:a14="http://schemas.microsoft.com/office/drawing/2010/main" xmlns="">
+              <a14:hiddenEffects xmlns:a14="http://schemas.microsoft.com/office/drawing/2010/main">
                 <a:effectLst>
                   <a:outerShdw dist="35921" dir="2700000" algn="ctr" rotWithShape="0">
                     <a:schemeClr val="bg2"/>
@@ -21642,20 +21716,20 @@
     </p:spTree>
     <p:extLst>
       <p:ext uri="{BB962C8B-B14F-4D97-AF65-F5344CB8AC3E}">
-        <p14:creationId xmlns:p14="http://schemas.microsoft.com/office/powerpoint/2010/main" xmlns="" val="3849173115"/>
+        <p14:creationId xmlns:p14="http://schemas.microsoft.com/office/powerpoint/2010/main" val="3849173115"/>
       </p:ext>
     </p:extLst>
   </p:cSld>
   <p:clrMapOvr>
     <a:masterClrMapping/>
   </p:clrMapOvr>
-  <mc:AlternateContent xmlns:mc="http://schemas.openxmlformats.org/markup-compatibility/2006">
-    <mc:Choice xmlns:p14="http://schemas.microsoft.com/office/powerpoint/2010/main" xmlns="" Requires="p14">
+  <mc:AlternateContent xmlns:mc="http://schemas.openxmlformats.org/markup-compatibility/2006" xmlns:p14="http://schemas.microsoft.com/office/powerpoint/2010/main">
+    <mc:Choice Requires="p14">
       <p:transition spd="med" p14:dur="700">
         <p:fade/>
       </p:transition>
     </mc:Choice>
-    <mc:Fallback>
+    <mc:Fallback xmlns="">
       <p:transition spd="med">
         <p:fade/>
       </p:transition>
@@ -21916,14 +21990,14 @@
           <a:effectLst/>
           <a:extLst>
             <a:ext uri="{909E8E84-426E-40DD-AFC4-6F175D3DCCD1}">
-              <a14:hiddenFill xmlns:a14="http://schemas.microsoft.com/office/drawing/2010/main" xmlns="">
+              <a14:hiddenFill xmlns:a14="http://schemas.microsoft.com/office/drawing/2010/main">
                 <a:solidFill>
                   <a:schemeClr val="accent1"/>
                 </a:solidFill>
               </a14:hiddenFill>
             </a:ext>
             <a:ext uri="{91240B29-F687-4F45-9708-019B960494DF}">
-              <a14:hiddenLine xmlns:a14="http://schemas.microsoft.com/office/drawing/2010/main" xmlns="" w="9525">
+              <a14:hiddenLine xmlns:a14="http://schemas.microsoft.com/office/drawing/2010/main" w="9525">
                 <a:solidFill>
                   <a:srgbClr val="000000"/>
                 </a:solidFill>
@@ -21933,7 +22007,7 @@
               </a14:hiddenLine>
             </a:ext>
             <a:ext uri="{AF507438-7753-43E0-B8FC-AC1667EBCBE1}">
-              <a14:hiddenEffects xmlns:a14="http://schemas.microsoft.com/office/drawing/2010/main" xmlns="">
+              <a14:hiddenEffects xmlns:a14="http://schemas.microsoft.com/office/drawing/2010/main">
                 <a:effectLst>
                   <a:outerShdw dist="35921" dir="2700000" algn="ctr" rotWithShape="0">
                     <a:schemeClr val="bg2"/>
@@ -22090,14 +22164,14 @@
           <a:effectLst/>
           <a:extLst>
             <a:ext uri="{909E8E84-426E-40DD-AFC4-6F175D3DCCD1}">
-              <a14:hiddenFill xmlns:a14="http://schemas.microsoft.com/office/drawing/2010/main" xmlns="">
+              <a14:hiddenFill xmlns:a14="http://schemas.microsoft.com/office/drawing/2010/main">
                 <a:solidFill>
                   <a:schemeClr val="accent1"/>
                 </a:solidFill>
               </a14:hiddenFill>
             </a:ext>
             <a:ext uri="{91240B29-F687-4F45-9708-019B960494DF}">
-              <a14:hiddenLine xmlns:a14="http://schemas.microsoft.com/office/drawing/2010/main" xmlns="" w="9525">
+              <a14:hiddenLine xmlns:a14="http://schemas.microsoft.com/office/drawing/2010/main" w="9525">
                 <a:solidFill>
                   <a:srgbClr val="000000"/>
                 </a:solidFill>
@@ -22107,7 +22181,7 @@
               </a14:hiddenLine>
             </a:ext>
             <a:ext uri="{AF507438-7753-43E0-B8FC-AC1667EBCBE1}">
-              <a14:hiddenEffects xmlns:a14="http://schemas.microsoft.com/office/drawing/2010/main" xmlns="">
+              <a14:hiddenEffects xmlns:a14="http://schemas.microsoft.com/office/drawing/2010/main">
                 <a:effectLst>
                   <a:outerShdw dist="35921" dir="2700000" algn="ctr" rotWithShape="0">
                     <a:schemeClr val="bg2"/>
@@ -22170,14 +22244,14 @@
           <a:effectLst/>
           <a:extLst>
             <a:ext uri="{909E8E84-426E-40DD-AFC4-6F175D3DCCD1}">
-              <a14:hiddenFill xmlns:a14="http://schemas.microsoft.com/office/drawing/2010/main" xmlns="">
+              <a14:hiddenFill xmlns:a14="http://schemas.microsoft.com/office/drawing/2010/main">
                 <a:solidFill>
                   <a:schemeClr val="accent1"/>
                 </a:solidFill>
               </a14:hiddenFill>
             </a:ext>
             <a:ext uri="{91240B29-F687-4F45-9708-019B960494DF}">
-              <a14:hiddenLine xmlns:a14="http://schemas.microsoft.com/office/drawing/2010/main" xmlns="" w="9525">
+              <a14:hiddenLine xmlns:a14="http://schemas.microsoft.com/office/drawing/2010/main" w="9525">
                 <a:solidFill>
                   <a:srgbClr val="000000"/>
                 </a:solidFill>
@@ -22187,7 +22261,7 @@
               </a14:hiddenLine>
             </a:ext>
             <a:ext uri="{AF507438-7753-43E0-B8FC-AC1667EBCBE1}">
-              <a14:hiddenEffects xmlns:a14="http://schemas.microsoft.com/office/drawing/2010/main" xmlns="">
+              <a14:hiddenEffects xmlns:a14="http://schemas.microsoft.com/office/drawing/2010/main">
                 <a:effectLst>
                   <a:outerShdw dist="35921" dir="2700000" algn="ctr" rotWithShape="0">
                     <a:schemeClr val="bg2"/>
@@ -22306,20 +22380,20 @@
     </p:spTree>
     <p:extLst>
       <p:ext uri="{BB962C8B-B14F-4D97-AF65-F5344CB8AC3E}">
-        <p14:creationId xmlns:p14="http://schemas.microsoft.com/office/powerpoint/2010/main" xmlns="" val="2168218195"/>
+        <p14:creationId xmlns:p14="http://schemas.microsoft.com/office/powerpoint/2010/main" val="2168218195"/>
       </p:ext>
     </p:extLst>
   </p:cSld>
   <p:clrMapOvr>
     <a:masterClrMapping/>
   </p:clrMapOvr>
-  <mc:AlternateContent xmlns:mc="http://schemas.openxmlformats.org/markup-compatibility/2006">
-    <mc:Choice xmlns:p14="http://schemas.microsoft.com/office/powerpoint/2010/main" xmlns="" Requires="p14">
+  <mc:AlternateContent xmlns:mc="http://schemas.openxmlformats.org/markup-compatibility/2006" xmlns:p14="http://schemas.microsoft.com/office/powerpoint/2010/main">
+    <mc:Choice Requires="p14">
       <p:transition spd="med" p14:dur="700">
         <p:fade/>
       </p:transition>
     </mc:Choice>
-    <mc:Fallback>
+    <mc:Fallback xmlns="">
       <p:transition spd="med">
         <p:fade/>
       </p:transition>
@@ -22580,14 +22654,14 @@
           <a:effectLst/>
           <a:extLst>
             <a:ext uri="{909E8E84-426E-40DD-AFC4-6F175D3DCCD1}">
-              <a14:hiddenFill xmlns:a14="http://schemas.microsoft.com/office/drawing/2010/main" xmlns="">
+              <a14:hiddenFill xmlns:a14="http://schemas.microsoft.com/office/drawing/2010/main">
                 <a:solidFill>
                   <a:schemeClr val="accent1"/>
                 </a:solidFill>
               </a14:hiddenFill>
             </a:ext>
             <a:ext uri="{91240B29-F687-4F45-9708-019B960494DF}">
-              <a14:hiddenLine xmlns:a14="http://schemas.microsoft.com/office/drawing/2010/main" xmlns="" w="9525">
+              <a14:hiddenLine xmlns:a14="http://schemas.microsoft.com/office/drawing/2010/main" w="9525">
                 <a:solidFill>
                   <a:srgbClr val="000000"/>
                 </a:solidFill>
@@ -22597,7 +22671,7 @@
               </a14:hiddenLine>
             </a:ext>
             <a:ext uri="{AF507438-7753-43E0-B8FC-AC1667EBCBE1}">
-              <a14:hiddenEffects xmlns:a14="http://schemas.microsoft.com/office/drawing/2010/main" xmlns="">
+              <a14:hiddenEffects xmlns:a14="http://schemas.microsoft.com/office/drawing/2010/main">
                 <a:effectLst>
                   <a:outerShdw dist="35921" dir="2700000" algn="ctr" rotWithShape="0">
                     <a:schemeClr val="bg2"/>
@@ -22644,7 +22718,7 @@
           <p:nvPr>
             <p:extLst>
               <p:ext uri="{D42A27DB-BD31-4B8C-83A1-F6EECF244321}">
-                <p14:modId xmlns:p14="http://schemas.microsoft.com/office/powerpoint/2010/main" xmlns="" val="322046238"/>
+                <p14:modId xmlns:p14="http://schemas.microsoft.com/office/powerpoint/2010/main" val="322046238"/>
               </p:ext>
             </p:extLst>
           </p:nvPr>
@@ -22663,14 +22737,14 @@
                 <a:gridCol w="4865588">
                   <a:extLst>
                     <a:ext uri="{9D8B030D-6E8A-4147-A177-3AD203B41FA5}">
-                      <a16:colId xmlns:a16="http://schemas.microsoft.com/office/drawing/2014/main" xmlns="" val="20000"/>
+                      <a16:colId xmlns:a16="http://schemas.microsoft.com/office/drawing/2014/main" val="20000"/>
                     </a:ext>
                   </a:extLst>
                 </a:gridCol>
                 <a:gridCol w="5967220">
                   <a:extLst>
                     <a:ext uri="{9D8B030D-6E8A-4147-A177-3AD203B41FA5}">
-                      <a16:colId xmlns:a16="http://schemas.microsoft.com/office/drawing/2014/main" xmlns="" val="20001"/>
+                      <a16:colId xmlns:a16="http://schemas.microsoft.com/office/drawing/2014/main" val="20001"/>
                     </a:ext>
                   </a:extLst>
                 </a:gridCol>
@@ -22740,7 +22814,7 @@
                 </a:tc>
                 <a:extLst>
                   <a:ext uri="{0D108BD9-81ED-4DB2-BD59-A6C34878D82A}">
-                    <a16:rowId xmlns:a16="http://schemas.microsoft.com/office/drawing/2014/main" xmlns="" val="10000"/>
+                    <a16:rowId xmlns:a16="http://schemas.microsoft.com/office/drawing/2014/main" val="10000"/>
                   </a:ext>
                 </a:extLst>
               </a:tr>
@@ -22815,7 +22889,7 @@
                 </a:tc>
                 <a:extLst>
                   <a:ext uri="{0D108BD9-81ED-4DB2-BD59-A6C34878D82A}">
-                    <a16:rowId xmlns:a16="http://schemas.microsoft.com/office/drawing/2014/main" xmlns="" val="10001"/>
+                    <a16:rowId xmlns:a16="http://schemas.microsoft.com/office/drawing/2014/main" val="10001"/>
                   </a:ext>
                 </a:extLst>
               </a:tr>
@@ -22890,7 +22964,7 @@
                 </a:tc>
                 <a:extLst>
                   <a:ext uri="{0D108BD9-81ED-4DB2-BD59-A6C34878D82A}">
-                    <a16:rowId xmlns:a16="http://schemas.microsoft.com/office/drawing/2014/main" xmlns="" val="10002"/>
+                    <a16:rowId xmlns:a16="http://schemas.microsoft.com/office/drawing/2014/main" val="10002"/>
                   </a:ext>
                 </a:extLst>
               </a:tr>
@@ -22965,7 +23039,7 @@
                 </a:tc>
                 <a:extLst>
                   <a:ext uri="{0D108BD9-81ED-4DB2-BD59-A6C34878D82A}">
-                    <a16:rowId xmlns:a16="http://schemas.microsoft.com/office/drawing/2014/main" xmlns="" val="10003"/>
+                    <a16:rowId xmlns:a16="http://schemas.microsoft.com/office/drawing/2014/main" val="10003"/>
                   </a:ext>
                 </a:extLst>
               </a:tr>
@@ -23040,7 +23114,7 @@
                 </a:tc>
                 <a:extLst>
                   <a:ext uri="{0D108BD9-81ED-4DB2-BD59-A6C34878D82A}">
-                    <a16:rowId xmlns:a16="http://schemas.microsoft.com/office/drawing/2014/main" xmlns="" val="10004"/>
+                    <a16:rowId xmlns:a16="http://schemas.microsoft.com/office/drawing/2014/main" val="10004"/>
                   </a:ext>
                 </a:extLst>
               </a:tr>
@@ -23109,7 +23183,7 @@
                 </a:tc>
                 <a:extLst>
                   <a:ext uri="{0D108BD9-81ED-4DB2-BD59-A6C34878D82A}">
-                    <a16:rowId xmlns:a16="http://schemas.microsoft.com/office/drawing/2014/main" xmlns="" val="10005"/>
+                    <a16:rowId xmlns:a16="http://schemas.microsoft.com/office/drawing/2014/main" val="10005"/>
                   </a:ext>
                 </a:extLst>
               </a:tr>
@@ -23178,7 +23252,7 @@
                 </a:tc>
                 <a:extLst>
                   <a:ext uri="{0D108BD9-81ED-4DB2-BD59-A6C34878D82A}">
-                    <a16:rowId xmlns:a16="http://schemas.microsoft.com/office/drawing/2014/main" xmlns="" val="10006"/>
+                    <a16:rowId xmlns:a16="http://schemas.microsoft.com/office/drawing/2014/main" val="10006"/>
                   </a:ext>
                 </a:extLst>
               </a:tr>
@@ -23189,20 +23263,20 @@
     </p:spTree>
     <p:extLst>
       <p:ext uri="{BB962C8B-B14F-4D97-AF65-F5344CB8AC3E}">
-        <p14:creationId xmlns:p14="http://schemas.microsoft.com/office/powerpoint/2010/main" xmlns="" val="704978189"/>
+        <p14:creationId xmlns:p14="http://schemas.microsoft.com/office/powerpoint/2010/main" val="704978189"/>
       </p:ext>
     </p:extLst>
   </p:cSld>
   <p:clrMapOvr>
     <a:masterClrMapping/>
   </p:clrMapOvr>
-  <mc:AlternateContent xmlns:mc="http://schemas.openxmlformats.org/markup-compatibility/2006">
-    <mc:Choice xmlns:p14="http://schemas.microsoft.com/office/powerpoint/2010/main" xmlns="" Requires="p14">
+  <mc:AlternateContent xmlns:mc="http://schemas.openxmlformats.org/markup-compatibility/2006" xmlns:p14="http://schemas.microsoft.com/office/powerpoint/2010/main">
+    <mc:Choice Requires="p14">
       <p:transition spd="med" p14:dur="700">
         <p:fade/>
       </p:transition>
     </mc:Choice>
-    <mc:Fallback>
+    <mc:Fallback xmlns="">
       <p:transition spd="med">
         <p:fade/>
       </p:transition>
@@ -23463,14 +23537,14 @@
           <a:effectLst/>
           <a:extLst>
             <a:ext uri="{909E8E84-426E-40DD-AFC4-6F175D3DCCD1}">
-              <a14:hiddenFill xmlns:a14="http://schemas.microsoft.com/office/drawing/2010/main" xmlns="">
+              <a14:hiddenFill xmlns:a14="http://schemas.microsoft.com/office/drawing/2010/main">
                 <a:solidFill>
                   <a:schemeClr val="accent1"/>
                 </a:solidFill>
               </a14:hiddenFill>
             </a:ext>
             <a:ext uri="{91240B29-F687-4F45-9708-019B960494DF}">
-              <a14:hiddenLine xmlns:a14="http://schemas.microsoft.com/office/drawing/2010/main" xmlns="" w="9525">
+              <a14:hiddenLine xmlns:a14="http://schemas.microsoft.com/office/drawing/2010/main" w="9525">
                 <a:solidFill>
                   <a:srgbClr val="000000"/>
                 </a:solidFill>
@@ -23480,7 +23554,7 @@
               </a14:hiddenLine>
             </a:ext>
             <a:ext uri="{AF507438-7753-43E0-B8FC-AC1667EBCBE1}">
-              <a14:hiddenEffects xmlns:a14="http://schemas.microsoft.com/office/drawing/2010/main" xmlns="">
+              <a14:hiddenEffects xmlns:a14="http://schemas.microsoft.com/office/drawing/2010/main">
                 <a:effectLst>
                   <a:outerShdw dist="35921" dir="2700000" algn="ctr" rotWithShape="0">
                     <a:schemeClr val="bg2"/>
@@ -23583,20 +23657,20 @@
     </p:spTree>
     <p:extLst>
       <p:ext uri="{BB962C8B-B14F-4D97-AF65-F5344CB8AC3E}">
-        <p14:creationId xmlns:p14="http://schemas.microsoft.com/office/powerpoint/2010/main" xmlns="" val="3518731879"/>
+        <p14:creationId xmlns:p14="http://schemas.microsoft.com/office/powerpoint/2010/main" val="3518731879"/>
       </p:ext>
     </p:extLst>
   </p:cSld>
   <p:clrMapOvr>
     <a:masterClrMapping/>
   </p:clrMapOvr>
-  <mc:AlternateContent xmlns:mc="http://schemas.openxmlformats.org/markup-compatibility/2006">
-    <mc:Choice xmlns:p14="http://schemas.microsoft.com/office/powerpoint/2010/main" xmlns="" Requires="p14">
+  <mc:AlternateContent xmlns:mc="http://schemas.openxmlformats.org/markup-compatibility/2006" xmlns:p14="http://schemas.microsoft.com/office/powerpoint/2010/main">
+    <mc:Choice Requires="p14">
       <p:transition spd="med" p14:dur="700">
         <p:fade/>
       </p:transition>
     </mc:Choice>
-    <mc:Fallback>
+    <mc:Fallback xmlns="">
       <p:transition spd="med">
         <p:fade/>
       </p:transition>
@@ -23857,14 +23931,14 @@
           <a:effectLst/>
           <a:extLst>
             <a:ext uri="{909E8E84-426E-40DD-AFC4-6F175D3DCCD1}">
-              <a14:hiddenFill xmlns:a14="http://schemas.microsoft.com/office/drawing/2010/main" xmlns="">
+              <a14:hiddenFill xmlns:a14="http://schemas.microsoft.com/office/drawing/2010/main">
                 <a:solidFill>
                   <a:schemeClr val="accent1"/>
                 </a:solidFill>
               </a14:hiddenFill>
             </a:ext>
             <a:ext uri="{91240B29-F687-4F45-9708-019B960494DF}">
-              <a14:hiddenLine xmlns:a14="http://schemas.microsoft.com/office/drawing/2010/main" xmlns="" w="9525">
+              <a14:hiddenLine xmlns:a14="http://schemas.microsoft.com/office/drawing/2010/main" w="9525">
                 <a:solidFill>
                   <a:srgbClr val="000000"/>
                 </a:solidFill>
@@ -23874,7 +23948,7 @@
               </a14:hiddenLine>
             </a:ext>
             <a:ext uri="{AF507438-7753-43E0-B8FC-AC1667EBCBE1}">
-              <a14:hiddenEffects xmlns:a14="http://schemas.microsoft.com/office/drawing/2010/main" xmlns="">
+              <a14:hiddenEffects xmlns:a14="http://schemas.microsoft.com/office/drawing/2010/main">
                 <a:effectLst>
                   <a:outerShdw dist="35921" dir="2700000" algn="ctr" rotWithShape="0">
                     <a:schemeClr val="bg2"/>
@@ -23933,7 +24007,7 @@
           <p:nvPr>
             <p:extLst>
               <p:ext uri="{D42A27DB-BD31-4B8C-83A1-F6EECF244321}">
-                <p14:modId xmlns:p14="http://schemas.microsoft.com/office/powerpoint/2010/main" xmlns="" val="1132618038"/>
+                <p14:modId xmlns:p14="http://schemas.microsoft.com/office/powerpoint/2010/main" val="1132618038"/>
               </p:ext>
             </p:extLst>
           </p:nvPr>
@@ -23944,29 +24018,79 @@
         </p:xfrm>
         <a:graphic>
           <a:graphicData uri="http://schemas.openxmlformats.org/presentationml/2006/ole">
-            <p:oleObj spid="_x0000_s1029" name="Visio" r:id="rId4" imgW="5821153" imgH="4370556" progId="Visio.Drawing.11">
-              <p:embed/>
-            </p:oleObj>
+            <mc:AlternateContent xmlns:mc="http://schemas.openxmlformats.org/markup-compatibility/2006">
+              <mc:Choice xmlns:v="urn:schemas-microsoft-com:vml" Requires="v">
+                <p:oleObj spid="_x0000_s1033" name="Visio" r:id="rId4" imgW="5821153" imgH="4370556" progId="Visio.Drawing.11">
+                  <p:embed/>
+                </p:oleObj>
+              </mc:Choice>
+              <mc:Fallback>
+                <p:oleObj name="Visio" r:id="rId4" imgW="5821153" imgH="4370556" progId="Visio.Drawing.11">
+                  <p:embed/>
+                  <p:pic>
+                    <p:nvPicPr>
+                      <p:cNvPr id="0" name="Picture 5"/>
+                      <p:cNvPicPr>
+                        <a:picLocks noChangeAspect="1" noChangeArrowheads="1"/>
+                      </p:cNvPicPr>
+                      <p:nvPr/>
+                    </p:nvPicPr>
+                    <p:blipFill>
+                      <a:blip r:embed="rId5">
+                        <a:extLst>
+                          <a:ext uri="{28A0092B-C50C-407E-A947-70E740481C1C}">
+                            <a14:useLocalDpi xmlns:a14="http://schemas.microsoft.com/office/drawing/2010/main" val="0"/>
+                          </a:ext>
+                        </a:extLst>
+                      </a:blip>
+                      <a:srcRect/>
+                      <a:stretch>
+                        <a:fillRect/>
+                      </a:stretch>
+                    </p:blipFill>
+                    <p:spPr bwMode="auto">
+                      <a:xfrm>
+                        <a:off x="2333379" y="876138"/>
+                        <a:ext cx="7333135" cy="5381365"/>
+                      </a:xfrm>
+                      <a:prstGeom prst="rect">
+                        <a:avLst/>
+                      </a:prstGeom>
+                      <a:noFill/>
+                      <a:extLst>
+                        <a:ext uri="{909E8E84-426E-40DD-AFC4-6F175D3DCCD1}">
+                          <a14:hiddenFill xmlns:a14="http://schemas.microsoft.com/office/drawing/2010/main">
+                            <a:solidFill>
+                              <a:srgbClr val="FFFFFF"/>
+                            </a:solidFill>
+                          </a14:hiddenFill>
+                        </a:ext>
+                      </a:extLst>
+                    </p:spPr>
+                  </p:pic>
+                </p:oleObj>
+              </mc:Fallback>
+            </mc:AlternateContent>
           </a:graphicData>
         </a:graphic>
       </p:graphicFrame>
     </p:spTree>
     <p:extLst>
       <p:ext uri="{BB962C8B-B14F-4D97-AF65-F5344CB8AC3E}">
-        <p14:creationId xmlns:p14="http://schemas.microsoft.com/office/powerpoint/2010/main" xmlns="" val="2921833375"/>
+        <p14:creationId xmlns:p14="http://schemas.microsoft.com/office/powerpoint/2010/main" val="2921833375"/>
       </p:ext>
     </p:extLst>
   </p:cSld>
   <p:clrMapOvr>
     <a:masterClrMapping/>
   </p:clrMapOvr>
-  <mc:AlternateContent xmlns:mc="http://schemas.openxmlformats.org/markup-compatibility/2006">
-    <mc:Choice xmlns:p14="http://schemas.microsoft.com/office/powerpoint/2010/main" xmlns="" Requires="p14">
+  <mc:AlternateContent xmlns:mc="http://schemas.openxmlformats.org/markup-compatibility/2006" xmlns:p14="http://schemas.microsoft.com/office/powerpoint/2010/main">
+    <mc:Choice Requires="p14">
       <p:transition spd="med" p14:dur="700">
         <p:fade/>
       </p:transition>
     </mc:Choice>
-    <mc:Fallback>
+    <mc:Fallback xmlns="">
       <p:transition spd="med">
         <p:fade/>
       </p:transition>
@@ -24251,7 +24375,7 @@
   <a:extraClrSchemeLst/>
   <a:extLst>
     <a:ext uri="{05A4C25C-085E-4340-85A3-A5531E510DB2}">
-      <thm15:themeFamily xmlns:thm15="http://schemas.microsoft.com/office/thememl/2012/main" xmlns="" name="Office Theme" id="{62F939B6-93AF-4DB8-9C6B-D6C7DFDC589F}" vid="{4A3C46E8-61CC-4603-A589-7422A47A8E4A}"/>
+      <thm15:themeFamily xmlns:thm15="http://schemas.microsoft.com/office/thememl/2012/main" name="Office Theme" id="{62F939B6-93AF-4DB8-9C6B-D6C7DFDC589F}" vid="{4A3C46E8-61CC-4603-A589-7422A47A8E4A}"/>
     </a:ext>
   </a:extLst>
 </a:theme>
@@ -24546,7 +24670,7 @@
   <a:extraClrSchemeLst/>
   <a:extLst>
     <a:ext uri="{05A4C25C-085E-4340-85A3-A5531E510DB2}">
-      <thm15:themeFamily xmlns:thm15="http://schemas.microsoft.com/office/thememl/2012/main" xmlns="" name="Office Theme" id="{62F939B6-93AF-4DB8-9C6B-D6C7DFDC589F}" vid="{4A3C46E8-61CC-4603-A589-7422A47A8E4A}"/>
+      <thm15:themeFamily xmlns:thm15="http://schemas.microsoft.com/office/thememl/2012/main" name="Office Theme" id="{62F939B6-93AF-4DB8-9C6B-D6C7DFDC589F}" vid="{4A3C46E8-61CC-4603-A589-7422A47A8E4A}"/>
     </a:ext>
   </a:extLst>
 </a:theme>

--- a/107_SE_Team12_AR RPG結合區域行銷.pptx
+++ b/107_SE_Team12_AR RPG結合區域行銷.pptx
@@ -238,7 +238,7 @@
             <a:fld id="{B3061A59-E211-45AA-A9F0-2CB5442E46EC}" type="datetimeFigureOut">
               <a:rPr lang="zh-CN" altLang="en-US" smtClean="0"/>
               <a:pPr/>
-              <a:t>2019/1/10</a:t>
+              <a:t>2019/1/11</a:t>
             </a:fld>
             <a:endParaRPr lang="zh-CN" altLang="en-US"/>
           </a:p>
@@ -2591,7 +2591,7 @@
             <a:fld id="{82F288E0-7875-42C4-84C8-98DBBD3BF4D2}" type="datetimeFigureOut">
               <a:rPr lang="zh-CN" altLang="en-US" smtClean="0"/>
               <a:pPr/>
-              <a:t>2019/1/10</a:t>
+              <a:t>2019/1/11</a:t>
             </a:fld>
             <a:endParaRPr lang="zh-CN" altLang="en-US"/>
           </a:p>
@@ -2751,7 +2751,7 @@
             <a:fld id="{82F288E0-7875-42C4-84C8-98DBBD3BF4D2}" type="datetimeFigureOut">
               <a:rPr lang="zh-CN" altLang="en-US" smtClean="0"/>
               <a:pPr/>
-              <a:t>2019/1/10</a:t>
+              <a:t>2019/1/11</a:t>
             </a:fld>
             <a:endParaRPr lang="zh-CN" altLang="en-US"/>
           </a:p>
@@ -2928,7 +2928,7 @@
             <a:fld id="{82F288E0-7875-42C4-84C8-98DBBD3BF4D2}" type="datetimeFigureOut">
               <a:rPr lang="zh-CN" altLang="en-US" smtClean="0"/>
               <a:pPr/>
-              <a:t>2019/1/10</a:t>
+              <a:t>2019/1/11</a:t>
             </a:fld>
             <a:endParaRPr lang="zh-CN" altLang="en-US"/>
           </a:p>
@@ -3182,7 +3182,7 @@
             <a:fld id="{82F288E0-7875-42C4-84C8-98DBBD3BF4D2}" type="datetimeFigureOut">
               <a:rPr lang="zh-CN" altLang="en-US" smtClean="0"/>
               <a:pPr/>
-              <a:t>2019/1/10</a:t>
+              <a:t>2019/1/11</a:t>
             </a:fld>
             <a:endParaRPr lang="zh-CN" altLang="en-US"/>
           </a:p>
@@ -3420,7 +3420,7 @@
             <a:fld id="{82F288E0-7875-42C4-84C8-98DBBD3BF4D2}" type="datetimeFigureOut">
               <a:rPr lang="zh-CN" altLang="en-US" smtClean="0"/>
               <a:pPr/>
-              <a:t>2019/1/10</a:t>
+              <a:t>2019/1/11</a:t>
             </a:fld>
             <a:endParaRPr lang="zh-CN" altLang="en-US"/>
           </a:p>
@@ -3793,7 +3793,7 @@
             <a:fld id="{82F288E0-7875-42C4-84C8-98DBBD3BF4D2}" type="datetimeFigureOut">
               <a:rPr lang="zh-CN" altLang="en-US" smtClean="0"/>
               <a:pPr/>
-              <a:t>2019/1/10</a:t>
+              <a:t>2019/1/11</a:t>
             </a:fld>
             <a:endParaRPr lang="zh-CN" altLang="en-US"/>
           </a:p>
@@ -3919,7 +3919,7 @@
             <a:fld id="{82F288E0-7875-42C4-84C8-98DBBD3BF4D2}" type="datetimeFigureOut">
               <a:rPr lang="zh-CN" altLang="en-US" smtClean="0"/>
               <a:pPr/>
-              <a:t>2019/1/10</a:t>
+              <a:t>2019/1/11</a:t>
             </a:fld>
             <a:endParaRPr lang="zh-CN" altLang="en-US"/>
           </a:p>
@@ -4048,7 +4048,7 @@
             <a:fld id="{82F288E0-7875-42C4-84C8-98DBBD3BF4D2}" type="datetimeFigureOut">
               <a:rPr lang="zh-CN" altLang="en-US" smtClean="0"/>
               <a:pPr/>
-              <a:t>2019/1/10</a:t>
+              <a:t>2019/1/11</a:t>
             </a:fld>
             <a:endParaRPr lang="zh-CN" altLang="en-US"/>
           </a:p>
@@ -4334,7 +4334,7 @@
             <a:fld id="{82F288E0-7875-42C4-84C8-98DBBD3BF4D2}" type="datetimeFigureOut">
               <a:rPr lang="zh-CN" altLang="en-US" smtClean="0"/>
               <a:pPr/>
-              <a:t>2019/1/10</a:t>
+              <a:t>2019/1/11</a:t>
             </a:fld>
             <a:endParaRPr lang="zh-CN" altLang="en-US"/>
           </a:p>
@@ -4521,7 +4521,7 @@
             <a:fld id="{82F288E0-7875-42C4-84C8-98DBBD3BF4D2}" type="datetimeFigureOut">
               <a:rPr lang="zh-CN" altLang="en-US" smtClean="0"/>
               <a:pPr/>
-              <a:t>2019/1/10</a:t>
+              <a:t>2019/1/11</a:t>
             </a:fld>
             <a:endParaRPr lang="zh-CN" altLang="en-US"/>
           </a:p>
@@ -4741,7 +4741,7 @@
             <a:fld id="{82F288E0-7875-42C4-84C8-98DBBD3BF4D2}" type="datetimeFigureOut">
               <a:rPr lang="zh-CN" altLang="en-US" smtClean="0"/>
               <a:pPr/>
-              <a:t>2019/1/10</a:t>
+              <a:t>2019/1/11</a:t>
             </a:fld>
             <a:endParaRPr lang="zh-CN" altLang="en-US"/>
           </a:p>
@@ -7714,17 +7714,7 @@
                 <a:latin typeface="微软雅黑" panose="020B0503020204020204" charset="-122"/>
                 <a:ea typeface="微软雅黑" panose="020B0503020204020204" charset="-122"/>
               </a:rPr>
-              <a:t>系統架構</a:t>
-            </a:r>
-            <a:r>
-              <a:rPr lang="zh-TW" altLang="en-US" sz="2800" b="1" dirty="0" smtClean="0">
-                <a:solidFill>
-                  <a:srgbClr val="765036"/>
-                </a:solidFill>
-                <a:latin typeface="微软雅黑" panose="020B0503020204020204" charset="-122"/>
-                <a:ea typeface="微软雅黑" panose="020B0503020204020204" charset="-122"/>
-              </a:rPr>
-              <a:t>圖</a:t>
+              <a:t>系統架構圖</a:t>
             </a:r>
             <a:endParaRPr lang="zh-CN" altLang="en-US" sz="2800" b="1" dirty="0">
               <a:solidFill>
@@ -8149,7 +8139,7 @@
           <a:graphicData uri="http://schemas.openxmlformats.org/presentationml/2006/ole">
             <mc:AlternateContent xmlns:mc="http://schemas.openxmlformats.org/markup-compatibility/2006">
               <mc:Choice xmlns:v="urn:schemas-microsoft-com:vml" Requires="v">
-                <p:oleObj spid="_x0000_s2057" name="Visio" r:id="rId4" imgW="5578235" imgH="4463378" progId="Visio.Drawing.11">
+                <p:oleObj spid="_x0000_s2060" name="Visio" r:id="rId4" imgW="5578235" imgH="4463378" progId="Visio.Drawing.11">
                   <p:embed/>
                 </p:oleObj>
               </mc:Choice>
@@ -20905,10 +20895,19 @@
                 <a:cs typeface="Arial"/>
                 <a:sym typeface="Arial"/>
               </a:rPr>
-              <a:t>科技日新月異，人們已不滿足在螢幕中建構一個幻想世界，這是</a:t>
+              <a:t>科技日新月異，人們已不滿足在螢幕中建構一個幻想</a:t>
             </a:r>
             <a:r>
-              <a:rPr lang="en-US" altLang="zh-TW" sz="2800" b="1" dirty="0">
+              <a:rPr lang="zh-TW" altLang="en-US" sz="2800" b="1" dirty="0" smtClean="0">
+                <a:latin typeface="Microsoft YaHei" panose="020B0503020204020204" pitchFamily="34" charset="-122"/>
+                <a:ea typeface="Microsoft YaHei" panose="020B0503020204020204" pitchFamily="34" charset="-122"/>
+                <a:cs typeface="Arial"/>
+                <a:sym typeface="Arial"/>
+              </a:rPr>
+              <a:t>世界，在</a:t>
+            </a:r>
+            <a:r>
+              <a:rPr lang="en-US" altLang="zh-TW" sz="2800" b="1" dirty="0" smtClean="0">
                 <a:latin typeface="Microsoft YaHei" panose="020B0503020204020204" pitchFamily="34" charset="-122"/>
                 <a:ea typeface="Microsoft YaHei" panose="020B0503020204020204" pitchFamily="34" charset="-122"/>
                 <a:cs typeface="Arial"/>
@@ -20941,7 +20940,52 @@
                 <a:cs typeface="Arial"/>
                 <a:sym typeface="Arial"/>
               </a:rPr>
-              <a:t>等技術相應出現，使我們能親身進入幻想世界，甚至使之與現實融合。</a:t>
+              <a:t>等技術相應</a:t>
+            </a:r>
+            <a:r>
+              <a:rPr lang="zh-TW" altLang="en-US" sz="2800" b="1" dirty="0" smtClean="0">
+                <a:latin typeface="Microsoft YaHei" panose="020B0503020204020204" pitchFamily="34" charset="-122"/>
+                <a:ea typeface="Microsoft YaHei" panose="020B0503020204020204" pitchFamily="34" charset="-122"/>
+                <a:cs typeface="Arial"/>
+                <a:sym typeface="Arial"/>
+              </a:rPr>
+              <a:t>出現後，</a:t>
+            </a:r>
+            <a:r>
+              <a:rPr lang="zh-TW" altLang="en-US" sz="2800" b="1" dirty="0" smtClean="0">
+                <a:latin typeface="Microsoft YaHei" panose="020B0503020204020204" pitchFamily="34" charset="-122"/>
+                <a:ea typeface="Microsoft YaHei" panose="020B0503020204020204" pitchFamily="34" charset="-122"/>
+                <a:cs typeface="Arial"/>
+                <a:sym typeface="Arial"/>
+              </a:rPr>
+              <a:t>可讓我們</a:t>
+            </a:r>
+            <a:r>
+              <a:rPr lang="zh-TW" altLang="en-US" sz="2800" b="1" dirty="0">
+                <a:latin typeface="Microsoft YaHei" panose="020B0503020204020204" pitchFamily="34" charset="-122"/>
+                <a:ea typeface="Microsoft YaHei" panose="020B0503020204020204" pitchFamily="34" charset="-122"/>
+                <a:cs typeface="Arial"/>
+                <a:sym typeface="Arial"/>
+              </a:rPr>
+              <a:t>能親身進入幻想世界，</a:t>
+            </a:r>
+            <a:r>
+              <a:rPr lang="zh-TW" altLang="en-US" sz="2800" b="1" dirty="0" smtClean="0">
+                <a:latin typeface="Microsoft YaHei" panose="020B0503020204020204" pitchFamily="34" charset="-122"/>
+                <a:ea typeface="Microsoft YaHei" panose="020B0503020204020204" pitchFamily="34" charset="-122"/>
+                <a:cs typeface="Arial"/>
+                <a:sym typeface="Arial"/>
+              </a:rPr>
+              <a:t>甚至使其與</a:t>
+            </a:r>
+            <a:r>
+              <a:rPr lang="zh-TW" altLang="en-US" sz="2800" b="1" dirty="0">
+                <a:latin typeface="Microsoft YaHei" panose="020B0503020204020204" pitchFamily="34" charset="-122"/>
+                <a:ea typeface="Microsoft YaHei" panose="020B0503020204020204" pitchFamily="34" charset="-122"/>
+                <a:cs typeface="Arial"/>
+                <a:sym typeface="Arial"/>
+              </a:rPr>
+              <a:t>現實融合。</a:t>
             </a:r>
           </a:p>
           <a:p>
@@ -24020,7 +24064,7 @@
           <a:graphicData uri="http://schemas.openxmlformats.org/presentationml/2006/ole">
             <mc:AlternateContent xmlns:mc="http://schemas.openxmlformats.org/markup-compatibility/2006">
               <mc:Choice xmlns:v="urn:schemas-microsoft-com:vml" Requires="v">
-                <p:oleObj spid="_x0000_s1033" name="Visio" r:id="rId4" imgW="5821153" imgH="4370556" progId="Visio.Drawing.11">
+                <p:oleObj spid="_x0000_s1036" name="Visio" r:id="rId4" imgW="5821153" imgH="4370556" progId="Visio.Drawing.11">
                   <p:embed/>
                 </p:oleObj>
               </mc:Choice>
